--- a/model/【モデル図】てなろぼ★ぷらいまりぃ_2025.pptx
+++ b/model/【モデル図】てなろぼ★ぷらいまりぃ_2025.pptx
@@ -1314,7 +1314,7 @@
           <a:p>
             <a:fld id="{C764DE79-268F-4C1A-8933-263129D2AF90}" type="datetimeFigureOut">
               <a:rPr lang="en-US" dirty="0"/>
-              <a:t>8/1/2025</a:t>
+              <a:t>8/2/2025</a:t>
             </a:fld>
             <a:endParaRPr lang="en-US" dirty="0"/>
           </a:p>
@@ -1409,7 +1409,7 @@
           <a:p>
             <a:fld id="{C764DE79-268F-4C1A-8933-263129D2AF90}" type="datetimeFigureOut">
               <a:rPr lang="en-US" dirty="0"/>
-              <a:t>8/1/2025</a:t>
+              <a:t>8/2/2025</a:t>
             </a:fld>
             <a:endParaRPr lang="en-US" dirty="0"/>
           </a:p>
@@ -1718,7 +1718,7 @@
           <a:p>
             <a:fld id="{C764DE79-268F-4C1A-8933-263129D2AF90}" type="datetimeFigureOut">
               <a:rPr lang="en-US" dirty="0"/>
-              <a:t>8/1/2025</a:t>
+              <a:t>8/2/2025</a:t>
             </a:fld>
             <a:endParaRPr lang="en-US" dirty="0"/>
           </a:p>
@@ -1975,7 +1975,7 @@
           <a:p>
             <a:fld id="{C764DE79-268F-4C1A-8933-263129D2AF90}" type="datetimeFigureOut">
               <a:rPr lang="en-US" dirty="0"/>
-              <a:t>8/1/2025</a:t>
+              <a:t>8/2/2025</a:t>
             </a:fld>
             <a:endParaRPr lang="en-US" dirty="0"/>
           </a:p>
@@ -2177,7 +2177,7 @@
           <a:p>
             <a:fld id="{C764DE79-268F-4C1A-8933-263129D2AF90}" type="datetimeFigureOut">
               <a:rPr lang="en-US" dirty="0"/>
-              <a:t>8/1/2025</a:t>
+              <a:t>8/2/2025</a:t>
             </a:fld>
             <a:endParaRPr lang="en-US" dirty="0"/>
           </a:p>
@@ -2389,7 +2389,7 @@
           <a:p>
             <a:fld id="{C764DE79-268F-4C1A-8933-263129D2AF90}" type="datetimeFigureOut">
               <a:rPr lang="en-US" dirty="0"/>
-              <a:t>8/1/2025</a:t>
+              <a:t>8/2/2025</a:t>
             </a:fld>
             <a:endParaRPr lang="en-US" dirty="0"/>
           </a:p>
@@ -2816,7 +2816,7 @@
           <a:p>
             <a:fld id="{C764DE79-268F-4C1A-8933-263129D2AF90}" type="datetimeFigureOut">
               <a:rPr lang="en-US" dirty="0"/>
-              <a:t>8/1/2025</a:t>
+              <a:t>8/2/2025</a:t>
             </a:fld>
             <a:endParaRPr lang="en-US" dirty="0"/>
           </a:p>
@@ -3018,7 +3018,7 @@
           <a:p>
             <a:fld id="{C764DE79-268F-4C1A-8933-263129D2AF90}" type="datetimeFigureOut">
               <a:rPr lang="en-US" dirty="0"/>
-              <a:t>8/1/2025</a:t>
+              <a:t>8/2/2025</a:t>
             </a:fld>
             <a:endParaRPr lang="en-US" dirty="0"/>
           </a:p>
@@ -3262,7 +3262,7 @@
           <a:p>
             <a:fld id="{C764DE79-268F-4C1A-8933-263129D2AF90}" type="datetimeFigureOut">
               <a:rPr lang="en-US" dirty="0"/>
-              <a:t>8/1/2025</a:t>
+              <a:t>8/2/2025</a:t>
             </a:fld>
             <a:endParaRPr lang="en-US" dirty="0"/>
           </a:p>
@@ -3558,7 +3558,7 @@
           <a:p>
             <a:fld id="{C764DE79-268F-4C1A-8933-263129D2AF90}" type="datetimeFigureOut">
               <a:rPr lang="en-US" dirty="0"/>
-              <a:t>8/1/2025</a:t>
+              <a:t>8/2/2025</a:t>
             </a:fld>
             <a:endParaRPr lang="en-US" dirty="0"/>
           </a:p>
@@ -3989,7 +3989,7 @@
           <a:p>
             <a:fld id="{C764DE79-268F-4C1A-8933-263129D2AF90}" type="datetimeFigureOut">
               <a:rPr lang="en-US" dirty="0"/>
-              <a:t>8/1/2025</a:t>
+              <a:t>8/2/2025</a:t>
             </a:fld>
             <a:endParaRPr lang="en-US" dirty="0"/>
           </a:p>
@@ -5012,7 +5012,7 @@
           <a:p>
             <a:fld id="{C764DE79-268F-4C1A-8933-263129D2AF90}" type="datetimeFigureOut">
               <a:rPr lang="en-US" dirty="0"/>
-              <a:t>8/1/2025</a:t>
+              <a:t>8/2/2025</a:t>
             </a:fld>
             <a:endParaRPr lang="en-US" dirty="0"/>
           </a:p>
@@ -7443,7 +7443,7 @@
                 <a:latin typeface="UD デジタル 教科書体 NP" panose="02020400000000000000" pitchFamily="18" charset="-128"/>
                 <a:ea typeface="UD デジタル 教科書体 NP" panose="02020400000000000000" pitchFamily="18" charset="-128"/>
               </a:rPr>
-              <a:t>基本的な考え方として、我々競技者はバーチャル運転手に相応体の運転を依頼するイメージを</a:t>
+              <a:t>基本的な考え方として、我々競技者はバーチャル運転手に走行体の運転を依頼するイメージを</a:t>
             </a:r>
             <a:endParaRPr lang="en-US" altLang="ja-JP" sz="1400" dirty="0">
               <a:latin typeface="UD デジタル 教科書体 NP" panose="02020400000000000000" pitchFamily="18" charset="-128"/>

--- a/model/【モデル図】てなろぼ★ぷらいまりぃ_2025.pptx
+++ b/model/【モデル図】てなろぼ★ぷらいまりぃ_2025.pptx
@@ -7527,7 +7527,24 @@
                 <a:latin typeface="UD デジタル 教科書体 NP" panose="02020400000000000000" pitchFamily="18" charset="-128"/>
                 <a:ea typeface="UD デジタル 教科書体 NP" panose="02020400000000000000" pitchFamily="18" charset="-128"/>
               </a:rPr>
-              <a:t>黒ライン⇒青ライン⇒分岐の繰返し</a:t>
+              <a:t>黒ライン⇒</a:t>
+            </a:r>
+            <a:r>
+              <a:rPr lang="ja-JP" altLang="en-US" sz="1400" b="1" dirty="0">
+                <a:solidFill>
+                  <a:schemeClr val="accent1"/>
+                </a:solidFill>
+                <a:latin typeface="UD デジタル 教科書体 NP" panose="02020400000000000000" pitchFamily="18" charset="-128"/>
+                <a:ea typeface="UD デジタル 教科書体 NP" panose="02020400000000000000" pitchFamily="18" charset="-128"/>
+              </a:rPr>
+              <a:t>青ライン</a:t>
+            </a:r>
+            <a:r>
+              <a:rPr lang="ja-JP" altLang="en-US" sz="1400" b="1" dirty="0">
+                <a:latin typeface="UD デジタル 教科書体 NP" panose="02020400000000000000" pitchFamily="18" charset="-128"/>
+                <a:ea typeface="UD デジタル 教科書体 NP" panose="02020400000000000000" pitchFamily="18" charset="-128"/>
+              </a:rPr>
+              <a:t>⇒分岐の繰返し</a:t>
             </a:r>
             <a:r>
               <a:rPr lang="ja-JP" altLang="en-US" sz="1400" dirty="0">
@@ -7714,7 +7731,7 @@
                 <a:latin typeface="UD デジタル 教科書体 NP" panose="02020400000000000000" pitchFamily="18" charset="-128"/>
                 <a:ea typeface="UD デジタル 教科書体 NP" panose="02020400000000000000" pitchFamily="18" charset="-128"/>
               </a:rPr>
-              <a:t>走行する。その際走行体が左右どちらのラインエッジに存在</a:t>
+              <a:t>走行する。その際走行体が左右どちらのラインエッジにを走</a:t>
             </a:r>
             <a:endParaRPr lang="en-US" altLang="ja-JP" sz="1400" dirty="0">
               <a:latin typeface="UD デジタル 教科書体 NP" panose="02020400000000000000" pitchFamily="18" charset="-128"/>
@@ -7735,7 +7752,7 @@
                 <a:latin typeface="UD デジタル 教科書体 NP" panose="02020400000000000000" pitchFamily="18" charset="-128"/>
                 <a:ea typeface="UD デジタル 教科書体 NP" panose="02020400000000000000" pitchFamily="18" charset="-128"/>
               </a:rPr>
-              <a:t>するかは問わない。</a:t>
+              <a:t>行しているかは問わない。</a:t>
             </a:r>
             <a:endParaRPr lang="en-US" altLang="ja-JP" sz="1400" dirty="0">
               <a:latin typeface="UD デジタル 教科書体 NP" panose="02020400000000000000" pitchFamily="18" charset="-128"/>
@@ -8873,8 +8890,8 @@
         </p:nvSpPr>
         <p:spPr bwMode="auto">
           <a:xfrm>
-            <a:off x="142203" y="6282009"/>
-            <a:ext cx="9192991" cy="4288717"/>
+            <a:off x="152494" y="5979466"/>
+            <a:ext cx="7731046" cy="4479006"/>
           </a:xfrm>
           <a:prstGeom prst="rect">
             <a:avLst/>
@@ -9062,8 +9079,8 @@
         </p:nvSpPr>
         <p:spPr bwMode="auto">
           <a:xfrm>
-            <a:off x="9495232" y="1457474"/>
-            <a:ext cx="5447411" cy="4558332"/>
+            <a:off x="7991723" y="648544"/>
+            <a:ext cx="6975133" cy="9809930"/>
           </a:xfrm>
           <a:prstGeom prst="rect">
             <a:avLst/>

--- a/model/【モデル図】てなろぼ★ぷらいまりぃ_2025.pptx
+++ b/model/【モデル図】てなろぼ★ぷらいまりぃ_2025.pptx
@@ -1314,7 +1314,7 @@
           <a:p>
             <a:fld id="{C764DE79-268F-4C1A-8933-263129D2AF90}" type="datetimeFigureOut">
               <a:rPr lang="en-US" dirty="0"/>
-              <a:t>8/2/2025</a:t>
+              <a:t>8/5/2025</a:t>
             </a:fld>
             <a:endParaRPr lang="en-US" dirty="0"/>
           </a:p>
@@ -1409,7 +1409,7 @@
           <a:p>
             <a:fld id="{C764DE79-268F-4C1A-8933-263129D2AF90}" type="datetimeFigureOut">
               <a:rPr lang="en-US" dirty="0"/>
-              <a:t>8/2/2025</a:t>
+              <a:t>8/5/2025</a:t>
             </a:fld>
             <a:endParaRPr lang="en-US" dirty="0"/>
           </a:p>
@@ -1718,7 +1718,7 @@
           <a:p>
             <a:fld id="{C764DE79-268F-4C1A-8933-263129D2AF90}" type="datetimeFigureOut">
               <a:rPr lang="en-US" dirty="0"/>
-              <a:t>8/2/2025</a:t>
+              <a:t>8/5/2025</a:t>
             </a:fld>
             <a:endParaRPr lang="en-US" dirty="0"/>
           </a:p>
@@ -1975,7 +1975,7 @@
           <a:p>
             <a:fld id="{C764DE79-268F-4C1A-8933-263129D2AF90}" type="datetimeFigureOut">
               <a:rPr lang="en-US" dirty="0"/>
-              <a:t>8/2/2025</a:t>
+              <a:t>8/5/2025</a:t>
             </a:fld>
             <a:endParaRPr lang="en-US" dirty="0"/>
           </a:p>
@@ -2177,7 +2177,7 @@
           <a:p>
             <a:fld id="{C764DE79-268F-4C1A-8933-263129D2AF90}" type="datetimeFigureOut">
               <a:rPr lang="en-US" dirty="0"/>
-              <a:t>8/2/2025</a:t>
+              <a:t>8/5/2025</a:t>
             </a:fld>
             <a:endParaRPr lang="en-US" dirty="0"/>
           </a:p>
@@ -2389,7 +2389,7 @@
           <a:p>
             <a:fld id="{C764DE79-268F-4C1A-8933-263129D2AF90}" type="datetimeFigureOut">
               <a:rPr lang="en-US" dirty="0"/>
-              <a:t>8/2/2025</a:t>
+              <a:t>8/5/2025</a:t>
             </a:fld>
             <a:endParaRPr lang="en-US" dirty="0"/>
           </a:p>
@@ -2816,7 +2816,7 @@
           <a:p>
             <a:fld id="{C764DE79-268F-4C1A-8933-263129D2AF90}" type="datetimeFigureOut">
               <a:rPr lang="en-US" dirty="0"/>
-              <a:t>8/2/2025</a:t>
+              <a:t>8/5/2025</a:t>
             </a:fld>
             <a:endParaRPr lang="en-US" dirty="0"/>
           </a:p>
@@ -3018,7 +3018,7 @@
           <a:p>
             <a:fld id="{C764DE79-268F-4C1A-8933-263129D2AF90}" type="datetimeFigureOut">
               <a:rPr lang="en-US" dirty="0"/>
-              <a:t>8/2/2025</a:t>
+              <a:t>8/5/2025</a:t>
             </a:fld>
             <a:endParaRPr lang="en-US" dirty="0"/>
           </a:p>
@@ -3262,7 +3262,7 @@
           <a:p>
             <a:fld id="{C764DE79-268F-4C1A-8933-263129D2AF90}" type="datetimeFigureOut">
               <a:rPr lang="en-US" dirty="0"/>
-              <a:t>8/2/2025</a:t>
+              <a:t>8/5/2025</a:t>
             </a:fld>
             <a:endParaRPr lang="en-US" dirty="0"/>
           </a:p>
@@ -3558,7 +3558,7 @@
           <a:p>
             <a:fld id="{C764DE79-268F-4C1A-8933-263129D2AF90}" type="datetimeFigureOut">
               <a:rPr lang="en-US" dirty="0"/>
-              <a:t>8/2/2025</a:t>
+              <a:t>8/5/2025</a:t>
             </a:fld>
             <a:endParaRPr lang="en-US" dirty="0"/>
           </a:p>
@@ -3989,7 +3989,7 @@
           <a:p>
             <a:fld id="{C764DE79-268F-4C1A-8933-263129D2AF90}" type="datetimeFigureOut">
               <a:rPr lang="en-US" dirty="0"/>
-              <a:t>8/2/2025</a:t>
+              <a:t>8/5/2025</a:t>
             </a:fld>
             <a:endParaRPr lang="en-US" dirty="0"/>
           </a:p>
@@ -5012,7 +5012,7 @@
           <a:p>
             <a:fld id="{C764DE79-268F-4C1A-8933-263129D2AF90}" type="datetimeFigureOut">
               <a:rPr lang="en-US" dirty="0"/>
-              <a:t>8/2/2025</a:t>
+              <a:t>8/5/2025</a:t>
             </a:fld>
             <a:endParaRPr lang="en-US" dirty="0"/>
           </a:p>
@@ -6371,21 +6371,7 @@
                 <a:latin typeface="UD デジタル 教科書体 NP" panose="02020400000000000000" pitchFamily="18" charset="-128"/>
                 <a:ea typeface="UD デジタル 教科書体 NP" panose="02020400000000000000" pitchFamily="18" charset="-128"/>
               </a:rPr>
-              <a:t>私たち「てなろぼ★ぷらいまりぃ」は、株式会社システナ大阪支社ロボット制御ワーキンググループ</a:t>
-            </a:r>
-            <a:r>
-              <a:rPr lang="en-US" altLang="ja-JP" dirty="0">
-                <a:latin typeface="UD デジタル 教科書体 NP" panose="02020400000000000000" pitchFamily="18" charset="-128"/>
-                <a:ea typeface="UD デジタル 教科書体 NP" panose="02020400000000000000" pitchFamily="18" charset="-128"/>
-              </a:rPr>
-              <a:t>(WG)</a:t>
-            </a:r>
-            <a:r>
-              <a:rPr lang="ja-JP" altLang="en-US" dirty="0">
-                <a:latin typeface="UD デジタル 教科書体 NP" panose="02020400000000000000" pitchFamily="18" charset="-128"/>
-                <a:ea typeface="UD デジタル 教科書体 NP" panose="02020400000000000000" pitchFamily="18" charset="-128"/>
-              </a:rPr>
-              <a:t>の松山事業所所属メンバーで構成されたチームです。</a:t>
+              <a:t>私たち「てなろぼ★ぷらいまりぃ」は、株式会社システナ大阪支社ロボット制御ワーキンググループの松山事業所所属メンバーで構成されたチームです。</a:t>
             </a:r>
             <a:endParaRPr lang="en-US" altLang="ja-JP" dirty="0">
               <a:latin typeface="UD デジタル 教科書体 NP" panose="02020400000000000000" pitchFamily="18" charset="-128"/>
@@ -7265,8 +7251,8 @@
         </p:nvSpPr>
         <p:spPr bwMode="auto">
           <a:xfrm>
-            <a:off x="152494" y="652982"/>
-            <a:ext cx="7720755" cy="5196620"/>
+            <a:off x="152494" y="652983"/>
+            <a:ext cx="7720755" cy="3897495"/>
           </a:xfrm>
           <a:prstGeom prst="rect">
             <a:avLst/>
@@ -7439,13 +7425,13 @@
               </a:spcBef>
             </a:pPr>
             <a:r>
-              <a:rPr lang="ja-JP" altLang="en-US" sz="1400" dirty="0">
+              <a:rPr lang="ja-JP" altLang="en-US" sz="1200" dirty="0">
                 <a:latin typeface="UD デジタル 教科書体 NP" panose="02020400000000000000" pitchFamily="18" charset="-128"/>
                 <a:ea typeface="UD デジタル 教科書体 NP" panose="02020400000000000000" pitchFamily="18" charset="-128"/>
               </a:rPr>
-              <a:t>基本的な考え方として、我々競技者はバーチャル運転手に走行体の運転を依頼するイメージを</a:t>
-            </a:r>
-            <a:endParaRPr lang="en-US" altLang="ja-JP" sz="1400" dirty="0">
+              <a:t>基本的な考え方として、我々競技者はバーチャル運転手に走行体の運転を依頼するイメージを持つこととした。</a:t>
+            </a:r>
+            <a:endParaRPr lang="en-US" altLang="ja-JP" sz="1200" dirty="0">
               <a:latin typeface="UD デジタル 教科書体 NP" panose="02020400000000000000" pitchFamily="18" charset="-128"/>
               <a:ea typeface="UD デジタル 教科書体 NP" panose="02020400000000000000" pitchFamily="18" charset="-128"/>
             </a:endParaRPr>
@@ -7460,13 +7446,13 @@
               </a:spcBef>
             </a:pPr>
             <a:r>
-              <a:rPr lang="ja-JP" altLang="en-US" sz="1400" dirty="0">
+              <a:rPr lang="ja-JP" altLang="en-US" sz="1200" dirty="0">
                 <a:latin typeface="UD デジタル 教科書体 NP" panose="02020400000000000000" pitchFamily="18" charset="-128"/>
                 <a:ea typeface="UD デジタル 教科書体 NP" panose="02020400000000000000" pitchFamily="18" charset="-128"/>
               </a:rPr>
-              <a:t>持つ。バーチャル運転手とは、限りなくライン上を走行しながら与えられた目的地へ向かう模</a:t>
-            </a:r>
-            <a:endParaRPr lang="en-US" altLang="ja-JP" sz="1400" dirty="0">
+              <a:t>バーチャル運転手とは、限りなくライン上を走行しながら与えられた目的地へ向かう模範的な運転手を指す。</a:t>
+            </a:r>
+            <a:endParaRPr lang="en-US" altLang="ja-JP" sz="1200" dirty="0">
               <a:latin typeface="UD デジタル 教科書体 NP" panose="02020400000000000000" pitchFamily="18" charset="-128"/>
               <a:ea typeface="UD デジタル 教科書体 NP" panose="02020400000000000000" pitchFamily="18" charset="-128"/>
             </a:endParaRPr>
@@ -7481,13 +7467,37 @@
               </a:spcBef>
             </a:pPr>
             <a:r>
-              <a:rPr lang="ja-JP" altLang="en-US" sz="1400" dirty="0">
+              <a:rPr lang="ja-JP" altLang="en-US" sz="1200" dirty="0">
                 <a:latin typeface="UD デジタル 教科書体 NP" panose="02020400000000000000" pitchFamily="18" charset="-128"/>
                 <a:ea typeface="UD デジタル 教科書体 NP" panose="02020400000000000000" pitchFamily="18" charset="-128"/>
               </a:rPr>
-              <a:t>範的な運転手を指す。</a:t>
-            </a:r>
-            <a:endParaRPr lang="en-US" altLang="ja-JP" sz="1400" dirty="0">
+              <a:t>その上でダブルループ侵入前から脱出後までのコースを汎化して捉えると、</a:t>
+            </a:r>
+            <a:r>
+              <a:rPr lang="ja-JP" altLang="en-US" sz="1200" b="1" dirty="0">
+                <a:latin typeface="UD デジタル 教科書体 NP" panose="02020400000000000000" pitchFamily="18" charset="-128"/>
+                <a:ea typeface="UD デジタル 教科書体 NP" panose="02020400000000000000" pitchFamily="18" charset="-128"/>
+              </a:rPr>
+              <a:t>「黒ライン」⇒</a:t>
+            </a:r>
+            <a:r>
+              <a:rPr lang="ja-JP" altLang="en-US" sz="1200" b="1" dirty="0">
+                <a:solidFill>
+                  <a:schemeClr val="accent1"/>
+                </a:solidFill>
+                <a:latin typeface="UD デジタル 教科書体 NP" panose="02020400000000000000" pitchFamily="18" charset="-128"/>
+                <a:ea typeface="UD デジタル 教科書体 NP" panose="02020400000000000000" pitchFamily="18" charset="-128"/>
+              </a:rPr>
+              <a:t>「青ライン」</a:t>
+            </a:r>
+            <a:r>
+              <a:rPr lang="ja-JP" altLang="en-US" sz="1200" b="1" dirty="0">
+                <a:latin typeface="UD デジタル 教科書体 NP" panose="02020400000000000000" pitchFamily="18" charset="-128"/>
+                <a:ea typeface="UD デジタル 教科書体 NP" panose="02020400000000000000" pitchFamily="18" charset="-128"/>
+              </a:rPr>
+              <a:t>⇒</a:t>
+            </a:r>
+            <a:endParaRPr lang="en-US" altLang="ja-JP" sz="1200" b="1" dirty="0">
               <a:latin typeface="UD デジタル 教科書体 NP" panose="02020400000000000000" pitchFamily="18" charset="-128"/>
               <a:ea typeface="UD デジタル 教科書体 NP" panose="02020400000000000000" pitchFamily="18" charset="-128"/>
             </a:endParaRPr>
@@ -7502,13 +7512,20 @@
               </a:spcBef>
             </a:pPr>
             <a:r>
-              <a:rPr lang="ja-JP" altLang="en-US" sz="1400" dirty="0">
+              <a:rPr lang="ja-JP" altLang="en-US" sz="1200" b="1" dirty="0">
                 <a:latin typeface="UD デジタル 教科書体 NP" panose="02020400000000000000" pitchFamily="18" charset="-128"/>
                 <a:ea typeface="UD デジタル 教科書体 NP" panose="02020400000000000000" pitchFamily="18" charset="-128"/>
               </a:rPr>
-              <a:t>その上でダブルループ侵入前から脱出後までのコースを汎化して捉えると、</a:t>
-            </a:r>
-            <a:endParaRPr lang="en-US" altLang="ja-JP" sz="1400" dirty="0">
+              <a:t>「分岐」の繰返し</a:t>
+            </a:r>
+            <a:r>
+              <a:rPr lang="ja-JP" altLang="en-US" sz="1200" dirty="0">
+                <a:latin typeface="UD デジタル 教科書体 NP" panose="02020400000000000000" pitchFamily="18" charset="-128"/>
+                <a:ea typeface="UD デジタル 教科書体 NP" panose="02020400000000000000" pitchFamily="18" charset="-128"/>
+              </a:rPr>
+              <a:t>であることが分かる。</a:t>
+            </a:r>
+            <a:endParaRPr lang="en-US" altLang="ja-JP" sz="1200" dirty="0">
               <a:latin typeface="UD デジタル 教科書体 NP" panose="02020400000000000000" pitchFamily="18" charset="-128"/>
               <a:ea typeface="UD デジタル 教科書体 NP" panose="02020400000000000000" pitchFamily="18" charset="-128"/>
             </a:endParaRPr>
@@ -7523,37 +7540,13 @@
               </a:spcBef>
             </a:pPr>
             <a:r>
-              <a:rPr lang="ja-JP" altLang="en-US" sz="1400" b="1" dirty="0">
+              <a:rPr lang="ja-JP" altLang="en-US" sz="1200" dirty="0">
                 <a:latin typeface="UD デジタル 教科書体 NP" panose="02020400000000000000" pitchFamily="18" charset="-128"/>
                 <a:ea typeface="UD デジタル 教科書体 NP" panose="02020400000000000000" pitchFamily="18" charset="-128"/>
               </a:rPr>
-              <a:t>黒ライン⇒</a:t>
-            </a:r>
-            <a:r>
-              <a:rPr lang="ja-JP" altLang="en-US" sz="1400" b="1" dirty="0">
-                <a:solidFill>
-                  <a:schemeClr val="accent1"/>
-                </a:solidFill>
-                <a:latin typeface="UD デジタル 教科書体 NP" panose="02020400000000000000" pitchFamily="18" charset="-128"/>
-                <a:ea typeface="UD デジタル 教科書体 NP" panose="02020400000000000000" pitchFamily="18" charset="-128"/>
-              </a:rPr>
-              <a:t>青ライン</a:t>
-            </a:r>
-            <a:r>
-              <a:rPr lang="ja-JP" altLang="en-US" sz="1400" b="1" dirty="0">
-                <a:latin typeface="UD デジタル 教科書体 NP" panose="02020400000000000000" pitchFamily="18" charset="-128"/>
-                <a:ea typeface="UD デジタル 教科書体 NP" panose="02020400000000000000" pitchFamily="18" charset="-128"/>
-              </a:rPr>
-              <a:t>⇒分岐の繰返し</a:t>
-            </a:r>
-            <a:r>
-              <a:rPr lang="ja-JP" altLang="en-US" sz="1400" dirty="0">
-                <a:latin typeface="UD デジタル 教科書体 NP" panose="02020400000000000000" pitchFamily="18" charset="-128"/>
-                <a:ea typeface="UD デジタル 教科書体 NP" panose="02020400000000000000" pitchFamily="18" charset="-128"/>
-              </a:rPr>
-              <a:t>であることが分かる。</a:t>
-            </a:r>
-            <a:endParaRPr lang="en-US" altLang="ja-JP" sz="1400" dirty="0">
+              <a:t>つまり、バーチャル運転手に青ライン検知後の分岐方向を順を追って教えておくことで、分岐を誤らずに</a:t>
+            </a:r>
+            <a:endParaRPr lang="en-US" altLang="ja-JP" sz="1200" dirty="0">
               <a:latin typeface="UD デジタル 教科書体 NP" panose="02020400000000000000" pitchFamily="18" charset="-128"/>
               <a:ea typeface="UD デジタル 教科書体 NP" panose="02020400000000000000" pitchFamily="18" charset="-128"/>
             </a:endParaRPr>
@@ -7568,13 +7561,13 @@
               </a:spcBef>
             </a:pPr>
             <a:r>
-              <a:rPr lang="ja-JP" altLang="en-US" sz="1400" dirty="0">
+              <a:rPr lang="ja-JP" altLang="en-US" sz="1200" dirty="0">
                 <a:latin typeface="UD デジタル 教科書体 NP" panose="02020400000000000000" pitchFamily="18" charset="-128"/>
                 <a:ea typeface="UD デジタル 教科書体 NP" panose="02020400000000000000" pitchFamily="18" charset="-128"/>
               </a:rPr>
-              <a:t>つまり、バーチャル運転手に青ライン検知後の分岐方向を順を追って教えて</a:t>
-            </a:r>
-            <a:endParaRPr lang="en-US" altLang="ja-JP" sz="1400" dirty="0">
+              <a:t>ダブルループを走行することが期待できる。</a:t>
+            </a:r>
+            <a:endParaRPr lang="en-US" altLang="ja-JP" sz="1200" dirty="0">
               <a:latin typeface="UD デジタル 教科書体 NP" panose="02020400000000000000" pitchFamily="18" charset="-128"/>
               <a:ea typeface="UD デジタル 教科書体 NP" panose="02020400000000000000" pitchFamily="18" charset="-128"/>
             </a:endParaRPr>
@@ -7588,14 +7581,7 @@
                 <a:spcPct val="20000"/>
               </a:spcBef>
             </a:pPr>
-            <a:r>
-              <a:rPr lang="ja-JP" altLang="en-US" sz="1400" dirty="0">
-                <a:latin typeface="UD デジタル 教科書体 NP" panose="02020400000000000000" pitchFamily="18" charset="-128"/>
-                <a:ea typeface="UD デジタル 教科書体 NP" panose="02020400000000000000" pitchFamily="18" charset="-128"/>
-              </a:rPr>
-              <a:t>おくことで、分岐を誤らずにダブルループを走行することが期待できる。</a:t>
-            </a:r>
-            <a:endParaRPr lang="en-US" altLang="ja-JP" sz="1400" dirty="0">
+            <a:endParaRPr lang="en-US" altLang="ja-JP" sz="1200" dirty="0">
               <a:latin typeface="UD デジタル 教科書体 NP" panose="02020400000000000000" pitchFamily="18" charset="-128"/>
               <a:ea typeface="UD デジタル 教科書体 NP" panose="02020400000000000000" pitchFamily="18" charset="-128"/>
             </a:endParaRPr>
@@ -7609,7 +7595,14 @@
                 <a:spcPct val="20000"/>
               </a:spcBef>
             </a:pPr>
-            <a:endParaRPr lang="en-US" altLang="ja-JP" sz="1400" dirty="0">
+            <a:r>
+              <a:rPr lang="ja-JP" altLang="en-US" sz="1200" dirty="0">
+                <a:latin typeface="UD デジタル 教科書体 NP" panose="02020400000000000000" pitchFamily="18" charset="-128"/>
+                <a:ea typeface="UD デジタル 教科書体 NP" panose="02020400000000000000" pitchFamily="18" charset="-128"/>
+              </a:rPr>
+              <a:t>以下にダブルループの侵入部を例に走行イメージを示す。</a:t>
+            </a:r>
+            <a:endParaRPr lang="en-US" altLang="ja-JP" sz="1200" dirty="0">
               <a:latin typeface="UD デジタル 教科書体 NP" panose="02020400000000000000" pitchFamily="18" charset="-128"/>
               <a:ea typeface="UD デジタル 教科書体 NP" panose="02020400000000000000" pitchFamily="18" charset="-128"/>
             </a:endParaRPr>
@@ -7624,13 +7617,74 @@
               </a:spcBef>
             </a:pPr>
             <a:r>
-              <a:rPr lang="ja-JP" altLang="en-US" sz="1400" dirty="0">
+              <a:rPr lang="ja-JP" altLang="en-US" sz="1200" dirty="0">
                 <a:latin typeface="UD デジタル 教科書体 NP" panose="02020400000000000000" pitchFamily="18" charset="-128"/>
                 <a:ea typeface="UD デジタル 教科書体 NP" panose="02020400000000000000" pitchFamily="18" charset="-128"/>
               </a:rPr>
-              <a:t>以下にダブルループの侵入部を例に走行イメージを示す。</a:t>
-            </a:r>
-            <a:endParaRPr lang="en-US" altLang="ja-JP" sz="1400" dirty="0">
+              <a:t>図</a:t>
+            </a:r>
+            <a:r>
+              <a:rPr lang="en-US" altLang="ja-JP" sz="1200" dirty="0">
+                <a:latin typeface="UD デジタル 教科書体 NP" panose="02020400000000000000" pitchFamily="18" charset="-128"/>
+                <a:ea typeface="UD デジタル 教科書体 NP" panose="02020400000000000000" pitchFamily="18" charset="-128"/>
+              </a:rPr>
+              <a:t>1.1</a:t>
+            </a:r>
+            <a:r>
+              <a:rPr lang="ja-JP" altLang="en-US" sz="1200" dirty="0">
+                <a:latin typeface="UD デジタル 教科書体 NP" panose="02020400000000000000" pitchFamily="18" charset="-128"/>
+                <a:ea typeface="UD デジタル 教科書体 NP" panose="02020400000000000000" pitchFamily="18" charset="-128"/>
+              </a:rPr>
+              <a:t>の</a:t>
+            </a:r>
+            <a:r>
+              <a:rPr lang="ja-JP" altLang="en-US" sz="1200" dirty="0">
+                <a:solidFill>
+                  <a:srgbClr val="FF0000"/>
+                </a:solidFill>
+                <a:latin typeface="UD デジタル 教科書体 NP" panose="02020400000000000000" pitchFamily="18" charset="-128"/>
+                <a:ea typeface="UD デジタル 教科書体 NP" panose="02020400000000000000" pitchFamily="18" charset="-128"/>
+              </a:rPr>
+              <a:t>赤矢印</a:t>
+            </a:r>
+            <a:r>
+              <a:rPr lang="en-US" altLang="ja-JP" sz="1200" dirty="0">
+                <a:solidFill>
+                  <a:srgbClr val="FF0000"/>
+                </a:solidFill>
+                <a:latin typeface="UD デジタル 教科書体 NP" panose="02020400000000000000" pitchFamily="18" charset="-128"/>
+                <a:ea typeface="UD デジタル 教科書体 NP" panose="02020400000000000000" pitchFamily="18" charset="-128"/>
+              </a:rPr>
+              <a:t>(</a:t>
+            </a:r>
+            <a:r>
+              <a:rPr lang="ja-JP" altLang="en-US" sz="1200" dirty="0">
+                <a:solidFill>
+                  <a:srgbClr val="FF0000"/>
+                </a:solidFill>
+                <a:latin typeface="UD デジタル 教科書体 NP" panose="02020400000000000000" pitchFamily="18" charset="-128"/>
+                <a:ea typeface="UD デジタル 教科書体 NP" panose="02020400000000000000" pitchFamily="18" charset="-128"/>
+              </a:rPr>
+              <a:t>①</a:t>
+            </a:r>
+            <a:r>
+              <a:rPr lang="en-US" altLang="ja-JP" sz="1200" dirty="0">
+                <a:solidFill>
+                  <a:srgbClr val="FF0000"/>
+                </a:solidFill>
+                <a:latin typeface="UD デジタル 教科書体 NP" panose="02020400000000000000" pitchFamily="18" charset="-128"/>
+                <a:ea typeface="UD デジタル 教科書体 NP" panose="02020400000000000000" pitchFamily="18" charset="-128"/>
+              </a:rPr>
+              <a:t>)</a:t>
+            </a:r>
+            <a:r>
+              <a:rPr lang="ja-JP" altLang="en-US" sz="1200" dirty="0">
+                <a:latin typeface="UD デジタル 教科書体 NP" panose="02020400000000000000" pitchFamily="18" charset="-128"/>
+                <a:ea typeface="UD デジタル 教科書体 NP" panose="02020400000000000000" pitchFamily="18" charset="-128"/>
+              </a:rPr>
+              <a:t>の個所では黒色のラインをトレースして走行する。</a:t>
+            </a:r>
+            <a:endParaRPr lang="en-US" altLang="ja-JP" sz="1200" dirty="0">
               <a:latin typeface="UD デジタル 教科書体 NP" panose="02020400000000000000" pitchFamily="18" charset="-128"/>
               <a:ea typeface="UD デジタル 教科書体 NP" panose="02020400000000000000" pitchFamily="18" charset="-128"/>
             </a:endParaRPr>
@@ -7645,74 +7699,13 @@
               </a:spcBef>
             </a:pPr>
             <a:r>
-              <a:rPr lang="ja-JP" altLang="en-US" sz="1400" dirty="0">
+              <a:rPr lang="ja-JP" altLang="en-US" sz="1200" dirty="0">
                 <a:latin typeface="UD デジタル 教科書体 NP" panose="02020400000000000000" pitchFamily="18" charset="-128"/>
                 <a:ea typeface="UD デジタル 教科書体 NP" panose="02020400000000000000" pitchFamily="18" charset="-128"/>
               </a:rPr>
-              <a:t>図</a:t>
-            </a:r>
-            <a:r>
-              <a:rPr lang="en-US" altLang="ja-JP" sz="1400" dirty="0">
-                <a:latin typeface="UD デジタル 教科書体 NP" panose="02020400000000000000" pitchFamily="18" charset="-128"/>
-                <a:ea typeface="UD デジタル 教科書体 NP" panose="02020400000000000000" pitchFamily="18" charset="-128"/>
-              </a:rPr>
-              <a:t>1.1</a:t>
-            </a:r>
-            <a:r>
-              <a:rPr lang="ja-JP" altLang="en-US" sz="1400" dirty="0">
-                <a:latin typeface="UD デジタル 教科書体 NP" panose="02020400000000000000" pitchFamily="18" charset="-128"/>
-                <a:ea typeface="UD デジタル 教科書体 NP" panose="02020400000000000000" pitchFamily="18" charset="-128"/>
-              </a:rPr>
-              <a:t>の</a:t>
-            </a:r>
-            <a:r>
-              <a:rPr lang="ja-JP" altLang="en-US" sz="1400" dirty="0">
-                <a:solidFill>
-                  <a:srgbClr val="FF0000"/>
-                </a:solidFill>
-                <a:latin typeface="UD デジタル 教科書体 NP" panose="02020400000000000000" pitchFamily="18" charset="-128"/>
-                <a:ea typeface="UD デジタル 教科書体 NP" panose="02020400000000000000" pitchFamily="18" charset="-128"/>
-              </a:rPr>
-              <a:t>赤矢印</a:t>
-            </a:r>
-            <a:r>
-              <a:rPr lang="en-US" altLang="ja-JP" sz="1400" dirty="0">
-                <a:solidFill>
-                  <a:srgbClr val="FF0000"/>
-                </a:solidFill>
-                <a:latin typeface="UD デジタル 教科書体 NP" panose="02020400000000000000" pitchFamily="18" charset="-128"/>
-                <a:ea typeface="UD デジタル 教科書体 NP" panose="02020400000000000000" pitchFamily="18" charset="-128"/>
-              </a:rPr>
-              <a:t>(</a:t>
-            </a:r>
-            <a:r>
-              <a:rPr lang="ja-JP" altLang="en-US" sz="1400" dirty="0">
-                <a:solidFill>
-                  <a:srgbClr val="FF0000"/>
-                </a:solidFill>
-                <a:latin typeface="UD デジタル 教科書体 NP" panose="02020400000000000000" pitchFamily="18" charset="-128"/>
-                <a:ea typeface="UD デジタル 教科書体 NP" panose="02020400000000000000" pitchFamily="18" charset="-128"/>
-              </a:rPr>
-              <a:t>①</a:t>
-            </a:r>
-            <a:r>
-              <a:rPr lang="en-US" altLang="ja-JP" sz="1400" dirty="0">
-                <a:solidFill>
-                  <a:srgbClr val="FF0000"/>
-                </a:solidFill>
-                <a:latin typeface="UD デジタル 教科書体 NP" panose="02020400000000000000" pitchFamily="18" charset="-128"/>
-                <a:ea typeface="UD デジタル 教科書体 NP" panose="02020400000000000000" pitchFamily="18" charset="-128"/>
-              </a:rPr>
-              <a:t>)</a:t>
-            </a:r>
-            <a:r>
-              <a:rPr lang="ja-JP" altLang="en-US" sz="1400" dirty="0">
-                <a:latin typeface="UD デジタル 教科書体 NP" panose="02020400000000000000" pitchFamily="18" charset="-128"/>
-                <a:ea typeface="UD デジタル 教科書体 NP" panose="02020400000000000000" pitchFamily="18" charset="-128"/>
-              </a:rPr>
-              <a:t>の個所では黒色のラインをトレースして</a:t>
-            </a:r>
-            <a:endParaRPr lang="en-US" altLang="ja-JP" sz="1400" dirty="0">
+              <a:t>その際走行体が左右どちらのラインエッジを走行しているかは問わない。</a:t>
+            </a:r>
+            <a:endParaRPr lang="en-US" altLang="ja-JP" sz="1200" dirty="0">
               <a:latin typeface="UD デジタル 教科書体 NP" panose="02020400000000000000" pitchFamily="18" charset="-128"/>
               <a:ea typeface="UD デジタル 教科書体 NP" panose="02020400000000000000" pitchFamily="18" charset="-128"/>
             </a:endParaRPr>
@@ -7727,13 +7720,60 @@
               </a:spcBef>
             </a:pPr>
             <a:r>
-              <a:rPr lang="ja-JP" altLang="en-US" sz="1400" dirty="0">
+              <a:rPr lang="ja-JP" altLang="en-US" sz="1200" dirty="0">
                 <a:latin typeface="UD デジタル 教科書体 NP" panose="02020400000000000000" pitchFamily="18" charset="-128"/>
                 <a:ea typeface="UD デジタル 教科書体 NP" panose="02020400000000000000" pitchFamily="18" charset="-128"/>
               </a:rPr>
-              <a:t>走行する。その際走行体が左右どちらのラインエッジにを走</a:t>
-            </a:r>
-            <a:endParaRPr lang="en-US" altLang="ja-JP" sz="1400" dirty="0">
+              <a:t>青ラインを検知後、</a:t>
+            </a:r>
+            <a:r>
+              <a:rPr lang="ja-JP" altLang="en-US" sz="1200" dirty="0">
+                <a:solidFill>
+                  <a:schemeClr val="accent1"/>
+                </a:solidFill>
+                <a:latin typeface="UD デジタル 教科書体 NP" panose="02020400000000000000" pitchFamily="18" charset="-128"/>
+                <a:ea typeface="UD デジタル 教科書体 NP" panose="02020400000000000000" pitchFamily="18" charset="-128"/>
+              </a:rPr>
+              <a:t>青矢印</a:t>
+            </a:r>
+            <a:r>
+              <a:rPr lang="en-US" altLang="ja-JP" sz="1200" dirty="0">
+                <a:solidFill>
+                  <a:schemeClr val="accent1"/>
+                </a:solidFill>
+                <a:latin typeface="UD デジタル 教科書体 NP" panose="02020400000000000000" pitchFamily="18" charset="-128"/>
+                <a:ea typeface="UD デジタル 教科書体 NP" panose="02020400000000000000" pitchFamily="18" charset="-128"/>
+              </a:rPr>
+              <a:t>(</a:t>
+            </a:r>
+            <a:r>
+              <a:rPr lang="ja-JP" altLang="en-US" sz="1200" dirty="0">
+                <a:solidFill>
+                  <a:schemeClr val="accent1"/>
+                </a:solidFill>
+                <a:latin typeface="UD デジタル 教科書体 NP" panose="02020400000000000000" pitchFamily="18" charset="-128"/>
+                <a:ea typeface="UD デジタル 教科書体 NP" panose="02020400000000000000" pitchFamily="18" charset="-128"/>
+              </a:rPr>
+              <a:t>②</a:t>
+            </a:r>
+            <a:r>
+              <a:rPr lang="en-US" altLang="ja-JP" sz="1200" dirty="0">
+                <a:solidFill>
+                  <a:schemeClr val="accent1"/>
+                </a:solidFill>
+                <a:latin typeface="UD デジタル 教科書体 NP" panose="02020400000000000000" pitchFamily="18" charset="-128"/>
+                <a:ea typeface="UD デジタル 教科書体 NP" panose="02020400000000000000" pitchFamily="18" charset="-128"/>
+              </a:rPr>
+              <a:t>)</a:t>
+            </a:r>
+            <a:r>
+              <a:rPr lang="ja-JP" altLang="en-US" sz="1200" dirty="0">
+                <a:latin typeface="UD デジタル 教科書体 NP" panose="02020400000000000000" pitchFamily="18" charset="-128"/>
+                <a:ea typeface="UD デジタル 教科書体 NP" panose="02020400000000000000" pitchFamily="18" charset="-128"/>
+              </a:rPr>
+              <a:t>の個所では青色のラインをトレースして</a:t>
+            </a:r>
+            <a:endParaRPr lang="en-US" altLang="ja-JP" sz="1200" dirty="0">
               <a:latin typeface="UD デジタル 教科書体 NP" panose="02020400000000000000" pitchFamily="18" charset="-128"/>
               <a:ea typeface="UD デジタル 教科書体 NP" panose="02020400000000000000" pitchFamily="18" charset="-128"/>
             </a:endParaRPr>
@@ -7748,13 +7788,13 @@
               </a:spcBef>
             </a:pPr>
             <a:r>
-              <a:rPr lang="ja-JP" altLang="en-US" sz="1400" dirty="0">
+              <a:rPr lang="ja-JP" altLang="en-US" sz="1200" dirty="0">
                 <a:latin typeface="UD デジタル 教科書体 NP" panose="02020400000000000000" pitchFamily="18" charset="-128"/>
                 <a:ea typeface="UD デジタル 教科書体 NP" panose="02020400000000000000" pitchFamily="18" charset="-128"/>
               </a:rPr>
-              <a:t>行しているかは問わない。</a:t>
-            </a:r>
-            <a:endParaRPr lang="en-US" altLang="ja-JP" sz="1400" dirty="0">
+              <a:t>走行する。この時、最初に目指す方向が右であることをバーチャル運転</a:t>
+            </a:r>
+            <a:endParaRPr lang="en-US" altLang="ja-JP" sz="1200" dirty="0">
               <a:latin typeface="UD デジタル 教科書体 NP" panose="02020400000000000000" pitchFamily="18" charset="-128"/>
               <a:ea typeface="UD デジタル 教科書体 NP" panose="02020400000000000000" pitchFamily="18" charset="-128"/>
             </a:endParaRPr>
@@ -7769,60 +7809,13 @@
               </a:spcBef>
             </a:pPr>
             <a:r>
-              <a:rPr lang="ja-JP" altLang="en-US" sz="1400" dirty="0">
+              <a:rPr lang="ja-JP" altLang="en-US" sz="1200" dirty="0">
                 <a:latin typeface="UD デジタル 教科書体 NP" panose="02020400000000000000" pitchFamily="18" charset="-128"/>
                 <a:ea typeface="UD デジタル 教科書体 NP" panose="02020400000000000000" pitchFamily="18" charset="-128"/>
               </a:rPr>
-              <a:t>青ラインを検知後、</a:t>
-            </a:r>
-            <a:r>
-              <a:rPr lang="ja-JP" altLang="en-US" sz="1400" dirty="0">
-                <a:solidFill>
-                  <a:schemeClr val="accent1"/>
-                </a:solidFill>
-                <a:latin typeface="UD デジタル 教科書体 NP" panose="02020400000000000000" pitchFamily="18" charset="-128"/>
-                <a:ea typeface="UD デジタル 教科書体 NP" panose="02020400000000000000" pitchFamily="18" charset="-128"/>
-              </a:rPr>
-              <a:t>青矢印</a:t>
-            </a:r>
-            <a:r>
-              <a:rPr lang="en-US" altLang="ja-JP" sz="1400" dirty="0">
-                <a:solidFill>
-                  <a:schemeClr val="accent1"/>
-                </a:solidFill>
-                <a:latin typeface="UD デジタル 教科書体 NP" panose="02020400000000000000" pitchFamily="18" charset="-128"/>
-                <a:ea typeface="UD デジタル 教科書体 NP" panose="02020400000000000000" pitchFamily="18" charset="-128"/>
-              </a:rPr>
-              <a:t>(</a:t>
-            </a:r>
-            <a:r>
-              <a:rPr lang="ja-JP" altLang="en-US" sz="1400" dirty="0">
-                <a:solidFill>
-                  <a:schemeClr val="accent1"/>
-                </a:solidFill>
-                <a:latin typeface="UD デジタル 教科書体 NP" panose="02020400000000000000" pitchFamily="18" charset="-128"/>
-                <a:ea typeface="UD デジタル 教科書体 NP" panose="02020400000000000000" pitchFamily="18" charset="-128"/>
-              </a:rPr>
-              <a:t>②</a:t>
-            </a:r>
-            <a:r>
-              <a:rPr lang="en-US" altLang="ja-JP" sz="1400" dirty="0">
-                <a:solidFill>
-                  <a:schemeClr val="accent1"/>
-                </a:solidFill>
-                <a:latin typeface="UD デジタル 教科書体 NP" panose="02020400000000000000" pitchFamily="18" charset="-128"/>
-                <a:ea typeface="UD デジタル 教科書体 NP" panose="02020400000000000000" pitchFamily="18" charset="-128"/>
-              </a:rPr>
-              <a:t>)</a:t>
-            </a:r>
-            <a:r>
-              <a:rPr lang="ja-JP" altLang="en-US" sz="1400" dirty="0">
-                <a:latin typeface="UD デジタル 教科書体 NP" panose="02020400000000000000" pitchFamily="18" charset="-128"/>
-                <a:ea typeface="UD デジタル 教科書体 NP" panose="02020400000000000000" pitchFamily="18" charset="-128"/>
-              </a:rPr>
-              <a:t>の個所では青色のラインをト</a:t>
-            </a:r>
-            <a:endParaRPr lang="en-US" altLang="ja-JP" sz="1400" dirty="0">
+              <a:t>手は知っている。</a:t>
+            </a:r>
+            <a:endParaRPr lang="en-US" altLang="ja-JP" sz="1200" dirty="0">
               <a:latin typeface="UD デジタル 教科書体 NP" panose="02020400000000000000" pitchFamily="18" charset="-128"/>
               <a:ea typeface="UD デジタル 教科書体 NP" panose="02020400000000000000" pitchFamily="18" charset="-128"/>
             </a:endParaRPr>
@@ -7837,13 +7830,68 @@
               </a:spcBef>
             </a:pPr>
             <a:r>
-              <a:rPr lang="ja-JP" altLang="en-US" sz="1400" dirty="0">
+              <a:rPr lang="ja-JP" altLang="en-US" sz="1200" dirty="0">
                 <a:latin typeface="UD デジタル 教科書体 NP" panose="02020400000000000000" pitchFamily="18" charset="-128"/>
                 <a:ea typeface="UD デジタル 教科書体 NP" panose="02020400000000000000" pitchFamily="18" charset="-128"/>
               </a:rPr>
-              <a:t>レースして走行する。この時、最初に目指す方向が右である</a:t>
-            </a:r>
-            <a:endParaRPr lang="en-US" altLang="ja-JP" sz="1400" dirty="0">
+              <a:t>そのため、黒ライン検知後の</a:t>
+            </a:r>
+            <a:r>
+              <a:rPr lang="ja-JP" altLang="en-US" sz="1200" dirty="0">
+                <a:solidFill>
+                  <a:schemeClr val="accent4">
+                    <a:lumMod val="75000"/>
+                  </a:schemeClr>
+                </a:solidFill>
+                <a:latin typeface="UD デジタル 教科書体 NP" panose="02020400000000000000" pitchFamily="18" charset="-128"/>
+                <a:ea typeface="UD デジタル 教科書体 NP" panose="02020400000000000000" pitchFamily="18" charset="-128"/>
+              </a:rPr>
+              <a:t>黄色矢印</a:t>
+            </a:r>
+            <a:r>
+              <a:rPr lang="en-US" altLang="ja-JP" sz="1200" dirty="0">
+                <a:solidFill>
+                  <a:schemeClr val="accent4">
+                    <a:lumMod val="75000"/>
+                  </a:schemeClr>
+                </a:solidFill>
+                <a:latin typeface="UD デジタル 教科書体 NP" panose="02020400000000000000" pitchFamily="18" charset="-128"/>
+                <a:ea typeface="UD デジタル 教科書体 NP" panose="02020400000000000000" pitchFamily="18" charset="-128"/>
+              </a:rPr>
+              <a:t>(</a:t>
+            </a:r>
+            <a:r>
+              <a:rPr lang="ja-JP" altLang="en-US" sz="1200" dirty="0">
+                <a:solidFill>
+                  <a:schemeClr val="accent4">
+                    <a:lumMod val="75000"/>
+                  </a:schemeClr>
+                </a:solidFill>
+                <a:latin typeface="UD デジタル 教科書体 NP" panose="02020400000000000000" pitchFamily="18" charset="-128"/>
+                <a:ea typeface="UD デジタル 教科書体 NP" panose="02020400000000000000" pitchFamily="18" charset="-128"/>
+              </a:rPr>
+              <a:t>③</a:t>
+            </a:r>
+            <a:r>
+              <a:rPr lang="en-US" altLang="ja-JP" sz="1200" dirty="0">
+                <a:solidFill>
+                  <a:schemeClr val="accent4">
+                    <a:lumMod val="75000"/>
+                  </a:schemeClr>
+                </a:solidFill>
+                <a:latin typeface="UD デジタル 教科書体 NP" panose="02020400000000000000" pitchFamily="18" charset="-128"/>
+                <a:ea typeface="UD デジタル 教科書体 NP" panose="02020400000000000000" pitchFamily="18" charset="-128"/>
+              </a:rPr>
+              <a:t>)</a:t>
+            </a:r>
+            <a:r>
+              <a:rPr lang="ja-JP" altLang="en-US" sz="1200" dirty="0">
+                <a:latin typeface="UD デジタル 教科書体 NP" panose="02020400000000000000" pitchFamily="18" charset="-128"/>
+                <a:ea typeface="UD デジタル 教科書体 NP" panose="02020400000000000000" pitchFamily="18" charset="-128"/>
+              </a:rPr>
+              <a:t>の個所ではバーチャル運転手</a:t>
+            </a:r>
+            <a:endParaRPr lang="en-US" altLang="ja-JP" sz="1200" dirty="0">
               <a:latin typeface="UD デジタル 教科書体 NP" panose="02020400000000000000" pitchFamily="18" charset="-128"/>
               <a:ea typeface="UD デジタル 教科書体 NP" panose="02020400000000000000" pitchFamily="18" charset="-128"/>
             </a:endParaRPr>
@@ -7858,13 +7906,13 @@
               </a:spcBef>
             </a:pPr>
             <a:r>
-              <a:rPr lang="ja-JP" altLang="en-US" sz="1400" dirty="0">
+              <a:rPr lang="ja-JP" altLang="en-US" sz="1200" dirty="0">
                 <a:latin typeface="UD デジタル 教科書体 NP" panose="02020400000000000000" pitchFamily="18" charset="-128"/>
                 <a:ea typeface="UD デジタル 教科書体 NP" panose="02020400000000000000" pitchFamily="18" charset="-128"/>
               </a:rPr>
-              <a:t>ことをバーチャル運転手は知っている。</a:t>
-            </a:r>
-            <a:endParaRPr lang="en-US" altLang="ja-JP" sz="1400" dirty="0">
+              <a:t>は可能な限り右を目指して走行する。</a:t>
+            </a:r>
+            <a:endParaRPr lang="en-US" altLang="ja-JP" sz="1200" dirty="0">
               <a:latin typeface="UD デジタル 教科書体 NP" panose="02020400000000000000" pitchFamily="18" charset="-128"/>
               <a:ea typeface="UD デジタル 教科書体 NP" panose="02020400000000000000" pitchFamily="18" charset="-128"/>
             </a:endParaRPr>
@@ -7879,14 +7927,14 @@
               </a:spcBef>
             </a:pPr>
             <a:r>
-              <a:rPr lang="ja-JP" altLang="en-US" sz="1400" dirty="0">
+              <a:rPr lang="ja-JP" altLang="en-US" sz="1200" dirty="0">
                 <a:latin typeface="UD デジタル 教科書体 NP" panose="02020400000000000000" pitchFamily="18" charset="-128"/>
                 <a:ea typeface="UD デジタル 教科書体 NP" panose="02020400000000000000" pitchFamily="18" charset="-128"/>
               </a:rPr>
-              <a:t>そのため、黒ライン検知後の</a:t>
-            </a:r>
-            <a:r>
-              <a:rPr lang="ja-JP" altLang="en-US" sz="1400" dirty="0">
+              <a:t>ただし、限りなくライン上を走行する特性により、結果として</a:t>
+            </a:r>
+            <a:r>
+              <a:rPr lang="ja-JP" altLang="en-US" sz="1200" dirty="0">
                 <a:solidFill>
                   <a:schemeClr val="accent4">
                     <a:lumMod val="75000"/>
@@ -7897,50 +7945,12 @@
               </a:rPr>
               <a:t>黄色矢印</a:t>
             </a:r>
-            <a:r>
-              <a:rPr lang="en-US" altLang="ja-JP" sz="1400" dirty="0">
-                <a:solidFill>
-                  <a:schemeClr val="accent4">
-                    <a:lumMod val="75000"/>
-                  </a:schemeClr>
-                </a:solidFill>
-                <a:latin typeface="UD デジタル 教科書体 NP" panose="02020400000000000000" pitchFamily="18" charset="-128"/>
-                <a:ea typeface="UD デジタル 教科書体 NP" panose="02020400000000000000" pitchFamily="18" charset="-128"/>
-              </a:rPr>
-              <a:t>(</a:t>
-            </a:r>
-            <a:r>
-              <a:rPr lang="ja-JP" altLang="en-US" sz="1400" dirty="0">
-                <a:solidFill>
-                  <a:schemeClr val="accent4">
-                    <a:lumMod val="75000"/>
-                  </a:schemeClr>
-                </a:solidFill>
-                <a:latin typeface="UD デジタル 教科書体 NP" panose="02020400000000000000" pitchFamily="18" charset="-128"/>
-                <a:ea typeface="UD デジタル 教科書体 NP" panose="02020400000000000000" pitchFamily="18" charset="-128"/>
-              </a:rPr>
-              <a:t>③</a:t>
-            </a:r>
-            <a:r>
-              <a:rPr lang="en-US" altLang="ja-JP" sz="1400" dirty="0">
-                <a:solidFill>
-                  <a:schemeClr val="accent4">
-                    <a:lumMod val="75000"/>
-                  </a:schemeClr>
-                </a:solidFill>
-                <a:latin typeface="UD デジタル 教科書体 NP" panose="02020400000000000000" pitchFamily="18" charset="-128"/>
-                <a:ea typeface="UD デジタル 教科書体 NP" panose="02020400000000000000" pitchFamily="18" charset="-128"/>
-              </a:rPr>
-              <a:t>)</a:t>
-            </a:r>
-            <a:r>
-              <a:rPr lang="ja-JP" altLang="en-US" sz="1400" dirty="0">
-                <a:latin typeface="UD デジタル 教科書体 NP" panose="02020400000000000000" pitchFamily="18" charset="-128"/>
-                <a:ea typeface="UD デジタル 教科書体 NP" panose="02020400000000000000" pitchFamily="18" charset="-128"/>
-              </a:rPr>
-              <a:t>の個所ではバー</a:t>
-            </a:r>
-            <a:endParaRPr lang="en-US" altLang="ja-JP" sz="1400" dirty="0">
+            <a:endParaRPr lang="en-US" altLang="ja-JP" sz="1200" dirty="0">
+              <a:solidFill>
+                <a:schemeClr val="accent4">
+                  <a:lumMod val="75000"/>
+                </a:schemeClr>
+              </a:solidFill>
               <a:latin typeface="UD デジタル 教科書体 NP" panose="02020400000000000000" pitchFamily="18" charset="-128"/>
               <a:ea typeface="UD デジタル 教科書体 NP" panose="02020400000000000000" pitchFamily="18" charset="-128"/>
             </a:endParaRPr>
@@ -7955,13 +7965,13 @@
               </a:spcBef>
             </a:pPr>
             <a:r>
-              <a:rPr lang="ja-JP" altLang="en-US" sz="1400" dirty="0">
+              <a:rPr lang="ja-JP" altLang="en-US" sz="1200" dirty="0">
                 <a:latin typeface="UD デジタル 教科書体 NP" panose="02020400000000000000" pitchFamily="18" charset="-128"/>
                 <a:ea typeface="UD デジタル 教科書体 NP" panose="02020400000000000000" pitchFamily="18" charset="-128"/>
               </a:rPr>
-              <a:t>チャル運転手は可能な限り右を目指して走行する。</a:t>
-            </a:r>
-            <a:endParaRPr lang="en-US" altLang="ja-JP" sz="1400" dirty="0">
+              <a:t>の示すように、より右にあるライン上をトレースしながら走行する。</a:t>
+            </a:r>
+            <a:endParaRPr lang="en-US" altLang="ja-JP" sz="1200" dirty="0">
               <a:latin typeface="UD デジタル 教科書体 NP" panose="02020400000000000000" pitchFamily="18" charset="-128"/>
               <a:ea typeface="UD デジタル 教科書体 NP" panose="02020400000000000000" pitchFamily="18" charset="-128"/>
             </a:endParaRPr>
@@ -7976,13 +7986,13 @@
               </a:spcBef>
             </a:pPr>
             <a:r>
-              <a:rPr lang="ja-JP" altLang="en-US" sz="1400" dirty="0">
+              <a:rPr lang="ja-JP" altLang="en-US" sz="1200" dirty="0">
                 <a:latin typeface="UD デジタル 教科書体 NP" panose="02020400000000000000" pitchFamily="18" charset="-128"/>
                 <a:ea typeface="UD デジタル 教科書体 NP" panose="02020400000000000000" pitchFamily="18" charset="-128"/>
               </a:rPr>
-              <a:t>ただし、限りなくライン上を走行する特性により、結果とし</a:t>
-            </a:r>
-            <a:endParaRPr lang="en-US" altLang="ja-JP" sz="1400" dirty="0">
+              <a:t>以降も分岐時の進行方向を知っており、上記の動作を繰り返すことと</a:t>
+            </a:r>
+            <a:endParaRPr lang="en-US" altLang="ja-JP" sz="1200" dirty="0">
               <a:latin typeface="UD デジタル 教科書体 NP" panose="02020400000000000000" pitchFamily="18" charset="-128"/>
               <a:ea typeface="UD デジタル 教科書体 NP" panose="02020400000000000000" pitchFamily="18" charset="-128"/>
             </a:endParaRPr>
@@ -7997,95 +8007,13 @@
               </a:spcBef>
             </a:pPr>
             <a:r>
-              <a:rPr lang="ja-JP" altLang="en-US" sz="1400" dirty="0">
+              <a:rPr lang="ja-JP" altLang="en-US" sz="1200" dirty="0">
                 <a:latin typeface="UD デジタル 教科書体 NP" panose="02020400000000000000" pitchFamily="18" charset="-128"/>
                 <a:ea typeface="UD デジタル 教科書体 NP" panose="02020400000000000000" pitchFamily="18" charset="-128"/>
               </a:rPr>
-              <a:t>て</a:t>
-            </a:r>
-            <a:r>
-              <a:rPr lang="ja-JP" altLang="en-US" sz="1400" dirty="0">
-                <a:solidFill>
-                  <a:schemeClr val="accent4">
-                    <a:lumMod val="75000"/>
-                  </a:schemeClr>
-                </a:solidFill>
-                <a:latin typeface="UD デジタル 教科書体 NP" panose="02020400000000000000" pitchFamily="18" charset="-128"/>
-                <a:ea typeface="UD デジタル 教科書体 NP" panose="02020400000000000000" pitchFamily="18" charset="-128"/>
-              </a:rPr>
-              <a:t>黄色矢印</a:t>
-            </a:r>
-            <a:r>
-              <a:rPr lang="ja-JP" altLang="en-US" sz="1400" dirty="0">
-                <a:latin typeface="UD デジタル 教科書体 NP" panose="02020400000000000000" pitchFamily="18" charset="-128"/>
-                <a:ea typeface="UD デジタル 教科書体 NP" panose="02020400000000000000" pitchFamily="18" charset="-128"/>
-              </a:rPr>
-              <a:t>の示すように、より右にあるライン上をトレース</a:t>
-            </a:r>
-            <a:endParaRPr lang="en-US" altLang="ja-JP" sz="1400" dirty="0">
-              <a:latin typeface="UD デジタル 教科書体 NP" panose="02020400000000000000" pitchFamily="18" charset="-128"/>
-              <a:ea typeface="UD デジタル 教科書体 NP" panose="02020400000000000000" pitchFamily="18" charset="-128"/>
-            </a:endParaRPr>
-          </a:p>
-          <a:p>
-            <a:pPr eaLnBrk="1" hangingPunct="1">
-              <a:lnSpc>
-                <a:spcPct val="80000"/>
-              </a:lnSpc>
-              <a:spcBef>
-                <a:spcPct val="20000"/>
-              </a:spcBef>
-            </a:pPr>
-            <a:r>
-              <a:rPr lang="ja-JP" altLang="en-US" sz="1400" dirty="0">
-                <a:latin typeface="UD デジタル 教科書体 NP" panose="02020400000000000000" pitchFamily="18" charset="-128"/>
-                <a:ea typeface="UD デジタル 教科書体 NP" panose="02020400000000000000" pitchFamily="18" charset="-128"/>
-              </a:rPr>
-              <a:t>しながら走行する。</a:t>
-            </a:r>
-            <a:endParaRPr lang="en-US" altLang="ja-JP" sz="1400" dirty="0">
-              <a:latin typeface="UD デジタル 教科書体 NP" panose="02020400000000000000" pitchFamily="18" charset="-128"/>
-              <a:ea typeface="UD デジタル 教科書体 NP" panose="02020400000000000000" pitchFamily="18" charset="-128"/>
-            </a:endParaRPr>
-          </a:p>
-          <a:p>
-            <a:pPr eaLnBrk="1" hangingPunct="1">
-              <a:lnSpc>
-                <a:spcPct val="80000"/>
-              </a:lnSpc>
-              <a:spcBef>
-                <a:spcPct val="20000"/>
-              </a:spcBef>
-            </a:pPr>
-            <a:r>
-              <a:rPr lang="ja-JP" altLang="en-US" sz="1400" dirty="0">
-                <a:latin typeface="UD デジタル 教科書体 NP" panose="02020400000000000000" pitchFamily="18" charset="-128"/>
-                <a:ea typeface="UD デジタル 教科書体 NP" panose="02020400000000000000" pitchFamily="18" charset="-128"/>
-              </a:rPr>
-              <a:t>以降も分岐時の進行方向を知っており、上記の動作を繰り返</a:t>
-            </a:r>
-            <a:endParaRPr lang="en-US" altLang="ja-JP" sz="1400" dirty="0">
-              <a:latin typeface="UD デジタル 教科書体 NP" panose="02020400000000000000" pitchFamily="18" charset="-128"/>
-              <a:ea typeface="UD デジタル 教科書体 NP" panose="02020400000000000000" pitchFamily="18" charset="-128"/>
-            </a:endParaRPr>
-          </a:p>
-          <a:p>
-            <a:pPr eaLnBrk="1" hangingPunct="1">
-              <a:lnSpc>
-                <a:spcPct val="80000"/>
-              </a:lnSpc>
-              <a:spcBef>
-                <a:spcPct val="20000"/>
-              </a:spcBef>
-            </a:pPr>
-            <a:r>
-              <a:rPr lang="ja-JP" altLang="en-US" sz="1400" dirty="0">
-                <a:latin typeface="UD デジタル 教科書体 NP" panose="02020400000000000000" pitchFamily="18" charset="-128"/>
-                <a:ea typeface="UD デジタル 教科書体 NP" panose="02020400000000000000" pitchFamily="18" charset="-128"/>
-              </a:rPr>
-              <a:t>すこととする。</a:t>
-            </a:r>
-            <a:endParaRPr lang="en-US" altLang="ja-JP" sz="1400" dirty="0">
+              <a:t>する。</a:t>
+            </a:r>
+            <a:endParaRPr lang="en-US" altLang="ja-JP" sz="1200" dirty="0">
               <a:latin typeface="UD デジタル 教科書体 NP" panose="02020400000000000000" pitchFamily="18" charset="-128"/>
               <a:ea typeface="UD デジタル 教科書体 NP" panose="02020400000000000000" pitchFamily="18" charset="-128"/>
             </a:endParaRPr>
@@ -8890,8 +8818,8 @@
         </p:nvSpPr>
         <p:spPr bwMode="auto">
           <a:xfrm>
-            <a:off x="152494" y="5979466"/>
-            <a:ext cx="7731046" cy="4479006"/>
+            <a:off x="152494" y="4550478"/>
+            <a:ext cx="7720755" cy="5907994"/>
           </a:xfrm>
           <a:prstGeom prst="rect">
             <a:avLst/>
@@ -9053,10 +8981,129 @@
               </a:rPr>
               <a:t>要件分析とリスク分析</a:t>
             </a:r>
-          </a:p>
-          <a:p>
-            <a:pPr marL="0" indent="0"/>
-            <a:endParaRPr lang="en-US" altLang="ja-JP" sz="1400" dirty="0">
+            <a:endParaRPr lang="en-US" altLang="ja-JP" sz="1800" dirty="0">
+              <a:latin typeface="UD デジタル 教科書体 NP" panose="02020400000000000000" pitchFamily="18" charset="-128"/>
+              <a:ea typeface="UD デジタル 教科書体 NP" panose="02020400000000000000" pitchFamily="18" charset="-128"/>
+            </a:endParaRPr>
+          </a:p>
+          <a:p>
+            <a:pPr eaLnBrk="1" hangingPunct="1">
+              <a:lnSpc>
+                <a:spcPct val="80000"/>
+              </a:lnSpc>
+              <a:spcBef>
+                <a:spcPct val="20000"/>
+              </a:spcBef>
+            </a:pPr>
+            <a:r>
+              <a:rPr lang="ja-JP" altLang="en-US" sz="1200" dirty="0">
+                <a:latin typeface="UD デジタル 教科書体 NP" panose="02020400000000000000" pitchFamily="18" charset="-128"/>
+                <a:ea typeface="UD デジタル 教科書体 NP" panose="02020400000000000000" pitchFamily="18" charset="-128"/>
+              </a:rPr>
+              <a:t>基本戦略の実現に向けた要件とリスクの分析結果を図</a:t>
+            </a:r>
+            <a:r>
+              <a:rPr lang="en-US" altLang="ja-JP" sz="1200" dirty="0">
+                <a:latin typeface="UD デジタル 教科書体 NP" panose="02020400000000000000" pitchFamily="18" charset="-128"/>
+                <a:ea typeface="UD デジタル 教科書体 NP" panose="02020400000000000000" pitchFamily="18" charset="-128"/>
+              </a:rPr>
+              <a:t>1.2</a:t>
+            </a:r>
+            <a:r>
+              <a:rPr lang="ja-JP" altLang="en-US" sz="1200" dirty="0">
+                <a:latin typeface="UD デジタル 教科書体 NP" panose="02020400000000000000" pitchFamily="18" charset="-128"/>
+                <a:ea typeface="UD デジタル 教科書体 NP" panose="02020400000000000000" pitchFamily="18" charset="-128"/>
+              </a:rPr>
+              <a:t>にミスユースケース図を用いて整理した。</a:t>
+            </a:r>
+            <a:endParaRPr lang="en-US" altLang="ja-JP" sz="1782" dirty="0">
+              <a:solidFill>
+                <a:srgbClr val="FF0000"/>
+              </a:solidFill>
+              <a:latin typeface="UD デジタル 教科書体 NP" panose="02020400000000000000" pitchFamily="18" charset="-128"/>
+              <a:ea typeface="UD デジタル 教科書体 NP" panose="02020400000000000000" pitchFamily="18" charset="-128"/>
+            </a:endParaRPr>
+          </a:p>
+          <a:p>
+            <a:pPr eaLnBrk="1" hangingPunct="1">
+              <a:lnSpc>
+                <a:spcPct val="80000"/>
+              </a:lnSpc>
+              <a:spcBef>
+                <a:spcPct val="20000"/>
+              </a:spcBef>
+            </a:pPr>
+            <a:r>
+              <a:rPr lang="ja-JP" altLang="en-US" sz="1200" dirty="0">
+                <a:latin typeface="UD デジタル 教科書体 NP" panose="02020400000000000000" pitchFamily="18" charset="-128"/>
+                <a:ea typeface="UD デジタル 教科書体 NP" panose="02020400000000000000" pitchFamily="18" charset="-128"/>
+              </a:rPr>
+              <a:t>また、競技者</a:t>
+            </a:r>
+            <a:r>
+              <a:rPr lang="en-US" altLang="ja-JP" sz="1200" dirty="0">
+                <a:latin typeface="UD デジタル 教科書体 NP" panose="02020400000000000000" pitchFamily="18" charset="-128"/>
+                <a:ea typeface="UD デジタル 教科書体 NP" panose="02020400000000000000" pitchFamily="18" charset="-128"/>
+              </a:rPr>
+              <a:t>(</a:t>
+            </a:r>
+            <a:r>
+              <a:rPr lang="ja-JP" altLang="en-US" sz="1200" dirty="0">
+                <a:latin typeface="UD デジタル 教科書体 NP" panose="02020400000000000000" pitchFamily="18" charset="-128"/>
+                <a:ea typeface="UD デジタル 教科書体 NP" panose="02020400000000000000" pitchFamily="18" charset="-128"/>
+              </a:rPr>
+              <a:t>アクター</a:t>
+            </a:r>
+            <a:r>
+              <a:rPr lang="en-US" altLang="ja-JP" sz="1200" dirty="0">
+                <a:latin typeface="UD デジタル 教科書体 NP" panose="02020400000000000000" pitchFamily="18" charset="-128"/>
+                <a:ea typeface="UD デジタル 教科書体 NP" panose="02020400000000000000" pitchFamily="18" charset="-128"/>
+              </a:rPr>
+              <a:t>)</a:t>
+            </a:r>
+            <a:r>
+              <a:rPr lang="ja-JP" altLang="en-US" sz="1200" dirty="0">
+                <a:latin typeface="UD デジタル 教科書体 NP" panose="02020400000000000000" pitchFamily="18" charset="-128"/>
+                <a:ea typeface="UD デジタル 教科書体 NP" panose="02020400000000000000" pitchFamily="18" charset="-128"/>
+              </a:rPr>
+              <a:t>からみたシステムの入り口となるユースケース「バーチャル運転手に目的地までの</a:t>
+            </a:r>
+            <a:endParaRPr lang="en-US" altLang="ja-JP" sz="1200" dirty="0">
+              <a:latin typeface="UD デジタル 教科書体 NP" panose="02020400000000000000" pitchFamily="18" charset="-128"/>
+              <a:ea typeface="UD デジタル 教科書体 NP" panose="02020400000000000000" pitchFamily="18" charset="-128"/>
+            </a:endParaRPr>
+          </a:p>
+          <a:p>
+            <a:pPr eaLnBrk="1" hangingPunct="1">
+              <a:lnSpc>
+                <a:spcPct val="80000"/>
+              </a:lnSpc>
+              <a:spcBef>
+                <a:spcPct val="20000"/>
+              </a:spcBef>
+            </a:pPr>
+            <a:r>
+              <a:rPr lang="ja-JP" altLang="en-US" sz="1200" dirty="0">
+                <a:latin typeface="UD デジタル 教科書体 NP" panose="02020400000000000000" pitchFamily="18" charset="-128"/>
+                <a:ea typeface="UD デジタル 教科書体 NP" panose="02020400000000000000" pitchFamily="18" charset="-128"/>
+              </a:rPr>
+              <a:t>運転を依頼する」の概要を表</a:t>
+            </a:r>
+            <a:r>
+              <a:rPr lang="en-US" altLang="ja-JP" sz="1200" dirty="0">
+                <a:latin typeface="UD デジタル 教科書体 NP" panose="02020400000000000000" pitchFamily="18" charset="-128"/>
+                <a:ea typeface="UD デジタル 教科書体 NP" panose="02020400000000000000" pitchFamily="18" charset="-128"/>
+              </a:rPr>
+              <a:t>1.1</a:t>
+            </a:r>
+            <a:r>
+              <a:rPr lang="ja-JP" altLang="en-US" sz="1200" dirty="0">
+                <a:latin typeface="UD デジタル 教科書体 NP" panose="02020400000000000000" pitchFamily="18" charset="-128"/>
+                <a:ea typeface="UD デジタル 教科書体 NP" panose="02020400000000000000" pitchFamily="18" charset="-128"/>
+              </a:rPr>
+              <a:t>にユースケース記述として記載した。</a:t>
+            </a:r>
+            <a:endParaRPr lang="en-US" altLang="ja-JP" sz="1200" dirty="0">
               <a:latin typeface="UD デジタル 教科書体 NP" panose="02020400000000000000" pitchFamily="18" charset="-128"/>
               <a:ea typeface="UD デジタル 教科書体 NP" panose="02020400000000000000" pitchFamily="18" charset="-128"/>
             </a:endParaRPr>
@@ -9079,8 +9126,8 @@
         </p:nvSpPr>
         <p:spPr bwMode="auto">
           <a:xfrm>
-            <a:off x="7991723" y="648544"/>
-            <a:ext cx="6975133" cy="9809930"/>
+            <a:off x="7873249" y="648544"/>
+            <a:ext cx="7093607" cy="9809930"/>
           </a:xfrm>
           <a:prstGeom prst="rect">
             <a:avLst/>
@@ -9253,51 +9300,12 @@
               </a:spcBef>
             </a:pPr>
             <a:r>
-              <a:rPr lang="ja-JP" altLang="en-US" sz="1400" dirty="0">
+              <a:rPr lang="en-US" altLang="ja-JP" sz="1200" dirty="0">
                 <a:latin typeface="UD デジタル 教科書体 NP" panose="02020400000000000000" pitchFamily="18" charset="-128"/>
                 <a:ea typeface="UD デジタル 教科書体 NP" panose="02020400000000000000" pitchFamily="18" charset="-128"/>
               </a:rPr>
-              <a:t>ダブルループへの侵入から脱出までの機能の流れを図</a:t>
-            </a:r>
-            <a:r>
-              <a:rPr lang="en-US" altLang="ja-JP" sz="1400" dirty="0">
-                <a:latin typeface="UD デジタル 教科書体 NP" panose="02020400000000000000" pitchFamily="18" charset="-128"/>
-                <a:ea typeface="UD デジタル 教科書体 NP" panose="02020400000000000000" pitchFamily="18" charset="-128"/>
-              </a:rPr>
-              <a:t>1.3</a:t>
-            </a:r>
-            <a:r>
-              <a:rPr lang="ja-JP" altLang="en-US" sz="1400" dirty="0">
-                <a:latin typeface="UD デジタル 教科書体 NP" panose="02020400000000000000" pitchFamily="18" charset="-128"/>
-                <a:ea typeface="UD デジタル 教科書体 NP" panose="02020400000000000000" pitchFamily="18" charset="-128"/>
-              </a:rPr>
-              <a:t>に示した。</a:t>
-            </a:r>
-            <a:endParaRPr lang="en-US" altLang="ja-JP" sz="1400" dirty="0">
-              <a:latin typeface="UD デジタル 教科書体 NP" panose="02020400000000000000" pitchFamily="18" charset="-128"/>
-              <a:ea typeface="UD デジタル 教科書体 NP" panose="02020400000000000000" pitchFamily="18" charset="-128"/>
-            </a:endParaRPr>
-          </a:p>
-          <a:p>
-            <a:pPr eaLnBrk="1" hangingPunct="1">
-              <a:lnSpc>
-                <a:spcPct val="80000"/>
-              </a:lnSpc>
-              <a:spcBef>
-                <a:spcPct val="20000"/>
-              </a:spcBef>
-            </a:pPr>
-            <a:r>
-              <a:rPr lang="ja-JP" altLang="en-US" sz="1400" dirty="0">
-                <a:latin typeface="UD デジタル 教科書体 NP" panose="02020400000000000000" pitchFamily="18" charset="-128"/>
-                <a:ea typeface="UD デジタル 教科書体 NP" panose="02020400000000000000" pitchFamily="18" charset="-128"/>
-              </a:rPr>
-              <a:t>基本戦略にてコース全体を区間へと分割したため、ここでもコースを区間の連続として表現している。</a:t>
-            </a:r>
-            <a:endParaRPr lang="en-US" altLang="ja-JP" sz="1400" dirty="0">
-              <a:latin typeface="UD デジタル 教科書体 NP" panose="02020400000000000000" pitchFamily="18" charset="-128"/>
-              <a:ea typeface="UD デジタル 教科書体 NP" panose="02020400000000000000" pitchFamily="18" charset="-128"/>
-            </a:endParaRPr>
+              <a:t>XXXXX</a:t>
+            </a:r>
           </a:p>
           <a:p>
             <a:pPr eaLnBrk="1" hangingPunct="1">
@@ -9337,63 +9345,14 @@
         </p:blipFill>
         <p:spPr>
           <a:xfrm>
-            <a:off x="5205766" y="2818730"/>
-            <a:ext cx="2525241" cy="2803481"/>
+            <a:off x="5379491" y="1817514"/>
+            <a:ext cx="2270732" cy="2520929"/>
           </a:xfrm>
           <a:prstGeom prst="rect">
             <a:avLst/>
           </a:prstGeom>
         </p:spPr>
       </p:pic>
-      <p:sp>
-        <p:nvSpPr>
-          <p:cNvPr id="12" name="正方形/長方形 11">
-            <a:extLst>
-              <a:ext uri="{FF2B5EF4-FFF2-40B4-BE49-F238E27FC236}">
-                <a16:creationId xmlns:a16="http://schemas.microsoft.com/office/drawing/2014/main" id="{2CF4B211-31D0-3C1F-DDB5-4115ADA07E4B}"/>
-              </a:ext>
-            </a:extLst>
-          </p:cNvPr>
-          <p:cNvSpPr/>
-          <p:nvPr/>
-        </p:nvSpPr>
-        <p:spPr>
-          <a:xfrm>
-            <a:off x="6407547" y="1375144"/>
-            <a:ext cx="1323460" cy="1086331"/>
-          </a:xfrm>
-          <a:prstGeom prst="rect">
-            <a:avLst/>
-          </a:prstGeom>
-        </p:spPr>
-        <p:style>
-          <a:lnRef idx="2">
-            <a:schemeClr val="accent1">
-              <a:shade val="15000"/>
-            </a:schemeClr>
-          </a:lnRef>
-          <a:fillRef idx="1">
-            <a:schemeClr val="accent1"/>
-          </a:fillRef>
-          <a:effectRef idx="0">
-            <a:schemeClr val="accent1"/>
-          </a:effectRef>
-          <a:fontRef idx="minor">
-            <a:schemeClr val="lt1"/>
-          </a:fontRef>
-        </p:style>
-        <p:txBody>
-          <a:bodyPr rtlCol="0" anchor="ctr"/>
-          <a:lstStyle/>
-          <a:p>
-            <a:pPr algn="ctr"/>
-            <a:r>
-              <a:rPr kumimoji="1" lang="ja-JP" altLang="en-US" dirty="0"/>
-              <a:t>ここにバーチャル運転手の顔</a:t>
-            </a:r>
-          </a:p>
-        </p:txBody>
-      </p:sp>
       <p:sp>
         <p:nvSpPr>
           <p:cNvPr id="13" name="テキスト ボックス 12">
@@ -9408,7 +9367,7 @@
         </p:nvSpPr>
         <p:spPr>
           <a:xfrm>
-            <a:off x="5767994" y="5557099"/>
+            <a:off x="5741584" y="4265786"/>
             <a:ext cx="1567138" cy="284693"/>
           </a:xfrm>
           <a:prstGeom prst="rect">
@@ -9441,17 +9400,54 @@
                 <a:latin typeface="BIZ UDPゴシック" panose="020B0400000000000000" pitchFamily="50" charset="-128"/>
                 <a:ea typeface="BIZ UDPゴシック" panose="020B0400000000000000" pitchFamily="50" charset="-128"/>
               </a:rPr>
-              <a:t>走行イメージ</a:t>
+              <a:t>走行</a:t>
+            </a:r>
+            <a:r>
+              <a:rPr kumimoji="1" lang="ja-JP" altLang="en-US" sz="1200" dirty="0">
+                <a:latin typeface="BIZ UDPゴシック" panose="020B0400000000000000" pitchFamily="50" charset="-128"/>
+                <a:ea typeface="BIZ UDPゴシック" panose="020B0400000000000000" pitchFamily="50" charset="-128"/>
+              </a:rPr>
+              <a:t>イメージ</a:t>
             </a:r>
           </a:p>
         </p:txBody>
       </p:sp>
+      <p:pic>
+        <p:nvPicPr>
+          <p:cNvPr id="20" name="図 19">
+            <a:extLst>
+              <a:ext uri="{FF2B5EF4-FFF2-40B4-BE49-F238E27FC236}">
+                <a16:creationId xmlns:a16="http://schemas.microsoft.com/office/drawing/2014/main" id="{A19ABE60-8B55-8221-8F28-4EA3483CD853}"/>
+              </a:ext>
+            </a:extLst>
+          </p:cNvPr>
+          <p:cNvPicPr>
+            <a:picLocks noChangeAspect="1"/>
+          </p:cNvPicPr>
+          <p:nvPr/>
+        </p:nvPicPr>
+        <p:blipFill>
+          <a:blip r:embed="rId10"/>
+          <a:stretch>
+            <a:fillRect/>
+          </a:stretch>
+        </p:blipFill>
+        <p:spPr>
+          <a:xfrm>
+            <a:off x="194188" y="5496473"/>
+            <a:ext cx="4886735" cy="4673969"/>
+          </a:xfrm>
+          <a:prstGeom prst="rect">
+            <a:avLst/>
+          </a:prstGeom>
+        </p:spPr>
+      </p:pic>
       <p:sp>
         <p:nvSpPr>
-          <p:cNvPr id="14" name="テキスト ボックス 13">
+          <p:cNvPr id="26" name="テキスト ボックス 25">
             <a:extLst>
               <a:ext uri="{FF2B5EF4-FFF2-40B4-BE49-F238E27FC236}">
-                <a16:creationId xmlns:a16="http://schemas.microsoft.com/office/drawing/2014/main" id="{849BA612-9F1C-0AC6-2445-F8B4C2611D58}"/>
+                <a16:creationId xmlns:a16="http://schemas.microsoft.com/office/drawing/2014/main" id="{8C10B89A-D9F0-F9E9-20DF-8F330F475056}"/>
               </a:ext>
             </a:extLst>
           </p:cNvPr>
@@ -9460,8 +9456,8 @@
         </p:nvSpPr>
         <p:spPr>
           <a:xfrm>
-            <a:off x="6407547" y="2456275"/>
-            <a:ext cx="1424896" cy="292503"/>
+            <a:off x="1552251" y="10139444"/>
+            <a:ext cx="2088232" cy="284693"/>
           </a:xfrm>
           <a:prstGeom prst="rect">
             <a:avLst/>
@@ -9475,19 +9471,126 @@
           <a:lstStyle/>
           <a:p>
             <a:r>
+              <a:rPr kumimoji="1" lang="ja-JP" altLang="en-US" sz="1250" dirty="0">
+                <a:latin typeface="BIZ UDPゴシック" panose="020B0400000000000000" pitchFamily="50" charset="-128"/>
+                <a:ea typeface="BIZ UDPゴシック" panose="020B0400000000000000" pitchFamily="50" charset="-128"/>
+              </a:rPr>
+              <a:t>図</a:t>
+            </a:r>
+            <a:r>
+              <a:rPr kumimoji="1" lang="en-US" altLang="ja-JP" sz="1250" dirty="0">
+                <a:latin typeface="BIZ UDPゴシック" panose="020B0400000000000000" pitchFamily="50" charset="-128"/>
+                <a:ea typeface="BIZ UDPゴシック" panose="020B0400000000000000" pitchFamily="50" charset="-128"/>
+              </a:rPr>
+              <a:t>1.2 </a:t>
+            </a:r>
+            <a:r>
+              <a:rPr kumimoji="1" lang="ja-JP" altLang="en-US" sz="1250" dirty="0">
+                <a:latin typeface="BIZ UDPゴシック" panose="020B0400000000000000" pitchFamily="50" charset="-128"/>
+                <a:ea typeface="BIZ UDPゴシック" panose="020B0400000000000000" pitchFamily="50" charset="-128"/>
+              </a:rPr>
+              <a:t>ミス</a:t>
+            </a:r>
+            <a:r>
               <a:rPr lang="ja-JP" altLang="en-US" sz="1250" dirty="0">
                 <a:latin typeface="BIZ UDPゴシック" panose="020B0400000000000000" pitchFamily="50" charset="-128"/>
                 <a:ea typeface="BIZ UDPゴシック" panose="020B0400000000000000" pitchFamily="50" charset="-128"/>
               </a:rPr>
-              <a:t>バーチャル運転手</a:t>
-            </a:r>
-            <a:endParaRPr kumimoji="1" lang="ja-JP" altLang="en-US" sz="1250" dirty="0">
+              <a:t>ユースケース図</a:t>
+            </a:r>
+            <a:endParaRPr kumimoji="1" lang="ja-JP" altLang="en-US" sz="1200" dirty="0">
               <a:latin typeface="BIZ UDPゴシック" panose="020B0400000000000000" pitchFamily="50" charset="-128"/>
               <a:ea typeface="BIZ UDPゴシック" panose="020B0400000000000000" pitchFamily="50" charset="-128"/>
             </a:endParaRPr>
           </a:p>
         </p:txBody>
       </p:sp>
+      <p:sp>
+        <p:nvSpPr>
+          <p:cNvPr id="27" name="テキスト ボックス 26">
+            <a:extLst>
+              <a:ext uri="{FF2B5EF4-FFF2-40B4-BE49-F238E27FC236}">
+                <a16:creationId xmlns:a16="http://schemas.microsoft.com/office/drawing/2014/main" id="{C0E58AFB-68DC-E5F4-68F9-2F8D71A6348A}"/>
+              </a:ext>
+            </a:extLst>
+          </p:cNvPr>
+          <p:cNvSpPr txBox="1"/>
+          <p:nvPr/>
+        </p:nvSpPr>
+        <p:spPr>
+          <a:xfrm>
+            <a:off x="5433626" y="10173779"/>
+            <a:ext cx="2088232" cy="284693"/>
+          </a:xfrm>
+          <a:prstGeom prst="rect">
+            <a:avLst/>
+          </a:prstGeom>
+          <a:noFill/>
+        </p:spPr>
+        <p:txBody>
+          <a:bodyPr wrap="square" rtlCol="0">
+            <a:spAutoFit/>
+          </a:bodyPr>
+          <a:lstStyle/>
+          <a:p>
+            <a:r>
+              <a:rPr kumimoji="1" lang="ja-JP" altLang="en-US" sz="1250" dirty="0">
+                <a:latin typeface="BIZ UDPゴシック" panose="020B0400000000000000" pitchFamily="50" charset="-128"/>
+                <a:ea typeface="BIZ UDPゴシック" panose="020B0400000000000000" pitchFamily="50" charset="-128"/>
+              </a:rPr>
+              <a:t>表</a:t>
+            </a:r>
+            <a:r>
+              <a:rPr kumimoji="1" lang="en-US" altLang="ja-JP" sz="1250" dirty="0">
+                <a:latin typeface="BIZ UDPゴシック" panose="020B0400000000000000" pitchFamily="50" charset="-128"/>
+                <a:ea typeface="BIZ UDPゴシック" panose="020B0400000000000000" pitchFamily="50" charset="-128"/>
+              </a:rPr>
+              <a:t>1.1 </a:t>
+            </a:r>
+            <a:r>
+              <a:rPr kumimoji="1" lang="ja-JP" altLang="en-US" sz="1250" dirty="0">
+                <a:latin typeface="BIZ UDPゴシック" panose="020B0400000000000000" pitchFamily="50" charset="-128"/>
+                <a:ea typeface="BIZ UDPゴシック" panose="020B0400000000000000" pitchFamily="50" charset="-128"/>
+              </a:rPr>
+              <a:t>ユースケース記述</a:t>
+            </a:r>
+            <a:endParaRPr kumimoji="1" lang="ja-JP" altLang="en-US" sz="1200" dirty="0">
+              <a:latin typeface="BIZ UDPゴシック" panose="020B0400000000000000" pitchFamily="50" charset="-128"/>
+              <a:ea typeface="BIZ UDPゴシック" panose="020B0400000000000000" pitchFamily="50" charset="-128"/>
+            </a:endParaRPr>
+          </a:p>
+        </p:txBody>
+      </p:sp>
+      <p:pic>
+        <p:nvPicPr>
+          <p:cNvPr id="30" name="図 29">
+            <a:extLst>
+              <a:ext uri="{FF2B5EF4-FFF2-40B4-BE49-F238E27FC236}">
+                <a16:creationId xmlns:a16="http://schemas.microsoft.com/office/drawing/2014/main" id="{ACECE681-2B52-E5D3-B89B-FE8DE2D46C47}"/>
+              </a:ext>
+            </a:extLst>
+          </p:cNvPr>
+          <p:cNvPicPr>
+            <a:picLocks noChangeAspect="1"/>
+          </p:cNvPicPr>
+          <p:nvPr/>
+        </p:nvPicPr>
+        <p:blipFill>
+          <a:blip r:embed="rId11"/>
+          <a:stretch>
+            <a:fillRect/>
+          </a:stretch>
+        </p:blipFill>
+        <p:spPr>
+          <a:xfrm>
+            <a:off x="5063210" y="5178135"/>
+            <a:ext cx="2736304" cy="5072174"/>
+          </a:xfrm>
+          <a:prstGeom prst="rect">
+            <a:avLst/>
+          </a:prstGeom>
+        </p:spPr>
+      </p:pic>
     </p:spTree>
     <p:extLst>
       <p:ext uri="{BB962C8B-B14F-4D97-AF65-F5344CB8AC3E}">
@@ -9518,36 +9621,6 @@
           <a:chExt cx="0" cy="0"/>
         </a:xfrm>
       </p:grpSpPr>
-      <p:pic>
-        <p:nvPicPr>
-          <p:cNvPr id="7" name="図 6">
-            <a:extLst>
-              <a:ext uri="{FF2B5EF4-FFF2-40B4-BE49-F238E27FC236}">
-                <a16:creationId xmlns:a16="http://schemas.microsoft.com/office/drawing/2014/main" id="{51189F7C-2D9A-4B75-AB6C-4CF820462714}"/>
-              </a:ext>
-            </a:extLst>
-          </p:cNvPr>
-          <p:cNvPicPr>
-            <a:picLocks noChangeAspect="1"/>
-          </p:cNvPicPr>
-          <p:nvPr/>
-        </p:nvPicPr>
-        <p:blipFill>
-          <a:blip r:embed="rId2"/>
-          <a:stretch>
-            <a:fillRect/>
-          </a:stretch>
-        </p:blipFill>
-        <p:spPr>
-          <a:xfrm>
-            <a:off x="337767" y="8009530"/>
-            <a:ext cx="3974362" cy="2354783"/>
-          </a:xfrm>
-          <a:prstGeom prst="rect">
-            <a:avLst/>
-          </a:prstGeom>
-        </p:spPr>
-      </p:pic>
       <p:sp>
         <p:nvSpPr>
           <p:cNvPr id="31" name="Rectangle 3">
@@ -9738,51 +9811,12 @@
               </a:spcBef>
             </a:pPr>
             <a:r>
-              <a:rPr lang="ja-JP" altLang="en-US" sz="1400" dirty="0">
-                <a:latin typeface="UD デジタル 教科書体 NP" panose="02020400000000000000" pitchFamily="18" charset="-128"/>
-                <a:ea typeface="UD デジタル 教科書体 NP" panose="02020400000000000000" pitchFamily="18" charset="-128"/>
-              </a:rPr>
-              <a:t>機能の実現に向けて、初めに走行体制御における</a:t>
-            </a:r>
-            <a:endParaRPr lang="en-US" altLang="ja-JP" sz="1400" dirty="0">
-              <a:latin typeface="UD デジタル 教科書体 NP" panose="02020400000000000000" pitchFamily="18" charset="-128"/>
-              <a:ea typeface="UD デジタル 教科書体 NP" panose="02020400000000000000" pitchFamily="18" charset="-128"/>
-            </a:endParaRPr>
-          </a:p>
-          <a:p>
-            <a:pPr eaLnBrk="1" hangingPunct="1">
-              <a:lnSpc>
-                <a:spcPct val="80000"/>
-              </a:lnSpc>
-              <a:spcBef>
-                <a:spcPct val="20000"/>
-              </a:spcBef>
-            </a:pPr>
-            <a:r>
-              <a:rPr lang="ja-JP" altLang="en-US" sz="1400" dirty="0">
-                <a:latin typeface="UD デジタル 教科書体 NP" panose="02020400000000000000" pitchFamily="18" charset="-128"/>
-                <a:ea typeface="UD デジタル 教科書体 NP" panose="02020400000000000000" pitchFamily="18" charset="-128"/>
-              </a:rPr>
-              <a:t>データの流れに着目し図</a:t>
-            </a:r>
-            <a:r>
               <a:rPr lang="en-US" altLang="ja-JP" sz="1400" dirty="0">
                 <a:latin typeface="UD デジタル 教科書体 NP" panose="02020400000000000000" pitchFamily="18" charset="-128"/>
                 <a:ea typeface="UD デジタル 教科書体 NP" panose="02020400000000000000" pitchFamily="18" charset="-128"/>
               </a:rPr>
-              <a:t>2.1</a:t>
-            </a:r>
-            <a:r>
-              <a:rPr lang="ja-JP" altLang="en-US" sz="1400" dirty="0">
-                <a:latin typeface="UD デジタル 教科書体 NP" panose="02020400000000000000" pitchFamily="18" charset="-128"/>
-                <a:ea typeface="UD デジタル 教科書体 NP" panose="02020400000000000000" pitchFamily="18" charset="-128"/>
-              </a:rPr>
-              <a:t>に整理した。</a:t>
-            </a:r>
-            <a:endParaRPr lang="en-US" altLang="ja-JP" sz="1400" dirty="0">
-              <a:latin typeface="UD デジタル 教科書体 NP" panose="02020400000000000000" pitchFamily="18" charset="-128"/>
-              <a:ea typeface="UD デジタル 教科書体 NP" panose="02020400000000000000" pitchFamily="18" charset="-128"/>
-            </a:endParaRPr>
+              <a:t>XXXXX</a:t>
+            </a:r>
           </a:p>
           <a:p>
             <a:pPr eaLnBrk="1" hangingPunct="1">
@@ -9905,167 +9939,6 @@
                 <a:spcPct val="20000"/>
               </a:spcBef>
             </a:pPr>
-            <a:endParaRPr lang="en-US" altLang="ja-JP" sz="1400" dirty="0">
-              <a:latin typeface="UD デジタル 教科書体 NP" panose="02020400000000000000" pitchFamily="18" charset="-128"/>
-              <a:ea typeface="UD デジタル 教科書体 NP" panose="02020400000000000000" pitchFamily="18" charset="-128"/>
-            </a:endParaRPr>
-          </a:p>
-          <a:p>
-            <a:pPr eaLnBrk="1" hangingPunct="1">
-              <a:lnSpc>
-                <a:spcPct val="80000"/>
-              </a:lnSpc>
-              <a:spcBef>
-                <a:spcPct val="20000"/>
-              </a:spcBef>
-            </a:pPr>
-            <a:endParaRPr lang="en-US" altLang="ja-JP" sz="1400" dirty="0">
-              <a:latin typeface="UD デジタル 教科書体 NP" panose="02020400000000000000" pitchFamily="18" charset="-128"/>
-              <a:ea typeface="UD デジタル 教科書体 NP" panose="02020400000000000000" pitchFamily="18" charset="-128"/>
-            </a:endParaRPr>
-          </a:p>
-          <a:p>
-            <a:pPr eaLnBrk="1" hangingPunct="1">
-              <a:lnSpc>
-                <a:spcPct val="80000"/>
-              </a:lnSpc>
-              <a:spcBef>
-                <a:spcPct val="20000"/>
-              </a:spcBef>
-            </a:pPr>
-            <a:endParaRPr lang="en-US" altLang="ja-JP" sz="1400" dirty="0">
-              <a:latin typeface="UD デジタル 教科書体 NP" panose="02020400000000000000" pitchFamily="18" charset="-128"/>
-              <a:ea typeface="UD デジタル 教科書体 NP" panose="02020400000000000000" pitchFamily="18" charset="-128"/>
-            </a:endParaRPr>
-          </a:p>
-          <a:p>
-            <a:pPr eaLnBrk="1" hangingPunct="1">
-              <a:lnSpc>
-                <a:spcPct val="80000"/>
-              </a:lnSpc>
-              <a:spcBef>
-                <a:spcPct val="20000"/>
-              </a:spcBef>
-            </a:pPr>
-            <a:r>
-              <a:rPr lang="ja-JP" altLang="en-US" sz="1400" dirty="0">
-                <a:latin typeface="UD デジタル 教科書体 NP" panose="02020400000000000000" pitchFamily="18" charset="-128"/>
-                <a:ea typeface="UD デジタル 教科書体 NP" panose="02020400000000000000" pitchFamily="18" charset="-128"/>
-              </a:rPr>
-              <a:t>上記のデータの流れを基に導出したパッケージを</a:t>
-            </a:r>
-            <a:endParaRPr lang="en-US" altLang="ja-JP" sz="1400" dirty="0">
-              <a:latin typeface="UD デジタル 教科書体 NP" panose="02020400000000000000" pitchFamily="18" charset="-128"/>
-              <a:ea typeface="UD デジタル 教科書体 NP" panose="02020400000000000000" pitchFamily="18" charset="-128"/>
-            </a:endParaRPr>
-          </a:p>
-          <a:p>
-            <a:pPr eaLnBrk="1" hangingPunct="1">
-              <a:lnSpc>
-                <a:spcPct val="80000"/>
-              </a:lnSpc>
-              <a:spcBef>
-                <a:spcPct val="20000"/>
-              </a:spcBef>
-            </a:pPr>
-            <a:r>
-              <a:rPr lang="ja-JP" altLang="en-US" sz="1400" dirty="0">
-                <a:latin typeface="UD デジタル 教科書体 NP" panose="02020400000000000000" pitchFamily="18" charset="-128"/>
-                <a:ea typeface="UD デジタル 教科書体 NP" panose="02020400000000000000" pitchFamily="18" charset="-128"/>
-              </a:rPr>
-              <a:t>図２</a:t>
-            </a:r>
-            <a:r>
-              <a:rPr lang="en-US" altLang="ja-JP" sz="1400" dirty="0">
-                <a:latin typeface="UD デジタル 教科書体 NP" panose="02020400000000000000" pitchFamily="18" charset="-128"/>
-                <a:ea typeface="UD デジタル 教科書体 NP" panose="02020400000000000000" pitchFamily="18" charset="-128"/>
-              </a:rPr>
-              <a:t>.2</a:t>
-            </a:r>
-            <a:r>
-              <a:rPr lang="ja-JP" altLang="en-US" sz="1400" dirty="0">
-                <a:latin typeface="UD デジタル 教科書体 NP" panose="02020400000000000000" pitchFamily="18" charset="-128"/>
-                <a:ea typeface="UD デジタル 教科書体 NP" panose="02020400000000000000" pitchFamily="18" charset="-128"/>
-              </a:rPr>
-              <a:t>に、パッケージの役割を表</a:t>
-            </a:r>
-            <a:r>
-              <a:rPr lang="en-US" altLang="ja-JP" sz="1400" dirty="0">
-                <a:latin typeface="UD デジタル 教科書体 NP" panose="02020400000000000000" pitchFamily="18" charset="-128"/>
-                <a:ea typeface="UD デジタル 教科書体 NP" panose="02020400000000000000" pitchFamily="18" charset="-128"/>
-              </a:rPr>
-              <a:t>2.1</a:t>
-            </a:r>
-            <a:r>
-              <a:rPr lang="ja-JP" altLang="en-US" sz="1400" dirty="0">
-                <a:latin typeface="UD デジタル 教科書体 NP" panose="02020400000000000000" pitchFamily="18" charset="-128"/>
-                <a:ea typeface="UD デジタル 教科書体 NP" panose="02020400000000000000" pitchFamily="18" charset="-128"/>
-              </a:rPr>
-              <a:t>に表した。</a:t>
-            </a:r>
-            <a:endParaRPr lang="en-US" altLang="ja-JP" sz="1400" dirty="0">
-              <a:latin typeface="UD デジタル 教科書体 NP" panose="02020400000000000000" pitchFamily="18" charset="-128"/>
-              <a:ea typeface="UD デジタル 教科書体 NP" panose="02020400000000000000" pitchFamily="18" charset="-128"/>
-            </a:endParaRPr>
-          </a:p>
-          <a:p>
-            <a:pPr eaLnBrk="1" hangingPunct="1">
-              <a:lnSpc>
-                <a:spcPct val="80000"/>
-              </a:lnSpc>
-              <a:spcBef>
-                <a:spcPct val="20000"/>
-              </a:spcBef>
-            </a:pPr>
-            <a:r>
-              <a:rPr lang="ja-JP" altLang="en-US" sz="1400" dirty="0">
-                <a:latin typeface="UD デジタル 教科書体 NP" panose="02020400000000000000" pitchFamily="18" charset="-128"/>
-                <a:ea typeface="UD デジタル 教科書体 NP" panose="02020400000000000000" pitchFamily="18" charset="-128"/>
-              </a:rPr>
-              <a:t>その際、入力と出力の実行周期に差が生じることを</a:t>
-            </a:r>
-            <a:endParaRPr lang="en-US" altLang="ja-JP" sz="1400" dirty="0">
-              <a:latin typeface="UD デジタル 教科書体 NP" panose="02020400000000000000" pitchFamily="18" charset="-128"/>
-              <a:ea typeface="UD デジタル 教科書体 NP" panose="02020400000000000000" pitchFamily="18" charset="-128"/>
-            </a:endParaRPr>
-          </a:p>
-          <a:p>
-            <a:pPr eaLnBrk="1" hangingPunct="1">
-              <a:lnSpc>
-                <a:spcPct val="80000"/>
-              </a:lnSpc>
-              <a:spcBef>
-                <a:spcPct val="20000"/>
-              </a:spcBef>
-            </a:pPr>
-            <a:r>
-              <a:rPr lang="ja-JP" altLang="en-US" sz="1400" dirty="0">
-                <a:latin typeface="UD デジタル 教科書体 NP" panose="02020400000000000000" pitchFamily="18" charset="-128"/>
-                <a:ea typeface="UD デジタル 教科書体 NP" panose="02020400000000000000" pitchFamily="18" charset="-128"/>
-              </a:rPr>
-              <a:t>考慮し、駆動パッケージと知覚パッケージの間に</a:t>
-            </a:r>
-            <a:endParaRPr lang="en-US" altLang="ja-JP" sz="1400" dirty="0">
-              <a:latin typeface="UD デジタル 教科書体 NP" panose="02020400000000000000" pitchFamily="18" charset="-128"/>
-              <a:ea typeface="UD デジタル 教科書体 NP" panose="02020400000000000000" pitchFamily="18" charset="-128"/>
-            </a:endParaRPr>
-          </a:p>
-          <a:p>
-            <a:pPr eaLnBrk="1" hangingPunct="1">
-              <a:lnSpc>
-                <a:spcPct val="80000"/>
-              </a:lnSpc>
-              <a:spcBef>
-                <a:spcPct val="20000"/>
-              </a:spcBef>
-            </a:pPr>
-            <a:r>
-              <a:rPr lang="ja-JP" altLang="en-US" sz="1400" dirty="0">
-                <a:latin typeface="UD デジタル 教科書体 NP" panose="02020400000000000000" pitchFamily="18" charset="-128"/>
-                <a:ea typeface="UD デジタル 教科書体 NP" panose="02020400000000000000" pitchFamily="18" charset="-128"/>
-              </a:rPr>
-              <a:t>記憶領域パッケージを配置した。</a:t>
-            </a:r>
             <a:endParaRPr lang="en-US" altLang="ja-JP" sz="1400" dirty="0">
               <a:latin typeface="UD デジタル 教科書体 NP" panose="02020400000000000000" pitchFamily="18" charset="-128"/>
               <a:ea typeface="UD デジタル 教科書体 NP" panose="02020400000000000000" pitchFamily="18" charset="-128"/>
@@ -10088,7 +9961,7 @@
           <p:nvPr/>
         </p:nvPicPr>
         <p:blipFill>
-          <a:blip r:embed="rId3"/>
+          <a:blip r:embed="rId2"/>
           <a:stretch>
             <a:fillRect/>
           </a:stretch>
@@ -10753,7 +10626,7 @@
       </p:sp>
       <mc:AlternateContent xmlns:mc="http://schemas.openxmlformats.org/markup-compatibility/2006" xmlns:p14="http://schemas.microsoft.com/office/powerpoint/2010/main">
         <mc:Choice Requires="p14">
-          <p:contentPart p14:bwMode="auto" r:id="rId4">
+          <p:contentPart p14:bwMode="auto" r:id="rId3">
             <p14:nvContentPartPr>
               <p14:cNvPr id="34" name="インク 33">
                 <a:extLst>
@@ -11079,253 +10952,11 @@
                 <a:latin typeface="UD デジタル 教科書体 NP" panose="02020400000000000000" pitchFamily="18" charset="-128"/>
                 <a:ea typeface="UD デジタル 教科書体 NP" panose="02020400000000000000" pitchFamily="18" charset="-128"/>
               </a:rPr>
-              <a:t>XXX</a:t>
+              <a:t>XXXXX</a:t>
             </a:r>
           </a:p>
         </p:txBody>
       </p:sp>
-      <p:sp>
-        <p:nvSpPr>
-          <p:cNvPr id="53" name="テキスト ボックス 52">
-            <a:extLst>
-              <a:ext uri="{FF2B5EF4-FFF2-40B4-BE49-F238E27FC236}">
-                <a16:creationId xmlns:a16="http://schemas.microsoft.com/office/drawing/2014/main" id="{34748941-67F3-91CB-0D9F-334182FE5966}"/>
-              </a:ext>
-            </a:extLst>
-          </p:cNvPr>
-          <p:cNvSpPr txBox="1"/>
-          <p:nvPr/>
-        </p:nvSpPr>
-        <p:spPr>
-          <a:xfrm>
-            <a:off x="430883" y="7732531"/>
-            <a:ext cx="1614545" cy="276999"/>
-          </a:xfrm>
-          <a:prstGeom prst="rect">
-            <a:avLst/>
-          </a:prstGeom>
-          <a:noFill/>
-        </p:spPr>
-        <p:txBody>
-          <a:bodyPr wrap="none" rtlCol="0">
-            <a:spAutoFit/>
-          </a:bodyPr>
-          <a:lstStyle/>
-          <a:p>
-            <a:r>
-              <a:rPr lang="ja-JP" altLang="en-US" sz="1200" dirty="0">
-                <a:latin typeface="UD デジタル 教科書体 NP" panose="02020400000000000000" pitchFamily="18" charset="-128"/>
-                <a:ea typeface="UD デジタル 教科書体 NP" panose="02020400000000000000" pitchFamily="18" charset="-128"/>
-              </a:rPr>
-              <a:t>図</a:t>
-            </a:r>
-            <a:r>
-              <a:rPr lang="en-US" altLang="ja-JP" sz="1200" dirty="0">
-                <a:latin typeface="UD デジタル 教科書体 NP" panose="02020400000000000000" pitchFamily="18" charset="-128"/>
-                <a:ea typeface="UD デジタル 教科書体 NP" panose="02020400000000000000" pitchFamily="18" charset="-128"/>
-              </a:rPr>
-              <a:t>2.</a:t>
-            </a:r>
-            <a:r>
-              <a:rPr lang="ja-JP" altLang="en-US" sz="1200" dirty="0">
-                <a:latin typeface="UD デジタル 教科書体 NP" panose="02020400000000000000" pitchFamily="18" charset="-128"/>
-                <a:ea typeface="UD デジタル 教科書体 NP" panose="02020400000000000000" pitchFamily="18" charset="-128"/>
-              </a:rPr>
-              <a:t>２</a:t>
-            </a:r>
-            <a:r>
-              <a:rPr lang="en-US" altLang="ja-JP" sz="1200" dirty="0">
-                <a:latin typeface="UD デジタル 教科書体 NP" panose="02020400000000000000" pitchFamily="18" charset="-128"/>
-                <a:ea typeface="UD デジタル 教科書体 NP" panose="02020400000000000000" pitchFamily="18" charset="-128"/>
-              </a:rPr>
-              <a:t> </a:t>
-            </a:r>
-            <a:r>
-              <a:rPr lang="ja-JP" altLang="en-US" sz="1200" dirty="0">
-                <a:latin typeface="UD デジタル 教科書体 NP" panose="02020400000000000000" pitchFamily="18" charset="-128"/>
-                <a:ea typeface="UD デジタル 教科書体 NP" panose="02020400000000000000" pitchFamily="18" charset="-128"/>
-              </a:rPr>
-              <a:t>パッケージ図</a:t>
-            </a:r>
-            <a:endParaRPr kumimoji="1" lang="ja-JP" altLang="en-US" sz="1200" dirty="0">
-              <a:latin typeface="UD デジタル 教科書体 NP" panose="02020400000000000000" pitchFamily="18" charset="-128"/>
-              <a:ea typeface="UD デジタル 教科書体 NP" panose="02020400000000000000" pitchFamily="18" charset="-128"/>
-            </a:endParaRPr>
-          </a:p>
-        </p:txBody>
-      </p:sp>
-      <p:sp>
-        <p:nvSpPr>
-          <p:cNvPr id="64" name="テキスト ボックス 63">
-            <a:extLst>
-              <a:ext uri="{FF2B5EF4-FFF2-40B4-BE49-F238E27FC236}">
-                <a16:creationId xmlns:a16="http://schemas.microsoft.com/office/drawing/2014/main" id="{BC8C5130-F07A-5027-A756-05DFD63490B5}"/>
-              </a:ext>
-            </a:extLst>
-          </p:cNvPr>
-          <p:cNvSpPr txBox="1"/>
-          <p:nvPr/>
-        </p:nvSpPr>
-        <p:spPr>
-          <a:xfrm>
-            <a:off x="664972" y="3398915"/>
-            <a:ext cx="1561646" cy="276999"/>
-          </a:xfrm>
-          <a:prstGeom prst="rect">
-            <a:avLst/>
-          </a:prstGeom>
-          <a:noFill/>
-        </p:spPr>
-        <p:txBody>
-          <a:bodyPr wrap="none" rtlCol="0">
-            <a:spAutoFit/>
-          </a:bodyPr>
-          <a:lstStyle/>
-          <a:p>
-            <a:r>
-              <a:rPr lang="ja-JP" altLang="en-US" sz="1200" dirty="0">
-                <a:latin typeface="UD デジタル 教科書体 NP" panose="02020400000000000000" pitchFamily="18" charset="-128"/>
-                <a:ea typeface="UD デジタル 教科書体 NP" panose="02020400000000000000" pitchFamily="18" charset="-128"/>
-              </a:rPr>
-              <a:t>図</a:t>
-            </a:r>
-            <a:r>
-              <a:rPr lang="en-US" altLang="ja-JP" sz="1200" dirty="0">
-                <a:latin typeface="UD デジタル 教科書体 NP" panose="02020400000000000000" pitchFamily="18" charset="-128"/>
-                <a:ea typeface="UD デジタル 教科書体 NP" panose="02020400000000000000" pitchFamily="18" charset="-128"/>
-              </a:rPr>
-              <a:t>2.1 </a:t>
-            </a:r>
-            <a:r>
-              <a:rPr lang="ja-JP" altLang="en-US" sz="1200" dirty="0">
-                <a:latin typeface="UD デジタル 教科書体 NP" panose="02020400000000000000" pitchFamily="18" charset="-128"/>
-                <a:ea typeface="UD デジタル 教科書体 NP" panose="02020400000000000000" pitchFamily="18" charset="-128"/>
-              </a:rPr>
-              <a:t>データの流れ</a:t>
-            </a:r>
-            <a:endParaRPr kumimoji="1" lang="ja-JP" altLang="en-US" sz="1200" dirty="0">
-              <a:latin typeface="UD デジタル 教科書体 NP" panose="02020400000000000000" pitchFamily="18" charset="-128"/>
-              <a:ea typeface="UD デジタル 教科書体 NP" panose="02020400000000000000" pitchFamily="18" charset="-128"/>
-            </a:endParaRPr>
-          </a:p>
-        </p:txBody>
-      </p:sp>
-      <p:pic>
-        <p:nvPicPr>
-          <p:cNvPr id="19" name="図 18">
-            <a:extLst>
-              <a:ext uri="{FF2B5EF4-FFF2-40B4-BE49-F238E27FC236}">
-                <a16:creationId xmlns:a16="http://schemas.microsoft.com/office/drawing/2014/main" id="{E85501B5-AAB6-DD4C-5B36-8A8065F3F1CE}"/>
-              </a:ext>
-            </a:extLst>
-          </p:cNvPr>
-          <p:cNvPicPr>
-            <a:picLocks noChangeAspect="1"/>
-          </p:cNvPicPr>
-          <p:nvPr/>
-        </p:nvPicPr>
-        <p:blipFill>
-          <a:blip r:embed="rId8"/>
-          <a:stretch>
-            <a:fillRect/>
-          </a:stretch>
-        </p:blipFill>
-        <p:spPr>
-          <a:xfrm>
-            <a:off x="664972" y="1395085"/>
-            <a:ext cx="3150781" cy="2043750"/>
-          </a:xfrm>
-          <a:prstGeom prst="rect">
-            <a:avLst/>
-          </a:prstGeom>
-        </p:spPr>
-      </p:pic>
-      <p:sp>
-        <p:nvSpPr>
-          <p:cNvPr id="20" name="テキスト ボックス 19">
-            <a:extLst>
-              <a:ext uri="{FF2B5EF4-FFF2-40B4-BE49-F238E27FC236}">
-                <a16:creationId xmlns:a16="http://schemas.microsoft.com/office/drawing/2014/main" id="{55FF38BC-3120-EC73-EBE3-6BD235050E98}"/>
-              </a:ext>
-            </a:extLst>
-          </p:cNvPr>
-          <p:cNvSpPr txBox="1"/>
-          <p:nvPr/>
-        </p:nvSpPr>
-        <p:spPr>
-          <a:xfrm>
-            <a:off x="436866" y="10364313"/>
-            <a:ext cx="1869423" cy="276999"/>
-          </a:xfrm>
-          <a:prstGeom prst="rect">
-            <a:avLst/>
-          </a:prstGeom>
-          <a:noFill/>
-        </p:spPr>
-        <p:txBody>
-          <a:bodyPr wrap="none" rtlCol="0">
-            <a:spAutoFit/>
-          </a:bodyPr>
-          <a:lstStyle/>
-          <a:p>
-            <a:r>
-              <a:rPr lang="ja-JP" altLang="en-US" sz="1200" dirty="0">
-                <a:latin typeface="UD デジタル 教科書体 NP" panose="02020400000000000000" pitchFamily="18" charset="-128"/>
-                <a:ea typeface="UD デジタル 教科書体 NP" panose="02020400000000000000" pitchFamily="18" charset="-128"/>
-              </a:rPr>
-              <a:t>図</a:t>
-            </a:r>
-            <a:r>
-              <a:rPr lang="en-US" altLang="ja-JP" sz="1200" dirty="0">
-                <a:latin typeface="UD デジタル 教科書体 NP" panose="02020400000000000000" pitchFamily="18" charset="-128"/>
-                <a:ea typeface="UD デジタル 教科書体 NP" panose="02020400000000000000" pitchFamily="18" charset="-128"/>
-              </a:rPr>
-              <a:t>2.1 </a:t>
-            </a:r>
-            <a:r>
-              <a:rPr lang="ja-JP" altLang="en-US" sz="1200" dirty="0">
-                <a:latin typeface="UD デジタル 教科書体 NP" panose="02020400000000000000" pitchFamily="18" charset="-128"/>
-                <a:ea typeface="UD デジタル 教科書体 NP" panose="02020400000000000000" pitchFamily="18" charset="-128"/>
-              </a:rPr>
-              <a:t>パッケージの役割</a:t>
-            </a:r>
-            <a:endParaRPr kumimoji="1" lang="ja-JP" altLang="en-US" sz="1200" dirty="0">
-              <a:latin typeface="UD デジタル 教科書体 NP" panose="02020400000000000000" pitchFamily="18" charset="-128"/>
-              <a:ea typeface="UD デジタル 教科書体 NP" panose="02020400000000000000" pitchFamily="18" charset="-128"/>
-            </a:endParaRPr>
-          </a:p>
-        </p:txBody>
-      </p:sp>
-      <p:pic>
-        <p:nvPicPr>
-          <p:cNvPr id="3" name="図 2">
-            <a:extLst>
-              <a:ext uri="{FF2B5EF4-FFF2-40B4-BE49-F238E27FC236}">
-                <a16:creationId xmlns:a16="http://schemas.microsoft.com/office/drawing/2014/main" id="{36905B2E-734E-C534-8BB5-1DB43267E30E}"/>
-              </a:ext>
-            </a:extLst>
-          </p:cNvPr>
-          <p:cNvPicPr>
-            <a:picLocks noChangeAspect="1"/>
-          </p:cNvPicPr>
-          <p:nvPr/>
-        </p:nvPicPr>
-        <p:blipFill>
-          <a:blip r:embed="rId9"/>
-          <a:stretch>
-            <a:fillRect/>
-          </a:stretch>
-        </p:blipFill>
-        <p:spPr>
-          <a:xfrm>
-            <a:off x="459531" y="4843572"/>
-            <a:ext cx="3693516" cy="2864788"/>
-          </a:xfrm>
-          <a:prstGeom prst="rect">
-            <a:avLst/>
-          </a:prstGeom>
-        </p:spPr>
-      </p:pic>
     </p:spTree>
     <p:extLst>
       <p:ext uri="{BB962C8B-B14F-4D97-AF65-F5344CB8AC3E}">

--- a/model/【モデル図】てなろぼ★ぷらいまりぃ_2025.pptx
+++ b/model/【モデル図】てなろぼ★ぷらいまりぃ_2025.pptx
@@ -1314,7 +1314,7 @@
           <a:p>
             <a:fld id="{C764DE79-268F-4C1A-8933-263129D2AF90}" type="datetimeFigureOut">
               <a:rPr lang="en-US" dirty="0"/>
-              <a:t>8/5/2025</a:t>
+              <a:t>8/7/2025</a:t>
             </a:fld>
             <a:endParaRPr lang="en-US" dirty="0"/>
           </a:p>
@@ -1409,7 +1409,7 @@
           <a:p>
             <a:fld id="{C764DE79-268F-4C1A-8933-263129D2AF90}" type="datetimeFigureOut">
               <a:rPr lang="en-US" dirty="0"/>
-              <a:t>8/5/2025</a:t>
+              <a:t>8/7/2025</a:t>
             </a:fld>
             <a:endParaRPr lang="en-US" dirty="0"/>
           </a:p>
@@ -1718,7 +1718,7 @@
           <a:p>
             <a:fld id="{C764DE79-268F-4C1A-8933-263129D2AF90}" type="datetimeFigureOut">
               <a:rPr lang="en-US" dirty="0"/>
-              <a:t>8/5/2025</a:t>
+              <a:t>8/7/2025</a:t>
             </a:fld>
             <a:endParaRPr lang="en-US" dirty="0"/>
           </a:p>
@@ -1975,7 +1975,7 @@
           <a:p>
             <a:fld id="{C764DE79-268F-4C1A-8933-263129D2AF90}" type="datetimeFigureOut">
               <a:rPr lang="en-US" dirty="0"/>
-              <a:t>8/5/2025</a:t>
+              <a:t>8/7/2025</a:t>
             </a:fld>
             <a:endParaRPr lang="en-US" dirty="0"/>
           </a:p>
@@ -2177,7 +2177,7 @@
           <a:p>
             <a:fld id="{C764DE79-268F-4C1A-8933-263129D2AF90}" type="datetimeFigureOut">
               <a:rPr lang="en-US" dirty="0"/>
-              <a:t>8/5/2025</a:t>
+              <a:t>8/7/2025</a:t>
             </a:fld>
             <a:endParaRPr lang="en-US" dirty="0"/>
           </a:p>
@@ -2389,7 +2389,7 @@
           <a:p>
             <a:fld id="{C764DE79-268F-4C1A-8933-263129D2AF90}" type="datetimeFigureOut">
               <a:rPr lang="en-US" dirty="0"/>
-              <a:t>8/5/2025</a:t>
+              <a:t>8/7/2025</a:t>
             </a:fld>
             <a:endParaRPr lang="en-US" dirty="0"/>
           </a:p>
@@ -2816,7 +2816,7 @@
           <a:p>
             <a:fld id="{C764DE79-268F-4C1A-8933-263129D2AF90}" type="datetimeFigureOut">
               <a:rPr lang="en-US" dirty="0"/>
-              <a:t>8/5/2025</a:t>
+              <a:t>8/7/2025</a:t>
             </a:fld>
             <a:endParaRPr lang="en-US" dirty="0"/>
           </a:p>
@@ -3018,7 +3018,7 @@
           <a:p>
             <a:fld id="{C764DE79-268F-4C1A-8933-263129D2AF90}" type="datetimeFigureOut">
               <a:rPr lang="en-US" dirty="0"/>
-              <a:t>8/5/2025</a:t>
+              <a:t>8/7/2025</a:t>
             </a:fld>
             <a:endParaRPr lang="en-US" dirty="0"/>
           </a:p>
@@ -3262,7 +3262,7 @@
           <a:p>
             <a:fld id="{C764DE79-268F-4C1A-8933-263129D2AF90}" type="datetimeFigureOut">
               <a:rPr lang="en-US" dirty="0"/>
-              <a:t>8/5/2025</a:t>
+              <a:t>8/7/2025</a:t>
             </a:fld>
             <a:endParaRPr lang="en-US" dirty="0"/>
           </a:p>
@@ -3558,7 +3558,7 @@
           <a:p>
             <a:fld id="{C764DE79-268F-4C1A-8933-263129D2AF90}" type="datetimeFigureOut">
               <a:rPr lang="en-US" dirty="0"/>
-              <a:t>8/5/2025</a:t>
+              <a:t>8/7/2025</a:t>
             </a:fld>
             <a:endParaRPr lang="en-US" dirty="0"/>
           </a:p>
@@ -3989,7 +3989,7 @@
           <a:p>
             <a:fld id="{C764DE79-268F-4C1A-8933-263129D2AF90}" type="datetimeFigureOut">
               <a:rPr lang="en-US" dirty="0"/>
-              <a:t>8/5/2025</a:t>
+              <a:t>8/7/2025</a:t>
             </a:fld>
             <a:endParaRPr lang="en-US" dirty="0"/>
           </a:p>
@@ -5012,7 +5012,7 @@
           <a:p>
             <a:fld id="{C764DE79-268F-4C1A-8933-263129D2AF90}" type="datetimeFigureOut">
               <a:rPr lang="en-US" dirty="0"/>
-              <a:t>8/5/2025</a:t>
+              <a:t>8/7/2025</a:t>
             </a:fld>
             <a:endParaRPr lang="en-US" dirty="0"/>
           </a:p>
@@ -7931,7 +7931,7 @@
                 <a:latin typeface="UD デジタル 教科書体 NP" panose="02020400000000000000" pitchFamily="18" charset="-128"/>
                 <a:ea typeface="UD デジタル 教科書体 NP" panose="02020400000000000000" pitchFamily="18" charset="-128"/>
               </a:rPr>
-              <a:t>ただし、限りなくライン上を走行する特性により、結果として</a:t>
+              <a:t>ただし、ライン上を走行する特性により、結果として</a:t>
             </a:r>
             <a:r>
               <a:rPr lang="ja-JP" altLang="en-US" sz="1200" dirty="0">
@@ -7945,12 +7945,14 @@
               </a:rPr>
               <a:t>黄色矢印</a:t>
             </a:r>
+            <a:r>
+              <a:rPr lang="ja-JP" altLang="en-US" sz="1200" dirty="0">
+                <a:latin typeface="UD デジタル 教科書体 NP" panose="02020400000000000000" pitchFamily="18" charset="-128"/>
+                <a:ea typeface="UD デジタル 教科書体 NP" panose="02020400000000000000" pitchFamily="18" charset="-128"/>
+              </a:rPr>
+              <a:t>の示す</a:t>
+            </a:r>
             <a:endParaRPr lang="en-US" altLang="ja-JP" sz="1200" dirty="0">
-              <a:solidFill>
-                <a:schemeClr val="accent4">
-                  <a:lumMod val="75000"/>
-                </a:schemeClr>
-              </a:solidFill>
               <a:latin typeface="UD デジタル 教科書体 NP" panose="02020400000000000000" pitchFamily="18" charset="-128"/>
               <a:ea typeface="UD デジタル 教科書体 NP" panose="02020400000000000000" pitchFamily="18" charset="-128"/>
             </a:endParaRPr>
@@ -7969,7 +7971,7 @@
                 <a:latin typeface="UD デジタル 教科書体 NP" panose="02020400000000000000" pitchFamily="18" charset="-128"/>
                 <a:ea typeface="UD デジタル 教科書体 NP" panose="02020400000000000000" pitchFamily="18" charset="-128"/>
               </a:rPr>
-              <a:t>の示すように、より右にあるライン上をトレースしながら走行する。</a:t>
+              <a:t>ように、より右にあるライン上をトレースしながら走行する。</a:t>
             </a:r>
             <a:endParaRPr lang="en-US" altLang="ja-JP" sz="1200" dirty="0">
               <a:latin typeface="UD デジタル 教科書体 NP" panose="02020400000000000000" pitchFamily="18" charset="-128"/>
@@ -9126,8 +9128,8 @@
         </p:nvSpPr>
         <p:spPr bwMode="auto">
           <a:xfrm>
-            <a:off x="7873249" y="648544"/>
-            <a:ext cx="7093607" cy="9809930"/>
+            <a:off x="7873249" y="659954"/>
+            <a:ext cx="7093607" cy="9798520"/>
           </a:xfrm>
           <a:prstGeom prst="rect">
             <a:avLst/>
@@ -9412,36 +9414,6 @@
           </a:p>
         </p:txBody>
       </p:sp>
-      <p:pic>
-        <p:nvPicPr>
-          <p:cNvPr id="20" name="図 19">
-            <a:extLst>
-              <a:ext uri="{FF2B5EF4-FFF2-40B4-BE49-F238E27FC236}">
-                <a16:creationId xmlns:a16="http://schemas.microsoft.com/office/drawing/2014/main" id="{A19ABE60-8B55-8221-8F28-4EA3483CD853}"/>
-              </a:ext>
-            </a:extLst>
-          </p:cNvPr>
-          <p:cNvPicPr>
-            <a:picLocks noChangeAspect="1"/>
-          </p:cNvPicPr>
-          <p:nvPr/>
-        </p:nvPicPr>
-        <p:blipFill>
-          <a:blip r:embed="rId10"/>
-          <a:stretch>
-            <a:fillRect/>
-          </a:stretch>
-        </p:blipFill>
-        <p:spPr>
-          <a:xfrm>
-            <a:off x="194188" y="5496473"/>
-            <a:ext cx="4886735" cy="4673969"/>
-          </a:xfrm>
-          <a:prstGeom prst="rect">
-            <a:avLst/>
-          </a:prstGeom>
-        </p:spPr>
-      </p:pic>
       <p:sp>
         <p:nvSpPr>
           <p:cNvPr id="26" name="テキスト ボックス 25">
@@ -9576,7 +9548,7 @@
           <p:nvPr/>
         </p:nvPicPr>
         <p:blipFill>
-          <a:blip r:embed="rId11"/>
+          <a:blip r:embed="rId10"/>
           <a:stretch>
             <a:fillRect/>
           </a:stretch>

--- a/model/【モデル図】てなろぼ★ぷらいまりぃ_2025.pptx
+++ b/model/【モデル図】てなろぼ★ぷらいまりぃ_2025.pptx
@@ -1314,7 +1314,7 @@
           <a:p>
             <a:fld id="{C764DE79-268F-4C1A-8933-263129D2AF90}" type="datetimeFigureOut">
               <a:rPr lang="en-US" dirty="0"/>
-              <a:t>8/7/2025</a:t>
+              <a:t>8/9/2025</a:t>
             </a:fld>
             <a:endParaRPr lang="en-US" dirty="0"/>
           </a:p>
@@ -1409,7 +1409,7 @@
           <a:p>
             <a:fld id="{C764DE79-268F-4C1A-8933-263129D2AF90}" type="datetimeFigureOut">
               <a:rPr lang="en-US" dirty="0"/>
-              <a:t>8/7/2025</a:t>
+              <a:t>8/9/2025</a:t>
             </a:fld>
             <a:endParaRPr lang="en-US" dirty="0"/>
           </a:p>
@@ -1718,7 +1718,7 @@
           <a:p>
             <a:fld id="{C764DE79-268F-4C1A-8933-263129D2AF90}" type="datetimeFigureOut">
               <a:rPr lang="en-US" dirty="0"/>
-              <a:t>8/7/2025</a:t>
+              <a:t>8/9/2025</a:t>
             </a:fld>
             <a:endParaRPr lang="en-US" dirty="0"/>
           </a:p>
@@ -1975,7 +1975,7 @@
           <a:p>
             <a:fld id="{C764DE79-268F-4C1A-8933-263129D2AF90}" type="datetimeFigureOut">
               <a:rPr lang="en-US" dirty="0"/>
-              <a:t>8/7/2025</a:t>
+              <a:t>8/9/2025</a:t>
             </a:fld>
             <a:endParaRPr lang="en-US" dirty="0"/>
           </a:p>
@@ -2177,7 +2177,7 @@
           <a:p>
             <a:fld id="{C764DE79-268F-4C1A-8933-263129D2AF90}" type="datetimeFigureOut">
               <a:rPr lang="en-US" dirty="0"/>
-              <a:t>8/7/2025</a:t>
+              <a:t>8/9/2025</a:t>
             </a:fld>
             <a:endParaRPr lang="en-US" dirty="0"/>
           </a:p>
@@ -2389,7 +2389,7 @@
           <a:p>
             <a:fld id="{C764DE79-268F-4C1A-8933-263129D2AF90}" type="datetimeFigureOut">
               <a:rPr lang="en-US" dirty="0"/>
-              <a:t>8/7/2025</a:t>
+              <a:t>8/9/2025</a:t>
             </a:fld>
             <a:endParaRPr lang="en-US" dirty="0"/>
           </a:p>
@@ -2816,7 +2816,7 @@
           <a:p>
             <a:fld id="{C764DE79-268F-4C1A-8933-263129D2AF90}" type="datetimeFigureOut">
               <a:rPr lang="en-US" dirty="0"/>
-              <a:t>8/7/2025</a:t>
+              <a:t>8/9/2025</a:t>
             </a:fld>
             <a:endParaRPr lang="en-US" dirty="0"/>
           </a:p>
@@ -3018,7 +3018,7 @@
           <a:p>
             <a:fld id="{C764DE79-268F-4C1A-8933-263129D2AF90}" type="datetimeFigureOut">
               <a:rPr lang="en-US" dirty="0"/>
-              <a:t>8/7/2025</a:t>
+              <a:t>8/9/2025</a:t>
             </a:fld>
             <a:endParaRPr lang="en-US" dirty="0"/>
           </a:p>
@@ -3262,7 +3262,7 @@
           <a:p>
             <a:fld id="{C764DE79-268F-4C1A-8933-263129D2AF90}" type="datetimeFigureOut">
               <a:rPr lang="en-US" dirty="0"/>
-              <a:t>8/7/2025</a:t>
+              <a:t>8/9/2025</a:t>
             </a:fld>
             <a:endParaRPr lang="en-US" dirty="0"/>
           </a:p>
@@ -3558,7 +3558,7 @@
           <a:p>
             <a:fld id="{C764DE79-268F-4C1A-8933-263129D2AF90}" type="datetimeFigureOut">
               <a:rPr lang="en-US" dirty="0"/>
-              <a:t>8/7/2025</a:t>
+              <a:t>8/9/2025</a:t>
             </a:fld>
             <a:endParaRPr lang="en-US" dirty="0"/>
           </a:p>
@@ -3989,7 +3989,7 @@
           <a:p>
             <a:fld id="{C764DE79-268F-4C1A-8933-263129D2AF90}" type="datetimeFigureOut">
               <a:rPr lang="en-US" dirty="0"/>
-              <a:t>8/7/2025</a:t>
+              <a:t>8/9/2025</a:t>
             </a:fld>
             <a:endParaRPr lang="en-US" dirty="0"/>
           </a:p>
@@ -5012,7 +5012,7 @@
           <a:p>
             <a:fld id="{C764DE79-268F-4C1A-8933-263129D2AF90}" type="datetimeFigureOut">
               <a:rPr lang="en-US" dirty="0"/>
-              <a:t>8/7/2025</a:t>
+              <a:t>8/9/2025</a:t>
             </a:fld>
             <a:endParaRPr lang="en-US" dirty="0"/>
           </a:p>
@@ -7237,6 +7237,219 @@
       </p:grpSpPr>
       <p:sp>
         <p:nvSpPr>
+          <p:cNvPr id="29" name="Rectangle 3">
+            <a:extLst>
+              <a:ext uri="{FF2B5EF4-FFF2-40B4-BE49-F238E27FC236}">
+                <a16:creationId xmlns:a16="http://schemas.microsoft.com/office/drawing/2014/main" id="{0C219822-20FD-8814-4292-C78B861EFB1A}"/>
+              </a:ext>
+            </a:extLst>
+          </p:cNvPr>
+          <p:cNvSpPr>
+            <a:spLocks noChangeArrowheads="1"/>
+          </p:cNvSpPr>
+          <p:nvPr/>
+        </p:nvSpPr>
+        <p:spPr bwMode="auto">
+          <a:xfrm>
+            <a:off x="7873249" y="651211"/>
+            <a:ext cx="7158611" cy="9919515"/>
+          </a:xfrm>
+          <a:prstGeom prst="rect">
+            <a:avLst/>
+          </a:prstGeom>
+          <a:noFill/>
+          <a:ln w="9525">
+            <a:solidFill>
+              <a:srgbClr val="ED7D31"/>
+            </a:solidFill>
+            <a:miter lim="800000"/>
+            <a:headEnd/>
+            <a:tailEnd/>
+          </a:ln>
+          <a:extLst>
+            <a:ext uri="{909E8E84-426E-40DD-AFC4-6F175D3DCCD1}">
+              <a14:hiddenFill xmlns:a14="http://schemas.microsoft.com/office/drawing/2010/main">
+                <a:solidFill>
+                  <a:srgbClr val="FFFFFF"/>
+                </a:solidFill>
+              </a14:hiddenFill>
+            </a:ext>
+          </a:extLst>
+        </p:spPr>
+        <p:txBody>
+          <a:bodyPr lIns="120687" tIns="60343" rIns="120687" bIns="60343"/>
+          <a:lstStyle>
+            <a:lvl1pPr marL="481013" indent="-481013" defTabSz="1279525" eaLnBrk="0" hangingPunct="0">
+              <a:defRPr kumimoji="1" sz="1600">
+                <a:solidFill>
+                  <a:schemeClr val="tx1"/>
+                </a:solidFill>
+                <a:latin typeface="Times New Roman" panose="02020603050405020304" pitchFamily="18" charset="0"/>
+                <a:ea typeface="ＭＳ Ｐゴシック" panose="020B0600070205080204" pitchFamily="34" charset="-128"/>
+              </a:defRPr>
+            </a:lvl1pPr>
+            <a:lvl2pPr marL="742950" indent="-285750" defTabSz="1279525" eaLnBrk="0" hangingPunct="0">
+              <a:defRPr kumimoji="1" sz="1600">
+                <a:solidFill>
+                  <a:schemeClr val="tx1"/>
+                </a:solidFill>
+                <a:latin typeface="Times New Roman" panose="02020603050405020304" pitchFamily="18" charset="0"/>
+                <a:ea typeface="ＭＳ Ｐゴシック" panose="020B0600070205080204" pitchFamily="34" charset="-128"/>
+              </a:defRPr>
+            </a:lvl2pPr>
+            <a:lvl3pPr marL="1143000" indent="-228600" defTabSz="1279525" eaLnBrk="0" hangingPunct="0">
+              <a:defRPr kumimoji="1" sz="1600">
+                <a:solidFill>
+                  <a:schemeClr val="tx1"/>
+                </a:solidFill>
+                <a:latin typeface="Times New Roman" panose="02020603050405020304" pitchFamily="18" charset="0"/>
+                <a:ea typeface="ＭＳ Ｐゴシック" panose="020B0600070205080204" pitchFamily="34" charset="-128"/>
+              </a:defRPr>
+            </a:lvl3pPr>
+            <a:lvl4pPr marL="1600200" indent="-228600" defTabSz="1279525" eaLnBrk="0" hangingPunct="0">
+              <a:defRPr kumimoji="1" sz="1600">
+                <a:solidFill>
+                  <a:schemeClr val="tx1"/>
+                </a:solidFill>
+                <a:latin typeface="Times New Roman" panose="02020603050405020304" pitchFamily="18" charset="0"/>
+                <a:ea typeface="ＭＳ Ｐゴシック" panose="020B0600070205080204" pitchFamily="34" charset="-128"/>
+              </a:defRPr>
+            </a:lvl4pPr>
+            <a:lvl5pPr marL="2057400" indent="-228600" defTabSz="1279525" eaLnBrk="0" hangingPunct="0">
+              <a:defRPr kumimoji="1" sz="1600">
+                <a:solidFill>
+                  <a:schemeClr val="tx1"/>
+                </a:solidFill>
+                <a:latin typeface="Times New Roman" panose="02020603050405020304" pitchFamily="18" charset="0"/>
+                <a:ea typeface="ＭＳ Ｐゴシック" panose="020B0600070205080204" pitchFamily="34" charset="-128"/>
+              </a:defRPr>
+            </a:lvl5pPr>
+            <a:lvl6pPr marL="2514600" indent="-228600" defTabSz="1279525" eaLnBrk="0" fontAlgn="base" hangingPunct="0">
+              <a:spcBef>
+                <a:spcPct val="0"/>
+              </a:spcBef>
+              <a:spcAft>
+                <a:spcPct val="0"/>
+              </a:spcAft>
+              <a:defRPr kumimoji="1" sz="1600">
+                <a:solidFill>
+                  <a:schemeClr val="tx1"/>
+                </a:solidFill>
+                <a:latin typeface="Times New Roman" panose="02020603050405020304" pitchFamily="18" charset="0"/>
+                <a:ea typeface="ＭＳ Ｐゴシック" panose="020B0600070205080204" pitchFamily="34" charset="-128"/>
+              </a:defRPr>
+            </a:lvl6pPr>
+            <a:lvl7pPr marL="2971800" indent="-228600" defTabSz="1279525" eaLnBrk="0" fontAlgn="base" hangingPunct="0">
+              <a:spcBef>
+                <a:spcPct val="0"/>
+              </a:spcBef>
+              <a:spcAft>
+                <a:spcPct val="0"/>
+              </a:spcAft>
+              <a:defRPr kumimoji="1" sz="1600">
+                <a:solidFill>
+                  <a:schemeClr val="tx1"/>
+                </a:solidFill>
+                <a:latin typeface="Times New Roman" panose="02020603050405020304" pitchFamily="18" charset="0"/>
+                <a:ea typeface="ＭＳ Ｐゴシック" panose="020B0600070205080204" pitchFamily="34" charset="-128"/>
+              </a:defRPr>
+            </a:lvl7pPr>
+            <a:lvl8pPr marL="3429000" indent="-228600" defTabSz="1279525" eaLnBrk="0" fontAlgn="base" hangingPunct="0">
+              <a:spcBef>
+                <a:spcPct val="0"/>
+              </a:spcBef>
+              <a:spcAft>
+                <a:spcPct val="0"/>
+              </a:spcAft>
+              <a:defRPr kumimoji="1" sz="1600">
+                <a:solidFill>
+                  <a:schemeClr val="tx1"/>
+                </a:solidFill>
+                <a:latin typeface="Times New Roman" panose="02020603050405020304" pitchFamily="18" charset="0"/>
+                <a:ea typeface="ＭＳ Ｐゴシック" panose="020B0600070205080204" pitchFamily="34" charset="-128"/>
+              </a:defRPr>
+            </a:lvl8pPr>
+            <a:lvl9pPr marL="3886200" indent="-228600" defTabSz="1279525" eaLnBrk="0" fontAlgn="base" hangingPunct="0">
+              <a:spcBef>
+                <a:spcPct val="0"/>
+              </a:spcBef>
+              <a:spcAft>
+                <a:spcPct val="0"/>
+              </a:spcAft>
+              <a:defRPr kumimoji="1" sz="1600">
+                <a:solidFill>
+                  <a:schemeClr val="tx1"/>
+                </a:solidFill>
+                <a:latin typeface="Times New Roman" panose="02020603050405020304" pitchFamily="18" charset="0"/>
+                <a:ea typeface="ＭＳ Ｐゴシック" panose="020B0600070205080204" pitchFamily="34" charset="-128"/>
+              </a:defRPr>
+            </a:lvl9pPr>
+          </a:lstStyle>
+          <a:p>
+            <a:pPr eaLnBrk="1" hangingPunct="1">
+              <a:lnSpc>
+                <a:spcPct val="80000"/>
+              </a:lnSpc>
+              <a:spcBef>
+                <a:spcPct val="20000"/>
+              </a:spcBef>
+            </a:pPr>
+            <a:r>
+              <a:rPr lang="en-US" altLang="ja-JP" sz="1782" dirty="0">
+                <a:solidFill>
+                  <a:srgbClr val="FF0000"/>
+                </a:solidFill>
+                <a:latin typeface="UD デジタル 教科書体 NP" panose="02020400000000000000" pitchFamily="18" charset="-128"/>
+                <a:ea typeface="UD デジタル 教科書体 NP" panose="02020400000000000000" pitchFamily="18" charset="-128"/>
+              </a:rPr>
+              <a:t>1-3. </a:t>
+            </a:r>
+            <a:r>
+              <a:rPr lang="ja-JP" altLang="en-US" sz="1782" dirty="0">
+                <a:solidFill>
+                  <a:srgbClr val="FF0000"/>
+                </a:solidFill>
+                <a:latin typeface="UD デジタル 教科書体 NP" panose="02020400000000000000" pitchFamily="18" charset="-128"/>
+                <a:ea typeface="UD デジタル 教科書体 NP" panose="02020400000000000000" pitchFamily="18" charset="-128"/>
+              </a:rPr>
+              <a:t>機能の流れ</a:t>
+            </a:r>
+          </a:p>
+          <a:p>
+            <a:pPr eaLnBrk="1" hangingPunct="1">
+              <a:lnSpc>
+                <a:spcPct val="80000"/>
+              </a:lnSpc>
+              <a:spcBef>
+                <a:spcPct val="20000"/>
+              </a:spcBef>
+            </a:pPr>
+            <a:r>
+              <a:rPr lang="en-US" altLang="ja-JP" sz="1200" dirty="0">
+                <a:latin typeface="UD デジタル 教科書体 NP" panose="02020400000000000000" pitchFamily="18" charset="-128"/>
+                <a:ea typeface="UD デジタル 教科書体 NP" panose="02020400000000000000" pitchFamily="18" charset="-128"/>
+              </a:rPr>
+              <a:t>XXXXX</a:t>
+            </a:r>
+          </a:p>
+          <a:p>
+            <a:pPr eaLnBrk="1" hangingPunct="1">
+              <a:lnSpc>
+                <a:spcPct val="80000"/>
+              </a:lnSpc>
+              <a:spcBef>
+                <a:spcPct val="20000"/>
+              </a:spcBef>
+            </a:pPr>
+            <a:endParaRPr lang="en-US" altLang="ja-JP" sz="1400" dirty="0">
+              <a:latin typeface="UD デジタル 教科書体 NP" panose="02020400000000000000" pitchFamily="18" charset="-128"/>
+              <a:ea typeface="UD デジタル 教科書体 NP" panose="02020400000000000000" pitchFamily="18" charset="-128"/>
+            </a:endParaRPr>
+          </a:p>
+        </p:txBody>
+      </p:sp>
+      <p:sp>
+        <p:nvSpPr>
           <p:cNvPr id="10" name="Rectangle 3">
             <a:extLst>
               <a:ext uri="{FF2B5EF4-FFF2-40B4-BE49-F238E27FC236}">
@@ -7252,7 +7465,7 @@
         <p:spPr bwMode="auto">
           <a:xfrm>
             <a:off x="152494" y="652983"/>
-            <a:ext cx="7720755" cy="3897495"/>
+            <a:ext cx="7720755" cy="3783309"/>
           </a:xfrm>
           <a:prstGeom prst="rect">
             <a:avLst/>
@@ -7992,28 +8205,7 @@
                 <a:latin typeface="UD デジタル 教科書体 NP" panose="02020400000000000000" pitchFamily="18" charset="-128"/>
                 <a:ea typeface="UD デジタル 教科書体 NP" panose="02020400000000000000" pitchFamily="18" charset="-128"/>
               </a:rPr>
-              <a:t>以降も分岐時の進行方向を知っており、上記の動作を繰り返すことと</a:t>
-            </a:r>
-            <a:endParaRPr lang="en-US" altLang="ja-JP" sz="1200" dirty="0">
-              <a:latin typeface="UD デジタル 教科書体 NP" panose="02020400000000000000" pitchFamily="18" charset="-128"/>
-              <a:ea typeface="UD デジタル 教科書体 NP" panose="02020400000000000000" pitchFamily="18" charset="-128"/>
-            </a:endParaRPr>
-          </a:p>
-          <a:p>
-            <a:pPr eaLnBrk="1" hangingPunct="1">
-              <a:lnSpc>
-                <a:spcPct val="80000"/>
-              </a:lnSpc>
-              <a:spcBef>
-                <a:spcPct val="20000"/>
-              </a:spcBef>
-            </a:pPr>
-            <a:r>
-              <a:rPr lang="ja-JP" altLang="en-US" sz="1200" dirty="0">
-                <a:latin typeface="UD デジタル 教科書体 NP" panose="02020400000000000000" pitchFamily="18" charset="-128"/>
-                <a:ea typeface="UD デジタル 教科書体 NP" panose="02020400000000000000" pitchFamily="18" charset="-128"/>
-              </a:rPr>
-              <a:t>する。</a:t>
+              <a:t>以降も分岐時の進行方向を知っており、上記の動作を繰り返すこととする。</a:t>
             </a:r>
             <a:endParaRPr lang="en-US" altLang="ja-JP" sz="1200" dirty="0">
               <a:latin typeface="UD デジタル 教科書体 NP" panose="02020400000000000000" pitchFamily="18" charset="-128"/>
@@ -8820,13 +9012,15 @@
         </p:nvSpPr>
         <p:spPr bwMode="auto">
           <a:xfrm>
-            <a:off x="152494" y="4550478"/>
-            <a:ext cx="7720755" cy="5907994"/>
+            <a:off x="152494" y="4436292"/>
+            <a:ext cx="9749815" cy="6134434"/>
           </a:xfrm>
           <a:prstGeom prst="rect">
             <a:avLst/>
           </a:prstGeom>
-          <a:noFill/>
+          <a:solidFill>
+            <a:schemeClr val="bg1"/>
+          </a:solidFill>
           <a:ln w="9525">
             <a:solidFill>
               <a:srgbClr val="ED7D31"/>
@@ -8835,15 +9029,6 @@
             <a:headEnd/>
             <a:tailEnd/>
           </a:ln>
-          <a:extLst>
-            <a:ext uri="{909E8E84-426E-40DD-AFC4-6F175D3DCCD1}">
-              <a14:hiddenFill xmlns:a14="http://schemas.microsoft.com/office/drawing/2010/main">
-                <a:solidFill>
-                  <a:srgbClr val="FFFFFF"/>
-                </a:solidFill>
-              </a14:hiddenFill>
-            </a:ext>
-          </a:extLst>
         </p:spPr>
         <p:txBody>
           <a:bodyPr lIns="120687" tIns="60343" rIns="120687" bIns="60343"/>
@@ -9016,7 +9201,42 @@
                 <a:latin typeface="UD デジタル 教科書体 NP" panose="02020400000000000000" pitchFamily="18" charset="-128"/>
                 <a:ea typeface="UD デジタル 教科書体 NP" panose="02020400000000000000" pitchFamily="18" charset="-128"/>
               </a:rPr>
-              <a:t>にミスユースケース図を用いて整理した。</a:t>
+              <a:t>にミスユースケース図を用いて</a:t>
+            </a:r>
+            <a:endParaRPr lang="en-US" altLang="ja-JP" sz="1200" dirty="0">
+              <a:latin typeface="UD デジタル 教科書体 NP" panose="02020400000000000000" pitchFamily="18" charset="-128"/>
+              <a:ea typeface="UD デジタル 教科書体 NP" panose="02020400000000000000" pitchFamily="18" charset="-128"/>
+            </a:endParaRPr>
+          </a:p>
+          <a:p>
+            <a:pPr eaLnBrk="1" hangingPunct="1">
+              <a:lnSpc>
+                <a:spcPct val="80000"/>
+              </a:lnSpc>
+              <a:spcBef>
+                <a:spcPct val="20000"/>
+              </a:spcBef>
+            </a:pPr>
+            <a:r>
+              <a:rPr lang="ja-JP" altLang="en-US" sz="1200" dirty="0">
+                <a:latin typeface="UD デジタル 教科書体 NP" panose="02020400000000000000" pitchFamily="18" charset="-128"/>
+                <a:ea typeface="UD デジタル 教科書体 NP" panose="02020400000000000000" pitchFamily="18" charset="-128"/>
+              </a:rPr>
+              <a:t>「バーチャル運転手」と「走行システム」の</a:t>
+            </a:r>
+            <a:r>
+              <a:rPr lang="en-US" altLang="ja-JP" sz="1200" dirty="0">
+                <a:latin typeface="UD デジタル 教科書体 NP" panose="02020400000000000000" pitchFamily="18" charset="-128"/>
+                <a:ea typeface="UD デジタル 教科書体 NP" panose="02020400000000000000" pitchFamily="18" charset="-128"/>
+              </a:rPr>
+              <a:t>2</a:t>
+            </a:r>
+            <a:r>
+              <a:rPr lang="ja-JP" altLang="en-US" sz="1200" dirty="0">
+                <a:latin typeface="UD デジタル 教科書体 NP" panose="02020400000000000000" pitchFamily="18" charset="-128"/>
+                <a:ea typeface="UD デジタル 教科書体 NP" panose="02020400000000000000" pitchFamily="18" charset="-128"/>
+              </a:rPr>
+              <a:t>つのシステムに整理した。</a:t>
             </a:r>
             <a:endParaRPr lang="en-US" altLang="ja-JP" sz="1782" dirty="0">
               <a:solidFill>
@@ -9068,7 +9288,7 @@
                 <a:latin typeface="UD デジタル 教科書体 NP" panose="02020400000000000000" pitchFamily="18" charset="-128"/>
                 <a:ea typeface="UD デジタル 教科書体 NP" panose="02020400000000000000" pitchFamily="18" charset="-128"/>
               </a:rPr>
-              <a:t>からみたシステムの入り口となるユースケース「バーチャル運転手に目的地までの</a:t>
+              <a:t>からみた入り口となるユースケース「バーチャル運転手に目的地までの</a:t>
             </a:r>
             <a:endParaRPr lang="en-US" altLang="ja-JP" sz="1200" dirty="0">
               <a:latin typeface="UD デジタル 教科書体 NP" panose="02020400000000000000" pitchFamily="18" charset="-128"/>
@@ -9110,158 +9330,6 @@
               <a:ea typeface="UD デジタル 教科書体 NP" panose="02020400000000000000" pitchFamily="18" charset="-128"/>
             </a:endParaRPr>
           </a:p>
-        </p:txBody>
-      </p:sp>
-      <p:sp>
-        <p:nvSpPr>
-          <p:cNvPr id="29" name="Rectangle 3">
-            <a:extLst>
-              <a:ext uri="{FF2B5EF4-FFF2-40B4-BE49-F238E27FC236}">
-                <a16:creationId xmlns:a16="http://schemas.microsoft.com/office/drawing/2014/main" id="{0C219822-20FD-8814-4292-C78B861EFB1A}"/>
-              </a:ext>
-            </a:extLst>
-          </p:cNvPr>
-          <p:cNvSpPr>
-            <a:spLocks noChangeArrowheads="1"/>
-          </p:cNvSpPr>
-          <p:nvPr/>
-        </p:nvSpPr>
-        <p:spPr bwMode="auto">
-          <a:xfrm>
-            <a:off x="7873249" y="659954"/>
-            <a:ext cx="7093607" cy="9798520"/>
-          </a:xfrm>
-          <a:prstGeom prst="rect">
-            <a:avLst/>
-          </a:prstGeom>
-          <a:noFill/>
-          <a:ln w="9525">
-            <a:solidFill>
-              <a:srgbClr val="ED7D31"/>
-            </a:solidFill>
-            <a:miter lim="800000"/>
-            <a:headEnd/>
-            <a:tailEnd/>
-          </a:ln>
-          <a:extLst>
-            <a:ext uri="{909E8E84-426E-40DD-AFC4-6F175D3DCCD1}">
-              <a14:hiddenFill xmlns:a14="http://schemas.microsoft.com/office/drawing/2010/main">
-                <a:solidFill>
-                  <a:srgbClr val="FFFFFF"/>
-                </a:solidFill>
-              </a14:hiddenFill>
-            </a:ext>
-          </a:extLst>
-        </p:spPr>
-        <p:txBody>
-          <a:bodyPr lIns="120687" tIns="60343" rIns="120687" bIns="60343"/>
-          <a:lstStyle>
-            <a:lvl1pPr marL="481013" indent="-481013" defTabSz="1279525" eaLnBrk="0" hangingPunct="0">
-              <a:defRPr kumimoji="1" sz="1600">
-                <a:solidFill>
-                  <a:schemeClr val="tx1"/>
-                </a:solidFill>
-                <a:latin typeface="Times New Roman" panose="02020603050405020304" pitchFamily="18" charset="0"/>
-                <a:ea typeface="ＭＳ Ｐゴシック" panose="020B0600070205080204" pitchFamily="34" charset="-128"/>
-              </a:defRPr>
-            </a:lvl1pPr>
-            <a:lvl2pPr marL="742950" indent="-285750" defTabSz="1279525" eaLnBrk="0" hangingPunct="0">
-              <a:defRPr kumimoji="1" sz="1600">
-                <a:solidFill>
-                  <a:schemeClr val="tx1"/>
-                </a:solidFill>
-                <a:latin typeface="Times New Roman" panose="02020603050405020304" pitchFamily="18" charset="0"/>
-                <a:ea typeface="ＭＳ Ｐゴシック" panose="020B0600070205080204" pitchFamily="34" charset="-128"/>
-              </a:defRPr>
-            </a:lvl2pPr>
-            <a:lvl3pPr marL="1143000" indent="-228600" defTabSz="1279525" eaLnBrk="0" hangingPunct="0">
-              <a:defRPr kumimoji="1" sz="1600">
-                <a:solidFill>
-                  <a:schemeClr val="tx1"/>
-                </a:solidFill>
-                <a:latin typeface="Times New Roman" panose="02020603050405020304" pitchFamily="18" charset="0"/>
-                <a:ea typeface="ＭＳ Ｐゴシック" panose="020B0600070205080204" pitchFamily="34" charset="-128"/>
-              </a:defRPr>
-            </a:lvl3pPr>
-            <a:lvl4pPr marL="1600200" indent="-228600" defTabSz="1279525" eaLnBrk="0" hangingPunct="0">
-              <a:defRPr kumimoji="1" sz="1600">
-                <a:solidFill>
-                  <a:schemeClr val="tx1"/>
-                </a:solidFill>
-                <a:latin typeface="Times New Roman" panose="02020603050405020304" pitchFamily="18" charset="0"/>
-                <a:ea typeface="ＭＳ Ｐゴシック" panose="020B0600070205080204" pitchFamily="34" charset="-128"/>
-              </a:defRPr>
-            </a:lvl4pPr>
-            <a:lvl5pPr marL="2057400" indent="-228600" defTabSz="1279525" eaLnBrk="0" hangingPunct="0">
-              <a:defRPr kumimoji="1" sz="1600">
-                <a:solidFill>
-                  <a:schemeClr val="tx1"/>
-                </a:solidFill>
-                <a:latin typeface="Times New Roman" panose="02020603050405020304" pitchFamily="18" charset="0"/>
-                <a:ea typeface="ＭＳ Ｐゴシック" panose="020B0600070205080204" pitchFamily="34" charset="-128"/>
-              </a:defRPr>
-            </a:lvl5pPr>
-            <a:lvl6pPr marL="2514600" indent="-228600" defTabSz="1279525" eaLnBrk="0" fontAlgn="base" hangingPunct="0">
-              <a:spcBef>
-                <a:spcPct val="0"/>
-              </a:spcBef>
-              <a:spcAft>
-                <a:spcPct val="0"/>
-              </a:spcAft>
-              <a:defRPr kumimoji="1" sz="1600">
-                <a:solidFill>
-                  <a:schemeClr val="tx1"/>
-                </a:solidFill>
-                <a:latin typeface="Times New Roman" panose="02020603050405020304" pitchFamily="18" charset="0"/>
-                <a:ea typeface="ＭＳ Ｐゴシック" panose="020B0600070205080204" pitchFamily="34" charset="-128"/>
-              </a:defRPr>
-            </a:lvl6pPr>
-            <a:lvl7pPr marL="2971800" indent="-228600" defTabSz="1279525" eaLnBrk="0" fontAlgn="base" hangingPunct="0">
-              <a:spcBef>
-                <a:spcPct val="0"/>
-              </a:spcBef>
-              <a:spcAft>
-                <a:spcPct val="0"/>
-              </a:spcAft>
-              <a:defRPr kumimoji="1" sz="1600">
-                <a:solidFill>
-                  <a:schemeClr val="tx1"/>
-                </a:solidFill>
-                <a:latin typeface="Times New Roman" panose="02020603050405020304" pitchFamily="18" charset="0"/>
-                <a:ea typeface="ＭＳ Ｐゴシック" panose="020B0600070205080204" pitchFamily="34" charset="-128"/>
-              </a:defRPr>
-            </a:lvl7pPr>
-            <a:lvl8pPr marL="3429000" indent="-228600" defTabSz="1279525" eaLnBrk="0" fontAlgn="base" hangingPunct="0">
-              <a:spcBef>
-                <a:spcPct val="0"/>
-              </a:spcBef>
-              <a:spcAft>
-                <a:spcPct val="0"/>
-              </a:spcAft>
-              <a:defRPr kumimoji="1" sz="1600">
-                <a:solidFill>
-                  <a:schemeClr val="tx1"/>
-                </a:solidFill>
-                <a:latin typeface="Times New Roman" panose="02020603050405020304" pitchFamily="18" charset="0"/>
-                <a:ea typeface="ＭＳ Ｐゴシック" panose="020B0600070205080204" pitchFamily="34" charset="-128"/>
-              </a:defRPr>
-            </a:lvl8pPr>
-            <a:lvl9pPr marL="3886200" indent="-228600" defTabSz="1279525" eaLnBrk="0" fontAlgn="base" hangingPunct="0">
-              <a:spcBef>
-                <a:spcPct val="0"/>
-              </a:spcBef>
-              <a:spcAft>
-                <a:spcPct val="0"/>
-              </a:spcAft>
-              <a:defRPr kumimoji="1" sz="1600">
-                <a:solidFill>
-                  <a:schemeClr val="tx1"/>
-                </a:solidFill>
-                <a:latin typeface="Times New Roman" panose="02020603050405020304" pitchFamily="18" charset="0"/>
-                <a:ea typeface="ＭＳ Ｐゴシック" panose="020B0600070205080204" pitchFamily="34" charset="-128"/>
-              </a:defRPr>
-            </a:lvl9pPr>
-          </a:lstStyle>
           <a:p>
             <a:pPr eaLnBrk="1" hangingPunct="1">
               <a:lnSpc>
@@ -9271,54 +9339,7 @@
                 <a:spcPct val="20000"/>
               </a:spcBef>
             </a:pPr>
-            <a:r>
-              <a:rPr lang="en-US" altLang="ja-JP" sz="1782" dirty="0">
-                <a:solidFill>
-                  <a:srgbClr val="FF0000"/>
-                </a:solidFill>
-                <a:latin typeface="UD デジタル 教科書体 NP" panose="02020400000000000000" pitchFamily="18" charset="-128"/>
-                <a:ea typeface="UD デジタル 教科書体 NP" panose="02020400000000000000" pitchFamily="18" charset="-128"/>
-              </a:rPr>
-              <a:t>1-3. </a:t>
-            </a:r>
-            <a:r>
-              <a:rPr lang="ja-JP" altLang="en-US" sz="1782" dirty="0">
-                <a:solidFill>
-                  <a:srgbClr val="FF0000"/>
-                </a:solidFill>
-                <a:latin typeface="UD デジタル 教科書体 NP" panose="02020400000000000000" pitchFamily="18" charset="-128"/>
-                <a:ea typeface="UD デジタル 教科書体 NP" panose="02020400000000000000" pitchFamily="18" charset="-128"/>
-              </a:rPr>
-              <a:t>機能の流れ</a:t>
-            </a:r>
-          </a:p>
-          <a:p>
-            <a:pPr eaLnBrk="1" hangingPunct="1">
-              <a:lnSpc>
-                <a:spcPct val="80000"/>
-              </a:lnSpc>
-              <a:spcBef>
-                <a:spcPct val="20000"/>
-              </a:spcBef>
-            </a:pPr>
-            <a:r>
-              <a:rPr lang="en-US" altLang="ja-JP" sz="1200" dirty="0">
-                <a:latin typeface="UD デジタル 教科書体 NP" panose="02020400000000000000" pitchFamily="18" charset="-128"/>
-                <a:ea typeface="UD デジタル 教科書体 NP" panose="02020400000000000000" pitchFamily="18" charset="-128"/>
-              </a:rPr>
-              <a:t>XXXXX</a:t>
-            </a:r>
-          </a:p>
-          <a:p>
-            <a:pPr eaLnBrk="1" hangingPunct="1">
-              <a:lnSpc>
-                <a:spcPct val="80000"/>
-              </a:lnSpc>
-              <a:spcBef>
-                <a:spcPct val="20000"/>
-              </a:spcBef>
-            </a:pPr>
-            <a:endParaRPr lang="en-US" altLang="ja-JP" sz="1400" dirty="0">
+            <a:endParaRPr lang="en-US" altLang="ja-JP" sz="1200" dirty="0">
               <a:latin typeface="UD デジタル 教科書体 NP" panose="02020400000000000000" pitchFamily="18" charset="-128"/>
               <a:ea typeface="UD デジタル 教科書体 NP" panose="02020400000000000000" pitchFamily="18" charset="-128"/>
             </a:endParaRPr>
@@ -9347,8 +9368,8 @@
         </p:blipFill>
         <p:spPr>
           <a:xfrm>
-            <a:off x="5379491" y="1817514"/>
-            <a:ext cx="2270732" cy="2520929"/>
+            <a:off x="5588739" y="1817514"/>
+            <a:ext cx="2186960" cy="2427927"/>
           </a:xfrm>
           <a:prstGeom prst="rect">
             <a:avLst/>
@@ -9369,7 +9390,7 @@
         </p:nvSpPr>
         <p:spPr>
           <a:xfrm>
-            <a:off x="5741584" y="4265786"/>
+            <a:off x="6065665" y="4152318"/>
             <a:ext cx="1567138" cy="284693"/>
           </a:xfrm>
           <a:prstGeom prst="rect">
@@ -9428,7 +9449,7 @@
         </p:nvSpPr>
         <p:spPr>
           <a:xfrm>
-            <a:off x="1552251" y="10139444"/>
+            <a:off x="2548588" y="10306093"/>
             <a:ext cx="2088232" cy="284693"/>
           </a:xfrm>
           <a:prstGeom prst="rect">
@@ -9491,7 +9512,7 @@
         </p:nvSpPr>
         <p:spPr>
           <a:xfrm>
-            <a:off x="5433626" y="10173779"/>
+            <a:off x="7472550" y="10306094"/>
             <a:ext cx="2088232" cy="284693"/>
           </a:xfrm>
           <a:prstGeom prst="rect">
@@ -9535,10 +9556,10 @@
       </p:sp>
       <p:pic>
         <p:nvPicPr>
-          <p:cNvPr id="30" name="図 29">
+          <p:cNvPr id="12" name="図 11">
             <a:extLst>
               <a:ext uri="{FF2B5EF4-FFF2-40B4-BE49-F238E27FC236}">
-                <a16:creationId xmlns:a16="http://schemas.microsoft.com/office/drawing/2014/main" id="{ACECE681-2B52-E5D3-B89B-FE8DE2D46C47}"/>
+                <a16:creationId xmlns:a16="http://schemas.microsoft.com/office/drawing/2014/main" id="{94918EC5-28EF-5E3A-7C2A-2548814766FE}"/>
               </a:ext>
             </a:extLst>
           </p:cNvPr>
@@ -9555,8 +9576,38 @@
         </p:blipFill>
         <p:spPr>
           <a:xfrm>
-            <a:off x="5063210" y="5178135"/>
-            <a:ext cx="2736304" cy="5072174"/>
+            <a:off x="336529" y="5417913"/>
+            <a:ext cx="6647082" cy="4964503"/>
+          </a:xfrm>
+          <a:prstGeom prst="rect">
+            <a:avLst/>
+          </a:prstGeom>
+        </p:spPr>
+      </p:pic>
+      <p:pic>
+        <p:nvPicPr>
+          <p:cNvPr id="17" name="図 16">
+            <a:extLst>
+              <a:ext uri="{FF2B5EF4-FFF2-40B4-BE49-F238E27FC236}">
+                <a16:creationId xmlns:a16="http://schemas.microsoft.com/office/drawing/2014/main" id="{5D36F515-5C14-A3C8-32AE-026E1A7459B4}"/>
+              </a:ext>
+            </a:extLst>
+          </p:cNvPr>
+          <p:cNvPicPr>
+            <a:picLocks noChangeAspect="1"/>
+          </p:cNvPicPr>
+          <p:nvPr/>
+        </p:nvPicPr>
+        <p:blipFill>
+          <a:blip r:embed="rId11"/>
+          <a:stretch>
+            <a:fillRect/>
+          </a:stretch>
+        </p:blipFill>
+        <p:spPr>
+          <a:xfrm>
+            <a:off x="7032914" y="4468585"/>
+            <a:ext cx="2869756" cy="5926856"/>
           </a:xfrm>
           <a:prstGeom prst="rect">
             <a:avLst/>

--- a/model/【モデル図】てなろぼ★ぷらいまりぃ_2025.pptx
+++ b/model/【モデル図】てなろぼ★ぷらいまりぃ_2025.pptx
@@ -9586,10 +9586,10 @@
       </p:pic>
       <p:pic>
         <p:nvPicPr>
-          <p:cNvPr id="17" name="図 16">
+          <p:cNvPr id="3" name="図 2">
             <a:extLst>
               <a:ext uri="{FF2B5EF4-FFF2-40B4-BE49-F238E27FC236}">
-                <a16:creationId xmlns:a16="http://schemas.microsoft.com/office/drawing/2014/main" id="{5D36F515-5C14-A3C8-32AE-026E1A7459B4}"/>
+                <a16:creationId xmlns:a16="http://schemas.microsoft.com/office/drawing/2014/main" id="{60BD8208-AE95-B076-782F-062A4EE23DFE}"/>
               </a:ext>
             </a:extLst>
           </p:cNvPr>
@@ -9606,8 +9606,8 @@
         </p:blipFill>
         <p:spPr>
           <a:xfrm>
-            <a:off x="7032914" y="4468585"/>
-            <a:ext cx="2869756" cy="5926856"/>
+            <a:off x="6965346" y="4513205"/>
+            <a:ext cx="2904262" cy="5869211"/>
           </a:xfrm>
           <a:prstGeom prst="rect">
             <a:avLst/>

--- a/model/【モデル図】てなろぼ★ぷらいまりぃ_2025.pptx
+++ b/model/【モデル図】てなろぼ★ぷらいまりぃ_2025.pptx
@@ -1314,7 +1314,7 @@
           <a:p>
             <a:fld id="{C764DE79-268F-4C1A-8933-263129D2AF90}" type="datetimeFigureOut">
               <a:rPr lang="en-US" dirty="0"/>
-              <a:t>8/9/2025</a:t>
+              <a:t>8/11/2025</a:t>
             </a:fld>
             <a:endParaRPr lang="en-US" dirty="0"/>
           </a:p>
@@ -1409,7 +1409,7 @@
           <a:p>
             <a:fld id="{C764DE79-268F-4C1A-8933-263129D2AF90}" type="datetimeFigureOut">
               <a:rPr lang="en-US" dirty="0"/>
-              <a:t>8/9/2025</a:t>
+              <a:t>8/11/2025</a:t>
             </a:fld>
             <a:endParaRPr lang="en-US" dirty="0"/>
           </a:p>
@@ -1718,7 +1718,7 @@
           <a:p>
             <a:fld id="{C764DE79-268F-4C1A-8933-263129D2AF90}" type="datetimeFigureOut">
               <a:rPr lang="en-US" dirty="0"/>
-              <a:t>8/9/2025</a:t>
+              <a:t>8/11/2025</a:t>
             </a:fld>
             <a:endParaRPr lang="en-US" dirty="0"/>
           </a:p>
@@ -1975,7 +1975,7 @@
           <a:p>
             <a:fld id="{C764DE79-268F-4C1A-8933-263129D2AF90}" type="datetimeFigureOut">
               <a:rPr lang="en-US" dirty="0"/>
-              <a:t>8/9/2025</a:t>
+              <a:t>8/11/2025</a:t>
             </a:fld>
             <a:endParaRPr lang="en-US" dirty="0"/>
           </a:p>
@@ -2177,7 +2177,7 @@
           <a:p>
             <a:fld id="{C764DE79-268F-4C1A-8933-263129D2AF90}" type="datetimeFigureOut">
               <a:rPr lang="en-US" dirty="0"/>
-              <a:t>8/9/2025</a:t>
+              <a:t>8/11/2025</a:t>
             </a:fld>
             <a:endParaRPr lang="en-US" dirty="0"/>
           </a:p>
@@ -2389,7 +2389,7 @@
           <a:p>
             <a:fld id="{C764DE79-268F-4C1A-8933-263129D2AF90}" type="datetimeFigureOut">
               <a:rPr lang="en-US" dirty="0"/>
-              <a:t>8/9/2025</a:t>
+              <a:t>8/11/2025</a:t>
             </a:fld>
             <a:endParaRPr lang="en-US" dirty="0"/>
           </a:p>
@@ -2816,7 +2816,7 @@
           <a:p>
             <a:fld id="{C764DE79-268F-4C1A-8933-263129D2AF90}" type="datetimeFigureOut">
               <a:rPr lang="en-US" dirty="0"/>
-              <a:t>8/9/2025</a:t>
+              <a:t>8/11/2025</a:t>
             </a:fld>
             <a:endParaRPr lang="en-US" dirty="0"/>
           </a:p>
@@ -3018,7 +3018,7 @@
           <a:p>
             <a:fld id="{C764DE79-268F-4C1A-8933-263129D2AF90}" type="datetimeFigureOut">
               <a:rPr lang="en-US" dirty="0"/>
-              <a:t>8/9/2025</a:t>
+              <a:t>8/11/2025</a:t>
             </a:fld>
             <a:endParaRPr lang="en-US" dirty="0"/>
           </a:p>
@@ -3262,7 +3262,7 @@
           <a:p>
             <a:fld id="{C764DE79-268F-4C1A-8933-263129D2AF90}" type="datetimeFigureOut">
               <a:rPr lang="en-US" dirty="0"/>
-              <a:t>8/9/2025</a:t>
+              <a:t>8/11/2025</a:t>
             </a:fld>
             <a:endParaRPr lang="en-US" dirty="0"/>
           </a:p>
@@ -3558,7 +3558,7 @@
           <a:p>
             <a:fld id="{C764DE79-268F-4C1A-8933-263129D2AF90}" type="datetimeFigureOut">
               <a:rPr lang="en-US" dirty="0"/>
-              <a:t>8/9/2025</a:t>
+              <a:t>8/11/2025</a:t>
             </a:fld>
             <a:endParaRPr lang="en-US" dirty="0"/>
           </a:p>
@@ -3989,7 +3989,7 @@
           <a:p>
             <a:fld id="{C764DE79-268F-4C1A-8933-263129D2AF90}" type="datetimeFigureOut">
               <a:rPr lang="en-US" dirty="0"/>
-              <a:t>8/9/2025</a:t>
+              <a:t>8/11/2025</a:t>
             </a:fld>
             <a:endParaRPr lang="en-US" dirty="0"/>
           </a:p>
@@ -5012,7 +5012,7 @@
           <a:p>
             <a:fld id="{C764DE79-268F-4C1A-8933-263129D2AF90}" type="datetimeFigureOut">
               <a:rPr lang="en-US" dirty="0"/>
-              <a:t>8/9/2025</a:t>
+              <a:t>8/11/2025</a:t>
             </a:fld>
             <a:endParaRPr lang="en-US" dirty="0"/>
           </a:p>
@@ -7251,8 +7251,8 @@
         </p:nvSpPr>
         <p:spPr bwMode="auto">
           <a:xfrm>
-            <a:off x="7873249" y="651211"/>
-            <a:ext cx="7158611" cy="9919515"/>
+            <a:off x="9560781" y="651211"/>
+            <a:ext cx="5471078" cy="9919515"/>
           </a:xfrm>
           <a:prstGeom prst="rect">
             <a:avLst/>
@@ -7425,12 +7425,16 @@
               </a:spcBef>
             </a:pPr>
             <a:r>
-              <a:rPr lang="en-US" altLang="ja-JP" sz="1200" dirty="0">
+              <a:rPr lang="ja-JP" altLang="en-US" sz="1200" dirty="0">
                 <a:latin typeface="UD デジタル 教科書体 NP" panose="02020400000000000000" pitchFamily="18" charset="-128"/>
                 <a:ea typeface="UD デジタル 教科書体 NP" panose="02020400000000000000" pitchFamily="18" charset="-128"/>
               </a:rPr>
-              <a:t>XXXXX</a:t>
-            </a:r>
+              <a:t>競技者からバーチャル運転手への運転依頼時、同時に地図情報を引き渡す。</a:t>
+            </a:r>
+            <a:endParaRPr lang="en-US" altLang="ja-JP" sz="1200" dirty="0">
+              <a:latin typeface="UD デジタル 教科書体 NP" panose="02020400000000000000" pitchFamily="18" charset="-128"/>
+              <a:ea typeface="UD デジタル 教科書体 NP" panose="02020400000000000000" pitchFamily="18" charset="-128"/>
+            </a:endParaRPr>
           </a:p>
           <a:p>
             <a:pPr eaLnBrk="1" hangingPunct="1">
@@ -7441,7 +7445,203 @@
                 <a:spcPct val="20000"/>
               </a:spcBef>
             </a:pPr>
-            <a:endParaRPr lang="en-US" altLang="ja-JP" sz="1400" dirty="0">
+            <a:r>
+              <a:rPr lang="ja-JP" altLang="en-US" sz="1200" dirty="0">
+                <a:latin typeface="UD デジタル 教科書体 NP" panose="02020400000000000000" pitchFamily="18" charset="-128"/>
+                <a:ea typeface="UD デジタル 教科書体 NP" panose="02020400000000000000" pitchFamily="18" charset="-128"/>
+              </a:rPr>
+              <a:t>地図情報とは「目的地」に至るまでの「分岐合図」と「進行方向」の</a:t>
+            </a:r>
+            <a:endParaRPr lang="en-US" altLang="ja-JP" sz="1200" dirty="0">
+              <a:latin typeface="UD デジタル 教科書体 NP" panose="02020400000000000000" pitchFamily="18" charset="-128"/>
+              <a:ea typeface="UD デジタル 教科書体 NP" panose="02020400000000000000" pitchFamily="18" charset="-128"/>
+            </a:endParaRPr>
+          </a:p>
+          <a:p>
+            <a:pPr eaLnBrk="1" hangingPunct="1">
+              <a:lnSpc>
+                <a:spcPct val="80000"/>
+              </a:lnSpc>
+              <a:spcBef>
+                <a:spcPct val="20000"/>
+              </a:spcBef>
+            </a:pPr>
+            <a:r>
+              <a:rPr lang="ja-JP" altLang="en-US" sz="1200" dirty="0">
+                <a:latin typeface="UD デジタル 教科書体 NP" panose="02020400000000000000" pitchFamily="18" charset="-128"/>
+                <a:ea typeface="UD デジタル 教科書体 NP" panose="02020400000000000000" pitchFamily="18" charset="-128"/>
+              </a:rPr>
+              <a:t>リストで構成される。</a:t>
+            </a:r>
+            <a:endParaRPr lang="en-US" altLang="ja-JP" sz="1200" dirty="0">
+              <a:latin typeface="UD デジタル 教科書体 NP" panose="02020400000000000000" pitchFamily="18" charset="-128"/>
+              <a:ea typeface="UD デジタル 教科書体 NP" panose="02020400000000000000" pitchFamily="18" charset="-128"/>
+            </a:endParaRPr>
+          </a:p>
+          <a:p>
+            <a:pPr eaLnBrk="1" hangingPunct="1">
+              <a:lnSpc>
+                <a:spcPct val="80000"/>
+              </a:lnSpc>
+              <a:spcBef>
+                <a:spcPct val="20000"/>
+              </a:spcBef>
+            </a:pPr>
+            <a:r>
+              <a:rPr lang="ja-JP" altLang="en-US" sz="1200" dirty="0">
+                <a:latin typeface="UD デジタル 教科書体 NP" panose="02020400000000000000" pitchFamily="18" charset="-128"/>
+                <a:ea typeface="UD デジタル 教科書体 NP" panose="02020400000000000000" pitchFamily="18" charset="-128"/>
+              </a:rPr>
+              <a:t>ダブルループのコースにおい</a:t>
+            </a:r>
+            <a:endParaRPr lang="en-US" altLang="ja-JP" sz="1200" dirty="0">
+              <a:latin typeface="UD デジタル 教科書体 NP" panose="02020400000000000000" pitchFamily="18" charset="-128"/>
+              <a:ea typeface="UD デジタル 教科書体 NP" panose="02020400000000000000" pitchFamily="18" charset="-128"/>
+            </a:endParaRPr>
+          </a:p>
+          <a:p>
+            <a:pPr eaLnBrk="1" hangingPunct="1">
+              <a:lnSpc>
+                <a:spcPct val="80000"/>
+              </a:lnSpc>
+              <a:spcBef>
+                <a:spcPct val="20000"/>
+              </a:spcBef>
+            </a:pPr>
+            <a:r>
+              <a:rPr lang="ja-JP" altLang="en-US" sz="1200" dirty="0">
+                <a:latin typeface="UD デジタル 教科書体 NP" panose="02020400000000000000" pitchFamily="18" charset="-128"/>
+                <a:ea typeface="UD デジタル 教科書体 NP" panose="02020400000000000000" pitchFamily="18" charset="-128"/>
+              </a:rPr>
+              <a:t>ては、「分岐合図」はすべて</a:t>
+            </a:r>
+            <a:endParaRPr lang="en-US" altLang="ja-JP" sz="1200" dirty="0">
+              <a:latin typeface="UD デジタル 教科書体 NP" panose="02020400000000000000" pitchFamily="18" charset="-128"/>
+              <a:ea typeface="UD デジタル 教科書体 NP" panose="02020400000000000000" pitchFamily="18" charset="-128"/>
+            </a:endParaRPr>
+          </a:p>
+          <a:p>
+            <a:pPr eaLnBrk="1" hangingPunct="1">
+              <a:lnSpc>
+                <a:spcPct val="80000"/>
+              </a:lnSpc>
+              <a:spcBef>
+                <a:spcPct val="20000"/>
+              </a:spcBef>
+            </a:pPr>
+            <a:r>
+              <a:rPr lang="ja-JP" altLang="en-US" sz="1200" dirty="0">
+                <a:latin typeface="UD デジタル 教科書体 NP" panose="02020400000000000000" pitchFamily="18" charset="-128"/>
+                <a:ea typeface="UD デジタル 教科書体 NP" panose="02020400000000000000" pitchFamily="18" charset="-128"/>
+              </a:rPr>
+              <a:t>「青ライン検知」となる。</a:t>
+            </a:r>
+            <a:endParaRPr lang="en-US" altLang="ja-JP" sz="1200" dirty="0">
+              <a:latin typeface="UD デジタル 教科書体 NP" panose="02020400000000000000" pitchFamily="18" charset="-128"/>
+              <a:ea typeface="UD デジタル 教科書体 NP" panose="02020400000000000000" pitchFamily="18" charset="-128"/>
+            </a:endParaRPr>
+          </a:p>
+          <a:p>
+            <a:pPr eaLnBrk="1" hangingPunct="1">
+              <a:lnSpc>
+                <a:spcPct val="80000"/>
+              </a:lnSpc>
+              <a:spcBef>
+                <a:spcPct val="20000"/>
+              </a:spcBef>
+            </a:pPr>
+            <a:r>
+              <a:rPr lang="ja-JP" altLang="en-US" sz="1200" dirty="0">
+                <a:latin typeface="UD デジタル 教科書体 NP" panose="02020400000000000000" pitchFamily="18" charset="-128"/>
+                <a:ea typeface="UD デジタル 教科書体 NP" panose="02020400000000000000" pitchFamily="18" charset="-128"/>
+              </a:rPr>
+              <a:t>ダブルループ攻略における</a:t>
+            </a:r>
+            <a:endParaRPr lang="en-US" altLang="ja-JP" sz="1200" dirty="0">
+              <a:latin typeface="UD デジタル 教科書体 NP" panose="02020400000000000000" pitchFamily="18" charset="-128"/>
+              <a:ea typeface="UD デジタル 教科書体 NP" panose="02020400000000000000" pitchFamily="18" charset="-128"/>
+            </a:endParaRPr>
+          </a:p>
+          <a:p>
+            <a:pPr eaLnBrk="1" hangingPunct="1">
+              <a:lnSpc>
+                <a:spcPct val="80000"/>
+              </a:lnSpc>
+              <a:spcBef>
+                <a:spcPct val="20000"/>
+              </a:spcBef>
+            </a:pPr>
+            <a:r>
+              <a:rPr lang="ja-JP" altLang="en-US" sz="1200" dirty="0">
+                <a:latin typeface="UD デジタル 教科書体 NP" panose="02020400000000000000" pitchFamily="18" charset="-128"/>
+                <a:ea typeface="UD デジタル 教科書体 NP" panose="02020400000000000000" pitchFamily="18" charset="-128"/>
+              </a:rPr>
+              <a:t>マップ情報を表</a:t>
+            </a:r>
+            <a:r>
+              <a:rPr lang="en-US" altLang="ja-JP" sz="1200" dirty="0">
+                <a:latin typeface="UD デジタル 教科書体 NP" panose="02020400000000000000" pitchFamily="18" charset="-128"/>
+                <a:ea typeface="UD デジタル 教科書体 NP" panose="02020400000000000000" pitchFamily="18" charset="-128"/>
+              </a:rPr>
+              <a:t>1.2</a:t>
+            </a:r>
+            <a:r>
+              <a:rPr lang="ja-JP" altLang="en-US" sz="1200" dirty="0">
+                <a:latin typeface="UD デジタル 教科書体 NP" panose="02020400000000000000" pitchFamily="18" charset="-128"/>
+                <a:ea typeface="UD デジタル 教科書体 NP" panose="02020400000000000000" pitchFamily="18" charset="-128"/>
+              </a:rPr>
+              <a:t>と図</a:t>
+            </a:r>
+            <a:r>
+              <a:rPr lang="en-US" altLang="ja-JP" sz="1200" dirty="0">
+                <a:latin typeface="UD デジタル 教科書体 NP" panose="02020400000000000000" pitchFamily="18" charset="-128"/>
+                <a:ea typeface="UD デジタル 教科書体 NP" panose="02020400000000000000" pitchFamily="18" charset="-128"/>
+              </a:rPr>
+              <a:t>1.3</a:t>
+            </a:r>
+            <a:r>
+              <a:rPr lang="ja-JP" altLang="en-US" sz="1200" dirty="0">
+                <a:latin typeface="UD デジタル 教科書体 NP" panose="02020400000000000000" pitchFamily="18" charset="-128"/>
+                <a:ea typeface="UD デジタル 教科書体 NP" panose="02020400000000000000" pitchFamily="18" charset="-128"/>
+              </a:rPr>
+              <a:t>に、</a:t>
+            </a:r>
+            <a:endParaRPr lang="en-US" altLang="ja-JP" sz="1200" dirty="0">
+              <a:latin typeface="UD デジタル 教科書体 NP" panose="02020400000000000000" pitchFamily="18" charset="-128"/>
+              <a:ea typeface="UD デジタル 教科書体 NP" panose="02020400000000000000" pitchFamily="18" charset="-128"/>
+            </a:endParaRPr>
+          </a:p>
+          <a:p>
+            <a:pPr eaLnBrk="1" hangingPunct="1">
+              <a:lnSpc>
+                <a:spcPct val="80000"/>
+              </a:lnSpc>
+              <a:spcBef>
+                <a:spcPct val="20000"/>
+              </a:spcBef>
+            </a:pPr>
+            <a:r>
+              <a:rPr lang="ja-JP" altLang="en-US" sz="1200" dirty="0">
+                <a:latin typeface="UD デジタル 教科書体 NP" panose="02020400000000000000" pitchFamily="18" charset="-128"/>
+                <a:ea typeface="UD デジタル 教科書体 NP" panose="02020400000000000000" pitchFamily="18" charset="-128"/>
+              </a:rPr>
+              <a:t>機能の流れを図</a:t>
+            </a:r>
+            <a:r>
+              <a:rPr lang="en-US" altLang="ja-JP" sz="1200" dirty="0">
+                <a:latin typeface="UD デジタル 教科書体 NP" panose="02020400000000000000" pitchFamily="18" charset="-128"/>
+                <a:ea typeface="UD デジタル 教科書体 NP" panose="02020400000000000000" pitchFamily="18" charset="-128"/>
+              </a:rPr>
+              <a:t>1.4</a:t>
+            </a:r>
+            <a:r>
+              <a:rPr lang="ja-JP" altLang="en-US" sz="1200" dirty="0">
+                <a:latin typeface="UD デジタル 教科書体 NP" panose="02020400000000000000" pitchFamily="18" charset="-128"/>
+                <a:ea typeface="UD デジタル 教科書体 NP" panose="02020400000000000000" pitchFamily="18" charset="-128"/>
+              </a:rPr>
+              <a:t>に示した。</a:t>
+            </a:r>
+            <a:endParaRPr lang="en-US" altLang="ja-JP" sz="1200" dirty="0">
               <a:latin typeface="UD デジタル 教科書体 NP" panose="02020400000000000000" pitchFamily="18" charset="-128"/>
               <a:ea typeface="UD デジタル 教科書体 NP" panose="02020400000000000000" pitchFamily="18" charset="-128"/>
             </a:endParaRPr>
@@ -7464,8 +7664,8 @@
         </p:nvSpPr>
         <p:spPr bwMode="auto">
           <a:xfrm>
-            <a:off x="152494" y="652983"/>
-            <a:ext cx="7720755" cy="3783309"/>
+            <a:off x="152494" y="652984"/>
+            <a:ext cx="9408286" cy="3226182"/>
           </a:xfrm>
           <a:prstGeom prst="rect">
             <a:avLst/>
@@ -7708,9 +7908,16 @@
                 <a:latin typeface="UD デジタル 教科書体 NP" panose="02020400000000000000" pitchFamily="18" charset="-128"/>
                 <a:ea typeface="UD デジタル 教科書体 NP" panose="02020400000000000000" pitchFamily="18" charset="-128"/>
               </a:rPr>
-              <a:t>⇒</a:t>
-            </a:r>
-            <a:endParaRPr lang="en-US" altLang="ja-JP" sz="1200" b="1" dirty="0">
+              <a:t>⇒「分岐」の繰返し</a:t>
+            </a:r>
+            <a:r>
+              <a:rPr lang="ja-JP" altLang="en-US" sz="1200" dirty="0">
+                <a:latin typeface="UD デジタル 教科書体 NP" panose="02020400000000000000" pitchFamily="18" charset="-128"/>
+                <a:ea typeface="UD デジタル 教科書体 NP" panose="02020400000000000000" pitchFamily="18" charset="-128"/>
+              </a:rPr>
+              <a:t>である</a:t>
+            </a:r>
+            <a:endParaRPr lang="en-US" altLang="ja-JP" sz="1200" dirty="0">
               <a:latin typeface="UD デジタル 教科書体 NP" panose="02020400000000000000" pitchFamily="18" charset="-128"/>
               <a:ea typeface="UD デジタル 教科書体 NP" panose="02020400000000000000" pitchFamily="18" charset="-128"/>
             </a:endParaRPr>
@@ -7725,18 +7932,11 @@
               </a:spcBef>
             </a:pPr>
             <a:r>
-              <a:rPr lang="ja-JP" altLang="en-US" sz="1200" b="1" dirty="0">
-                <a:latin typeface="UD デジタル 教科書体 NP" panose="02020400000000000000" pitchFamily="18" charset="-128"/>
-                <a:ea typeface="UD デジタル 教科書体 NP" panose="02020400000000000000" pitchFamily="18" charset="-128"/>
-              </a:rPr>
-              <a:t>「分岐」の繰返し</a:t>
-            </a:r>
-            <a:r>
               <a:rPr lang="ja-JP" altLang="en-US" sz="1200" dirty="0">
                 <a:latin typeface="UD デジタル 教科書体 NP" panose="02020400000000000000" pitchFamily="18" charset="-128"/>
                 <a:ea typeface="UD デジタル 教科書体 NP" panose="02020400000000000000" pitchFamily="18" charset="-128"/>
               </a:rPr>
-              <a:t>であることが分かる。</a:t>
+              <a:t>ことが分かる。</a:t>
             </a:r>
             <a:endParaRPr lang="en-US" altLang="ja-JP" sz="1200" dirty="0">
               <a:latin typeface="UD デジタル 教科書体 NP" panose="02020400000000000000" pitchFamily="18" charset="-128"/>
@@ -7757,7 +7957,7 @@
                 <a:latin typeface="UD デジタル 教科書体 NP" panose="02020400000000000000" pitchFamily="18" charset="-128"/>
                 <a:ea typeface="UD デジタル 教科書体 NP" panose="02020400000000000000" pitchFamily="18" charset="-128"/>
               </a:rPr>
-              <a:t>つまり、バーチャル運転手に青ライン検知後の分岐方向を順を追って教えておくことで、分岐を誤らずに</a:t>
+              <a:t>そのため、バーチャル運転手に青ライン検知後の分岐方向を順を追って教えておくことで、分岐を誤らずにダブルループを走行する</a:t>
             </a:r>
             <a:endParaRPr lang="en-US" altLang="ja-JP" sz="1200" dirty="0">
               <a:latin typeface="UD デジタル 教科書体 NP" panose="02020400000000000000" pitchFamily="18" charset="-128"/>
@@ -7778,7 +7978,7 @@
                 <a:latin typeface="UD デジタル 教科書体 NP" panose="02020400000000000000" pitchFamily="18" charset="-128"/>
                 <a:ea typeface="UD デジタル 教科書体 NP" panose="02020400000000000000" pitchFamily="18" charset="-128"/>
               </a:rPr>
-              <a:t>ダブルループを走行することが期待できる。</a:t>
+              <a:t>ことが期待できる。</a:t>
             </a:r>
             <a:endParaRPr lang="en-US" altLang="ja-JP" sz="1200" dirty="0">
               <a:latin typeface="UD デジタル 教科書体 NP" panose="02020400000000000000" pitchFamily="18" charset="-128"/>
@@ -7794,6 +7994,13 @@
                 <a:spcPct val="20000"/>
               </a:spcBef>
             </a:pPr>
+            <a:r>
+              <a:rPr lang="ja-JP" altLang="en-US" sz="1200" dirty="0">
+                <a:latin typeface="UD デジタル 教科書体 NP" panose="02020400000000000000" pitchFamily="18" charset="-128"/>
+                <a:ea typeface="UD デジタル 教科書体 NP" panose="02020400000000000000" pitchFamily="18" charset="-128"/>
+              </a:rPr>
+              <a:t>以下にダブルループの侵入部を例に走行イメージを示す。</a:t>
+            </a:r>
             <a:endParaRPr lang="en-US" altLang="ja-JP" sz="1200" dirty="0">
               <a:latin typeface="UD デジタル 教科書体 NP" panose="02020400000000000000" pitchFamily="18" charset="-128"/>
               <a:ea typeface="UD デジタル 教科書体 NP" panose="02020400000000000000" pitchFamily="18" charset="-128"/>
@@ -7813,7 +8020,68 @@
                 <a:latin typeface="UD デジタル 教科書体 NP" panose="02020400000000000000" pitchFamily="18" charset="-128"/>
                 <a:ea typeface="UD デジタル 教科書体 NP" panose="02020400000000000000" pitchFamily="18" charset="-128"/>
               </a:rPr>
-              <a:t>以下にダブルループの侵入部を例に走行イメージを示す。</a:t>
+              <a:t>図</a:t>
+            </a:r>
+            <a:r>
+              <a:rPr lang="en-US" altLang="ja-JP" sz="1200" dirty="0">
+                <a:latin typeface="UD デジタル 教科書体 NP" panose="02020400000000000000" pitchFamily="18" charset="-128"/>
+                <a:ea typeface="UD デジタル 教科書体 NP" panose="02020400000000000000" pitchFamily="18" charset="-128"/>
+              </a:rPr>
+              <a:t>1.1</a:t>
+            </a:r>
+            <a:r>
+              <a:rPr lang="ja-JP" altLang="en-US" sz="1200" dirty="0">
+                <a:latin typeface="UD デジタル 教科書体 NP" panose="02020400000000000000" pitchFamily="18" charset="-128"/>
+                <a:ea typeface="UD デジタル 教科書体 NP" panose="02020400000000000000" pitchFamily="18" charset="-128"/>
+              </a:rPr>
+              <a:t>の</a:t>
+            </a:r>
+            <a:r>
+              <a:rPr lang="ja-JP" altLang="en-US" sz="1200" dirty="0">
+                <a:solidFill>
+                  <a:srgbClr val="FF0000"/>
+                </a:solidFill>
+                <a:latin typeface="UD デジタル 教科書体 NP" panose="02020400000000000000" pitchFamily="18" charset="-128"/>
+                <a:ea typeface="UD デジタル 教科書体 NP" panose="02020400000000000000" pitchFamily="18" charset="-128"/>
+              </a:rPr>
+              <a:t>赤矢印</a:t>
+            </a:r>
+            <a:r>
+              <a:rPr lang="en-US" altLang="ja-JP" sz="1200" dirty="0">
+                <a:solidFill>
+                  <a:srgbClr val="FF0000"/>
+                </a:solidFill>
+                <a:latin typeface="UD デジタル 教科書体 NP" panose="02020400000000000000" pitchFamily="18" charset="-128"/>
+                <a:ea typeface="UD デジタル 教科書体 NP" panose="02020400000000000000" pitchFamily="18" charset="-128"/>
+              </a:rPr>
+              <a:t>(</a:t>
+            </a:r>
+            <a:r>
+              <a:rPr lang="ja-JP" altLang="en-US" sz="1200" dirty="0">
+                <a:solidFill>
+                  <a:srgbClr val="FF0000"/>
+                </a:solidFill>
+                <a:latin typeface="UD デジタル 教科書体 NP" panose="02020400000000000000" pitchFamily="18" charset="-128"/>
+                <a:ea typeface="UD デジタル 教科書体 NP" panose="02020400000000000000" pitchFamily="18" charset="-128"/>
+              </a:rPr>
+              <a:t>①</a:t>
+            </a:r>
+            <a:r>
+              <a:rPr lang="en-US" altLang="ja-JP" sz="1200" dirty="0">
+                <a:solidFill>
+                  <a:srgbClr val="FF0000"/>
+                </a:solidFill>
+                <a:latin typeface="UD デジタル 教科書体 NP" panose="02020400000000000000" pitchFamily="18" charset="-128"/>
+                <a:ea typeface="UD デジタル 教科書体 NP" panose="02020400000000000000" pitchFamily="18" charset="-128"/>
+              </a:rPr>
+              <a:t>)</a:t>
+            </a:r>
+            <a:r>
+              <a:rPr lang="ja-JP" altLang="en-US" sz="1200" dirty="0">
+                <a:latin typeface="UD デジタル 教科書体 NP" panose="02020400000000000000" pitchFamily="18" charset="-128"/>
+                <a:ea typeface="UD デジタル 教科書体 NP" panose="02020400000000000000" pitchFamily="18" charset="-128"/>
+              </a:rPr>
+              <a:t>の個所では黒色のラインをトレースして走行する。その際走行体が左右どちらの</a:t>
             </a:r>
             <a:endParaRPr lang="en-US" altLang="ja-JP" sz="1200" dirty="0">
               <a:latin typeface="UD デジタル 教科書体 NP" panose="02020400000000000000" pitchFamily="18" charset="-128"/>
@@ -7834,68 +8102,7 @@
                 <a:latin typeface="UD デジタル 教科書体 NP" panose="02020400000000000000" pitchFamily="18" charset="-128"/>
                 <a:ea typeface="UD デジタル 教科書体 NP" panose="02020400000000000000" pitchFamily="18" charset="-128"/>
               </a:rPr>
-              <a:t>図</a:t>
-            </a:r>
-            <a:r>
-              <a:rPr lang="en-US" altLang="ja-JP" sz="1200" dirty="0">
-                <a:latin typeface="UD デジタル 教科書体 NP" panose="02020400000000000000" pitchFamily="18" charset="-128"/>
-                <a:ea typeface="UD デジタル 教科書体 NP" panose="02020400000000000000" pitchFamily="18" charset="-128"/>
-              </a:rPr>
-              <a:t>1.1</a:t>
-            </a:r>
-            <a:r>
-              <a:rPr lang="ja-JP" altLang="en-US" sz="1200" dirty="0">
-                <a:latin typeface="UD デジタル 教科書体 NP" panose="02020400000000000000" pitchFamily="18" charset="-128"/>
-                <a:ea typeface="UD デジタル 教科書体 NP" panose="02020400000000000000" pitchFamily="18" charset="-128"/>
-              </a:rPr>
-              <a:t>の</a:t>
-            </a:r>
-            <a:r>
-              <a:rPr lang="ja-JP" altLang="en-US" sz="1200" dirty="0">
-                <a:solidFill>
-                  <a:srgbClr val="FF0000"/>
-                </a:solidFill>
-                <a:latin typeface="UD デジタル 教科書体 NP" panose="02020400000000000000" pitchFamily="18" charset="-128"/>
-                <a:ea typeface="UD デジタル 教科書体 NP" panose="02020400000000000000" pitchFamily="18" charset="-128"/>
-              </a:rPr>
-              <a:t>赤矢印</a:t>
-            </a:r>
-            <a:r>
-              <a:rPr lang="en-US" altLang="ja-JP" sz="1200" dirty="0">
-                <a:solidFill>
-                  <a:srgbClr val="FF0000"/>
-                </a:solidFill>
-                <a:latin typeface="UD デジタル 教科書体 NP" panose="02020400000000000000" pitchFamily="18" charset="-128"/>
-                <a:ea typeface="UD デジタル 教科書体 NP" panose="02020400000000000000" pitchFamily="18" charset="-128"/>
-              </a:rPr>
-              <a:t>(</a:t>
-            </a:r>
-            <a:r>
-              <a:rPr lang="ja-JP" altLang="en-US" sz="1200" dirty="0">
-                <a:solidFill>
-                  <a:srgbClr val="FF0000"/>
-                </a:solidFill>
-                <a:latin typeface="UD デジタル 教科書体 NP" panose="02020400000000000000" pitchFamily="18" charset="-128"/>
-                <a:ea typeface="UD デジタル 教科書体 NP" panose="02020400000000000000" pitchFamily="18" charset="-128"/>
-              </a:rPr>
-              <a:t>①</a:t>
-            </a:r>
-            <a:r>
-              <a:rPr lang="en-US" altLang="ja-JP" sz="1200" dirty="0">
-                <a:solidFill>
-                  <a:srgbClr val="FF0000"/>
-                </a:solidFill>
-                <a:latin typeface="UD デジタル 教科書体 NP" panose="02020400000000000000" pitchFamily="18" charset="-128"/>
-                <a:ea typeface="UD デジタル 教科書体 NP" panose="02020400000000000000" pitchFamily="18" charset="-128"/>
-              </a:rPr>
-              <a:t>)</a:t>
-            </a:r>
-            <a:r>
-              <a:rPr lang="ja-JP" altLang="en-US" sz="1200" dirty="0">
-                <a:latin typeface="UD デジタル 教科書体 NP" panose="02020400000000000000" pitchFamily="18" charset="-128"/>
-                <a:ea typeface="UD デジタル 教科書体 NP" panose="02020400000000000000" pitchFamily="18" charset="-128"/>
-              </a:rPr>
-              <a:t>の個所では黒色のラインをトレースして走行する。</a:t>
+              <a:t>ラインエッジを走行しているかは問わない。</a:t>
             </a:r>
             <a:endParaRPr lang="en-US" altLang="ja-JP" sz="1200" dirty="0">
               <a:latin typeface="UD デジタル 教科書体 NP" panose="02020400000000000000" pitchFamily="18" charset="-128"/>
@@ -7916,7 +8123,54 @@
                 <a:latin typeface="UD デジタル 教科書体 NP" panose="02020400000000000000" pitchFamily="18" charset="-128"/>
                 <a:ea typeface="UD デジタル 教科書体 NP" panose="02020400000000000000" pitchFamily="18" charset="-128"/>
               </a:rPr>
-              <a:t>その際走行体が左右どちらのラインエッジを走行しているかは問わない。</a:t>
+              <a:t>青ラインを検知後、</a:t>
+            </a:r>
+            <a:r>
+              <a:rPr lang="ja-JP" altLang="en-US" sz="1200" dirty="0">
+                <a:solidFill>
+                  <a:schemeClr val="accent1"/>
+                </a:solidFill>
+                <a:latin typeface="UD デジタル 教科書体 NP" panose="02020400000000000000" pitchFamily="18" charset="-128"/>
+                <a:ea typeface="UD デジタル 教科書体 NP" panose="02020400000000000000" pitchFamily="18" charset="-128"/>
+              </a:rPr>
+              <a:t>青矢印</a:t>
+            </a:r>
+            <a:r>
+              <a:rPr lang="en-US" altLang="ja-JP" sz="1200" dirty="0">
+                <a:solidFill>
+                  <a:schemeClr val="accent1"/>
+                </a:solidFill>
+                <a:latin typeface="UD デジタル 教科書体 NP" panose="02020400000000000000" pitchFamily="18" charset="-128"/>
+                <a:ea typeface="UD デジタル 教科書体 NP" panose="02020400000000000000" pitchFamily="18" charset="-128"/>
+              </a:rPr>
+              <a:t>(</a:t>
+            </a:r>
+            <a:r>
+              <a:rPr lang="ja-JP" altLang="en-US" sz="1200" dirty="0">
+                <a:solidFill>
+                  <a:schemeClr val="accent1"/>
+                </a:solidFill>
+                <a:latin typeface="UD デジタル 教科書体 NP" panose="02020400000000000000" pitchFamily="18" charset="-128"/>
+                <a:ea typeface="UD デジタル 教科書体 NP" panose="02020400000000000000" pitchFamily="18" charset="-128"/>
+              </a:rPr>
+              <a:t>②</a:t>
+            </a:r>
+            <a:r>
+              <a:rPr lang="en-US" altLang="ja-JP" sz="1200" dirty="0">
+                <a:solidFill>
+                  <a:schemeClr val="accent1"/>
+                </a:solidFill>
+                <a:latin typeface="UD デジタル 教科書体 NP" panose="02020400000000000000" pitchFamily="18" charset="-128"/>
+                <a:ea typeface="UD デジタル 教科書体 NP" panose="02020400000000000000" pitchFamily="18" charset="-128"/>
+              </a:rPr>
+              <a:t>)</a:t>
+            </a:r>
+            <a:r>
+              <a:rPr lang="ja-JP" altLang="en-US" sz="1200" dirty="0">
+                <a:latin typeface="UD デジタル 教科書体 NP" panose="02020400000000000000" pitchFamily="18" charset="-128"/>
+                <a:ea typeface="UD デジタル 教科書体 NP" panose="02020400000000000000" pitchFamily="18" charset="-128"/>
+              </a:rPr>
+              <a:t>の個所では青色のラインをトレースして走行する。</a:t>
             </a:r>
             <a:endParaRPr lang="en-US" altLang="ja-JP" sz="1200" dirty="0">
               <a:latin typeface="UD デジタル 教科書体 NP" panose="02020400000000000000" pitchFamily="18" charset="-128"/>
@@ -7937,54 +8191,7 @@
                 <a:latin typeface="UD デジタル 教科書体 NP" panose="02020400000000000000" pitchFamily="18" charset="-128"/>
                 <a:ea typeface="UD デジタル 教科書体 NP" panose="02020400000000000000" pitchFamily="18" charset="-128"/>
               </a:rPr>
-              <a:t>青ラインを検知後、</a:t>
-            </a:r>
-            <a:r>
-              <a:rPr lang="ja-JP" altLang="en-US" sz="1200" dirty="0">
-                <a:solidFill>
-                  <a:schemeClr val="accent1"/>
-                </a:solidFill>
-                <a:latin typeface="UD デジタル 教科書体 NP" panose="02020400000000000000" pitchFamily="18" charset="-128"/>
-                <a:ea typeface="UD デジタル 教科書体 NP" panose="02020400000000000000" pitchFamily="18" charset="-128"/>
-              </a:rPr>
-              <a:t>青矢印</a:t>
-            </a:r>
-            <a:r>
-              <a:rPr lang="en-US" altLang="ja-JP" sz="1200" dirty="0">
-                <a:solidFill>
-                  <a:schemeClr val="accent1"/>
-                </a:solidFill>
-                <a:latin typeface="UD デジタル 教科書体 NP" panose="02020400000000000000" pitchFamily="18" charset="-128"/>
-                <a:ea typeface="UD デジタル 教科書体 NP" panose="02020400000000000000" pitchFamily="18" charset="-128"/>
-              </a:rPr>
-              <a:t>(</a:t>
-            </a:r>
-            <a:r>
-              <a:rPr lang="ja-JP" altLang="en-US" sz="1200" dirty="0">
-                <a:solidFill>
-                  <a:schemeClr val="accent1"/>
-                </a:solidFill>
-                <a:latin typeface="UD デジタル 教科書体 NP" panose="02020400000000000000" pitchFamily="18" charset="-128"/>
-                <a:ea typeface="UD デジタル 教科書体 NP" panose="02020400000000000000" pitchFamily="18" charset="-128"/>
-              </a:rPr>
-              <a:t>②</a:t>
-            </a:r>
-            <a:r>
-              <a:rPr lang="en-US" altLang="ja-JP" sz="1200" dirty="0">
-                <a:solidFill>
-                  <a:schemeClr val="accent1"/>
-                </a:solidFill>
-                <a:latin typeface="UD デジタル 教科書体 NP" panose="02020400000000000000" pitchFamily="18" charset="-128"/>
-                <a:ea typeface="UD デジタル 教科書体 NP" panose="02020400000000000000" pitchFamily="18" charset="-128"/>
-              </a:rPr>
-              <a:t>)</a:t>
-            </a:r>
-            <a:r>
-              <a:rPr lang="ja-JP" altLang="en-US" sz="1200" dirty="0">
-                <a:latin typeface="UD デジタル 教科書体 NP" panose="02020400000000000000" pitchFamily="18" charset="-128"/>
-                <a:ea typeface="UD デジタル 教科書体 NP" panose="02020400000000000000" pitchFamily="18" charset="-128"/>
-              </a:rPr>
-              <a:t>の個所では青色のラインをトレースして</a:t>
+              <a:t>この時、最初に目指す方向が右であることをバーチャル運転手は知っている。</a:t>
             </a:r>
             <a:endParaRPr lang="en-US" altLang="ja-JP" sz="1200" dirty="0">
               <a:latin typeface="UD デジタル 教科書体 NP" panose="02020400000000000000" pitchFamily="18" charset="-128"/>
@@ -8005,7 +8212,62 @@
                 <a:latin typeface="UD デジタル 教科書体 NP" panose="02020400000000000000" pitchFamily="18" charset="-128"/>
                 <a:ea typeface="UD デジタル 教科書体 NP" panose="02020400000000000000" pitchFamily="18" charset="-128"/>
               </a:rPr>
-              <a:t>走行する。この時、最初に目指す方向が右であることをバーチャル運転</a:t>
+              <a:t>そのため、黒ライン検知後の</a:t>
+            </a:r>
+            <a:r>
+              <a:rPr lang="ja-JP" altLang="en-US" sz="1200" dirty="0">
+                <a:solidFill>
+                  <a:schemeClr val="accent4">
+                    <a:lumMod val="75000"/>
+                  </a:schemeClr>
+                </a:solidFill>
+                <a:latin typeface="UD デジタル 教科書体 NP" panose="02020400000000000000" pitchFamily="18" charset="-128"/>
+                <a:ea typeface="UD デジタル 教科書体 NP" panose="02020400000000000000" pitchFamily="18" charset="-128"/>
+              </a:rPr>
+              <a:t>黄色矢印</a:t>
+            </a:r>
+            <a:r>
+              <a:rPr lang="en-US" altLang="ja-JP" sz="1200" dirty="0">
+                <a:solidFill>
+                  <a:schemeClr val="accent4">
+                    <a:lumMod val="75000"/>
+                  </a:schemeClr>
+                </a:solidFill>
+                <a:latin typeface="UD デジタル 教科書体 NP" panose="02020400000000000000" pitchFamily="18" charset="-128"/>
+                <a:ea typeface="UD デジタル 教科書体 NP" panose="02020400000000000000" pitchFamily="18" charset="-128"/>
+              </a:rPr>
+              <a:t>(</a:t>
+            </a:r>
+            <a:r>
+              <a:rPr lang="ja-JP" altLang="en-US" sz="1200" dirty="0">
+                <a:solidFill>
+                  <a:schemeClr val="accent4">
+                    <a:lumMod val="75000"/>
+                  </a:schemeClr>
+                </a:solidFill>
+                <a:latin typeface="UD デジタル 教科書体 NP" panose="02020400000000000000" pitchFamily="18" charset="-128"/>
+                <a:ea typeface="UD デジタル 教科書体 NP" panose="02020400000000000000" pitchFamily="18" charset="-128"/>
+              </a:rPr>
+              <a:t>③</a:t>
+            </a:r>
+            <a:r>
+              <a:rPr lang="en-US" altLang="ja-JP" sz="1200" dirty="0">
+                <a:solidFill>
+                  <a:schemeClr val="accent4">
+                    <a:lumMod val="75000"/>
+                  </a:schemeClr>
+                </a:solidFill>
+                <a:latin typeface="UD デジタル 教科書体 NP" panose="02020400000000000000" pitchFamily="18" charset="-128"/>
+                <a:ea typeface="UD デジタル 教科書体 NP" panose="02020400000000000000" pitchFamily="18" charset="-128"/>
+              </a:rPr>
+              <a:t>)</a:t>
+            </a:r>
+            <a:r>
+              <a:rPr lang="ja-JP" altLang="en-US" sz="1200" dirty="0">
+                <a:latin typeface="UD デジタル 教科書体 NP" panose="02020400000000000000" pitchFamily="18" charset="-128"/>
+                <a:ea typeface="UD デジタル 教科書体 NP" panose="02020400000000000000" pitchFamily="18" charset="-128"/>
+              </a:rPr>
+              <a:t>の個所ではバーチャル運転手は右を目指して走行する。</a:t>
             </a:r>
             <a:endParaRPr lang="en-US" altLang="ja-JP" sz="1200" dirty="0">
               <a:latin typeface="UD デジタル 教科書体 NP" panose="02020400000000000000" pitchFamily="18" charset="-128"/>
@@ -8026,7 +8288,26 @@
                 <a:latin typeface="UD デジタル 教科書体 NP" panose="02020400000000000000" pitchFamily="18" charset="-128"/>
                 <a:ea typeface="UD デジタル 教科書体 NP" panose="02020400000000000000" pitchFamily="18" charset="-128"/>
               </a:rPr>
-              <a:t>手は知っている。</a:t>
+              <a:t>ただし、ライン上を走行する特性により、結果として</a:t>
+            </a:r>
+            <a:r>
+              <a:rPr lang="ja-JP" altLang="en-US" sz="1200" dirty="0">
+                <a:solidFill>
+                  <a:schemeClr val="accent4">
+                    <a:lumMod val="75000"/>
+                  </a:schemeClr>
+                </a:solidFill>
+                <a:latin typeface="UD デジタル 教科書体 NP" panose="02020400000000000000" pitchFamily="18" charset="-128"/>
+                <a:ea typeface="UD デジタル 教科書体 NP" panose="02020400000000000000" pitchFamily="18" charset="-128"/>
+              </a:rPr>
+              <a:t>黄色矢印</a:t>
+            </a:r>
+            <a:r>
+              <a:rPr lang="ja-JP" altLang="en-US" sz="1200" dirty="0">
+                <a:latin typeface="UD デジタル 教科書体 NP" panose="02020400000000000000" pitchFamily="18" charset="-128"/>
+                <a:ea typeface="UD デジタル 教科書体 NP" panose="02020400000000000000" pitchFamily="18" charset="-128"/>
+              </a:rPr>
+              <a:t>の示すように、より右にあるライン上を</a:t>
             </a:r>
             <a:endParaRPr lang="en-US" altLang="ja-JP" sz="1200" dirty="0">
               <a:latin typeface="UD デジタル 教科書体 NP" panose="02020400000000000000" pitchFamily="18" charset="-128"/>
@@ -8047,144 +8328,7 @@
                 <a:latin typeface="UD デジタル 教科書体 NP" panose="02020400000000000000" pitchFamily="18" charset="-128"/>
                 <a:ea typeface="UD デジタル 教科書体 NP" panose="02020400000000000000" pitchFamily="18" charset="-128"/>
               </a:rPr>
-              <a:t>そのため、黒ライン検知後の</a:t>
-            </a:r>
-            <a:r>
-              <a:rPr lang="ja-JP" altLang="en-US" sz="1200" dirty="0">
-                <a:solidFill>
-                  <a:schemeClr val="accent4">
-                    <a:lumMod val="75000"/>
-                  </a:schemeClr>
-                </a:solidFill>
-                <a:latin typeface="UD デジタル 教科書体 NP" panose="02020400000000000000" pitchFamily="18" charset="-128"/>
-                <a:ea typeface="UD デジタル 教科書体 NP" panose="02020400000000000000" pitchFamily="18" charset="-128"/>
-              </a:rPr>
-              <a:t>黄色矢印</a:t>
-            </a:r>
-            <a:r>
-              <a:rPr lang="en-US" altLang="ja-JP" sz="1200" dirty="0">
-                <a:solidFill>
-                  <a:schemeClr val="accent4">
-                    <a:lumMod val="75000"/>
-                  </a:schemeClr>
-                </a:solidFill>
-                <a:latin typeface="UD デジタル 教科書体 NP" panose="02020400000000000000" pitchFamily="18" charset="-128"/>
-                <a:ea typeface="UD デジタル 教科書体 NP" panose="02020400000000000000" pitchFamily="18" charset="-128"/>
-              </a:rPr>
-              <a:t>(</a:t>
-            </a:r>
-            <a:r>
-              <a:rPr lang="ja-JP" altLang="en-US" sz="1200" dirty="0">
-                <a:solidFill>
-                  <a:schemeClr val="accent4">
-                    <a:lumMod val="75000"/>
-                  </a:schemeClr>
-                </a:solidFill>
-                <a:latin typeface="UD デジタル 教科書体 NP" panose="02020400000000000000" pitchFamily="18" charset="-128"/>
-                <a:ea typeface="UD デジタル 教科書体 NP" panose="02020400000000000000" pitchFamily="18" charset="-128"/>
-              </a:rPr>
-              <a:t>③</a:t>
-            </a:r>
-            <a:r>
-              <a:rPr lang="en-US" altLang="ja-JP" sz="1200" dirty="0">
-                <a:solidFill>
-                  <a:schemeClr val="accent4">
-                    <a:lumMod val="75000"/>
-                  </a:schemeClr>
-                </a:solidFill>
-                <a:latin typeface="UD デジタル 教科書体 NP" panose="02020400000000000000" pitchFamily="18" charset="-128"/>
-                <a:ea typeface="UD デジタル 教科書体 NP" panose="02020400000000000000" pitchFamily="18" charset="-128"/>
-              </a:rPr>
-              <a:t>)</a:t>
-            </a:r>
-            <a:r>
-              <a:rPr lang="ja-JP" altLang="en-US" sz="1200" dirty="0">
-                <a:latin typeface="UD デジタル 教科書体 NP" panose="02020400000000000000" pitchFamily="18" charset="-128"/>
-                <a:ea typeface="UD デジタル 教科書体 NP" panose="02020400000000000000" pitchFamily="18" charset="-128"/>
-              </a:rPr>
-              <a:t>の個所ではバーチャル運転手</a:t>
-            </a:r>
-            <a:endParaRPr lang="en-US" altLang="ja-JP" sz="1200" dirty="0">
-              <a:latin typeface="UD デジタル 教科書体 NP" panose="02020400000000000000" pitchFamily="18" charset="-128"/>
-              <a:ea typeface="UD デジタル 教科書体 NP" panose="02020400000000000000" pitchFamily="18" charset="-128"/>
-            </a:endParaRPr>
-          </a:p>
-          <a:p>
-            <a:pPr eaLnBrk="1" hangingPunct="1">
-              <a:lnSpc>
-                <a:spcPct val="80000"/>
-              </a:lnSpc>
-              <a:spcBef>
-                <a:spcPct val="20000"/>
-              </a:spcBef>
-            </a:pPr>
-            <a:r>
-              <a:rPr lang="ja-JP" altLang="en-US" sz="1200" dirty="0">
-                <a:latin typeface="UD デジタル 教科書体 NP" panose="02020400000000000000" pitchFamily="18" charset="-128"/>
-                <a:ea typeface="UD デジタル 教科書体 NP" panose="02020400000000000000" pitchFamily="18" charset="-128"/>
-              </a:rPr>
-              <a:t>は可能な限り右を目指して走行する。</a:t>
-            </a:r>
-            <a:endParaRPr lang="en-US" altLang="ja-JP" sz="1200" dirty="0">
-              <a:latin typeface="UD デジタル 教科書体 NP" panose="02020400000000000000" pitchFamily="18" charset="-128"/>
-              <a:ea typeface="UD デジタル 教科書体 NP" panose="02020400000000000000" pitchFamily="18" charset="-128"/>
-            </a:endParaRPr>
-          </a:p>
-          <a:p>
-            <a:pPr eaLnBrk="1" hangingPunct="1">
-              <a:lnSpc>
-                <a:spcPct val="80000"/>
-              </a:lnSpc>
-              <a:spcBef>
-                <a:spcPct val="20000"/>
-              </a:spcBef>
-            </a:pPr>
-            <a:r>
-              <a:rPr lang="ja-JP" altLang="en-US" sz="1200" dirty="0">
-                <a:latin typeface="UD デジタル 教科書体 NP" panose="02020400000000000000" pitchFamily="18" charset="-128"/>
-                <a:ea typeface="UD デジタル 教科書体 NP" panose="02020400000000000000" pitchFamily="18" charset="-128"/>
-              </a:rPr>
-              <a:t>ただし、ライン上を走行する特性により、結果として</a:t>
-            </a:r>
-            <a:r>
-              <a:rPr lang="ja-JP" altLang="en-US" sz="1200" dirty="0">
-                <a:solidFill>
-                  <a:schemeClr val="accent4">
-                    <a:lumMod val="75000"/>
-                  </a:schemeClr>
-                </a:solidFill>
-                <a:latin typeface="UD デジタル 教科書体 NP" panose="02020400000000000000" pitchFamily="18" charset="-128"/>
-                <a:ea typeface="UD デジタル 教科書体 NP" panose="02020400000000000000" pitchFamily="18" charset="-128"/>
-              </a:rPr>
-              <a:t>黄色矢印</a:t>
-            </a:r>
-            <a:r>
-              <a:rPr lang="ja-JP" altLang="en-US" sz="1200" dirty="0">
-                <a:latin typeface="UD デジタル 教科書体 NP" panose="02020400000000000000" pitchFamily="18" charset="-128"/>
-                <a:ea typeface="UD デジタル 教科書体 NP" panose="02020400000000000000" pitchFamily="18" charset="-128"/>
-              </a:rPr>
-              <a:t>の示す</a:t>
-            </a:r>
-            <a:endParaRPr lang="en-US" altLang="ja-JP" sz="1200" dirty="0">
-              <a:latin typeface="UD デジタル 教科書体 NP" panose="02020400000000000000" pitchFamily="18" charset="-128"/>
-              <a:ea typeface="UD デジタル 教科書体 NP" panose="02020400000000000000" pitchFamily="18" charset="-128"/>
-            </a:endParaRPr>
-          </a:p>
-          <a:p>
-            <a:pPr eaLnBrk="1" hangingPunct="1">
-              <a:lnSpc>
-                <a:spcPct val="80000"/>
-              </a:lnSpc>
-              <a:spcBef>
-                <a:spcPct val="20000"/>
-              </a:spcBef>
-            </a:pPr>
-            <a:r>
-              <a:rPr lang="ja-JP" altLang="en-US" sz="1200" dirty="0">
-                <a:latin typeface="UD デジタル 教科書体 NP" panose="02020400000000000000" pitchFamily="18" charset="-128"/>
-                <a:ea typeface="UD デジタル 教科書体 NP" panose="02020400000000000000" pitchFamily="18" charset="-128"/>
-              </a:rPr>
-              <a:t>ように、より右にあるライン上をトレースしながら走行する。</a:t>
+              <a:t>トレースしながら走行する。</a:t>
             </a:r>
             <a:endParaRPr lang="en-US" altLang="ja-JP" sz="1200" dirty="0">
               <a:latin typeface="UD デジタル 教科書体 NP" panose="02020400000000000000" pitchFamily="18" charset="-128"/>
@@ -9012,8 +9156,8 @@
         </p:nvSpPr>
         <p:spPr bwMode="auto">
           <a:xfrm>
-            <a:off x="152494" y="4436292"/>
-            <a:ext cx="9749815" cy="6134434"/>
+            <a:off x="152494" y="3879166"/>
+            <a:ext cx="9984841" cy="6691559"/>
           </a:xfrm>
           <a:prstGeom prst="rect">
             <a:avLst/>
@@ -9346,36 +9490,6 @@
           </a:p>
         </p:txBody>
       </p:sp>
-      <p:pic>
-        <p:nvPicPr>
-          <p:cNvPr id="8" name="図 7">
-            <a:extLst>
-              <a:ext uri="{FF2B5EF4-FFF2-40B4-BE49-F238E27FC236}">
-                <a16:creationId xmlns:a16="http://schemas.microsoft.com/office/drawing/2014/main" id="{AF7C4DBA-4570-F1B2-2DE4-F63578803E23}"/>
-              </a:ext>
-            </a:extLst>
-          </p:cNvPr>
-          <p:cNvPicPr>
-            <a:picLocks noChangeAspect="1"/>
-          </p:cNvPicPr>
-          <p:nvPr/>
-        </p:nvPicPr>
-        <p:blipFill>
-          <a:blip r:embed="rId9"/>
-          <a:stretch>
-            <a:fillRect/>
-          </a:stretch>
-        </p:blipFill>
-        <p:spPr>
-          <a:xfrm>
-            <a:off x="5588739" y="1817514"/>
-            <a:ext cx="2186960" cy="2427927"/>
-          </a:xfrm>
-          <a:prstGeom prst="rect">
-            <a:avLst/>
-          </a:prstGeom>
-        </p:spPr>
-      </p:pic>
       <p:sp>
         <p:nvSpPr>
           <p:cNvPr id="13" name="テキスト ボックス 12">
@@ -9390,7 +9504,7 @@
         </p:nvSpPr>
         <p:spPr>
           <a:xfrm>
-            <a:off x="6065665" y="4152318"/>
+            <a:off x="7873249" y="3549045"/>
             <a:ext cx="1567138" cy="284693"/>
           </a:xfrm>
           <a:prstGeom prst="rect">
@@ -9569,15 +9683,15 @@
           <p:nvPr/>
         </p:nvPicPr>
         <p:blipFill>
-          <a:blip r:embed="rId10"/>
+          <a:blip r:embed="rId9"/>
           <a:stretch>
             <a:fillRect/>
           </a:stretch>
         </p:blipFill>
         <p:spPr>
           <a:xfrm>
-            <a:off x="336529" y="5417913"/>
-            <a:ext cx="6647082" cy="4964503"/>
+            <a:off x="214859" y="5129882"/>
+            <a:ext cx="6936320" cy="5180526"/>
           </a:xfrm>
           <a:prstGeom prst="rect">
             <a:avLst/>
@@ -9599,6 +9713,162 @@
           <p:nvPr/>
         </p:nvPicPr>
         <p:blipFill>
+          <a:blip r:embed="rId10"/>
+          <a:stretch>
+            <a:fillRect/>
+          </a:stretch>
+        </p:blipFill>
+        <p:spPr>
+          <a:xfrm>
+            <a:off x="7134930" y="3999025"/>
+            <a:ext cx="2974019" cy="6243425"/>
+          </a:xfrm>
+          <a:prstGeom prst="rect">
+            <a:avLst/>
+          </a:prstGeom>
+        </p:spPr>
+      </p:pic>
+      <p:sp>
+        <p:nvSpPr>
+          <p:cNvPr id="2" name="テキスト ボックス 1">
+            <a:extLst>
+              <a:ext uri="{FF2B5EF4-FFF2-40B4-BE49-F238E27FC236}">
+                <a16:creationId xmlns:a16="http://schemas.microsoft.com/office/drawing/2014/main" id="{A8FA6A99-C93F-547E-0012-3D76AD0FCF04}"/>
+              </a:ext>
+            </a:extLst>
+          </p:cNvPr>
+          <p:cNvSpPr txBox="1"/>
+          <p:nvPr/>
+        </p:nvSpPr>
+        <p:spPr>
+          <a:xfrm>
+            <a:off x="10424356" y="3898504"/>
+            <a:ext cx="1440160" cy="284693"/>
+          </a:xfrm>
+          <a:prstGeom prst="rect">
+            <a:avLst/>
+          </a:prstGeom>
+          <a:noFill/>
+        </p:spPr>
+        <p:txBody>
+          <a:bodyPr wrap="square" rtlCol="0">
+            <a:spAutoFit/>
+          </a:bodyPr>
+          <a:lstStyle/>
+          <a:p>
+            <a:r>
+              <a:rPr kumimoji="1" lang="ja-JP" altLang="en-US" sz="1250" dirty="0">
+                <a:latin typeface="BIZ UDPゴシック" panose="020B0400000000000000" pitchFamily="50" charset="-128"/>
+                <a:ea typeface="BIZ UDPゴシック" panose="020B0400000000000000" pitchFamily="50" charset="-128"/>
+              </a:rPr>
+              <a:t>表</a:t>
+            </a:r>
+            <a:r>
+              <a:rPr kumimoji="1" lang="en-US" altLang="ja-JP" sz="1250" dirty="0">
+                <a:latin typeface="BIZ UDPゴシック" panose="020B0400000000000000" pitchFamily="50" charset="-128"/>
+                <a:ea typeface="BIZ UDPゴシック" panose="020B0400000000000000" pitchFamily="50" charset="-128"/>
+              </a:rPr>
+              <a:t>1.2</a:t>
+            </a:r>
+            <a:r>
+              <a:rPr lang="en-US" altLang="ja-JP" sz="1250" dirty="0">
+                <a:latin typeface="BIZ UDPゴシック" panose="020B0400000000000000" pitchFamily="50" charset="-128"/>
+                <a:ea typeface="BIZ UDPゴシック" panose="020B0400000000000000" pitchFamily="50" charset="-128"/>
+              </a:rPr>
+              <a:t> </a:t>
+            </a:r>
+            <a:r>
+              <a:rPr lang="ja-JP" altLang="en-US" sz="1250" dirty="0">
+                <a:latin typeface="BIZ UDPゴシック" panose="020B0400000000000000" pitchFamily="50" charset="-128"/>
+                <a:ea typeface="BIZ UDPゴシック" panose="020B0400000000000000" pitchFamily="50" charset="-128"/>
+              </a:rPr>
+              <a:t>マップ情報</a:t>
+            </a:r>
+            <a:endParaRPr kumimoji="1" lang="ja-JP" altLang="en-US" sz="1200" dirty="0">
+              <a:latin typeface="BIZ UDPゴシック" panose="020B0400000000000000" pitchFamily="50" charset="-128"/>
+              <a:ea typeface="BIZ UDPゴシック" panose="020B0400000000000000" pitchFamily="50" charset="-128"/>
+            </a:endParaRPr>
+          </a:p>
+        </p:txBody>
+      </p:sp>
+      <p:sp>
+        <p:nvSpPr>
+          <p:cNvPr id="11" name="テキスト ボックス 10">
+            <a:extLst>
+              <a:ext uri="{FF2B5EF4-FFF2-40B4-BE49-F238E27FC236}">
+                <a16:creationId xmlns:a16="http://schemas.microsoft.com/office/drawing/2014/main" id="{F7B01B03-53CD-A496-4E43-FB716BD97E2A}"/>
+              </a:ext>
+            </a:extLst>
+          </p:cNvPr>
+          <p:cNvSpPr txBox="1"/>
+          <p:nvPr/>
+        </p:nvSpPr>
+        <p:spPr>
+          <a:xfrm>
+            <a:off x="13098351" y="3949323"/>
+            <a:ext cx="1440160" cy="284693"/>
+          </a:xfrm>
+          <a:prstGeom prst="rect">
+            <a:avLst/>
+          </a:prstGeom>
+          <a:noFill/>
+        </p:spPr>
+        <p:txBody>
+          <a:bodyPr wrap="square" rtlCol="0">
+            <a:spAutoFit/>
+          </a:bodyPr>
+          <a:lstStyle/>
+          <a:p>
+            <a:r>
+              <a:rPr lang="ja-JP" altLang="en-US" sz="1250" dirty="0">
+                <a:latin typeface="BIZ UDPゴシック" panose="020B0400000000000000" pitchFamily="50" charset="-128"/>
+                <a:ea typeface="BIZ UDPゴシック" panose="020B0400000000000000" pitchFamily="50" charset="-128"/>
+              </a:rPr>
+              <a:t>図</a:t>
+            </a:r>
+            <a:r>
+              <a:rPr kumimoji="1" lang="en-US" altLang="ja-JP" sz="1250" dirty="0">
+                <a:latin typeface="BIZ UDPゴシック" panose="020B0400000000000000" pitchFamily="50" charset="-128"/>
+                <a:ea typeface="BIZ UDPゴシック" panose="020B0400000000000000" pitchFamily="50" charset="-128"/>
+              </a:rPr>
+              <a:t>1.3</a:t>
+            </a:r>
+            <a:r>
+              <a:rPr lang="en-US" altLang="ja-JP" sz="1250" dirty="0">
+                <a:latin typeface="BIZ UDPゴシック" panose="020B0400000000000000" pitchFamily="50" charset="-128"/>
+                <a:ea typeface="BIZ UDPゴシック" panose="020B0400000000000000" pitchFamily="50" charset="-128"/>
+              </a:rPr>
+              <a:t> </a:t>
+            </a:r>
+            <a:r>
+              <a:rPr lang="ja-JP" altLang="en-US" sz="1250" dirty="0">
+                <a:latin typeface="BIZ UDPゴシック" panose="020B0400000000000000" pitchFamily="50" charset="-128"/>
+                <a:ea typeface="BIZ UDPゴシック" panose="020B0400000000000000" pitchFamily="50" charset="-128"/>
+              </a:rPr>
+              <a:t>マップ情報</a:t>
+            </a:r>
+            <a:endParaRPr kumimoji="1" lang="ja-JP" altLang="en-US" sz="1200" dirty="0">
+              <a:latin typeface="BIZ UDPゴシック" panose="020B0400000000000000" pitchFamily="50" charset="-128"/>
+              <a:ea typeface="BIZ UDPゴシック" panose="020B0400000000000000" pitchFamily="50" charset="-128"/>
+            </a:endParaRPr>
+          </a:p>
+        </p:txBody>
+      </p:sp>
+      <p:pic>
+        <p:nvPicPr>
+          <p:cNvPr id="17" name="図 16">
+            <a:extLst>
+              <a:ext uri="{FF2B5EF4-FFF2-40B4-BE49-F238E27FC236}">
+                <a16:creationId xmlns:a16="http://schemas.microsoft.com/office/drawing/2014/main" id="{60E5B568-9964-A4D6-FACE-BEBF602648C8}"/>
+              </a:ext>
+            </a:extLst>
+          </p:cNvPr>
+          <p:cNvPicPr>
+            <a:picLocks noChangeAspect="1"/>
+          </p:cNvPicPr>
+          <p:nvPr/>
+        </p:nvPicPr>
+        <p:blipFill>
           <a:blip r:embed="rId11"/>
           <a:stretch>
             <a:fillRect/>
@@ -9606,8 +9876,161 @@
         </p:blipFill>
         <p:spPr>
           <a:xfrm>
-            <a:off x="6965346" y="4513205"/>
-            <a:ext cx="2904262" cy="5869211"/>
+            <a:off x="10079955" y="2575625"/>
+            <a:ext cx="1843502" cy="1303541"/>
+          </a:xfrm>
+          <a:prstGeom prst="rect">
+            <a:avLst/>
+          </a:prstGeom>
+        </p:spPr>
+      </p:pic>
+      <p:sp>
+        <p:nvSpPr>
+          <p:cNvPr id="38" name="テキスト ボックス 37">
+            <a:extLst>
+              <a:ext uri="{FF2B5EF4-FFF2-40B4-BE49-F238E27FC236}">
+                <a16:creationId xmlns:a16="http://schemas.microsoft.com/office/drawing/2014/main" id="{CEA6922C-B158-5BCB-3136-8CE64D9DD0DB}"/>
+              </a:ext>
+            </a:extLst>
+          </p:cNvPr>
+          <p:cNvSpPr txBox="1"/>
+          <p:nvPr/>
+        </p:nvSpPr>
+        <p:spPr>
+          <a:xfrm>
+            <a:off x="11708231" y="10170442"/>
+            <a:ext cx="2088232" cy="284693"/>
+          </a:xfrm>
+          <a:prstGeom prst="rect">
+            <a:avLst/>
+          </a:prstGeom>
+          <a:noFill/>
+        </p:spPr>
+        <p:txBody>
+          <a:bodyPr wrap="square" rtlCol="0">
+            <a:spAutoFit/>
+          </a:bodyPr>
+          <a:lstStyle/>
+          <a:p>
+            <a:r>
+              <a:rPr lang="ja-JP" altLang="en-US" sz="1250" dirty="0">
+                <a:latin typeface="BIZ UDPゴシック" panose="020B0400000000000000" pitchFamily="50" charset="-128"/>
+                <a:ea typeface="BIZ UDPゴシック" panose="020B0400000000000000" pitchFamily="50" charset="-128"/>
+              </a:rPr>
+              <a:t>図</a:t>
+            </a:r>
+            <a:r>
+              <a:rPr kumimoji="1" lang="en-US" altLang="ja-JP" sz="1250" dirty="0">
+                <a:latin typeface="BIZ UDPゴシック" panose="020B0400000000000000" pitchFamily="50" charset="-128"/>
+                <a:ea typeface="BIZ UDPゴシック" panose="020B0400000000000000" pitchFamily="50" charset="-128"/>
+              </a:rPr>
+              <a:t>1.4</a:t>
+            </a:r>
+            <a:r>
+              <a:rPr lang="en-US" altLang="ja-JP" sz="1250" dirty="0">
+                <a:latin typeface="BIZ UDPゴシック" panose="020B0400000000000000" pitchFamily="50" charset="-128"/>
+                <a:ea typeface="BIZ UDPゴシック" panose="020B0400000000000000" pitchFamily="50" charset="-128"/>
+              </a:rPr>
+              <a:t> </a:t>
+            </a:r>
+            <a:r>
+              <a:rPr lang="ja-JP" altLang="en-US" sz="1250" dirty="0">
+                <a:latin typeface="BIZ UDPゴシック" panose="020B0400000000000000" pitchFamily="50" charset="-128"/>
+                <a:ea typeface="BIZ UDPゴシック" panose="020B0400000000000000" pitchFamily="50" charset="-128"/>
+              </a:rPr>
+              <a:t>アクティビティ図</a:t>
+            </a:r>
+            <a:endParaRPr kumimoji="1" lang="ja-JP" altLang="en-US" sz="1200" dirty="0">
+              <a:latin typeface="BIZ UDPゴシック" panose="020B0400000000000000" pitchFamily="50" charset="-128"/>
+              <a:ea typeface="BIZ UDPゴシック" panose="020B0400000000000000" pitchFamily="50" charset="-128"/>
+            </a:endParaRPr>
+          </a:p>
+        </p:txBody>
+      </p:sp>
+      <p:pic>
+        <p:nvPicPr>
+          <p:cNvPr id="43" name="図 42">
+            <a:extLst>
+              <a:ext uri="{FF2B5EF4-FFF2-40B4-BE49-F238E27FC236}">
+                <a16:creationId xmlns:a16="http://schemas.microsoft.com/office/drawing/2014/main" id="{36AD90E0-84F5-7312-6E5A-A0B82E18F1FA}"/>
+              </a:ext>
+            </a:extLst>
+          </p:cNvPr>
+          <p:cNvPicPr>
+            <a:picLocks noChangeAspect="1"/>
+          </p:cNvPicPr>
+          <p:nvPr/>
+        </p:nvPicPr>
+        <p:blipFill>
+          <a:blip r:embed="rId12"/>
+          <a:stretch>
+            <a:fillRect/>
+          </a:stretch>
+        </p:blipFill>
+        <p:spPr>
+          <a:xfrm>
+            <a:off x="7545845" y="1891488"/>
+            <a:ext cx="1958754" cy="1726226"/>
+          </a:xfrm>
+          <a:prstGeom prst="rect">
+            <a:avLst/>
+          </a:prstGeom>
+        </p:spPr>
+      </p:pic>
+      <p:pic>
+        <p:nvPicPr>
+          <p:cNvPr id="45" name="図 44">
+            <a:extLst>
+              <a:ext uri="{FF2B5EF4-FFF2-40B4-BE49-F238E27FC236}">
+                <a16:creationId xmlns:a16="http://schemas.microsoft.com/office/drawing/2014/main" id="{EFE39441-B42A-5934-41C7-690E69570CFD}"/>
+              </a:ext>
+            </a:extLst>
+          </p:cNvPr>
+          <p:cNvPicPr>
+            <a:picLocks noChangeAspect="1"/>
+          </p:cNvPicPr>
+          <p:nvPr/>
+        </p:nvPicPr>
+        <p:blipFill>
+          <a:blip r:embed="rId13"/>
+          <a:stretch>
+            <a:fillRect/>
+          </a:stretch>
+        </p:blipFill>
+        <p:spPr>
+          <a:xfrm>
+            <a:off x="12024171" y="1313841"/>
+            <a:ext cx="3000634" cy="2584663"/>
+          </a:xfrm>
+          <a:prstGeom prst="rect">
+            <a:avLst/>
+          </a:prstGeom>
+        </p:spPr>
+      </p:pic>
+      <p:pic>
+        <p:nvPicPr>
+          <p:cNvPr id="47" name="図 46">
+            <a:extLst>
+              <a:ext uri="{FF2B5EF4-FFF2-40B4-BE49-F238E27FC236}">
+                <a16:creationId xmlns:a16="http://schemas.microsoft.com/office/drawing/2014/main" id="{398EE5D9-1D87-9A75-6D05-D91F5D41AFB2}"/>
+              </a:ext>
+            </a:extLst>
+          </p:cNvPr>
+          <p:cNvPicPr>
+            <a:picLocks noChangeAspect="1"/>
+          </p:cNvPicPr>
+          <p:nvPr/>
+        </p:nvPicPr>
+        <p:blipFill>
+          <a:blip r:embed="rId14"/>
+          <a:stretch>
+            <a:fillRect/>
+          </a:stretch>
+        </p:blipFill>
+        <p:spPr>
+          <a:xfrm>
+            <a:off x="10186688" y="4441696"/>
+            <a:ext cx="4795046" cy="5759175"/>
           </a:xfrm>
           <a:prstGeom prst="rect">
             <a:avLst/>
@@ -11203,7 +11626,7 @@
           </a:p>
           <a:p>
             <a:r>
-              <a:rPr lang="ja-JP" altLang="en-US"/>
+              <a:rPr lang="ja-JP" altLang="en-US" dirty="0"/>
               <a:t>工夫点を記載する場合でも、最大ページ数は変わらない。</a:t>
             </a:r>
             <a:endParaRPr lang="en-US" altLang="ja-JP" dirty="0"/>

--- a/model/【モデル図】てなろぼ★ぷらいまりぃ_2025.pptx
+++ b/model/【モデル図】てなろぼ★ぷらいまりぃ_2025.pptx
@@ -1314,7 +1314,7 @@
           <a:p>
             <a:fld id="{C764DE79-268F-4C1A-8933-263129D2AF90}" type="datetimeFigureOut">
               <a:rPr lang="en-US" dirty="0"/>
-              <a:t>8/11/2025</a:t>
+              <a:t>8/14/2025</a:t>
             </a:fld>
             <a:endParaRPr lang="en-US" dirty="0"/>
           </a:p>
@@ -1409,7 +1409,7 @@
           <a:p>
             <a:fld id="{C764DE79-268F-4C1A-8933-263129D2AF90}" type="datetimeFigureOut">
               <a:rPr lang="en-US" dirty="0"/>
-              <a:t>8/11/2025</a:t>
+              <a:t>8/14/2025</a:t>
             </a:fld>
             <a:endParaRPr lang="en-US" dirty="0"/>
           </a:p>
@@ -1718,7 +1718,7 @@
           <a:p>
             <a:fld id="{C764DE79-268F-4C1A-8933-263129D2AF90}" type="datetimeFigureOut">
               <a:rPr lang="en-US" dirty="0"/>
-              <a:t>8/11/2025</a:t>
+              <a:t>8/14/2025</a:t>
             </a:fld>
             <a:endParaRPr lang="en-US" dirty="0"/>
           </a:p>
@@ -1975,7 +1975,7 @@
           <a:p>
             <a:fld id="{C764DE79-268F-4C1A-8933-263129D2AF90}" type="datetimeFigureOut">
               <a:rPr lang="en-US" dirty="0"/>
-              <a:t>8/11/2025</a:t>
+              <a:t>8/14/2025</a:t>
             </a:fld>
             <a:endParaRPr lang="en-US" dirty="0"/>
           </a:p>
@@ -2177,7 +2177,7 @@
           <a:p>
             <a:fld id="{C764DE79-268F-4C1A-8933-263129D2AF90}" type="datetimeFigureOut">
               <a:rPr lang="en-US" dirty="0"/>
-              <a:t>8/11/2025</a:t>
+              <a:t>8/14/2025</a:t>
             </a:fld>
             <a:endParaRPr lang="en-US" dirty="0"/>
           </a:p>
@@ -2389,7 +2389,7 @@
           <a:p>
             <a:fld id="{C764DE79-268F-4C1A-8933-263129D2AF90}" type="datetimeFigureOut">
               <a:rPr lang="en-US" dirty="0"/>
-              <a:t>8/11/2025</a:t>
+              <a:t>8/14/2025</a:t>
             </a:fld>
             <a:endParaRPr lang="en-US" dirty="0"/>
           </a:p>
@@ -2816,7 +2816,7 @@
           <a:p>
             <a:fld id="{C764DE79-268F-4C1A-8933-263129D2AF90}" type="datetimeFigureOut">
               <a:rPr lang="en-US" dirty="0"/>
-              <a:t>8/11/2025</a:t>
+              <a:t>8/14/2025</a:t>
             </a:fld>
             <a:endParaRPr lang="en-US" dirty="0"/>
           </a:p>
@@ -3018,7 +3018,7 @@
           <a:p>
             <a:fld id="{C764DE79-268F-4C1A-8933-263129D2AF90}" type="datetimeFigureOut">
               <a:rPr lang="en-US" dirty="0"/>
-              <a:t>8/11/2025</a:t>
+              <a:t>8/14/2025</a:t>
             </a:fld>
             <a:endParaRPr lang="en-US" dirty="0"/>
           </a:p>
@@ -3262,7 +3262,7 @@
           <a:p>
             <a:fld id="{C764DE79-268F-4C1A-8933-263129D2AF90}" type="datetimeFigureOut">
               <a:rPr lang="en-US" dirty="0"/>
-              <a:t>8/11/2025</a:t>
+              <a:t>8/14/2025</a:t>
             </a:fld>
             <a:endParaRPr lang="en-US" dirty="0"/>
           </a:p>
@@ -3558,7 +3558,7 @@
           <a:p>
             <a:fld id="{C764DE79-268F-4C1A-8933-263129D2AF90}" type="datetimeFigureOut">
               <a:rPr lang="en-US" dirty="0"/>
-              <a:t>8/11/2025</a:t>
+              <a:t>8/14/2025</a:t>
             </a:fld>
             <a:endParaRPr lang="en-US" dirty="0"/>
           </a:p>
@@ -3989,7 +3989,7 @@
           <a:p>
             <a:fld id="{C764DE79-268F-4C1A-8933-263129D2AF90}" type="datetimeFigureOut">
               <a:rPr lang="en-US" dirty="0"/>
-              <a:t>8/11/2025</a:t>
+              <a:t>8/14/2025</a:t>
             </a:fld>
             <a:endParaRPr lang="en-US" dirty="0"/>
           </a:p>
@@ -5012,7 +5012,7 @@
           <a:p>
             <a:fld id="{C764DE79-268F-4C1A-8933-263129D2AF90}" type="datetimeFigureOut">
               <a:rPr lang="en-US" dirty="0"/>
-              <a:t>8/11/2025</a:t>
+              <a:t>8/14/2025</a:t>
             </a:fld>
             <a:endParaRPr lang="en-US" dirty="0"/>
           </a:p>
@@ -7957,7 +7957,7 @@
                 <a:latin typeface="UD デジタル 教科書体 NP" panose="02020400000000000000" pitchFamily="18" charset="-128"/>
                 <a:ea typeface="UD デジタル 教科書体 NP" panose="02020400000000000000" pitchFamily="18" charset="-128"/>
               </a:rPr>
-              <a:t>そのため、バーチャル運転手に青ライン検知後の分岐方向を順を追って教えておくことで、分岐を誤らずにダブルループを走行する</a:t>
+              <a:t>そのため、バーチャル運転手に青ライン検知後の分岐方向を順を追って教えておくことで、与えられた分岐のとおりダブルループを</a:t>
             </a:r>
             <a:endParaRPr lang="en-US" altLang="ja-JP" sz="1200" dirty="0">
               <a:latin typeface="UD デジタル 教科書体 NP" panose="02020400000000000000" pitchFamily="18" charset="-128"/>
@@ -7978,7 +7978,7 @@
                 <a:latin typeface="UD デジタル 教科書体 NP" panose="02020400000000000000" pitchFamily="18" charset="-128"/>
                 <a:ea typeface="UD デジタル 教科書体 NP" panose="02020400000000000000" pitchFamily="18" charset="-128"/>
               </a:rPr>
-              <a:t>ことが期待できる。</a:t>
+              <a:t>走行することが期待できる。</a:t>
             </a:r>
             <a:endParaRPr lang="en-US" altLang="ja-JP" sz="1200" dirty="0">
               <a:latin typeface="UD デジタル 教科書体 NP" panose="02020400000000000000" pitchFamily="18" charset="-128"/>
@@ -9670,10 +9670,10 @@
       </p:sp>
       <p:pic>
         <p:nvPicPr>
-          <p:cNvPr id="12" name="図 11">
+          <p:cNvPr id="3" name="図 2">
             <a:extLst>
               <a:ext uri="{FF2B5EF4-FFF2-40B4-BE49-F238E27FC236}">
-                <a16:creationId xmlns:a16="http://schemas.microsoft.com/office/drawing/2014/main" id="{94918EC5-28EF-5E3A-7C2A-2548814766FE}"/>
+                <a16:creationId xmlns:a16="http://schemas.microsoft.com/office/drawing/2014/main" id="{60BD8208-AE95-B076-782F-062A4EE23DFE}"/>
               </a:ext>
             </a:extLst>
           </p:cNvPr>
@@ -9690,38 +9690,8 @@
         </p:blipFill>
         <p:spPr>
           <a:xfrm>
-            <a:off x="214859" y="5129882"/>
-            <a:ext cx="6936320" cy="5180526"/>
-          </a:xfrm>
-          <a:prstGeom prst="rect">
-            <a:avLst/>
-          </a:prstGeom>
-        </p:spPr>
-      </p:pic>
-      <p:pic>
-        <p:nvPicPr>
-          <p:cNvPr id="3" name="図 2">
-            <a:extLst>
-              <a:ext uri="{FF2B5EF4-FFF2-40B4-BE49-F238E27FC236}">
-                <a16:creationId xmlns:a16="http://schemas.microsoft.com/office/drawing/2014/main" id="{60BD8208-AE95-B076-782F-062A4EE23DFE}"/>
-              </a:ext>
-            </a:extLst>
-          </p:cNvPr>
-          <p:cNvPicPr>
-            <a:picLocks noChangeAspect="1"/>
-          </p:cNvPicPr>
-          <p:nvPr/>
-        </p:nvPicPr>
-        <p:blipFill>
-          <a:blip r:embed="rId10"/>
-          <a:stretch>
-            <a:fillRect/>
-          </a:stretch>
-        </p:blipFill>
-        <p:spPr>
-          <a:xfrm>
-            <a:off x="7134930" y="3999025"/>
-            <a:ext cx="2974019" cy="6243425"/>
+            <a:off x="7134930" y="3898505"/>
+            <a:ext cx="2974019" cy="6387528"/>
           </a:xfrm>
           <a:prstGeom prst="rect">
             <a:avLst/>
@@ -9869,7 +9839,7 @@
           <p:nvPr/>
         </p:nvPicPr>
         <p:blipFill>
-          <a:blip r:embed="rId11"/>
+          <a:blip r:embed="rId10"/>
           <a:stretch>
             <a:fillRect/>
           </a:stretch>
@@ -9898,7 +9868,7 @@
         </p:nvSpPr>
         <p:spPr>
           <a:xfrm>
-            <a:off x="11708231" y="10170442"/>
+            <a:off x="11732922" y="10230466"/>
             <a:ext cx="2088232" cy="284693"/>
           </a:xfrm>
           <a:prstGeom prst="rect">
@@ -9962,7 +9932,7 @@
           <p:nvPr/>
         </p:nvPicPr>
         <p:blipFill>
-          <a:blip r:embed="rId12"/>
+          <a:blip r:embed="rId11"/>
           <a:stretch>
             <a:fillRect/>
           </a:stretch>
@@ -9992,7 +9962,7 @@
           <p:nvPr/>
         </p:nvPicPr>
         <p:blipFill>
-          <a:blip r:embed="rId13"/>
+          <a:blip r:embed="rId12"/>
           <a:stretch>
             <a:fillRect/>
           </a:stretch>
@@ -10022,6 +9992,36 @@
           <p:nvPr/>
         </p:nvPicPr>
         <p:blipFill>
+          <a:blip r:embed="rId13"/>
+          <a:stretch>
+            <a:fillRect/>
+          </a:stretch>
+        </p:blipFill>
+        <p:spPr>
+          <a:xfrm>
+            <a:off x="10186688" y="4273037"/>
+            <a:ext cx="4795046" cy="5957429"/>
+          </a:xfrm>
+          <a:prstGeom prst="rect">
+            <a:avLst/>
+          </a:prstGeom>
+        </p:spPr>
+      </p:pic>
+      <p:pic>
+        <p:nvPicPr>
+          <p:cNvPr id="7" name="図 6">
+            <a:extLst>
+              <a:ext uri="{FF2B5EF4-FFF2-40B4-BE49-F238E27FC236}">
+                <a16:creationId xmlns:a16="http://schemas.microsoft.com/office/drawing/2014/main" id="{20FAFC1E-847F-B77D-F7A3-25F88E630E07}"/>
+              </a:ext>
+            </a:extLst>
+          </p:cNvPr>
+          <p:cNvPicPr>
+            <a:picLocks noChangeAspect="1"/>
+          </p:cNvPicPr>
+          <p:nvPr/>
+        </p:nvPicPr>
+        <p:blipFill>
           <a:blip r:embed="rId14"/>
           <a:stretch>
             <a:fillRect/>
@@ -10029,8 +10029,8 @@
         </p:blipFill>
         <p:spPr>
           <a:xfrm>
-            <a:off x="10186688" y="4441696"/>
-            <a:ext cx="4795046" cy="5759175"/>
+            <a:off x="214859" y="4913858"/>
+            <a:ext cx="6926444" cy="5391514"/>
           </a:xfrm>
           <a:prstGeom prst="rect">
             <a:avLst/>
@@ -10083,8 +10083,8 @@
         </p:nvSpPr>
         <p:spPr bwMode="auto">
           <a:xfrm>
-            <a:off x="152497" y="652981"/>
-            <a:ext cx="4344903" cy="9937185"/>
+            <a:off x="152498" y="652982"/>
+            <a:ext cx="14854838" cy="4962805"/>
           </a:xfrm>
           <a:prstGeom prst="rect">
             <a:avLst/>
@@ -10257,12 +10257,156 @@
               </a:spcBef>
             </a:pPr>
             <a:r>
+              <a:rPr lang="ja-JP" altLang="en-US" sz="1200" dirty="0">
+                <a:latin typeface="UD デジタル 教科書体 NP" panose="02020400000000000000" pitchFamily="18" charset="-128"/>
+                <a:ea typeface="UD デジタル 教科書体 NP" panose="02020400000000000000" pitchFamily="18" charset="-128"/>
+              </a:rPr>
+              <a:t>機能モデルで使用したユースケースから役割の整理を行い、パッケージ構成に落とし込んだ。</a:t>
+            </a:r>
+            <a:endParaRPr lang="en-US" altLang="ja-JP" sz="1400" dirty="0">
+              <a:latin typeface="UD デジタル 教科書体 NP" panose="02020400000000000000" pitchFamily="18" charset="-128"/>
+              <a:ea typeface="UD デジタル 教科書体 NP" panose="02020400000000000000" pitchFamily="18" charset="-128"/>
+            </a:endParaRPr>
+          </a:p>
+          <a:p>
+            <a:pPr eaLnBrk="1" hangingPunct="1">
+              <a:lnSpc>
+                <a:spcPct val="80000"/>
+              </a:lnSpc>
+              <a:spcBef>
+                <a:spcPct val="20000"/>
+              </a:spcBef>
+            </a:pPr>
+            <a:r>
+              <a:rPr lang="ja-JP" altLang="en-US" sz="1400" dirty="0">
+                <a:latin typeface="UD デジタル 教科書体 NP" panose="02020400000000000000" pitchFamily="18" charset="-128"/>
+                <a:ea typeface="UD デジタル 教科書体 NP" panose="02020400000000000000" pitchFamily="18" charset="-128"/>
+              </a:rPr>
+              <a:t>バーチャル運転手は、目的地までの走行プランを決定する「意思決定」、走行を制御する「走行」、分岐時の進路を決定する「進路決定」の</a:t>
+            </a:r>
+            <a:r>
               <a:rPr lang="en-US" altLang="ja-JP" sz="1400" dirty="0">
                 <a:latin typeface="UD デジタル 教科書体 NP" panose="02020400000000000000" pitchFamily="18" charset="-128"/>
                 <a:ea typeface="UD デジタル 教科書体 NP" panose="02020400000000000000" pitchFamily="18" charset="-128"/>
               </a:rPr>
-              <a:t>XXXXX</a:t>
-            </a:r>
+              <a:t>3</a:t>
+            </a:r>
+            <a:r>
+              <a:rPr lang="ja-JP" altLang="en-US" sz="1400" dirty="0">
+                <a:latin typeface="UD デジタル 教科書体 NP" panose="02020400000000000000" pitchFamily="18" charset="-128"/>
+                <a:ea typeface="UD デジタル 教科書体 NP" panose="02020400000000000000" pitchFamily="18" charset="-128"/>
+              </a:rPr>
+              <a:t>つのパッケージに分割することとした。</a:t>
+            </a:r>
+            <a:endParaRPr lang="en-US" altLang="ja-JP" sz="1400" dirty="0">
+              <a:latin typeface="UD デジタル 教科書体 NP" panose="02020400000000000000" pitchFamily="18" charset="-128"/>
+              <a:ea typeface="UD デジタル 教科書体 NP" panose="02020400000000000000" pitchFamily="18" charset="-128"/>
+            </a:endParaRPr>
+          </a:p>
+          <a:p>
+            <a:pPr eaLnBrk="1" hangingPunct="1">
+              <a:lnSpc>
+                <a:spcPct val="80000"/>
+              </a:lnSpc>
+              <a:spcBef>
+                <a:spcPct val="20000"/>
+              </a:spcBef>
+            </a:pPr>
+            <a:r>
+              <a:rPr lang="ja-JP" altLang="en-US" sz="1400" dirty="0">
+                <a:latin typeface="UD デジタル 教科書体 NP" panose="02020400000000000000" pitchFamily="18" charset="-128"/>
+                <a:ea typeface="UD デジタル 教科書体 NP" panose="02020400000000000000" pitchFamily="18" charset="-128"/>
+              </a:rPr>
+              <a:t>走行システムは、モータへの出力系のインタフェースとなる「駆動」、センサからの入力系のインターフェースとなる「知覚」、センサやモータをそのものを扱う「デバイス」の</a:t>
+            </a:r>
+            <a:r>
+              <a:rPr lang="en-US" altLang="ja-JP" sz="1400" dirty="0">
+                <a:latin typeface="UD デジタル 教科書体 NP" panose="02020400000000000000" pitchFamily="18" charset="-128"/>
+                <a:ea typeface="UD デジタル 教科書体 NP" panose="02020400000000000000" pitchFamily="18" charset="-128"/>
+              </a:rPr>
+              <a:t>3</a:t>
+            </a:r>
+            <a:r>
+              <a:rPr lang="ja-JP" altLang="en-US" sz="1400" dirty="0">
+                <a:latin typeface="UD デジタル 教科書体 NP" panose="02020400000000000000" pitchFamily="18" charset="-128"/>
+                <a:ea typeface="UD デジタル 教科書体 NP" panose="02020400000000000000" pitchFamily="18" charset="-128"/>
+              </a:rPr>
+              <a:t>つ</a:t>
+            </a:r>
+            <a:endParaRPr lang="en-US" altLang="ja-JP" sz="1400" dirty="0">
+              <a:latin typeface="UD デジタル 教科書体 NP" panose="02020400000000000000" pitchFamily="18" charset="-128"/>
+              <a:ea typeface="UD デジタル 教科書体 NP" panose="02020400000000000000" pitchFamily="18" charset="-128"/>
+            </a:endParaRPr>
+          </a:p>
+          <a:p>
+            <a:pPr eaLnBrk="1" hangingPunct="1">
+              <a:lnSpc>
+                <a:spcPct val="80000"/>
+              </a:lnSpc>
+              <a:spcBef>
+                <a:spcPct val="20000"/>
+              </a:spcBef>
+            </a:pPr>
+            <a:r>
+              <a:rPr lang="ja-JP" altLang="en-US" sz="1400" dirty="0">
+                <a:latin typeface="UD デジタル 教科書体 NP" panose="02020400000000000000" pitchFamily="18" charset="-128"/>
+                <a:ea typeface="UD デジタル 教科書体 NP" panose="02020400000000000000" pitchFamily="18" charset="-128"/>
+              </a:rPr>
+              <a:t>のパッケージに分割した。</a:t>
+            </a:r>
+            <a:endParaRPr lang="en-US" altLang="ja-JP" sz="1400" dirty="0">
+              <a:latin typeface="UD デジタル 教科書体 NP" panose="02020400000000000000" pitchFamily="18" charset="-128"/>
+              <a:ea typeface="UD デジタル 教科書体 NP" panose="02020400000000000000" pitchFamily="18" charset="-128"/>
+            </a:endParaRPr>
+          </a:p>
+          <a:p>
+            <a:pPr eaLnBrk="1" hangingPunct="1">
+              <a:lnSpc>
+                <a:spcPct val="80000"/>
+              </a:lnSpc>
+              <a:spcBef>
+                <a:spcPct val="20000"/>
+              </a:spcBef>
+            </a:pPr>
+            <a:r>
+              <a:rPr lang="ja-JP" altLang="en-US" sz="1400" dirty="0">
+                <a:latin typeface="UD デジタル 教科書体 NP" panose="02020400000000000000" pitchFamily="18" charset="-128"/>
+                <a:ea typeface="UD デジタル 教科書体 NP" panose="02020400000000000000" pitchFamily="18" charset="-128"/>
+              </a:rPr>
+              <a:t>パッケージ図を図</a:t>
+            </a:r>
+            <a:r>
+              <a:rPr lang="en-US" altLang="ja-JP" sz="1400" dirty="0">
+                <a:latin typeface="UD デジタル 教科書体 NP" panose="02020400000000000000" pitchFamily="18" charset="-128"/>
+                <a:ea typeface="UD デジタル 教科書体 NP" panose="02020400000000000000" pitchFamily="18" charset="-128"/>
+              </a:rPr>
+              <a:t>2.1</a:t>
+            </a:r>
+            <a:r>
+              <a:rPr lang="ja-JP" altLang="en-US" sz="1400" dirty="0">
+                <a:latin typeface="UD デジタル 教科書体 NP" panose="02020400000000000000" pitchFamily="18" charset="-128"/>
+                <a:ea typeface="UD デジタル 教科書体 NP" panose="02020400000000000000" pitchFamily="18" charset="-128"/>
+              </a:rPr>
+              <a:t>に、パッケージの役割とユースケースとの対応を表</a:t>
+            </a:r>
+            <a:r>
+              <a:rPr lang="en-US" altLang="ja-JP" sz="1400" dirty="0">
+                <a:latin typeface="UD デジタル 教科書体 NP" panose="02020400000000000000" pitchFamily="18" charset="-128"/>
+                <a:ea typeface="UD デジタル 教科書体 NP" panose="02020400000000000000" pitchFamily="18" charset="-128"/>
+              </a:rPr>
+              <a:t>2.1</a:t>
+            </a:r>
+            <a:r>
+              <a:rPr lang="ja-JP" altLang="en-US" sz="1400" dirty="0">
+                <a:latin typeface="UD デジタル 教科書体 NP" panose="02020400000000000000" pitchFamily="18" charset="-128"/>
+                <a:ea typeface="UD デジタル 教科書体 NP" panose="02020400000000000000" pitchFamily="18" charset="-128"/>
+              </a:rPr>
+              <a:t>に示した。</a:t>
+            </a:r>
+            <a:endParaRPr lang="en-US" altLang="ja-JP" sz="1400" dirty="0">
+              <a:latin typeface="UD デジタル 教科書体 NP" panose="02020400000000000000" pitchFamily="18" charset="-128"/>
+              <a:ea typeface="UD デジタル 教科書体 NP" panose="02020400000000000000" pitchFamily="18" charset="-128"/>
+            </a:endParaRPr>
           </a:p>
           <a:p>
             <a:pPr eaLnBrk="1" hangingPunct="1">
@@ -10278,6 +10422,228 @@
               <a:ea typeface="UD デジタル 教科書体 NP" panose="02020400000000000000" pitchFamily="18" charset="-128"/>
             </a:endParaRPr>
           </a:p>
+        </p:txBody>
+      </p:sp>
+      <p:sp>
+        <p:nvSpPr>
+          <p:cNvPr id="8" name="フリーフォーム: 図形 7">
+            <a:extLst>
+              <a:ext uri="{FF2B5EF4-FFF2-40B4-BE49-F238E27FC236}">
+                <a16:creationId xmlns:a16="http://schemas.microsoft.com/office/drawing/2014/main" id="{25E134C8-7F8D-8770-8784-B8B59CDB2A1D}"/>
+              </a:ext>
+            </a:extLst>
+          </p:cNvPr>
+          <p:cNvSpPr>
+            <a:spLocks noChangeArrowheads="1"/>
+          </p:cNvSpPr>
+          <p:nvPr/>
+        </p:nvSpPr>
+        <p:spPr bwMode="auto">
+          <a:xfrm>
+            <a:off x="152498" y="4394177"/>
+            <a:ext cx="14854838" cy="6176549"/>
+          </a:xfrm>
+          <a:custGeom>
+            <a:avLst/>
+            <a:gdLst>
+              <a:gd name="connsiteX0" fmla="*/ 3169768 w 14854838"/>
+              <a:gd name="connsiteY0" fmla="*/ 0 h 6097571"/>
+              <a:gd name="connsiteX1" fmla="*/ 14854838 w 14854838"/>
+              <a:gd name="connsiteY1" fmla="*/ 0 h 6097571"/>
+              <a:gd name="connsiteX2" fmla="*/ 14854838 w 14854838"/>
+              <a:gd name="connsiteY2" fmla="*/ 1134766 h 6097571"/>
+              <a:gd name="connsiteX3" fmla="*/ 14854838 w 14854838"/>
+              <a:gd name="connsiteY3" fmla="*/ 6097571 h 6097571"/>
+              <a:gd name="connsiteX4" fmla="*/ 3169768 w 14854838"/>
+              <a:gd name="connsiteY4" fmla="*/ 6097571 h 6097571"/>
+              <a:gd name="connsiteX5" fmla="*/ 0 w 14854838"/>
+              <a:gd name="connsiteY5" fmla="*/ 6097571 h 6097571"/>
+              <a:gd name="connsiteX6" fmla="*/ 0 w 14854838"/>
+              <a:gd name="connsiteY6" fmla="*/ 1134766 h 6097571"/>
+              <a:gd name="connsiteX7" fmla="*/ 3169768 w 14854838"/>
+              <a:gd name="connsiteY7" fmla="*/ 1134766 h 6097571"/>
+            </a:gdLst>
+            <a:ahLst/>
+            <a:cxnLst>
+              <a:cxn ang="0">
+                <a:pos x="connsiteX0" y="connsiteY0"/>
+              </a:cxn>
+              <a:cxn ang="0">
+                <a:pos x="connsiteX1" y="connsiteY1"/>
+              </a:cxn>
+              <a:cxn ang="0">
+                <a:pos x="connsiteX2" y="connsiteY2"/>
+              </a:cxn>
+              <a:cxn ang="0">
+                <a:pos x="connsiteX3" y="connsiteY3"/>
+              </a:cxn>
+              <a:cxn ang="0">
+                <a:pos x="connsiteX4" y="connsiteY4"/>
+              </a:cxn>
+              <a:cxn ang="0">
+                <a:pos x="connsiteX5" y="connsiteY5"/>
+              </a:cxn>
+              <a:cxn ang="0">
+                <a:pos x="connsiteX6" y="connsiteY6"/>
+              </a:cxn>
+              <a:cxn ang="0">
+                <a:pos x="connsiteX7" y="connsiteY7"/>
+              </a:cxn>
+            </a:cxnLst>
+            <a:rect l="l" t="t" r="r" b="b"/>
+            <a:pathLst>
+              <a:path w="14854838" h="6097571">
+                <a:moveTo>
+                  <a:pt x="3169768" y="0"/>
+                </a:moveTo>
+                <a:lnTo>
+                  <a:pt x="14854838" y="0"/>
+                </a:lnTo>
+                <a:lnTo>
+                  <a:pt x="14854838" y="1134766"/>
+                </a:lnTo>
+                <a:lnTo>
+                  <a:pt x="14854838" y="6097571"/>
+                </a:lnTo>
+                <a:lnTo>
+                  <a:pt x="3169768" y="6097571"/>
+                </a:lnTo>
+                <a:lnTo>
+                  <a:pt x="0" y="6097571"/>
+                </a:lnTo>
+                <a:lnTo>
+                  <a:pt x="0" y="1134766"/>
+                </a:lnTo>
+                <a:lnTo>
+                  <a:pt x="3169768" y="1134766"/>
+                </a:lnTo>
+                <a:close/>
+              </a:path>
+            </a:pathLst>
+          </a:custGeom>
+          <a:solidFill>
+            <a:schemeClr val="bg1"/>
+          </a:solidFill>
+          <a:ln w="9525">
+            <a:solidFill>
+              <a:schemeClr val="accent2"/>
+            </a:solidFill>
+            <a:miter lim="800000"/>
+            <a:headEnd/>
+            <a:tailEnd/>
+          </a:ln>
+        </p:spPr>
+        <p:txBody>
+          <a:bodyPr wrap="square" lIns="120687" tIns="60343" rIns="120687" bIns="60343">
+            <a:noAutofit/>
+          </a:bodyPr>
+          <a:lstStyle>
+            <a:lvl1pPr marL="481013" indent="-481013" defTabSz="1279525" eaLnBrk="0" hangingPunct="0">
+              <a:defRPr kumimoji="1" sz="1600">
+                <a:solidFill>
+                  <a:schemeClr val="tx1"/>
+                </a:solidFill>
+                <a:latin typeface="Times New Roman" panose="02020603050405020304" pitchFamily="18" charset="0"/>
+                <a:ea typeface="ＭＳ Ｐゴシック" panose="020B0600070205080204" pitchFamily="34" charset="-128"/>
+              </a:defRPr>
+            </a:lvl1pPr>
+            <a:lvl2pPr marL="742950" indent="-285750" defTabSz="1279525" eaLnBrk="0" hangingPunct="0">
+              <a:defRPr kumimoji="1" sz="1600">
+                <a:solidFill>
+                  <a:schemeClr val="tx1"/>
+                </a:solidFill>
+                <a:latin typeface="Times New Roman" panose="02020603050405020304" pitchFamily="18" charset="0"/>
+                <a:ea typeface="ＭＳ Ｐゴシック" panose="020B0600070205080204" pitchFamily="34" charset="-128"/>
+              </a:defRPr>
+            </a:lvl2pPr>
+            <a:lvl3pPr marL="1143000" indent="-228600" defTabSz="1279525" eaLnBrk="0" hangingPunct="0">
+              <a:defRPr kumimoji="1" sz="1600">
+                <a:solidFill>
+                  <a:schemeClr val="tx1"/>
+                </a:solidFill>
+                <a:latin typeface="Times New Roman" panose="02020603050405020304" pitchFamily="18" charset="0"/>
+                <a:ea typeface="ＭＳ Ｐゴシック" panose="020B0600070205080204" pitchFamily="34" charset="-128"/>
+              </a:defRPr>
+            </a:lvl3pPr>
+            <a:lvl4pPr marL="1600200" indent="-228600" defTabSz="1279525" eaLnBrk="0" hangingPunct="0">
+              <a:defRPr kumimoji="1" sz="1600">
+                <a:solidFill>
+                  <a:schemeClr val="tx1"/>
+                </a:solidFill>
+                <a:latin typeface="Times New Roman" panose="02020603050405020304" pitchFamily="18" charset="0"/>
+                <a:ea typeface="ＭＳ Ｐゴシック" panose="020B0600070205080204" pitchFamily="34" charset="-128"/>
+              </a:defRPr>
+            </a:lvl4pPr>
+            <a:lvl5pPr marL="2057400" indent="-228600" defTabSz="1279525" eaLnBrk="0" hangingPunct="0">
+              <a:defRPr kumimoji="1" sz="1600">
+                <a:solidFill>
+                  <a:schemeClr val="tx1"/>
+                </a:solidFill>
+                <a:latin typeface="Times New Roman" panose="02020603050405020304" pitchFamily="18" charset="0"/>
+                <a:ea typeface="ＭＳ Ｐゴシック" panose="020B0600070205080204" pitchFamily="34" charset="-128"/>
+              </a:defRPr>
+            </a:lvl5pPr>
+            <a:lvl6pPr marL="2514600" indent="-228600" defTabSz="1279525" eaLnBrk="0" fontAlgn="base" hangingPunct="0">
+              <a:spcBef>
+                <a:spcPct val="0"/>
+              </a:spcBef>
+              <a:spcAft>
+                <a:spcPct val="0"/>
+              </a:spcAft>
+              <a:defRPr kumimoji="1" sz="1600">
+                <a:solidFill>
+                  <a:schemeClr val="tx1"/>
+                </a:solidFill>
+                <a:latin typeface="Times New Roman" panose="02020603050405020304" pitchFamily="18" charset="0"/>
+                <a:ea typeface="ＭＳ Ｐゴシック" panose="020B0600070205080204" pitchFamily="34" charset="-128"/>
+              </a:defRPr>
+            </a:lvl6pPr>
+            <a:lvl7pPr marL="2971800" indent="-228600" defTabSz="1279525" eaLnBrk="0" fontAlgn="base" hangingPunct="0">
+              <a:spcBef>
+                <a:spcPct val="0"/>
+              </a:spcBef>
+              <a:spcAft>
+                <a:spcPct val="0"/>
+              </a:spcAft>
+              <a:defRPr kumimoji="1" sz="1600">
+                <a:solidFill>
+                  <a:schemeClr val="tx1"/>
+                </a:solidFill>
+                <a:latin typeface="Times New Roman" panose="02020603050405020304" pitchFamily="18" charset="0"/>
+                <a:ea typeface="ＭＳ Ｐゴシック" panose="020B0600070205080204" pitchFamily="34" charset="-128"/>
+              </a:defRPr>
+            </a:lvl7pPr>
+            <a:lvl8pPr marL="3429000" indent="-228600" defTabSz="1279525" eaLnBrk="0" fontAlgn="base" hangingPunct="0">
+              <a:spcBef>
+                <a:spcPct val="0"/>
+              </a:spcBef>
+              <a:spcAft>
+                <a:spcPct val="0"/>
+              </a:spcAft>
+              <a:defRPr kumimoji="1" sz="1600">
+                <a:solidFill>
+                  <a:schemeClr val="tx1"/>
+                </a:solidFill>
+                <a:latin typeface="Times New Roman" panose="02020603050405020304" pitchFamily="18" charset="0"/>
+                <a:ea typeface="ＭＳ Ｐゴシック" panose="020B0600070205080204" pitchFamily="34" charset="-128"/>
+              </a:defRPr>
+            </a:lvl8pPr>
+            <a:lvl9pPr marL="3886200" indent="-228600" defTabSz="1279525" eaLnBrk="0" fontAlgn="base" hangingPunct="0">
+              <a:spcBef>
+                <a:spcPct val="0"/>
+              </a:spcBef>
+              <a:spcAft>
+                <a:spcPct val="0"/>
+              </a:spcAft>
+              <a:defRPr kumimoji="1" sz="1600">
+                <a:solidFill>
+                  <a:schemeClr val="tx1"/>
+                </a:solidFill>
+                <a:latin typeface="Times New Roman" panose="02020603050405020304" pitchFamily="18" charset="0"/>
+                <a:ea typeface="ＭＳ Ｐゴシック" panose="020B0600070205080204" pitchFamily="34" charset="-128"/>
+              </a:defRPr>
+            </a:lvl9pPr>
+          </a:lstStyle>
           <a:p>
             <a:pPr eaLnBrk="1" hangingPunct="1">
               <a:lnSpc>
@@ -10371,10 +10737,26 @@
                 <a:spcPct val="20000"/>
               </a:spcBef>
             </a:pPr>
-            <a:endParaRPr lang="en-US" altLang="ja-JP" sz="1400" dirty="0">
-              <a:latin typeface="UD デジタル 教科書体 NP" panose="02020400000000000000" pitchFamily="18" charset="-128"/>
-              <a:ea typeface="UD デジタル 教科書体 NP" panose="02020400000000000000" pitchFamily="18" charset="-128"/>
-            </a:endParaRPr>
+            <a:r>
+              <a:rPr lang="en-US" altLang="ja-JP" sz="1780" dirty="0">
+                <a:solidFill>
+                  <a:srgbClr val="FF0000"/>
+                </a:solidFill>
+                <a:latin typeface="UD デジタル 教科書体 NP" panose="02020400000000000000" pitchFamily="18" charset="-128"/>
+                <a:ea typeface="UD デジタル 教科書体 NP" panose="02020400000000000000" pitchFamily="18" charset="-128"/>
+              </a:rPr>
+              <a:t>2-2. </a:t>
+            </a:r>
+            <a:r>
+              <a:rPr lang="ja-JP" altLang="en-US" sz="1780" dirty="0">
+                <a:solidFill>
+                  <a:srgbClr val="FF0000"/>
+                </a:solidFill>
+                <a:latin typeface="UD デジタル 教科書体 NP" panose="02020400000000000000" pitchFamily="18" charset="-128"/>
+                <a:ea typeface="UD デジタル 教科書体 NP" panose="02020400000000000000" pitchFamily="18" charset="-128"/>
+              </a:rPr>
+              <a:t>クラス構造</a:t>
+            </a:r>
           </a:p>
           <a:p>
             <a:pPr eaLnBrk="1" hangingPunct="1">
@@ -11204,202 +11586,261 @@
           </a:ln>
         </p:spPr>
       </p:cxnSp>
-      <p:sp>
-        <p:nvSpPr>
-          <p:cNvPr id="38" name="Rectangle 3">
+      <p:pic>
+        <p:nvPicPr>
+          <p:cNvPr id="14" name="図 13">
             <a:extLst>
               <a:ext uri="{FF2B5EF4-FFF2-40B4-BE49-F238E27FC236}">
-                <a16:creationId xmlns:a16="http://schemas.microsoft.com/office/drawing/2014/main" id="{1AFD6C24-EFAA-525D-C9CF-A956FC40D133}"/>
+                <a16:creationId xmlns:a16="http://schemas.microsoft.com/office/drawing/2014/main" id="{D6936F4C-264A-1BA3-FB6A-27A9ECF8AE3D}"/>
               </a:ext>
             </a:extLst>
           </p:cNvPr>
-          <p:cNvSpPr>
-            <a:spLocks noChangeArrowheads="1"/>
-          </p:cNvSpPr>
+          <p:cNvPicPr>
+            <a:picLocks noChangeAspect="1"/>
+          </p:cNvPicPr>
+          <p:nvPr/>
+        </p:nvPicPr>
+        <p:blipFill>
+          <a:blip r:embed="rId8"/>
+          <a:stretch>
+            <a:fillRect/>
+          </a:stretch>
+        </p:blipFill>
+        <p:spPr>
+          <a:xfrm>
+            <a:off x="4554213" y="1943877"/>
+            <a:ext cx="10300626" cy="2177893"/>
+          </a:xfrm>
+          <a:prstGeom prst="rect">
+            <a:avLst/>
+          </a:prstGeom>
+        </p:spPr>
+      </p:pic>
+      <p:sp>
+        <p:nvSpPr>
+          <p:cNvPr id="21" name="テキスト ボックス 20">
+            <a:extLst>
+              <a:ext uri="{FF2B5EF4-FFF2-40B4-BE49-F238E27FC236}">
+                <a16:creationId xmlns:a16="http://schemas.microsoft.com/office/drawing/2014/main" id="{90BAE9BB-7C52-5576-6160-6DA706F41897}"/>
+              </a:ext>
+            </a:extLst>
+          </p:cNvPr>
+          <p:cNvSpPr txBox="1"/>
           <p:nvPr/>
         </p:nvSpPr>
-        <p:spPr bwMode="auto">
+        <p:spPr>
           <a:xfrm>
-            <a:off x="4590515" y="652981"/>
-            <a:ext cx="10361951" cy="9937187"/>
+            <a:off x="750854" y="5331095"/>
+            <a:ext cx="1836397" cy="284693"/>
           </a:xfrm>
           <a:prstGeom prst="rect">
             <a:avLst/>
           </a:prstGeom>
           <a:noFill/>
-          <a:ln w="9525">
-            <a:solidFill>
-              <a:srgbClr val="ED7D31"/>
-            </a:solidFill>
-            <a:miter lim="800000"/>
-            <a:headEnd/>
-            <a:tailEnd/>
-          </a:ln>
-          <a:extLst>
-            <a:ext uri="{909E8E84-426E-40DD-AFC4-6F175D3DCCD1}">
-              <a14:hiddenFill xmlns:a14="http://schemas.microsoft.com/office/drawing/2010/main">
-                <a:solidFill>
-                  <a:srgbClr val="FFFFFF"/>
-                </a:solidFill>
-              </a14:hiddenFill>
-            </a:ext>
-          </a:extLst>
         </p:spPr>
         <p:txBody>
-          <a:bodyPr lIns="120687" tIns="60343" rIns="120687" bIns="60343"/>
-          <a:lstStyle>
-            <a:lvl1pPr marL="481013" indent="-481013" defTabSz="1279525" eaLnBrk="0" hangingPunct="0">
-              <a:defRPr kumimoji="1" sz="1600">
-                <a:solidFill>
-                  <a:schemeClr val="tx1"/>
-                </a:solidFill>
-                <a:latin typeface="Times New Roman" panose="02020603050405020304" pitchFamily="18" charset="0"/>
-                <a:ea typeface="ＭＳ Ｐゴシック" panose="020B0600070205080204" pitchFamily="34" charset="-128"/>
-              </a:defRPr>
-            </a:lvl1pPr>
-            <a:lvl2pPr marL="742950" indent="-285750" defTabSz="1279525" eaLnBrk="0" hangingPunct="0">
-              <a:defRPr kumimoji="1" sz="1600">
-                <a:solidFill>
-                  <a:schemeClr val="tx1"/>
-                </a:solidFill>
-                <a:latin typeface="Times New Roman" panose="02020603050405020304" pitchFamily="18" charset="0"/>
-                <a:ea typeface="ＭＳ Ｐゴシック" panose="020B0600070205080204" pitchFamily="34" charset="-128"/>
-              </a:defRPr>
-            </a:lvl2pPr>
-            <a:lvl3pPr marL="1143000" indent="-228600" defTabSz="1279525" eaLnBrk="0" hangingPunct="0">
-              <a:defRPr kumimoji="1" sz="1600">
-                <a:solidFill>
-                  <a:schemeClr val="tx1"/>
-                </a:solidFill>
-                <a:latin typeface="Times New Roman" panose="02020603050405020304" pitchFamily="18" charset="0"/>
-                <a:ea typeface="ＭＳ Ｐゴシック" panose="020B0600070205080204" pitchFamily="34" charset="-128"/>
-              </a:defRPr>
-            </a:lvl3pPr>
-            <a:lvl4pPr marL="1600200" indent="-228600" defTabSz="1279525" eaLnBrk="0" hangingPunct="0">
-              <a:defRPr kumimoji="1" sz="1600">
-                <a:solidFill>
-                  <a:schemeClr val="tx1"/>
-                </a:solidFill>
-                <a:latin typeface="Times New Roman" panose="02020603050405020304" pitchFamily="18" charset="0"/>
-                <a:ea typeface="ＭＳ Ｐゴシック" panose="020B0600070205080204" pitchFamily="34" charset="-128"/>
-              </a:defRPr>
-            </a:lvl4pPr>
-            <a:lvl5pPr marL="2057400" indent="-228600" defTabSz="1279525" eaLnBrk="0" hangingPunct="0">
-              <a:defRPr kumimoji="1" sz="1600">
-                <a:solidFill>
-                  <a:schemeClr val="tx1"/>
-                </a:solidFill>
-                <a:latin typeface="Times New Roman" panose="02020603050405020304" pitchFamily="18" charset="0"/>
-                <a:ea typeface="ＭＳ Ｐゴシック" panose="020B0600070205080204" pitchFamily="34" charset="-128"/>
-              </a:defRPr>
-            </a:lvl5pPr>
-            <a:lvl6pPr marL="2514600" indent="-228600" defTabSz="1279525" eaLnBrk="0" fontAlgn="base" hangingPunct="0">
-              <a:spcBef>
-                <a:spcPct val="0"/>
-              </a:spcBef>
-              <a:spcAft>
-                <a:spcPct val="0"/>
-              </a:spcAft>
-              <a:defRPr kumimoji="1" sz="1600">
-                <a:solidFill>
-                  <a:schemeClr val="tx1"/>
-                </a:solidFill>
-                <a:latin typeface="Times New Roman" panose="02020603050405020304" pitchFamily="18" charset="0"/>
-                <a:ea typeface="ＭＳ Ｐゴシック" panose="020B0600070205080204" pitchFamily="34" charset="-128"/>
-              </a:defRPr>
-            </a:lvl6pPr>
-            <a:lvl7pPr marL="2971800" indent="-228600" defTabSz="1279525" eaLnBrk="0" fontAlgn="base" hangingPunct="0">
-              <a:spcBef>
-                <a:spcPct val="0"/>
-              </a:spcBef>
-              <a:spcAft>
-                <a:spcPct val="0"/>
-              </a:spcAft>
-              <a:defRPr kumimoji="1" sz="1600">
-                <a:solidFill>
-                  <a:schemeClr val="tx1"/>
-                </a:solidFill>
-                <a:latin typeface="Times New Roman" panose="02020603050405020304" pitchFamily="18" charset="0"/>
-                <a:ea typeface="ＭＳ Ｐゴシック" panose="020B0600070205080204" pitchFamily="34" charset="-128"/>
-              </a:defRPr>
-            </a:lvl7pPr>
-            <a:lvl8pPr marL="3429000" indent="-228600" defTabSz="1279525" eaLnBrk="0" fontAlgn="base" hangingPunct="0">
-              <a:spcBef>
-                <a:spcPct val="0"/>
-              </a:spcBef>
-              <a:spcAft>
-                <a:spcPct val="0"/>
-              </a:spcAft>
-              <a:defRPr kumimoji="1" sz="1600">
-                <a:solidFill>
-                  <a:schemeClr val="tx1"/>
-                </a:solidFill>
-                <a:latin typeface="Times New Roman" panose="02020603050405020304" pitchFamily="18" charset="0"/>
-                <a:ea typeface="ＭＳ Ｐゴシック" panose="020B0600070205080204" pitchFamily="34" charset="-128"/>
-              </a:defRPr>
-            </a:lvl8pPr>
-            <a:lvl9pPr marL="3886200" indent="-228600" defTabSz="1279525" eaLnBrk="0" fontAlgn="base" hangingPunct="0">
-              <a:spcBef>
-                <a:spcPct val="0"/>
-              </a:spcBef>
-              <a:spcAft>
-                <a:spcPct val="0"/>
-              </a:spcAft>
-              <a:defRPr kumimoji="1" sz="1600">
-                <a:solidFill>
-                  <a:schemeClr val="tx1"/>
-                </a:solidFill>
-                <a:latin typeface="Times New Roman" panose="02020603050405020304" pitchFamily="18" charset="0"/>
-                <a:ea typeface="ＭＳ Ｐゴシック" panose="020B0600070205080204" pitchFamily="34" charset="-128"/>
-              </a:defRPr>
-            </a:lvl9pPr>
-          </a:lstStyle>
-          <a:p>
-            <a:pPr eaLnBrk="1" hangingPunct="1">
-              <a:lnSpc>
-                <a:spcPct val="80000"/>
-              </a:lnSpc>
-              <a:spcBef>
-                <a:spcPct val="20000"/>
-              </a:spcBef>
-            </a:pPr>
-            <a:r>
-              <a:rPr lang="en-US" altLang="ja-JP" sz="1782" dirty="0">
-                <a:solidFill>
-                  <a:srgbClr val="FF0000"/>
-                </a:solidFill>
-                <a:latin typeface="UD デジタル 教科書体 NP" panose="02020400000000000000" pitchFamily="18" charset="-128"/>
-                <a:ea typeface="UD デジタル 教科書体 NP" panose="02020400000000000000" pitchFamily="18" charset="-128"/>
-              </a:rPr>
-              <a:t>2-2. </a:t>
-            </a:r>
-            <a:r>
-              <a:rPr lang="ja-JP" altLang="en-US" sz="1782" dirty="0">
-                <a:solidFill>
-                  <a:srgbClr val="FF0000"/>
-                </a:solidFill>
-                <a:latin typeface="UD デジタル 教科書体 NP" panose="02020400000000000000" pitchFamily="18" charset="-128"/>
-                <a:ea typeface="UD デジタル 教科書体 NP" panose="02020400000000000000" pitchFamily="18" charset="-128"/>
-              </a:rPr>
-              <a:t>クラス構造</a:t>
-            </a:r>
-          </a:p>
-          <a:p>
-            <a:pPr eaLnBrk="1" hangingPunct="1">
-              <a:lnSpc>
-                <a:spcPct val="80000"/>
-              </a:lnSpc>
-              <a:spcBef>
-                <a:spcPct val="20000"/>
-              </a:spcBef>
-            </a:pPr>
-            <a:r>
-              <a:rPr lang="en-US" altLang="ja-JP" sz="1400" dirty="0">
-                <a:latin typeface="UD デジタル 教科書体 NP" panose="02020400000000000000" pitchFamily="18" charset="-128"/>
-                <a:ea typeface="UD デジタル 教科書体 NP" panose="02020400000000000000" pitchFamily="18" charset="-128"/>
-              </a:rPr>
-              <a:t>XXXXX</a:t>
-            </a:r>
+          <a:bodyPr wrap="square" rtlCol="0">
+            <a:spAutoFit/>
+          </a:bodyPr>
+          <a:lstStyle/>
+          <a:p>
+            <a:r>
+              <a:rPr kumimoji="1" lang="ja-JP" altLang="en-US" sz="1250" dirty="0">
+                <a:latin typeface="BIZ UDPゴシック" panose="020B0400000000000000" pitchFamily="50" charset="-128"/>
+                <a:ea typeface="BIZ UDPゴシック" panose="020B0400000000000000" pitchFamily="50" charset="-128"/>
+              </a:rPr>
+              <a:t>図</a:t>
+            </a:r>
+            <a:r>
+              <a:rPr kumimoji="1" lang="en-US" altLang="ja-JP" sz="1250" dirty="0">
+                <a:latin typeface="BIZ UDPゴシック" panose="020B0400000000000000" pitchFamily="50" charset="-128"/>
+                <a:ea typeface="BIZ UDPゴシック" panose="020B0400000000000000" pitchFamily="50" charset="-128"/>
+              </a:rPr>
+              <a:t>2.1 </a:t>
+            </a:r>
+            <a:r>
+              <a:rPr kumimoji="1" lang="ja-JP" altLang="en-US" sz="1250" dirty="0">
+                <a:latin typeface="BIZ UDPゴシック" panose="020B0400000000000000" pitchFamily="50" charset="-128"/>
+                <a:ea typeface="BIZ UDPゴシック" panose="020B0400000000000000" pitchFamily="50" charset="-128"/>
+              </a:rPr>
+              <a:t>パッケージ図</a:t>
+            </a:r>
+            <a:endParaRPr kumimoji="1" lang="ja-JP" altLang="en-US" sz="1200" dirty="0">
+              <a:latin typeface="BIZ UDPゴシック" panose="020B0400000000000000" pitchFamily="50" charset="-128"/>
+              <a:ea typeface="BIZ UDPゴシック" panose="020B0400000000000000" pitchFamily="50" charset="-128"/>
+            </a:endParaRPr>
+          </a:p>
+        </p:txBody>
+      </p:sp>
+      <p:sp>
+        <p:nvSpPr>
+          <p:cNvPr id="22" name="テキスト ボックス 21">
+            <a:extLst>
+              <a:ext uri="{FF2B5EF4-FFF2-40B4-BE49-F238E27FC236}">
+                <a16:creationId xmlns:a16="http://schemas.microsoft.com/office/drawing/2014/main" id="{773B18CC-DD12-82B8-2724-DB680407DD46}"/>
+              </a:ext>
+            </a:extLst>
+          </p:cNvPr>
+          <p:cNvSpPr txBox="1"/>
+          <p:nvPr/>
+        </p:nvSpPr>
+        <p:spPr>
+          <a:xfrm>
+            <a:off x="8568214" y="4121694"/>
+            <a:ext cx="1984592" cy="284693"/>
+          </a:xfrm>
+          <a:prstGeom prst="rect">
+            <a:avLst/>
+          </a:prstGeom>
+          <a:noFill/>
+        </p:spPr>
+        <p:txBody>
+          <a:bodyPr wrap="square" rtlCol="0">
+            <a:spAutoFit/>
+          </a:bodyPr>
+          <a:lstStyle/>
+          <a:p>
+            <a:r>
+              <a:rPr lang="ja-JP" altLang="en-US" sz="1250" dirty="0">
+                <a:latin typeface="BIZ UDPゴシック" panose="020B0400000000000000" pitchFamily="50" charset="-128"/>
+                <a:ea typeface="BIZ UDPゴシック" panose="020B0400000000000000" pitchFamily="50" charset="-128"/>
+              </a:rPr>
+              <a:t>表</a:t>
+            </a:r>
+            <a:r>
+              <a:rPr kumimoji="1" lang="en-US" altLang="ja-JP" sz="1250" dirty="0">
+                <a:latin typeface="BIZ UDPゴシック" panose="020B0400000000000000" pitchFamily="50" charset="-128"/>
+                <a:ea typeface="BIZ UDPゴシック" panose="020B0400000000000000" pitchFamily="50" charset="-128"/>
+              </a:rPr>
+              <a:t>2.1 </a:t>
+            </a:r>
+            <a:r>
+              <a:rPr kumimoji="1" lang="ja-JP" altLang="en-US" sz="1250" dirty="0">
+                <a:latin typeface="BIZ UDPゴシック" panose="020B0400000000000000" pitchFamily="50" charset="-128"/>
+                <a:ea typeface="BIZ UDPゴシック" panose="020B0400000000000000" pitchFamily="50" charset="-128"/>
+              </a:rPr>
+              <a:t>パッケージの役割</a:t>
+            </a:r>
+            <a:endParaRPr kumimoji="1" lang="ja-JP" altLang="en-US" sz="1200" dirty="0">
+              <a:latin typeface="BIZ UDPゴシック" panose="020B0400000000000000" pitchFamily="50" charset="-128"/>
+              <a:ea typeface="BIZ UDPゴシック" panose="020B0400000000000000" pitchFamily="50" charset="-128"/>
+            </a:endParaRPr>
+          </a:p>
+        </p:txBody>
+      </p:sp>
+      <p:pic>
+        <p:nvPicPr>
+          <p:cNvPr id="27" name="図 26">
+            <a:extLst>
+              <a:ext uri="{FF2B5EF4-FFF2-40B4-BE49-F238E27FC236}">
+                <a16:creationId xmlns:a16="http://schemas.microsoft.com/office/drawing/2014/main" id="{4A0D8A13-F4C7-C835-6429-671E37E7773A}"/>
+              </a:ext>
+            </a:extLst>
+          </p:cNvPr>
+          <p:cNvPicPr>
+            <a:picLocks noChangeAspect="1"/>
+          </p:cNvPicPr>
+          <p:nvPr/>
+        </p:nvPicPr>
+        <p:blipFill>
+          <a:blip r:embed="rId9"/>
+          <a:stretch>
+            <a:fillRect/>
+          </a:stretch>
+        </p:blipFill>
+        <p:spPr>
+          <a:xfrm>
+            <a:off x="374825" y="1977969"/>
+            <a:ext cx="2833747" cy="3378203"/>
+          </a:xfrm>
+          <a:prstGeom prst="rect">
+            <a:avLst/>
+          </a:prstGeom>
+        </p:spPr>
+      </p:pic>
+      <p:pic>
+        <p:nvPicPr>
+          <p:cNvPr id="5" name="図 4">
+            <a:extLst>
+              <a:ext uri="{FF2B5EF4-FFF2-40B4-BE49-F238E27FC236}">
+                <a16:creationId xmlns:a16="http://schemas.microsoft.com/office/drawing/2014/main" id="{52A7363D-A0BF-292E-0DD5-040CD7C6ACBB}"/>
+              </a:ext>
+            </a:extLst>
+          </p:cNvPr>
+          <p:cNvPicPr>
+            <a:picLocks noChangeAspect="1"/>
+          </p:cNvPicPr>
+          <p:nvPr/>
+        </p:nvPicPr>
+        <p:blipFill>
+          <a:blip r:embed="rId10"/>
+          <a:stretch>
+            <a:fillRect/>
+          </a:stretch>
+        </p:blipFill>
+        <p:spPr>
+          <a:xfrm>
+            <a:off x="3533209" y="4426716"/>
+            <a:ext cx="11433643" cy="5962483"/>
+          </a:xfrm>
+          <a:prstGeom prst="rect">
+            <a:avLst/>
+          </a:prstGeom>
+        </p:spPr>
+      </p:pic>
+      <p:sp>
+        <p:nvSpPr>
+          <p:cNvPr id="11" name="テキスト ボックス 10">
+            <a:extLst>
+              <a:ext uri="{FF2B5EF4-FFF2-40B4-BE49-F238E27FC236}">
+                <a16:creationId xmlns:a16="http://schemas.microsoft.com/office/drawing/2014/main" id="{0B7DFC25-DA29-AF16-A43B-4ABEA3454752}"/>
+              </a:ext>
+            </a:extLst>
+          </p:cNvPr>
+          <p:cNvSpPr txBox="1"/>
+          <p:nvPr/>
+        </p:nvSpPr>
+        <p:spPr>
+          <a:xfrm>
+            <a:off x="8855819" y="10317797"/>
+            <a:ext cx="1984592" cy="284693"/>
+          </a:xfrm>
+          <a:prstGeom prst="rect">
+            <a:avLst/>
+          </a:prstGeom>
+          <a:noFill/>
+        </p:spPr>
+        <p:txBody>
+          <a:bodyPr wrap="square" rtlCol="0">
+            <a:spAutoFit/>
+          </a:bodyPr>
+          <a:lstStyle/>
+          <a:p>
+            <a:r>
+              <a:rPr kumimoji="1" lang="ja-JP" altLang="en-US" sz="1250" dirty="0">
+                <a:latin typeface="BIZ UDPゴシック" panose="020B0400000000000000" pitchFamily="50" charset="-128"/>
+                <a:ea typeface="BIZ UDPゴシック" panose="020B0400000000000000" pitchFamily="50" charset="-128"/>
+              </a:rPr>
+              <a:t>図</a:t>
+            </a:r>
+            <a:r>
+              <a:rPr kumimoji="1" lang="en-US" altLang="ja-JP" sz="1250" dirty="0">
+                <a:latin typeface="BIZ UDPゴシック" panose="020B0400000000000000" pitchFamily="50" charset="-128"/>
+                <a:ea typeface="BIZ UDPゴシック" panose="020B0400000000000000" pitchFamily="50" charset="-128"/>
+              </a:rPr>
+              <a:t>2.2 </a:t>
+            </a:r>
+            <a:r>
+              <a:rPr kumimoji="1" lang="ja-JP" altLang="en-US" sz="1250" dirty="0">
+                <a:latin typeface="BIZ UDPゴシック" panose="020B0400000000000000" pitchFamily="50" charset="-128"/>
+                <a:ea typeface="BIZ UDPゴシック" panose="020B0400000000000000" pitchFamily="50" charset="-128"/>
+              </a:rPr>
+              <a:t>クラス図</a:t>
+            </a:r>
+            <a:endParaRPr kumimoji="1" lang="ja-JP" altLang="en-US" sz="1200" dirty="0">
+              <a:latin typeface="BIZ UDPゴシック" panose="020B0400000000000000" pitchFamily="50" charset="-128"/>
+              <a:ea typeface="BIZ UDPゴシック" panose="020B0400000000000000" pitchFamily="50" charset="-128"/>
+            </a:endParaRPr>
           </a:p>
         </p:txBody>
       </p:sp>

--- a/model/【モデル図】てなろぼ★ぷらいまりぃ_2025.pptx
+++ b/model/【モデル図】てなろぼ★ぷらいまりぃ_2025.pptx
@@ -16,7 +16,7 @@
     <p:sldId id="273" r:id="rId4"/>
     <p:sldId id="259" r:id="rId5"/>
     <p:sldId id="260" r:id="rId6"/>
-    <p:sldId id="261" r:id="rId7"/>
+    <p:sldId id="274" r:id="rId7"/>
     <p:sldId id="262" r:id="rId8"/>
   </p:sldIdLst>
   <p:sldSz cx="15119350" cy="10691813"/>
@@ -158,7 +158,7 @@
           <p14:sldIdLst>
             <p14:sldId id="259"/>
             <p14:sldId id="260"/>
-            <p14:sldId id="261"/>
+            <p14:sldId id="274"/>
             <p14:sldId id="262"/>
           </p14:sldIdLst>
         </p14:section>
@@ -693,6 +693,62 @@
 </inkml:ink>
 </file>
 
+<file path=ppt/ink/ink5.xml><?xml version="1.0" encoding="utf-8"?>
+<inkml:ink xmlns:inkml="http://www.w3.org/2003/InkML">
+  <inkml:definitions>
+    <inkml:context xml:id="ctx0">
+      <inkml:inkSource xml:id="inkSrc0">
+        <inkml:traceFormat>
+          <inkml:channel name="X" type="integer" min="-2.14748E9" max="2.14748E9" units="cm"/>
+          <inkml:channel name="Y" type="integer" min="-2.14748E9" max="2.14748E9" units="cm"/>
+          <inkml:channel name="F" type="integer" max="32767" units="dev"/>
+        </inkml:traceFormat>
+        <inkml:channelProperties>
+          <inkml:channelProperty channel="X" name="resolution" value="1000" units="1/cm"/>
+          <inkml:channelProperty channel="Y" name="resolution" value="1000" units="1/cm"/>
+          <inkml:channelProperty channel="F" name="resolution" value="0" units="1/dev"/>
+        </inkml:channelProperties>
+      </inkml:inkSource>
+      <inkml:timestamp xml:id="ts0" timeString="2025-08-19T14:19:04.254"/>
+    </inkml:context>
+    <inkml:brush xml:id="br0">
+      <inkml:brushProperty name="width" value="0.035" units="cm"/>
+      <inkml:brushProperty name="height" value="0.035" units="cm"/>
+      <inkml:brushProperty name="color" value="#FFC114"/>
+    </inkml:brush>
+  </inkml:definitions>
+  <inkml:trace contextRef="#ctx0" brushRef="#br0">1 1 24575</inkml:trace>
+</inkml:ink>
+</file>
+
+<file path=ppt/ink/ink6.xml><?xml version="1.0" encoding="utf-8"?>
+<inkml:ink xmlns:inkml="http://www.w3.org/2003/InkML">
+  <inkml:definitions>
+    <inkml:context xml:id="ctx0">
+      <inkml:inkSource xml:id="inkSrc0">
+        <inkml:traceFormat>
+          <inkml:channel name="X" type="integer" min="-2.14748E9" max="2.14748E9" units="cm"/>
+          <inkml:channel name="Y" type="integer" min="-2.14748E9" max="2.14748E9" units="cm"/>
+          <inkml:channel name="F" type="integer" max="32767" units="dev"/>
+        </inkml:traceFormat>
+        <inkml:channelProperties>
+          <inkml:channelProperty channel="X" name="resolution" value="1000" units="1/cm"/>
+          <inkml:channelProperty channel="Y" name="resolution" value="1000" units="1/cm"/>
+          <inkml:channelProperty channel="F" name="resolution" value="0" units="1/dev"/>
+        </inkml:channelProperties>
+      </inkml:inkSource>
+      <inkml:timestamp xml:id="ts0" timeString="2025-08-19T14:19:04.255"/>
+    </inkml:context>
+    <inkml:brush xml:id="br0">
+      <inkml:brushProperty name="width" value="0.035" units="cm"/>
+      <inkml:brushProperty name="height" value="0.035" units="cm"/>
+      <inkml:brushProperty name="color" value="#FFC114"/>
+    </inkml:brush>
+  </inkml:definitions>
+  <inkml:trace contextRef="#ctx0" brushRef="#br0">0 0 24575,'0'0'-8191</inkml:trace>
+</inkml:ink>
+</file>
+
 <file path=ppt/notesMasters/notesMaster1.xml><?xml version="1.0" encoding="utf-8"?>
 <p:notesMaster xmlns:a="http://schemas.openxmlformats.org/drawingml/2006/main" xmlns:r="http://schemas.openxmlformats.org/officeDocument/2006/relationships" xmlns:p="http://schemas.openxmlformats.org/presentationml/2006/main">
   <p:cSld>
@@ -1314,7 +1370,7 @@
           <a:p>
             <a:fld id="{C764DE79-268F-4C1A-8933-263129D2AF90}" type="datetimeFigureOut">
               <a:rPr lang="en-US" dirty="0"/>
-              <a:t>8/14/2025</a:t>
+              <a:t>8/23/2025</a:t>
             </a:fld>
             <a:endParaRPr lang="en-US" dirty="0"/>
           </a:p>
@@ -1409,7 +1465,7 @@
           <a:p>
             <a:fld id="{C764DE79-268F-4C1A-8933-263129D2AF90}" type="datetimeFigureOut">
               <a:rPr lang="en-US" dirty="0"/>
-              <a:t>8/14/2025</a:t>
+              <a:t>8/23/2025</a:t>
             </a:fld>
             <a:endParaRPr lang="en-US" dirty="0"/>
           </a:p>
@@ -1718,7 +1774,7 @@
           <a:p>
             <a:fld id="{C764DE79-268F-4C1A-8933-263129D2AF90}" type="datetimeFigureOut">
               <a:rPr lang="en-US" dirty="0"/>
-              <a:t>8/14/2025</a:t>
+              <a:t>8/23/2025</a:t>
             </a:fld>
             <a:endParaRPr lang="en-US" dirty="0"/>
           </a:p>
@@ -1975,7 +2031,7 @@
           <a:p>
             <a:fld id="{C764DE79-268F-4C1A-8933-263129D2AF90}" type="datetimeFigureOut">
               <a:rPr lang="en-US" dirty="0"/>
-              <a:t>8/14/2025</a:t>
+              <a:t>8/23/2025</a:t>
             </a:fld>
             <a:endParaRPr lang="en-US" dirty="0"/>
           </a:p>
@@ -2177,7 +2233,7 @@
           <a:p>
             <a:fld id="{C764DE79-268F-4C1A-8933-263129D2AF90}" type="datetimeFigureOut">
               <a:rPr lang="en-US" dirty="0"/>
-              <a:t>8/14/2025</a:t>
+              <a:t>8/23/2025</a:t>
             </a:fld>
             <a:endParaRPr lang="en-US" dirty="0"/>
           </a:p>
@@ -2389,7 +2445,7 @@
           <a:p>
             <a:fld id="{C764DE79-268F-4C1A-8933-263129D2AF90}" type="datetimeFigureOut">
               <a:rPr lang="en-US" dirty="0"/>
-              <a:t>8/14/2025</a:t>
+              <a:t>8/23/2025</a:t>
             </a:fld>
             <a:endParaRPr lang="en-US" dirty="0"/>
           </a:p>
@@ -2816,7 +2872,7 @@
           <a:p>
             <a:fld id="{C764DE79-268F-4C1A-8933-263129D2AF90}" type="datetimeFigureOut">
               <a:rPr lang="en-US" dirty="0"/>
-              <a:t>8/14/2025</a:t>
+              <a:t>8/23/2025</a:t>
             </a:fld>
             <a:endParaRPr lang="en-US" dirty="0"/>
           </a:p>
@@ -3018,7 +3074,7 @@
           <a:p>
             <a:fld id="{C764DE79-268F-4C1A-8933-263129D2AF90}" type="datetimeFigureOut">
               <a:rPr lang="en-US" dirty="0"/>
-              <a:t>8/14/2025</a:t>
+              <a:t>8/23/2025</a:t>
             </a:fld>
             <a:endParaRPr lang="en-US" dirty="0"/>
           </a:p>
@@ -3262,7 +3318,7 @@
           <a:p>
             <a:fld id="{C764DE79-268F-4C1A-8933-263129D2AF90}" type="datetimeFigureOut">
               <a:rPr lang="en-US" dirty="0"/>
-              <a:t>8/14/2025</a:t>
+              <a:t>8/23/2025</a:t>
             </a:fld>
             <a:endParaRPr lang="en-US" dirty="0"/>
           </a:p>
@@ -3558,7 +3614,7 @@
           <a:p>
             <a:fld id="{C764DE79-268F-4C1A-8933-263129D2AF90}" type="datetimeFigureOut">
               <a:rPr lang="en-US" dirty="0"/>
-              <a:t>8/14/2025</a:t>
+              <a:t>8/23/2025</a:t>
             </a:fld>
             <a:endParaRPr lang="en-US" dirty="0"/>
           </a:p>
@@ -3989,7 +4045,7 @@
           <a:p>
             <a:fld id="{C764DE79-268F-4C1A-8933-263129D2AF90}" type="datetimeFigureOut">
               <a:rPr lang="en-US" dirty="0"/>
-              <a:t>8/14/2025</a:t>
+              <a:t>8/23/2025</a:t>
             </a:fld>
             <a:endParaRPr lang="en-US" dirty="0"/>
           </a:p>
@@ -5012,7 +5068,7 @@
           <a:p>
             <a:fld id="{C764DE79-268F-4C1A-8933-263129D2AF90}" type="datetimeFigureOut">
               <a:rPr lang="en-US" dirty="0"/>
-              <a:t>8/14/2025</a:t>
+              <a:t>8/23/2025</a:t>
             </a:fld>
             <a:endParaRPr lang="en-US" dirty="0"/>
           </a:p>
@@ -5469,14 +5525,11 @@
           <a:p>
             <a:pPr defTabSz="1279525"/>
             <a:r>
-              <a:rPr lang="en-US" altLang="ja-JP" sz="2400" dirty="0">
+              <a:rPr lang="ja-JP" altLang="en-US" sz="2400" dirty="0">
                 <a:latin typeface="ＭＳ Ｐゴシック" panose="020B0600070205080204" pitchFamily="34" charset="-128"/>
               </a:rPr>
-              <a:t>XXXXX</a:t>
-            </a:r>
-            <a:endParaRPr lang="ja-JP" altLang="en-US" sz="2400" dirty="0">
-              <a:latin typeface="ＭＳ Ｐゴシック" panose="020B0600070205080204" pitchFamily="34" charset="-128"/>
-            </a:endParaRPr>
+              <a:t>中四国</a:t>
+            </a:r>
           </a:p>
         </p:txBody>
       </p:sp>
@@ -5642,17 +5695,21 @@
               </a:spcBef>
             </a:pPr>
             <a:r>
-              <a:rPr lang="ja-JP" altLang="en-US" sz="2168" b="1" dirty="0">
+              <a:rPr lang="ja-JP" altLang="en-US" sz="2168" dirty="0">
                 <a:solidFill>
                   <a:srgbClr val="FF0000"/>
                 </a:solidFill>
+                <a:latin typeface="UD デジタル 教科書体 NP" panose="02020400000000000000" pitchFamily="18" charset="-128"/>
+                <a:ea typeface="UD デジタル 教科書体 NP" panose="02020400000000000000" pitchFamily="18" charset="-128"/>
               </a:rPr>
               <a:t>モデルの構成</a:t>
             </a:r>
-            <a:endParaRPr lang="en-US" altLang="ja-JP" sz="2168" b="1" dirty="0">
+            <a:endParaRPr lang="en-US" altLang="ja-JP" sz="2168" dirty="0">
               <a:solidFill>
                 <a:srgbClr val="FF0000"/>
               </a:solidFill>
+              <a:latin typeface="UD デジタル 教科書体 NP" panose="02020400000000000000" pitchFamily="18" charset="-128"/>
+              <a:ea typeface="UD デジタル 教科書体 NP" panose="02020400000000000000" pitchFamily="18" charset="-128"/>
             </a:endParaRPr>
           </a:p>
           <a:p>
@@ -5671,8 +5728,8 @@
                 <a:solidFill>
                   <a:prstClr val="black"/>
                 </a:solidFill>
-                <a:latin typeface="HG丸ｺﾞｼｯｸM-PRO" panose="020F0600000000000000" pitchFamily="50" charset="-128"/>
-                <a:ea typeface="HG丸ｺﾞｼｯｸM-PRO" panose="020F0600000000000000" pitchFamily="50" charset="-128"/>
+                <a:latin typeface="UD デジタル 教科書体 NP" panose="02020400000000000000" pitchFamily="18" charset="-128"/>
+                <a:ea typeface="UD デジタル 教科書体 NP" panose="02020400000000000000" pitchFamily="18" charset="-128"/>
               </a:rPr>
               <a:t>要求分析</a:t>
             </a:r>
@@ -5680,8 +5737,8 @@
               <a:solidFill>
                 <a:prstClr val="black"/>
               </a:solidFill>
-              <a:latin typeface="HG丸ｺﾞｼｯｸM-PRO" panose="020F0600000000000000" pitchFamily="50" charset="-128"/>
-              <a:ea typeface="HG丸ｺﾞｼｯｸM-PRO" panose="020F0600000000000000" pitchFamily="50" charset="-128"/>
+              <a:latin typeface="UD デジタル 教科書体 NP" panose="02020400000000000000" pitchFamily="18" charset="-128"/>
+              <a:ea typeface="UD デジタル 教科書体 NP" panose="02020400000000000000" pitchFamily="18" charset="-128"/>
             </a:endParaRPr>
           </a:p>
           <a:p>
@@ -5697,10 +5754,10 @@
             </a:pPr>
             <a:r>
               <a:rPr lang="ja-JP" altLang="en-US" sz="1782" dirty="0">
-                <a:latin typeface="HG丸ｺﾞｼｯｸM-PRO" panose="020F0600000000000000" pitchFamily="50" charset="-128"/>
-                <a:ea typeface="HG丸ｺﾞｼｯｸM-PRO" panose="020F0600000000000000" pitchFamily="50" charset="-128"/>
-              </a:rPr>
-              <a:t>ダミーテキストダミーテキストダミーテキストダミーテキストダミーテキストダミーテキストダミーテキストダミーテキスト</a:t>
+                <a:latin typeface="UD デジタル 教科書体 NP" panose="02020400000000000000" pitchFamily="18" charset="-128"/>
+                <a:ea typeface="UD デジタル 教科書体 NP" panose="02020400000000000000" pitchFamily="18" charset="-128"/>
+              </a:rPr>
+              <a:t>基本戦略</a:t>
             </a:r>
           </a:p>
           <a:p>
@@ -5716,10 +5773,10 @@
             </a:pPr>
             <a:r>
               <a:rPr lang="ja-JP" altLang="en-US" sz="1782" dirty="0">
-                <a:latin typeface="HG丸ｺﾞｼｯｸM-PRO" panose="020F0600000000000000" pitchFamily="50" charset="-128"/>
-                <a:ea typeface="HG丸ｺﾞｼｯｸM-PRO" panose="020F0600000000000000" pitchFamily="50" charset="-128"/>
-              </a:rPr>
-              <a:t>ダミーテキストダミーテキスト</a:t>
+                <a:latin typeface="UD デジタル 教科書体 NP" panose="02020400000000000000" pitchFamily="18" charset="-128"/>
+                <a:ea typeface="UD デジタル 教科書体 NP" panose="02020400000000000000" pitchFamily="18" charset="-128"/>
+              </a:rPr>
+              <a:t>要件分析とリスク分析</a:t>
             </a:r>
           </a:p>
           <a:p>
@@ -5735,10 +5792,10 @@
             </a:pPr>
             <a:r>
               <a:rPr lang="ja-JP" altLang="en-US" sz="1782" dirty="0">
-                <a:latin typeface="HG丸ｺﾞｼｯｸM-PRO" panose="020F0600000000000000" pitchFamily="50" charset="-128"/>
-                <a:ea typeface="HG丸ｺﾞｼｯｸM-PRO" panose="020F0600000000000000" pitchFamily="50" charset="-128"/>
-              </a:rPr>
-              <a:t>ダミーテキストダミーテキスト</a:t>
+                <a:latin typeface="UD デジタル 教科書体 NP" panose="02020400000000000000" pitchFamily="18" charset="-128"/>
+                <a:ea typeface="UD デジタル 教科書体 NP" panose="02020400000000000000" pitchFamily="18" charset="-128"/>
+              </a:rPr>
+              <a:t>機能の流れ</a:t>
             </a:r>
           </a:p>
           <a:p>
@@ -5757,8 +5814,8 @@
                 <a:solidFill>
                   <a:prstClr val="black"/>
                 </a:solidFill>
-                <a:latin typeface="HG丸ｺﾞｼｯｸM-PRO" panose="020F0600000000000000" pitchFamily="50" charset="-128"/>
-                <a:ea typeface="HG丸ｺﾞｼｯｸM-PRO" panose="020F0600000000000000" pitchFamily="50" charset="-128"/>
+                <a:latin typeface="UD デジタル 教科書体 NP" panose="02020400000000000000" pitchFamily="18" charset="-128"/>
+                <a:ea typeface="UD デジタル 教科書体 NP" panose="02020400000000000000" pitchFamily="18" charset="-128"/>
               </a:rPr>
               <a:t>分析モデル</a:t>
             </a:r>
@@ -5766,8 +5823,8 @@
               <a:solidFill>
                 <a:prstClr val="black"/>
               </a:solidFill>
-              <a:latin typeface="HG丸ｺﾞｼｯｸM-PRO" panose="020F0600000000000000" pitchFamily="50" charset="-128"/>
-              <a:ea typeface="HG丸ｺﾞｼｯｸM-PRO" panose="020F0600000000000000" pitchFamily="50" charset="-128"/>
+              <a:latin typeface="UD デジタル 教科書体 NP" panose="02020400000000000000" pitchFamily="18" charset="-128"/>
+              <a:ea typeface="UD デジタル 教科書体 NP" panose="02020400000000000000" pitchFamily="18" charset="-128"/>
             </a:endParaRPr>
           </a:p>
           <a:p>
@@ -5782,12 +5839,16 @@
               <a:buChar char="•"/>
             </a:pPr>
             <a:r>
-              <a:rPr lang="ja-JP" altLang="en-US" sz="1782" dirty="0">
-                <a:latin typeface="HG丸ｺﾞｼｯｸM-PRO" panose="020F0600000000000000" pitchFamily="50" charset="-128"/>
-                <a:ea typeface="HG丸ｺﾞｼｯｸM-PRO" panose="020F0600000000000000" pitchFamily="50" charset="-128"/>
-              </a:rPr>
-              <a:t>ダミーテキストダミーテキストダミーテキストダミーテキストダミーテキストダミーテキストダミーテキストダミーテキスト</a:t>
-            </a:r>
+              <a:rPr lang="ja-JP" altLang="en-US" sz="1782">
+                <a:latin typeface="UD デジタル 教科書体 NP" panose="02020400000000000000" pitchFamily="18" charset="-128"/>
+                <a:ea typeface="UD デジタル 教科書体 NP" panose="02020400000000000000" pitchFamily="18" charset="-128"/>
+              </a:rPr>
+              <a:t>パッケージ構造</a:t>
+            </a:r>
+            <a:endParaRPr lang="ja-JP" altLang="en-US" sz="1782" dirty="0">
+              <a:latin typeface="UD デジタル 教科書体 NP" panose="02020400000000000000" pitchFamily="18" charset="-128"/>
+              <a:ea typeface="UD デジタル 教科書体 NP" panose="02020400000000000000" pitchFamily="18" charset="-128"/>
+            </a:endParaRPr>
           </a:p>
           <a:p>
             <a:pPr marL="219212" indent="-219212" eaLnBrk="1" hangingPunct="1">
@@ -5802,11 +5863,15 @@
             </a:pPr>
             <a:r>
               <a:rPr lang="ja-JP" altLang="en-US" sz="1782" dirty="0">
-                <a:latin typeface="HG丸ｺﾞｼｯｸM-PRO" panose="020F0600000000000000" pitchFamily="50" charset="-128"/>
-                <a:ea typeface="HG丸ｺﾞｼｯｸM-PRO" panose="020F0600000000000000" pitchFamily="50" charset="-128"/>
+                <a:latin typeface="UD デジタル 教科書体 NP" panose="02020400000000000000" pitchFamily="18" charset="-128"/>
+                <a:ea typeface="UD デジタル 教科書体 NP" panose="02020400000000000000" pitchFamily="18" charset="-128"/>
               </a:rPr>
               <a:t>ダミーテキストダミーテキスト</a:t>
             </a:r>
+            <a:endParaRPr lang="en-US" altLang="ja-JP" sz="1782" dirty="0">
+              <a:latin typeface="UD デジタル 教科書体 NP" panose="02020400000000000000" pitchFamily="18" charset="-128"/>
+              <a:ea typeface="UD デジタル 教科書体 NP" panose="02020400000000000000" pitchFamily="18" charset="-128"/>
+            </a:endParaRPr>
           </a:p>
           <a:p>
             <a:pPr marL="219212" indent="-219212" eaLnBrk="1" hangingPunct="1">
@@ -5821,45 +5886,22 @@
             </a:pPr>
             <a:r>
               <a:rPr lang="ja-JP" altLang="en-US" sz="1782" dirty="0">
-                <a:latin typeface="HG丸ｺﾞｼｯｸM-PRO" panose="020F0600000000000000" pitchFamily="50" charset="-128"/>
-                <a:ea typeface="HG丸ｺﾞｼｯｸM-PRO" panose="020F0600000000000000" pitchFamily="50" charset="-128"/>
-              </a:rPr>
-              <a:t>ダミーテキストダミーテキスト</a:t>
-            </a:r>
-            <a:endParaRPr lang="en-US" altLang="ja-JP" sz="1782" dirty="0">
-              <a:latin typeface="HG丸ｺﾞｼｯｸM-PRO" panose="020F0600000000000000" pitchFamily="50" charset="-128"/>
-              <a:ea typeface="HG丸ｺﾞｼｯｸM-PRO" panose="020F0600000000000000" pitchFamily="50" charset="-128"/>
-            </a:endParaRPr>
-          </a:p>
-          <a:p>
-            <a:pPr marL="219212" indent="-219212" eaLnBrk="1" hangingPunct="1">
-              <a:lnSpc>
-                <a:spcPct val="80000"/>
-              </a:lnSpc>
-              <a:spcBef>
-                <a:spcPts val="668"/>
-              </a:spcBef>
-              <a:buFont typeface="Arial" panose="020B0604020202020204" pitchFamily="34" charset="0"/>
-              <a:buChar char="•"/>
-            </a:pPr>
+                <a:latin typeface="UD デジタル 教科書体 NP" panose="02020400000000000000" pitchFamily="18" charset="-128"/>
+                <a:ea typeface="UD デジタル 教科書体 NP" panose="02020400000000000000" pitchFamily="18" charset="-128"/>
+              </a:rPr>
+              <a:t>（文字サイズは</a:t>
+            </a:r>
+            <a:r>
+              <a:rPr lang="en-US" altLang="ja-JP" sz="1782" dirty="0">
+                <a:latin typeface="UD デジタル 教科書体 NP" panose="02020400000000000000" pitchFamily="18" charset="-128"/>
+                <a:ea typeface="UD デジタル 教科書体 NP" panose="02020400000000000000" pitchFamily="18" charset="-128"/>
+              </a:rPr>
+              <a:t>16</a:t>
+            </a:r>
             <a:r>
               <a:rPr lang="ja-JP" altLang="en-US" sz="1782" dirty="0">
-                <a:latin typeface="HG丸ｺﾞｼｯｸM-PRO" panose="020F0600000000000000" pitchFamily="50" charset="-128"/>
-                <a:ea typeface="HG丸ｺﾞｼｯｸM-PRO" panose="020F0600000000000000" pitchFamily="50" charset="-128"/>
-              </a:rPr>
-              <a:t>（文字サイズは</a:t>
-            </a:r>
-            <a:r>
-              <a:rPr lang="en-US" altLang="ja-JP" sz="1782" dirty="0">
-                <a:latin typeface="HG丸ｺﾞｼｯｸM-PRO" panose="020F0600000000000000" pitchFamily="50" charset="-128"/>
-                <a:ea typeface="HG丸ｺﾞｼｯｸM-PRO" panose="020F0600000000000000" pitchFamily="50" charset="-128"/>
-              </a:rPr>
-              <a:t>16</a:t>
-            </a:r>
-            <a:r>
-              <a:rPr lang="ja-JP" altLang="en-US" sz="1782" dirty="0">
-                <a:latin typeface="HG丸ｺﾞｼｯｸM-PRO" panose="020F0600000000000000" pitchFamily="50" charset="-128"/>
-                <a:ea typeface="HG丸ｺﾞｼｯｸM-PRO" panose="020F0600000000000000" pitchFamily="50" charset="-128"/>
+                <a:latin typeface="UD デジタル 教科書体 NP" panose="02020400000000000000" pitchFamily="18" charset="-128"/>
+                <a:ea typeface="UD デジタル 教科書体 NP" panose="02020400000000000000" pitchFamily="18" charset="-128"/>
               </a:rPr>
               <a:t>ポイント以上）</a:t>
             </a:r>
@@ -5876,285 +5918,9 @@
               <a:buChar char="•"/>
             </a:pPr>
             <a:endParaRPr lang="ja-JP" altLang="en-US" sz="1782" dirty="0">
-              <a:latin typeface="HG丸ｺﾞｼｯｸM-PRO" panose="020F0600000000000000" pitchFamily="50" charset="-128"/>
-              <a:ea typeface="HG丸ｺﾞｼｯｸM-PRO" panose="020F0600000000000000" pitchFamily="50" charset="-128"/>
+              <a:latin typeface="UD デジタル 教科書体 NP" panose="02020400000000000000" pitchFamily="18" charset="-128"/>
+              <a:ea typeface="UD デジタル 教科書体 NP" panose="02020400000000000000" pitchFamily="18" charset="-128"/>
             </a:endParaRPr>
-          </a:p>
-        </p:txBody>
-      </p:sp>
-      <p:sp>
-        <p:nvSpPr>
-          <p:cNvPr id="8" name="テキスト ボックス 7">
-            <a:extLst>
-              <a:ext uri="{FF2B5EF4-FFF2-40B4-BE49-F238E27FC236}">
-                <a16:creationId xmlns:a16="http://schemas.microsoft.com/office/drawing/2014/main" id="{1A20F311-75C9-FC41-879D-AE0D34B8EB9B}"/>
-              </a:ext>
-            </a:extLst>
-          </p:cNvPr>
-          <p:cNvSpPr txBox="1"/>
-          <p:nvPr/>
-        </p:nvSpPr>
-        <p:spPr>
-          <a:xfrm>
-            <a:off x="214860" y="9656575"/>
-            <a:ext cx="7104254" cy="723916"/>
-          </a:xfrm>
-          <a:prstGeom prst="rect">
-            <a:avLst/>
-          </a:prstGeom>
-          <a:solidFill>
-            <a:schemeClr val="bg1">
-              <a:lumMod val="95000"/>
-            </a:schemeClr>
-          </a:solidFill>
-        </p:spPr>
-        <p:txBody>
-          <a:bodyPr wrap="square" rtlCol="0">
-            <a:spAutoFit/>
-          </a:bodyPr>
-          <a:lstStyle/>
-          <a:p>
-            <a:r>
-              <a:rPr lang="ja-JP" altLang="en-US" sz="2052" dirty="0">
-                <a:solidFill>
-                  <a:schemeClr val="bg1">
-                    <a:lumMod val="50000"/>
-                  </a:schemeClr>
-                </a:solidFill>
-              </a:rPr>
-              <a:t>ここに書いた説明で、モデル図全体を読んで得られる分析、設計の全体像、重要なポイント、効果や実績を捉えることができる</a:t>
-            </a:r>
-          </a:p>
-        </p:txBody>
-      </p:sp>
-      <p:sp>
-        <p:nvSpPr>
-          <p:cNvPr id="9" name="テキスト ボックス 8">
-            <a:extLst>
-              <a:ext uri="{FF2B5EF4-FFF2-40B4-BE49-F238E27FC236}">
-                <a16:creationId xmlns:a16="http://schemas.microsoft.com/office/drawing/2014/main" id="{CC3979B9-54E4-F345-81E2-BD645CFE28B9}"/>
-              </a:ext>
-            </a:extLst>
-          </p:cNvPr>
-          <p:cNvSpPr txBox="1"/>
-          <p:nvPr/>
-        </p:nvSpPr>
-        <p:spPr>
-          <a:xfrm>
-            <a:off x="7583428" y="9022820"/>
-            <a:ext cx="7321061" cy="1355499"/>
-          </a:xfrm>
-          <a:prstGeom prst="rect">
-            <a:avLst/>
-          </a:prstGeom>
-          <a:solidFill>
-            <a:schemeClr val="bg1">
-              <a:lumMod val="95000"/>
-            </a:schemeClr>
-          </a:solidFill>
-        </p:spPr>
-        <p:txBody>
-          <a:bodyPr wrap="square" rtlCol="0">
-            <a:spAutoFit/>
-          </a:bodyPr>
-          <a:lstStyle/>
-          <a:p>
-            <a:r>
-              <a:rPr lang="ja-JP" altLang="en-US" sz="2052" dirty="0">
-                <a:solidFill>
-                  <a:schemeClr val="bg1">
-                    <a:lumMod val="50000"/>
-                  </a:schemeClr>
-                </a:solidFill>
-              </a:rPr>
-              <a:t>ここに書いた説明で、どのように分析設計が進められ、分析に何が書いてあるか、設計の何が書いてあるか、制御として何に取り組んでいるか、それらがどのようにつながっているか、といったことが把握できる</a:t>
-            </a:r>
-          </a:p>
-        </p:txBody>
-      </p:sp>
-      <p:sp>
-        <p:nvSpPr>
-          <p:cNvPr id="14" name="吹き出し: 四角形 15">
-            <a:extLst>
-              <a:ext uri="{FF2B5EF4-FFF2-40B4-BE49-F238E27FC236}">
-                <a16:creationId xmlns:a16="http://schemas.microsoft.com/office/drawing/2014/main" id="{9CC1E1A6-FEA3-3D42-BCF8-139C71F08402}"/>
-              </a:ext>
-            </a:extLst>
-          </p:cNvPr>
-          <p:cNvSpPr/>
-          <p:nvPr/>
-        </p:nvSpPr>
-        <p:spPr>
-          <a:xfrm>
-            <a:off x="9966460" y="7169909"/>
-            <a:ext cx="3206339" cy="882062"/>
-          </a:xfrm>
-          <a:prstGeom prst="wedgeRectCallout">
-            <a:avLst>
-              <a:gd name="adj1" fmla="val -77127"/>
-              <a:gd name="adj2" fmla="val 206505"/>
-            </a:avLst>
-          </a:prstGeom>
-          <a:solidFill>
-            <a:schemeClr val="accent4">
-              <a:lumMod val="20000"/>
-              <a:lumOff val="80000"/>
-            </a:schemeClr>
-          </a:solidFill>
-        </p:spPr>
-        <p:style>
-          <a:lnRef idx="2">
-            <a:schemeClr val="accent1">
-              <a:shade val="50000"/>
-            </a:schemeClr>
-          </a:lnRef>
-          <a:fillRef idx="1">
-            <a:schemeClr val="accent1"/>
-          </a:fillRef>
-          <a:effectRef idx="0">
-            <a:schemeClr val="accent1"/>
-          </a:effectRef>
-          <a:fontRef idx="minor">
-            <a:schemeClr val="lt1"/>
-          </a:fontRef>
-        </p:style>
-        <p:txBody>
-          <a:bodyPr rtlCol="0" anchor="ctr"/>
-          <a:lstStyle/>
-          <a:p>
-            <a:pPr eaLnBrk="1" hangingPunct="1"/>
-            <a:r>
-              <a:rPr lang="ja-JP" altLang="en-US" sz="2052" dirty="0">
-                <a:solidFill>
-                  <a:srgbClr val="0070C0"/>
-                </a:solidFill>
-              </a:rPr>
-              <a:t>提出時には消してください</a:t>
-            </a:r>
-          </a:p>
-        </p:txBody>
-      </p:sp>
-      <p:sp>
-        <p:nvSpPr>
-          <p:cNvPr id="15" name="吹き出し: 四角形 16">
-            <a:extLst>
-              <a:ext uri="{FF2B5EF4-FFF2-40B4-BE49-F238E27FC236}">
-                <a16:creationId xmlns:a16="http://schemas.microsoft.com/office/drawing/2014/main" id="{BA0D2F77-915E-C044-B126-F3C1DDE22BCD}"/>
-              </a:ext>
-            </a:extLst>
-          </p:cNvPr>
-          <p:cNvSpPr/>
-          <p:nvPr/>
-        </p:nvSpPr>
-        <p:spPr>
-          <a:xfrm>
-            <a:off x="9966460" y="7122978"/>
-            <a:ext cx="3206339" cy="882062"/>
-          </a:xfrm>
-          <a:prstGeom prst="wedgeRectCallout">
-            <a:avLst>
-              <a:gd name="adj1" fmla="val -243656"/>
-              <a:gd name="adj2" fmla="val 237548"/>
-            </a:avLst>
-          </a:prstGeom>
-          <a:solidFill>
-            <a:schemeClr val="accent4">
-              <a:lumMod val="20000"/>
-              <a:lumOff val="80000"/>
-            </a:schemeClr>
-          </a:solidFill>
-        </p:spPr>
-        <p:style>
-          <a:lnRef idx="2">
-            <a:schemeClr val="accent1">
-              <a:shade val="50000"/>
-            </a:schemeClr>
-          </a:lnRef>
-          <a:fillRef idx="1">
-            <a:schemeClr val="accent1"/>
-          </a:fillRef>
-          <a:effectRef idx="0">
-            <a:schemeClr val="accent1"/>
-          </a:effectRef>
-          <a:fontRef idx="minor">
-            <a:schemeClr val="lt1"/>
-          </a:fontRef>
-        </p:style>
-        <p:txBody>
-          <a:bodyPr rtlCol="0" anchor="ctr"/>
-          <a:lstStyle/>
-          <a:p>
-            <a:pPr eaLnBrk="1" hangingPunct="1"/>
-            <a:r>
-              <a:rPr lang="ja-JP" altLang="en-US" sz="2052" dirty="0">
-                <a:solidFill>
-                  <a:srgbClr val="0070C0"/>
-                </a:solidFill>
-              </a:rPr>
-              <a:t>提出時には消してください</a:t>
-            </a:r>
-          </a:p>
-        </p:txBody>
-      </p:sp>
-      <p:sp>
-        <p:nvSpPr>
-          <p:cNvPr id="16" name="吹き出し: 四角形 17">
-            <a:extLst>
-              <a:ext uri="{FF2B5EF4-FFF2-40B4-BE49-F238E27FC236}">
-                <a16:creationId xmlns:a16="http://schemas.microsoft.com/office/drawing/2014/main" id="{8D3A5EBF-D84C-CB44-B08D-6BF2D1207659}"/>
-              </a:ext>
-            </a:extLst>
-          </p:cNvPr>
-          <p:cNvSpPr/>
-          <p:nvPr/>
-        </p:nvSpPr>
-        <p:spPr>
-          <a:xfrm>
-            <a:off x="9966460" y="7098337"/>
-            <a:ext cx="3206339" cy="953634"/>
-          </a:xfrm>
-          <a:prstGeom prst="wedgeRectCallout">
-            <a:avLst>
-              <a:gd name="adj1" fmla="val -139890"/>
-              <a:gd name="adj2" fmla="val -203874"/>
-            </a:avLst>
-          </a:prstGeom>
-          <a:solidFill>
-            <a:schemeClr val="accent4">
-              <a:lumMod val="20000"/>
-              <a:lumOff val="80000"/>
-            </a:schemeClr>
-          </a:solidFill>
-        </p:spPr>
-        <p:style>
-          <a:lnRef idx="2">
-            <a:schemeClr val="accent1">
-              <a:shade val="50000"/>
-            </a:schemeClr>
-          </a:lnRef>
-          <a:fillRef idx="1">
-            <a:schemeClr val="accent1"/>
-          </a:fillRef>
-          <a:effectRef idx="0">
-            <a:schemeClr val="accent1"/>
-          </a:effectRef>
-          <a:fontRef idx="minor">
-            <a:schemeClr val="lt1"/>
-          </a:fontRef>
-        </p:style>
-        <p:txBody>
-          <a:bodyPr rtlCol="0" anchor="ctr"/>
-          <a:lstStyle/>
-          <a:p>
-            <a:pPr eaLnBrk="1" hangingPunct="1"/>
-            <a:r>
-              <a:rPr lang="ja-JP" altLang="en-US" sz="2052" dirty="0">
-                <a:solidFill>
-                  <a:srgbClr val="0070C0"/>
-                </a:solidFill>
-              </a:rPr>
-              <a:t>提出時には消してください</a:t>
-            </a:r>
           </a:p>
         </p:txBody>
       </p:sp>
@@ -6385,7 +6151,7 @@
                 <a:latin typeface="UD デジタル 教科書体 NP" panose="02020400000000000000" pitchFamily="18" charset="-128"/>
                 <a:ea typeface="UD デジタル 教科書体 NP" panose="02020400000000000000" pitchFamily="18" charset="-128"/>
               </a:rPr>
-              <a:t>松山からの参加は今大会が初めてとなります。</a:t>
+              <a:t>昨年度、同名チームが大阪から参加していましたが、松山からの参加は今大会が初めてとなります。</a:t>
             </a:r>
             <a:endParaRPr lang="en-US" altLang="ja-JP" dirty="0">
               <a:latin typeface="UD デジタル 教科書体 NP" panose="02020400000000000000" pitchFamily="18" charset="-128"/>
@@ -6432,6 +6198,34 @@
               </a:rPr>
               <a:t>・</a:t>
             </a:r>
+            <a:r>
+              <a:rPr lang="en-US" altLang="ja-JP" dirty="0">
+                <a:latin typeface="UD デジタル 教科書体 NP" panose="02020400000000000000" pitchFamily="18" charset="-128"/>
+                <a:ea typeface="UD デジタル 教科書体 NP" panose="02020400000000000000" pitchFamily="18" charset="-128"/>
+              </a:rPr>
+              <a:t>15</a:t>
+            </a:r>
+            <a:r>
+              <a:rPr lang="ja-JP" altLang="en-US" dirty="0">
+                <a:latin typeface="UD デジタル 教科書体 NP" panose="02020400000000000000" pitchFamily="18" charset="-128"/>
+                <a:ea typeface="UD デジタル 教科書体 NP" panose="02020400000000000000" pitchFamily="18" charset="-128"/>
+              </a:rPr>
+              <a:t>秒で</a:t>
+            </a:r>
+            <a:r>
+              <a:rPr lang="en-US" altLang="ja-JP" dirty="0">
+                <a:latin typeface="UD デジタル 教科書体 NP" panose="02020400000000000000" pitchFamily="18" charset="-128"/>
+                <a:ea typeface="UD デジタル 教科書体 NP" panose="02020400000000000000" pitchFamily="18" charset="-128"/>
+              </a:rPr>
+              <a:t>LAP</a:t>
+            </a:r>
+            <a:r>
+              <a:rPr lang="ja-JP" altLang="en-US" dirty="0">
+                <a:latin typeface="UD デジタル 教科書体 NP" panose="02020400000000000000" pitchFamily="18" charset="-128"/>
+                <a:ea typeface="UD デジタル 教科書体 NP" panose="02020400000000000000" pitchFamily="18" charset="-128"/>
+              </a:rPr>
+              <a:t>までを走行する</a:t>
+            </a:r>
             <a:endParaRPr lang="en-US" altLang="ja-JP" dirty="0">
               <a:latin typeface="UD デジタル 教科書体 NP" panose="02020400000000000000" pitchFamily="18" charset="-128"/>
               <a:ea typeface="UD デジタル 教科書体 NP" panose="02020400000000000000" pitchFamily="18" charset="-128"/>
@@ -6444,7 +6238,7 @@
                 <a:latin typeface="UD デジタル 教科書体 NP" panose="02020400000000000000" pitchFamily="18" charset="-128"/>
                 <a:ea typeface="UD デジタル 教科書体 NP" panose="02020400000000000000" pitchFamily="18" charset="-128"/>
               </a:rPr>
-              <a:t>・</a:t>
+              <a:t>・ダブルループですべてのゲートを通過する</a:t>
             </a:r>
             <a:endParaRPr lang="en-US" altLang="ja-JP" dirty="0">
               <a:latin typeface="UD デジタル 教科書体 NP" panose="02020400000000000000" pitchFamily="18" charset="-128"/>
@@ -6484,10 +6278,13 @@
           </a:p>
           <a:p>
             <a:pPr marL="0" indent="0"/>
-            <a:endParaRPr lang="ja-JP" altLang="en-US" dirty="0">
-              <a:latin typeface="UD デジタル 教科書体 NP" panose="02020400000000000000" pitchFamily="18" charset="-128"/>
-              <a:ea typeface="UD デジタル 教科書体 NP" panose="02020400000000000000" pitchFamily="18" charset="-128"/>
-            </a:endParaRPr>
+            <a:r>
+              <a:rPr lang="ja-JP" altLang="en-US" dirty="0">
+                <a:latin typeface="UD デジタル 教科書体 NP" panose="02020400000000000000" pitchFamily="18" charset="-128"/>
+                <a:ea typeface="UD デジタル 教科書体 NP" panose="02020400000000000000" pitchFamily="18" charset="-128"/>
+              </a:rPr>
+              <a:t>・</a:t>
+            </a:r>
           </a:p>
         </p:txBody>
       </p:sp>
@@ -6653,121 +6450,183 @@
               </a:spcBef>
             </a:pPr>
             <a:r>
-              <a:rPr lang="ja-JP" altLang="en-US" sz="2168" b="1" dirty="0">
+              <a:rPr lang="ja-JP" altLang="en-US" sz="2168" dirty="0">
                 <a:solidFill>
                   <a:srgbClr val="FF0000"/>
                 </a:solidFill>
+                <a:latin typeface="UD デジタル 教科書体 NP" panose="02020400000000000000" pitchFamily="18" charset="-128"/>
+                <a:ea typeface="UD デジタル 教科書体 NP" panose="02020400000000000000" pitchFamily="18" charset="-128"/>
               </a:rPr>
               <a:t>モデルの概要</a:t>
             </a:r>
           </a:p>
           <a:p>
-            <a:pPr marL="219212" indent="-219212" eaLnBrk="1" hangingPunct="1">
+            <a:pPr marL="0" indent="0" eaLnBrk="1" hangingPunct="1">
               <a:lnSpc>
                 <a:spcPct val="80000"/>
               </a:lnSpc>
               <a:spcBef>
                 <a:spcPts val="668"/>
               </a:spcBef>
-              <a:buFont typeface="Arial" panose="020B0604020202020204" pitchFamily="34" charset="0"/>
-              <a:buChar char="•"/>
             </a:pPr>
             <a:r>
+              <a:rPr lang="ja-JP" altLang="en-US" dirty="0">
+                <a:latin typeface="UD デジタル 教科書体 NP" panose="02020400000000000000" pitchFamily="18" charset="-128"/>
+                <a:ea typeface="UD デジタル 教科書体 NP" panose="02020400000000000000" pitchFamily="18" charset="-128"/>
+              </a:rPr>
+              <a:t>選択課題：ダブルループ</a:t>
+            </a:r>
+            <a:endParaRPr lang="en-US" altLang="ja-JP" dirty="0">
+              <a:latin typeface="UD デジタル 教科書体 NP" panose="02020400000000000000" pitchFamily="18" charset="-128"/>
+              <a:ea typeface="UD デジタル 教科書体 NP" panose="02020400000000000000" pitchFamily="18" charset="-128"/>
+            </a:endParaRPr>
+          </a:p>
+          <a:p>
+            <a:pPr marL="0" indent="0" eaLnBrk="1" hangingPunct="1">
+              <a:lnSpc>
+                <a:spcPct val="80000"/>
+              </a:lnSpc>
+              <a:spcBef>
+                <a:spcPts val="668"/>
+              </a:spcBef>
+            </a:pPr>
+            <a:r>
+              <a:rPr lang="ja-JP" altLang="en-US" dirty="0">
+                <a:latin typeface="UD デジタル 教科書体 NP" panose="02020400000000000000" pitchFamily="18" charset="-128"/>
+                <a:ea typeface="UD デジタル 教科書体 NP" panose="02020400000000000000" pitchFamily="18" charset="-128"/>
+              </a:rPr>
+              <a:t>課題の攻略に向けて</a:t>
+            </a:r>
+            <a:r>
               <a:rPr lang="ja-JP" altLang="en-US" sz="1782" dirty="0">
-                <a:latin typeface="HG丸ｺﾞｼｯｸM-PRO" panose="020F0600000000000000" pitchFamily="50" charset="-128"/>
-                <a:ea typeface="HG丸ｺﾞｼｯｸM-PRO" panose="020F0600000000000000" pitchFamily="50" charset="-128"/>
-              </a:rPr>
-              <a:t>ダミーテキストダミーテキストダミーテキストダミーテキストダミーテキストダミーテキストダミーテキストダミーテキスト</a:t>
-            </a:r>
-          </a:p>
-          <a:p>
-            <a:pPr marL="219212" indent="-219212" eaLnBrk="1" hangingPunct="1">
+                <a:latin typeface="UD デジタル 教科書体 NP" panose="02020400000000000000" pitchFamily="18" charset="-128"/>
+                <a:ea typeface="UD デジタル 教科書体 NP" panose="02020400000000000000" pitchFamily="18" charset="-128"/>
+              </a:rPr>
+              <a:t>大きく</a:t>
+            </a:r>
+            <a:r>
+              <a:rPr lang="en-US" altLang="ja-JP" sz="1782" dirty="0">
+                <a:latin typeface="UD デジタル 教科書体 NP" panose="02020400000000000000" pitchFamily="18" charset="-128"/>
+                <a:ea typeface="UD デジタル 教科書体 NP" panose="02020400000000000000" pitchFamily="18" charset="-128"/>
+              </a:rPr>
+              <a:t>2</a:t>
+            </a:r>
+            <a:r>
+              <a:rPr lang="ja-JP" altLang="en-US" sz="1782" dirty="0">
+                <a:latin typeface="UD デジタル 教科書体 NP" panose="02020400000000000000" pitchFamily="18" charset="-128"/>
+                <a:ea typeface="UD デジタル 教科書体 NP" panose="02020400000000000000" pitchFamily="18" charset="-128"/>
+              </a:rPr>
+              <a:t>つのコンセプトを持つこととした。</a:t>
+            </a:r>
+            <a:endParaRPr lang="en-US" altLang="ja-JP" sz="1782" dirty="0">
+              <a:latin typeface="UD デジタル 教科書体 NP" panose="02020400000000000000" pitchFamily="18" charset="-128"/>
+              <a:ea typeface="UD デジタル 教科書体 NP" panose="02020400000000000000" pitchFamily="18" charset="-128"/>
+            </a:endParaRPr>
+          </a:p>
+          <a:p>
+            <a:pPr marL="0" indent="0" eaLnBrk="1" hangingPunct="1">
               <a:lnSpc>
                 <a:spcPct val="80000"/>
               </a:lnSpc>
               <a:spcBef>
                 <a:spcPts val="668"/>
               </a:spcBef>
-              <a:buFont typeface="Arial" panose="020B0604020202020204" pitchFamily="34" charset="0"/>
-              <a:buChar char="•"/>
             </a:pPr>
             <a:r>
-              <a:rPr lang="ja-JP" altLang="en-US" sz="1782" dirty="0">
-                <a:latin typeface="HG丸ｺﾞｼｯｸM-PRO" panose="020F0600000000000000" pitchFamily="50" charset="-128"/>
-                <a:ea typeface="HG丸ｺﾞｼｯｸM-PRO" panose="020F0600000000000000" pitchFamily="50" charset="-128"/>
-              </a:rPr>
-              <a:t>ダミーテキストダミーテキスト</a:t>
-            </a:r>
-          </a:p>
-          <a:p>
-            <a:pPr marL="219212" indent="-219212" eaLnBrk="1" hangingPunct="1">
+              <a:rPr lang="en-US" altLang="ja-JP" dirty="0">
+                <a:latin typeface="UD デジタル 教科書体 NP" panose="02020400000000000000" pitchFamily="18" charset="-128"/>
+                <a:ea typeface="UD デジタル 教科書体 NP" panose="02020400000000000000" pitchFamily="18" charset="-128"/>
+              </a:rPr>
+              <a:t>1</a:t>
+            </a:r>
+            <a:r>
+              <a:rPr lang="ja-JP" altLang="en-US" dirty="0">
+                <a:latin typeface="UD デジタル 教科書体 NP" panose="02020400000000000000" pitchFamily="18" charset="-128"/>
+                <a:ea typeface="UD デジタル 教科書体 NP" panose="02020400000000000000" pitchFamily="18" charset="-128"/>
+              </a:rPr>
+              <a:t>つ目はシステム全体を</a:t>
+            </a:r>
+            <a:r>
+              <a:rPr lang="en-US" altLang="ja-JP" dirty="0">
+                <a:latin typeface="UD デジタル 教科書体 NP" panose="02020400000000000000" pitchFamily="18" charset="-128"/>
+                <a:ea typeface="UD デジタル 教科書体 NP" panose="02020400000000000000" pitchFamily="18" charset="-128"/>
+              </a:rPr>
+              <a:t>2</a:t>
+            </a:r>
+            <a:r>
+              <a:rPr lang="ja-JP" altLang="en-US" dirty="0">
+                <a:latin typeface="UD デジタル 教科書体 NP" panose="02020400000000000000" pitchFamily="18" charset="-128"/>
+                <a:ea typeface="UD デジタル 教科書体 NP" panose="02020400000000000000" pitchFamily="18" charset="-128"/>
+              </a:rPr>
+              <a:t>つのシステムに分割すること。</a:t>
+            </a:r>
+            <a:endParaRPr lang="en-US" altLang="ja-JP" dirty="0">
+              <a:latin typeface="UD デジタル 教科書体 NP" panose="02020400000000000000" pitchFamily="18" charset="-128"/>
+              <a:ea typeface="UD デジタル 教科書体 NP" panose="02020400000000000000" pitchFamily="18" charset="-128"/>
+            </a:endParaRPr>
+          </a:p>
+          <a:p>
+            <a:pPr marL="0" indent="0" eaLnBrk="1" hangingPunct="1">
               <a:lnSpc>
                 <a:spcPct val="80000"/>
               </a:lnSpc>
               <a:spcBef>
                 <a:spcPts val="668"/>
               </a:spcBef>
-              <a:buFont typeface="Arial" panose="020B0604020202020204" pitchFamily="34" charset="0"/>
-              <a:buChar char="•"/>
             </a:pPr>
             <a:r>
-              <a:rPr lang="ja-JP" altLang="en-US" sz="1782" dirty="0">
-                <a:latin typeface="HG丸ｺﾞｼｯｸM-PRO" panose="020F0600000000000000" pitchFamily="50" charset="-128"/>
-                <a:ea typeface="HG丸ｺﾞｼｯｸM-PRO" panose="020F0600000000000000" pitchFamily="50" charset="-128"/>
-              </a:rPr>
-              <a:t>ダミーテキストダミーテキスト</a:t>
-            </a:r>
-            <a:endParaRPr lang="en-US" altLang="ja-JP" sz="1782" dirty="0">
-              <a:latin typeface="HG丸ｺﾞｼｯｸM-PRO" panose="020F0600000000000000" pitchFamily="50" charset="-128"/>
-              <a:ea typeface="HG丸ｺﾞｼｯｸM-PRO" panose="020F0600000000000000" pitchFamily="50" charset="-128"/>
+              <a:rPr lang="ja-JP" altLang="en-US" dirty="0">
+                <a:latin typeface="UD デジタル 教科書体 NP" panose="02020400000000000000" pitchFamily="18" charset="-128"/>
+                <a:ea typeface="UD デジタル 教科書体 NP" panose="02020400000000000000" pitchFamily="18" charset="-128"/>
+              </a:rPr>
+              <a:t>競技者からみて走行体へのインターフェースとなる「バーチャル運転手」と、走行の実態となる「走行システム」の</a:t>
+            </a:r>
+            <a:r>
+              <a:rPr lang="en-US" altLang="ja-JP" dirty="0">
+                <a:latin typeface="UD デジタル 教科書体 NP" panose="02020400000000000000" pitchFamily="18" charset="-128"/>
+                <a:ea typeface="UD デジタル 教科書体 NP" panose="02020400000000000000" pitchFamily="18" charset="-128"/>
+              </a:rPr>
+              <a:t>2</a:t>
+            </a:r>
+            <a:r>
+              <a:rPr lang="ja-JP" altLang="en-US" dirty="0">
+                <a:latin typeface="UD デジタル 教科書体 NP" panose="02020400000000000000" pitchFamily="18" charset="-128"/>
+                <a:ea typeface="UD デジタル 教科書体 NP" panose="02020400000000000000" pitchFamily="18" charset="-128"/>
+              </a:rPr>
+              <a:t>つに分割し、それぞれの責務を明確に分離することで、明瞭な設計と可用性の高い構造を目指した。</a:t>
+            </a:r>
+            <a:endParaRPr lang="en-US" altLang="ja-JP" dirty="0">
+              <a:latin typeface="UD デジタル 教科書体 NP" panose="02020400000000000000" pitchFamily="18" charset="-128"/>
+              <a:ea typeface="UD デジタル 教科書体 NP" panose="02020400000000000000" pitchFamily="18" charset="-128"/>
             </a:endParaRPr>
           </a:p>
           <a:p>
-            <a:pPr marL="219212" indent="-219212" eaLnBrk="1" hangingPunct="1">
+            <a:pPr marL="0" indent="0" eaLnBrk="1" hangingPunct="1">
               <a:lnSpc>
                 <a:spcPct val="80000"/>
               </a:lnSpc>
               <a:spcBef>
                 <a:spcPts val="668"/>
               </a:spcBef>
-              <a:buFont typeface="Arial" panose="020B0604020202020204" pitchFamily="34" charset="0"/>
-              <a:buChar char="•"/>
             </a:pPr>
             <a:r>
-              <a:rPr lang="ja-JP" altLang="en-US" sz="1782" dirty="0">
-                <a:latin typeface="HG丸ｺﾞｼｯｸM-PRO" panose="020F0600000000000000" pitchFamily="50" charset="-128"/>
-                <a:ea typeface="HG丸ｺﾞｼｯｸM-PRO" panose="020F0600000000000000" pitchFamily="50" charset="-128"/>
-              </a:rPr>
-              <a:t>（文字サイズは</a:t>
-            </a:r>
-            <a:r>
-              <a:rPr lang="en-US" altLang="ja-JP" sz="1782" dirty="0">
-                <a:latin typeface="HG丸ｺﾞｼｯｸM-PRO" panose="020F0600000000000000" pitchFamily="50" charset="-128"/>
-                <a:ea typeface="HG丸ｺﾞｼｯｸM-PRO" panose="020F0600000000000000" pitchFamily="50" charset="-128"/>
-              </a:rPr>
-              <a:t>16</a:t>
-            </a:r>
-            <a:r>
-              <a:rPr lang="ja-JP" altLang="en-US" sz="1782" dirty="0">
-                <a:latin typeface="HG丸ｺﾞｼｯｸM-PRO" panose="020F0600000000000000" pitchFamily="50" charset="-128"/>
-                <a:ea typeface="HG丸ｺﾞｼｯｸM-PRO" panose="020F0600000000000000" pitchFamily="50" charset="-128"/>
-              </a:rPr>
-              <a:t>ポイント以上、全角で</a:t>
-            </a:r>
-            <a:r>
-              <a:rPr lang="en-US" altLang="ja-JP" sz="1782" dirty="0">
-                <a:latin typeface="HG丸ｺﾞｼｯｸM-PRO" panose="020F0600000000000000" pitchFamily="50" charset="-128"/>
-                <a:ea typeface="HG丸ｺﾞｼｯｸM-PRO" panose="020F0600000000000000" pitchFamily="50" charset="-128"/>
-              </a:rPr>
-              <a:t>300</a:t>
-            </a:r>
-            <a:r>
-              <a:rPr lang="ja-JP" altLang="en-US" sz="1782" dirty="0">
-                <a:latin typeface="HG丸ｺﾞｼｯｸM-PRO" panose="020F0600000000000000" pitchFamily="50" charset="-128"/>
-                <a:ea typeface="HG丸ｺﾞｼｯｸM-PRO" panose="020F0600000000000000" pitchFamily="50" charset="-128"/>
-              </a:rPr>
-              <a:t>文字程度）</a:t>
-            </a:r>
+              <a:rPr lang="en-US" altLang="ja-JP" dirty="0">
+                <a:latin typeface="UD デジタル 教科書体 NP" panose="02020400000000000000" pitchFamily="18" charset="-128"/>
+                <a:ea typeface="UD デジタル 教科書体 NP" panose="02020400000000000000" pitchFamily="18" charset="-128"/>
+              </a:rPr>
+              <a:t>2</a:t>
+            </a:r>
+            <a:r>
+              <a:rPr lang="ja-JP" altLang="en-US" dirty="0">
+                <a:latin typeface="UD デジタル 教科書体 NP" panose="02020400000000000000" pitchFamily="18" charset="-128"/>
+                <a:ea typeface="UD デジタル 教科書体 NP" panose="02020400000000000000" pitchFamily="18" charset="-128"/>
+              </a:rPr>
+              <a:t>つ目はコースの攻略において、実行単位をアクションという単位に分割すること。</a:t>
+            </a:r>
+            <a:endParaRPr lang="en-US" altLang="ja-JP" dirty="0">
+              <a:latin typeface="UD デジタル 教科書体 NP" panose="02020400000000000000" pitchFamily="18" charset="-128"/>
+              <a:ea typeface="UD デジタル 教科書体 NP" panose="02020400000000000000" pitchFamily="18" charset="-128"/>
+            </a:endParaRPr>
           </a:p>
           <a:p>
             <a:pPr marL="0" indent="0" eaLnBrk="1" hangingPunct="1">
@@ -6778,9 +6637,30 @@
                 <a:spcPts val="668"/>
               </a:spcBef>
             </a:pPr>
-            <a:endParaRPr lang="ja-JP" altLang="en-US" sz="1782" dirty="0">
-              <a:latin typeface="HG丸ｺﾞｼｯｸM-PRO" panose="020F0600000000000000" pitchFamily="50" charset="-128"/>
-              <a:ea typeface="HG丸ｺﾞｼｯｸM-PRO" panose="020F0600000000000000" pitchFamily="50" charset="-128"/>
+            <a:r>
+              <a:rPr lang="ja-JP" altLang="en-US" dirty="0">
+                <a:latin typeface="UD デジタル 教科書体 NP" panose="02020400000000000000" pitchFamily="18" charset="-128"/>
+                <a:ea typeface="UD デジタル 教科書体 NP" panose="02020400000000000000" pitchFamily="18" charset="-128"/>
+              </a:rPr>
+              <a:t>アクションはバーチャル運転手の</a:t>
+            </a:r>
+            <a:r>
+              <a:rPr lang="en-US" altLang="ja-JP" dirty="0">
+                <a:latin typeface="UD デジタル 教科書体 NP" panose="02020400000000000000" pitchFamily="18" charset="-128"/>
+                <a:ea typeface="UD デジタル 教科書体 NP" panose="02020400000000000000" pitchFamily="18" charset="-128"/>
+              </a:rPr>
+              <a:t>1</a:t>
+            </a:r>
+            <a:r>
+              <a:rPr lang="ja-JP" altLang="en-US" dirty="0">
+                <a:latin typeface="UD デジタル 教科書体 NP" panose="02020400000000000000" pitchFamily="18" charset="-128"/>
+                <a:ea typeface="UD デジタル 教科書体 NP" panose="02020400000000000000" pitchFamily="18" charset="-128"/>
+              </a:rPr>
+              <a:t>機能の実行を表し、課題の攻略に必要な機能の順次実行をアクションの連なりとして管理するようにした。</a:t>
+            </a:r>
+            <a:endParaRPr lang="en-US" altLang="ja-JP" dirty="0">
+              <a:latin typeface="UD デジタル 教科書体 NP" panose="02020400000000000000" pitchFamily="18" charset="-128"/>
+              <a:ea typeface="UD デジタル 教科書体 NP" panose="02020400000000000000" pitchFamily="18" charset="-128"/>
             </a:endParaRPr>
           </a:p>
           <a:p>
@@ -6789,12 +6669,19 @@
                 <a:spcPct val="80000"/>
               </a:lnSpc>
               <a:spcBef>
-                <a:spcPct val="20000"/>
+                <a:spcPts val="668"/>
               </a:spcBef>
             </a:pPr>
-            <a:endParaRPr lang="en-US" altLang="ja-JP" sz="2004" dirty="0">
-              <a:latin typeface="HG丸ｺﾞｼｯｸM-PRO" panose="020F0600000000000000" pitchFamily="50" charset="-128"/>
-              <a:ea typeface="HG丸ｺﾞｼｯｸM-PRO" panose="020F0600000000000000" pitchFamily="50" charset="-128"/>
+            <a:r>
+              <a:rPr lang="ja-JP" altLang="en-US" dirty="0">
+                <a:latin typeface="UD デジタル 教科書体 NP" panose="02020400000000000000" pitchFamily="18" charset="-128"/>
+                <a:ea typeface="UD デジタル 教科書体 NP" panose="02020400000000000000" pitchFamily="18" charset="-128"/>
+              </a:rPr>
+              <a:t>これにより、次に実行すべきアクションが変わった場合にも、次のアクションを容易に差し替えることができるようになっている。</a:t>
+            </a:r>
+            <a:endParaRPr lang="en-US" altLang="ja-JP" dirty="0">
+              <a:latin typeface="UD デジタル 教科書体 NP" panose="02020400000000000000" pitchFamily="18" charset="-128"/>
+              <a:ea typeface="UD デジタル 教科書体 NP" panose="02020400000000000000" pitchFamily="18" charset="-128"/>
             </a:endParaRPr>
           </a:p>
           <a:p>
@@ -6803,12 +6690,26 @@
                 <a:spcPct val="80000"/>
               </a:lnSpc>
               <a:spcBef>
-                <a:spcPct val="20000"/>
+                <a:spcPts val="668"/>
               </a:spcBef>
             </a:pPr>
-            <a:endParaRPr lang="en-US" altLang="ja-JP" sz="2004" dirty="0">
-              <a:latin typeface="HG丸ｺﾞｼｯｸM-PRO" panose="020F0600000000000000" pitchFamily="50" charset="-128"/>
-              <a:ea typeface="HG丸ｺﾞｼｯｸM-PRO" panose="020F0600000000000000" pitchFamily="50" charset="-128"/>
+            <a:endParaRPr lang="en-US" altLang="ja-JP" dirty="0">
+              <a:latin typeface="UD デジタル 教科書体 NP" panose="02020400000000000000" pitchFamily="18" charset="-128"/>
+              <a:ea typeface="UD デジタル 教科書体 NP" panose="02020400000000000000" pitchFamily="18" charset="-128"/>
+            </a:endParaRPr>
+          </a:p>
+          <a:p>
+            <a:pPr marL="0" indent="0" eaLnBrk="1" hangingPunct="1">
+              <a:lnSpc>
+                <a:spcPct val="80000"/>
+              </a:lnSpc>
+              <a:spcBef>
+                <a:spcPts val="668"/>
+              </a:spcBef>
+            </a:pPr>
+            <a:endParaRPr lang="en-US" altLang="ja-JP" dirty="0">
+              <a:latin typeface="UD デジタル 教科書体 NP" panose="02020400000000000000" pitchFamily="18" charset="-128"/>
+              <a:ea typeface="UD デジタル 教科書体 NP" panose="02020400000000000000" pitchFamily="18" charset="-128"/>
             </a:endParaRPr>
           </a:p>
         </p:txBody>
@@ -6865,13 +6766,22 @@
           <a:p>
             <a:pPr defTabSz="1279525"/>
             <a:r>
+              <a:rPr lang="ja-JP" altLang="en-US" sz="2400" dirty="0">
+                <a:latin typeface="ＭＳ Ｐゴシック" panose="020B0600070205080204" pitchFamily="50" charset="-128"/>
+                <a:ea typeface="ＭＳ Ｐゴシック" panose="020B0600070205080204" pitchFamily="50" charset="-128"/>
+              </a:rPr>
+              <a:t>株式会社システナ 大阪支社 ロボット制御</a:t>
+            </a:r>
+            <a:r>
               <a:rPr lang="en-US" altLang="ja-JP" sz="2400" dirty="0">
-                <a:latin typeface="ＭＳ Ｐゴシック" panose="020B0600070205080204" pitchFamily="34" charset="-128"/>
-              </a:rPr>
-              <a:t>XXXXX</a:t>
+                <a:latin typeface="ＭＳ Ｐゴシック" panose="020B0600070205080204" pitchFamily="50" charset="-128"/>
+                <a:ea typeface="ＭＳ Ｐゴシック" panose="020B0600070205080204" pitchFamily="50" charset="-128"/>
+              </a:rPr>
+              <a:t>WG</a:t>
             </a:r>
             <a:endParaRPr lang="ja-JP" altLang="en-US" sz="2400" dirty="0">
-              <a:latin typeface="ＭＳ Ｐゴシック" panose="020B0600070205080204" pitchFamily="34" charset="-128"/>
+              <a:latin typeface="ＭＳ Ｐゴシック" panose="020B0600070205080204" pitchFamily="50" charset="-128"/>
+              <a:ea typeface="ＭＳ Ｐゴシック" panose="020B0600070205080204" pitchFamily="50" charset="-128"/>
             </a:endParaRPr>
           </a:p>
         </p:txBody>
@@ -6892,7 +6802,7 @@
         </p:nvSpPr>
         <p:spPr bwMode="auto">
           <a:xfrm>
-            <a:off x="7475852" y="850377"/>
+            <a:off x="7487667" y="850377"/>
             <a:ext cx="1928136" cy="593990"/>
           </a:xfrm>
           <a:prstGeom prst="rect">
@@ -6928,13 +6838,15 @@
           <a:p>
             <a:pPr defTabSz="1279525"/>
             <a:r>
-              <a:rPr lang="en-US" altLang="ja-JP" sz="2400" dirty="0">
-                <a:latin typeface="ＭＳ Ｐゴシック" panose="020B0600070205080204" pitchFamily="34" charset="-128"/>
-              </a:rPr>
-              <a:t>XXXXX</a:t>
+              <a:rPr lang="zh-TW" altLang="en-US" sz="2400" dirty="0">
+                <a:latin typeface="ＭＳ Ｐゴシック" panose="020B0600070205080204" pitchFamily="50" charset="-128"/>
+                <a:ea typeface="ＭＳ Ｐゴシック" panose="020B0600070205080204" pitchFamily="50" charset="-128"/>
+              </a:rPr>
+              <a:t>愛媛県松山市</a:t>
             </a:r>
             <a:endParaRPr lang="ja-JP" altLang="en-US" sz="2400" dirty="0">
-              <a:latin typeface="ＭＳ Ｐゴシック" panose="020B0600070205080204" pitchFamily="34" charset="-128"/>
+              <a:latin typeface="ＭＳ Ｐゴシック" panose="020B0600070205080204" pitchFamily="50" charset="-128"/>
+              <a:ea typeface="ＭＳ Ｐゴシック" panose="020B0600070205080204" pitchFamily="50" charset="-128"/>
             </a:endParaRPr>
           </a:p>
         </p:txBody>
@@ -6994,7 +6906,7 @@
               <a:rPr lang="en-US" altLang="ja-JP" sz="2400" dirty="0">
                 <a:latin typeface="ＭＳ Ｐゴシック" panose="020B0600070205080204" pitchFamily="34" charset="-128"/>
               </a:rPr>
-              <a:t>XXXXX</a:t>
+              <a:t>22</a:t>
             </a:r>
             <a:endParaRPr lang="ja-JP" altLang="en-US" sz="2400" dirty="0">
               <a:latin typeface="ＭＳ Ｐゴシック" panose="020B0600070205080204" pitchFamily="34" charset="-128"/>
@@ -7054,154 +6966,11 @@
           <a:p>
             <a:pPr defTabSz="1279525"/>
             <a:r>
-              <a:rPr lang="en-US" altLang="ja-JP" sz="2400" dirty="0">
+              <a:rPr lang="ja-JP" altLang="en-US" sz="2400" dirty="0">
                 <a:latin typeface="ＭＳ Ｐゴシック" panose="020B0600070205080204" pitchFamily="34" charset="-128"/>
               </a:rPr>
-              <a:t>XXXXX</a:t>
-            </a:r>
-            <a:endParaRPr lang="ja-JP" altLang="en-US" sz="2400" dirty="0">
-              <a:latin typeface="ＭＳ Ｐゴシック" panose="020B0600070205080204" pitchFamily="34" charset="-128"/>
-            </a:endParaRPr>
-          </a:p>
-        </p:txBody>
-      </p:sp>
-      <p:sp>
-        <p:nvSpPr>
-          <p:cNvPr id="2" name="吹き出し: 四角形 18">
-            <a:extLst>
-              <a:ext uri="{FF2B5EF4-FFF2-40B4-BE49-F238E27FC236}">
-                <a16:creationId xmlns:a16="http://schemas.microsoft.com/office/drawing/2014/main" id="{D77D73AE-8206-ACEB-BE25-6CC7A3D49E1F}"/>
-              </a:ext>
-            </a:extLst>
-          </p:cNvPr>
-          <p:cNvSpPr/>
-          <p:nvPr/>
-        </p:nvSpPr>
-        <p:spPr>
-          <a:xfrm>
-            <a:off x="9503891" y="1748284"/>
-            <a:ext cx="5400600" cy="1221357"/>
-          </a:xfrm>
-          <a:prstGeom prst="wedgeRectCallout">
-            <a:avLst>
-              <a:gd name="adj1" fmla="val -45329"/>
-              <a:gd name="adj2" fmla="val -100219"/>
-            </a:avLst>
-          </a:prstGeom>
-          <a:solidFill>
-            <a:schemeClr val="accent4">
-              <a:lumMod val="20000"/>
-              <a:lumOff val="80000"/>
-            </a:schemeClr>
-          </a:solidFill>
-        </p:spPr>
-        <p:style>
-          <a:lnRef idx="2">
-            <a:schemeClr val="accent1">
-              <a:shade val="50000"/>
-            </a:schemeClr>
-          </a:lnRef>
-          <a:fillRef idx="1">
-            <a:schemeClr val="accent1"/>
-          </a:fillRef>
-          <a:effectRef idx="0">
-            <a:schemeClr val="accent1"/>
-          </a:effectRef>
-          <a:fontRef idx="minor">
-            <a:schemeClr val="lt1"/>
-          </a:fontRef>
-        </p:style>
-        <p:txBody>
-          <a:bodyPr rtlCol="0" anchor="ctr"/>
-          <a:lstStyle/>
-          <a:p>
-            <a:pPr eaLnBrk="1" hangingPunct="1"/>
-            <a:r>
-              <a:rPr lang="en-US" altLang="ja-JP" sz="2052" dirty="0">
-                <a:solidFill>
-                  <a:srgbClr val="0070C0"/>
-                </a:solidFill>
-              </a:rPr>
-              <a:t>XXXXX</a:t>
-            </a:r>
-            <a:r>
-              <a:rPr lang="ja-JP" altLang="en-US" sz="2052" dirty="0">
-                <a:solidFill>
-                  <a:srgbClr val="0070C0"/>
-                </a:solidFill>
-              </a:rPr>
-              <a:t>には</a:t>
-            </a:r>
-            <a:r>
-              <a:rPr lang="en-US" altLang="ja-JP" sz="2052" dirty="0">
-                <a:solidFill>
-                  <a:srgbClr val="0070C0"/>
-                </a:solidFill>
-              </a:rPr>
-              <a:t>ET</a:t>
-            </a:r>
-            <a:r>
-              <a:rPr lang="ja-JP" altLang="en-US" sz="2052" dirty="0">
-                <a:solidFill>
-                  <a:srgbClr val="0070C0"/>
-                </a:solidFill>
-              </a:rPr>
-              <a:t>ロボコン公式</a:t>
-            </a:r>
-            <a:r>
-              <a:rPr lang="en-US" altLang="ja-JP" sz="2052" dirty="0">
-                <a:solidFill>
-                  <a:srgbClr val="0070C0"/>
-                </a:solidFill>
-              </a:rPr>
-              <a:t>HP</a:t>
-            </a:r>
-            <a:r>
-              <a:rPr lang="ja-JP" altLang="en-US" sz="2052" dirty="0">
-                <a:solidFill>
-                  <a:srgbClr val="0070C0"/>
-                </a:solidFill>
-              </a:rPr>
-              <a:t>に掲載されている参加チーム一覧表の該当項目を記載</a:t>
-            </a:r>
-            <a:endParaRPr lang="en-US" altLang="ja-JP" sz="2052" dirty="0">
-              <a:solidFill>
-                <a:srgbClr val="0070C0"/>
-              </a:solidFill>
-            </a:endParaRPr>
-          </a:p>
-          <a:p>
-            <a:pPr eaLnBrk="1" hangingPunct="1"/>
-            <a:r>
-              <a:rPr lang="en-US" altLang="ja-JP" sz="2052" dirty="0">
-                <a:solidFill>
-                  <a:srgbClr val="0070C0"/>
-                </a:solidFill>
-              </a:rPr>
-              <a:t>(</a:t>
-            </a:r>
-            <a:r>
-              <a:rPr lang="en-US" altLang="ja-JP" sz="2052" dirty="0">
-                <a:solidFill>
-                  <a:srgbClr val="0070C0"/>
-                </a:solidFill>
-                <a:hlinkClick r:id="rId2"/>
-              </a:rPr>
-              <a:t>https://www.etrobo.jp/teamlist/</a:t>
-            </a:r>
-            <a:r>
-              <a:rPr lang="en-US" altLang="ja-JP" sz="2052" dirty="0">
-                <a:solidFill>
-                  <a:srgbClr val="0070C0"/>
-                </a:solidFill>
-              </a:rPr>
-              <a:t>)</a:t>
-            </a:r>
-            <a:endParaRPr lang="ja-JP" altLang="en-US" sz="2052" dirty="0">
-              <a:solidFill>
-                <a:srgbClr val="0070C0"/>
-              </a:solidFill>
-            </a:endParaRPr>
+              <a:t>てなろぼ★ぷらいまりぃ</a:t>
+            </a:r>
           </a:p>
         </p:txBody>
       </p:sp>
@@ -7251,8 +7020,8 @@
         </p:nvSpPr>
         <p:spPr bwMode="auto">
           <a:xfrm>
-            <a:off x="9560781" y="651211"/>
-            <a:ext cx="5471078" cy="9919515"/>
+            <a:off x="8170747" y="600411"/>
+            <a:ext cx="6896672" cy="10050544"/>
           </a:xfrm>
           <a:prstGeom prst="rect">
             <a:avLst/>
@@ -7429,7 +7198,7 @@
                 <a:latin typeface="UD デジタル 教科書体 NP" panose="02020400000000000000" pitchFamily="18" charset="-128"/>
                 <a:ea typeface="UD デジタル 教科書体 NP" panose="02020400000000000000" pitchFamily="18" charset="-128"/>
               </a:rPr>
-              <a:t>競技者からバーチャル運転手への運転依頼時、同時に地図情報を引き渡す。</a:t>
+              <a:t>先述の通りバーチャル運転手は競技者から</a:t>
             </a:r>
             <a:endParaRPr lang="en-US" altLang="ja-JP" sz="1200" dirty="0">
               <a:latin typeface="UD デジタル 教科書体 NP" panose="02020400000000000000" pitchFamily="18" charset="-128"/>
@@ -7450,7 +7219,7 @@
                 <a:latin typeface="UD デジタル 教科書体 NP" panose="02020400000000000000" pitchFamily="18" charset="-128"/>
                 <a:ea typeface="UD デジタル 教科書体 NP" panose="02020400000000000000" pitchFamily="18" charset="-128"/>
               </a:rPr>
-              <a:t>地図情報とは「目的地」に至るまでの「分岐合図」と「進行方向」の</a:t>
+              <a:t>引き渡されたマップ情報を基に走行する。</a:t>
             </a:r>
             <a:endParaRPr lang="en-US" altLang="ja-JP" sz="1200" dirty="0">
               <a:latin typeface="UD デジタル 教科書体 NP" panose="02020400000000000000" pitchFamily="18" charset="-128"/>
@@ -7471,7 +7240,35 @@
                 <a:latin typeface="UD デジタル 教科書体 NP" panose="02020400000000000000" pitchFamily="18" charset="-128"/>
                 <a:ea typeface="UD デジタル 教科書体 NP" panose="02020400000000000000" pitchFamily="18" charset="-128"/>
               </a:rPr>
-              <a:t>リストで構成される。</a:t>
+              <a:t>表</a:t>
+            </a:r>
+            <a:r>
+              <a:rPr lang="en-US" altLang="ja-JP" sz="1200" dirty="0">
+                <a:latin typeface="UD デジタル 教科書体 NP" panose="02020400000000000000" pitchFamily="18" charset="-128"/>
+                <a:ea typeface="UD デジタル 教科書体 NP" panose="02020400000000000000" pitchFamily="18" charset="-128"/>
+              </a:rPr>
+              <a:t>1.2</a:t>
+            </a:r>
+            <a:r>
+              <a:rPr lang="ja-JP" altLang="en-US" sz="1200" dirty="0">
+                <a:latin typeface="UD デジタル 教科書体 NP" panose="02020400000000000000" pitchFamily="18" charset="-128"/>
+                <a:ea typeface="UD デジタル 教科書体 NP" panose="02020400000000000000" pitchFamily="18" charset="-128"/>
+              </a:rPr>
+              <a:t>、図</a:t>
+            </a:r>
+            <a:r>
+              <a:rPr lang="en-US" altLang="ja-JP" sz="1200" dirty="0">
+                <a:latin typeface="UD デジタル 教科書体 NP" panose="02020400000000000000" pitchFamily="18" charset="-128"/>
+                <a:ea typeface="UD デジタル 教科書体 NP" panose="02020400000000000000" pitchFamily="18" charset="-128"/>
+              </a:rPr>
+              <a:t>1.3</a:t>
+            </a:r>
+            <a:r>
+              <a:rPr lang="ja-JP" altLang="en-US" sz="1200" dirty="0">
+                <a:latin typeface="UD デジタル 教科書体 NP" panose="02020400000000000000" pitchFamily="18" charset="-128"/>
+                <a:ea typeface="UD デジタル 教科書体 NP" panose="02020400000000000000" pitchFamily="18" charset="-128"/>
+              </a:rPr>
+              <a:t>にダブルループ攻略における</a:t>
             </a:r>
             <a:endParaRPr lang="en-US" altLang="ja-JP" sz="1200" dirty="0">
               <a:latin typeface="UD デジタル 教科書体 NP" panose="02020400000000000000" pitchFamily="18" charset="-128"/>
@@ -7492,7 +7289,7 @@
                 <a:latin typeface="UD デジタル 教科書体 NP" panose="02020400000000000000" pitchFamily="18" charset="-128"/>
                 <a:ea typeface="UD デジタル 教科書体 NP" panose="02020400000000000000" pitchFamily="18" charset="-128"/>
               </a:rPr>
-              <a:t>ダブルループのコースにおい</a:t>
+              <a:t>マップ情報を示した。。</a:t>
             </a:r>
             <a:endParaRPr lang="en-US" altLang="ja-JP" sz="1200" dirty="0">
               <a:latin typeface="UD デジタル 教科書体 NP" panose="02020400000000000000" pitchFamily="18" charset="-128"/>
@@ -7513,7 +7310,7 @@
                 <a:latin typeface="UD デジタル 教科書体 NP" panose="02020400000000000000" pitchFamily="18" charset="-128"/>
                 <a:ea typeface="UD デジタル 教科書体 NP" panose="02020400000000000000" pitchFamily="18" charset="-128"/>
               </a:rPr>
-              <a:t>ては、「分岐合図」はすべて</a:t>
+              <a:t>また、マップ情報を利用したダブルループ</a:t>
             </a:r>
             <a:endParaRPr lang="en-US" altLang="ja-JP" sz="1200" dirty="0">
               <a:latin typeface="UD デジタル 教科書体 NP" panose="02020400000000000000" pitchFamily="18" charset="-128"/>
@@ -7534,7 +7331,21 @@
                 <a:latin typeface="UD デジタル 教科書体 NP" panose="02020400000000000000" pitchFamily="18" charset="-128"/>
                 <a:ea typeface="UD デジタル 教科書体 NP" panose="02020400000000000000" pitchFamily="18" charset="-128"/>
               </a:rPr>
-              <a:t>「青ライン検知」となる。</a:t>
+              <a:t>攻略の流れを図</a:t>
+            </a:r>
+            <a:r>
+              <a:rPr lang="en-US" altLang="ja-JP" sz="1200" dirty="0">
+                <a:latin typeface="UD デジタル 教科書体 NP" panose="02020400000000000000" pitchFamily="18" charset="-128"/>
+                <a:ea typeface="UD デジタル 教科書体 NP" panose="02020400000000000000" pitchFamily="18" charset="-128"/>
+              </a:rPr>
+              <a:t>1.4</a:t>
+            </a:r>
+            <a:r>
+              <a:rPr lang="ja-JP" altLang="en-US" sz="1200" dirty="0">
+                <a:latin typeface="UD デジタル 教科書体 NP" panose="02020400000000000000" pitchFamily="18" charset="-128"/>
+                <a:ea typeface="UD デジタル 教科書体 NP" panose="02020400000000000000" pitchFamily="18" charset="-128"/>
+              </a:rPr>
+              <a:t>に示した。</a:t>
             </a:r>
             <a:endParaRPr lang="en-US" altLang="ja-JP" sz="1200" dirty="0">
               <a:latin typeface="UD デジタル 教科書体 NP" panose="02020400000000000000" pitchFamily="18" charset="-128"/>
@@ -7555,7 +7366,7 @@
                 <a:latin typeface="UD デジタル 教科書体 NP" panose="02020400000000000000" pitchFamily="18" charset="-128"/>
                 <a:ea typeface="UD デジタル 教科書体 NP" panose="02020400000000000000" pitchFamily="18" charset="-128"/>
               </a:rPr>
-              <a:t>ダブルループ攻略における</a:t>
+              <a:t>マップ情報の引き渡しには設定ファイルを</a:t>
             </a:r>
             <a:endParaRPr lang="en-US" altLang="ja-JP" sz="1200" dirty="0">
               <a:latin typeface="UD デジタル 教科書体 NP" panose="02020400000000000000" pitchFamily="18" charset="-128"/>
@@ -7576,35 +7387,7 @@
                 <a:latin typeface="UD デジタル 教科書体 NP" panose="02020400000000000000" pitchFamily="18" charset="-128"/>
                 <a:ea typeface="UD デジタル 教科書体 NP" panose="02020400000000000000" pitchFamily="18" charset="-128"/>
               </a:rPr>
-              <a:t>マップ情報を表</a:t>
-            </a:r>
-            <a:r>
-              <a:rPr lang="en-US" altLang="ja-JP" sz="1200" dirty="0">
-                <a:latin typeface="UD デジタル 教科書体 NP" panose="02020400000000000000" pitchFamily="18" charset="-128"/>
-                <a:ea typeface="UD デジタル 教科書体 NP" panose="02020400000000000000" pitchFamily="18" charset="-128"/>
-              </a:rPr>
-              <a:t>1.2</a:t>
-            </a:r>
-            <a:r>
-              <a:rPr lang="ja-JP" altLang="en-US" sz="1200" dirty="0">
-                <a:latin typeface="UD デジタル 教科書体 NP" panose="02020400000000000000" pitchFamily="18" charset="-128"/>
-                <a:ea typeface="UD デジタル 教科書体 NP" panose="02020400000000000000" pitchFamily="18" charset="-128"/>
-              </a:rPr>
-              <a:t>と図</a:t>
-            </a:r>
-            <a:r>
-              <a:rPr lang="en-US" altLang="ja-JP" sz="1200" dirty="0">
-                <a:latin typeface="UD デジタル 教科書体 NP" panose="02020400000000000000" pitchFamily="18" charset="-128"/>
-                <a:ea typeface="UD デジタル 教科書体 NP" panose="02020400000000000000" pitchFamily="18" charset="-128"/>
-              </a:rPr>
-              <a:t>1.3</a:t>
-            </a:r>
-            <a:r>
-              <a:rPr lang="ja-JP" altLang="en-US" sz="1200" dirty="0">
-                <a:latin typeface="UD デジタル 教科書体 NP" panose="02020400000000000000" pitchFamily="18" charset="-128"/>
-                <a:ea typeface="UD デジタル 教科書体 NP" panose="02020400000000000000" pitchFamily="18" charset="-128"/>
-              </a:rPr>
-              <a:t>に、</a:t>
+              <a:t>利用し、バーチャル運転手は処理開始時に</a:t>
             </a:r>
             <a:endParaRPr lang="en-US" altLang="ja-JP" sz="1200" dirty="0">
               <a:latin typeface="UD デジタル 教科書体 NP" panose="02020400000000000000" pitchFamily="18" charset="-128"/>
@@ -7625,21 +7408,7 @@
                 <a:latin typeface="UD デジタル 教科書体 NP" panose="02020400000000000000" pitchFamily="18" charset="-128"/>
                 <a:ea typeface="UD デジタル 教科書体 NP" panose="02020400000000000000" pitchFamily="18" charset="-128"/>
               </a:rPr>
-              <a:t>機能の流れを図</a:t>
-            </a:r>
-            <a:r>
-              <a:rPr lang="en-US" altLang="ja-JP" sz="1200" dirty="0">
-                <a:latin typeface="UD デジタル 教科書体 NP" panose="02020400000000000000" pitchFamily="18" charset="-128"/>
-                <a:ea typeface="UD デジタル 教科書体 NP" panose="02020400000000000000" pitchFamily="18" charset="-128"/>
-              </a:rPr>
-              <a:t>1.4</a:t>
-            </a:r>
-            <a:r>
-              <a:rPr lang="ja-JP" altLang="en-US" sz="1200" dirty="0">
-                <a:latin typeface="UD デジタル 教科書体 NP" panose="02020400000000000000" pitchFamily="18" charset="-128"/>
-                <a:ea typeface="UD デジタル 教科書体 NP" panose="02020400000000000000" pitchFamily="18" charset="-128"/>
-              </a:rPr>
-              <a:t>に示した。</a:t>
+              <a:t>設定ファイルを読みこむこととする。</a:t>
             </a:r>
             <a:endParaRPr lang="en-US" altLang="ja-JP" sz="1200" dirty="0">
               <a:latin typeface="UD デジタル 教科書体 NP" panose="02020400000000000000" pitchFamily="18" charset="-128"/>
@@ -7664,8 +7433,8 @@
         </p:nvSpPr>
         <p:spPr bwMode="auto">
           <a:xfrm>
-            <a:off x="152494" y="652984"/>
-            <a:ext cx="9408286" cy="3226182"/>
+            <a:off x="51931" y="602183"/>
+            <a:ext cx="8118817" cy="3396419"/>
           </a:xfrm>
           <a:prstGeom prst="rect">
             <a:avLst/>
@@ -7863,7 +7632,7 @@
                 <a:latin typeface="UD デジタル 教科書体 NP" panose="02020400000000000000" pitchFamily="18" charset="-128"/>
                 <a:ea typeface="UD デジタル 教科書体 NP" panose="02020400000000000000" pitchFamily="18" charset="-128"/>
               </a:rPr>
-              <a:t>バーチャル運転手とは、限りなくライン上を走行しながら与えられた目的地へ向かう模範的な運転手を指す。</a:t>
+              <a:t>バーチャル運転手とは、限りなくライン上を走行しながら与えられた目的を達成する模範的な運転手を指す。</a:t>
             </a:r>
             <a:endParaRPr lang="en-US" altLang="ja-JP" sz="1200" dirty="0">
               <a:latin typeface="UD デジタル 教科書体 NP" panose="02020400000000000000" pitchFamily="18" charset="-128"/>
@@ -7884,38 +7653,21 @@
                 <a:latin typeface="UD デジタル 教科書体 NP" panose="02020400000000000000" pitchFamily="18" charset="-128"/>
                 <a:ea typeface="UD デジタル 教科書体 NP" panose="02020400000000000000" pitchFamily="18" charset="-128"/>
               </a:rPr>
-              <a:t>その上でダブルループ侵入前から脱出後までのコースを汎化して捉えると、</a:t>
+              <a:t>その上で目的を</a:t>
             </a:r>
             <a:r>
               <a:rPr lang="ja-JP" altLang="en-US" sz="1200" b="1" dirty="0">
                 <a:latin typeface="UD デジタル 教科書体 NP" panose="02020400000000000000" pitchFamily="18" charset="-128"/>
                 <a:ea typeface="UD デジタル 教科書体 NP" panose="02020400000000000000" pitchFamily="18" charset="-128"/>
               </a:rPr>
-              <a:t>「黒ライン」⇒</a:t>
-            </a:r>
-            <a:r>
-              <a:rPr lang="ja-JP" altLang="en-US" sz="1200" b="1" dirty="0">
-                <a:solidFill>
-                  <a:schemeClr val="accent1"/>
-                </a:solidFill>
-                <a:latin typeface="UD デジタル 教科書体 NP" panose="02020400000000000000" pitchFamily="18" charset="-128"/>
-                <a:ea typeface="UD デジタル 教科書体 NP" panose="02020400000000000000" pitchFamily="18" charset="-128"/>
-              </a:rPr>
-              <a:t>「青ライン」</a:t>
-            </a:r>
-            <a:r>
-              <a:rPr lang="ja-JP" altLang="en-US" sz="1200" b="1" dirty="0">
-                <a:latin typeface="UD デジタル 教科書体 NP" panose="02020400000000000000" pitchFamily="18" charset="-128"/>
-                <a:ea typeface="UD デジタル 教科書体 NP" panose="02020400000000000000" pitchFamily="18" charset="-128"/>
-              </a:rPr>
-              <a:t>⇒「分岐」の繰返し</a:t>
+              <a:t>「ダブルループの攻略」</a:t>
             </a:r>
             <a:r>
               <a:rPr lang="ja-JP" altLang="en-US" sz="1200" dirty="0">
                 <a:latin typeface="UD デジタル 教科書体 NP" panose="02020400000000000000" pitchFamily="18" charset="-128"/>
                 <a:ea typeface="UD デジタル 教科書体 NP" panose="02020400000000000000" pitchFamily="18" charset="-128"/>
               </a:rPr>
-              <a:t>である</a:t>
+              <a:t>と置き、ダブルループ侵入前から脱出後までのコースを汎化して捉えると、</a:t>
             </a:r>
             <a:endParaRPr lang="en-US" altLang="ja-JP" sz="1200" dirty="0">
               <a:latin typeface="UD デジタル 教科書体 NP" panose="02020400000000000000" pitchFamily="18" charset="-128"/>
@@ -7932,11 +7684,103 @@
               </a:spcBef>
             </a:pPr>
             <a:r>
+              <a:rPr lang="ja-JP" altLang="en-US" sz="1200" b="1" dirty="0">
+                <a:latin typeface="UD デジタル 教科書体 NP" panose="02020400000000000000" pitchFamily="18" charset="-128"/>
+                <a:ea typeface="UD デジタル 教科書体 NP" panose="02020400000000000000" pitchFamily="18" charset="-128"/>
+              </a:rPr>
+              <a:t>「黒ライン」⇒</a:t>
+            </a:r>
+            <a:r>
+              <a:rPr lang="ja-JP" altLang="en-US" sz="1200" b="1" dirty="0">
+                <a:solidFill>
+                  <a:schemeClr val="accent1"/>
+                </a:solidFill>
+                <a:latin typeface="UD デジタル 教科書体 NP" panose="02020400000000000000" pitchFamily="18" charset="-128"/>
+                <a:ea typeface="UD デジタル 教科書体 NP" panose="02020400000000000000" pitchFamily="18" charset="-128"/>
+              </a:rPr>
+              <a:t>「分岐合図</a:t>
+            </a:r>
+            <a:r>
+              <a:rPr lang="en-US" altLang="ja-JP" sz="1200" b="1" dirty="0">
+                <a:solidFill>
+                  <a:schemeClr val="accent1"/>
+                </a:solidFill>
+                <a:latin typeface="UD デジタル 教科書体 NP" panose="02020400000000000000" pitchFamily="18" charset="-128"/>
+                <a:ea typeface="UD デジタル 教科書体 NP" panose="02020400000000000000" pitchFamily="18" charset="-128"/>
+              </a:rPr>
+              <a:t>(</a:t>
+            </a:r>
+            <a:r>
+              <a:rPr lang="ja-JP" altLang="en-US" sz="1200" b="1" dirty="0">
+                <a:solidFill>
+                  <a:schemeClr val="accent1"/>
+                </a:solidFill>
+                <a:latin typeface="UD デジタル 教科書体 NP" panose="02020400000000000000" pitchFamily="18" charset="-128"/>
+                <a:ea typeface="UD デジタル 教科書体 NP" panose="02020400000000000000" pitchFamily="18" charset="-128"/>
+              </a:rPr>
+              <a:t>青ライン</a:t>
+            </a:r>
+            <a:r>
+              <a:rPr lang="en-US" altLang="ja-JP" sz="1200" b="1" dirty="0">
+                <a:solidFill>
+                  <a:schemeClr val="accent1"/>
+                </a:solidFill>
+                <a:latin typeface="UD デジタル 教科書体 NP" panose="02020400000000000000" pitchFamily="18" charset="-128"/>
+                <a:ea typeface="UD デジタル 教科書体 NP" panose="02020400000000000000" pitchFamily="18" charset="-128"/>
+              </a:rPr>
+              <a:t>)</a:t>
+            </a:r>
+            <a:r>
+              <a:rPr lang="ja-JP" altLang="en-US" sz="1200" b="1" dirty="0">
+                <a:solidFill>
+                  <a:schemeClr val="accent1"/>
+                </a:solidFill>
+                <a:latin typeface="UD デジタル 教科書体 NP" panose="02020400000000000000" pitchFamily="18" charset="-128"/>
+                <a:ea typeface="UD デジタル 教科書体 NP" panose="02020400000000000000" pitchFamily="18" charset="-128"/>
+              </a:rPr>
+              <a:t>」</a:t>
+            </a:r>
+            <a:r>
+              <a:rPr lang="ja-JP" altLang="en-US" sz="1200" b="1" dirty="0">
+                <a:latin typeface="UD デジタル 教科書体 NP" panose="02020400000000000000" pitchFamily="18" charset="-128"/>
+                <a:ea typeface="UD デジタル 教科書体 NP" panose="02020400000000000000" pitchFamily="18" charset="-128"/>
+              </a:rPr>
+              <a:t>⇒「分岐</a:t>
+            </a:r>
+            <a:r>
+              <a:rPr lang="en-US" altLang="ja-JP" sz="1200" b="1" dirty="0">
+                <a:latin typeface="UD デジタル 教科書体 NP" panose="02020400000000000000" pitchFamily="18" charset="-128"/>
+                <a:ea typeface="UD デジタル 教科書体 NP" panose="02020400000000000000" pitchFamily="18" charset="-128"/>
+              </a:rPr>
+              <a:t>(</a:t>
+            </a:r>
+            <a:r>
+              <a:rPr lang="ja-JP" altLang="en-US" sz="1200" b="1" dirty="0">
+                <a:latin typeface="UD デジタル 教科書体 NP" panose="02020400000000000000" pitchFamily="18" charset="-128"/>
+                <a:ea typeface="UD デジタル 教科書体 NP" panose="02020400000000000000" pitchFamily="18" charset="-128"/>
+              </a:rPr>
+              <a:t>黒ライン</a:t>
+            </a:r>
+            <a:r>
+              <a:rPr lang="en-US" altLang="ja-JP" sz="1200" b="1" dirty="0">
+                <a:latin typeface="UD デジタル 教科書体 NP" panose="02020400000000000000" pitchFamily="18" charset="-128"/>
+                <a:ea typeface="UD デジタル 教科書体 NP" panose="02020400000000000000" pitchFamily="18" charset="-128"/>
+              </a:rPr>
+              <a:t>)</a:t>
+            </a:r>
+            <a:r>
+              <a:rPr lang="ja-JP" altLang="en-US" sz="1200" b="1" dirty="0">
+                <a:latin typeface="UD デジタル 教科書体 NP" panose="02020400000000000000" pitchFamily="18" charset="-128"/>
+                <a:ea typeface="UD デジタル 教科書体 NP" panose="02020400000000000000" pitchFamily="18" charset="-128"/>
+              </a:rPr>
+              <a:t>」の繰返し</a:t>
+            </a:r>
+            <a:r>
               <a:rPr lang="ja-JP" altLang="en-US" sz="1200" dirty="0">
                 <a:latin typeface="UD デジタル 教科書体 NP" panose="02020400000000000000" pitchFamily="18" charset="-128"/>
                 <a:ea typeface="UD デジタル 教科書体 NP" panose="02020400000000000000" pitchFamily="18" charset="-128"/>
               </a:rPr>
-              <a:t>ことが分かる。</a:t>
+              <a:t>であることが分かる。</a:t>
             </a:r>
             <a:endParaRPr lang="en-US" altLang="ja-JP" sz="1200" dirty="0">
               <a:latin typeface="UD デジタル 教科書体 NP" panose="02020400000000000000" pitchFamily="18" charset="-128"/>
@@ -7957,7 +7801,7 @@
                 <a:latin typeface="UD デジタル 教科書体 NP" panose="02020400000000000000" pitchFamily="18" charset="-128"/>
                 <a:ea typeface="UD デジタル 教科書体 NP" panose="02020400000000000000" pitchFamily="18" charset="-128"/>
               </a:rPr>
-              <a:t>そのため、バーチャル運転手に青ライン検知後の分岐方向を順を追って教えておくことで、与えられた分岐のとおりダブルループを</a:t>
+              <a:t>そのため、バーチャル運転手に分岐合図検知後の分岐方向を順を追って教えておくことで、</a:t>
             </a:r>
             <a:endParaRPr lang="en-US" altLang="ja-JP" sz="1200" dirty="0">
               <a:latin typeface="UD デジタル 教科書体 NP" panose="02020400000000000000" pitchFamily="18" charset="-128"/>
@@ -7978,7 +7822,7 @@
                 <a:latin typeface="UD デジタル 教科書体 NP" panose="02020400000000000000" pitchFamily="18" charset="-128"/>
                 <a:ea typeface="UD デジタル 教科書体 NP" panose="02020400000000000000" pitchFamily="18" charset="-128"/>
               </a:rPr>
-              <a:t>走行することが期待できる。</a:t>
+              <a:t>与えられた分岐のとおりにダブルループを走行することが期待できる。</a:t>
             </a:r>
             <a:endParaRPr lang="en-US" altLang="ja-JP" sz="1200" dirty="0">
               <a:latin typeface="UD デジタル 教科書体 NP" panose="02020400000000000000" pitchFamily="18" charset="-128"/>
@@ -7999,7 +7843,7 @@
                 <a:latin typeface="UD デジタル 教科書体 NP" panose="02020400000000000000" pitchFamily="18" charset="-128"/>
                 <a:ea typeface="UD デジタル 教科書体 NP" panose="02020400000000000000" pitchFamily="18" charset="-128"/>
               </a:rPr>
-              <a:t>以下にダブルループの侵入部を例に走行イメージを示す。</a:t>
+              <a:t>ダブルループの侵入部を例に走行イメージを示す。</a:t>
             </a:r>
             <a:endParaRPr lang="en-US" altLang="ja-JP" sz="1200" dirty="0">
               <a:latin typeface="UD デジタル 教科書体 NP" panose="02020400000000000000" pitchFamily="18" charset="-128"/>
@@ -8081,7 +7925,7 @@
                 <a:latin typeface="UD デジタル 教科書体 NP" panose="02020400000000000000" pitchFamily="18" charset="-128"/>
                 <a:ea typeface="UD デジタル 教科書体 NP" panose="02020400000000000000" pitchFamily="18" charset="-128"/>
               </a:rPr>
-              <a:t>の個所では黒色のラインをトレースして走行する。その際走行体が左右どちらの</a:t>
+              <a:t>の個所では黒ラインをトレースして走行する。</a:t>
             </a:r>
             <a:endParaRPr lang="en-US" altLang="ja-JP" sz="1200" dirty="0">
               <a:latin typeface="UD デジタル 教科書体 NP" panose="02020400000000000000" pitchFamily="18" charset="-128"/>
@@ -8102,7 +7946,7 @@
                 <a:latin typeface="UD デジタル 教科書体 NP" panose="02020400000000000000" pitchFamily="18" charset="-128"/>
                 <a:ea typeface="UD デジタル 教科書体 NP" panose="02020400000000000000" pitchFamily="18" charset="-128"/>
               </a:rPr>
-              <a:t>ラインエッジを走行しているかは問わない。</a:t>
+              <a:t>後ほど進路の決定を行うため、この時点では走行体が左右どちらのラインエッジを</a:t>
             </a:r>
             <a:endParaRPr lang="en-US" altLang="ja-JP" sz="1200" dirty="0">
               <a:latin typeface="UD デジタル 教科書体 NP" panose="02020400000000000000" pitchFamily="18" charset="-128"/>
@@ -8123,54 +7967,7 @@
                 <a:latin typeface="UD デジタル 教科書体 NP" panose="02020400000000000000" pitchFamily="18" charset="-128"/>
                 <a:ea typeface="UD デジタル 教科書体 NP" panose="02020400000000000000" pitchFamily="18" charset="-128"/>
               </a:rPr>
-              <a:t>青ラインを検知後、</a:t>
-            </a:r>
-            <a:r>
-              <a:rPr lang="ja-JP" altLang="en-US" sz="1200" dirty="0">
-                <a:solidFill>
-                  <a:schemeClr val="accent1"/>
-                </a:solidFill>
-                <a:latin typeface="UD デジタル 教科書体 NP" panose="02020400000000000000" pitchFamily="18" charset="-128"/>
-                <a:ea typeface="UD デジタル 教科書体 NP" panose="02020400000000000000" pitchFamily="18" charset="-128"/>
-              </a:rPr>
-              <a:t>青矢印</a:t>
-            </a:r>
-            <a:r>
-              <a:rPr lang="en-US" altLang="ja-JP" sz="1200" dirty="0">
-                <a:solidFill>
-                  <a:schemeClr val="accent1"/>
-                </a:solidFill>
-                <a:latin typeface="UD デジタル 教科書体 NP" panose="02020400000000000000" pitchFamily="18" charset="-128"/>
-                <a:ea typeface="UD デジタル 教科書体 NP" panose="02020400000000000000" pitchFamily="18" charset="-128"/>
-              </a:rPr>
-              <a:t>(</a:t>
-            </a:r>
-            <a:r>
-              <a:rPr lang="ja-JP" altLang="en-US" sz="1200" dirty="0">
-                <a:solidFill>
-                  <a:schemeClr val="accent1"/>
-                </a:solidFill>
-                <a:latin typeface="UD デジタル 教科書体 NP" panose="02020400000000000000" pitchFamily="18" charset="-128"/>
-                <a:ea typeface="UD デジタル 教科書体 NP" panose="02020400000000000000" pitchFamily="18" charset="-128"/>
-              </a:rPr>
-              <a:t>②</a:t>
-            </a:r>
-            <a:r>
-              <a:rPr lang="en-US" altLang="ja-JP" sz="1200" dirty="0">
-                <a:solidFill>
-                  <a:schemeClr val="accent1"/>
-                </a:solidFill>
-                <a:latin typeface="UD デジタル 教科書体 NP" panose="02020400000000000000" pitchFamily="18" charset="-128"/>
-                <a:ea typeface="UD デジタル 教科書体 NP" panose="02020400000000000000" pitchFamily="18" charset="-128"/>
-              </a:rPr>
-              <a:t>)</a:t>
-            </a:r>
-            <a:r>
-              <a:rPr lang="ja-JP" altLang="en-US" sz="1200" dirty="0">
-                <a:latin typeface="UD デジタル 教科書体 NP" panose="02020400000000000000" pitchFamily="18" charset="-128"/>
-                <a:ea typeface="UD デジタル 教科書体 NP" panose="02020400000000000000" pitchFamily="18" charset="-128"/>
-              </a:rPr>
-              <a:t>の個所では青色のラインをトレースして走行する。</a:t>
+              <a:t>走行しているかは問わない。</a:t>
             </a:r>
             <a:endParaRPr lang="en-US" altLang="ja-JP" sz="1200" dirty="0">
               <a:latin typeface="UD デジタル 教科書体 NP" panose="02020400000000000000" pitchFamily="18" charset="-128"/>
@@ -8191,7 +7988,54 @@
                 <a:latin typeface="UD デジタル 教科書体 NP" panose="02020400000000000000" pitchFamily="18" charset="-128"/>
                 <a:ea typeface="UD デジタル 教科書体 NP" panose="02020400000000000000" pitchFamily="18" charset="-128"/>
               </a:rPr>
-              <a:t>この時、最初に目指す方向が右であることをバーチャル運転手は知っている。</a:t>
+              <a:t>青ラインを検知後、</a:t>
+            </a:r>
+            <a:r>
+              <a:rPr lang="ja-JP" altLang="en-US" sz="1200" dirty="0">
+                <a:solidFill>
+                  <a:schemeClr val="accent1"/>
+                </a:solidFill>
+                <a:latin typeface="UD デジタル 教科書体 NP" panose="02020400000000000000" pitchFamily="18" charset="-128"/>
+                <a:ea typeface="UD デジタル 教科書体 NP" panose="02020400000000000000" pitchFamily="18" charset="-128"/>
+              </a:rPr>
+              <a:t>青矢印</a:t>
+            </a:r>
+            <a:r>
+              <a:rPr lang="en-US" altLang="ja-JP" sz="1200" dirty="0">
+                <a:solidFill>
+                  <a:schemeClr val="accent1"/>
+                </a:solidFill>
+                <a:latin typeface="UD デジタル 教科書体 NP" panose="02020400000000000000" pitchFamily="18" charset="-128"/>
+                <a:ea typeface="UD デジタル 教科書体 NP" panose="02020400000000000000" pitchFamily="18" charset="-128"/>
+              </a:rPr>
+              <a:t>(</a:t>
+            </a:r>
+            <a:r>
+              <a:rPr lang="ja-JP" altLang="en-US" sz="1200" dirty="0">
+                <a:solidFill>
+                  <a:schemeClr val="accent1"/>
+                </a:solidFill>
+                <a:latin typeface="UD デジタル 教科書体 NP" panose="02020400000000000000" pitchFamily="18" charset="-128"/>
+                <a:ea typeface="UD デジタル 教科書体 NP" panose="02020400000000000000" pitchFamily="18" charset="-128"/>
+              </a:rPr>
+              <a:t>②</a:t>
+            </a:r>
+            <a:r>
+              <a:rPr lang="en-US" altLang="ja-JP" sz="1200" dirty="0">
+                <a:solidFill>
+                  <a:schemeClr val="accent1"/>
+                </a:solidFill>
+                <a:latin typeface="UD デジタル 教科書体 NP" panose="02020400000000000000" pitchFamily="18" charset="-128"/>
+                <a:ea typeface="UD デジタル 教科書体 NP" panose="02020400000000000000" pitchFamily="18" charset="-128"/>
+              </a:rPr>
+              <a:t>)</a:t>
+            </a:r>
+            <a:r>
+              <a:rPr lang="ja-JP" altLang="en-US" sz="1200" dirty="0">
+                <a:latin typeface="UD デジタル 教科書体 NP" panose="02020400000000000000" pitchFamily="18" charset="-128"/>
+                <a:ea typeface="UD デジタル 教科書体 NP" panose="02020400000000000000" pitchFamily="18" charset="-128"/>
+              </a:rPr>
+              <a:t>の個所では青ラインをトレースして走行する。</a:t>
             </a:r>
             <a:endParaRPr lang="en-US" altLang="ja-JP" sz="1200" dirty="0">
               <a:latin typeface="UD デジタル 教科書体 NP" panose="02020400000000000000" pitchFamily="18" charset="-128"/>
@@ -8212,62 +8056,7 @@
                 <a:latin typeface="UD デジタル 教科書体 NP" panose="02020400000000000000" pitchFamily="18" charset="-128"/>
                 <a:ea typeface="UD デジタル 教科書体 NP" panose="02020400000000000000" pitchFamily="18" charset="-128"/>
               </a:rPr>
-              <a:t>そのため、黒ライン検知後の</a:t>
-            </a:r>
-            <a:r>
-              <a:rPr lang="ja-JP" altLang="en-US" sz="1200" dirty="0">
-                <a:solidFill>
-                  <a:schemeClr val="accent4">
-                    <a:lumMod val="75000"/>
-                  </a:schemeClr>
-                </a:solidFill>
-                <a:latin typeface="UD デジタル 教科書体 NP" panose="02020400000000000000" pitchFamily="18" charset="-128"/>
-                <a:ea typeface="UD デジタル 教科書体 NP" panose="02020400000000000000" pitchFamily="18" charset="-128"/>
-              </a:rPr>
-              <a:t>黄色矢印</a:t>
-            </a:r>
-            <a:r>
-              <a:rPr lang="en-US" altLang="ja-JP" sz="1200" dirty="0">
-                <a:solidFill>
-                  <a:schemeClr val="accent4">
-                    <a:lumMod val="75000"/>
-                  </a:schemeClr>
-                </a:solidFill>
-                <a:latin typeface="UD デジタル 教科書体 NP" panose="02020400000000000000" pitchFamily="18" charset="-128"/>
-                <a:ea typeface="UD デジタル 教科書体 NP" panose="02020400000000000000" pitchFamily="18" charset="-128"/>
-              </a:rPr>
-              <a:t>(</a:t>
-            </a:r>
-            <a:r>
-              <a:rPr lang="ja-JP" altLang="en-US" sz="1200" dirty="0">
-                <a:solidFill>
-                  <a:schemeClr val="accent4">
-                    <a:lumMod val="75000"/>
-                  </a:schemeClr>
-                </a:solidFill>
-                <a:latin typeface="UD デジタル 教科書体 NP" panose="02020400000000000000" pitchFamily="18" charset="-128"/>
-                <a:ea typeface="UD デジタル 教科書体 NP" panose="02020400000000000000" pitchFamily="18" charset="-128"/>
-              </a:rPr>
-              <a:t>③</a:t>
-            </a:r>
-            <a:r>
-              <a:rPr lang="en-US" altLang="ja-JP" sz="1200" dirty="0">
-                <a:solidFill>
-                  <a:schemeClr val="accent4">
-                    <a:lumMod val="75000"/>
-                  </a:schemeClr>
-                </a:solidFill>
-                <a:latin typeface="UD デジタル 教科書体 NP" panose="02020400000000000000" pitchFamily="18" charset="-128"/>
-                <a:ea typeface="UD デジタル 教科書体 NP" panose="02020400000000000000" pitchFamily="18" charset="-128"/>
-              </a:rPr>
-              <a:t>)</a:t>
-            </a:r>
-            <a:r>
-              <a:rPr lang="ja-JP" altLang="en-US" sz="1200" dirty="0">
-                <a:latin typeface="UD デジタル 教科書体 NP" panose="02020400000000000000" pitchFamily="18" charset="-128"/>
-                <a:ea typeface="UD デジタル 教科書体 NP" panose="02020400000000000000" pitchFamily="18" charset="-128"/>
-              </a:rPr>
-              <a:t>の個所ではバーチャル運転手は右を目指して走行する。</a:t>
+              <a:t>この時、最初に目指す方向が右であることをバーチャル運転手は知っている。</a:t>
             </a:r>
             <a:endParaRPr lang="en-US" altLang="ja-JP" sz="1200" dirty="0">
               <a:latin typeface="UD デジタル 教科書体 NP" panose="02020400000000000000" pitchFamily="18" charset="-128"/>
@@ -8288,7 +8077,7 @@
                 <a:latin typeface="UD デジタル 教科書体 NP" panose="02020400000000000000" pitchFamily="18" charset="-128"/>
                 <a:ea typeface="UD デジタル 教科書体 NP" panose="02020400000000000000" pitchFamily="18" charset="-128"/>
               </a:rPr>
-              <a:t>ただし、ライン上を走行する特性により、結果として</a:t>
+              <a:t>そのため、黒ライン検知後の</a:t>
             </a:r>
             <a:r>
               <a:rPr lang="ja-JP" altLang="en-US" sz="1200" dirty="0">
@@ -8303,11 +8092,47 @@
               <a:t>黄色矢印</a:t>
             </a:r>
             <a:r>
+              <a:rPr lang="en-US" altLang="ja-JP" sz="1200" dirty="0">
+                <a:solidFill>
+                  <a:schemeClr val="accent4">
+                    <a:lumMod val="75000"/>
+                  </a:schemeClr>
+                </a:solidFill>
+                <a:latin typeface="UD デジタル 教科書体 NP" panose="02020400000000000000" pitchFamily="18" charset="-128"/>
+                <a:ea typeface="UD デジタル 教科書体 NP" panose="02020400000000000000" pitchFamily="18" charset="-128"/>
+              </a:rPr>
+              <a:t>(</a:t>
+            </a:r>
+            <a:r>
               <a:rPr lang="ja-JP" altLang="en-US" sz="1200" dirty="0">
-                <a:latin typeface="UD デジタル 教科書体 NP" panose="02020400000000000000" pitchFamily="18" charset="-128"/>
-                <a:ea typeface="UD デジタル 教科書体 NP" panose="02020400000000000000" pitchFamily="18" charset="-128"/>
-              </a:rPr>
-              <a:t>の示すように、より右にあるライン上を</a:t>
+                <a:solidFill>
+                  <a:schemeClr val="accent4">
+                    <a:lumMod val="75000"/>
+                  </a:schemeClr>
+                </a:solidFill>
+                <a:latin typeface="UD デジタル 教科書体 NP" panose="02020400000000000000" pitchFamily="18" charset="-128"/>
+                <a:ea typeface="UD デジタル 教科書体 NP" panose="02020400000000000000" pitchFamily="18" charset="-128"/>
+              </a:rPr>
+              <a:t>③</a:t>
+            </a:r>
+            <a:r>
+              <a:rPr lang="en-US" altLang="ja-JP" sz="1200" dirty="0">
+                <a:solidFill>
+                  <a:schemeClr val="accent4">
+                    <a:lumMod val="75000"/>
+                  </a:schemeClr>
+                </a:solidFill>
+                <a:latin typeface="UD デジタル 教科書体 NP" panose="02020400000000000000" pitchFamily="18" charset="-128"/>
+                <a:ea typeface="UD デジタル 教科書体 NP" panose="02020400000000000000" pitchFamily="18" charset="-128"/>
+              </a:rPr>
+              <a:t>)</a:t>
+            </a:r>
+            <a:r>
+              <a:rPr lang="ja-JP" altLang="en-US" sz="1200" dirty="0">
+                <a:latin typeface="UD デジタル 教科書体 NP" panose="02020400000000000000" pitchFamily="18" charset="-128"/>
+                <a:ea typeface="UD デジタル 教科書体 NP" panose="02020400000000000000" pitchFamily="18" charset="-128"/>
+              </a:rPr>
+              <a:t>の個所ではバーチャル運転手は右を目指</a:t>
             </a:r>
             <a:endParaRPr lang="en-US" altLang="ja-JP" sz="1200" dirty="0">
               <a:latin typeface="UD デジタル 教科書体 NP" panose="02020400000000000000" pitchFamily="18" charset="-128"/>
@@ -8328,7 +8153,7 @@
                 <a:latin typeface="UD デジタル 教科書体 NP" panose="02020400000000000000" pitchFamily="18" charset="-128"/>
                 <a:ea typeface="UD デジタル 教科書体 NP" panose="02020400000000000000" pitchFamily="18" charset="-128"/>
               </a:rPr>
-              <a:t>トレースしながら走行する。</a:t>
+              <a:t>して走行する。</a:t>
             </a:r>
             <a:endParaRPr lang="en-US" altLang="ja-JP" sz="1200" dirty="0">
               <a:latin typeface="UD デジタル 教科書体 NP" panose="02020400000000000000" pitchFamily="18" charset="-128"/>
@@ -8349,7 +8174,61 @@
                 <a:latin typeface="UD デジタル 教科書体 NP" panose="02020400000000000000" pitchFamily="18" charset="-128"/>
                 <a:ea typeface="UD デジタル 教科書体 NP" panose="02020400000000000000" pitchFamily="18" charset="-128"/>
               </a:rPr>
-              <a:t>以降も分岐時の進行方向を知っており、上記の動作を繰り返すこととする。</a:t>
+              <a:t>その時、際限なく右に向かう訳ではなく、ライン上を走行する特性によって、</a:t>
+            </a:r>
+            <a:endParaRPr lang="en-US" altLang="ja-JP" sz="1200" dirty="0">
+              <a:latin typeface="UD デジタル 教科書体 NP" panose="02020400000000000000" pitchFamily="18" charset="-128"/>
+              <a:ea typeface="UD デジタル 教科書体 NP" panose="02020400000000000000" pitchFamily="18" charset="-128"/>
+            </a:endParaRPr>
+          </a:p>
+          <a:p>
+            <a:pPr eaLnBrk="1" hangingPunct="1">
+              <a:lnSpc>
+                <a:spcPct val="80000"/>
+              </a:lnSpc>
+              <a:spcBef>
+                <a:spcPct val="20000"/>
+              </a:spcBef>
+            </a:pPr>
+            <a:r>
+              <a:rPr lang="ja-JP" altLang="en-US" sz="1200" dirty="0">
+                <a:solidFill>
+                  <a:schemeClr val="accent4">
+                    <a:lumMod val="75000"/>
+                  </a:schemeClr>
+                </a:solidFill>
+                <a:latin typeface="UD デジタル 教科書体 NP" panose="02020400000000000000" pitchFamily="18" charset="-128"/>
+                <a:ea typeface="UD デジタル 教科書体 NP" panose="02020400000000000000" pitchFamily="18" charset="-128"/>
+              </a:rPr>
+              <a:t>黄色矢印</a:t>
+            </a:r>
+            <a:r>
+              <a:rPr lang="ja-JP" altLang="en-US" sz="1200" dirty="0">
+                <a:latin typeface="UD デジタル 教科書体 NP" panose="02020400000000000000" pitchFamily="18" charset="-128"/>
+                <a:ea typeface="UD デジタル 教科書体 NP" panose="02020400000000000000" pitchFamily="18" charset="-128"/>
+              </a:rPr>
+              <a:t>の示すように、より右にあるラインに沿って走行することとなる。</a:t>
+            </a:r>
+            <a:endParaRPr lang="en-US" altLang="ja-JP" sz="1200" dirty="0">
+              <a:latin typeface="UD デジタル 教科書体 NP" panose="02020400000000000000" pitchFamily="18" charset="-128"/>
+              <a:ea typeface="UD デジタル 教科書体 NP" panose="02020400000000000000" pitchFamily="18" charset="-128"/>
+            </a:endParaRPr>
+          </a:p>
+          <a:p>
+            <a:pPr eaLnBrk="1" hangingPunct="1">
+              <a:lnSpc>
+                <a:spcPct val="80000"/>
+              </a:lnSpc>
+              <a:spcBef>
+                <a:spcPct val="20000"/>
+              </a:spcBef>
+            </a:pPr>
+            <a:r>
+              <a:rPr lang="ja-JP" altLang="en-US" sz="1200" dirty="0">
+                <a:latin typeface="UD デジタル 教科書体 NP" panose="02020400000000000000" pitchFamily="18" charset="-128"/>
+                <a:ea typeface="UD デジタル 教科書体 NP" panose="02020400000000000000" pitchFamily="18" charset="-128"/>
+              </a:rPr>
+              <a:t>以降もバーチャル運転手は分岐時の進行方向を知っており、上記の動作を繰り返すこととする。</a:t>
             </a:r>
             <a:endParaRPr lang="en-US" altLang="ja-JP" sz="1200" dirty="0">
               <a:latin typeface="UD デジタル 教科書体 NP" panose="02020400000000000000" pitchFamily="18" charset="-128"/>
@@ -9156,8 +9035,8 @@
         </p:nvSpPr>
         <p:spPr bwMode="auto">
           <a:xfrm>
-            <a:off x="152494" y="3879166"/>
-            <a:ext cx="9984841" cy="6691559"/>
+            <a:off x="48679" y="3998602"/>
+            <a:ext cx="11055730" cy="6652353"/>
           </a:xfrm>
           <a:prstGeom prst="rect">
             <a:avLst/>
@@ -9331,21 +9210,21 @@
                 <a:latin typeface="UD デジタル 教科書体 NP" panose="02020400000000000000" pitchFamily="18" charset="-128"/>
                 <a:ea typeface="UD デジタル 教科書体 NP" panose="02020400000000000000" pitchFamily="18" charset="-128"/>
               </a:rPr>
-              <a:t>基本戦略の実現に向けた要件とリスクの分析結果を図</a:t>
+              <a:t>基本戦略の実現に向けてサブジェクトを</a:t>
             </a:r>
             <a:r>
               <a:rPr lang="en-US" altLang="ja-JP" sz="1200" dirty="0">
                 <a:latin typeface="UD デジタル 教科書体 NP" panose="02020400000000000000" pitchFamily="18" charset="-128"/>
                 <a:ea typeface="UD デジタル 教科書体 NP" panose="02020400000000000000" pitchFamily="18" charset="-128"/>
               </a:rPr>
-              <a:t>1.2</a:t>
+              <a:t>2</a:t>
             </a:r>
             <a:r>
               <a:rPr lang="ja-JP" altLang="en-US" sz="1200" dirty="0">
                 <a:latin typeface="UD デジタル 教科書体 NP" panose="02020400000000000000" pitchFamily="18" charset="-128"/>
                 <a:ea typeface="UD デジタル 教科書体 NP" panose="02020400000000000000" pitchFamily="18" charset="-128"/>
               </a:rPr>
-              <a:t>にミスユースケース図を用いて</a:t>
+              <a:t>つ設けることとした。</a:t>
             </a:r>
             <a:endParaRPr lang="en-US" altLang="ja-JP" sz="1200" dirty="0">
               <a:latin typeface="UD デジタル 教科書体 NP" panose="02020400000000000000" pitchFamily="18" charset="-128"/>
@@ -9362,77 +9241,32 @@
               </a:spcBef>
             </a:pPr>
             <a:r>
+              <a:rPr lang="en-US" altLang="ja-JP" sz="1200" dirty="0">
+                <a:latin typeface="UD デジタル 教科書体 NP" panose="02020400000000000000" pitchFamily="18" charset="-128"/>
+                <a:ea typeface="UD デジタル 教科書体 NP" panose="02020400000000000000" pitchFamily="18" charset="-128"/>
+              </a:rPr>
+              <a:t>1</a:t>
+            </a:r>
+            <a:r>
               <a:rPr lang="ja-JP" altLang="en-US" sz="1200" dirty="0">
                 <a:latin typeface="UD デジタル 教科書体 NP" panose="02020400000000000000" pitchFamily="18" charset="-128"/>
                 <a:ea typeface="UD デジタル 教科書体 NP" panose="02020400000000000000" pitchFamily="18" charset="-128"/>
               </a:rPr>
-              <a:t>「バーチャル運転手」と「走行システム」の</a:t>
+              <a:t>つは先述した競技者から受けた依頼の通りに走行体を走行させる「バーチャル運転手」、もう</a:t>
             </a:r>
             <a:r>
               <a:rPr lang="en-US" altLang="ja-JP" sz="1200" dirty="0">
                 <a:latin typeface="UD デジタル 教科書体 NP" panose="02020400000000000000" pitchFamily="18" charset="-128"/>
                 <a:ea typeface="UD デジタル 教科書体 NP" panose="02020400000000000000" pitchFamily="18" charset="-128"/>
               </a:rPr>
-              <a:t>2</a:t>
+              <a:t>1</a:t>
             </a:r>
             <a:r>
               <a:rPr lang="ja-JP" altLang="en-US" sz="1200" dirty="0">
                 <a:latin typeface="UD デジタル 教科書体 NP" panose="02020400000000000000" pitchFamily="18" charset="-128"/>
                 <a:ea typeface="UD デジタル 教科書体 NP" panose="02020400000000000000" pitchFamily="18" charset="-128"/>
               </a:rPr>
-              <a:t>つのシステムに整理した。</a:t>
-            </a:r>
-            <a:endParaRPr lang="en-US" altLang="ja-JP" sz="1782" dirty="0">
-              <a:solidFill>
-                <a:srgbClr val="FF0000"/>
-              </a:solidFill>
-              <a:latin typeface="UD デジタル 教科書体 NP" panose="02020400000000000000" pitchFamily="18" charset="-128"/>
-              <a:ea typeface="UD デジタル 教科書体 NP" panose="02020400000000000000" pitchFamily="18" charset="-128"/>
-            </a:endParaRPr>
-          </a:p>
-          <a:p>
-            <a:pPr eaLnBrk="1" hangingPunct="1">
-              <a:lnSpc>
-                <a:spcPct val="80000"/>
-              </a:lnSpc>
-              <a:spcBef>
-                <a:spcPct val="20000"/>
-              </a:spcBef>
-            </a:pPr>
-            <a:r>
-              <a:rPr lang="ja-JP" altLang="en-US" sz="1200" dirty="0">
-                <a:latin typeface="UD デジタル 教科書体 NP" panose="02020400000000000000" pitchFamily="18" charset="-128"/>
-                <a:ea typeface="UD デジタル 教科書体 NP" panose="02020400000000000000" pitchFamily="18" charset="-128"/>
-              </a:rPr>
-              <a:t>また、競技者</a:t>
-            </a:r>
-            <a:r>
-              <a:rPr lang="en-US" altLang="ja-JP" sz="1200" dirty="0">
-                <a:latin typeface="UD デジタル 教科書体 NP" panose="02020400000000000000" pitchFamily="18" charset="-128"/>
-                <a:ea typeface="UD デジタル 教科書体 NP" panose="02020400000000000000" pitchFamily="18" charset="-128"/>
-              </a:rPr>
-              <a:t>(</a:t>
-            </a:r>
-            <a:r>
-              <a:rPr lang="ja-JP" altLang="en-US" sz="1200" dirty="0">
-                <a:latin typeface="UD デジタル 教科書体 NP" panose="02020400000000000000" pitchFamily="18" charset="-128"/>
-                <a:ea typeface="UD デジタル 教科書体 NP" panose="02020400000000000000" pitchFamily="18" charset="-128"/>
-              </a:rPr>
-              <a:t>アクター</a:t>
-            </a:r>
-            <a:r>
-              <a:rPr lang="en-US" altLang="ja-JP" sz="1200" dirty="0">
-                <a:latin typeface="UD デジタル 教科書体 NP" panose="02020400000000000000" pitchFamily="18" charset="-128"/>
-                <a:ea typeface="UD デジタル 教科書体 NP" panose="02020400000000000000" pitchFamily="18" charset="-128"/>
-              </a:rPr>
-              <a:t>)</a:t>
-            </a:r>
-            <a:r>
-              <a:rPr lang="ja-JP" altLang="en-US" sz="1200" dirty="0">
-                <a:latin typeface="UD デジタル 教科書体 NP" panose="02020400000000000000" pitchFamily="18" charset="-128"/>
-                <a:ea typeface="UD デジタル 教科書体 NP" panose="02020400000000000000" pitchFamily="18" charset="-128"/>
-              </a:rPr>
-              <a:t>からみた入り口となるユースケース「バーチャル運転手に目的地までの</a:t>
+              <a:t>つは走行体</a:t>
             </a:r>
             <a:endParaRPr lang="en-US" altLang="ja-JP" sz="1200" dirty="0">
               <a:latin typeface="UD デジタル 教科書体 NP" panose="02020400000000000000" pitchFamily="18" charset="-128"/>
@@ -9453,21 +9287,7 @@
                 <a:latin typeface="UD デジタル 教科書体 NP" panose="02020400000000000000" pitchFamily="18" charset="-128"/>
                 <a:ea typeface="UD デジタル 教科書体 NP" panose="02020400000000000000" pitchFamily="18" charset="-128"/>
               </a:rPr>
-              <a:t>運転を依頼する」の概要を表</a:t>
-            </a:r>
-            <a:r>
-              <a:rPr lang="en-US" altLang="ja-JP" sz="1200" dirty="0">
-                <a:latin typeface="UD デジタル 教科書体 NP" panose="02020400000000000000" pitchFamily="18" charset="-128"/>
-                <a:ea typeface="UD デジタル 教科書体 NP" panose="02020400000000000000" pitchFamily="18" charset="-128"/>
-              </a:rPr>
-              <a:t>1.1</a:t>
-            </a:r>
-            <a:r>
-              <a:rPr lang="ja-JP" altLang="en-US" sz="1200" dirty="0">
-                <a:latin typeface="UD デジタル 教科書体 NP" panose="02020400000000000000" pitchFamily="18" charset="-128"/>
-                <a:ea typeface="UD デジタル 教科書体 NP" panose="02020400000000000000" pitchFamily="18" charset="-128"/>
-              </a:rPr>
-              <a:t>にユースケース記述として記載した。</a:t>
+              <a:t>自体の走行機能を提供する「走行システム」とする。</a:t>
             </a:r>
             <a:endParaRPr lang="en-US" altLang="ja-JP" sz="1200" dirty="0">
               <a:latin typeface="UD デジタル 教科書体 NP" panose="02020400000000000000" pitchFamily="18" charset="-128"/>
@@ -9483,6 +9303,125 @@
                 <a:spcPct val="20000"/>
               </a:spcBef>
             </a:pPr>
+            <a:r>
+              <a:rPr lang="ja-JP" altLang="en-US" sz="1200" dirty="0">
+                <a:latin typeface="UD デジタル 教科書体 NP" panose="02020400000000000000" pitchFamily="18" charset="-128"/>
+                <a:ea typeface="UD デジタル 教科書体 NP" panose="02020400000000000000" pitchFamily="18" charset="-128"/>
+              </a:rPr>
+              <a:t>またシステムの</a:t>
+            </a:r>
+            <a:r>
+              <a:rPr lang="en-US" altLang="ja-JP" sz="1200" dirty="0">
+                <a:latin typeface="UD デジタル 教科書体 NP" panose="02020400000000000000" pitchFamily="18" charset="-128"/>
+                <a:ea typeface="UD デジタル 教科書体 NP" panose="02020400000000000000" pitchFamily="18" charset="-128"/>
+              </a:rPr>
+              <a:t>ID</a:t>
+            </a:r>
+            <a:r>
+              <a:rPr lang="ja-JP" altLang="en-US" sz="1200" dirty="0">
+                <a:latin typeface="UD デジタル 教科書体 NP" panose="02020400000000000000" pitchFamily="18" charset="-128"/>
+                <a:ea typeface="UD デジタル 教科書体 NP" panose="02020400000000000000" pitchFamily="18" charset="-128"/>
+              </a:rPr>
+              <a:t>として「バーチャル運転手」に対し「</a:t>
+            </a:r>
+            <a:r>
+              <a:rPr lang="en-US" altLang="ja-JP" sz="1200" dirty="0">
+                <a:latin typeface="UD デジタル 教科書体 NP" panose="02020400000000000000" pitchFamily="18" charset="-128"/>
+                <a:ea typeface="UD デジタル 教科書体 NP" panose="02020400000000000000" pitchFamily="18" charset="-128"/>
+              </a:rPr>
+              <a:t>VD</a:t>
+            </a:r>
+            <a:r>
+              <a:rPr lang="ja-JP" altLang="en-US" sz="1200" dirty="0">
+                <a:latin typeface="UD デジタル 教科書体 NP" panose="02020400000000000000" pitchFamily="18" charset="-128"/>
+                <a:ea typeface="UD デジタル 教科書体 NP" panose="02020400000000000000" pitchFamily="18" charset="-128"/>
+              </a:rPr>
+              <a:t>」、「走行システム」に対し「</a:t>
+            </a:r>
+            <a:r>
+              <a:rPr lang="en-US" altLang="ja-JP" sz="1200" dirty="0">
+                <a:latin typeface="UD デジタル 教科書体 NP" panose="02020400000000000000" pitchFamily="18" charset="-128"/>
+                <a:ea typeface="UD デジタル 教科書体 NP" panose="02020400000000000000" pitchFamily="18" charset="-128"/>
+              </a:rPr>
+              <a:t>DS</a:t>
+            </a:r>
+            <a:r>
+              <a:rPr lang="ja-JP" altLang="en-US" sz="1200" dirty="0">
+                <a:latin typeface="UD デジタル 教科書体 NP" panose="02020400000000000000" pitchFamily="18" charset="-128"/>
+                <a:ea typeface="UD デジタル 教科書体 NP" panose="02020400000000000000" pitchFamily="18" charset="-128"/>
+              </a:rPr>
+              <a:t>」を定義する。</a:t>
+            </a:r>
+            <a:endParaRPr lang="en-US" altLang="ja-JP" sz="1200" dirty="0">
+              <a:latin typeface="UD デジタル 教科書体 NP" panose="02020400000000000000" pitchFamily="18" charset="-128"/>
+              <a:ea typeface="UD デジタル 教科書体 NP" panose="02020400000000000000" pitchFamily="18" charset="-128"/>
+            </a:endParaRPr>
+          </a:p>
+          <a:p>
+            <a:pPr eaLnBrk="1" hangingPunct="1">
+              <a:lnSpc>
+                <a:spcPct val="80000"/>
+              </a:lnSpc>
+              <a:spcBef>
+                <a:spcPct val="20000"/>
+              </a:spcBef>
+            </a:pPr>
+            <a:r>
+              <a:rPr lang="ja-JP" altLang="en-US" sz="1200" dirty="0">
+                <a:latin typeface="UD デジタル 教科書体 NP" panose="02020400000000000000" pitchFamily="18" charset="-128"/>
+                <a:ea typeface="UD デジタル 教科書体 NP" panose="02020400000000000000" pitchFamily="18" charset="-128"/>
+              </a:rPr>
+              <a:t>ダブルループ攻略における各システムのユースケース分析を図</a:t>
+            </a:r>
+            <a:r>
+              <a:rPr lang="en-US" altLang="ja-JP" sz="1200" dirty="0">
+                <a:latin typeface="UD デジタル 教科書体 NP" panose="02020400000000000000" pitchFamily="18" charset="-128"/>
+                <a:ea typeface="UD デジタル 教科書体 NP" panose="02020400000000000000" pitchFamily="18" charset="-128"/>
+              </a:rPr>
+              <a:t>1.2</a:t>
+            </a:r>
+            <a:r>
+              <a:rPr lang="ja-JP" altLang="en-US" sz="1200" dirty="0">
+                <a:latin typeface="UD デジタル 教科書体 NP" panose="02020400000000000000" pitchFamily="18" charset="-128"/>
+                <a:ea typeface="UD デジタル 教科書体 NP" panose="02020400000000000000" pitchFamily="18" charset="-128"/>
+              </a:rPr>
+              <a:t>に、競技者から見たシステムの入り口となる</a:t>
+            </a:r>
+            <a:endParaRPr lang="en-US" altLang="ja-JP" sz="1200" dirty="0">
+              <a:latin typeface="UD デジタル 教科書体 NP" panose="02020400000000000000" pitchFamily="18" charset="-128"/>
+              <a:ea typeface="UD デジタル 教科書体 NP" panose="02020400000000000000" pitchFamily="18" charset="-128"/>
+            </a:endParaRPr>
+          </a:p>
+          <a:p>
+            <a:pPr eaLnBrk="1" hangingPunct="1">
+              <a:lnSpc>
+                <a:spcPct val="80000"/>
+              </a:lnSpc>
+              <a:spcBef>
+                <a:spcPct val="20000"/>
+              </a:spcBef>
+            </a:pPr>
+            <a:r>
+              <a:rPr lang="ja-JP" altLang="en-US" sz="1200" dirty="0">
+                <a:latin typeface="UD デジタル 教科書体 NP" panose="02020400000000000000" pitchFamily="18" charset="-128"/>
+                <a:ea typeface="UD デジタル 教科書体 NP" panose="02020400000000000000" pitchFamily="18" charset="-128"/>
+              </a:rPr>
+              <a:t>ユースケース「バーチャル運転手」の「ダブルループを攻略する」の表</a:t>
+            </a:r>
+            <a:r>
+              <a:rPr lang="en-US" altLang="ja-JP" sz="1200" dirty="0">
+                <a:latin typeface="UD デジタル 教科書体 NP" panose="02020400000000000000" pitchFamily="18" charset="-128"/>
+                <a:ea typeface="UD デジタル 教科書体 NP" panose="02020400000000000000" pitchFamily="18" charset="-128"/>
+              </a:rPr>
+              <a:t>1.1</a:t>
+            </a:r>
+            <a:r>
+              <a:rPr lang="ja-JP" altLang="en-US" sz="1200" dirty="0">
+                <a:latin typeface="UD デジタル 教科書体 NP" panose="02020400000000000000" pitchFamily="18" charset="-128"/>
+                <a:ea typeface="UD デジタル 教科書体 NP" panose="02020400000000000000" pitchFamily="18" charset="-128"/>
+              </a:rPr>
+              <a:t>に示す。</a:t>
+            </a:r>
             <a:endParaRPr lang="en-US" altLang="ja-JP" sz="1200" dirty="0">
               <a:latin typeface="UD デジタル 教科書体 NP" panose="02020400000000000000" pitchFamily="18" charset="-128"/>
               <a:ea typeface="UD デジタル 教科書体 NP" panose="02020400000000000000" pitchFamily="18" charset="-128"/>
@@ -9504,7 +9443,7 @@
         </p:nvSpPr>
         <p:spPr>
           <a:xfrm>
-            <a:off x="7873249" y="3549045"/>
+            <a:off x="6494388" y="3575112"/>
             <a:ext cx="1567138" cy="284693"/>
           </a:xfrm>
           <a:prstGeom prst="rect">
@@ -9519,341 +9458,29 @@
           <a:lstStyle/>
           <a:p>
             <a:r>
-              <a:rPr kumimoji="1" lang="ja-JP" altLang="en-US" sz="1250" dirty="0">
-                <a:latin typeface="BIZ UDPゴシック" panose="020B0400000000000000" pitchFamily="50" charset="-128"/>
-                <a:ea typeface="BIZ UDPゴシック" panose="020B0400000000000000" pitchFamily="50" charset="-128"/>
-              </a:rPr>
-              <a:t>図</a:t>
-            </a:r>
-            <a:r>
-              <a:rPr kumimoji="1" lang="en-US" altLang="ja-JP" sz="1250" dirty="0">
-                <a:latin typeface="BIZ UDPゴシック" panose="020B0400000000000000" pitchFamily="50" charset="-128"/>
-                <a:ea typeface="BIZ UDPゴシック" panose="020B0400000000000000" pitchFamily="50" charset="-128"/>
-              </a:rPr>
-              <a:t>1.1 </a:t>
-            </a:r>
-            <a:r>
-              <a:rPr kumimoji="1" lang="ja-JP" altLang="en-US" sz="1250" dirty="0">
-                <a:latin typeface="BIZ UDPゴシック" panose="020B0400000000000000" pitchFamily="50" charset="-128"/>
-                <a:ea typeface="BIZ UDPゴシック" panose="020B0400000000000000" pitchFamily="50" charset="-128"/>
-              </a:rPr>
-              <a:t>走行</a:t>
-            </a:r>
-            <a:r>
               <a:rPr kumimoji="1" lang="ja-JP" altLang="en-US" sz="1200" dirty="0">
                 <a:latin typeface="BIZ UDPゴシック" panose="020B0400000000000000" pitchFamily="50" charset="-128"/>
                 <a:ea typeface="BIZ UDPゴシック" panose="020B0400000000000000" pitchFamily="50" charset="-128"/>
               </a:rPr>
-              <a:t>イメージ</a:t>
+              <a:t>図</a:t>
+            </a:r>
+            <a:r>
+              <a:rPr kumimoji="1" lang="en-US" altLang="ja-JP" sz="1200" dirty="0">
+                <a:latin typeface="BIZ UDPゴシック" panose="020B0400000000000000" pitchFamily="50" charset="-128"/>
+                <a:ea typeface="BIZ UDPゴシック" panose="020B0400000000000000" pitchFamily="50" charset="-128"/>
+              </a:rPr>
+              <a:t>1.1 </a:t>
+            </a:r>
+            <a:r>
+              <a:rPr kumimoji="1" lang="ja-JP" altLang="en-US" sz="1200" dirty="0">
+                <a:latin typeface="BIZ UDPゴシック" panose="020B0400000000000000" pitchFamily="50" charset="-128"/>
+                <a:ea typeface="BIZ UDPゴシック" panose="020B0400000000000000" pitchFamily="50" charset="-128"/>
+              </a:rPr>
+              <a:t>走行イメージ</a:t>
             </a:r>
           </a:p>
         </p:txBody>
       </p:sp>
-      <p:sp>
-        <p:nvSpPr>
-          <p:cNvPr id="26" name="テキスト ボックス 25">
-            <a:extLst>
-              <a:ext uri="{FF2B5EF4-FFF2-40B4-BE49-F238E27FC236}">
-                <a16:creationId xmlns:a16="http://schemas.microsoft.com/office/drawing/2014/main" id="{8C10B89A-D9F0-F9E9-20DF-8F330F475056}"/>
-              </a:ext>
-            </a:extLst>
-          </p:cNvPr>
-          <p:cNvSpPr txBox="1"/>
-          <p:nvPr/>
-        </p:nvSpPr>
-        <p:spPr>
-          <a:xfrm>
-            <a:off x="2548588" y="10306093"/>
-            <a:ext cx="2088232" cy="284693"/>
-          </a:xfrm>
-          <a:prstGeom prst="rect">
-            <a:avLst/>
-          </a:prstGeom>
-          <a:noFill/>
-        </p:spPr>
-        <p:txBody>
-          <a:bodyPr wrap="square" rtlCol="0">
-            <a:spAutoFit/>
-          </a:bodyPr>
-          <a:lstStyle/>
-          <a:p>
-            <a:r>
-              <a:rPr kumimoji="1" lang="ja-JP" altLang="en-US" sz="1250" dirty="0">
-                <a:latin typeface="BIZ UDPゴシック" panose="020B0400000000000000" pitchFamily="50" charset="-128"/>
-                <a:ea typeface="BIZ UDPゴシック" panose="020B0400000000000000" pitchFamily="50" charset="-128"/>
-              </a:rPr>
-              <a:t>図</a:t>
-            </a:r>
-            <a:r>
-              <a:rPr kumimoji="1" lang="en-US" altLang="ja-JP" sz="1250" dirty="0">
-                <a:latin typeface="BIZ UDPゴシック" panose="020B0400000000000000" pitchFamily="50" charset="-128"/>
-                <a:ea typeface="BIZ UDPゴシック" panose="020B0400000000000000" pitchFamily="50" charset="-128"/>
-              </a:rPr>
-              <a:t>1.2 </a:t>
-            </a:r>
-            <a:r>
-              <a:rPr kumimoji="1" lang="ja-JP" altLang="en-US" sz="1250" dirty="0">
-                <a:latin typeface="BIZ UDPゴシック" panose="020B0400000000000000" pitchFamily="50" charset="-128"/>
-                <a:ea typeface="BIZ UDPゴシック" panose="020B0400000000000000" pitchFamily="50" charset="-128"/>
-              </a:rPr>
-              <a:t>ミス</a:t>
-            </a:r>
-            <a:r>
-              <a:rPr lang="ja-JP" altLang="en-US" sz="1250" dirty="0">
-                <a:latin typeface="BIZ UDPゴシック" panose="020B0400000000000000" pitchFamily="50" charset="-128"/>
-                <a:ea typeface="BIZ UDPゴシック" panose="020B0400000000000000" pitchFamily="50" charset="-128"/>
-              </a:rPr>
-              <a:t>ユースケース図</a:t>
-            </a:r>
-            <a:endParaRPr kumimoji="1" lang="ja-JP" altLang="en-US" sz="1200" dirty="0">
-              <a:latin typeface="BIZ UDPゴシック" panose="020B0400000000000000" pitchFamily="50" charset="-128"/>
-              <a:ea typeface="BIZ UDPゴシック" panose="020B0400000000000000" pitchFamily="50" charset="-128"/>
-            </a:endParaRPr>
-          </a:p>
-        </p:txBody>
-      </p:sp>
-      <p:sp>
-        <p:nvSpPr>
-          <p:cNvPr id="27" name="テキスト ボックス 26">
-            <a:extLst>
-              <a:ext uri="{FF2B5EF4-FFF2-40B4-BE49-F238E27FC236}">
-                <a16:creationId xmlns:a16="http://schemas.microsoft.com/office/drawing/2014/main" id="{C0E58AFB-68DC-E5F4-68F9-2F8D71A6348A}"/>
-              </a:ext>
-            </a:extLst>
-          </p:cNvPr>
-          <p:cNvSpPr txBox="1"/>
-          <p:nvPr/>
-        </p:nvSpPr>
-        <p:spPr>
-          <a:xfrm>
-            <a:off x="7472550" y="10306094"/>
-            <a:ext cx="2088232" cy="284693"/>
-          </a:xfrm>
-          <a:prstGeom prst="rect">
-            <a:avLst/>
-          </a:prstGeom>
-          <a:noFill/>
-        </p:spPr>
-        <p:txBody>
-          <a:bodyPr wrap="square" rtlCol="0">
-            <a:spAutoFit/>
-          </a:bodyPr>
-          <a:lstStyle/>
-          <a:p>
-            <a:r>
-              <a:rPr kumimoji="1" lang="ja-JP" altLang="en-US" sz="1250" dirty="0">
-                <a:latin typeface="BIZ UDPゴシック" panose="020B0400000000000000" pitchFamily="50" charset="-128"/>
-                <a:ea typeface="BIZ UDPゴシック" panose="020B0400000000000000" pitchFamily="50" charset="-128"/>
-              </a:rPr>
-              <a:t>表</a:t>
-            </a:r>
-            <a:r>
-              <a:rPr kumimoji="1" lang="en-US" altLang="ja-JP" sz="1250" dirty="0">
-                <a:latin typeface="BIZ UDPゴシック" panose="020B0400000000000000" pitchFamily="50" charset="-128"/>
-                <a:ea typeface="BIZ UDPゴシック" panose="020B0400000000000000" pitchFamily="50" charset="-128"/>
-              </a:rPr>
-              <a:t>1.1 </a:t>
-            </a:r>
-            <a:r>
-              <a:rPr kumimoji="1" lang="ja-JP" altLang="en-US" sz="1250" dirty="0">
-                <a:latin typeface="BIZ UDPゴシック" panose="020B0400000000000000" pitchFamily="50" charset="-128"/>
-                <a:ea typeface="BIZ UDPゴシック" panose="020B0400000000000000" pitchFamily="50" charset="-128"/>
-              </a:rPr>
-              <a:t>ユースケース記述</a:t>
-            </a:r>
-            <a:endParaRPr kumimoji="1" lang="ja-JP" altLang="en-US" sz="1200" dirty="0">
-              <a:latin typeface="BIZ UDPゴシック" panose="020B0400000000000000" pitchFamily="50" charset="-128"/>
-              <a:ea typeface="BIZ UDPゴシック" panose="020B0400000000000000" pitchFamily="50" charset="-128"/>
-            </a:endParaRPr>
-          </a:p>
-        </p:txBody>
-      </p:sp>
-      <p:pic>
-        <p:nvPicPr>
-          <p:cNvPr id="3" name="図 2">
-            <a:extLst>
-              <a:ext uri="{FF2B5EF4-FFF2-40B4-BE49-F238E27FC236}">
-                <a16:creationId xmlns:a16="http://schemas.microsoft.com/office/drawing/2014/main" id="{60BD8208-AE95-B076-782F-062A4EE23DFE}"/>
-              </a:ext>
-            </a:extLst>
-          </p:cNvPr>
-          <p:cNvPicPr>
-            <a:picLocks noChangeAspect="1"/>
-          </p:cNvPicPr>
-          <p:nvPr/>
-        </p:nvPicPr>
-        <p:blipFill>
-          <a:blip r:embed="rId9"/>
-          <a:stretch>
-            <a:fillRect/>
-          </a:stretch>
-        </p:blipFill>
-        <p:spPr>
-          <a:xfrm>
-            <a:off x="7134930" y="3898505"/>
-            <a:ext cx="2974019" cy="6387528"/>
-          </a:xfrm>
-          <a:prstGeom prst="rect">
-            <a:avLst/>
-          </a:prstGeom>
-        </p:spPr>
-      </p:pic>
-      <p:sp>
-        <p:nvSpPr>
-          <p:cNvPr id="2" name="テキスト ボックス 1">
-            <a:extLst>
-              <a:ext uri="{FF2B5EF4-FFF2-40B4-BE49-F238E27FC236}">
-                <a16:creationId xmlns:a16="http://schemas.microsoft.com/office/drawing/2014/main" id="{A8FA6A99-C93F-547E-0012-3D76AD0FCF04}"/>
-              </a:ext>
-            </a:extLst>
-          </p:cNvPr>
-          <p:cNvSpPr txBox="1"/>
-          <p:nvPr/>
-        </p:nvSpPr>
-        <p:spPr>
-          <a:xfrm>
-            <a:off x="10424356" y="3898504"/>
-            <a:ext cx="1440160" cy="284693"/>
-          </a:xfrm>
-          <a:prstGeom prst="rect">
-            <a:avLst/>
-          </a:prstGeom>
-          <a:noFill/>
-        </p:spPr>
-        <p:txBody>
-          <a:bodyPr wrap="square" rtlCol="0">
-            <a:spAutoFit/>
-          </a:bodyPr>
-          <a:lstStyle/>
-          <a:p>
-            <a:r>
-              <a:rPr kumimoji="1" lang="ja-JP" altLang="en-US" sz="1250" dirty="0">
-                <a:latin typeface="BIZ UDPゴシック" panose="020B0400000000000000" pitchFamily="50" charset="-128"/>
-                <a:ea typeface="BIZ UDPゴシック" panose="020B0400000000000000" pitchFamily="50" charset="-128"/>
-              </a:rPr>
-              <a:t>表</a:t>
-            </a:r>
-            <a:r>
-              <a:rPr kumimoji="1" lang="en-US" altLang="ja-JP" sz="1250" dirty="0">
-                <a:latin typeface="BIZ UDPゴシック" panose="020B0400000000000000" pitchFamily="50" charset="-128"/>
-                <a:ea typeface="BIZ UDPゴシック" panose="020B0400000000000000" pitchFamily="50" charset="-128"/>
-              </a:rPr>
-              <a:t>1.2</a:t>
-            </a:r>
-            <a:r>
-              <a:rPr lang="en-US" altLang="ja-JP" sz="1250" dirty="0">
-                <a:latin typeface="BIZ UDPゴシック" panose="020B0400000000000000" pitchFamily="50" charset="-128"/>
-                <a:ea typeface="BIZ UDPゴシック" panose="020B0400000000000000" pitchFamily="50" charset="-128"/>
-              </a:rPr>
-              <a:t> </a:t>
-            </a:r>
-            <a:r>
-              <a:rPr lang="ja-JP" altLang="en-US" sz="1250" dirty="0">
-                <a:latin typeface="BIZ UDPゴシック" panose="020B0400000000000000" pitchFamily="50" charset="-128"/>
-                <a:ea typeface="BIZ UDPゴシック" panose="020B0400000000000000" pitchFamily="50" charset="-128"/>
-              </a:rPr>
-              <a:t>マップ情報</a:t>
-            </a:r>
-            <a:endParaRPr kumimoji="1" lang="ja-JP" altLang="en-US" sz="1200" dirty="0">
-              <a:latin typeface="BIZ UDPゴシック" panose="020B0400000000000000" pitchFamily="50" charset="-128"/>
-              <a:ea typeface="BIZ UDPゴシック" panose="020B0400000000000000" pitchFamily="50" charset="-128"/>
-            </a:endParaRPr>
-          </a:p>
-        </p:txBody>
-      </p:sp>
-      <p:sp>
-        <p:nvSpPr>
-          <p:cNvPr id="11" name="テキスト ボックス 10">
-            <a:extLst>
-              <a:ext uri="{FF2B5EF4-FFF2-40B4-BE49-F238E27FC236}">
-                <a16:creationId xmlns:a16="http://schemas.microsoft.com/office/drawing/2014/main" id="{F7B01B03-53CD-A496-4E43-FB716BD97E2A}"/>
-              </a:ext>
-            </a:extLst>
-          </p:cNvPr>
-          <p:cNvSpPr txBox="1"/>
-          <p:nvPr/>
-        </p:nvSpPr>
-        <p:spPr>
-          <a:xfrm>
-            <a:off x="13098351" y="3949323"/>
-            <a:ext cx="1440160" cy="284693"/>
-          </a:xfrm>
-          <a:prstGeom prst="rect">
-            <a:avLst/>
-          </a:prstGeom>
-          <a:noFill/>
-        </p:spPr>
-        <p:txBody>
-          <a:bodyPr wrap="square" rtlCol="0">
-            <a:spAutoFit/>
-          </a:bodyPr>
-          <a:lstStyle/>
-          <a:p>
-            <a:r>
-              <a:rPr lang="ja-JP" altLang="en-US" sz="1250" dirty="0">
-                <a:latin typeface="BIZ UDPゴシック" panose="020B0400000000000000" pitchFamily="50" charset="-128"/>
-                <a:ea typeface="BIZ UDPゴシック" panose="020B0400000000000000" pitchFamily="50" charset="-128"/>
-              </a:rPr>
-              <a:t>図</a:t>
-            </a:r>
-            <a:r>
-              <a:rPr kumimoji="1" lang="en-US" altLang="ja-JP" sz="1250" dirty="0">
-                <a:latin typeface="BIZ UDPゴシック" panose="020B0400000000000000" pitchFamily="50" charset="-128"/>
-                <a:ea typeface="BIZ UDPゴシック" panose="020B0400000000000000" pitchFamily="50" charset="-128"/>
-              </a:rPr>
-              <a:t>1.3</a:t>
-            </a:r>
-            <a:r>
-              <a:rPr lang="en-US" altLang="ja-JP" sz="1250" dirty="0">
-                <a:latin typeface="BIZ UDPゴシック" panose="020B0400000000000000" pitchFamily="50" charset="-128"/>
-                <a:ea typeface="BIZ UDPゴシック" panose="020B0400000000000000" pitchFamily="50" charset="-128"/>
-              </a:rPr>
-              <a:t> </a:t>
-            </a:r>
-            <a:r>
-              <a:rPr lang="ja-JP" altLang="en-US" sz="1250" dirty="0">
-                <a:latin typeface="BIZ UDPゴシック" panose="020B0400000000000000" pitchFamily="50" charset="-128"/>
-                <a:ea typeface="BIZ UDPゴシック" panose="020B0400000000000000" pitchFamily="50" charset="-128"/>
-              </a:rPr>
-              <a:t>マップ情報</a:t>
-            </a:r>
-            <a:endParaRPr kumimoji="1" lang="ja-JP" altLang="en-US" sz="1200" dirty="0">
-              <a:latin typeface="BIZ UDPゴシック" panose="020B0400000000000000" pitchFamily="50" charset="-128"/>
-              <a:ea typeface="BIZ UDPゴシック" panose="020B0400000000000000" pitchFamily="50" charset="-128"/>
-            </a:endParaRPr>
-          </a:p>
-        </p:txBody>
-      </p:sp>
-      <p:pic>
-        <p:nvPicPr>
-          <p:cNvPr id="17" name="図 16">
-            <a:extLst>
-              <a:ext uri="{FF2B5EF4-FFF2-40B4-BE49-F238E27FC236}">
-                <a16:creationId xmlns:a16="http://schemas.microsoft.com/office/drawing/2014/main" id="{60E5B568-9964-A4D6-FACE-BEBF602648C8}"/>
-              </a:ext>
-            </a:extLst>
-          </p:cNvPr>
-          <p:cNvPicPr>
-            <a:picLocks noChangeAspect="1"/>
-          </p:cNvPicPr>
-          <p:nvPr/>
-        </p:nvPicPr>
-        <p:blipFill>
-          <a:blip r:embed="rId10"/>
-          <a:stretch>
-            <a:fillRect/>
-          </a:stretch>
-        </p:blipFill>
-        <p:spPr>
-          <a:xfrm>
-            <a:off x="10079955" y="2575625"/>
-            <a:ext cx="1843502" cy="1303541"/>
-          </a:xfrm>
-          <a:prstGeom prst="rect">
-            <a:avLst/>
-          </a:prstGeom>
-        </p:spPr>
-      </p:pic>
       <p:sp>
         <p:nvSpPr>
           <p:cNvPr id="38" name="テキスト ボックス 37">
@@ -9868,8 +9495,8 @@
         </p:nvSpPr>
         <p:spPr>
           <a:xfrm>
-            <a:off x="11732922" y="10230466"/>
-            <a:ext cx="2088232" cy="284693"/>
+            <a:off x="11281703" y="10344938"/>
+            <a:ext cx="3766804" cy="284693"/>
           </a:xfrm>
           <a:prstGeom prst="rect">
             <a:avLst/>
@@ -9908,7 +9535,28 @@
                 <a:latin typeface="BIZ UDPゴシック" panose="020B0400000000000000" pitchFamily="50" charset="-128"/>
                 <a:ea typeface="BIZ UDPゴシック" panose="020B0400000000000000" pitchFamily="50" charset="-128"/>
               </a:rPr>
+              <a:t>ダブルループ攻略の流れ</a:t>
+            </a:r>
+            <a:r>
+              <a:rPr lang="en-US" altLang="ja-JP" sz="1250" dirty="0">
+                <a:latin typeface="BIZ UDPゴシック" panose="020B0400000000000000" pitchFamily="50" charset="-128"/>
+                <a:ea typeface="BIZ UDPゴシック" panose="020B0400000000000000" pitchFamily="50" charset="-128"/>
+              </a:rPr>
+              <a:t>(</a:t>
+            </a:r>
+            <a:r>
+              <a:rPr lang="ja-JP" altLang="en-US" sz="1250" dirty="0">
+                <a:latin typeface="BIZ UDPゴシック" panose="020B0400000000000000" pitchFamily="50" charset="-128"/>
+                <a:ea typeface="BIZ UDPゴシック" panose="020B0400000000000000" pitchFamily="50" charset="-128"/>
+              </a:rPr>
               <a:t>アクティビティ図</a:t>
+            </a:r>
+            <a:r>
+              <a:rPr lang="en-US" altLang="ja-JP" sz="1250" dirty="0">
+                <a:latin typeface="BIZ UDPゴシック" panose="020B0400000000000000" pitchFamily="50" charset="-128"/>
+                <a:ea typeface="BIZ UDPゴシック" panose="020B0400000000000000" pitchFamily="50" charset="-128"/>
+              </a:rPr>
+              <a:t>)</a:t>
             </a:r>
             <a:endParaRPr kumimoji="1" lang="ja-JP" altLang="en-US" sz="1200" dirty="0">
               <a:latin typeface="BIZ UDPゴシック" panose="020B0400000000000000" pitchFamily="50" charset="-128"/>
@@ -9932,15 +9580,228 @@
           <p:nvPr/>
         </p:nvPicPr>
         <p:blipFill>
-          <a:blip r:embed="rId11"/>
+          <a:blip r:embed="rId9"/>
           <a:stretch>
             <a:fillRect/>
           </a:stretch>
         </p:blipFill>
         <p:spPr>
           <a:xfrm>
-            <a:off x="7545845" y="1891488"/>
+            <a:off x="6119424" y="1855418"/>
             <a:ext cx="1958754" cy="1726226"/>
+          </a:xfrm>
+          <a:prstGeom prst="rect">
+            <a:avLst/>
+          </a:prstGeom>
+        </p:spPr>
+      </p:pic>
+      <p:sp>
+        <p:nvSpPr>
+          <p:cNvPr id="4" name="テキスト ボックス 3">
+            <a:extLst>
+              <a:ext uri="{FF2B5EF4-FFF2-40B4-BE49-F238E27FC236}">
+                <a16:creationId xmlns:a16="http://schemas.microsoft.com/office/drawing/2014/main" id="{B2CED557-90FC-4AAA-E417-5F33110243FF}"/>
+              </a:ext>
+            </a:extLst>
+          </p:cNvPr>
+          <p:cNvSpPr txBox="1"/>
+          <p:nvPr/>
+        </p:nvSpPr>
+        <p:spPr>
+          <a:xfrm>
+            <a:off x="2273717" y="10363796"/>
+            <a:ext cx="3329790" cy="276999"/>
+          </a:xfrm>
+          <a:prstGeom prst="rect">
+            <a:avLst/>
+          </a:prstGeom>
+          <a:noFill/>
+        </p:spPr>
+        <p:txBody>
+          <a:bodyPr wrap="square" rtlCol="0">
+            <a:spAutoFit/>
+          </a:bodyPr>
+          <a:lstStyle/>
+          <a:p>
+            <a:r>
+              <a:rPr kumimoji="1" lang="ja-JP" altLang="en-US" sz="1200" dirty="0">
+                <a:latin typeface="BIZ UDPゴシック" panose="020B0400000000000000" pitchFamily="50" charset="-128"/>
+                <a:ea typeface="BIZ UDPゴシック" panose="020B0400000000000000" pitchFamily="50" charset="-128"/>
+              </a:rPr>
+              <a:t>図</a:t>
+            </a:r>
+            <a:r>
+              <a:rPr kumimoji="1" lang="en-US" altLang="ja-JP" sz="1200" dirty="0">
+                <a:latin typeface="BIZ UDPゴシック" panose="020B0400000000000000" pitchFamily="50" charset="-128"/>
+                <a:ea typeface="BIZ UDPゴシック" panose="020B0400000000000000" pitchFamily="50" charset="-128"/>
+              </a:rPr>
+              <a:t>1.2 </a:t>
+            </a:r>
+            <a:r>
+              <a:rPr lang="ja-JP" altLang="en-US" sz="1200" dirty="0">
+                <a:latin typeface="BIZ UDPゴシック" panose="020B0400000000000000" pitchFamily="50" charset="-128"/>
+                <a:ea typeface="BIZ UDPゴシック" panose="020B0400000000000000" pitchFamily="50" charset="-128"/>
+              </a:rPr>
+              <a:t>ダブルループ攻略</a:t>
+            </a:r>
+            <a:r>
+              <a:rPr lang="en-US" altLang="ja-JP" sz="1200" dirty="0">
+                <a:latin typeface="BIZ UDPゴシック" panose="020B0400000000000000" pitchFamily="50" charset="-128"/>
+                <a:ea typeface="BIZ UDPゴシック" panose="020B0400000000000000" pitchFamily="50" charset="-128"/>
+              </a:rPr>
+              <a:t>(</a:t>
+            </a:r>
+            <a:r>
+              <a:rPr lang="ja-JP" altLang="en-US" sz="1200" dirty="0">
+                <a:latin typeface="BIZ UDPゴシック" panose="020B0400000000000000" pitchFamily="50" charset="-128"/>
+                <a:ea typeface="BIZ UDPゴシック" panose="020B0400000000000000" pitchFamily="50" charset="-128"/>
+              </a:rPr>
+              <a:t>ミスユースケース図</a:t>
+            </a:r>
+            <a:r>
+              <a:rPr lang="en-US" altLang="ja-JP" sz="1200" dirty="0">
+                <a:latin typeface="BIZ UDPゴシック" panose="020B0400000000000000" pitchFamily="50" charset="-128"/>
+                <a:ea typeface="BIZ UDPゴシック" panose="020B0400000000000000" pitchFamily="50" charset="-128"/>
+              </a:rPr>
+              <a:t>)</a:t>
+            </a:r>
+            <a:endParaRPr kumimoji="1" lang="ja-JP" altLang="en-US" sz="1200" dirty="0">
+              <a:latin typeface="BIZ UDPゴシック" panose="020B0400000000000000" pitchFamily="50" charset="-128"/>
+              <a:ea typeface="BIZ UDPゴシック" panose="020B0400000000000000" pitchFamily="50" charset="-128"/>
+            </a:endParaRPr>
+          </a:p>
+        </p:txBody>
+      </p:sp>
+      <p:sp>
+        <p:nvSpPr>
+          <p:cNvPr id="8" name="テキスト ボックス 7">
+            <a:extLst>
+              <a:ext uri="{FF2B5EF4-FFF2-40B4-BE49-F238E27FC236}">
+                <a16:creationId xmlns:a16="http://schemas.microsoft.com/office/drawing/2014/main" id="{967E377B-E9F9-069E-0A68-5F0626603D6D}"/>
+              </a:ext>
+            </a:extLst>
+          </p:cNvPr>
+          <p:cNvSpPr txBox="1"/>
+          <p:nvPr/>
+        </p:nvSpPr>
+        <p:spPr>
+          <a:xfrm>
+            <a:off x="7775699" y="4049762"/>
+            <a:ext cx="3329790" cy="461665"/>
+          </a:xfrm>
+          <a:prstGeom prst="rect">
+            <a:avLst/>
+          </a:prstGeom>
+          <a:noFill/>
+        </p:spPr>
+        <p:txBody>
+          <a:bodyPr wrap="square" rtlCol="0">
+            <a:spAutoFit/>
+          </a:bodyPr>
+          <a:lstStyle/>
+          <a:p>
+            <a:pPr algn="ctr"/>
+            <a:r>
+              <a:rPr lang="ja-JP" altLang="en-US" sz="1200" dirty="0">
+                <a:latin typeface="BIZ UDPゴシック" panose="020B0400000000000000" pitchFamily="50" charset="-128"/>
+                <a:ea typeface="BIZ UDPゴシック" panose="020B0400000000000000" pitchFamily="50" charset="-128"/>
+              </a:rPr>
+              <a:t>表</a:t>
+            </a:r>
+            <a:r>
+              <a:rPr kumimoji="1" lang="en-US" altLang="ja-JP" sz="1200" dirty="0">
+                <a:latin typeface="BIZ UDPゴシック" panose="020B0400000000000000" pitchFamily="50" charset="-128"/>
+                <a:ea typeface="BIZ UDPゴシック" panose="020B0400000000000000" pitchFamily="50" charset="-128"/>
+              </a:rPr>
+              <a:t>1.</a:t>
+            </a:r>
+            <a:r>
+              <a:rPr lang="en-US" altLang="ja-JP" sz="1200" dirty="0">
+                <a:latin typeface="BIZ UDPゴシック" panose="020B0400000000000000" pitchFamily="50" charset="-128"/>
+                <a:ea typeface="BIZ UDPゴシック" panose="020B0400000000000000" pitchFamily="50" charset="-128"/>
+              </a:rPr>
+              <a:t>1</a:t>
+            </a:r>
+            <a:r>
+              <a:rPr kumimoji="1" lang="en-US" altLang="ja-JP" sz="1200" dirty="0">
+                <a:latin typeface="BIZ UDPゴシック" panose="020B0400000000000000" pitchFamily="50" charset="-128"/>
+                <a:ea typeface="BIZ UDPゴシック" panose="020B0400000000000000" pitchFamily="50" charset="-128"/>
+              </a:rPr>
+              <a:t> [UC_VD_001</a:t>
+            </a:r>
+            <a:r>
+              <a:rPr lang="en-US" altLang="ja-JP" sz="1200" dirty="0">
+                <a:latin typeface="BIZ UDPゴシック" panose="020B0400000000000000" pitchFamily="50" charset="-128"/>
+                <a:ea typeface="BIZ UDPゴシック" panose="020B0400000000000000" pitchFamily="50" charset="-128"/>
+              </a:rPr>
+              <a:t>]</a:t>
+            </a:r>
+            <a:r>
+              <a:rPr lang="ja-JP" altLang="en-US" sz="1200" dirty="0">
+                <a:latin typeface="BIZ UDPゴシック" panose="020B0400000000000000" pitchFamily="50" charset="-128"/>
+                <a:ea typeface="BIZ UDPゴシック" panose="020B0400000000000000" pitchFamily="50" charset="-128"/>
+              </a:rPr>
+              <a:t>ダブルループを攻略する</a:t>
+            </a:r>
+            <a:endParaRPr lang="en-US" altLang="ja-JP" sz="1200" dirty="0">
+              <a:latin typeface="BIZ UDPゴシック" panose="020B0400000000000000" pitchFamily="50" charset="-128"/>
+              <a:ea typeface="BIZ UDPゴシック" panose="020B0400000000000000" pitchFamily="50" charset="-128"/>
+            </a:endParaRPr>
+          </a:p>
+          <a:p>
+            <a:pPr algn="ctr"/>
+            <a:r>
+              <a:rPr kumimoji="1" lang="en-US" altLang="ja-JP" sz="1200" dirty="0">
+                <a:latin typeface="BIZ UDPゴシック" panose="020B0400000000000000" pitchFamily="50" charset="-128"/>
+                <a:ea typeface="BIZ UDPゴシック" panose="020B0400000000000000" pitchFamily="50" charset="-128"/>
+              </a:rPr>
+              <a:t>(</a:t>
+            </a:r>
+            <a:r>
+              <a:rPr kumimoji="1" lang="ja-JP" altLang="en-US" sz="1200" dirty="0">
+                <a:latin typeface="BIZ UDPゴシック" panose="020B0400000000000000" pitchFamily="50" charset="-128"/>
+                <a:ea typeface="BIZ UDPゴシック" panose="020B0400000000000000" pitchFamily="50" charset="-128"/>
+              </a:rPr>
+              <a:t>ユースケース記述</a:t>
+            </a:r>
+            <a:r>
+              <a:rPr kumimoji="1" lang="en-US" altLang="ja-JP" sz="1200" dirty="0">
+                <a:latin typeface="BIZ UDPゴシック" panose="020B0400000000000000" pitchFamily="50" charset="-128"/>
+                <a:ea typeface="BIZ UDPゴシック" panose="020B0400000000000000" pitchFamily="50" charset="-128"/>
+              </a:rPr>
+              <a:t>)</a:t>
+            </a:r>
+            <a:endParaRPr kumimoji="1" lang="ja-JP" altLang="en-US" sz="1200" dirty="0">
+              <a:latin typeface="BIZ UDPゴシック" panose="020B0400000000000000" pitchFamily="50" charset="-128"/>
+              <a:ea typeface="BIZ UDPゴシック" panose="020B0400000000000000" pitchFamily="50" charset="-128"/>
+            </a:endParaRPr>
+          </a:p>
+        </p:txBody>
+      </p:sp>
+      <p:pic>
+        <p:nvPicPr>
+          <p:cNvPr id="14" name="図 13">
+            <a:extLst>
+              <a:ext uri="{FF2B5EF4-FFF2-40B4-BE49-F238E27FC236}">
+                <a16:creationId xmlns:a16="http://schemas.microsoft.com/office/drawing/2014/main" id="{13D1BFA0-2530-CB44-0271-42D33AEBEAA2}"/>
+              </a:ext>
+            </a:extLst>
+          </p:cNvPr>
+          <p:cNvPicPr>
+            <a:picLocks noChangeAspect="1"/>
+          </p:cNvPicPr>
+          <p:nvPr/>
+        </p:nvPicPr>
+        <p:blipFill>
+          <a:blip r:embed="rId10"/>
+          <a:stretch>
+            <a:fillRect/>
+          </a:stretch>
+        </p:blipFill>
+        <p:spPr>
+          <a:xfrm>
+            <a:off x="8514879" y="2745718"/>
+            <a:ext cx="2429172" cy="1225729"/>
           </a:xfrm>
           <a:prstGeom prst="rect">
             <a:avLst/>
@@ -9949,10 +9810,154 @@
       </p:pic>
       <p:pic>
         <p:nvPicPr>
-          <p:cNvPr id="45" name="図 44">
+          <p:cNvPr id="19" name="図 18">
             <a:extLst>
               <a:ext uri="{FF2B5EF4-FFF2-40B4-BE49-F238E27FC236}">
-                <a16:creationId xmlns:a16="http://schemas.microsoft.com/office/drawing/2014/main" id="{EFE39441-B42A-5934-41C7-690E69570CFD}"/>
+                <a16:creationId xmlns:a16="http://schemas.microsoft.com/office/drawing/2014/main" id="{8D0A7F59-A295-98CD-394C-CF32C09B7310}"/>
+              </a:ext>
+            </a:extLst>
+          </p:cNvPr>
+          <p:cNvPicPr>
+            <a:picLocks noChangeAspect="1"/>
+          </p:cNvPicPr>
+          <p:nvPr/>
+        </p:nvPicPr>
+        <p:blipFill>
+          <a:blip r:embed="rId11"/>
+          <a:stretch>
+            <a:fillRect/>
+          </a:stretch>
+        </p:blipFill>
+        <p:spPr>
+          <a:xfrm>
+            <a:off x="11222258" y="665746"/>
+            <a:ext cx="3714444" cy="3113235"/>
+          </a:xfrm>
+          <a:prstGeom prst="rect">
+            <a:avLst/>
+          </a:prstGeom>
+        </p:spPr>
+      </p:pic>
+      <p:sp>
+        <p:nvSpPr>
+          <p:cNvPr id="20" name="テキスト ボックス 19">
+            <a:extLst>
+              <a:ext uri="{FF2B5EF4-FFF2-40B4-BE49-F238E27FC236}">
+                <a16:creationId xmlns:a16="http://schemas.microsoft.com/office/drawing/2014/main" id="{F6B000CE-6E3F-22FC-7839-CBEE0826B8AA}"/>
+              </a:ext>
+            </a:extLst>
+          </p:cNvPr>
+          <p:cNvSpPr txBox="1"/>
+          <p:nvPr/>
+        </p:nvSpPr>
+        <p:spPr>
+          <a:xfrm>
+            <a:off x="8046309" y="2523973"/>
+            <a:ext cx="3329790" cy="276999"/>
+          </a:xfrm>
+          <a:prstGeom prst="rect">
+            <a:avLst/>
+          </a:prstGeom>
+          <a:noFill/>
+        </p:spPr>
+        <p:txBody>
+          <a:bodyPr wrap="square" rtlCol="0">
+            <a:spAutoFit/>
+          </a:bodyPr>
+          <a:lstStyle/>
+          <a:p>
+            <a:pPr algn="ctr"/>
+            <a:r>
+              <a:rPr lang="ja-JP" altLang="en-US" sz="1200" dirty="0">
+                <a:latin typeface="BIZ UDPゴシック" panose="020B0400000000000000" pitchFamily="50" charset="-128"/>
+                <a:ea typeface="BIZ UDPゴシック" panose="020B0400000000000000" pitchFamily="50" charset="-128"/>
+              </a:rPr>
+              <a:t>表</a:t>
+            </a:r>
+            <a:r>
+              <a:rPr kumimoji="1" lang="en-US" altLang="ja-JP" sz="1200" dirty="0">
+                <a:latin typeface="BIZ UDPゴシック" panose="020B0400000000000000" pitchFamily="50" charset="-128"/>
+                <a:ea typeface="BIZ UDPゴシック" panose="020B0400000000000000" pitchFamily="50" charset="-128"/>
+              </a:rPr>
+              <a:t>1.2 </a:t>
+            </a:r>
+            <a:r>
+              <a:rPr lang="ja-JP" altLang="en-US" sz="1200" dirty="0">
+                <a:latin typeface="BIZ UDPゴシック" panose="020B0400000000000000" pitchFamily="50" charset="-128"/>
+                <a:ea typeface="BIZ UDPゴシック" panose="020B0400000000000000" pitchFamily="50" charset="-128"/>
+              </a:rPr>
+              <a:t>マップ情報</a:t>
+            </a:r>
+            <a:endParaRPr kumimoji="1" lang="ja-JP" altLang="en-US" sz="1200" dirty="0">
+              <a:latin typeface="BIZ UDPゴシック" panose="020B0400000000000000" pitchFamily="50" charset="-128"/>
+              <a:ea typeface="BIZ UDPゴシック" panose="020B0400000000000000" pitchFamily="50" charset="-128"/>
+            </a:endParaRPr>
+          </a:p>
+        </p:txBody>
+      </p:sp>
+      <p:sp>
+        <p:nvSpPr>
+          <p:cNvPr id="23" name="テキスト ボックス 22">
+            <a:extLst>
+              <a:ext uri="{FF2B5EF4-FFF2-40B4-BE49-F238E27FC236}">
+                <a16:creationId xmlns:a16="http://schemas.microsoft.com/office/drawing/2014/main" id="{9CDC1353-9A1E-5A50-6F1F-871C81B46E15}"/>
+              </a:ext>
+            </a:extLst>
+          </p:cNvPr>
+          <p:cNvSpPr txBox="1"/>
+          <p:nvPr/>
+        </p:nvSpPr>
+        <p:spPr>
+          <a:xfrm>
+            <a:off x="11606912" y="3686491"/>
+            <a:ext cx="3329790" cy="276999"/>
+          </a:xfrm>
+          <a:prstGeom prst="rect">
+            <a:avLst/>
+          </a:prstGeom>
+          <a:noFill/>
+        </p:spPr>
+        <p:txBody>
+          <a:bodyPr wrap="square" rtlCol="0">
+            <a:spAutoFit/>
+          </a:bodyPr>
+          <a:lstStyle/>
+          <a:p>
+            <a:pPr algn="ctr"/>
+            <a:r>
+              <a:rPr kumimoji="1" lang="ja-JP" altLang="en-US" sz="1200" dirty="0">
+                <a:latin typeface="BIZ UDPゴシック" panose="020B0400000000000000" pitchFamily="50" charset="-128"/>
+                <a:ea typeface="BIZ UDPゴシック" panose="020B0400000000000000" pitchFamily="50" charset="-128"/>
+              </a:rPr>
+              <a:t>図</a:t>
+            </a:r>
+            <a:r>
+              <a:rPr kumimoji="1" lang="en-US" altLang="ja-JP" sz="1200" dirty="0">
+                <a:latin typeface="BIZ UDPゴシック" panose="020B0400000000000000" pitchFamily="50" charset="-128"/>
+                <a:ea typeface="BIZ UDPゴシック" panose="020B0400000000000000" pitchFamily="50" charset="-128"/>
+              </a:rPr>
+              <a:t>1.3 </a:t>
+            </a:r>
+            <a:r>
+              <a:rPr lang="ja-JP" altLang="en-US" sz="1200" dirty="0">
+                <a:latin typeface="BIZ UDPゴシック" panose="020B0400000000000000" pitchFamily="50" charset="-128"/>
+                <a:ea typeface="BIZ UDPゴシック" panose="020B0400000000000000" pitchFamily="50" charset="-128"/>
+              </a:rPr>
+              <a:t>マップ情報</a:t>
+            </a:r>
+            <a:endParaRPr kumimoji="1" lang="ja-JP" altLang="en-US" sz="1200" dirty="0">
+              <a:latin typeface="BIZ UDPゴシック" panose="020B0400000000000000" pitchFamily="50" charset="-128"/>
+              <a:ea typeface="BIZ UDPゴシック" panose="020B0400000000000000" pitchFamily="50" charset="-128"/>
+            </a:endParaRPr>
+          </a:p>
+        </p:txBody>
+      </p:sp>
+      <p:pic>
+        <p:nvPicPr>
+          <p:cNvPr id="3" name="図 2">
+            <a:extLst>
+              <a:ext uri="{FF2B5EF4-FFF2-40B4-BE49-F238E27FC236}">
+                <a16:creationId xmlns:a16="http://schemas.microsoft.com/office/drawing/2014/main" id="{58B5AEBA-4708-E887-C34E-8B4209CFCCA7}"/>
               </a:ext>
             </a:extLst>
           </p:cNvPr>
@@ -9969,8 +9974,8 @@
         </p:blipFill>
         <p:spPr>
           <a:xfrm>
-            <a:off x="12024171" y="1313841"/>
-            <a:ext cx="3000634" cy="2584663"/>
+            <a:off x="7832351" y="4482454"/>
+            <a:ext cx="3218501" cy="6111633"/>
           </a:xfrm>
           <a:prstGeom prst="rect">
             <a:avLst/>
@@ -9979,10 +9984,10 @@
       </p:pic>
       <p:pic>
         <p:nvPicPr>
-          <p:cNvPr id="47" name="図 46">
+          <p:cNvPr id="27" name="図 26">
             <a:extLst>
               <a:ext uri="{FF2B5EF4-FFF2-40B4-BE49-F238E27FC236}">
-                <a16:creationId xmlns:a16="http://schemas.microsoft.com/office/drawing/2014/main" id="{398EE5D9-1D87-9A75-6D05-D91F5D41AFB2}"/>
+                <a16:creationId xmlns:a16="http://schemas.microsoft.com/office/drawing/2014/main" id="{A77AF8F3-3365-6CE3-D19E-194DEE8327A8}"/>
               </a:ext>
             </a:extLst>
           </p:cNvPr>
@@ -9999,8 +10004,8 @@
         </p:blipFill>
         <p:spPr>
           <a:xfrm>
-            <a:off x="10186688" y="4273037"/>
-            <a:ext cx="4795046" cy="5957429"/>
+            <a:off x="142851" y="5385860"/>
+            <a:ext cx="7604765" cy="5030524"/>
           </a:xfrm>
           <a:prstGeom prst="rect">
             <a:avLst/>
@@ -10009,10 +10014,10 @@
       </p:pic>
       <p:pic>
         <p:nvPicPr>
-          <p:cNvPr id="7" name="図 6">
+          <p:cNvPr id="5" name="図 4">
             <a:extLst>
               <a:ext uri="{FF2B5EF4-FFF2-40B4-BE49-F238E27FC236}">
-                <a16:creationId xmlns:a16="http://schemas.microsoft.com/office/drawing/2014/main" id="{20FAFC1E-847F-B77D-F7A3-25F88E630E07}"/>
+                <a16:creationId xmlns:a16="http://schemas.microsoft.com/office/drawing/2014/main" id="{DCED772C-7A95-95EB-748E-E4FDD4D67EBB}"/>
               </a:ext>
             </a:extLst>
           </p:cNvPr>
@@ -10029,8 +10034,8 @@
         </p:blipFill>
         <p:spPr>
           <a:xfrm>
-            <a:off x="214859" y="4913858"/>
-            <a:ext cx="6926444" cy="5391514"/>
+            <a:off x="11161061" y="3945530"/>
+            <a:ext cx="3906576" cy="6429062"/>
           </a:xfrm>
           <a:prstGeom prst="rect">
             <a:avLst/>
@@ -10084,7 +10089,7 @@
         <p:spPr bwMode="auto">
           <a:xfrm>
             <a:off x="152498" y="652982"/>
-            <a:ext cx="14854838" cy="4962805"/>
+            <a:ext cx="14854838" cy="4908945"/>
           </a:xfrm>
           <a:prstGeom prst="rect">
             <a:avLst/>
@@ -10278,27 +10283,27 @@
               </a:spcBef>
             </a:pPr>
             <a:r>
-              <a:rPr lang="ja-JP" altLang="en-US" sz="1400" dirty="0">
-                <a:latin typeface="UD デジタル 教科書体 NP" panose="02020400000000000000" pitchFamily="18" charset="-128"/>
-                <a:ea typeface="UD デジタル 教科書体 NP" panose="02020400000000000000" pitchFamily="18" charset="-128"/>
-              </a:rPr>
-              <a:t>バーチャル運転手は、目的地までの走行プランを決定する「意思決定」、走行を制御する「走行」、分岐時の進路を決定する「進路決定」の</a:t>
-            </a:r>
-            <a:r>
-              <a:rPr lang="en-US" altLang="ja-JP" sz="1400" dirty="0">
+              <a:rPr lang="ja-JP" altLang="en-US" sz="1200" dirty="0">
+                <a:latin typeface="UD デジタル 教科書体 NP" panose="02020400000000000000" pitchFamily="18" charset="-128"/>
+                <a:ea typeface="UD デジタル 教科書体 NP" panose="02020400000000000000" pitchFamily="18" charset="-128"/>
+              </a:rPr>
+              <a:t>バーチャル運転手は、目的地までの走行プランを組み立てる「意思決定」、走行方式に沿った走行を提供する「走行」、分岐時に進路を決定する「進路決定」の</a:t>
+            </a:r>
+            <a:r>
+              <a:rPr lang="en-US" altLang="ja-JP" sz="1200" dirty="0">
                 <a:latin typeface="UD デジタル 教科書体 NP" panose="02020400000000000000" pitchFamily="18" charset="-128"/>
                 <a:ea typeface="UD デジタル 教科書体 NP" panose="02020400000000000000" pitchFamily="18" charset="-128"/>
               </a:rPr>
               <a:t>3</a:t>
             </a:r>
             <a:r>
-              <a:rPr lang="ja-JP" altLang="en-US" sz="1400" dirty="0">
+              <a:rPr lang="ja-JP" altLang="en-US" sz="1200" dirty="0">
                 <a:latin typeface="UD デジタル 教科書体 NP" panose="02020400000000000000" pitchFamily="18" charset="-128"/>
                 <a:ea typeface="UD デジタル 教科書体 NP" panose="02020400000000000000" pitchFamily="18" charset="-128"/>
               </a:rPr>
               <a:t>つのパッケージに分割することとした。</a:t>
             </a:r>
-            <a:endParaRPr lang="en-US" altLang="ja-JP" sz="1400" dirty="0">
+            <a:endParaRPr lang="en-US" altLang="ja-JP" sz="1200" dirty="0">
               <a:latin typeface="UD デジタル 教科書体 NP" panose="02020400000000000000" pitchFamily="18" charset="-128"/>
               <a:ea typeface="UD デジタル 教科書体 NP" panose="02020400000000000000" pitchFamily="18" charset="-128"/>
             </a:endParaRPr>
@@ -10313,27 +10318,27 @@
               </a:spcBef>
             </a:pPr>
             <a:r>
-              <a:rPr lang="ja-JP" altLang="en-US" sz="1400" dirty="0">
-                <a:latin typeface="UD デジタル 教科書体 NP" panose="02020400000000000000" pitchFamily="18" charset="-128"/>
-                <a:ea typeface="UD デジタル 教科書体 NP" panose="02020400000000000000" pitchFamily="18" charset="-128"/>
-              </a:rPr>
-              <a:t>走行システムは、モータへの出力系のインタフェースとなる「駆動」、センサからの入力系のインターフェースとなる「知覚」、センサやモータをそのものを扱う「デバイス」の</a:t>
-            </a:r>
-            <a:r>
-              <a:rPr lang="en-US" altLang="ja-JP" sz="1400" dirty="0">
+              <a:rPr lang="ja-JP" altLang="en-US" sz="1200" dirty="0">
+                <a:latin typeface="UD デジタル 教科書体 NP" panose="02020400000000000000" pitchFamily="18" charset="-128"/>
+                <a:ea typeface="UD デジタル 教科書体 NP" panose="02020400000000000000" pitchFamily="18" charset="-128"/>
+              </a:rPr>
+              <a:t>走行システムは、モータへの出力系のインタフェースとなる「駆動」、センサからの入力系のインターフェースとなる「知覚」、センサやモーターをそのものを扱う「デバイス」の</a:t>
+            </a:r>
+            <a:r>
+              <a:rPr lang="en-US" altLang="ja-JP" sz="1200" dirty="0">
                 <a:latin typeface="UD デジタル 教科書体 NP" panose="02020400000000000000" pitchFamily="18" charset="-128"/>
                 <a:ea typeface="UD デジタル 教科書体 NP" panose="02020400000000000000" pitchFamily="18" charset="-128"/>
               </a:rPr>
               <a:t>3</a:t>
             </a:r>
             <a:r>
-              <a:rPr lang="ja-JP" altLang="en-US" sz="1400" dirty="0">
-                <a:latin typeface="UD デジタル 教科書体 NP" panose="02020400000000000000" pitchFamily="18" charset="-128"/>
-                <a:ea typeface="UD デジタル 教科書体 NP" panose="02020400000000000000" pitchFamily="18" charset="-128"/>
-              </a:rPr>
-              <a:t>つ</a:t>
-            </a:r>
-            <a:endParaRPr lang="en-US" altLang="ja-JP" sz="1400" dirty="0">
+              <a:rPr lang="ja-JP" altLang="en-US" sz="1200" dirty="0">
+                <a:latin typeface="UD デジタル 教科書体 NP" panose="02020400000000000000" pitchFamily="18" charset="-128"/>
+                <a:ea typeface="UD デジタル 教科書体 NP" panose="02020400000000000000" pitchFamily="18" charset="-128"/>
+              </a:rPr>
+              <a:t>つのパッケージに分割した。</a:t>
+            </a:r>
+            <a:endParaRPr lang="en-US" altLang="ja-JP" sz="1200" dirty="0">
               <a:latin typeface="UD デジタル 教科書体 NP" panose="02020400000000000000" pitchFamily="18" charset="-128"/>
               <a:ea typeface="UD デジタル 教科書体 NP" panose="02020400000000000000" pitchFamily="18" charset="-128"/>
             </a:endParaRPr>
@@ -10348,415 +10353,44 @@
               </a:spcBef>
             </a:pPr>
             <a:r>
-              <a:rPr lang="ja-JP" altLang="en-US" sz="1400" dirty="0">
-                <a:latin typeface="UD デジタル 教科書体 NP" panose="02020400000000000000" pitchFamily="18" charset="-128"/>
-                <a:ea typeface="UD デジタル 教科書体 NP" panose="02020400000000000000" pitchFamily="18" charset="-128"/>
-              </a:rPr>
-              <a:t>のパッケージに分割した。</a:t>
-            </a:r>
-            <a:endParaRPr lang="en-US" altLang="ja-JP" sz="1400" dirty="0">
+              <a:rPr lang="ja-JP" altLang="en-US" sz="1200" dirty="0">
+                <a:latin typeface="UD デジタル 教科書体 NP" panose="02020400000000000000" pitchFamily="18" charset="-128"/>
+                <a:ea typeface="UD デジタル 教科書体 NP" panose="02020400000000000000" pitchFamily="18" charset="-128"/>
+              </a:rPr>
+              <a:t>パッケージの役割と各ユースケースとの対応を表</a:t>
+            </a:r>
+            <a:r>
+              <a:rPr lang="en-US" altLang="ja-JP" sz="1200" dirty="0">
+                <a:latin typeface="UD デジタル 教科書体 NP" panose="02020400000000000000" pitchFamily="18" charset="-128"/>
+                <a:ea typeface="UD デジタル 教科書体 NP" panose="02020400000000000000" pitchFamily="18" charset="-128"/>
+              </a:rPr>
+              <a:t>2.1</a:t>
+            </a:r>
+            <a:r>
+              <a:rPr lang="ja-JP" altLang="en-US" sz="1200" dirty="0">
+                <a:latin typeface="UD デジタル 教科書体 NP" panose="02020400000000000000" pitchFamily="18" charset="-128"/>
+                <a:ea typeface="UD デジタル 教科書体 NP" panose="02020400000000000000" pitchFamily="18" charset="-128"/>
+              </a:rPr>
+              <a:t>に、パッケージ構成を図</a:t>
+            </a:r>
+            <a:r>
+              <a:rPr lang="en-US" altLang="ja-JP" sz="1200" dirty="0">
+                <a:latin typeface="UD デジタル 教科書体 NP" panose="02020400000000000000" pitchFamily="18" charset="-128"/>
+                <a:ea typeface="UD デジタル 教科書体 NP" panose="02020400000000000000" pitchFamily="18" charset="-128"/>
+              </a:rPr>
+              <a:t>2.1</a:t>
+            </a:r>
+            <a:r>
+              <a:rPr lang="ja-JP" altLang="en-US" sz="1200" dirty="0">
+                <a:latin typeface="UD デジタル 教科書体 NP" panose="02020400000000000000" pitchFamily="18" charset="-128"/>
+                <a:ea typeface="UD デジタル 教科書体 NP" panose="02020400000000000000" pitchFamily="18" charset="-128"/>
+              </a:rPr>
+              <a:t>に示した。</a:t>
+            </a:r>
+            <a:endParaRPr lang="en-US" altLang="ja-JP" sz="1200" dirty="0">
               <a:latin typeface="UD デジタル 教科書体 NP" panose="02020400000000000000" pitchFamily="18" charset="-128"/>
               <a:ea typeface="UD デジタル 教科書体 NP" panose="02020400000000000000" pitchFamily="18" charset="-128"/>
             </a:endParaRPr>
-          </a:p>
-          <a:p>
-            <a:pPr eaLnBrk="1" hangingPunct="1">
-              <a:lnSpc>
-                <a:spcPct val="80000"/>
-              </a:lnSpc>
-              <a:spcBef>
-                <a:spcPct val="20000"/>
-              </a:spcBef>
-            </a:pPr>
-            <a:r>
-              <a:rPr lang="ja-JP" altLang="en-US" sz="1400" dirty="0">
-                <a:latin typeface="UD デジタル 教科書体 NP" panose="02020400000000000000" pitchFamily="18" charset="-128"/>
-                <a:ea typeface="UD デジタル 教科書体 NP" panose="02020400000000000000" pitchFamily="18" charset="-128"/>
-              </a:rPr>
-              <a:t>パッケージ図を図</a:t>
-            </a:r>
-            <a:r>
-              <a:rPr lang="en-US" altLang="ja-JP" sz="1400" dirty="0">
-                <a:latin typeface="UD デジタル 教科書体 NP" panose="02020400000000000000" pitchFamily="18" charset="-128"/>
-                <a:ea typeface="UD デジタル 教科書体 NP" panose="02020400000000000000" pitchFamily="18" charset="-128"/>
-              </a:rPr>
-              <a:t>2.1</a:t>
-            </a:r>
-            <a:r>
-              <a:rPr lang="ja-JP" altLang="en-US" sz="1400" dirty="0">
-                <a:latin typeface="UD デジタル 教科書体 NP" panose="02020400000000000000" pitchFamily="18" charset="-128"/>
-                <a:ea typeface="UD デジタル 教科書体 NP" panose="02020400000000000000" pitchFamily="18" charset="-128"/>
-              </a:rPr>
-              <a:t>に、パッケージの役割とユースケースとの対応を表</a:t>
-            </a:r>
-            <a:r>
-              <a:rPr lang="en-US" altLang="ja-JP" sz="1400" dirty="0">
-                <a:latin typeface="UD デジタル 教科書体 NP" panose="02020400000000000000" pitchFamily="18" charset="-128"/>
-                <a:ea typeface="UD デジタル 教科書体 NP" panose="02020400000000000000" pitchFamily="18" charset="-128"/>
-              </a:rPr>
-              <a:t>2.1</a:t>
-            </a:r>
-            <a:r>
-              <a:rPr lang="ja-JP" altLang="en-US" sz="1400" dirty="0">
-                <a:latin typeface="UD デジタル 教科書体 NP" panose="02020400000000000000" pitchFamily="18" charset="-128"/>
-                <a:ea typeface="UD デジタル 教科書体 NP" panose="02020400000000000000" pitchFamily="18" charset="-128"/>
-              </a:rPr>
-              <a:t>に示した。</a:t>
-            </a:r>
-            <a:endParaRPr lang="en-US" altLang="ja-JP" sz="1400" dirty="0">
-              <a:latin typeface="UD デジタル 教科書体 NP" panose="02020400000000000000" pitchFamily="18" charset="-128"/>
-              <a:ea typeface="UD デジタル 教科書体 NP" panose="02020400000000000000" pitchFamily="18" charset="-128"/>
-            </a:endParaRPr>
-          </a:p>
-          <a:p>
-            <a:pPr eaLnBrk="1" hangingPunct="1">
-              <a:lnSpc>
-                <a:spcPct val="80000"/>
-              </a:lnSpc>
-              <a:spcBef>
-                <a:spcPct val="20000"/>
-              </a:spcBef>
-            </a:pPr>
-            <a:endParaRPr lang="en-US" altLang="ja-JP" sz="1400" dirty="0">
-              <a:latin typeface="UD デジタル 教科書体 NP" panose="02020400000000000000" pitchFamily="18" charset="-128"/>
-              <a:ea typeface="UD デジタル 教科書体 NP" panose="02020400000000000000" pitchFamily="18" charset="-128"/>
-            </a:endParaRPr>
-          </a:p>
-        </p:txBody>
-      </p:sp>
-      <p:sp>
-        <p:nvSpPr>
-          <p:cNvPr id="8" name="フリーフォーム: 図形 7">
-            <a:extLst>
-              <a:ext uri="{FF2B5EF4-FFF2-40B4-BE49-F238E27FC236}">
-                <a16:creationId xmlns:a16="http://schemas.microsoft.com/office/drawing/2014/main" id="{25E134C8-7F8D-8770-8784-B8B59CDB2A1D}"/>
-              </a:ext>
-            </a:extLst>
-          </p:cNvPr>
-          <p:cNvSpPr>
-            <a:spLocks noChangeArrowheads="1"/>
-          </p:cNvSpPr>
-          <p:nvPr/>
-        </p:nvSpPr>
-        <p:spPr bwMode="auto">
-          <a:xfrm>
-            <a:off x="152498" y="4394177"/>
-            <a:ext cx="14854838" cy="6176549"/>
-          </a:xfrm>
-          <a:custGeom>
-            <a:avLst/>
-            <a:gdLst>
-              <a:gd name="connsiteX0" fmla="*/ 3169768 w 14854838"/>
-              <a:gd name="connsiteY0" fmla="*/ 0 h 6097571"/>
-              <a:gd name="connsiteX1" fmla="*/ 14854838 w 14854838"/>
-              <a:gd name="connsiteY1" fmla="*/ 0 h 6097571"/>
-              <a:gd name="connsiteX2" fmla="*/ 14854838 w 14854838"/>
-              <a:gd name="connsiteY2" fmla="*/ 1134766 h 6097571"/>
-              <a:gd name="connsiteX3" fmla="*/ 14854838 w 14854838"/>
-              <a:gd name="connsiteY3" fmla="*/ 6097571 h 6097571"/>
-              <a:gd name="connsiteX4" fmla="*/ 3169768 w 14854838"/>
-              <a:gd name="connsiteY4" fmla="*/ 6097571 h 6097571"/>
-              <a:gd name="connsiteX5" fmla="*/ 0 w 14854838"/>
-              <a:gd name="connsiteY5" fmla="*/ 6097571 h 6097571"/>
-              <a:gd name="connsiteX6" fmla="*/ 0 w 14854838"/>
-              <a:gd name="connsiteY6" fmla="*/ 1134766 h 6097571"/>
-              <a:gd name="connsiteX7" fmla="*/ 3169768 w 14854838"/>
-              <a:gd name="connsiteY7" fmla="*/ 1134766 h 6097571"/>
-            </a:gdLst>
-            <a:ahLst/>
-            <a:cxnLst>
-              <a:cxn ang="0">
-                <a:pos x="connsiteX0" y="connsiteY0"/>
-              </a:cxn>
-              <a:cxn ang="0">
-                <a:pos x="connsiteX1" y="connsiteY1"/>
-              </a:cxn>
-              <a:cxn ang="0">
-                <a:pos x="connsiteX2" y="connsiteY2"/>
-              </a:cxn>
-              <a:cxn ang="0">
-                <a:pos x="connsiteX3" y="connsiteY3"/>
-              </a:cxn>
-              <a:cxn ang="0">
-                <a:pos x="connsiteX4" y="connsiteY4"/>
-              </a:cxn>
-              <a:cxn ang="0">
-                <a:pos x="connsiteX5" y="connsiteY5"/>
-              </a:cxn>
-              <a:cxn ang="0">
-                <a:pos x="connsiteX6" y="connsiteY6"/>
-              </a:cxn>
-              <a:cxn ang="0">
-                <a:pos x="connsiteX7" y="connsiteY7"/>
-              </a:cxn>
-            </a:cxnLst>
-            <a:rect l="l" t="t" r="r" b="b"/>
-            <a:pathLst>
-              <a:path w="14854838" h="6097571">
-                <a:moveTo>
-                  <a:pt x="3169768" y="0"/>
-                </a:moveTo>
-                <a:lnTo>
-                  <a:pt x="14854838" y="0"/>
-                </a:lnTo>
-                <a:lnTo>
-                  <a:pt x="14854838" y="1134766"/>
-                </a:lnTo>
-                <a:lnTo>
-                  <a:pt x="14854838" y="6097571"/>
-                </a:lnTo>
-                <a:lnTo>
-                  <a:pt x="3169768" y="6097571"/>
-                </a:lnTo>
-                <a:lnTo>
-                  <a:pt x="0" y="6097571"/>
-                </a:lnTo>
-                <a:lnTo>
-                  <a:pt x="0" y="1134766"/>
-                </a:lnTo>
-                <a:lnTo>
-                  <a:pt x="3169768" y="1134766"/>
-                </a:lnTo>
-                <a:close/>
-              </a:path>
-            </a:pathLst>
-          </a:custGeom>
-          <a:solidFill>
-            <a:schemeClr val="bg1"/>
-          </a:solidFill>
-          <a:ln w="9525">
-            <a:solidFill>
-              <a:schemeClr val="accent2"/>
-            </a:solidFill>
-            <a:miter lim="800000"/>
-            <a:headEnd/>
-            <a:tailEnd/>
-          </a:ln>
-        </p:spPr>
-        <p:txBody>
-          <a:bodyPr wrap="square" lIns="120687" tIns="60343" rIns="120687" bIns="60343">
-            <a:noAutofit/>
-          </a:bodyPr>
-          <a:lstStyle>
-            <a:lvl1pPr marL="481013" indent="-481013" defTabSz="1279525" eaLnBrk="0" hangingPunct="0">
-              <a:defRPr kumimoji="1" sz="1600">
-                <a:solidFill>
-                  <a:schemeClr val="tx1"/>
-                </a:solidFill>
-                <a:latin typeface="Times New Roman" panose="02020603050405020304" pitchFamily="18" charset="0"/>
-                <a:ea typeface="ＭＳ Ｐゴシック" panose="020B0600070205080204" pitchFamily="34" charset="-128"/>
-              </a:defRPr>
-            </a:lvl1pPr>
-            <a:lvl2pPr marL="742950" indent="-285750" defTabSz="1279525" eaLnBrk="0" hangingPunct="0">
-              <a:defRPr kumimoji="1" sz="1600">
-                <a:solidFill>
-                  <a:schemeClr val="tx1"/>
-                </a:solidFill>
-                <a:latin typeface="Times New Roman" panose="02020603050405020304" pitchFamily="18" charset="0"/>
-                <a:ea typeface="ＭＳ Ｐゴシック" panose="020B0600070205080204" pitchFamily="34" charset="-128"/>
-              </a:defRPr>
-            </a:lvl2pPr>
-            <a:lvl3pPr marL="1143000" indent="-228600" defTabSz="1279525" eaLnBrk="0" hangingPunct="0">
-              <a:defRPr kumimoji="1" sz="1600">
-                <a:solidFill>
-                  <a:schemeClr val="tx1"/>
-                </a:solidFill>
-                <a:latin typeface="Times New Roman" panose="02020603050405020304" pitchFamily="18" charset="0"/>
-                <a:ea typeface="ＭＳ Ｐゴシック" panose="020B0600070205080204" pitchFamily="34" charset="-128"/>
-              </a:defRPr>
-            </a:lvl3pPr>
-            <a:lvl4pPr marL="1600200" indent="-228600" defTabSz="1279525" eaLnBrk="0" hangingPunct="0">
-              <a:defRPr kumimoji="1" sz="1600">
-                <a:solidFill>
-                  <a:schemeClr val="tx1"/>
-                </a:solidFill>
-                <a:latin typeface="Times New Roman" panose="02020603050405020304" pitchFamily="18" charset="0"/>
-                <a:ea typeface="ＭＳ Ｐゴシック" panose="020B0600070205080204" pitchFamily="34" charset="-128"/>
-              </a:defRPr>
-            </a:lvl4pPr>
-            <a:lvl5pPr marL="2057400" indent="-228600" defTabSz="1279525" eaLnBrk="0" hangingPunct="0">
-              <a:defRPr kumimoji="1" sz="1600">
-                <a:solidFill>
-                  <a:schemeClr val="tx1"/>
-                </a:solidFill>
-                <a:latin typeface="Times New Roman" panose="02020603050405020304" pitchFamily="18" charset="0"/>
-                <a:ea typeface="ＭＳ Ｐゴシック" panose="020B0600070205080204" pitchFamily="34" charset="-128"/>
-              </a:defRPr>
-            </a:lvl5pPr>
-            <a:lvl6pPr marL="2514600" indent="-228600" defTabSz="1279525" eaLnBrk="0" fontAlgn="base" hangingPunct="0">
-              <a:spcBef>
-                <a:spcPct val="0"/>
-              </a:spcBef>
-              <a:spcAft>
-                <a:spcPct val="0"/>
-              </a:spcAft>
-              <a:defRPr kumimoji="1" sz="1600">
-                <a:solidFill>
-                  <a:schemeClr val="tx1"/>
-                </a:solidFill>
-                <a:latin typeface="Times New Roman" panose="02020603050405020304" pitchFamily="18" charset="0"/>
-                <a:ea typeface="ＭＳ Ｐゴシック" panose="020B0600070205080204" pitchFamily="34" charset="-128"/>
-              </a:defRPr>
-            </a:lvl6pPr>
-            <a:lvl7pPr marL="2971800" indent="-228600" defTabSz="1279525" eaLnBrk="0" fontAlgn="base" hangingPunct="0">
-              <a:spcBef>
-                <a:spcPct val="0"/>
-              </a:spcBef>
-              <a:spcAft>
-                <a:spcPct val="0"/>
-              </a:spcAft>
-              <a:defRPr kumimoji="1" sz="1600">
-                <a:solidFill>
-                  <a:schemeClr val="tx1"/>
-                </a:solidFill>
-                <a:latin typeface="Times New Roman" panose="02020603050405020304" pitchFamily="18" charset="0"/>
-                <a:ea typeface="ＭＳ Ｐゴシック" panose="020B0600070205080204" pitchFamily="34" charset="-128"/>
-              </a:defRPr>
-            </a:lvl7pPr>
-            <a:lvl8pPr marL="3429000" indent="-228600" defTabSz="1279525" eaLnBrk="0" fontAlgn="base" hangingPunct="0">
-              <a:spcBef>
-                <a:spcPct val="0"/>
-              </a:spcBef>
-              <a:spcAft>
-                <a:spcPct val="0"/>
-              </a:spcAft>
-              <a:defRPr kumimoji="1" sz="1600">
-                <a:solidFill>
-                  <a:schemeClr val="tx1"/>
-                </a:solidFill>
-                <a:latin typeface="Times New Roman" panose="02020603050405020304" pitchFamily="18" charset="0"/>
-                <a:ea typeface="ＭＳ Ｐゴシック" panose="020B0600070205080204" pitchFamily="34" charset="-128"/>
-              </a:defRPr>
-            </a:lvl8pPr>
-            <a:lvl9pPr marL="3886200" indent="-228600" defTabSz="1279525" eaLnBrk="0" fontAlgn="base" hangingPunct="0">
-              <a:spcBef>
-                <a:spcPct val="0"/>
-              </a:spcBef>
-              <a:spcAft>
-                <a:spcPct val="0"/>
-              </a:spcAft>
-              <a:defRPr kumimoji="1" sz="1600">
-                <a:solidFill>
-                  <a:schemeClr val="tx1"/>
-                </a:solidFill>
-                <a:latin typeface="Times New Roman" panose="02020603050405020304" pitchFamily="18" charset="0"/>
-                <a:ea typeface="ＭＳ Ｐゴシック" panose="020B0600070205080204" pitchFamily="34" charset="-128"/>
-              </a:defRPr>
-            </a:lvl9pPr>
-          </a:lstStyle>
-          <a:p>
-            <a:pPr eaLnBrk="1" hangingPunct="1">
-              <a:lnSpc>
-                <a:spcPct val="80000"/>
-              </a:lnSpc>
-              <a:spcBef>
-                <a:spcPct val="20000"/>
-              </a:spcBef>
-            </a:pPr>
-            <a:endParaRPr lang="en-US" altLang="ja-JP" sz="1400" dirty="0">
-              <a:latin typeface="UD デジタル 教科書体 NP" panose="02020400000000000000" pitchFamily="18" charset="-128"/>
-              <a:ea typeface="UD デジタル 教科書体 NP" panose="02020400000000000000" pitchFamily="18" charset="-128"/>
-            </a:endParaRPr>
-          </a:p>
-          <a:p>
-            <a:pPr eaLnBrk="1" hangingPunct="1">
-              <a:lnSpc>
-                <a:spcPct val="80000"/>
-              </a:lnSpc>
-              <a:spcBef>
-                <a:spcPct val="20000"/>
-              </a:spcBef>
-            </a:pPr>
-            <a:endParaRPr lang="en-US" altLang="ja-JP" sz="1400" dirty="0">
-              <a:latin typeface="UD デジタル 教科書体 NP" panose="02020400000000000000" pitchFamily="18" charset="-128"/>
-              <a:ea typeface="UD デジタル 教科書体 NP" panose="02020400000000000000" pitchFamily="18" charset="-128"/>
-            </a:endParaRPr>
-          </a:p>
-          <a:p>
-            <a:pPr eaLnBrk="1" hangingPunct="1">
-              <a:lnSpc>
-                <a:spcPct val="80000"/>
-              </a:lnSpc>
-              <a:spcBef>
-                <a:spcPct val="20000"/>
-              </a:spcBef>
-            </a:pPr>
-            <a:endParaRPr lang="en-US" altLang="ja-JP" sz="1400" dirty="0">
-              <a:latin typeface="UD デジタル 教科書体 NP" panose="02020400000000000000" pitchFamily="18" charset="-128"/>
-              <a:ea typeface="UD デジタル 教科書体 NP" panose="02020400000000000000" pitchFamily="18" charset="-128"/>
-            </a:endParaRPr>
-          </a:p>
-          <a:p>
-            <a:pPr eaLnBrk="1" hangingPunct="1">
-              <a:lnSpc>
-                <a:spcPct val="80000"/>
-              </a:lnSpc>
-              <a:spcBef>
-                <a:spcPct val="20000"/>
-              </a:spcBef>
-            </a:pPr>
-            <a:endParaRPr lang="en-US" altLang="ja-JP" sz="1400" dirty="0">
-              <a:latin typeface="UD デジタル 教科書体 NP" panose="02020400000000000000" pitchFamily="18" charset="-128"/>
-              <a:ea typeface="UD デジタル 教科書体 NP" panose="02020400000000000000" pitchFamily="18" charset="-128"/>
-            </a:endParaRPr>
-          </a:p>
-          <a:p>
-            <a:pPr eaLnBrk="1" hangingPunct="1">
-              <a:lnSpc>
-                <a:spcPct val="80000"/>
-              </a:lnSpc>
-              <a:spcBef>
-                <a:spcPct val="20000"/>
-              </a:spcBef>
-            </a:pPr>
-            <a:endParaRPr lang="en-US" altLang="ja-JP" sz="1400" dirty="0">
-              <a:latin typeface="UD デジタル 教科書体 NP" panose="02020400000000000000" pitchFamily="18" charset="-128"/>
-              <a:ea typeface="UD デジタル 教科書体 NP" panose="02020400000000000000" pitchFamily="18" charset="-128"/>
-            </a:endParaRPr>
-          </a:p>
-          <a:p>
-            <a:pPr eaLnBrk="1" hangingPunct="1">
-              <a:lnSpc>
-                <a:spcPct val="80000"/>
-              </a:lnSpc>
-              <a:spcBef>
-                <a:spcPct val="20000"/>
-              </a:spcBef>
-            </a:pPr>
-            <a:endParaRPr lang="en-US" altLang="ja-JP" sz="1400" dirty="0">
-              <a:latin typeface="UD デジタル 教科書体 NP" panose="02020400000000000000" pitchFamily="18" charset="-128"/>
-              <a:ea typeface="UD デジタル 教科書体 NP" panose="02020400000000000000" pitchFamily="18" charset="-128"/>
-            </a:endParaRPr>
-          </a:p>
-          <a:p>
-            <a:pPr eaLnBrk="1" hangingPunct="1">
-              <a:lnSpc>
-                <a:spcPct val="80000"/>
-              </a:lnSpc>
-              <a:spcBef>
-                <a:spcPct val="20000"/>
-              </a:spcBef>
-            </a:pPr>
-            <a:r>
-              <a:rPr lang="en-US" altLang="ja-JP" sz="1780" dirty="0">
-                <a:solidFill>
-                  <a:srgbClr val="FF0000"/>
-                </a:solidFill>
-                <a:latin typeface="UD デジタル 教科書体 NP" panose="02020400000000000000" pitchFamily="18" charset="-128"/>
-                <a:ea typeface="UD デジタル 教科書体 NP" panose="02020400000000000000" pitchFamily="18" charset="-128"/>
-              </a:rPr>
-              <a:t>2-2. </a:t>
-            </a:r>
-            <a:r>
-              <a:rPr lang="ja-JP" altLang="en-US" sz="1780" dirty="0">
-                <a:solidFill>
-                  <a:srgbClr val="FF0000"/>
-                </a:solidFill>
-                <a:latin typeface="UD デジタル 教科書体 NP" panose="02020400000000000000" pitchFamily="18" charset="-128"/>
-                <a:ea typeface="UD デジタル 教科書体 NP" panose="02020400000000000000" pitchFamily="18" charset="-128"/>
-              </a:rPr>
-              <a:t>クラス構造</a:t>
-            </a:r>
           </a:p>
           <a:p>
             <a:pPr eaLnBrk="1" hangingPunct="1">
@@ -11586,12 +11220,145 @@
           </a:ln>
         </p:spPr>
       </p:cxnSp>
+      <p:sp>
+        <p:nvSpPr>
+          <p:cNvPr id="21" name="テキスト ボックス 20">
+            <a:extLst>
+              <a:ext uri="{FF2B5EF4-FFF2-40B4-BE49-F238E27FC236}">
+                <a16:creationId xmlns:a16="http://schemas.microsoft.com/office/drawing/2014/main" id="{90BAE9BB-7C52-5576-6160-6DA706F41897}"/>
+              </a:ext>
+            </a:extLst>
+          </p:cNvPr>
+          <p:cNvSpPr txBox="1"/>
+          <p:nvPr/>
+        </p:nvSpPr>
+        <p:spPr>
+          <a:xfrm>
+            <a:off x="228187" y="5203582"/>
+            <a:ext cx="2978520" cy="284693"/>
+          </a:xfrm>
+          <a:prstGeom prst="rect">
+            <a:avLst/>
+          </a:prstGeom>
+          <a:noFill/>
+        </p:spPr>
+        <p:txBody>
+          <a:bodyPr wrap="square" rtlCol="0">
+            <a:spAutoFit/>
+          </a:bodyPr>
+          <a:lstStyle/>
+          <a:p>
+            <a:r>
+              <a:rPr kumimoji="1" lang="ja-JP" altLang="en-US" sz="1250" dirty="0">
+                <a:latin typeface="BIZ UDPゴシック" panose="020B0400000000000000" pitchFamily="50" charset="-128"/>
+                <a:ea typeface="BIZ UDPゴシック" panose="020B0400000000000000" pitchFamily="50" charset="-128"/>
+              </a:rPr>
+              <a:t>図</a:t>
+            </a:r>
+            <a:r>
+              <a:rPr kumimoji="1" lang="en-US" altLang="ja-JP" sz="1250" dirty="0">
+                <a:latin typeface="BIZ UDPゴシック" panose="020B0400000000000000" pitchFamily="50" charset="-128"/>
+                <a:ea typeface="BIZ UDPゴシック" panose="020B0400000000000000" pitchFamily="50" charset="-128"/>
+              </a:rPr>
+              <a:t>2.1 </a:t>
+            </a:r>
+            <a:r>
+              <a:rPr lang="ja-JP" altLang="en-US" sz="1250" dirty="0">
+                <a:latin typeface="BIZ UDPゴシック" panose="020B0400000000000000" pitchFamily="50" charset="-128"/>
+                <a:ea typeface="BIZ UDPゴシック" panose="020B0400000000000000" pitchFamily="50" charset="-128"/>
+              </a:rPr>
+              <a:t>パッケージ構成</a:t>
+            </a:r>
+            <a:r>
+              <a:rPr kumimoji="1" lang="en-US" altLang="ja-JP" sz="1250" dirty="0">
+                <a:latin typeface="BIZ UDPゴシック" panose="020B0400000000000000" pitchFamily="50" charset="-128"/>
+                <a:ea typeface="BIZ UDPゴシック" panose="020B0400000000000000" pitchFamily="50" charset="-128"/>
+              </a:rPr>
+              <a:t>(</a:t>
+            </a:r>
+            <a:r>
+              <a:rPr kumimoji="1" lang="ja-JP" altLang="en-US" sz="1250" dirty="0">
+                <a:latin typeface="BIZ UDPゴシック" panose="020B0400000000000000" pitchFamily="50" charset="-128"/>
+                <a:ea typeface="BIZ UDPゴシック" panose="020B0400000000000000" pitchFamily="50" charset="-128"/>
+              </a:rPr>
+              <a:t>パッケージ図</a:t>
+            </a:r>
+            <a:r>
+              <a:rPr kumimoji="1" lang="en-US" altLang="ja-JP" sz="1250" dirty="0">
+                <a:latin typeface="BIZ UDPゴシック" panose="020B0400000000000000" pitchFamily="50" charset="-128"/>
+                <a:ea typeface="BIZ UDPゴシック" panose="020B0400000000000000" pitchFamily="50" charset="-128"/>
+              </a:rPr>
+              <a:t>)</a:t>
+            </a:r>
+            <a:endParaRPr kumimoji="1" lang="ja-JP" altLang="en-US" sz="1200" dirty="0">
+              <a:latin typeface="BIZ UDPゴシック" panose="020B0400000000000000" pitchFamily="50" charset="-128"/>
+              <a:ea typeface="BIZ UDPゴシック" panose="020B0400000000000000" pitchFamily="50" charset="-128"/>
+            </a:endParaRPr>
+          </a:p>
+        </p:txBody>
+      </p:sp>
+      <p:sp>
+        <p:nvSpPr>
+          <p:cNvPr id="22" name="テキスト ボックス 21">
+            <a:extLst>
+              <a:ext uri="{FF2B5EF4-FFF2-40B4-BE49-F238E27FC236}">
+                <a16:creationId xmlns:a16="http://schemas.microsoft.com/office/drawing/2014/main" id="{773B18CC-DD12-82B8-2724-DB680407DD46}"/>
+              </a:ext>
+            </a:extLst>
+          </p:cNvPr>
+          <p:cNvSpPr txBox="1"/>
+          <p:nvPr/>
+        </p:nvSpPr>
+        <p:spPr>
+          <a:xfrm>
+            <a:off x="7304497" y="1533780"/>
+            <a:ext cx="1984592" cy="284693"/>
+          </a:xfrm>
+          <a:prstGeom prst="rect">
+            <a:avLst/>
+          </a:prstGeom>
+          <a:noFill/>
+        </p:spPr>
+        <p:txBody>
+          <a:bodyPr wrap="square" rtlCol="0">
+            <a:spAutoFit/>
+          </a:bodyPr>
+          <a:lstStyle/>
+          <a:p>
+            <a:r>
+              <a:rPr lang="ja-JP" altLang="en-US" sz="1250" dirty="0">
+                <a:latin typeface="BIZ UDPゴシック" panose="020B0400000000000000" pitchFamily="50" charset="-128"/>
+                <a:ea typeface="BIZ UDPゴシック" panose="020B0400000000000000" pitchFamily="50" charset="-128"/>
+              </a:rPr>
+              <a:t>表</a:t>
+            </a:r>
+            <a:r>
+              <a:rPr kumimoji="1" lang="en-US" altLang="ja-JP" sz="1250" dirty="0">
+                <a:latin typeface="BIZ UDPゴシック" panose="020B0400000000000000" pitchFamily="50" charset="-128"/>
+                <a:ea typeface="BIZ UDPゴシック" panose="020B0400000000000000" pitchFamily="50" charset="-128"/>
+              </a:rPr>
+              <a:t>2.1 </a:t>
+            </a:r>
+            <a:r>
+              <a:rPr kumimoji="1" lang="ja-JP" altLang="en-US" sz="1250" dirty="0">
+                <a:latin typeface="BIZ UDPゴシック" panose="020B0400000000000000" pitchFamily="50" charset="-128"/>
+                <a:ea typeface="BIZ UDPゴシック" panose="020B0400000000000000" pitchFamily="50" charset="-128"/>
+              </a:rPr>
+              <a:t>パッケージの役割</a:t>
+            </a:r>
+            <a:endParaRPr kumimoji="1" lang="ja-JP" altLang="en-US" sz="1200" dirty="0">
+              <a:latin typeface="BIZ UDPゴシック" panose="020B0400000000000000" pitchFamily="50" charset="-128"/>
+              <a:ea typeface="BIZ UDPゴシック" panose="020B0400000000000000" pitchFamily="50" charset="-128"/>
+            </a:endParaRPr>
+          </a:p>
+        </p:txBody>
+      </p:sp>
       <p:pic>
         <p:nvPicPr>
-          <p:cNvPr id="14" name="図 13">
+          <p:cNvPr id="6" name="図 5">
             <a:extLst>
               <a:ext uri="{FF2B5EF4-FFF2-40B4-BE49-F238E27FC236}">
-                <a16:creationId xmlns:a16="http://schemas.microsoft.com/office/drawing/2014/main" id="{D6936F4C-264A-1BA3-FB6A-27A9ECF8AE3D}"/>
+                <a16:creationId xmlns:a16="http://schemas.microsoft.com/office/drawing/2014/main" id="{90C9E322-3BD5-9820-2AE7-895A78653742}"/>
               </a:ext>
             </a:extLst>
           </p:cNvPr>
@@ -11608,8 +11375,8 @@
         </p:blipFill>
         <p:spPr>
           <a:xfrm>
-            <a:off x="4554213" y="1943877"/>
-            <a:ext cx="10300626" cy="2177893"/>
+            <a:off x="228187" y="1771969"/>
+            <a:ext cx="2765470" cy="3462325"/>
           </a:xfrm>
           <a:prstGeom prst="rect">
             <a:avLst/>
@@ -11618,10 +11385,889 @@
       </p:pic>
       <p:sp>
         <p:nvSpPr>
-          <p:cNvPr id="21" name="テキスト ボックス 20">
+          <p:cNvPr id="9" name="フリーフォーム: 図形 8">
             <a:extLst>
               <a:ext uri="{FF2B5EF4-FFF2-40B4-BE49-F238E27FC236}">
-                <a16:creationId xmlns:a16="http://schemas.microsoft.com/office/drawing/2014/main" id="{90BAE9BB-7C52-5576-6160-6DA706F41897}"/>
+                <a16:creationId xmlns:a16="http://schemas.microsoft.com/office/drawing/2014/main" id="{8CDD56AC-3425-8E4C-79C1-33D4D8B512A0}"/>
+              </a:ext>
+            </a:extLst>
+          </p:cNvPr>
+          <p:cNvSpPr>
+            <a:spLocks noChangeArrowheads="1"/>
+          </p:cNvSpPr>
+          <p:nvPr/>
+        </p:nvSpPr>
+        <p:spPr bwMode="auto">
+          <a:xfrm>
+            <a:off x="152497" y="3890000"/>
+            <a:ext cx="14854838" cy="6692169"/>
+          </a:xfrm>
+          <a:custGeom>
+            <a:avLst/>
+            <a:gdLst>
+              <a:gd name="connsiteX0" fmla="*/ 2908010 w 14854838"/>
+              <a:gd name="connsiteY0" fmla="*/ 0 h 6793548"/>
+              <a:gd name="connsiteX1" fmla="*/ 14854838 w 14854838"/>
+              <a:gd name="connsiteY1" fmla="*/ 0 h 6793548"/>
+              <a:gd name="connsiteX2" fmla="*/ 14854838 w 14854838"/>
+              <a:gd name="connsiteY2" fmla="*/ 1679333 h 6793548"/>
+              <a:gd name="connsiteX3" fmla="*/ 14854838 w 14854838"/>
+              <a:gd name="connsiteY3" fmla="*/ 6793548 h 6793548"/>
+              <a:gd name="connsiteX4" fmla="*/ 2908010 w 14854838"/>
+              <a:gd name="connsiteY4" fmla="*/ 6793548 h 6793548"/>
+              <a:gd name="connsiteX5" fmla="*/ 0 w 14854838"/>
+              <a:gd name="connsiteY5" fmla="*/ 6793548 h 6793548"/>
+              <a:gd name="connsiteX6" fmla="*/ 0 w 14854838"/>
+              <a:gd name="connsiteY6" fmla="*/ 1679333 h 6793548"/>
+              <a:gd name="connsiteX7" fmla="*/ 2908010 w 14854838"/>
+              <a:gd name="connsiteY7" fmla="*/ 1679333 h 6793548"/>
+            </a:gdLst>
+            <a:ahLst/>
+            <a:cxnLst>
+              <a:cxn ang="0">
+                <a:pos x="connsiteX0" y="connsiteY0"/>
+              </a:cxn>
+              <a:cxn ang="0">
+                <a:pos x="connsiteX1" y="connsiteY1"/>
+              </a:cxn>
+              <a:cxn ang="0">
+                <a:pos x="connsiteX2" y="connsiteY2"/>
+              </a:cxn>
+              <a:cxn ang="0">
+                <a:pos x="connsiteX3" y="connsiteY3"/>
+              </a:cxn>
+              <a:cxn ang="0">
+                <a:pos x="connsiteX4" y="connsiteY4"/>
+              </a:cxn>
+              <a:cxn ang="0">
+                <a:pos x="connsiteX5" y="connsiteY5"/>
+              </a:cxn>
+              <a:cxn ang="0">
+                <a:pos x="connsiteX6" y="connsiteY6"/>
+              </a:cxn>
+              <a:cxn ang="0">
+                <a:pos x="connsiteX7" y="connsiteY7"/>
+              </a:cxn>
+            </a:cxnLst>
+            <a:rect l="l" t="t" r="r" b="b"/>
+            <a:pathLst>
+              <a:path w="14854838" h="6793548">
+                <a:moveTo>
+                  <a:pt x="2908010" y="0"/>
+                </a:moveTo>
+                <a:lnTo>
+                  <a:pt x="14854838" y="0"/>
+                </a:lnTo>
+                <a:lnTo>
+                  <a:pt x="14854838" y="1679333"/>
+                </a:lnTo>
+                <a:lnTo>
+                  <a:pt x="14854838" y="6793548"/>
+                </a:lnTo>
+                <a:lnTo>
+                  <a:pt x="2908010" y="6793548"/>
+                </a:lnTo>
+                <a:lnTo>
+                  <a:pt x="0" y="6793548"/>
+                </a:lnTo>
+                <a:lnTo>
+                  <a:pt x="0" y="1679333"/>
+                </a:lnTo>
+                <a:lnTo>
+                  <a:pt x="2908010" y="1679333"/>
+                </a:lnTo>
+                <a:close/>
+              </a:path>
+            </a:pathLst>
+          </a:custGeom>
+          <a:solidFill>
+            <a:srgbClr val="FFFFFF"/>
+          </a:solidFill>
+          <a:ln w="9525">
+            <a:solidFill>
+              <a:schemeClr val="accent2"/>
+            </a:solidFill>
+            <a:miter lim="800000"/>
+            <a:headEnd/>
+            <a:tailEnd/>
+          </a:ln>
+        </p:spPr>
+        <p:txBody>
+          <a:bodyPr wrap="square" lIns="120687" tIns="60343" rIns="120687" bIns="60343">
+            <a:noAutofit/>
+          </a:bodyPr>
+          <a:lstStyle>
+            <a:lvl1pPr marL="481013" indent="-481013" defTabSz="1279525" eaLnBrk="0" hangingPunct="0">
+              <a:defRPr kumimoji="1" sz="1600">
+                <a:solidFill>
+                  <a:schemeClr val="tx1"/>
+                </a:solidFill>
+                <a:latin typeface="Times New Roman" panose="02020603050405020304" pitchFamily="18" charset="0"/>
+                <a:ea typeface="ＭＳ Ｐゴシック" panose="020B0600070205080204" pitchFamily="34" charset="-128"/>
+              </a:defRPr>
+            </a:lvl1pPr>
+            <a:lvl2pPr marL="742950" indent="-285750" defTabSz="1279525" eaLnBrk="0" hangingPunct="0">
+              <a:defRPr kumimoji="1" sz="1600">
+                <a:solidFill>
+                  <a:schemeClr val="tx1"/>
+                </a:solidFill>
+                <a:latin typeface="Times New Roman" panose="02020603050405020304" pitchFamily="18" charset="0"/>
+                <a:ea typeface="ＭＳ Ｐゴシック" panose="020B0600070205080204" pitchFamily="34" charset="-128"/>
+              </a:defRPr>
+            </a:lvl2pPr>
+            <a:lvl3pPr marL="1143000" indent="-228600" defTabSz="1279525" eaLnBrk="0" hangingPunct="0">
+              <a:defRPr kumimoji="1" sz="1600">
+                <a:solidFill>
+                  <a:schemeClr val="tx1"/>
+                </a:solidFill>
+                <a:latin typeface="Times New Roman" panose="02020603050405020304" pitchFamily="18" charset="0"/>
+                <a:ea typeface="ＭＳ Ｐゴシック" panose="020B0600070205080204" pitchFamily="34" charset="-128"/>
+              </a:defRPr>
+            </a:lvl3pPr>
+            <a:lvl4pPr marL="1600200" indent="-228600" defTabSz="1279525" eaLnBrk="0" hangingPunct="0">
+              <a:defRPr kumimoji="1" sz="1600">
+                <a:solidFill>
+                  <a:schemeClr val="tx1"/>
+                </a:solidFill>
+                <a:latin typeface="Times New Roman" panose="02020603050405020304" pitchFamily="18" charset="0"/>
+                <a:ea typeface="ＭＳ Ｐゴシック" panose="020B0600070205080204" pitchFamily="34" charset="-128"/>
+              </a:defRPr>
+            </a:lvl4pPr>
+            <a:lvl5pPr marL="2057400" indent="-228600" defTabSz="1279525" eaLnBrk="0" hangingPunct="0">
+              <a:defRPr kumimoji="1" sz="1600">
+                <a:solidFill>
+                  <a:schemeClr val="tx1"/>
+                </a:solidFill>
+                <a:latin typeface="Times New Roman" panose="02020603050405020304" pitchFamily="18" charset="0"/>
+                <a:ea typeface="ＭＳ Ｐゴシック" panose="020B0600070205080204" pitchFamily="34" charset="-128"/>
+              </a:defRPr>
+            </a:lvl5pPr>
+            <a:lvl6pPr marL="2514600" indent="-228600" defTabSz="1279525" eaLnBrk="0" fontAlgn="base" hangingPunct="0">
+              <a:spcBef>
+                <a:spcPct val="0"/>
+              </a:spcBef>
+              <a:spcAft>
+                <a:spcPct val="0"/>
+              </a:spcAft>
+              <a:defRPr kumimoji="1" sz="1600">
+                <a:solidFill>
+                  <a:schemeClr val="tx1"/>
+                </a:solidFill>
+                <a:latin typeface="Times New Roman" panose="02020603050405020304" pitchFamily="18" charset="0"/>
+                <a:ea typeface="ＭＳ Ｐゴシック" panose="020B0600070205080204" pitchFamily="34" charset="-128"/>
+              </a:defRPr>
+            </a:lvl6pPr>
+            <a:lvl7pPr marL="2971800" indent="-228600" defTabSz="1279525" eaLnBrk="0" fontAlgn="base" hangingPunct="0">
+              <a:spcBef>
+                <a:spcPct val="0"/>
+              </a:spcBef>
+              <a:spcAft>
+                <a:spcPct val="0"/>
+              </a:spcAft>
+              <a:defRPr kumimoji="1" sz="1600">
+                <a:solidFill>
+                  <a:schemeClr val="tx1"/>
+                </a:solidFill>
+                <a:latin typeface="Times New Roman" panose="02020603050405020304" pitchFamily="18" charset="0"/>
+                <a:ea typeface="ＭＳ Ｐゴシック" panose="020B0600070205080204" pitchFamily="34" charset="-128"/>
+              </a:defRPr>
+            </a:lvl7pPr>
+            <a:lvl8pPr marL="3429000" indent="-228600" defTabSz="1279525" eaLnBrk="0" fontAlgn="base" hangingPunct="0">
+              <a:spcBef>
+                <a:spcPct val="0"/>
+              </a:spcBef>
+              <a:spcAft>
+                <a:spcPct val="0"/>
+              </a:spcAft>
+              <a:defRPr kumimoji="1" sz="1600">
+                <a:solidFill>
+                  <a:schemeClr val="tx1"/>
+                </a:solidFill>
+                <a:latin typeface="Times New Roman" panose="02020603050405020304" pitchFamily="18" charset="0"/>
+                <a:ea typeface="ＭＳ Ｐゴシック" panose="020B0600070205080204" pitchFamily="34" charset="-128"/>
+              </a:defRPr>
+            </a:lvl8pPr>
+            <a:lvl9pPr marL="3886200" indent="-228600" defTabSz="1279525" eaLnBrk="0" fontAlgn="base" hangingPunct="0">
+              <a:spcBef>
+                <a:spcPct val="0"/>
+              </a:spcBef>
+              <a:spcAft>
+                <a:spcPct val="0"/>
+              </a:spcAft>
+              <a:defRPr kumimoji="1" sz="1600">
+                <a:solidFill>
+                  <a:schemeClr val="tx1"/>
+                </a:solidFill>
+                <a:latin typeface="Times New Roman" panose="02020603050405020304" pitchFamily="18" charset="0"/>
+                <a:ea typeface="ＭＳ Ｐゴシック" panose="020B0600070205080204" pitchFamily="34" charset="-128"/>
+              </a:defRPr>
+            </a:lvl9pPr>
+          </a:lstStyle>
+          <a:p>
+            <a:pPr eaLnBrk="1" hangingPunct="1">
+              <a:lnSpc>
+                <a:spcPct val="80000"/>
+              </a:lnSpc>
+              <a:spcBef>
+                <a:spcPct val="20000"/>
+              </a:spcBef>
+            </a:pPr>
+            <a:endParaRPr lang="en-US" altLang="ja-JP" sz="2000" dirty="0">
+              <a:solidFill>
+                <a:srgbClr val="FF0000"/>
+              </a:solidFill>
+              <a:latin typeface="UD デジタル 教科書体 NP" panose="02020400000000000000" pitchFamily="18" charset="-128"/>
+              <a:ea typeface="UD デジタル 教科書体 NP" panose="02020400000000000000" pitchFamily="18" charset="-128"/>
+            </a:endParaRPr>
+          </a:p>
+          <a:p>
+            <a:pPr eaLnBrk="1" hangingPunct="1">
+              <a:lnSpc>
+                <a:spcPct val="80000"/>
+              </a:lnSpc>
+              <a:spcBef>
+                <a:spcPct val="20000"/>
+              </a:spcBef>
+            </a:pPr>
+            <a:endParaRPr lang="en-US" altLang="ja-JP" sz="2000" dirty="0">
+              <a:solidFill>
+                <a:srgbClr val="FF0000"/>
+              </a:solidFill>
+              <a:latin typeface="UD デジタル 教科書体 NP" panose="02020400000000000000" pitchFamily="18" charset="-128"/>
+              <a:ea typeface="UD デジタル 教科書体 NP" panose="02020400000000000000" pitchFamily="18" charset="-128"/>
+            </a:endParaRPr>
+          </a:p>
+          <a:p>
+            <a:pPr eaLnBrk="1" hangingPunct="1">
+              <a:lnSpc>
+                <a:spcPct val="80000"/>
+              </a:lnSpc>
+              <a:spcBef>
+                <a:spcPct val="20000"/>
+              </a:spcBef>
+            </a:pPr>
+            <a:endParaRPr lang="en-US" altLang="ja-JP" sz="2000" dirty="0">
+              <a:solidFill>
+                <a:srgbClr val="FF0000"/>
+              </a:solidFill>
+              <a:latin typeface="UD デジタル 教科書体 NP" panose="02020400000000000000" pitchFamily="18" charset="-128"/>
+              <a:ea typeface="UD デジタル 教科書体 NP" panose="02020400000000000000" pitchFamily="18" charset="-128"/>
+            </a:endParaRPr>
+          </a:p>
+          <a:p>
+            <a:pPr eaLnBrk="1" hangingPunct="1">
+              <a:lnSpc>
+                <a:spcPct val="80000"/>
+              </a:lnSpc>
+              <a:spcBef>
+                <a:spcPct val="20000"/>
+              </a:spcBef>
+            </a:pPr>
+            <a:endParaRPr lang="en-US" altLang="ja-JP" sz="2000" dirty="0">
+              <a:solidFill>
+                <a:srgbClr val="FF0000"/>
+              </a:solidFill>
+              <a:latin typeface="UD デジタル 教科書体 NP" panose="02020400000000000000" pitchFamily="18" charset="-128"/>
+              <a:ea typeface="UD デジタル 教科書体 NP" panose="02020400000000000000" pitchFamily="18" charset="-128"/>
+            </a:endParaRPr>
+          </a:p>
+          <a:p>
+            <a:pPr eaLnBrk="1" hangingPunct="1">
+              <a:lnSpc>
+                <a:spcPct val="80000"/>
+              </a:lnSpc>
+              <a:spcBef>
+                <a:spcPct val="20000"/>
+              </a:spcBef>
+            </a:pPr>
+            <a:endParaRPr lang="en-US" altLang="ja-JP" sz="2000" dirty="0">
+              <a:solidFill>
+                <a:srgbClr val="FF0000"/>
+              </a:solidFill>
+              <a:latin typeface="UD デジタル 教科書体 NP" panose="02020400000000000000" pitchFamily="18" charset="-128"/>
+              <a:ea typeface="UD デジタル 教科書体 NP" panose="02020400000000000000" pitchFamily="18" charset="-128"/>
+            </a:endParaRPr>
+          </a:p>
+          <a:p>
+            <a:pPr eaLnBrk="1" hangingPunct="1">
+              <a:lnSpc>
+                <a:spcPct val="80000"/>
+              </a:lnSpc>
+              <a:spcBef>
+                <a:spcPct val="20000"/>
+              </a:spcBef>
+            </a:pPr>
+            <a:endParaRPr lang="en-US" altLang="ja-JP" sz="2000" dirty="0">
+              <a:solidFill>
+                <a:srgbClr val="FF0000"/>
+              </a:solidFill>
+              <a:latin typeface="UD デジタル 教科書体 NP" panose="02020400000000000000" pitchFamily="18" charset="-128"/>
+              <a:ea typeface="UD デジタル 教科書体 NP" panose="02020400000000000000" pitchFamily="18" charset="-128"/>
+            </a:endParaRPr>
+          </a:p>
+          <a:p>
+            <a:pPr eaLnBrk="1" hangingPunct="1">
+              <a:lnSpc>
+                <a:spcPct val="80000"/>
+              </a:lnSpc>
+              <a:spcBef>
+                <a:spcPct val="20000"/>
+              </a:spcBef>
+            </a:pPr>
+            <a:r>
+              <a:rPr lang="en-US" altLang="ja-JP" sz="1780" dirty="0">
+                <a:solidFill>
+                  <a:srgbClr val="FF0000"/>
+                </a:solidFill>
+                <a:latin typeface="UD デジタル 教科書体 NP" panose="02020400000000000000" pitchFamily="18" charset="-128"/>
+                <a:ea typeface="UD デジタル 教科書体 NP" panose="02020400000000000000" pitchFamily="18" charset="-128"/>
+              </a:rPr>
+              <a:t>2-2. </a:t>
+            </a:r>
+            <a:r>
+              <a:rPr lang="ja-JP" altLang="en-US" sz="1780" dirty="0">
+                <a:solidFill>
+                  <a:srgbClr val="FF0000"/>
+                </a:solidFill>
+                <a:latin typeface="UD デジタル 教科書体 NP" panose="02020400000000000000" pitchFamily="18" charset="-128"/>
+                <a:ea typeface="UD デジタル 教科書体 NP" panose="02020400000000000000" pitchFamily="18" charset="-128"/>
+              </a:rPr>
+              <a:t>クラス構造</a:t>
+            </a:r>
+          </a:p>
+          <a:p>
+            <a:pPr eaLnBrk="1" hangingPunct="1">
+              <a:lnSpc>
+                <a:spcPct val="80000"/>
+              </a:lnSpc>
+              <a:spcBef>
+                <a:spcPct val="20000"/>
+              </a:spcBef>
+            </a:pPr>
+            <a:r>
+              <a:rPr lang="ja-JP" altLang="en-US" sz="1200" dirty="0">
+                <a:latin typeface="UD デジタル 教科書体 NP" panose="02020400000000000000" pitchFamily="18" charset="-128"/>
+                <a:ea typeface="UD デジタル 教科書体 NP" panose="02020400000000000000" pitchFamily="18" charset="-128"/>
+              </a:rPr>
+              <a:t>各パッケージにクラスを配置し、図</a:t>
+            </a:r>
+            <a:r>
+              <a:rPr lang="en-US" altLang="ja-JP" sz="1200" dirty="0">
+                <a:latin typeface="UD デジタル 教科書体 NP" panose="02020400000000000000" pitchFamily="18" charset="-128"/>
+                <a:ea typeface="UD デジタル 教科書体 NP" panose="02020400000000000000" pitchFamily="18" charset="-128"/>
+              </a:rPr>
+              <a:t>2.2</a:t>
+            </a:r>
+            <a:r>
+              <a:rPr lang="ja-JP" altLang="en-US" sz="1200" dirty="0">
+                <a:latin typeface="UD デジタル 教科書体 NP" panose="02020400000000000000" pitchFamily="18" charset="-128"/>
+                <a:ea typeface="UD デジタル 教科書体 NP" panose="02020400000000000000" pitchFamily="18" charset="-128"/>
+              </a:rPr>
+              <a:t>に</a:t>
+            </a:r>
+            <a:endParaRPr lang="en-US" altLang="ja-JP" sz="1200" dirty="0">
+              <a:latin typeface="UD デジタル 教科書体 NP" panose="02020400000000000000" pitchFamily="18" charset="-128"/>
+              <a:ea typeface="UD デジタル 教科書体 NP" panose="02020400000000000000" pitchFamily="18" charset="-128"/>
+            </a:endParaRPr>
+          </a:p>
+          <a:p>
+            <a:pPr eaLnBrk="1" hangingPunct="1">
+              <a:lnSpc>
+                <a:spcPct val="80000"/>
+              </a:lnSpc>
+              <a:spcBef>
+                <a:spcPct val="20000"/>
+              </a:spcBef>
+            </a:pPr>
+            <a:r>
+              <a:rPr lang="ja-JP" altLang="en-US" sz="1200" dirty="0">
+                <a:latin typeface="UD デジタル 教科書体 NP" panose="02020400000000000000" pitchFamily="18" charset="-128"/>
+                <a:ea typeface="UD デジタル 教科書体 NP" panose="02020400000000000000" pitchFamily="18" charset="-128"/>
+              </a:rPr>
+              <a:t>クラス構造を示した。</a:t>
+            </a:r>
+            <a:endParaRPr lang="en-US" altLang="ja-JP" sz="1200" dirty="0">
+              <a:latin typeface="UD デジタル 教科書体 NP" panose="02020400000000000000" pitchFamily="18" charset="-128"/>
+              <a:ea typeface="UD デジタル 教科書体 NP" panose="02020400000000000000" pitchFamily="18" charset="-128"/>
+            </a:endParaRPr>
+          </a:p>
+          <a:p>
+            <a:pPr eaLnBrk="1" hangingPunct="1">
+              <a:lnSpc>
+                <a:spcPct val="80000"/>
+              </a:lnSpc>
+              <a:spcBef>
+                <a:spcPct val="20000"/>
+              </a:spcBef>
+            </a:pPr>
+            <a:r>
+              <a:rPr lang="ja-JP" altLang="en-US" sz="1200" dirty="0">
+                <a:latin typeface="UD デジタル 教科書体 NP" panose="02020400000000000000" pitchFamily="18" charset="-128"/>
+                <a:ea typeface="UD デジタル 教科書体 NP" panose="02020400000000000000" pitchFamily="18" charset="-128"/>
+              </a:rPr>
+              <a:t>その際、動作の単位をアクションという単位に</a:t>
+            </a:r>
+            <a:endParaRPr lang="en-US" altLang="ja-JP" sz="1200" dirty="0">
+              <a:latin typeface="UD デジタル 教科書体 NP" panose="02020400000000000000" pitchFamily="18" charset="-128"/>
+              <a:ea typeface="UD デジタル 教科書体 NP" panose="02020400000000000000" pitchFamily="18" charset="-128"/>
+            </a:endParaRPr>
+          </a:p>
+          <a:p>
+            <a:pPr eaLnBrk="1" hangingPunct="1">
+              <a:lnSpc>
+                <a:spcPct val="80000"/>
+              </a:lnSpc>
+              <a:spcBef>
+                <a:spcPct val="20000"/>
+              </a:spcBef>
+            </a:pPr>
+            <a:r>
+              <a:rPr lang="ja-JP" altLang="en-US" sz="1200" dirty="0">
+                <a:latin typeface="UD デジタル 教科書体 NP" panose="02020400000000000000" pitchFamily="18" charset="-128"/>
+                <a:ea typeface="UD デジタル 教科書体 NP" panose="02020400000000000000" pitchFamily="18" charset="-128"/>
+              </a:rPr>
+              <a:t>分割して捉えることとした。</a:t>
+            </a:r>
+            <a:endParaRPr lang="en-US" altLang="ja-JP" sz="1200" dirty="0">
+              <a:latin typeface="UD デジタル 教科書体 NP" panose="02020400000000000000" pitchFamily="18" charset="-128"/>
+              <a:ea typeface="UD デジタル 教科書体 NP" panose="02020400000000000000" pitchFamily="18" charset="-128"/>
+            </a:endParaRPr>
+          </a:p>
+          <a:p>
+            <a:pPr eaLnBrk="1" hangingPunct="1">
+              <a:lnSpc>
+                <a:spcPct val="80000"/>
+              </a:lnSpc>
+              <a:spcBef>
+                <a:spcPct val="20000"/>
+              </a:spcBef>
+            </a:pPr>
+            <a:r>
+              <a:rPr lang="en-US" altLang="ja-JP" sz="1200" dirty="0">
+                <a:latin typeface="UD デジタル 教科書体 NP" panose="02020400000000000000" pitchFamily="18" charset="-128"/>
+                <a:ea typeface="UD デジタル 教科書体 NP" panose="02020400000000000000" pitchFamily="18" charset="-128"/>
+              </a:rPr>
+              <a:t>1</a:t>
+            </a:r>
+            <a:r>
+              <a:rPr lang="ja-JP" altLang="en-US" sz="1200" dirty="0">
+                <a:latin typeface="UD デジタル 教科書体 NP" panose="02020400000000000000" pitchFamily="18" charset="-128"/>
+                <a:ea typeface="UD デジタル 教科書体 NP" panose="02020400000000000000" pitchFamily="18" charset="-128"/>
+              </a:rPr>
+              <a:t>つのアクションはバーチャル運転手が提供す</a:t>
+            </a:r>
+            <a:endParaRPr lang="en-US" altLang="ja-JP" sz="1200" dirty="0">
+              <a:latin typeface="UD デジタル 教科書体 NP" panose="02020400000000000000" pitchFamily="18" charset="-128"/>
+              <a:ea typeface="UD デジタル 教科書体 NP" panose="02020400000000000000" pitchFamily="18" charset="-128"/>
+            </a:endParaRPr>
+          </a:p>
+          <a:p>
+            <a:pPr eaLnBrk="1" hangingPunct="1">
+              <a:lnSpc>
+                <a:spcPct val="80000"/>
+              </a:lnSpc>
+              <a:spcBef>
+                <a:spcPct val="20000"/>
+              </a:spcBef>
+            </a:pPr>
+            <a:r>
+              <a:rPr lang="ja-JP" altLang="en-US" sz="1200" dirty="0">
+                <a:latin typeface="UD デジタル 教科書体 NP" panose="02020400000000000000" pitchFamily="18" charset="-128"/>
+                <a:ea typeface="UD デジタル 教科書体 NP" panose="02020400000000000000" pitchFamily="18" charset="-128"/>
+              </a:rPr>
+              <a:t>る</a:t>
+            </a:r>
+            <a:r>
+              <a:rPr lang="en-US" altLang="ja-JP" sz="1200" dirty="0">
+                <a:latin typeface="UD デジタル 教科書体 NP" panose="02020400000000000000" pitchFamily="18" charset="-128"/>
+                <a:ea typeface="UD デジタル 教科書体 NP" panose="02020400000000000000" pitchFamily="18" charset="-128"/>
+              </a:rPr>
+              <a:t>1</a:t>
+            </a:r>
+            <a:r>
+              <a:rPr lang="ja-JP" altLang="en-US" sz="1200" dirty="0">
+                <a:latin typeface="UD デジタル 教科書体 NP" panose="02020400000000000000" pitchFamily="18" charset="-128"/>
+                <a:ea typeface="UD デジタル 教科書体 NP" panose="02020400000000000000" pitchFamily="18" charset="-128"/>
+              </a:rPr>
+              <a:t>つの機能</a:t>
+            </a:r>
+            <a:r>
+              <a:rPr lang="en-US" altLang="ja-JP" sz="1200" dirty="0">
+                <a:latin typeface="UD デジタル 教科書体 NP" panose="02020400000000000000" pitchFamily="18" charset="-128"/>
+                <a:ea typeface="UD デジタル 教科書体 NP" panose="02020400000000000000" pitchFamily="18" charset="-128"/>
+              </a:rPr>
+              <a:t>(</a:t>
+            </a:r>
+            <a:r>
+              <a:rPr lang="ja-JP" altLang="en-US" sz="1200" dirty="0">
+                <a:latin typeface="UD デジタル 教科書体 NP" panose="02020400000000000000" pitchFamily="18" charset="-128"/>
+                <a:ea typeface="UD デジタル 教科書体 NP" panose="02020400000000000000" pitchFamily="18" charset="-128"/>
+              </a:rPr>
+              <a:t>ダブルループ攻略においては、</a:t>
+            </a:r>
+            <a:endParaRPr lang="en-US" altLang="ja-JP" sz="1200" dirty="0">
+              <a:latin typeface="UD デジタル 教科書体 NP" panose="02020400000000000000" pitchFamily="18" charset="-128"/>
+              <a:ea typeface="UD デジタル 教科書体 NP" panose="02020400000000000000" pitchFamily="18" charset="-128"/>
+            </a:endParaRPr>
+          </a:p>
+          <a:p>
+            <a:pPr eaLnBrk="1" hangingPunct="1">
+              <a:lnSpc>
+                <a:spcPct val="80000"/>
+              </a:lnSpc>
+              <a:spcBef>
+                <a:spcPct val="20000"/>
+              </a:spcBef>
+            </a:pPr>
+            <a:r>
+              <a:rPr lang="ja-JP" altLang="en-US" sz="1200" dirty="0">
+                <a:latin typeface="UD デジタル 教科書体 NP" panose="02020400000000000000" pitchFamily="18" charset="-128"/>
+                <a:ea typeface="UD デジタル 教科書体 NP" panose="02020400000000000000" pitchFamily="18" charset="-128"/>
+              </a:rPr>
+              <a:t>マップ記憶、進路決定、走行のいずれか</a:t>
+            </a:r>
+            <a:r>
+              <a:rPr lang="en-US" altLang="ja-JP" sz="1200" dirty="0">
+                <a:latin typeface="UD デジタル 教科書体 NP" panose="02020400000000000000" pitchFamily="18" charset="-128"/>
+                <a:ea typeface="UD デジタル 教科書体 NP" panose="02020400000000000000" pitchFamily="18" charset="-128"/>
+              </a:rPr>
+              <a:t>)</a:t>
+            </a:r>
+            <a:r>
+              <a:rPr lang="ja-JP" altLang="en-US" sz="1200" dirty="0">
+                <a:latin typeface="UD デジタル 教科書体 NP" panose="02020400000000000000" pitchFamily="18" charset="-128"/>
+                <a:ea typeface="UD デジタル 教科書体 NP" panose="02020400000000000000" pitchFamily="18" charset="-128"/>
+              </a:rPr>
+              <a:t>に紐</a:t>
+            </a:r>
+            <a:endParaRPr lang="en-US" altLang="ja-JP" sz="1200" dirty="0">
+              <a:latin typeface="UD デジタル 教科書体 NP" panose="02020400000000000000" pitchFamily="18" charset="-128"/>
+              <a:ea typeface="UD デジタル 教科書体 NP" panose="02020400000000000000" pitchFamily="18" charset="-128"/>
+            </a:endParaRPr>
+          </a:p>
+          <a:p>
+            <a:pPr eaLnBrk="1" hangingPunct="1">
+              <a:lnSpc>
+                <a:spcPct val="80000"/>
+              </a:lnSpc>
+              <a:spcBef>
+                <a:spcPct val="20000"/>
+              </a:spcBef>
+            </a:pPr>
+            <a:r>
+              <a:rPr lang="ja-JP" altLang="en-US" sz="1200" dirty="0">
+                <a:latin typeface="UD デジタル 教科書体 NP" panose="02020400000000000000" pitchFamily="18" charset="-128"/>
+                <a:ea typeface="UD デジタル 教科書体 NP" panose="02020400000000000000" pitchFamily="18" charset="-128"/>
+              </a:rPr>
+              <a:t>づく。</a:t>
+            </a:r>
+            <a:endParaRPr lang="en-US" altLang="ja-JP" sz="1200" dirty="0">
+              <a:latin typeface="UD デジタル 教科書体 NP" panose="02020400000000000000" pitchFamily="18" charset="-128"/>
+              <a:ea typeface="UD デジタル 教科書体 NP" panose="02020400000000000000" pitchFamily="18" charset="-128"/>
+            </a:endParaRPr>
+          </a:p>
+          <a:p>
+            <a:pPr eaLnBrk="1" hangingPunct="1">
+              <a:lnSpc>
+                <a:spcPct val="80000"/>
+              </a:lnSpc>
+              <a:spcBef>
+                <a:spcPct val="20000"/>
+              </a:spcBef>
+            </a:pPr>
+            <a:r>
+              <a:rPr lang="ja-JP" altLang="en-US" sz="1200" dirty="0">
+                <a:latin typeface="UD デジタル 教科書体 NP" panose="02020400000000000000" pitchFamily="18" charset="-128"/>
+                <a:ea typeface="UD デジタル 教科書体 NP" panose="02020400000000000000" pitchFamily="18" charset="-128"/>
+              </a:rPr>
+              <a:t>アクションクラスには次に実行すべき後続アク</a:t>
+            </a:r>
+            <a:endParaRPr lang="en-US" altLang="ja-JP" sz="1200" dirty="0">
+              <a:latin typeface="UD デジタル 教科書体 NP" panose="02020400000000000000" pitchFamily="18" charset="-128"/>
+              <a:ea typeface="UD デジタル 教科書体 NP" panose="02020400000000000000" pitchFamily="18" charset="-128"/>
+            </a:endParaRPr>
+          </a:p>
+          <a:p>
+            <a:pPr eaLnBrk="1" hangingPunct="1">
+              <a:lnSpc>
+                <a:spcPct val="80000"/>
+              </a:lnSpc>
+              <a:spcBef>
+                <a:spcPct val="20000"/>
+              </a:spcBef>
+            </a:pPr>
+            <a:r>
+              <a:rPr lang="ja-JP" altLang="en-US" sz="1200" dirty="0">
+                <a:latin typeface="UD デジタル 教科書体 NP" panose="02020400000000000000" pitchFamily="18" charset="-128"/>
+                <a:ea typeface="UD デジタル 教科書体 NP" panose="02020400000000000000" pitchFamily="18" charset="-128"/>
+              </a:rPr>
+              <a:t>ションを持たせ、アクションの連なりによって</a:t>
+            </a:r>
+            <a:endParaRPr lang="en-US" altLang="ja-JP" sz="1200" dirty="0">
+              <a:latin typeface="UD デジタル 教科書体 NP" panose="02020400000000000000" pitchFamily="18" charset="-128"/>
+              <a:ea typeface="UD デジタル 教科書体 NP" panose="02020400000000000000" pitchFamily="18" charset="-128"/>
+            </a:endParaRPr>
+          </a:p>
+          <a:p>
+            <a:pPr eaLnBrk="1" hangingPunct="1">
+              <a:lnSpc>
+                <a:spcPct val="80000"/>
+              </a:lnSpc>
+              <a:spcBef>
+                <a:spcPct val="20000"/>
+              </a:spcBef>
+            </a:pPr>
+            <a:r>
+              <a:rPr lang="ja-JP" altLang="en-US" sz="1200" dirty="0">
+                <a:latin typeface="UD デジタル 教科書体 NP" panose="02020400000000000000" pitchFamily="18" charset="-128"/>
+                <a:ea typeface="UD デジタル 教科書体 NP" panose="02020400000000000000" pitchFamily="18" charset="-128"/>
+              </a:rPr>
+              <a:t>攻略に必要な機能の実行を管理する構造をとる。</a:t>
+            </a:r>
+            <a:endParaRPr lang="en-US" altLang="ja-JP" sz="1200" dirty="0">
+              <a:latin typeface="UD デジタル 教科書体 NP" panose="02020400000000000000" pitchFamily="18" charset="-128"/>
+              <a:ea typeface="UD デジタル 教科書体 NP" panose="02020400000000000000" pitchFamily="18" charset="-128"/>
+            </a:endParaRPr>
+          </a:p>
+          <a:p>
+            <a:pPr eaLnBrk="1" hangingPunct="1">
+              <a:lnSpc>
+                <a:spcPct val="80000"/>
+              </a:lnSpc>
+              <a:spcBef>
+                <a:spcPct val="20000"/>
+              </a:spcBef>
+            </a:pPr>
+            <a:r>
+              <a:rPr lang="ja-JP" altLang="en-US" sz="1200" dirty="0">
+                <a:latin typeface="UD デジタル 教科書体 NP" panose="02020400000000000000" pitchFamily="18" charset="-128"/>
+                <a:ea typeface="UD デジタル 教科書体 NP" panose="02020400000000000000" pitchFamily="18" charset="-128"/>
+              </a:rPr>
+              <a:t>それにより代替フローへの切り替え時などは、</a:t>
+            </a:r>
+            <a:endParaRPr lang="en-US" altLang="ja-JP" sz="1200" dirty="0">
+              <a:latin typeface="UD デジタル 教科書体 NP" panose="02020400000000000000" pitchFamily="18" charset="-128"/>
+              <a:ea typeface="UD デジタル 教科書体 NP" panose="02020400000000000000" pitchFamily="18" charset="-128"/>
+            </a:endParaRPr>
+          </a:p>
+          <a:p>
+            <a:pPr eaLnBrk="1" hangingPunct="1">
+              <a:lnSpc>
+                <a:spcPct val="80000"/>
+              </a:lnSpc>
+              <a:spcBef>
+                <a:spcPct val="20000"/>
+              </a:spcBef>
+            </a:pPr>
+            <a:r>
+              <a:rPr lang="ja-JP" altLang="en-US" sz="1200" dirty="0">
+                <a:latin typeface="UD デジタル 教科書体 NP" panose="02020400000000000000" pitchFamily="18" charset="-128"/>
+                <a:ea typeface="UD デジタル 教科書体 NP" panose="02020400000000000000" pitchFamily="18" charset="-128"/>
+              </a:rPr>
+              <a:t>後続アクションを差し替えることで容易に次の</a:t>
+            </a:r>
+            <a:endParaRPr lang="en-US" altLang="ja-JP" sz="1200" dirty="0">
+              <a:latin typeface="UD デジタル 教科書体 NP" panose="02020400000000000000" pitchFamily="18" charset="-128"/>
+              <a:ea typeface="UD デジタル 教科書体 NP" panose="02020400000000000000" pitchFamily="18" charset="-128"/>
+            </a:endParaRPr>
+          </a:p>
+          <a:p>
+            <a:pPr eaLnBrk="1" hangingPunct="1">
+              <a:lnSpc>
+                <a:spcPct val="80000"/>
+              </a:lnSpc>
+              <a:spcBef>
+                <a:spcPct val="20000"/>
+              </a:spcBef>
+            </a:pPr>
+            <a:r>
+              <a:rPr lang="ja-JP" altLang="en-US" sz="1200" dirty="0">
+                <a:latin typeface="UD デジタル 教科書体 NP" panose="02020400000000000000" pitchFamily="18" charset="-128"/>
+                <a:ea typeface="UD デジタル 教科書体 NP" panose="02020400000000000000" pitchFamily="18" charset="-128"/>
+              </a:rPr>
+              <a:t>アクションを変更することができる。</a:t>
+            </a:r>
+            <a:endParaRPr lang="en-US" altLang="ja-JP" sz="1200" dirty="0">
+              <a:latin typeface="UD デジタル 教科書体 NP" panose="02020400000000000000" pitchFamily="18" charset="-128"/>
+              <a:ea typeface="UD デジタル 教科書体 NP" panose="02020400000000000000" pitchFamily="18" charset="-128"/>
+            </a:endParaRPr>
+          </a:p>
+          <a:p>
+            <a:pPr eaLnBrk="1" hangingPunct="1">
+              <a:lnSpc>
+                <a:spcPct val="80000"/>
+              </a:lnSpc>
+              <a:spcBef>
+                <a:spcPct val="20000"/>
+              </a:spcBef>
+            </a:pPr>
+            <a:r>
+              <a:rPr lang="ja-JP" altLang="en-US" sz="1200" dirty="0">
+                <a:latin typeface="UD デジタル 教科書体 NP" panose="02020400000000000000" pitchFamily="18" charset="-128"/>
+                <a:ea typeface="UD デジタル 教科書体 NP" panose="02020400000000000000" pitchFamily="18" charset="-128"/>
+              </a:rPr>
+              <a:t>例えば、走行アクションにてライントレースを</a:t>
+            </a:r>
+            <a:endParaRPr lang="en-US" altLang="ja-JP" sz="1200" dirty="0">
+              <a:latin typeface="UD デジタル 教科書体 NP" panose="02020400000000000000" pitchFamily="18" charset="-128"/>
+              <a:ea typeface="UD デジタル 教科書体 NP" panose="02020400000000000000" pitchFamily="18" charset="-128"/>
+            </a:endParaRPr>
+          </a:p>
+          <a:p>
+            <a:pPr eaLnBrk="1" hangingPunct="1">
+              <a:lnSpc>
+                <a:spcPct val="80000"/>
+              </a:lnSpc>
+              <a:spcBef>
+                <a:spcPct val="20000"/>
+              </a:spcBef>
+            </a:pPr>
+            <a:r>
+              <a:rPr lang="ja-JP" altLang="en-US" sz="1200" dirty="0">
+                <a:latin typeface="UD デジタル 教科書体 NP" panose="02020400000000000000" pitchFamily="18" charset="-128"/>
+                <a:ea typeface="UD デジタル 教科書体 NP" panose="02020400000000000000" pitchFamily="18" charset="-128"/>
+              </a:rPr>
+              <a:t>実行している場合、通常であれば後続アクショ</a:t>
+            </a:r>
+            <a:endParaRPr lang="en-US" altLang="ja-JP" sz="1200" dirty="0">
+              <a:latin typeface="UD デジタル 教科書体 NP" panose="02020400000000000000" pitchFamily="18" charset="-128"/>
+              <a:ea typeface="UD デジタル 教科書体 NP" panose="02020400000000000000" pitchFamily="18" charset="-128"/>
+            </a:endParaRPr>
+          </a:p>
+          <a:p>
+            <a:pPr eaLnBrk="1" hangingPunct="1">
+              <a:lnSpc>
+                <a:spcPct val="80000"/>
+              </a:lnSpc>
+              <a:spcBef>
+                <a:spcPct val="20000"/>
+              </a:spcBef>
+            </a:pPr>
+            <a:r>
+              <a:rPr lang="ja-JP" altLang="en-US" sz="1200" dirty="0">
+                <a:latin typeface="UD デジタル 教科書体 NP" panose="02020400000000000000" pitchFamily="18" charset="-128"/>
+                <a:ea typeface="UD デジタル 教科書体 NP" panose="02020400000000000000" pitchFamily="18" charset="-128"/>
+              </a:rPr>
+              <a:t>ンには進路決定アクションが設定されている。</a:t>
+            </a:r>
+            <a:endParaRPr lang="en-US" altLang="ja-JP" sz="1200" dirty="0">
+              <a:latin typeface="UD デジタル 教科書体 NP" panose="02020400000000000000" pitchFamily="18" charset="-128"/>
+              <a:ea typeface="UD デジタル 教科書体 NP" panose="02020400000000000000" pitchFamily="18" charset="-128"/>
+            </a:endParaRPr>
+          </a:p>
+          <a:p>
+            <a:pPr eaLnBrk="1" hangingPunct="1">
+              <a:lnSpc>
+                <a:spcPct val="80000"/>
+              </a:lnSpc>
+              <a:spcBef>
+                <a:spcPct val="20000"/>
+              </a:spcBef>
+            </a:pPr>
+            <a:r>
+              <a:rPr lang="ja-JP" altLang="en-US" sz="1200" dirty="0">
+                <a:latin typeface="UD デジタル 教科書体 NP" panose="02020400000000000000" pitchFamily="18" charset="-128"/>
+                <a:ea typeface="UD デジタル 教科書体 NP" panose="02020400000000000000" pitchFamily="18" charset="-128"/>
+              </a:rPr>
+              <a:t>ただし、ライントレースがラインの逸脱によっ</a:t>
+            </a:r>
+            <a:endParaRPr lang="en-US" altLang="ja-JP" sz="1200" dirty="0">
+              <a:latin typeface="UD デジタル 教科書体 NP" panose="02020400000000000000" pitchFamily="18" charset="-128"/>
+              <a:ea typeface="UD デジタル 教科書体 NP" panose="02020400000000000000" pitchFamily="18" charset="-128"/>
+            </a:endParaRPr>
+          </a:p>
+          <a:p>
+            <a:pPr eaLnBrk="1" hangingPunct="1">
+              <a:lnSpc>
+                <a:spcPct val="80000"/>
+              </a:lnSpc>
+              <a:spcBef>
+                <a:spcPct val="20000"/>
+              </a:spcBef>
+            </a:pPr>
+            <a:r>
+              <a:rPr lang="ja-JP" altLang="en-US" sz="1200" dirty="0">
+                <a:latin typeface="UD デジタル 教科書体 NP" panose="02020400000000000000" pitchFamily="18" charset="-128"/>
+                <a:ea typeface="UD デジタル 教科書体 NP" panose="02020400000000000000" pitchFamily="18" charset="-128"/>
+              </a:rPr>
+              <a:t>て終了した場合には、走行アクション内で後続</a:t>
+            </a:r>
+            <a:endParaRPr lang="en-US" altLang="ja-JP" sz="1200" dirty="0">
+              <a:latin typeface="UD デジタル 教科書体 NP" panose="02020400000000000000" pitchFamily="18" charset="-128"/>
+              <a:ea typeface="UD デジタル 教科書体 NP" panose="02020400000000000000" pitchFamily="18" charset="-128"/>
+            </a:endParaRPr>
+          </a:p>
+          <a:p>
+            <a:pPr eaLnBrk="1" hangingPunct="1">
+              <a:lnSpc>
+                <a:spcPct val="80000"/>
+              </a:lnSpc>
+              <a:spcBef>
+                <a:spcPct val="20000"/>
+              </a:spcBef>
+            </a:pPr>
+            <a:r>
+              <a:rPr lang="ja-JP" altLang="en-US" sz="1200" dirty="0">
+                <a:latin typeface="UD デジタル 教科書体 NP" panose="02020400000000000000" pitchFamily="18" charset="-128"/>
+                <a:ea typeface="UD デジタル 教科書体 NP" panose="02020400000000000000" pitchFamily="18" charset="-128"/>
+              </a:rPr>
+              <a:t>アクションの差し替えを行い、走行アクション</a:t>
+            </a:r>
+            <a:endParaRPr lang="en-US" altLang="ja-JP" sz="1200" dirty="0">
+              <a:latin typeface="UD デジタル 教科書体 NP" panose="02020400000000000000" pitchFamily="18" charset="-128"/>
+              <a:ea typeface="UD デジタル 教科書体 NP" panose="02020400000000000000" pitchFamily="18" charset="-128"/>
+            </a:endParaRPr>
+          </a:p>
+          <a:p>
+            <a:pPr eaLnBrk="1" hangingPunct="1">
+              <a:lnSpc>
+                <a:spcPct val="80000"/>
+              </a:lnSpc>
+              <a:spcBef>
+                <a:spcPct val="20000"/>
+              </a:spcBef>
+            </a:pPr>
+            <a:r>
+              <a:rPr lang="ja-JP" altLang="en-US" sz="1200" dirty="0">
+                <a:latin typeface="UD デジタル 教科書体 NP" panose="02020400000000000000" pitchFamily="18" charset="-128"/>
+                <a:ea typeface="UD デジタル 教科書体 NP" panose="02020400000000000000" pitchFamily="18" charset="-128"/>
+              </a:rPr>
+              <a:t>によって巻き戻し走行が実行されるように変更</a:t>
+            </a:r>
+            <a:endParaRPr lang="en-US" altLang="ja-JP" sz="1200" dirty="0">
+              <a:latin typeface="UD デジタル 教科書体 NP" panose="02020400000000000000" pitchFamily="18" charset="-128"/>
+              <a:ea typeface="UD デジタル 教科書体 NP" panose="02020400000000000000" pitchFamily="18" charset="-128"/>
+            </a:endParaRPr>
+          </a:p>
+          <a:p>
+            <a:pPr eaLnBrk="1" hangingPunct="1">
+              <a:lnSpc>
+                <a:spcPct val="80000"/>
+              </a:lnSpc>
+              <a:spcBef>
+                <a:spcPct val="20000"/>
+              </a:spcBef>
+            </a:pPr>
+            <a:r>
+              <a:rPr lang="ja-JP" altLang="en-US" sz="1200" dirty="0">
+                <a:latin typeface="UD デジタル 教科書体 NP" panose="02020400000000000000" pitchFamily="18" charset="-128"/>
+                <a:ea typeface="UD デジタル 教科書体 NP" panose="02020400000000000000" pitchFamily="18" charset="-128"/>
+              </a:rPr>
+              <a:t>可能となる。</a:t>
+            </a:r>
+            <a:endParaRPr lang="en-US" altLang="ja-JP" sz="1200" dirty="0">
+              <a:latin typeface="UD デジタル 教科書体 NP" panose="02020400000000000000" pitchFamily="18" charset="-128"/>
+              <a:ea typeface="UD デジタル 教科書体 NP" panose="02020400000000000000" pitchFamily="18" charset="-128"/>
+            </a:endParaRPr>
+          </a:p>
+        </p:txBody>
+      </p:sp>
+      <p:sp>
+        <p:nvSpPr>
+          <p:cNvPr id="11" name="テキスト ボックス 10">
+            <a:extLst>
+              <a:ext uri="{FF2B5EF4-FFF2-40B4-BE49-F238E27FC236}">
+                <a16:creationId xmlns:a16="http://schemas.microsoft.com/office/drawing/2014/main" id="{0B7DFC25-DA29-AF16-A43B-4ABEA3454752}"/>
               </a:ext>
             </a:extLst>
           </p:cNvPr>
@@ -11630,8 +12276,8 @@
         </p:nvSpPr>
         <p:spPr>
           <a:xfrm>
-            <a:off x="750854" y="5331095"/>
-            <a:ext cx="1836397" cy="284693"/>
+            <a:off x="8351763" y="10317797"/>
+            <a:ext cx="2304256" cy="284693"/>
           </a:xfrm>
           <a:prstGeom prst="rect">
             <a:avLst/>
@@ -11656,14 +12302,35 @@
                 <a:latin typeface="BIZ UDPゴシック" panose="020B0400000000000000" pitchFamily="50" charset="-128"/>
                 <a:ea typeface="BIZ UDPゴシック" panose="020B0400000000000000" pitchFamily="50" charset="-128"/>
               </a:rPr>
-              <a:t>2.1 </a:t>
+              <a:t>2.2 </a:t>
             </a:r>
             <a:r>
               <a:rPr kumimoji="1" lang="ja-JP" altLang="en-US" sz="1250" dirty="0">
                 <a:latin typeface="BIZ UDPゴシック" panose="020B0400000000000000" pitchFamily="50" charset="-128"/>
                 <a:ea typeface="BIZ UDPゴシック" panose="020B0400000000000000" pitchFamily="50" charset="-128"/>
               </a:rPr>
-              <a:t>パッケージ図</a:t>
+              <a:t>クラス構造</a:t>
+            </a:r>
+            <a:r>
+              <a:rPr kumimoji="1" lang="en-US" altLang="ja-JP" sz="1250" dirty="0">
+                <a:latin typeface="BIZ UDPゴシック" panose="020B0400000000000000" pitchFamily="50" charset="-128"/>
+                <a:ea typeface="BIZ UDPゴシック" panose="020B0400000000000000" pitchFamily="50" charset="-128"/>
+              </a:rPr>
+              <a:t>(</a:t>
+            </a:r>
+            <a:r>
+              <a:rPr kumimoji="1" lang="ja-JP" altLang="en-US" sz="1250" dirty="0">
+                <a:latin typeface="BIZ UDPゴシック" panose="020B0400000000000000" pitchFamily="50" charset="-128"/>
+                <a:ea typeface="BIZ UDPゴシック" panose="020B0400000000000000" pitchFamily="50" charset="-128"/>
+              </a:rPr>
+              <a:t>クラス図</a:t>
+            </a:r>
+            <a:r>
+              <a:rPr kumimoji="1" lang="en-US" altLang="ja-JP" sz="1250" dirty="0">
+                <a:latin typeface="BIZ UDPゴシック" panose="020B0400000000000000" pitchFamily="50" charset="-128"/>
+                <a:ea typeface="BIZ UDPゴシック" panose="020B0400000000000000" pitchFamily="50" charset="-128"/>
+              </a:rPr>
+              <a:t>)</a:t>
             </a:r>
             <a:endParaRPr kumimoji="1" lang="ja-JP" altLang="en-US" sz="1200" dirty="0">
               <a:latin typeface="BIZ UDPゴシック" panose="020B0400000000000000" pitchFamily="50" charset="-128"/>
@@ -11672,68 +12339,12 @@
           </a:p>
         </p:txBody>
       </p:sp>
-      <p:sp>
-        <p:nvSpPr>
-          <p:cNvPr id="22" name="テキスト ボックス 21">
+      <p:pic>
+        <p:nvPicPr>
+          <p:cNvPr id="18" name="図 17">
             <a:extLst>
               <a:ext uri="{FF2B5EF4-FFF2-40B4-BE49-F238E27FC236}">
-                <a16:creationId xmlns:a16="http://schemas.microsoft.com/office/drawing/2014/main" id="{773B18CC-DD12-82B8-2724-DB680407DD46}"/>
-              </a:ext>
-            </a:extLst>
-          </p:cNvPr>
-          <p:cNvSpPr txBox="1"/>
-          <p:nvPr/>
-        </p:nvSpPr>
-        <p:spPr>
-          <a:xfrm>
-            <a:off x="8568214" y="4121694"/>
-            <a:ext cx="1984592" cy="284693"/>
-          </a:xfrm>
-          <a:prstGeom prst="rect">
-            <a:avLst/>
-          </a:prstGeom>
-          <a:noFill/>
-        </p:spPr>
-        <p:txBody>
-          <a:bodyPr wrap="square" rtlCol="0">
-            <a:spAutoFit/>
-          </a:bodyPr>
-          <a:lstStyle/>
-          <a:p>
-            <a:r>
-              <a:rPr lang="ja-JP" altLang="en-US" sz="1250" dirty="0">
-                <a:latin typeface="BIZ UDPゴシック" panose="020B0400000000000000" pitchFamily="50" charset="-128"/>
-                <a:ea typeface="BIZ UDPゴシック" panose="020B0400000000000000" pitchFamily="50" charset="-128"/>
-              </a:rPr>
-              <a:t>表</a:t>
-            </a:r>
-            <a:r>
-              <a:rPr kumimoji="1" lang="en-US" altLang="ja-JP" sz="1250" dirty="0">
-                <a:latin typeface="BIZ UDPゴシック" panose="020B0400000000000000" pitchFamily="50" charset="-128"/>
-                <a:ea typeface="BIZ UDPゴシック" panose="020B0400000000000000" pitchFamily="50" charset="-128"/>
-              </a:rPr>
-              <a:t>2.1 </a:t>
-            </a:r>
-            <a:r>
-              <a:rPr kumimoji="1" lang="ja-JP" altLang="en-US" sz="1250" dirty="0">
-                <a:latin typeface="BIZ UDPゴシック" panose="020B0400000000000000" pitchFamily="50" charset="-128"/>
-                <a:ea typeface="BIZ UDPゴシック" panose="020B0400000000000000" pitchFamily="50" charset="-128"/>
-              </a:rPr>
-              <a:t>パッケージの役割</a:t>
-            </a:r>
-            <a:endParaRPr kumimoji="1" lang="ja-JP" altLang="en-US" sz="1200" dirty="0">
-              <a:latin typeface="BIZ UDPゴシック" panose="020B0400000000000000" pitchFamily="50" charset="-128"/>
-              <a:ea typeface="BIZ UDPゴシック" panose="020B0400000000000000" pitchFamily="50" charset="-128"/>
-            </a:endParaRPr>
-          </a:p>
-        </p:txBody>
-      </p:sp>
-      <p:pic>
-        <p:nvPicPr>
-          <p:cNvPr id="27" name="図 26">
-            <a:extLst>
-              <a:ext uri="{FF2B5EF4-FFF2-40B4-BE49-F238E27FC236}">
-                <a16:creationId xmlns:a16="http://schemas.microsoft.com/office/drawing/2014/main" id="{4A0D8A13-F4C7-C835-6429-671E37E7773A}"/>
+                <a16:creationId xmlns:a16="http://schemas.microsoft.com/office/drawing/2014/main" id="{B6ADEB2C-D034-1027-B38C-316E54EEDBBD}"/>
               </a:ext>
             </a:extLst>
           </p:cNvPr>
@@ -11750,8 +12361,8 @@
         </p:blipFill>
         <p:spPr>
           <a:xfrm>
-            <a:off x="374825" y="1977969"/>
-            <a:ext cx="2833747" cy="3378203"/>
+            <a:off x="3117686" y="1814156"/>
+            <a:ext cx="11841227" cy="2019582"/>
           </a:xfrm>
           <a:prstGeom prst="rect">
             <a:avLst/>
@@ -11760,10 +12371,10 @@
       </p:pic>
       <p:pic>
         <p:nvPicPr>
-          <p:cNvPr id="5" name="図 4">
+          <p:cNvPr id="12" name="図 11">
             <a:extLst>
               <a:ext uri="{FF2B5EF4-FFF2-40B4-BE49-F238E27FC236}">
-                <a16:creationId xmlns:a16="http://schemas.microsoft.com/office/drawing/2014/main" id="{52A7363D-A0BF-292E-0DD5-040CD7C6ACBB}"/>
+                <a16:creationId xmlns:a16="http://schemas.microsoft.com/office/drawing/2014/main" id="{335155A7-62F5-036B-16E6-53937D275200}"/>
               </a:ext>
             </a:extLst>
           </p:cNvPr>
@@ -11780,70 +12391,14 @@
         </p:blipFill>
         <p:spPr>
           <a:xfrm>
-            <a:off x="3533209" y="4426716"/>
-            <a:ext cx="11433643" cy="5962483"/>
+            <a:off x="3527227" y="3929758"/>
+            <a:ext cx="11392364" cy="6456707"/>
           </a:xfrm>
           <a:prstGeom prst="rect">
             <a:avLst/>
           </a:prstGeom>
         </p:spPr>
       </p:pic>
-      <p:sp>
-        <p:nvSpPr>
-          <p:cNvPr id="11" name="テキスト ボックス 10">
-            <a:extLst>
-              <a:ext uri="{FF2B5EF4-FFF2-40B4-BE49-F238E27FC236}">
-                <a16:creationId xmlns:a16="http://schemas.microsoft.com/office/drawing/2014/main" id="{0B7DFC25-DA29-AF16-A43B-4ABEA3454752}"/>
-              </a:ext>
-            </a:extLst>
-          </p:cNvPr>
-          <p:cNvSpPr txBox="1"/>
-          <p:nvPr/>
-        </p:nvSpPr>
-        <p:spPr>
-          <a:xfrm>
-            <a:off x="8855819" y="10317797"/>
-            <a:ext cx="1984592" cy="284693"/>
-          </a:xfrm>
-          <a:prstGeom prst="rect">
-            <a:avLst/>
-          </a:prstGeom>
-          <a:noFill/>
-        </p:spPr>
-        <p:txBody>
-          <a:bodyPr wrap="square" rtlCol="0">
-            <a:spAutoFit/>
-          </a:bodyPr>
-          <a:lstStyle/>
-          <a:p>
-            <a:r>
-              <a:rPr kumimoji="1" lang="ja-JP" altLang="en-US" sz="1250" dirty="0">
-                <a:latin typeface="BIZ UDPゴシック" panose="020B0400000000000000" pitchFamily="50" charset="-128"/>
-                <a:ea typeface="BIZ UDPゴシック" panose="020B0400000000000000" pitchFamily="50" charset="-128"/>
-              </a:rPr>
-              <a:t>図</a:t>
-            </a:r>
-            <a:r>
-              <a:rPr kumimoji="1" lang="en-US" altLang="ja-JP" sz="1250" dirty="0">
-                <a:latin typeface="BIZ UDPゴシック" panose="020B0400000000000000" pitchFamily="50" charset="-128"/>
-                <a:ea typeface="BIZ UDPゴシック" panose="020B0400000000000000" pitchFamily="50" charset="-128"/>
-              </a:rPr>
-              <a:t>2.2 </a:t>
-            </a:r>
-            <a:r>
-              <a:rPr kumimoji="1" lang="ja-JP" altLang="en-US" sz="1250" dirty="0">
-                <a:latin typeface="BIZ UDPゴシック" panose="020B0400000000000000" pitchFamily="50" charset="-128"/>
-                <a:ea typeface="BIZ UDPゴシック" panose="020B0400000000000000" pitchFamily="50" charset="-128"/>
-              </a:rPr>
-              <a:t>クラス図</a:t>
-            </a:r>
-            <a:endParaRPr kumimoji="1" lang="ja-JP" altLang="en-US" sz="1200" dirty="0">
-              <a:latin typeface="BIZ UDPゴシック" panose="020B0400000000000000" pitchFamily="50" charset="-128"/>
-              <a:ea typeface="BIZ UDPゴシック" panose="020B0400000000000000" pitchFamily="50" charset="-128"/>
-            </a:endParaRPr>
-          </a:p>
-        </p:txBody>
-      </p:sp>
     </p:spTree>
     <p:extLst>
       <p:ext uri="{BB962C8B-B14F-4D97-AF65-F5344CB8AC3E}">
@@ -11862,7 +12417,13 @@
   <p:cSld>
     <p:spTree>
       <p:nvGrpSpPr>
-        <p:cNvPr id="1" name=""/>
+        <p:cNvPr id="1" name="">
+          <a:extLst>
+            <a:ext uri="{FF2B5EF4-FFF2-40B4-BE49-F238E27FC236}">
+              <a16:creationId xmlns:a16="http://schemas.microsoft.com/office/drawing/2014/main" id="{7BE610D7-E4BE-8A1D-732D-8DD8D99F9AF8}"/>
+            </a:ext>
+          </a:extLst>
+        </p:cNvPr>
         <p:cNvGrpSpPr/>
         <p:nvPr/>
       </p:nvGrpSpPr>
@@ -11876,67 +12437,227 @@
       </p:grpSpPr>
       <p:sp>
         <p:nvSpPr>
-          <p:cNvPr id="2" name="タイトル 1">
+          <p:cNvPr id="23" name="Rectangle 3">
             <a:extLst>
               <a:ext uri="{FF2B5EF4-FFF2-40B4-BE49-F238E27FC236}">
-                <a16:creationId xmlns:a16="http://schemas.microsoft.com/office/drawing/2014/main" id="{5AD8C0B5-06BB-41B2-8E22-3BCAD69EBEF4}"/>
+                <a16:creationId xmlns:a16="http://schemas.microsoft.com/office/drawing/2014/main" id="{036665F3-0A37-90F6-47F7-EBF21F60A91C}"/>
               </a:ext>
             </a:extLst>
           </p:cNvPr>
           <p:cNvSpPr>
-            <a:spLocks noGrp="1"/>
+            <a:spLocks noChangeArrowheads="1"/>
           </p:cNvSpPr>
-          <p:nvPr>
-            <p:ph type="title"/>
-          </p:nvPr>
+          <p:nvPr/>
         </p:nvSpPr>
-        <p:spPr/>
+        <p:spPr bwMode="auto">
+          <a:xfrm>
+            <a:off x="152498" y="649234"/>
+            <a:ext cx="4670513" cy="3399808"/>
+          </a:xfrm>
+          <a:prstGeom prst="rect">
+            <a:avLst/>
+          </a:prstGeom>
+          <a:noFill/>
+          <a:ln w="9525">
+            <a:solidFill>
+              <a:schemeClr val="accent2"/>
+            </a:solidFill>
+            <a:miter lim="800000"/>
+            <a:headEnd/>
+            <a:tailEnd/>
+          </a:ln>
+          <a:extLst>
+            <a:ext uri="{909E8E84-426E-40DD-AFC4-6F175D3DCCD1}">
+              <a14:hiddenFill xmlns:a14="http://schemas.microsoft.com/office/drawing/2010/main">
+                <a:solidFill>
+                  <a:srgbClr val="FFFFFF"/>
+                </a:solidFill>
+              </a14:hiddenFill>
+            </a:ext>
+          </a:extLst>
+        </p:spPr>
         <p:txBody>
-          <a:bodyPr/>
-          <a:lstStyle/>
-          <a:p>
-            <a:r>
-              <a:rPr lang="ja-JP" altLang="en-US" dirty="0"/>
-              <a:t>振舞いモデル</a:t>
-            </a:r>
-            <a:endParaRPr kumimoji="1" lang="ja-JP" altLang="en-US" dirty="0"/>
-          </a:p>
-        </p:txBody>
-      </p:sp>
-      <p:sp>
-        <p:nvSpPr>
-          <p:cNvPr id="5" name="コンテンツ プレースホルダー 4">
-            <a:extLst>
-              <a:ext uri="{FF2B5EF4-FFF2-40B4-BE49-F238E27FC236}">
-                <a16:creationId xmlns:a16="http://schemas.microsoft.com/office/drawing/2014/main" id="{21492ACA-CEBB-4A08-A6B6-1B760833EEA5}"/>
-              </a:ext>
-            </a:extLst>
-          </p:cNvPr>
-          <p:cNvSpPr>
-            <a:spLocks noGrp="1"/>
-          </p:cNvSpPr>
-          <p:nvPr>
-            <p:ph idx="1"/>
-          </p:nvPr>
-        </p:nvSpPr>
-        <p:spPr/>
-        <p:txBody>
-          <a:bodyPr/>
-          <a:lstStyle/>
-          <a:p>
-            <a:r>
-              <a:rPr kumimoji="1" lang="ja-JP" altLang="en-US" dirty="0"/>
-              <a:t>ここに振舞いのモデルを書く</a:t>
-            </a:r>
+          <a:bodyPr lIns="120687" tIns="60343" rIns="120687" bIns="60343"/>
+          <a:lstStyle>
+            <a:lvl1pPr marL="481013" indent="-481013" defTabSz="1279525" eaLnBrk="0" hangingPunct="0">
+              <a:defRPr kumimoji="1" sz="1600">
+                <a:solidFill>
+                  <a:schemeClr val="tx1"/>
+                </a:solidFill>
+                <a:latin typeface="Times New Roman" panose="02020603050405020304" pitchFamily="18" charset="0"/>
+                <a:ea typeface="ＭＳ Ｐゴシック" panose="020B0600070205080204" pitchFamily="34" charset="-128"/>
+              </a:defRPr>
+            </a:lvl1pPr>
+            <a:lvl2pPr marL="742950" indent="-285750" defTabSz="1279525" eaLnBrk="0" hangingPunct="0">
+              <a:defRPr kumimoji="1" sz="1600">
+                <a:solidFill>
+                  <a:schemeClr val="tx1"/>
+                </a:solidFill>
+                <a:latin typeface="Times New Roman" panose="02020603050405020304" pitchFamily="18" charset="0"/>
+                <a:ea typeface="ＭＳ Ｐゴシック" panose="020B0600070205080204" pitchFamily="34" charset="-128"/>
+              </a:defRPr>
+            </a:lvl2pPr>
+            <a:lvl3pPr marL="1143000" indent="-228600" defTabSz="1279525" eaLnBrk="0" hangingPunct="0">
+              <a:defRPr kumimoji="1" sz="1600">
+                <a:solidFill>
+                  <a:schemeClr val="tx1"/>
+                </a:solidFill>
+                <a:latin typeface="Times New Roman" panose="02020603050405020304" pitchFamily="18" charset="0"/>
+                <a:ea typeface="ＭＳ Ｐゴシック" panose="020B0600070205080204" pitchFamily="34" charset="-128"/>
+              </a:defRPr>
+            </a:lvl3pPr>
+            <a:lvl4pPr marL="1600200" indent="-228600" defTabSz="1279525" eaLnBrk="0" hangingPunct="0">
+              <a:defRPr kumimoji="1" sz="1600">
+                <a:solidFill>
+                  <a:schemeClr val="tx1"/>
+                </a:solidFill>
+                <a:latin typeface="Times New Roman" panose="02020603050405020304" pitchFamily="18" charset="0"/>
+                <a:ea typeface="ＭＳ Ｐゴシック" panose="020B0600070205080204" pitchFamily="34" charset="-128"/>
+              </a:defRPr>
+            </a:lvl4pPr>
+            <a:lvl5pPr marL="2057400" indent="-228600" defTabSz="1279525" eaLnBrk="0" hangingPunct="0">
+              <a:defRPr kumimoji="1" sz="1600">
+                <a:solidFill>
+                  <a:schemeClr val="tx1"/>
+                </a:solidFill>
+                <a:latin typeface="Times New Roman" panose="02020603050405020304" pitchFamily="18" charset="0"/>
+                <a:ea typeface="ＭＳ Ｐゴシック" panose="020B0600070205080204" pitchFamily="34" charset="-128"/>
+              </a:defRPr>
+            </a:lvl5pPr>
+            <a:lvl6pPr marL="2514600" indent="-228600" defTabSz="1279525" eaLnBrk="0" fontAlgn="base" hangingPunct="0">
+              <a:spcBef>
+                <a:spcPct val="0"/>
+              </a:spcBef>
+              <a:spcAft>
+                <a:spcPct val="0"/>
+              </a:spcAft>
+              <a:defRPr kumimoji="1" sz="1600">
+                <a:solidFill>
+                  <a:schemeClr val="tx1"/>
+                </a:solidFill>
+                <a:latin typeface="Times New Roman" panose="02020603050405020304" pitchFamily="18" charset="0"/>
+                <a:ea typeface="ＭＳ Ｐゴシック" panose="020B0600070205080204" pitchFamily="34" charset="-128"/>
+              </a:defRPr>
+            </a:lvl6pPr>
+            <a:lvl7pPr marL="2971800" indent="-228600" defTabSz="1279525" eaLnBrk="0" fontAlgn="base" hangingPunct="0">
+              <a:spcBef>
+                <a:spcPct val="0"/>
+              </a:spcBef>
+              <a:spcAft>
+                <a:spcPct val="0"/>
+              </a:spcAft>
+              <a:defRPr kumimoji="1" sz="1600">
+                <a:solidFill>
+                  <a:schemeClr val="tx1"/>
+                </a:solidFill>
+                <a:latin typeface="Times New Roman" panose="02020603050405020304" pitchFamily="18" charset="0"/>
+                <a:ea typeface="ＭＳ Ｐゴシック" panose="020B0600070205080204" pitchFamily="34" charset="-128"/>
+              </a:defRPr>
+            </a:lvl7pPr>
+            <a:lvl8pPr marL="3429000" indent="-228600" defTabSz="1279525" eaLnBrk="0" fontAlgn="base" hangingPunct="0">
+              <a:spcBef>
+                <a:spcPct val="0"/>
+              </a:spcBef>
+              <a:spcAft>
+                <a:spcPct val="0"/>
+              </a:spcAft>
+              <a:defRPr kumimoji="1" sz="1600">
+                <a:solidFill>
+                  <a:schemeClr val="tx1"/>
+                </a:solidFill>
+                <a:latin typeface="Times New Roman" panose="02020603050405020304" pitchFamily="18" charset="0"/>
+                <a:ea typeface="ＭＳ Ｐゴシック" panose="020B0600070205080204" pitchFamily="34" charset="-128"/>
+              </a:defRPr>
+            </a:lvl8pPr>
+            <a:lvl9pPr marL="3886200" indent="-228600" defTabSz="1279525" eaLnBrk="0" fontAlgn="base" hangingPunct="0">
+              <a:spcBef>
+                <a:spcPct val="0"/>
+              </a:spcBef>
+              <a:spcAft>
+                <a:spcPct val="0"/>
+              </a:spcAft>
+              <a:defRPr kumimoji="1" sz="1600">
+                <a:solidFill>
+                  <a:schemeClr val="tx1"/>
+                </a:solidFill>
+                <a:latin typeface="Times New Roman" panose="02020603050405020304" pitchFamily="18" charset="0"/>
+                <a:ea typeface="ＭＳ Ｐゴシック" panose="020B0600070205080204" pitchFamily="34" charset="-128"/>
+              </a:defRPr>
+            </a:lvl9pPr>
+          </a:lstStyle>
+          <a:p>
+            <a:pPr eaLnBrk="1" hangingPunct="1">
+              <a:lnSpc>
+                <a:spcPct val="80000"/>
+              </a:lnSpc>
+              <a:spcBef>
+                <a:spcPct val="20000"/>
+              </a:spcBef>
+            </a:pPr>
+            <a:r>
+              <a:rPr lang="en-US" altLang="ja-JP" sz="1782" dirty="0">
+                <a:solidFill>
+                  <a:srgbClr val="FF0000"/>
+                </a:solidFill>
+                <a:latin typeface="UD デジタル 教科書体 NP" panose="02020400000000000000" pitchFamily="18" charset="-128"/>
+                <a:ea typeface="UD デジタル 教科書体 NP" panose="02020400000000000000" pitchFamily="18" charset="-128"/>
+              </a:rPr>
+              <a:t>3-1. </a:t>
+            </a:r>
+            <a:r>
+              <a:rPr lang="ja-JP" altLang="en-US" sz="1782" dirty="0">
+                <a:solidFill>
+                  <a:srgbClr val="FF0000"/>
+                </a:solidFill>
+                <a:latin typeface="UD デジタル 教科書体 NP" panose="02020400000000000000" pitchFamily="18" charset="-128"/>
+                <a:ea typeface="UD デジタル 教科書体 NP" panose="02020400000000000000" pitchFamily="18" charset="-128"/>
+              </a:rPr>
+              <a:t>状態遷移</a:t>
+            </a:r>
+          </a:p>
+          <a:p>
+            <a:pPr eaLnBrk="1" hangingPunct="1">
+              <a:lnSpc>
+                <a:spcPct val="80000"/>
+              </a:lnSpc>
+              <a:spcBef>
+                <a:spcPct val="20000"/>
+              </a:spcBef>
+            </a:pPr>
+            <a:r>
+              <a:rPr lang="ja-JP" altLang="en-US" sz="1200" dirty="0">
+                <a:latin typeface="UD デジタル 教科書体 NP" panose="02020400000000000000" pitchFamily="18" charset="-128"/>
+                <a:ea typeface="UD デジタル 教科書体 NP" panose="02020400000000000000" pitchFamily="18" charset="-128"/>
+              </a:rPr>
+              <a:t>ダブルループにおける状態遷移について図</a:t>
+            </a:r>
+            <a:r>
+              <a:rPr lang="en-US" altLang="ja-JP" sz="1200" dirty="0">
+                <a:latin typeface="UD デジタル 教科書体 NP" panose="02020400000000000000" pitchFamily="18" charset="-128"/>
+                <a:ea typeface="UD デジタル 教科書体 NP" panose="02020400000000000000" pitchFamily="18" charset="-128"/>
+              </a:rPr>
+              <a:t>3.1</a:t>
+            </a:r>
+            <a:r>
+              <a:rPr lang="ja-JP" altLang="en-US" sz="1200" dirty="0">
+                <a:latin typeface="UD デジタル 教科書体 NP" panose="02020400000000000000" pitchFamily="18" charset="-128"/>
+                <a:ea typeface="UD デジタル 教科書体 NP" panose="02020400000000000000" pitchFamily="18" charset="-128"/>
+              </a:rPr>
+              <a:t>に示した。</a:t>
+            </a:r>
+            <a:endParaRPr lang="en-US" altLang="ja-JP" sz="1200" dirty="0">
+              <a:latin typeface="UD デジタル 教科書体 NP" panose="02020400000000000000" pitchFamily="18" charset="-128"/>
+              <a:ea typeface="UD デジタル 教科書体 NP" panose="02020400000000000000" pitchFamily="18" charset="-128"/>
+            </a:endParaRPr>
           </a:p>
         </p:txBody>
       </p:sp>
       <p:pic>
         <p:nvPicPr>
-          <p:cNvPr id="3" name="図 2">
+          <p:cNvPr id="24" name="図 23">
             <a:extLst>
               <a:ext uri="{FF2B5EF4-FFF2-40B4-BE49-F238E27FC236}">
-                <a16:creationId xmlns:a16="http://schemas.microsoft.com/office/drawing/2014/main" id="{B464162A-DFCB-AE77-0230-572F759F1B9C}"/>
+                <a16:creationId xmlns:a16="http://schemas.microsoft.com/office/drawing/2014/main" id="{7A335D35-D900-AF6D-68AA-9EC6DFFE1D54}"/>
               </a:ext>
             </a:extLst>
           </p:cNvPr>
@@ -11953,7 +12674,7 @@
         </p:blipFill>
         <p:spPr>
           <a:xfrm>
-            <a:off x="13188644" y="7870"/>
+            <a:off x="13072338" y="0"/>
             <a:ext cx="1782501" cy="561372"/>
           </a:xfrm>
           <a:prstGeom prst="rect">
@@ -11961,10 +12682,2565 @@
           </a:prstGeom>
         </p:spPr>
       </p:pic>
+      <p:sp>
+        <p:nvSpPr>
+          <p:cNvPr id="25" name="Google Shape;92;p3">
+            <a:extLst>
+              <a:ext uri="{FF2B5EF4-FFF2-40B4-BE49-F238E27FC236}">
+                <a16:creationId xmlns:a16="http://schemas.microsoft.com/office/drawing/2014/main" id="{1CF113CB-622E-490E-71EC-1801124C9FD5}"/>
+              </a:ext>
+            </a:extLst>
+          </p:cNvPr>
+          <p:cNvSpPr txBox="1">
+            <a:spLocks noGrp="1"/>
+          </p:cNvSpPr>
+          <p:nvPr/>
+        </p:nvSpPr>
+        <p:spPr>
+          <a:xfrm>
+            <a:off x="0" y="23866"/>
+            <a:ext cx="7873249" cy="515650"/>
+          </a:xfrm>
+          <a:prstGeom prst="rect">
+            <a:avLst/>
+          </a:prstGeom>
+          <a:noFill/>
+          <a:ln>
+            <a:noFill/>
+          </a:ln>
+        </p:spPr>
+        <p:txBody>
+          <a:bodyPr spcFirstLastPara="1" wrap="square" lIns="91425" tIns="45700" rIns="91425" bIns="45700" anchor="ctr" anchorCtr="0">
+            <a:noAutofit/>
+          </a:bodyPr>
+          <a:lstStyle>
+            <a:defPPr marR="0" lvl="0" algn="l" rtl="0">
+              <a:lnSpc>
+                <a:spcPct val="100000"/>
+              </a:lnSpc>
+              <a:spcBef>
+                <a:spcPts val="0"/>
+              </a:spcBef>
+              <a:spcAft>
+                <a:spcPts val="0"/>
+              </a:spcAft>
+            </a:defPPr>
+            <a:lvl1pPr marR="0" lvl="0" algn="l" rtl="0">
+              <a:lnSpc>
+                <a:spcPct val="90000"/>
+              </a:lnSpc>
+              <a:spcBef>
+                <a:spcPts val="0"/>
+              </a:spcBef>
+              <a:spcAft>
+                <a:spcPts val="0"/>
+              </a:spcAft>
+              <a:buClr>
+                <a:schemeClr val="dk1"/>
+              </a:buClr>
+              <a:buSzPts val="1800"/>
+              <a:buFont typeface="Calibri"/>
+              <a:buNone/>
+              <a:defRPr sz="6860" b="0" i="0" u="none" strike="noStrike" cap="none">
+                <a:solidFill>
+                  <a:schemeClr val="dk1"/>
+                </a:solidFill>
+                <a:latin typeface="Calibri"/>
+                <a:ea typeface="Calibri"/>
+                <a:cs typeface="Calibri"/>
+                <a:sym typeface="Calibri"/>
+              </a:defRPr>
+            </a:lvl1pPr>
+            <a:lvl2pPr marR="0" lvl="1" algn="l" rtl="0">
+              <a:lnSpc>
+                <a:spcPct val="100000"/>
+              </a:lnSpc>
+              <a:spcBef>
+                <a:spcPts val="0"/>
+              </a:spcBef>
+              <a:spcAft>
+                <a:spcPts val="0"/>
+              </a:spcAft>
+              <a:buClr>
+                <a:srgbClr val="000000"/>
+              </a:buClr>
+              <a:buSzPts val="1400"/>
+              <a:buFont typeface="Arial"/>
+              <a:buNone/>
+              <a:defRPr sz="1800" b="0" i="0" u="none" strike="noStrike" cap="none">
+                <a:solidFill>
+                  <a:srgbClr val="000000"/>
+                </a:solidFill>
+                <a:latin typeface="Arial"/>
+                <a:ea typeface="Arial"/>
+                <a:cs typeface="Arial"/>
+                <a:sym typeface="Arial"/>
+              </a:defRPr>
+            </a:lvl2pPr>
+            <a:lvl3pPr marR="0" lvl="2" algn="l" rtl="0">
+              <a:lnSpc>
+                <a:spcPct val="100000"/>
+              </a:lnSpc>
+              <a:spcBef>
+                <a:spcPts val="0"/>
+              </a:spcBef>
+              <a:spcAft>
+                <a:spcPts val="0"/>
+              </a:spcAft>
+              <a:buClr>
+                <a:srgbClr val="000000"/>
+              </a:buClr>
+              <a:buSzPts val="1400"/>
+              <a:buFont typeface="Arial"/>
+              <a:buNone/>
+              <a:defRPr sz="1800" b="0" i="0" u="none" strike="noStrike" cap="none">
+                <a:solidFill>
+                  <a:srgbClr val="000000"/>
+                </a:solidFill>
+                <a:latin typeface="Arial"/>
+                <a:ea typeface="Arial"/>
+                <a:cs typeface="Arial"/>
+                <a:sym typeface="Arial"/>
+              </a:defRPr>
+            </a:lvl3pPr>
+            <a:lvl4pPr marR="0" lvl="3" algn="l" rtl="0">
+              <a:lnSpc>
+                <a:spcPct val="100000"/>
+              </a:lnSpc>
+              <a:spcBef>
+                <a:spcPts val="0"/>
+              </a:spcBef>
+              <a:spcAft>
+                <a:spcPts val="0"/>
+              </a:spcAft>
+              <a:buClr>
+                <a:srgbClr val="000000"/>
+              </a:buClr>
+              <a:buSzPts val="1400"/>
+              <a:buFont typeface="Arial"/>
+              <a:buNone/>
+              <a:defRPr sz="1800" b="0" i="0" u="none" strike="noStrike" cap="none">
+                <a:solidFill>
+                  <a:srgbClr val="000000"/>
+                </a:solidFill>
+                <a:latin typeface="Arial"/>
+                <a:ea typeface="Arial"/>
+                <a:cs typeface="Arial"/>
+                <a:sym typeface="Arial"/>
+              </a:defRPr>
+            </a:lvl4pPr>
+            <a:lvl5pPr marR="0" lvl="4" algn="l" rtl="0">
+              <a:lnSpc>
+                <a:spcPct val="100000"/>
+              </a:lnSpc>
+              <a:spcBef>
+                <a:spcPts val="0"/>
+              </a:spcBef>
+              <a:spcAft>
+                <a:spcPts val="0"/>
+              </a:spcAft>
+              <a:buClr>
+                <a:srgbClr val="000000"/>
+              </a:buClr>
+              <a:buSzPts val="1400"/>
+              <a:buFont typeface="Arial"/>
+              <a:buNone/>
+              <a:defRPr sz="1800" b="0" i="0" u="none" strike="noStrike" cap="none">
+                <a:solidFill>
+                  <a:srgbClr val="000000"/>
+                </a:solidFill>
+                <a:latin typeface="Arial"/>
+                <a:ea typeface="Arial"/>
+                <a:cs typeface="Arial"/>
+                <a:sym typeface="Arial"/>
+              </a:defRPr>
+            </a:lvl5pPr>
+            <a:lvl6pPr marR="0" lvl="5" algn="l" rtl="0">
+              <a:lnSpc>
+                <a:spcPct val="100000"/>
+              </a:lnSpc>
+              <a:spcBef>
+                <a:spcPts val="0"/>
+              </a:spcBef>
+              <a:spcAft>
+                <a:spcPts val="0"/>
+              </a:spcAft>
+              <a:buClr>
+                <a:srgbClr val="000000"/>
+              </a:buClr>
+              <a:buSzPts val="1400"/>
+              <a:buFont typeface="Arial"/>
+              <a:buNone/>
+              <a:defRPr sz="1800" b="0" i="0" u="none" strike="noStrike" cap="none">
+                <a:solidFill>
+                  <a:srgbClr val="000000"/>
+                </a:solidFill>
+                <a:latin typeface="Arial"/>
+                <a:ea typeface="Arial"/>
+                <a:cs typeface="Arial"/>
+                <a:sym typeface="Arial"/>
+              </a:defRPr>
+            </a:lvl6pPr>
+            <a:lvl7pPr marR="0" lvl="6" algn="l" rtl="0">
+              <a:lnSpc>
+                <a:spcPct val="100000"/>
+              </a:lnSpc>
+              <a:spcBef>
+                <a:spcPts val="0"/>
+              </a:spcBef>
+              <a:spcAft>
+                <a:spcPts val="0"/>
+              </a:spcAft>
+              <a:buClr>
+                <a:srgbClr val="000000"/>
+              </a:buClr>
+              <a:buSzPts val="1400"/>
+              <a:buFont typeface="Arial"/>
+              <a:buNone/>
+              <a:defRPr sz="1800" b="0" i="0" u="none" strike="noStrike" cap="none">
+                <a:solidFill>
+                  <a:srgbClr val="000000"/>
+                </a:solidFill>
+                <a:latin typeface="Arial"/>
+                <a:ea typeface="Arial"/>
+                <a:cs typeface="Arial"/>
+                <a:sym typeface="Arial"/>
+              </a:defRPr>
+            </a:lvl7pPr>
+            <a:lvl8pPr marR="0" lvl="7" algn="l" rtl="0">
+              <a:lnSpc>
+                <a:spcPct val="100000"/>
+              </a:lnSpc>
+              <a:spcBef>
+                <a:spcPts val="0"/>
+              </a:spcBef>
+              <a:spcAft>
+                <a:spcPts val="0"/>
+              </a:spcAft>
+              <a:buClr>
+                <a:srgbClr val="000000"/>
+              </a:buClr>
+              <a:buSzPts val="1400"/>
+              <a:buFont typeface="Arial"/>
+              <a:buNone/>
+              <a:defRPr sz="1800" b="0" i="0" u="none" strike="noStrike" cap="none">
+                <a:solidFill>
+                  <a:srgbClr val="000000"/>
+                </a:solidFill>
+                <a:latin typeface="Arial"/>
+                <a:ea typeface="Arial"/>
+                <a:cs typeface="Arial"/>
+                <a:sym typeface="Arial"/>
+              </a:defRPr>
+            </a:lvl8pPr>
+            <a:lvl9pPr marR="0" lvl="8" algn="l" rtl="0">
+              <a:lnSpc>
+                <a:spcPct val="100000"/>
+              </a:lnSpc>
+              <a:spcBef>
+                <a:spcPts val="0"/>
+              </a:spcBef>
+              <a:spcAft>
+                <a:spcPts val="0"/>
+              </a:spcAft>
+              <a:buClr>
+                <a:srgbClr val="000000"/>
+              </a:buClr>
+              <a:buSzPts val="1400"/>
+              <a:buFont typeface="Arial"/>
+              <a:buNone/>
+              <a:defRPr sz="1800" b="0" i="0" u="none" strike="noStrike" cap="none">
+                <a:solidFill>
+                  <a:srgbClr val="000000"/>
+                </a:solidFill>
+                <a:latin typeface="Arial"/>
+                <a:ea typeface="Arial"/>
+                <a:cs typeface="Arial"/>
+                <a:sym typeface="Arial"/>
+              </a:defRPr>
+            </a:lvl9pPr>
+          </a:lstStyle>
+          <a:p>
+            <a:pPr marL="0" lvl="0" indent="0" algn="l" rtl="0">
+              <a:lnSpc>
+                <a:spcPct val="90000"/>
+              </a:lnSpc>
+              <a:spcBef>
+                <a:spcPts val="0"/>
+              </a:spcBef>
+              <a:spcAft>
+                <a:spcPts val="0"/>
+              </a:spcAft>
+              <a:buClr>
+                <a:schemeClr val="dk1"/>
+              </a:buClr>
+              <a:buSzPts val="6120"/>
+              <a:buFont typeface="Calibri"/>
+              <a:buNone/>
+            </a:pPr>
+            <a:r>
+              <a:rPr lang="en-US" altLang="ja-JP" sz="2800" b="1" dirty="0">
+                <a:solidFill>
+                  <a:srgbClr val="ED7D31"/>
+                </a:solidFill>
+                <a:latin typeface="+mj-ea"/>
+                <a:ea typeface="+mj-ea"/>
+              </a:rPr>
+              <a:t>3</a:t>
+            </a:r>
+            <a:r>
+              <a:rPr lang="ja-JP" sz="2800" b="1" dirty="0">
+                <a:solidFill>
+                  <a:srgbClr val="ED7D31"/>
+                </a:solidFill>
+                <a:latin typeface="+mj-ea"/>
+                <a:ea typeface="+mj-ea"/>
+              </a:rPr>
+              <a:t>. </a:t>
+            </a:r>
+            <a:r>
+              <a:rPr lang="ja-JP" altLang="en-US" sz="2800" b="1" dirty="0">
+                <a:solidFill>
+                  <a:srgbClr val="ED7D31"/>
+                </a:solidFill>
+                <a:latin typeface="+mj-ea"/>
+                <a:ea typeface="+mj-ea"/>
+              </a:rPr>
+              <a:t>振舞い</a:t>
+            </a:r>
+            <a:r>
+              <a:rPr lang="ja-JP" sz="2800" b="1" dirty="0">
+                <a:solidFill>
+                  <a:srgbClr val="ED7D31"/>
+                </a:solidFill>
+                <a:latin typeface="+mj-ea"/>
+                <a:ea typeface="+mj-ea"/>
+              </a:rPr>
+              <a:t>モデル</a:t>
+            </a:r>
+            <a:endParaRPr sz="2800" b="1" dirty="0">
+              <a:solidFill>
+                <a:srgbClr val="ED7D31"/>
+              </a:solidFill>
+              <a:latin typeface="+mj-ea"/>
+              <a:ea typeface="+mj-ea"/>
+            </a:endParaRPr>
+          </a:p>
+        </p:txBody>
+      </p:sp>
+      <p:sp>
+        <p:nvSpPr>
+          <p:cNvPr id="26" name="Google Shape;110;p3">
+            <a:extLst>
+              <a:ext uri="{FF2B5EF4-FFF2-40B4-BE49-F238E27FC236}">
+                <a16:creationId xmlns:a16="http://schemas.microsoft.com/office/drawing/2014/main" id="{04AC1331-23B7-79FF-97BA-7D0E19FFC16F}"/>
+              </a:ext>
+            </a:extLst>
+          </p:cNvPr>
+          <p:cNvSpPr/>
+          <p:nvPr/>
+        </p:nvSpPr>
+        <p:spPr>
+          <a:xfrm>
+            <a:off x="7649914" y="-1773"/>
+            <a:ext cx="5463600" cy="554400"/>
+          </a:xfrm>
+          <a:prstGeom prst="rect">
+            <a:avLst/>
+          </a:prstGeom>
+          <a:solidFill>
+            <a:schemeClr val="accent2"/>
+          </a:solidFill>
+          <a:ln>
+            <a:noFill/>
+          </a:ln>
+        </p:spPr>
+        <p:txBody>
+          <a:bodyPr spcFirstLastPara="1" wrap="square" lIns="91425" tIns="45700" rIns="91425" bIns="45700" anchor="ctr" anchorCtr="0">
+            <a:noAutofit/>
+          </a:bodyPr>
+          <a:lstStyle>
+            <a:defPPr marR="0" lvl="0" algn="l" rtl="0">
+              <a:lnSpc>
+                <a:spcPct val="100000"/>
+              </a:lnSpc>
+              <a:spcBef>
+                <a:spcPts val="0"/>
+              </a:spcBef>
+              <a:spcAft>
+                <a:spcPts val="0"/>
+              </a:spcAft>
+            </a:defPPr>
+            <a:lvl1pPr marR="0" lvl="0" algn="l" rtl="0">
+              <a:lnSpc>
+                <a:spcPct val="100000"/>
+              </a:lnSpc>
+              <a:spcBef>
+                <a:spcPts val="0"/>
+              </a:spcBef>
+              <a:spcAft>
+                <a:spcPts val="0"/>
+              </a:spcAft>
+              <a:buClr>
+                <a:srgbClr val="000000"/>
+              </a:buClr>
+              <a:buFont typeface="Arial"/>
+              <a:defRPr sz="1400" b="0" i="0" u="none" strike="noStrike" cap="none">
+                <a:solidFill>
+                  <a:srgbClr val="000000"/>
+                </a:solidFill>
+                <a:latin typeface="Arial"/>
+                <a:ea typeface="Arial"/>
+                <a:cs typeface="Arial"/>
+                <a:sym typeface="Arial"/>
+              </a:defRPr>
+            </a:lvl1pPr>
+            <a:lvl2pPr marR="0" lvl="1" algn="l" rtl="0">
+              <a:lnSpc>
+                <a:spcPct val="100000"/>
+              </a:lnSpc>
+              <a:spcBef>
+                <a:spcPts val="0"/>
+              </a:spcBef>
+              <a:spcAft>
+                <a:spcPts val="0"/>
+              </a:spcAft>
+              <a:buClr>
+                <a:srgbClr val="000000"/>
+              </a:buClr>
+              <a:buFont typeface="Arial"/>
+              <a:defRPr sz="1400" b="0" i="0" u="none" strike="noStrike" cap="none">
+                <a:solidFill>
+                  <a:srgbClr val="000000"/>
+                </a:solidFill>
+                <a:latin typeface="Arial"/>
+                <a:ea typeface="Arial"/>
+                <a:cs typeface="Arial"/>
+                <a:sym typeface="Arial"/>
+              </a:defRPr>
+            </a:lvl2pPr>
+            <a:lvl3pPr marR="0" lvl="2" algn="l" rtl="0">
+              <a:lnSpc>
+                <a:spcPct val="100000"/>
+              </a:lnSpc>
+              <a:spcBef>
+                <a:spcPts val="0"/>
+              </a:spcBef>
+              <a:spcAft>
+                <a:spcPts val="0"/>
+              </a:spcAft>
+              <a:buClr>
+                <a:srgbClr val="000000"/>
+              </a:buClr>
+              <a:buFont typeface="Arial"/>
+              <a:defRPr sz="1400" b="0" i="0" u="none" strike="noStrike" cap="none">
+                <a:solidFill>
+                  <a:srgbClr val="000000"/>
+                </a:solidFill>
+                <a:latin typeface="Arial"/>
+                <a:ea typeface="Arial"/>
+                <a:cs typeface="Arial"/>
+                <a:sym typeface="Arial"/>
+              </a:defRPr>
+            </a:lvl3pPr>
+            <a:lvl4pPr marR="0" lvl="3" algn="l" rtl="0">
+              <a:lnSpc>
+                <a:spcPct val="100000"/>
+              </a:lnSpc>
+              <a:spcBef>
+                <a:spcPts val="0"/>
+              </a:spcBef>
+              <a:spcAft>
+                <a:spcPts val="0"/>
+              </a:spcAft>
+              <a:buClr>
+                <a:srgbClr val="000000"/>
+              </a:buClr>
+              <a:buFont typeface="Arial"/>
+              <a:defRPr sz="1400" b="0" i="0" u="none" strike="noStrike" cap="none">
+                <a:solidFill>
+                  <a:srgbClr val="000000"/>
+                </a:solidFill>
+                <a:latin typeface="Arial"/>
+                <a:ea typeface="Arial"/>
+                <a:cs typeface="Arial"/>
+                <a:sym typeface="Arial"/>
+              </a:defRPr>
+            </a:lvl4pPr>
+            <a:lvl5pPr marR="0" lvl="4" algn="l" rtl="0">
+              <a:lnSpc>
+                <a:spcPct val="100000"/>
+              </a:lnSpc>
+              <a:spcBef>
+                <a:spcPts val="0"/>
+              </a:spcBef>
+              <a:spcAft>
+                <a:spcPts val="0"/>
+              </a:spcAft>
+              <a:buClr>
+                <a:srgbClr val="000000"/>
+              </a:buClr>
+              <a:buFont typeface="Arial"/>
+              <a:defRPr sz="1400" b="0" i="0" u="none" strike="noStrike" cap="none">
+                <a:solidFill>
+                  <a:srgbClr val="000000"/>
+                </a:solidFill>
+                <a:latin typeface="Arial"/>
+                <a:ea typeface="Arial"/>
+                <a:cs typeface="Arial"/>
+                <a:sym typeface="Arial"/>
+              </a:defRPr>
+            </a:lvl5pPr>
+            <a:lvl6pPr marR="0" lvl="5" algn="l" rtl="0">
+              <a:lnSpc>
+                <a:spcPct val="100000"/>
+              </a:lnSpc>
+              <a:spcBef>
+                <a:spcPts val="0"/>
+              </a:spcBef>
+              <a:spcAft>
+                <a:spcPts val="0"/>
+              </a:spcAft>
+              <a:buClr>
+                <a:srgbClr val="000000"/>
+              </a:buClr>
+              <a:buFont typeface="Arial"/>
+              <a:defRPr sz="1400" b="0" i="0" u="none" strike="noStrike" cap="none">
+                <a:solidFill>
+                  <a:srgbClr val="000000"/>
+                </a:solidFill>
+                <a:latin typeface="Arial"/>
+                <a:ea typeface="Arial"/>
+                <a:cs typeface="Arial"/>
+                <a:sym typeface="Arial"/>
+              </a:defRPr>
+            </a:lvl6pPr>
+            <a:lvl7pPr marR="0" lvl="6" algn="l" rtl="0">
+              <a:lnSpc>
+                <a:spcPct val="100000"/>
+              </a:lnSpc>
+              <a:spcBef>
+                <a:spcPts val="0"/>
+              </a:spcBef>
+              <a:spcAft>
+                <a:spcPts val="0"/>
+              </a:spcAft>
+              <a:buClr>
+                <a:srgbClr val="000000"/>
+              </a:buClr>
+              <a:buFont typeface="Arial"/>
+              <a:defRPr sz="1400" b="0" i="0" u="none" strike="noStrike" cap="none">
+                <a:solidFill>
+                  <a:srgbClr val="000000"/>
+                </a:solidFill>
+                <a:latin typeface="Arial"/>
+                <a:ea typeface="Arial"/>
+                <a:cs typeface="Arial"/>
+                <a:sym typeface="Arial"/>
+              </a:defRPr>
+            </a:lvl7pPr>
+            <a:lvl8pPr marR="0" lvl="7" algn="l" rtl="0">
+              <a:lnSpc>
+                <a:spcPct val="100000"/>
+              </a:lnSpc>
+              <a:spcBef>
+                <a:spcPts val="0"/>
+              </a:spcBef>
+              <a:spcAft>
+                <a:spcPts val="0"/>
+              </a:spcAft>
+              <a:buClr>
+                <a:srgbClr val="000000"/>
+              </a:buClr>
+              <a:buFont typeface="Arial"/>
+              <a:defRPr sz="1400" b="0" i="0" u="none" strike="noStrike" cap="none">
+                <a:solidFill>
+                  <a:srgbClr val="000000"/>
+                </a:solidFill>
+                <a:latin typeface="Arial"/>
+                <a:ea typeface="Arial"/>
+                <a:cs typeface="Arial"/>
+                <a:sym typeface="Arial"/>
+              </a:defRPr>
+            </a:lvl8pPr>
+            <a:lvl9pPr marR="0" lvl="8" algn="l" rtl="0">
+              <a:lnSpc>
+                <a:spcPct val="100000"/>
+              </a:lnSpc>
+              <a:spcBef>
+                <a:spcPts val="0"/>
+              </a:spcBef>
+              <a:spcAft>
+                <a:spcPts val="0"/>
+              </a:spcAft>
+              <a:buClr>
+                <a:srgbClr val="000000"/>
+              </a:buClr>
+              <a:buFont typeface="Arial"/>
+              <a:defRPr sz="1400" b="0" i="0" u="none" strike="noStrike" cap="none">
+                <a:solidFill>
+                  <a:srgbClr val="000000"/>
+                </a:solidFill>
+                <a:latin typeface="Arial"/>
+                <a:ea typeface="Arial"/>
+                <a:cs typeface="Arial"/>
+                <a:sym typeface="Arial"/>
+              </a:defRPr>
+            </a:lvl9pPr>
+          </a:lstStyle>
+          <a:p>
+            <a:pPr marL="0" marR="0" lvl="0" indent="0" algn="ctr" rtl="0">
+              <a:lnSpc>
+                <a:spcPct val="100000"/>
+              </a:lnSpc>
+              <a:spcBef>
+                <a:spcPts val="0"/>
+              </a:spcBef>
+              <a:spcAft>
+                <a:spcPts val="0"/>
+              </a:spcAft>
+              <a:buClr>
+                <a:srgbClr val="000000"/>
+              </a:buClr>
+              <a:buSzPts val="3200"/>
+              <a:buFont typeface="Arial"/>
+              <a:buNone/>
+            </a:pPr>
+            <a:r>
+              <a:rPr lang="ja-JP" sz="3200" b="0" i="0" u="none" strike="noStrike" cap="none" dirty="0">
+                <a:solidFill>
+                  <a:schemeClr val="lt1"/>
+                </a:solidFill>
+                <a:latin typeface="Arial"/>
+                <a:ea typeface="Arial"/>
+                <a:cs typeface="Arial"/>
+                <a:sym typeface="Arial"/>
+              </a:rPr>
+              <a:t>てなろぼ★ぷらいまりぃ</a:t>
+            </a:r>
+            <a:endParaRPr sz="3200" b="0" i="0" u="none" strike="noStrike" cap="none" dirty="0">
+              <a:solidFill>
+                <a:schemeClr val="lt1"/>
+              </a:solidFill>
+              <a:latin typeface="Arial"/>
+              <a:ea typeface="Arial"/>
+              <a:cs typeface="Arial"/>
+              <a:sym typeface="Arial"/>
+            </a:endParaRPr>
+          </a:p>
+        </p:txBody>
+      </p:sp>
+      <mc:AlternateContent xmlns:mc="http://schemas.openxmlformats.org/markup-compatibility/2006" xmlns:p14="http://schemas.microsoft.com/office/powerpoint/2010/main">
+        <mc:Choice Requires="p14">
+          <p:contentPart p14:bwMode="auto" r:id="rId3">
+            <p14:nvContentPartPr>
+              <p14:cNvPr id="27" name="インク 26">
+                <a:extLst>
+                  <a:ext uri="{FF2B5EF4-FFF2-40B4-BE49-F238E27FC236}">
+                    <a16:creationId xmlns:a16="http://schemas.microsoft.com/office/drawing/2014/main" id="{D20EB1F9-BBDD-AE8B-0451-E7B84F7AC3C6}"/>
+                  </a:ext>
+                </a:extLst>
+              </p14:cNvPr>
+              <p14:cNvContentPartPr/>
+              <p14:nvPr/>
+            </p14:nvContentPartPr>
+            <p14:xfrm>
+              <a:off x="8296793" y="121087"/>
+              <a:ext cx="360" cy="360"/>
+            </p14:xfrm>
+          </p:contentPart>
+        </mc:Choice>
+        <mc:Fallback xmlns="">
+          <p:pic>
+            <p:nvPicPr>
+              <p:cNvPr id="27" name="インク 26">
+                <a:extLst>
+                  <a:ext uri="{FF2B5EF4-FFF2-40B4-BE49-F238E27FC236}">
+                    <a16:creationId xmlns:a16="http://schemas.microsoft.com/office/drawing/2014/main" id="{5762D8AD-3039-3AD3-28CD-DD56AAF8AFA3}"/>
+                  </a:ext>
+                </a:extLst>
+              </p:cNvPr>
+              <p:cNvPicPr/>
+              <p:nvPr/>
+            </p:nvPicPr>
+            <p:blipFill>
+              <a:blip r:embed="rId4"/>
+              <a:stretch>
+                <a:fillRect/>
+              </a:stretch>
+            </p:blipFill>
+            <p:spPr>
+              <a:xfrm>
+                <a:off x="8290673" y="114967"/>
+                <a:ext cx="12600" cy="12600"/>
+              </a:xfrm>
+              <a:prstGeom prst="rect">
+                <a:avLst/>
+              </a:prstGeom>
+            </p:spPr>
+          </p:pic>
+        </mc:Fallback>
+      </mc:AlternateContent>
+      <mc:AlternateContent xmlns:mc="http://schemas.openxmlformats.org/markup-compatibility/2006" xmlns:p14="http://schemas.microsoft.com/office/powerpoint/2010/main">
+        <mc:Choice Requires="p14">
+          <p:contentPart p14:bwMode="auto" r:id="rId5">
+            <p14:nvContentPartPr>
+              <p14:cNvPr id="28" name="インク 27">
+                <a:extLst>
+                  <a:ext uri="{FF2B5EF4-FFF2-40B4-BE49-F238E27FC236}">
+                    <a16:creationId xmlns:a16="http://schemas.microsoft.com/office/drawing/2014/main" id="{A4FB9666-067A-C07E-D367-442744073DCE}"/>
+                  </a:ext>
+                </a:extLst>
+              </p14:cNvPr>
+              <p14:cNvContentPartPr/>
+              <p14:nvPr/>
+            </p14:nvContentPartPr>
+            <p14:xfrm>
+              <a:off x="8982593" y="1667287"/>
+              <a:ext cx="360" cy="360"/>
+            </p14:xfrm>
+          </p:contentPart>
+        </mc:Choice>
+        <mc:Fallback xmlns="">
+          <p:pic>
+            <p:nvPicPr>
+              <p:cNvPr id="28" name="インク 27">
+                <a:extLst>
+                  <a:ext uri="{FF2B5EF4-FFF2-40B4-BE49-F238E27FC236}">
+                    <a16:creationId xmlns:a16="http://schemas.microsoft.com/office/drawing/2014/main" id="{5B4CDCBF-B256-6E93-11BC-242A794A1739}"/>
+                  </a:ext>
+                </a:extLst>
+              </p:cNvPr>
+              <p:cNvPicPr/>
+              <p:nvPr/>
+            </p:nvPicPr>
+            <p:blipFill>
+              <a:blip r:embed="rId4"/>
+              <a:stretch>
+                <a:fillRect/>
+              </a:stretch>
+            </p:blipFill>
+            <p:spPr>
+              <a:xfrm>
+                <a:off x="8976473" y="1661167"/>
+                <a:ext cx="12600" cy="12600"/>
+              </a:xfrm>
+              <a:prstGeom prst="rect">
+                <a:avLst/>
+              </a:prstGeom>
+            </p:spPr>
+          </p:pic>
+        </mc:Fallback>
+      </mc:AlternateContent>
+      <p:cxnSp>
+        <p:nvCxnSpPr>
+          <p:cNvPr id="29" name="Google Shape;127;p4">
+            <a:extLst>
+              <a:ext uri="{FF2B5EF4-FFF2-40B4-BE49-F238E27FC236}">
+                <a16:creationId xmlns:a16="http://schemas.microsoft.com/office/drawing/2014/main" id="{B5A02AC8-3D31-E537-4002-78F20C713B0F}"/>
+              </a:ext>
+            </a:extLst>
+          </p:cNvPr>
+          <p:cNvCxnSpPr/>
+          <p:nvPr/>
+        </p:nvCxnSpPr>
+        <p:spPr>
+          <a:xfrm>
+            <a:off x="0" y="539516"/>
+            <a:ext cx="15116399" cy="0"/>
+          </a:xfrm>
+          <a:prstGeom prst="straightConnector1">
+            <a:avLst/>
+          </a:prstGeom>
+          <a:noFill/>
+          <a:ln w="19050" cap="flat" cmpd="sng">
+            <a:solidFill>
+              <a:schemeClr val="accent2"/>
+            </a:solidFill>
+            <a:prstDash val="solid"/>
+            <a:miter lim="800000"/>
+            <a:headEnd type="none" w="sm" len="sm"/>
+            <a:tailEnd type="none" w="sm" len="sm"/>
+          </a:ln>
+        </p:spPr>
+      </p:cxnSp>
+      <p:pic>
+        <p:nvPicPr>
+          <p:cNvPr id="32" name="図 31">
+            <a:extLst>
+              <a:ext uri="{FF2B5EF4-FFF2-40B4-BE49-F238E27FC236}">
+                <a16:creationId xmlns:a16="http://schemas.microsoft.com/office/drawing/2014/main" id="{21763069-83CB-B71A-BA0E-B689A6A47A46}"/>
+              </a:ext>
+            </a:extLst>
+          </p:cNvPr>
+          <p:cNvPicPr>
+            <a:picLocks noChangeAspect="1"/>
+          </p:cNvPicPr>
+          <p:nvPr/>
+        </p:nvPicPr>
+        <p:blipFill>
+          <a:blip r:embed="rId6"/>
+          <a:stretch>
+            <a:fillRect/>
+          </a:stretch>
+        </p:blipFill>
+        <p:spPr>
+          <a:xfrm>
+            <a:off x="196022" y="1142511"/>
+            <a:ext cx="4575661" cy="2586061"/>
+          </a:xfrm>
+          <a:prstGeom prst="rect">
+            <a:avLst/>
+          </a:prstGeom>
+        </p:spPr>
+      </p:pic>
+      <p:sp>
+        <p:nvSpPr>
+          <p:cNvPr id="33" name="テキスト ボックス 32">
+            <a:extLst>
+              <a:ext uri="{FF2B5EF4-FFF2-40B4-BE49-F238E27FC236}">
+                <a16:creationId xmlns:a16="http://schemas.microsoft.com/office/drawing/2014/main" id="{93B8DB3B-6163-E66F-537E-C6784670855A}"/>
+              </a:ext>
+            </a:extLst>
+          </p:cNvPr>
+          <p:cNvSpPr txBox="1"/>
+          <p:nvPr/>
+        </p:nvSpPr>
+        <p:spPr>
+          <a:xfrm>
+            <a:off x="550856" y="3699692"/>
+            <a:ext cx="4292490" cy="284693"/>
+          </a:xfrm>
+          <a:prstGeom prst="rect">
+            <a:avLst/>
+          </a:prstGeom>
+          <a:noFill/>
+        </p:spPr>
+        <p:txBody>
+          <a:bodyPr wrap="square" rtlCol="0">
+            <a:spAutoFit/>
+          </a:bodyPr>
+          <a:lstStyle/>
+          <a:p>
+            <a:r>
+              <a:rPr kumimoji="1" lang="ja-JP" altLang="en-US" sz="1250" dirty="0">
+                <a:latin typeface="BIZ UDPゴシック" panose="020B0400000000000000" pitchFamily="50" charset="-128"/>
+                <a:ea typeface="BIZ UDPゴシック" panose="020B0400000000000000" pitchFamily="50" charset="-128"/>
+              </a:rPr>
+              <a:t>図</a:t>
+            </a:r>
+            <a:r>
+              <a:rPr kumimoji="1" lang="en-US" altLang="ja-JP" sz="1250" dirty="0">
+                <a:latin typeface="BIZ UDPゴシック" panose="020B0400000000000000" pitchFamily="50" charset="-128"/>
+                <a:ea typeface="BIZ UDPゴシック" panose="020B0400000000000000" pitchFamily="50" charset="-128"/>
+              </a:rPr>
+              <a:t>3.1 </a:t>
+            </a:r>
+            <a:r>
+              <a:rPr lang="ja-JP" altLang="en-US" sz="1250" dirty="0">
+                <a:latin typeface="BIZ UDPゴシック" panose="020B0400000000000000" pitchFamily="50" charset="-128"/>
+                <a:ea typeface="BIZ UDPゴシック" panose="020B0400000000000000" pitchFamily="50" charset="-128"/>
+              </a:rPr>
+              <a:t>ダブルループにおける状態遷移</a:t>
+            </a:r>
+            <a:r>
+              <a:rPr kumimoji="1" lang="en-US" altLang="ja-JP" sz="1250" dirty="0">
+                <a:latin typeface="BIZ UDPゴシック" panose="020B0400000000000000" pitchFamily="50" charset="-128"/>
+                <a:ea typeface="BIZ UDPゴシック" panose="020B0400000000000000" pitchFamily="50" charset="-128"/>
+              </a:rPr>
+              <a:t>(</a:t>
+            </a:r>
+            <a:r>
+              <a:rPr lang="ja-JP" altLang="en-US" sz="1250" dirty="0">
+                <a:latin typeface="BIZ UDPゴシック" panose="020B0400000000000000" pitchFamily="50" charset="-128"/>
+                <a:ea typeface="BIZ UDPゴシック" panose="020B0400000000000000" pitchFamily="50" charset="-128"/>
+              </a:rPr>
+              <a:t>状態マシン図</a:t>
+            </a:r>
+            <a:r>
+              <a:rPr kumimoji="1" lang="en-US" altLang="ja-JP" sz="1250" dirty="0">
+                <a:latin typeface="BIZ UDPゴシック" panose="020B0400000000000000" pitchFamily="50" charset="-128"/>
+                <a:ea typeface="BIZ UDPゴシック" panose="020B0400000000000000" pitchFamily="50" charset="-128"/>
+              </a:rPr>
+              <a:t>)</a:t>
+            </a:r>
+            <a:endParaRPr kumimoji="1" lang="ja-JP" altLang="en-US" sz="1200" dirty="0">
+              <a:latin typeface="BIZ UDPゴシック" panose="020B0400000000000000" pitchFamily="50" charset="-128"/>
+              <a:ea typeface="BIZ UDPゴシック" panose="020B0400000000000000" pitchFamily="50" charset="-128"/>
+            </a:endParaRPr>
+          </a:p>
+        </p:txBody>
+      </p:sp>
+      <p:sp>
+        <p:nvSpPr>
+          <p:cNvPr id="2" name="フリーフォーム: 図形 1">
+            <a:extLst>
+              <a:ext uri="{FF2B5EF4-FFF2-40B4-BE49-F238E27FC236}">
+                <a16:creationId xmlns:a16="http://schemas.microsoft.com/office/drawing/2014/main" id="{9DC4E891-B563-4AD8-734F-DE3DA34EEA45}"/>
+              </a:ext>
+            </a:extLst>
+          </p:cNvPr>
+          <p:cNvSpPr>
+            <a:spLocks noChangeArrowheads="1"/>
+          </p:cNvSpPr>
+          <p:nvPr/>
+        </p:nvSpPr>
+        <p:spPr bwMode="auto">
+          <a:xfrm>
+            <a:off x="148596" y="649235"/>
+            <a:ext cx="14816097" cy="9953254"/>
+          </a:xfrm>
+          <a:custGeom>
+            <a:avLst/>
+            <a:gdLst>
+              <a:gd name="connsiteX0" fmla="*/ 4666612 w 14816097"/>
+              <a:gd name="connsiteY0" fmla="*/ 0 h 9953254"/>
+              <a:gd name="connsiteX1" fmla="*/ 14816097 w 14816097"/>
+              <a:gd name="connsiteY1" fmla="*/ 0 h 9953254"/>
+              <a:gd name="connsiteX2" fmla="*/ 14816097 w 14816097"/>
+              <a:gd name="connsiteY2" fmla="*/ 9953253 h 9953254"/>
+              <a:gd name="connsiteX3" fmla="*/ 14816096 w 14816097"/>
+              <a:gd name="connsiteY3" fmla="*/ 9953253 h 9953254"/>
+              <a:gd name="connsiteX4" fmla="*/ 14816096 w 14816097"/>
+              <a:gd name="connsiteY4" fmla="*/ 9953254 h 9953254"/>
+              <a:gd name="connsiteX5" fmla="*/ 0 w 14816097"/>
+              <a:gd name="connsiteY5" fmla="*/ 9953254 h 9953254"/>
+              <a:gd name="connsiteX6" fmla="*/ 0 w 14816097"/>
+              <a:gd name="connsiteY6" fmla="*/ 3399805 h 9953254"/>
+              <a:gd name="connsiteX7" fmla="*/ 4666612 w 14816097"/>
+              <a:gd name="connsiteY7" fmla="*/ 3399805 h 9953254"/>
+            </a:gdLst>
+            <a:ahLst/>
+            <a:cxnLst>
+              <a:cxn ang="0">
+                <a:pos x="connsiteX0" y="connsiteY0"/>
+              </a:cxn>
+              <a:cxn ang="0">
+                <a:pos x="connsiteX1" y="connsiteY1"/>
+              </a:cxn>
+              <a:cxn ang="0">
+                <a:pos x="connsiteX2" y="connsiteY2"/>
+              </a:cxn>
+              <a:cxn ang="0">
+                <a:pos x="connsiteX3" y="connsiteY3"/>
+              </a:cxn>
+              <a:cxn ang="0">
+                <a:pos x="connsiteX4" y="connsiteY4"/>
+              </a:cxn>
+              <a:cxn ang="0">
+                <a:pos x="connsiteX5" y="connsiteY5"/>
+              </a:cxn>
+              <a:cxn ang="0">
+                <a:pos x="connsiteX6" y="connsiteY6"/>
+              </a:cxn>
+              <a:cxn ang="0">
+                <a:pos x="connsiteX7" y="connsiteY7"/>
+              </a:cxn>
+            </a:cxnLst>
+            <a:rect l="l" t="t" r="r" b="b"/>
+            <a:pathLst>
+              <a:path w="14816097" h="9953254">
+                <a:moveTo>
+                  <a:pt x="4666612" y="0"/>
+                </a:moveTo>
+                <a:lnTo>
+                  <a:pt x="14816097" y="0"/>
+                </a:lnTo>
+                <a:lnTo>
+                  <a:pt x="14816097" y="9953253"/>
+                </a:lnTo>
+                <a:lnTo>
+                  <a:pt x="14816096" y="9953253"/>
+                </a:lnTo>
+                <a:lnTo>
+                  <a:pt x="14816096" y="9953254"/>
+                </a:lnTo>
+                <a:lnTo>
+                  <a:pt x="0" y="9953254"/>
+                </a:lnTo>
+                <a:lnTo>
+                  <a:pt x="0" y="3399805"/>
+                </a:lnTo>
+                <a:lnTo>
+                  <a:pt x="4666612" y="3399805"/>
+                </a:lnTo>
+                <a:close/>
+              </a:path>
+            </a:pathLst>
+          </a:custGeom>
+          <a:noFill/>
+          <a:ln w="9525">
+            <a:solidFill>
+              <a:schemeClr val="accent2"/>
+            </a:solidFill>
+            <a:miter lim="800000"/>
+            <a:headEnd/>
+            <a:tailEnd/>
+          </a:ln>
+          <a:extLst>
+            <a:ext uri="{909E8E84-426E-40DD-AFC4-6F175D3DCCD1}">
+              <a14:hiddenFill xmlns:a14="http://schemas.microsoft.com/office/drawing/2010/main">
+                <a:solidFill>
+                  <a:srgbClr val="FFFFFF"/>
+                </a:solidFill>
+              </a14:hiddenFill>
+            </a:ext>
+          </a:extLst>
+        </p:spPr>
+        <p:txBody>
+          <a:bodyPr wrap="square" lIns="120687" tIns="60343" rIns="120687" bIns="60343">
+            <a:noAutofit/>
+          </a:bodyPr>
+          <a:lstStyle>
+            <a:lvl1pPr marL="481013" indent="-481013" defTabSz="1279525" eaLnBrk="0" hangingPunct="0">
+              <a:defRPr kumimoji="1" sz="1600">
+                <a:solidFill>
+                  <a:schemeClr val="tx1"/>
+                </a:solidFill>
+                <a:latin typeface="Times New Roman" panose="02020603050405020304" pitchFamily="18" charset="0"/>
+                <a:ea typeface="ＭＳ Ｐゴシック" panose="020B0600070205080204" pitchFamily="34" charset="-128"/>
+              </a:defRPr>
+            </a:lvl1pPr>
+            <a:lvl2pPr marL="742950" indent="-285750" defTabSz="1279525" eaLnBrk="0" hangingPunct="0">
+              <a:defRPr kumimoji="1" sz="1600">
+                <a:solidFill>
+                  <a:schemeClr val="tx1"/>
+                </a:solidFill>
+                <a:latin typeface="Times New Roman" panose="02020603050405020304" pitchFamily="18" charset="0"/>
+                <a:ea typeface="ＭＳ Ｐゴシック" panose="020B0600070205080204" pitchFamily="34" charset="-128"/>
+              </a:defRPr>
+            </a:lvl2pPr>
+            <a:lvl3pPr marL="1143000" indent="-228600" defTabSz="1279525" eaLnBrk="0" hangingPunct="0">
+              <a:defRPr kumimoji="1" sz="1600">
+                <a:solidFill>
+                  <a:schemeClr val="tx1"/>
+                </a:solidFill>
+                <a:latin typeface="Times New Roman" panose="02020603050405020304" pitchFamily="18" charset="0"/>
+                <a:ea typeface="ＭＳ Ｐゴシック" panose="020B0600070205080204" pitchFamily="34" charset="-128"/>
+              </a:defRPr>
+            </a:lvl3pPr>
+            <a:lvl4pPr marL="1600200" indent="-228600" defTabSz="1279525" eaLnBrk="0" hangingPunct="0">
+              <a:defRPr kumimoji="1" sz="1600">
+                <a:solidFill>
+                  <a:schemeClr val="tx1"/>
+                </a:solidFill>
+                <a:latin typeface="Times New Roman" panose="02020603050405020304" pitchFamily="18" charset="0"/>
+                <a:ea typeface="ＭＳ Ｐゴシック" panose="020B0600070205080204" pitchFamily="34" charset="-128"/>
+              </a:defRPr>
+            </a:lvl4pPr>
+            <a:lvl5pPr marL="2057400" indent="-228600" defTabSz="1279525" eaLnBrk="0" hangingPunct="0">
+              <a:defRPr kumimoji="1" sz="1600">
+                <a:solidFill>
+                  <a:schemeClr val="tx1"/>
+                </a:solidFill>
+                <a:latin typeface="Times New Roman" panose="02020603050405020304" pitchFamily="18" charset="0"/>
+                <a:ea typeface="ＭＳ Ｐゴシック" panose="020B0600070205080204" pitchFamily="34" charset="-128"/>
+              </a:defRPr>
+            </a:lvl5pPr>
+            <a:lvl6pPr marL="2514600" indent="-228600" defTabSz="1279525" eaLnBrk="0" fontAlgn="base" hangingPunct="0">
+              <a:spcBef>
+                <a:spcPct val="0"/>
+              </a:spcBef>
+              <a:spcAft>
+                <a:spcPct val="0"/>
+              </a:spcAft>
+              <a:defRPr kumimoji="1" sz="1600">
+                <a:solidFill>
+                  <a:schemeClr val="tx1"/>
+                </a:solidFill>
+                <a:latin typeface="Times New Roman" panose="02020603050405020304" pitchFamily="18" charset="0"/>
+                <a:ea typeface="ＭＳ Ｐゴシック" panose="020B0600070205080204" pitchFamily="34" charset="-128"/>
+              </a:defRPr>
+            </a:lvl6pPr>
+            <a:lvl7pPr marL="2971800" indent="-228600" defTabSz="1279525" eaLnBrk="0" fontAlgn="base" hangingPunct="0">
+              <a:spcBef>
+                <a:spcPct val="0"/>
+              </a:spcBef>
+              <a:spcAft>
+                <a:spcPct val="0"/>
+              </a:spcAft>
+              <a:defRPr kumimoji="1" sz="1600">
+                <a:solidFill>
+                  <a:schemeClr val="tx1"/>
+                </a:solidFill>
+                <a:latin typeface="Times New Roman" panose="02020603050405020304" pitchFamily="18" charset="0"/>
+                <a:ea typeface="ＭＳ Ｐゴシック" panose="020B0600070205080204" pitchFamily="34" charset="-128"/>
+              </a:defRPr>
+            </a:lvl7pPr>
+            <a:lvl8pPr marL="3429000" indent="-228600" defTabSz="1279525" eaLnBrk="0" fontAlgn="base" hangingPunct="0">
+              <a:spcBef>
+                <a:spcPct val="0"/>
+              </a:spcBef>
+              <a:spcAft>
+                <a:spcPct val="0"/>
+              </a:spcAft>
+              <a:defRPr kumimoji="1" sz="1600">
+                <a:solidFill>
+                  <a:schemeClr val="tx1"/>
+                </a:solidFill>
+                <a:latin typeface="Times New Roman" panose="02020603050405020304" pitchFamily="18" charset="0"/>
+                <a:ea typeface="ＭＳ Ｐゴシック" panose="020B0600070205080204" pitchFamily="34" charset="-128"/>
+              </a:defRPr>
+            </a:lvl8pPr>
+            <a:lvl9pPr marL="3886200" indent="-228600" defTabSz="1279525" eaLnBrk="0" fontAlgn="base" hangingPunct="0">
+              <a:spcBef>
+                <a:spcPct val="0"/>
+              </a:spcBef>
+              <a:spcAft>
+                <a:spcPct val="0"/>
+              </a:spcAft>
+              <a:defRPr kumimoji="1" sz="1600">
+                <a:solidFill>
+                  <a:schemeClr val="tx1"/>
+                </a:solidFill>
+                <a:latin typeface="Times New Roman" panose="02020603050405020304" pitchFamily="18" charset="0"/>
+                <a:ea typeface="ＭＳ Ｐゴシック" panose="020B0600070205080204" pitchFamily="34" charset="-128"/>
+              </a:defRPr>
+            </a:lvl9pPr>
+          </a:lstStyle>
+          <a:p>
+            <a:pPr eaLnBrk="1" hangingPunct="1">
+              <a:lnSpc>
+                <a:spcPct val="80000"/>
+              </a:lnSpc>
+              <a:spcBef>
+                <a:spcPct val="20000"/>
+              </a:spcBef>
+            </a:pPr>
+            <a:r>
+              <a:rPr lang="ja-JP" altLang="en-US" sz="2000" dirty="0">
+                <a:solidFill>
+                  <a:srgbClr val="FF0000"/>
+                </a:solidFill>
+                <a:latin typeface="UD デジタル 教科書体 NP" panose="02020400000000000000" pitchFamily="18" charset="-128"/>
+                <a:ea typeface="UD デジタル 教科書体 NP" panose="02020400000000000000" pitchFamily="18" charset="-128"/>
+              </a:rPr>
+              <a:t>　　　　　　　　　　　　　　　　　　</a:t>
+            </a:r>
+            <a:r>
+              <a:rPr lang="en-US" altLang="ja-JP" sz="2000" dirty="0">
+                <a:solidFill>
+                  <a:srgbClr val="FF0000"/>
+                </a:solidFill>
+                <a:latin typeface="UD デジタル 教科書体 NP" panose="02020400000000000000" pitchFamily="18" charset="-128"/>
+                <a:ea typeface="UD デジタル 教科書体 NP" panose="02020400000000000000" pitchFamily="18" charset="-128"/>
+              </a:rPr>
+              <a:t>3-2. </a:t>
+            </a:r>
+            <a:r>
+              <a:rPr lang="ja-JP" altLang="en-US" sz="2000" dirty="0">
+                <a:solidFill>
+                  <a:srgbClr val="FF0000"/>
+                </a:solidFill>
+                <a:latin typeface="UD デジタル 教科書体 NP" panose="02020400000000000000" pitchFamily="18" charset="-128"/>
+                <a:ea typeface="UD デジタル 教科書体 NP" panose="02020400000000000000" pitchFamily="18" charset="-128"/>
+              </a:rPr>
+              <a:t>振舞い</a:t>
+            </a:r>
+          </a:p>
+          <a:p>
+            <a:pPr eaLnBrk="1" hangingPunct="1">
+              <a:lnSpc>
+                <a:spcPct val="80000"/>
+              </a:lnSpc>
+              <a:spcBef>
+                <a:spcPct val="20000"/>
+              </a:spcBef>
+            </a:pPr>
+            <a:r>
+              <a:rPr lang="ja-JP" altLang="en-US" sz="1400" dirty="0">
+                <a:latin typeface="UD デジタル 教科書体 NP" panose="02020400000000000000" pitchFamily="18" charset="-128"/>
+                <a:ea typeface="UD デジタル 教科書体 NP" panose="02020400000000000000" pitchFamily="18" charset="-128"/>
+              </a:rPr>
+              <a:t>　　　　　　　　　　　　　　　　　　　　　　　　　　</a:t>
+            </a:r>
+            <a:r>
+              <a:rPr lang="ja-JP" altLang="en-US" sz="1200" dirty="0">
+                <a:latin typeface="UD デジタル 教科書体 NP" panose="02020400000000000000" pitchFamily="18" charset="-128"/>
+                <a:ea typeface="UD デジタル 教科書体 NP" panose="02020400000000000000" pitchFamily="18" charset="-128"/>
+              </a:rPr>
+              <a:t>ダブルループにおける各クラスの振</a:t>
+            </a:r>
+            <a:endParaRPr lang="en-US" altLang="ja-JP" sz="1200" dirty="0">
+              <a:latin typeface="UD デジタル 教科書体 NP" panose="02020400000000000000" pitchFamily="18" charset="-128"/>
+              <a:ea typeface="UD デジタル 教科書体 NP" panose="02020400000000000000" pitchFamily="18" charset="-128"/>
+            </a:endParaRPr>
+          </a:p>
+          <a:p>
+            <a:pPr eaLnBrk="1" hangingPunct="1">
+              <a:lnSpc>
+                <a:spcPct val="80000"/>
+              </a:lnSpc>
+              <a:spcBef>
+                <a:spcPct val="20000"/>
+              </a:spcBef>
+            </a:pPr>
+            <a:r>
+              <a:rPr lang="ja-JP" altLang="en-US" sz="1200" dirty="0">
+                <a:latin typeface="UD デジタル 教科書体 NP" panose="02020400000000000000" pitchFamily="18" charset="-128"/>
+                <a:ea typeface="UD デジタル 教科書体 NP" panose="02020400000000000000" pitchFamily="18" charset="-128"/>
+              </a:rPr>
+              <a:t>　　　　　　　　　　　　　　　　　　　　　　　　　　　　　　舞いについて、図</a:t>
+            </a:r>
+            <a:r>
+              <a:rPr lang="en-US" altLang="ja-JP" sz="1200" dirty="0">
+                <a:latin typeface="UD デジタル 教科書体 NP" panose="02020400000000000000" pitchFamily="18" charset="-128"/>
+                <a:ea typeface="UD デジタル 教科書体 NP" panose="02020400000000000000" pitchFamily="18" charset="-128"/>
+              </a:rPr>
+              <a:t>3.2</a:t>
+            </a:r>
+            <a:r>
+              <a:rPr lang="ja-JP" altLang="en-US" sz="1200" dirty="0">
+                <a:latin typeface="UD デジタル 教科書体 NP" panose="02020400000000000000" pitchFamily="18" charset="-128"/>
+                <a:ea typeface="UD デジタル 教科書体 NP" panose="02020400000000000000" pitchFamily="18" charset="-128"/>
+              </a:rPr>
+              <a:t>～図</a:t>
+            </a:r>
+            <a:r>
+              <a:rPr lang="en-US" altLang="ja-JP" sz="1200" dirty="0">
+                <a:latin typeface="UD デジタル 教科書体 NP" panose="02020400000000000000" pitchFamily="18" charset="-128"/>
+                <a:ea typeface="UD デジタル 教科書体 NP" panose="02020400000000000000" pitchFamily="18" charset="-128"/>
+              </a:rPr>
+              <a:t>3.10</a:t>
+            </a:r>
+            <a:r>
+              <a:rPr lang="ja-JP" altLang="en-US" sz="1200" dirty="0">
+                <a:latin typeface="UD デジタル 教科書体 NP" panose="02020400000000000000" pitchFamily="18" charset="-128"/>
+                <a:ea typeface="UD デジタル 教科書体 NP" panose="02020400000000000000" pitchFamily="18" charset="-128"/>
+              </a:rPr>
+              <a:t>に示</a:t>
+            </a:r>
+            <a:endParaRPr lang="en-US" altLang="ja-JP" sz="1200" dirty="0">
+              <a:latin typeface="UD デジタル 教科書体 NP" panose="02020400000000000000" pitchFamily="18" charset="-128"/>
+              <a:ea typeface="UD デジタル 教科書体 NP" panose="02020400000000000000" pitchFamily="18" charset="-128"/>
+            </a:endParaRPr>
+          </a:p>
+          <a:p>
+            <a:pPr eaLnBrk="1" hangingPunct="1">
+              <a:lnSpc>
+                <a:spcPct val="80000"/>
+              </a:lnSpc>
+              <a:spcBef>
+                <a:spcPct val="20000"/>
+              </a:spcBef>
+            </a:pPr>
+            <a:r>
+              <a:rPr lang="ja-JP" altLang="en-US" sz="1200" dirty="0">
+                <a:latin typeface="UD デジタル 教科書体 NP" panose="02020400000000000000" pitchFamily="18" charset="-128"/>
+                <a:ea typeface="UD デジタル 教科書体 NP" panose="02020400000000000000" pitchFamily="18" charset="-128"/>
+              </a:rPr>
+              <a:t>　　　　　　　　　　　　　　　　　　　　　　　　　　　　　　した。</a:t>
+            </a:r>
+            <a:endParaRPr lang="en-US" altLang="ja-JP" sz="1200" dirty="0">
+              <a:latin typeface="UD デジタル 教科書体 NP" panose="02020400000000000000" pitchFamily="18" charset="-128"/>
+              <a:ea typeface="UD デジタル 教科書体 NP" panose="02020400000000000000" pitchFamily="18" charset="-128"/>
+            </a:endParaRPr>
+          </a:p>
+          <a:p>
+            <a:pPr eaLnBrk="1" hangingPunct="1">
+              <a:lnSpc>
+                <a:spcPct val="80000"/>
+              </a:lnSpc>
+              <a:spcBef>
+                <a:spcPct val="20000"/>
+              </a:spcBef>
+            </a:pPr>
+            <a:r>
+              <a:rPr lang="ja-JP" altLang="en-US" sz="1200" dirty="0">
+                <a:latin typeface="UD デジタル 教科書体 NP" panose="02020400000000000000" pitchFamily="18" charset="-128"/>
+                <a:ea typeface="UD デジタル 教科書体 NP" panose="02020400000000000000" pitchFamily="18" charset="-128"/>
+              </a:rPr>
+              <a:t>　　　　　　　　　　　　　　　　　　　　　　　　　　　　　　その際、バーチャル運転手の振舞い</a:t>
+            </a:r>
+            <a:endParaRPr lang="en-US" altLang="ja-JP" sz="1200" dirty="0">
+              <a:latin typeface="UD デジタル 教科書体 NP" panose="02020400000000000000" pitchFamily="18" charset="-128"/>
+              <a:ea typeface="UD デジタル 教科書体 NP" panose="02020400000000000000" pitchFamily="18" charset="-128"/>
+            </a:endParaRPr>
+          </a:p>
+          <a:p>
+            <a:pPr eaLnBrk="1" hangingPunct="1">
+              <a:lnSpc>
+                <a:spcPct val="80000"/>
+              </a:lnSpc>
+              <a:spcBef>
+                <a:spcPct val="20000"/>
+              </a:spcBef>
+            </a:pPr>
+            <a:r>
+              <a:rPr lang="ja-JP" altLang="en-US" sz="1200" dirty="0">
+                <a:latin typeface="UD デジタル 教科書体 NP" panose="02020400000000000000" pitchFamily="18" charset="-128"/>
+                <a:ea typeface="UD デジタル 教科書体 NP" panose="02020400000000000000" pitchFamily="18" charset="-128"/>
+              </a:rPr>
+              <a:t>　　　　　　　　　　　　　　　　　　　　　　　　　　　　　　を図</a:t>
+            </a:r>
+            <a:r>
+              <a:rPr lang="en-US" altLang="ja-JP" sz="1200" dirty="0">
+                <a:latin typeface="UD デジタル 教科書体 NP" panose="02020400000000000000" pitchFamily="18" charset="-128"/>
+                <a:ea typeface="UD デジタル 教科書体 NP" panose="02020400000000000000" pitchFamily="18" charset="-128"/>
+              </a:rPr>
+              <a:t>3.2</a:t>
+            </a:r>
+            <a:r>
+              <a:rPr lang="ja-JP" altLang="en-US" sz="1200" dirty="0">
+                <a:latin typeface="UD デジタル 教科書体 NP" panose="02020400000000000000" pitchFamily="18" charset="-128"/>
+                <a:ea typeface="UD デジタル 教科書体 NP" panose="02020400000000000000" pitchFamily="18" charset="-128"/>
+              </a:rPr>
+              <a:t>～図</a:t>
+            </a:r>
+            <a:r>
+              <a:rPr lang="en-US" altLang="ja-JP" sz="1200" dirty="0">
+                <a:latin typeface="UD デジタル 教科書体 NP" panose="02020400000000000000" pitchFamily="18" charset="-128"/>
+                <a:ea typeface="UD デジタル 教科書体 NP" panose="02020400000000000000" pitchFamily="18" charset="-128"/>
+              </a:rPr>
+              <a:t>3.6</a:t>
+            </a:r>
+            <a:r>
+              <a:rPr lang="ja-JP" altLang="en-US" sz="1200" dirty="0">
+                <a:latin typeface="UD デジタル 教科書体 NP" panose="02020400000000000000" pitchFamily="18" charset="-128"/>
+                <a:ea typeface="UD デジタル 教科書体 NP" panose="02020400000000000000" pitchFamily="18" charset="-128"/>
+              </a:rPr>
+              <a:t>に、走行システムの</a:t>
+            </a:r>
+            <a:endParaRPr lang="en-US" altLang="ja-JP" sz="1200" dirty="0">
+              <a:latin typeface="UD デジタル 教科書体 NP" panose="02020400000000000000" pitchFamily="18" charset="-128"/>
+              <a:ea typeface="UD デジタル 教科書体 NP" panose="02020400000000000000" pitchFamily="18" charset="-128"/>
+            </a:endParaRPr>
+          </a:p>
+          <a:p>
+            <a:pPr eaLnBrk="1" hangingPunct="1">
+              <a:lnSpc>
+                <a:spcPct val="80000"/>
+              </a:lnSpc>
+              <a:spcBef>
+                <a:spcPct val="20000"/>
+              </a:spcBef>
+            </a:pPr>
+            <a:r>
+              <a:rPr lang="ja-JP" altLang="en-US" sz="1200" dirty="0">
+                <a:latin typeface="UD デジタル 教科書体 NP" panose="02020400000000000000" pitchFamily="18" charset="-128"/>
+                <a:ea typeface="UD デジタル 教科書体 NP" panose="02020400000000000000" pitchFamily="18" charset="-128"/>
+              </a:rPr>
+              <a:t>　　　　　　　　　　　　　　　　　　　　　　　　　　　　　　振舞いを図</a:t>
+            </a:r>
+            <a:r>
+              <a:rPr lang="en-US" altLang="ja-JP" sz="1200" dirty="0">
+                <a:latin typeface="UD デジタル 教科書体 NP" panose="02020400000000000000" pitchFamily="18" charset="-128"/>
+                <a:ea typeface="UD デジタル 教科書体 NP" panose="02020400000000000000" pitchFamily="18" charset="-128"/>
+              </a:rPr>
+              <a:t>3.7</a:t>
+            </a:r>
+            <a:r>
+              <a:rPr lang="ja-JP" altLang="en-US" sz="1200" dirty="0">
+                <a:latin typeface="UD デジタル 教科書体 NP" panose="02020400000000000000" pitchFamily="18" charset="-128"/>
+                <a:ea typeface="UD デジタル 教科書体 NP" panose="02020400000000000000" pitchFamily="18" charset="-128"/>
+              </a:rPr>
+              <a:t>～図</a:t>
+            </a:r>
+            <a:r>
+              <a:rPr lang="en-US" altLang="ja-JP" sz="1200" dirty="0">
+                <a:latin typeface="UD デジタル 教科書体 NP" panose="02020400000000000000" pitchFamily="18" charset="-128"/>
+                <a:ea typeface="UD デジタル 教科書体 NP" panose="02020400000000000000" pitchFamily="18" charset="-128"/>
+              </a:rPr>
+              <a:t>3.10</a:t>
+            </a:r>
+            <a:r>
+              <a:rPr lang="ja-JP" altLang="en-US" sz="1200" dirty="0">
+                <a:latin typeface="UD デジタル 教科書体 NP" panose="02020400000000000000" pitchFamily="18" charset="-128"/>
+                <a:ea typeface="UD デジタル 教科書体 NP" panose="02020400000000000000" pitchFamily="18" charset="-128"/>
+              </a:rPr>
+              <a:t>に分割して</a:t>
+            </a:r>
+            <a:endParaRPr lang="en-US" altLang="ja-JP" sz="1200" dirty="0">
+              <a:latin typeface="UD デジタル 教科書体 NP" panose="02020400000000000000" pitchFamily="18" charset="-128"/>
+              <a:ea typeface="UD デジタル 教科書体 NP" panose="02020400000000000000" pitchFamily="18" charset="-128"/>
+            </a:endParaRPr>
+          </a:p>
+          <a:p>
+            <a:pPr eaLnBrk="1" hangingPunct="1">
+              <a:lnSpc>
+                <a:spcPct val="80000"/>
+              </a:lnSpc>
+              <a:spcBef>
+                <a:spcPct val="20000"/>
+              </a:spcBef>
+            </a:pPr>
+            <a:r>
+              <a:rPr lang="ja-JP" altLang="en-US" sz="1200" dirty="0">
+                <a:latin typeface="UD デジタル 教科書体 NP" panose="02020400000000000000" pitchFamily="18" charset="-128"/>
+                <a:ea typeface="UD デジタル 教科書体 NP" panose="02020400000000000000" pitchFamily="18" charset="-128"/>
+              </a:rPr>
+              <a:t>　　　　　　　　　　　　　　　　　　　　　　　　　　　　　　整理した。</a:t>
+            </a:r>
+            <a:endParaRPr lang="en-US" altLang="ja-JP" sz="1200" dirty="0">
+              <a:latin typeface="UD デジタル 教科書体 NP" panose="02020400000000000000" pitchFamily="18" charset="-128"/>
+              <a:ea typeface="UD デジタル 教科書体 NP" panose="02020400000000000000" pitchFamily="18" charset="-128"/>
+            </a:endParaRPr>
+          </a:p>
+          <a:p>
+            <a:pPr eaLnBrk="1" hangingPunct="1">
+              <a:lnSpc>
+                <a:spcPct val="80000"/>
+              </a:lnSpc>
+              <a:spcBef>
+                <a:spcPct val="20000"/>
+              </a:spcBef>
+            </a:pPr>
+            <a:r>
+              <a:rPr lang="ja-JP" altLang="en-US" sz="1200" dirty="0">
+                <a:latin typeface="UD デジタル 教科書体 NP" panose="02020400000000000000" pitchFamily="18" charset="-128"/>
+                <a:ea typeface="UD デジタル 教科書体 NP" panose="02020400000000000000" pitchFamily="18" charset="-128"/>
+              </a:rPr>
+              <a:t>　　　　　　　　　　　　　　　　　　　　　　　　　　　　　　また、各図には</a:t>
+            </a:r>
+            <a:r>
+              <a:rPr lang="en-US" altLang="ja-JP" sz="1200" dirty="0">
+                <a:latin typeface="UD デジタル 教科書体 NP" panose="02020400000000000000" pitchFamily="18" charset="-128"/>
+                <a:ea typeface="UD デジタル 教科書体 NP" panose="02020400000000000000" pitchFamily="18" charset="-128"/>
+              </a:rPr>
+              <a:t>ID</a:t>
+            </a:r>
+            <a:r>
+              <a:rPr lang="ja-JP" altLang="en-US" sz="1200" dirty="0">
+                <a:latin typeface="UD デジタル 教科書体 NP" panose="02020400000000000000" pitchFamily="18" charset="-128"/>
+                <a:ea typeface="UD デジタル 教科書体 NP" panose="02020400000000000000" pitchFamily="18" charset="-128"/>
+              </a:rPr>
+              <a:t>を採番しており、</a:t>
+            </a:r>
+            <a:endParaRPr lang="en-US" altLang="ja-JP" sz="1200" dirty="0">
+              <a:latin typeface="UD デジタル 教科書体 NP" panose="02020400000000000000" pitchFamily="18" charset="-128"/>
+              <a:ea typeface="UD デジタル 教科書体 NP" panose="02020400000000000000" pitchFamily="18" charset="-128"/>
+            </a:endParaRPr>
+          </a:p>
+          <a:p>
+            <a:pPr eaLnBrk="1" hangingPunct="1">
+              <a:lnSpc>
+                <a:spcPct val="80000"/>
+              </a:lnSpc>
+              <a:spcBef>
+                <a:spcPct val="20000"/>
+              </a:spcBef>
+            </a:pPr>
+            <a:r>
+              <a:rPr lang="ja-JP" altLang="en-US" sz="1200" dirty="0">
+                <a:latin typeface="UD デジタル 教科書体 NP" panose="02020400000000000000" pitchFamily="18" charset="-128"/>
+                <a:ea typeface="UD デジタル 教科書体 NP" panose="02020400000000000000" pitchFamily="18" charset="-128"/>
+              </a:rPr>
+              <a:t>　　　　　　　　　　　　　　　　　　　　　　　　　　　　　　参照を表現する際は</a:t>
+            </a:r>
+            <a:r>
+              <a:rPr lang="en-US" altLang="ja-JP" sz="1200" dirty="0">
+                <a:latin typeface="UD デジタル 教科書体 NP" panose="02020400000000000000" pitchFamily="18" charset="-128"/>
+                <a:ea typeface="UD デジタル 教科書体 NP" panose="02020400000000000000" pitchFamily="18" charset="-128"/>
+              </a:rPr>
+              <a:t>ID</a:t>
+            </a:r>
+            <a:r>
+              <a:rPr lang="ja-JP" altLang="en-US" sz="1200" dirty="0">
+                <a:latin typeface="UD デジタル 教科書体 NP" panose="02020400000000000000" pitchFamily="18" charset="-128"/>
+                <a:ea typeface="UD デジタル 教科書体 NP" panose="02020400000000000000" pitchFamily="18" charset="-128"/>
+              </a:rPr>
+              <a:t>を利用すること</a:t>
+            </a:r>
+            <a:endParaRPr lang="en-US" altLang="ja-JP" sz="1200" dirty="0">
+              <a:latin typeface="UD デジタル 教科書体 NP" panose="02020400000000000000" pitchFamily="18" charset="-128"/>
+              <a:ea typeface="UD デジタル 教科書体 NP" panose="02020400000000000000" pitchFamily="18" charset="-128"/>
+            </a:endParaRPr>
+          </a:p>
+          <a:p>
+            <a:pPr eaLnBrk="1" hangingPunct="1">
+              <a:lnSpc>
+                <a:spcPct val="80000"/>
+              </a:lnSpc>
+              <a:spcBef>
+                <a:spcPct val="20000"/>
+              </a:spcBef>
+            </a:pPr>
+            <a:r>
+              <a:rPr lang="ja-JP" altLang="en-US" sz="1200" dirty="0">
+                <a:latin typeface="UD デジタル 教科書体 NP" panose="02020400000000000000" pitchFamily="18" charset="-128"/>
+                <a:ea typeface="UD デジタル 教科書体 NP" panose="02020400000000000000" pitchFamily="18" charset="-128"/>
+              </a:rPr>
+              <a:t>　　　　　　　　　　　　　　　　　　　　　　　　　　　　　　とする。</a:t>
+            </a:r>
+            <a:endParaRPr lang="en-US" altLang="ja-JP" sz="1200" dirty="0">
+              <a:latin typeface="UD デジタル 教科書体 NP" panose="02020400000000000000" pitchFamily="18" charset="-128"/>
+              <a:ea typeface="UD デジタル 教科書体 NP" panose="02020400000000000000" pitchFamily="18" charset="-128"/>
+            </a:endParaRPr>
+          </a:p>
+          <a:p>
+            <a:pPr eaLnBrk="1" hangingPunct="1">
+              <a:lnSpc>
+                <a:spcPct val="80000"/>
+              </a:lnSpc>
+              <a:spcBef>
+                <a:spcPct val="20000"/>
+              </a:spcBef>
+            </a:pPr>
+            <a:r>
+              <a:rPr lang="ja-JP" altLang="en-US" sz="1200" dirty="0">
+                <a:latin typeface="UD デジタル 教科書体 NP" panose="02020400000000000000" pitchFamily="18" charset="-128"/>
+                <a:ea typeface="UD デジタル 教科書体 NP" panose="02020400000000000000" pitchFamily="18" charset="-128"/>
+              </a:rPr>
+              <a:t>　　　　　　　　　　　　　　　　　　　　　　　　　　　　　　</a:t>
+            </a:r>
+            <a:endParaRPr lang="en-US" altLang="ja-JP" sz="1200" dirty="0">
+              <a:latin typeface="UD デジタル 教科書体 NP" panose="02020400000000000000" pitchFamily="18" charset="-128"/>
+              <a:ea typeface="UD デジタル 教科書体 NP" panose="02020400000000000000" pitchFamily="18" charset="-128"/>
+            </a:endParaRPr>
+          </a:p>
+          <a:p>
+            <a:pPr eaLnBrk="1" hangingPunct="1">
+              <a:lnSpc>
+                <a:spcPct val="80000"/>
+              </a:lnSpc>
+              <a:spcBef>
+                <a:spcPct val="20000"/>
+              </a:spcBef>
+            </a:pPr>
+            <a:endParaRPr lang="en-US" altLang="ja-JP" sz="1200" dirty="0">
+              <a:latin typeface="UD デジタル 教科書体 NP" panose="02020400000000000000" pitchFamily="18" charset="-128"/>
+              <a:ea typeface="UD デジタル 教科書体 NP" panose="02020400000000000000" pitchFamily="18" charset="-128"/>
+            </a:endParaRPr>
+          </a:p>
+        </p:txBody>
+      </p:sp>
+      <p:pic>
+        <p:nvPicPr>
+          <p:cNvPr id="44" name="図 43">
+            <a:extLst>
+              <a:ext uri="{FF2B5EF4-FFF2-40B4-BE49-F238E27FC236}">
+                <a16:creationId xmlns:a16="http://schemas.microsoft.com/office/drawing/2014/main" id="{D4310BC7-F045-163A-ACA3-3EF504D92540}"/>
+              </a:ext>
+            </a:extLst>
+          </p:cNvPr>
+          <p:cNvPicPr>
+            <a:picLocks noChangeAspect="1"/>
+          </p:cNvPicPr>
+          <p:nvPr/>
+        </p:nvPicPr>
+        <p:blipFill>
+          <a:blip r:embed="rId7"/>
+          <a:stretch>
+            <a:fillRect/>
+          </a:stretch>
+        </p:blipFill>
+        <p:spPr>
+          <a:xfrm>
+            <a:off x="7487667" y="678225"/>
+            <a:ext cx="2716211" cy="3607577"/>
+          </a:xfrm>
+          <a:prstGeom prst="rect">
+            <a:avLst/>
+          </a:prstGeom>
+        </p:spPr>
+      </p:pic>
+      <p:pic>
+        <p:nvPicPr>
+          <p:cNvPr id="48" name="図 47">
+            <a:extLst>
+              <a:ext uri="{FF2B5EF4-FFF2-40B4-BE49-F238E27FC236}">
+                <a16:creationId xmlns:a16="http://schemas.microsoft.com/office/drawing/2014/main" id="{63DA94B2-0F5C-8FED-272C-D43E82BB21EC}"/>
+              </a:ext>
+            </a:extLst>
+          </p:cNvPr>
+          <p:cNvPicPr>
+            <a:picLocks noChangeAspect="1"/>
+          </p:cNvPicPr>
+          <p:nvPr/>
+        </p:nvPicPr>
+        <p:blipFill>
+          <a:blip r:embed="rId8"/>
+          <a:stretch>
+            <a:fillRect/>
+          </a:stretch>
+        </p:blipFill>
+        <p:spPr>
+          <a:xfrm>
+            <a:off x="10305471" y="665386"/>
+            <a:ext cx="4599020" cy="1803538"/>
+          </a:xfrm>
+          <a:prstGeom prst="rect">
+            <a:avLst/>
+          </a:prstGeom>
+        </p:spPr>
+      </p:pic>
+      <p:pic>
+        <p:nvPicPr>
+          <p:cNvPr id="62" name="図 61">
+            <a:extLst>
+              <a:ext uri="{FF2B5EF4-FFF2-40B4-BE49-F238E27FC236}">
+                <a16:creationId xmlns:a16="http://schemas.microsoft.com/office/drawing/2014/main" id="{92061A3D-E79D-4362-4F21-3B5F8D7623A6}"/>
+              </a:ext>
+            </a:extLst>
+          </p:cNvPr>
+          <p:cNvPicPr>
+            <a:picLocks noChangeAspect="1"/>
+          </p:cNvPicPr>
+          <p:nvPr/>
+        </p:nvPicPr>
+        <p:blipFill>
+          <a:blip r:embed="rId9"/>
+          <a:stretch>
+            <a:fillRect/>
+          </a:stretch>
+        </p:blipFill>
+        <p:spPr>
+          <a:xfrm>
+            <a:off x="10305470" y="2697312"/>
+            <a:ext cx="4602163" cy="1496466"/>
+          </a:xfrm>
+          <a:prstGeom prst="rect">
+            <a:avLst/>
+          </a:prstGeom>
+        </p:spPr>
+      </p:pic>
+      <p:sp>
+        <p:nvSpPr>
+          <p:cNvPr id="64" name="テキスト ボックス 63">
+            <a:extLst>
+              <a:ext uri="{FF2B5EF4-FFF2-40B4-BE49-F238E27FC236}">
+                <a16:creationId xmlns:a16="http://schemas.microsoft.com/office/drawing/2014/main" id="{82FFDF18-C914-57AC-140E-35FC6F9800F6}"/>
+              </a:ext>
+            </a:extLst>
+          </p:cNvPr>
+          <p:cNvSpPr txBox="1"/>
+          <p:nvPr/>
+        </p:nvSpPr>
+        <p:spPr>
+          <a:xfrm>
+            <a:off x="7343651" y="4197117"/>
+            <a:ext cx="3015274" cy="284693"/>
+          </a:xfrm>
+          <a:prstGeom prst="rect">
+            <a:avLst/>
+          </a:prstGeom>
+          <a:noFill/>
+        </p:spPr>
+        <p:txBody>
+          <a:bodyPr wrap="square" rtlCol="0">
+            <a:spAutoFit/>
+          </a:bodyPr>
+          <a:lstStyle/>
+          <a:p>
+            <a:r>
+              <a:rPr kumimoji="1" lang="ja-JP" altLang="en-US" sz="1250" dirty="0">
+                <a:latin typeface="BIZ UDPゴシック" panose="020B0400000000000000" pitchFamily="50" charset="-128"/>
+                <a:ea typeface="BIZ UDPゴシック" panose="020B0400000000000000" pitchFamily="50" charset="-128"/>
+              </a:rPr>
+              <a:t>図</a:t>
+            </a:r>
+            <a:r>
+              <a:rPr kumimoji="1" lang="en-US" altLang="ja-JP" sz="1250" dirty="0">
+                <a:latin typeface="BIZ UDPゴシック" panose="020B0400000000000000" pitchFamily="50" charset="-128"/>
+                <a:ea typeface="BIZ UDPゴシック" panose="020B0400000000000000" pitchFamily="50" charset="-128"/>
+              </a:rPr>
+              <a:t>3.2</a:t>
+            </a:r>
+            <a:r>
+              <a:rPr lang="ja-JP" altLang="en-US" sz="1250" dirty="0">
+                <a:latin typeface="BIZ UDPゴシック" panose="020B0400000000000000" pitchFamily="50" charset="-128"/>
+                <a:ea typeface="BIZ UDPゴシック" panose="020B0400000000000000" pitchFamily="50" charset="-128"/>
+              </a:rPr>
+              <a:t> ダブルループ攻略</a:t>
+            </a:r>
+            <a:r>
+              <a:rPr lang="en-US" altLang="ja-JP" sz="1250" dirty="0">
+                <a:latin typeface="BIZ UDPゴシック" panose="020B0400000000000000" pitchFamily="50" charset="-128"/>
+                <a:ea typeface="BIZ UDPゴシック" panose="020B0400000000000000" pitchFamily="50" charset="-128"/>
+              </a:rPr>
+              <a:t>(</a:t>
+            </a:r>
+            <a:r>
+              <a:rPr lang="ja-JP" altLang="en-US" sz="1250" dirty="0">
+                <a:latin typeface="BIZ UDPゴシック" panose="020B0400000000000000" pitchFamily="50" charset="-128"/>
+                <a:ea typeface="BIZ UDPゴシック" panose="020B0400000000000000" pitchFamily="50" charset="-128"/>
+              </a:rPr>
+              <a:t>シーケンス図</a:t>
+            </a:r>
+            <a:r>
+              <a:rPr lang="en-US" altLang="ja-JP" sz="1250" dirty="0">
+                <a:latin typeface="BIZ UDPゴシック" panose="020B0400000000000000" pitchFamily="50" charset="-128"/>
+                <a:ea typeface="BIZ UDPゴシック" panose="020B0400000000000000" pitchFamily="50" charset="-128"/>
+              </a:rPr>
+              <a:t>)</a:t>
+            </a:r>
+            <a:endParaRPr kumimoji="1" lang="ja-JP" altLang="en-US" sz="1200" dirty="0">
+              <a:latin typeface="BIZ UDPゴシック" panose="020B0400000000000000" pitchFamily="50" charset="-128"/>
+              <a:ea typeface="BIZ UDPゴシック" panose="020B0400000000000000" pitchFamily="50" charset="-128"/>
+            </a:endParaRPr>
+          </a:p>
+        </p:txBody>
+      </p:sp>
+      <p:sp>
+        <p:nvSpPr>
+          <p:cNvPr id="67" name="テキスト ボックス 66">
+            <a:extLst>
+              <a:ext uri="{FF2B5EF4-FFF2-40B4-BE49-F238E27FC236}">
+                <a16:creationId xmlns:a16="http://schemas.microsoft.com/office/drawing/2014/main" id="{0B29F00F-CF7E-40B4-AAAC-F0BAED7C1500}"/>
+              </a:ext>
+            </a:extLst>
+          </p:cNvPr>
+          <p:cNvSpPr txBox="1"/>
+          <p:nvPr/>
+        </p:nvSpPr>
+        <p:spPr>
+          <a:xfrm>
+            <a:off x="10881849" y="4152884"/>
+            <a:ext cx="3753046" cy="284693"/>
+          </a:xfrm>
+          <a:prstGeom prst="rect">
+            <a:avLst/>
+          </a:prstGeom>
+          <a:noFill/>
+        </p:spPr>
+        <p:txBody>
+          <a:bodyPr wrap="square" rtlCol="0">
+            <a:spAutoFit/>
+          </a:bodyPr>
+          <a:lstStyle/>
+          <a:p>
+            <a:r>
+              <a:rPr kumimoji="1" lang="ja-JP" altLang="en-US" sz="1250" dirty="0">
+                <a:latin typeface="BIZ UDPゴシック" panose="020B0400000000000000" pitchFamily="50" charset="-128"/>
+                <a:ea typeface="BIZ UDPゴシック" panose="020B0400000000000000" pitchFamily="50" charset="-128"/>
+              </a:rPr>
+              <a:t>図</a:t>
+            </a:r>
+            <a:r>
+              <a:rPr kumimoji="1" lang="en-US" altLang="ja-JP" sz="1250" dirty="0">
+                <a:latin typeface="BIZ UDPゴシック" panose="020B0400000000000000" pitchFamily="50" charset="-128"/>
+                <a:ea typeface="BIZ UDPゴシック" panose="020B0400000000000000" pitchFamily="50" charset="-128"/>
+              </a:rPr>
+              <a:t>3.4</a:t>
+            </a:r>
+            <a:r>
+              <a:rPr lang="ja-JP" altLang="en-US" sz="1250" dirty="0">
+                <a:latin typeface="BIZ UDPゴシック" panose="020B0400000000000000" pitchFamily="50" charset="-128"/>
+                <a:ea typeface="BIZ UDPゴシック" panose="020B0400000000000000" pitchFamily="50" charset="-128"/>
+              </a:rPr>
+              <a:t> 進路決定アクションの振舞い</a:t>
+            </a:r>
+            <a:r>
+              <a:rPr lang="en-US" altLang="ja-JP" sz="1250" dirty="0">
+                <a:latin typeface="BIZ UDPゴシック" panose="020B0400000000000000" pitchFamily="50" charset="-128"/>
+                <a:ea typeface="BIZ UDPゴシック" panose="020B0400000000000000" pitchFamily="50" charset="-128"/>
+              </a:rPr>
+              <a:t>(</a:t>
+            </a:r>
+            <a:r>
+              <a:rPr lang="ja-JP" altLang="en-US" sz="1250" dirty="0">
+                <a:latin typeface="BIZ UDPゴシック" panose="020B0400000000000000" pitchFamily="50" charset="-128"/>
+                <a:ea typeface="BIZ UDPゴシック" panose="020B0400000000000000" pitchFamily="50" charset="-128"/>
+              </a:rPr>
+              <a:t>シーケンス図</a:t>
+            </a:r>
+            <a:r>
+              <a:rPr lang="en-US" altLang="ja-JP" sz="1250" dirty="0">
+                <a:latin typeface="BIZ UDPゴシック" panose="020B0400000000000000" pitchFamily="50" charset="-128"/>
+                <a:ea typeface="BIZ UDPゴシック" panose="020B0400000000000000" pitchFamily="50" charset="-128"/>
+              </a:rPr>
+              <a:t>)</a:t>
+            </a:r>
+            <a:endParaRPr kumimoji="1" lang="ja-JP" altLang="en-US" sz="1200" dirty="0">
+              <a:latin typeface="BIZ UDPゴシック" panose="020B0400000000000000" pitchFamily="50" charset="-128"/>
+              <a:ea typeface="BIZ UDPゴシック" panose="020B0400000000000000" pitchFamily="50" charset="-128"/>
+            </a:endParaRPr>
+          </a:p>
+        </p:txBody>
+      </p:sp>
+      <p:sp>
+        <p:nvSpPr>
+          <p:cNvPr id="68" name="テキスト ボックス 67">
+            <a:extLst>
+              <a:ext uri="{FF2B5EF4-FFF2-40B4-BE49-F238E27FC236}">
+                <a16:creationId xmlns:a16="http://schemas.microsoft.com/office/drawing/2014/main" id="{90B64CA5-F437-55AE-EE56-FFD9FD2A6B69}"/>
+              </a:ext>
+            </a:extLst>
+          </p:cNvPr>
+          <p:cNvSpPr txBox="1"/>
+          <p:nvPr/>
+        </p:nvSpPr>
+        <p:spPr>
+          <a:xfrm>
+            <a:off x="10798559" y="2393578"/>
+            <a:ext cx="3919625" cy="284693"/>
+          </a:xfrm>
+          <a:prstGeom prst="rect">
+            <a:avLst/>
+          </a:prstGeom>
+          <a:noFill/>
+        </p:spPr>
+        <p:txBody>
+          <a:bodyPr wrap="square" rtlCol="0">
+            <a:spAutoFit/>
+          </a:bodyPr>
+          <a:lstStyle/>
+          <a:p>
+            <a:r>
+              <a:rPr kumimoji="1" lang="ja-JP" altLang="en-US" sz="1250" dirty="0">
+                <a:latin typeface="BIZ UDPゴシック" panose="020B0400000000000000" pitchFamily="50" charset="-128"/>
+                <a:ea typeface="BIZ UDPゴシック" panose="020B0400000000000000" pitchFamily="50" charset="-128"/>
+              </a:rPr>
+              <a:t>図</a:t>
+            </a:r>
+            <a:r>
+              <a:rPr kumimoji="1" lang="en-US" altLang="ja-JP" sz="1250" dirty="0">
+                <a:latin typeface="BIZ UDPゴシック" panose="020B0400000000000000" pitchFamily="50" charset="-128"/>
+                <a:ea typeface="BIZ UDPゴシック" panose="020B0400000000000000" pitchFamily="50" charset="-128"/>
+              </a:rPr>
+              <a:t>3.3</a:t>
+            </a:r>
+            <a:r>
+              <a:rPr lang="ja-JP" altLang="en-US" sz="1250" dirty="0">
+                <a:latin typeface="BIZ UDPゴシック" panose="020B0400000000000000" pitchFamily="50" charset="-128"/>
+                <a:ea typeface="BIZ UDPゴシック" panose="020B0400000000000000" pitchFamily="50" charset="-128"/>
+              </a:rPr>
+              <a:t> マップ記憶アクションの振舞い</a:t>
+            </a:r>
+            <a:r>
+              <a:rPr lang="en-US" altLang="ja-JP" sz="1250" dirty="0">
+                <a:latin typeface="BIZ UDPゴシック" panose="020B0400000000000000" pitchFamily="50" charset="-128"/>
+                <a:ea typeface="BIZ UDPゴシック" panose="020B0400000000000000" pitchFamily="50" charset="-128"/>
+              </a:rPr>
+              <a:t>(</a:t>
+            </a:r>
+            <a:r>
+              <a:rPr lang="ja-JP" altLang="en-US" sz="1250" dirty="0">
+                <a:latin typeface="BIZ UDPゴシック" panose="020B0400000000000000" pitchFamily="50" charset="-128"/>
+                <a:ea typeface="BIZ UDPゴシック" panose="020B0400000000000000" pitchFamily="50" charset="-128"/>
+              </a:rPr>
+              <a:t>シーケンス図</a:t>
+            </a:r>
+            <a:r>
+              <a:rPr lang="en-US" altLang="ja-JP" sz="1250" dirty="0">
+                <a:latin typeface="BIZ UDPゴシック" panose="020B0400000000000000" pitchFamily="50" charset="-128"/>
+                <a:ea typeface="BIZ UDPゴシック" panose="020B0400000000000000" pitchFamily="50" charset="-128"/>
+              </a:rPr>
+              <a:t>)</a:t>
+            </a:r>
+            <a:endParaRPr kumimoji="1" lang="ja-JP" altLang="en-US" sz="1200" dirty="0">
+              <a:latin typeface="BIZ UDPゴシック" panose="020B0400000000000000" pitchFamily="50" charset="-128"/>
+              <a:ea typeface="BIZ UDPゴシック" panose="020B0400000000000000" pitchFamily="50" charset="-128"/>
+            </a:endParaRPr>
+          </a:p>
+        </p:txBody>
+      </p:sp>
+      <p:pic>
+        <p:nvPicPr>
+          <p:cNvPr id="70" name="図 69">
+            <a:extLst>
+              <a:ext uri="{FF2B5EF4-FFF2-40B4-BE49-F238E27FC236}">
+                <a16:creationId xmlns:a16="http://schemas.microsoft.com/office/drawing/2014/main" id="{DDE1E2C3-CB89-C741-8480-E6DE54462477}"/>
+              </a:ext>
+            </a:extLst>
+          </p:cNvPr>
+          <p:cNvPicPr>
+            <a:picLocks noChangeAspect="1"/>
+          </p:cNvPicPr>
+          <p:nvPr/>
+        </p:nvPicPr>
+        <p:blipFill>
+          <a:blip r:embed="rId10"/>
+          <a:stretch>
+            <a:fillRect/>
+          </a:stretch>
+        </p:blipFill>
+        <p:spPr>
+          <a:xfrm>
+            <a:off x="324721" y="4120476"/>
+            <a:ext cx="5290738" cy="6265990"/>
+          </a:xfrm>
+          <a:prstGeom prst="rect">
+            <a:avLst/>
+          </a:prstGeom>
+        </p:spPr>
+      </p:pic>
+      <p:pic>
+        <p:nvPicPr>
+          <p:cNvPr id="72" name="図 71">
+            <a:extLst>
+              <a:ext uri="{FF2B5EF4-FFF2-40B4-BE49-F238E27FC236}">
+                <a16:creationId xmlns:a16="http://schemas.microsoft.com/office/drawing/2014/main" id="{75809EFC-F831-4266-7803-AD8DD2868651}"/>
+              </a:ext>
+            </a:extLst>
+          </p:cNvPr>
+          <p:cNvPicPr>
+            <a:picLocks noChangeAspect="1"/>
+          </p:cNvPicPr>
+          <p:nvPr/>
+        </p:nvPicPr>
+        <p:blipFill>
+          <a:blip r:embed="rId11"/>
+          <a:stretch>
+            <a:fillRect/>
+          </a:stretch>
+        </p:blipFill>
+        <p:spPr>
+          <a:xfrm>
+            <a:off x="5647418" y="4440916"/>
+            <a:ext cx="5080609" cy="3778083"/>
+          </a:xfrm>
+          <a:prstGeom prst="rect">
+            <a:avLst/>
+          </a:prstGeom>
+        </p:spPr>
+      </p:pic>
+      <p:pic>
+        <p:nvPicPr>
+          <p:cNvPr id="74" name="図 73">
+            <a:extLst>
+              <a:ext uri="{FF2B5EF4-FFF2-40B4-BE49-F238E27FC236}">
+                <a16:creationId xmlns:a16="http://schemas.microsoft.com/office/drawing/2014/main" id="{909CDABD-9479-83B5-6740-0FA8EE06E324}"/>
+              </a:ext>
+            </a:extLst>
+          </p:cNvPr>
+          <p:cNvPicPr>
+            <a:picLocks noChangeAspect="1"/>
+          </p:cNvPicPr>
+          <p:nvPr/>
+        </p:nvPicPr>
+        <p:blipFill>
+          <a:blip r:embed="rId12"/>
+          <a:stretch>
+            <a:fillRect/>
+          </a:stretch>
+        </p:blipFill>
+        <p:spPr>
+          <a:xfrm>
+            <a:off x="5705767" y="8370242"/>
+            <a:ext cx="9054708" cy="1972607"/>
+          </a:xfrm>
+          <a:prstGeom prst="rect">
+            <a:avLst/>
+          </a:prstGeom>
+        </p:spPr>
+      </p:pic>
+      <p:pic>
+        <p:nvPicPr>
+          <p:cNvPr id="76" name="図 75">
+            <a:extLst>
+              <a:ext uri="{FF2B5EF4-FFF2-40B4-BE49-F238E27FC236}">
+                <a16:creationId xmlns:a16="http://schemas.microsoft.com/office/drawing/2014/main" id="{BF9C91CD-26B9-3095-A87B-D69E17C1415E}"/>
+              </a:ext>
+            </a:extLst>
+          </p:cNvPr>
+          <p:cNvPicPr>
+            <a:picLocks noChangeAspect="1"/>
+          </p:cNvPicPr>
+          <p:nvPr/>
+        </p:nvPicPr>
+        <p:blipFill>
+          <a:blip r:embed="rId13"/>
+          <a:stretch>
+            <a:fillRect/>
+          </a:stretch>
+        </p:blipFill>
+        <p:spPr>
+          <a:xfrm>
+            <a:off x="10728027" y="4481811"/>
+            <a:ext cx="4134424" cy="1070742"/>
+          </a:xfrm>
+          <a:prstGeom prst="rect">
+            <a:avLst/>
+          </a:prstGeom>
+        </p:spPr>
+      </p:pic>
+      <p:pic>
+        <p:nvPicPr>
+          <p:cNvPr id="78" name="図 77">
+            <a:extLst>
+              <a:ext uri="{FF2B5EF4-FFF2-40B4-BE49-F238E27FC236}">
+                <a16:creationId xmlns:a16="http://schemas.microsoft.com/office/drawing/2014/main" id="{0CB4DF8F-BD17-C4BD-13DA-D0256FBA5DCD}"/>
+              </a:ext>
+            </a:extLst>
+          </p:cNvPr>
+          <p:cNvPicPr>
+            <a:picLocks noChangeAspect="1"/>
+          </p:cNvPicPr>
+          <p:nvPr/>
+        </p:nvPicPr>
+        <p:blipFill>
+          <a:blip r:embed="rId14"/>
+          <a:stretch>
+            <a:fillRect/>
+          </a:stretch>
+        </p:blipFill>
+        <p:spPr>
+          <a:xfrm>
+            <a:off x="10728027" y="5752246"/>
+            <a:ext cx="4128911" cy="1098574"/>
+          </a:xfrm>
+          <a:prstGeom prst="rect">
+            <a:avLst/>
+          </a:prstGeom>
+        </p:spPr>
+      </p:pic>
+      <p:pic>
+        <p:nvPicPr>
+          <p:cNvPr id="80" name="図 79">
+            <a:extLst>
+              <a:ext uri="{FF2B5EF4-FFF2-40B4-BE49-F238E27FC236}">
+                <a16:creationId xmlns:a16="http://schemas.microsoft.com/office/drawing/2014/main" id="{FA16B7D6-6953-9BCC-531B-2917837341B3}"/>
+              </a:ext>
+            </a:extLst>
+          </p:cNvPr>
+          <p:cNvPicPr>
+            <a:picLocks noChangeAspect="1"/>
+          </p:cNvPicPr>
+          <p:nvPr/>
+        </p:nvPicPr>
+        <p:blipFill>
+          <a:blip r:embed="rId15"/>
+          <a:stretch>
+            <a:fillRect/>
+          </a:stretch>
+        </p:blipFill>
+        <p:spPr>
+          <a:xfrm>
+            <a:off x="10800035" y="7011466"/>
+            <a:ext cx="4076143" cy="1194207"/>
+          </a:xfrm>
+          <a:prstGeom prst="rect">
+            <a:avLst/>
+          </a:prstGeom>
+        </p:spPr>
+      </p:pic>
+      <p:sp>
+        <p:nvSpPr>
+          <p:cNvPr id="81" name="テキスト ボックス 80">
+            <a:extLst>
+              <a:ext uri="{FF2B5EF4-FFF2-40B4-BE49-F238E27FC236}">
+                <a16:creationId xmlns:a16="http://schemas.microsoft.com/office/drawing/2014/main" id="{7BE8760F-FB7E-7BA7-DEA9-CD50850D5696}"/>
+              </a:ext>
+            </a:extLst>
+          </p:cNvPr>
+          <p:cNvSpPr txBox="1"/>
+          <p:nvPr/>
+        </p:nvSpPr>
+        <p:spPr>
+          <a:xfrm>
+            <a:off x="546415" y="10317797"/>
+            <a:ext cx="5112568" cy="284693"/>
+          </a:xfrm>
+          <a:prstGeom prst="rect">
+            <a:avLst/>
+          </a:prstGeom>
+          <a:noFill/>
+        </p:spPr>
+        <p:txBody>
+          <a:bodyPr wrap="square" rtlCol="0">
+            <a:spAutoFit/>
+          </a:bodyPr>
+          <a:lstStyle/>
+          <a:p>
+            <a:r>
+              <a:rPr kumimoji="1" lang="ja-JP" altLang="en-US" sz="1250" dirty="0">
+                <a:latin typeface="BIZ UDPゴシック" panose="020B0400000000000000" pitchFamily="50" charset="-128"/>
+                <a:ea typeface="BIZ UDPゴシック" panose="020B0400000000000000" pitchFamily="50" charset="-128"/>
+              </a:rPr>
+              <a:t>図</a:t>
+            </a:r>
+            <a:r>
+              <a:rPr kumimoji="1" lang="en-US" altLang="ja-JP" sz="1250" dirty="0">
+                <a:latin typeface="BIZ UDPゴシック" panose="020B0400000000000000" pitchFamily="50" charset="-128"/>
+                <a:ea typeface="BIZ UDPゴシック" panose="020B0400000000000000" pitchFamily="50" charset="-128"/>
+              </a:rPr>
+              <a:t>3.5 </a:t>
+            </a:r>
+            <a:r>
+              <a:rPr lang="ja-JP" altLang="en-US" sz="1250" dirty="0">
+                <a:latin typeface="BIZ UDPゴシック" panose="020B0400000000000000" pitchFamily="50" charset="-128"/>
+                <a:ea typeface="BIZ UDPゴシック" panose="020B0400000000000000" pitchFamily="50" charset="-128"/>
+              </a:rPr>
+              <a:t>走行アクションの振舞い</a:t>
+            </a:r>
+            <a:r>
+              <a:rPr lang="en-US" altLang="ja-JP" sz="1250" dirty="0">
+                <a:latin typeface="BIZ UDPゴシック" panose="020B0400000000000000" pitchFamily="50" charset="-128"/>
+                <a:ea typeface="BIZ UDPゴシック" panose="020B0400000000000000" pitchFamily="50" charset="-128"/>
+              </a:rPr>
+              <a:t>(</a:t>
+            </a:r>
+            <a:r>
+              <a:rPr lang="ja-JP" altLang="en-US" sz="1250" dirty="0">
+                <a:latin typeface="BIZ UDPゴシック" panose="020B0400000000000000" pitchFamily="50" charset="-128"/>
+                <a:ea typeface="BIZ UDPゴシック" panose="020B0400000000000000" pitchFamily="50" charset="-128"/>
+              </a:rPr>
+              <a:t>ライントレース走行</a:t>
+            </a:r>
+            <a:r>
+              <a:rPr lang="en-US" altLang="ja-JP" sz="1250" dirty="0">
+                <a:latin typeface="BIZ UDPゴシック" panose="020B0400000000000000" pitchFamily="50" charset="-128"/>
+                <a:ea typeface="BIZ UDPゴシック" panose="020B0400000000000000" pitchFamily="50" charset="-128"/>
+              </a:rPr>
+              <a:t>)(</a:t>
+            </a:r>
+            <a:r>
+              <a:rPr lang="ja-JP" altLang="en-US" sz="1250" dirty="0">
+                <a:latin typeface="BIZ UDPゴシック" panose="020B0400000000000000" pitchFamily="50" charset="-128"/>
+                <a:ea typeface="BIZ UDPゴシック" panose="020B0400000000000000" pitchFamily="50" charset="-128"/>
+              </a:rPr>
+              <a:t>シーケンス図</a:t>
+            </a:r>
+            <a:r>
+              <a:rPr lang="en-US" altLang="ja-JP" sz="1250" dirty="0">
+                <a:latin typeface="BIZ UDPゴシック" panose="020B0400000000000000" pitchFamily="50" charset="-128"/>
+                <a:ea typeface="BIZ UDPゴシック" panose="020B0400000000000000" pitchFamily="50" charset="-128"/>
+              </a:rPr>
+              <a:t>)</a:t>
+            </a:r>
+            <a:endParaRPr kumimoji="1" lang="ja-JP" altLang="en-US" sz="1200" dirty="0">
+              <a:latin typeface="BIZ UDPゴシック" panose="020B0400000000000000" pitchFamily="50" charset="-128"/>
+              <a:ea typeface="BIZ UDPゴシック" panose="020B0400000000000000" pitchFamily="50" charset="-128"/>
+            </a:endParaRPr>
+          </a:p>
+        </p:txBody>
+      </p:sp>
+      <p:sp>
+        <p:nvSpPr>
+          <p:cNvPr id="3" name="テキスト ボックス 2">
+            <a:extLst>
+              <a:ext uri="{FF2B5EF4-FFF2-40B4-BE49-F238E27FC236}">
+                <a16:creationId xmlns:a16="http://schemas.microsoft.com/office/drawing/2014/main" id="{60858375-8326-DA54-D979-97679464EE11}"/>
+              </a:ext>
+            </a:extLst>
+          </p:cNvPr>
+          <p:cNvSpPr txBox="1"/>
+          <p:nvPr/>
+        </p:nvSpPr>
+        <p:spPr>
+          <a:xfrm>
+            <a:off x="6054481" y="8145611"/>
+            <a:ext cx="4583122" cy="284693"/>
+          </a:xfrm>
+          <a:prstGeom prst="rect">
+            <a:avLst/>
+          </a:prstGeom>
+          <a:noFill/>
+        </p:spPr>
+        <p:txBody>
+          <a:bodyPr wrap="square" rtlCol="0">
+            <a:spAutoFit/>
+          </a:bodyPr>
+          <a:lstStyle/>
+          <a:p>
+            <a:r>
+              <a:rPr kumimoji="1" lang="ja-JP" altLang="en-US" sz="1250" dirty="0">
+                <a:latin typeface="BIZ UDPゴシック" panose="020B0400000000000000" pitchFamily="50" charset="-128"/>
+                <a:ea typeface="BIZ UDPゴシック" panose="020B0400000000000000" pitchFamily="50" charset="-128"/>
+              </a:rPr>
+              <a:t>図</a:t>
+            </a:r>
+            <a:r>
+              <a:rPr kumimoji="1" lang="en-US" altLang="ja-JP" sz="1250" dirty="0">
+                <a:latin typeface="BIZ UDPゴシック" panose="020B0400000000000000" pitchFamily="50" charset="-128"/>
+                <a:ea typeface="BIZ UDPゴシック" panose="020B0400000000000000" pitchFamily="50" charset="-128"/>
+              </a:rPr>
+              <a:t>3.6 </a:t>
+            </a:r>
+            <a:r>
+              <a:rPr lang="ja-JP" altLang="en-US" sz="1250" dirty="0">
+                <a:latin typeface="BIZ UDPゴシック" panose="020B0400000000000000" pitchFamily="50" charset="-128"/>
+                <a:ea typeface="BIZ UDPゴシック" panose="020B0400000000000000" pitchFamily="50" charset="-128"/>
+              </a:rPr>
+              <a:t>走行アクションの振舞い</a:t>
+            </a:r>
+            <a:r>
+              <a:rPr lang="en-US" altLang="ja-JP" sz="1250" dirty="0">
+                <a:latin typeface="BIZ UDPゴシック" panose="020B0400000000000000" pitchFamily="50" charset="-128"/>
+                <a:ea typeface="BIZ UDPゴシック" panose="020B0400000000000000" pitchFamily="50" charset="-128"/>
+              </a:rPr>
+              <a:t>(</a:t>
+            </a:r>
+            <a:r>
+              <a:rPr lang="ja-JP" altLang="en-US" sz="1250" dirty="0">
+                <a:latin typeface="BIZ UDPゴシック" panose="020B0400000000000000" pitchFamily="50" charset="-128"/>
+                <a:ea typeface="BIZ UDPゴシック" panose="020B0400000000000000" pitchFamily="50" charset="-128"/>
+              </a:rPr>
+              <a:t>巻き戻し走行</a:t>
+            </a:r>
+            <a:r>
+              <a:rPr lang="en-US" altLang="ja-JP" sz="1250" dirty="0">
+                <a:latin typeface="BIZ UDPゴシック" panose="020B0400000000000000" pitchFamily="50" charset="-128"/>
+                <a:ea typeface="BIZ UDPゴシック" panose="020B0400000000000000" pitchFamily="50" charset="-128"/>
+              </a:rPr>
+              <a:t>)(</a:t>
+            </a:r>
+            <a:r>
+              <a:rPr lang="ja-JP" altLang="en-US" sz="1250" dirty="0">
+                <a:latin typeface="BIZ UDPゴシック" panose="020B0400000000000000" pitchFamily="50" charset="-128"/>
+                <a:ea typeface="BIZ UDPゴシック" panose="020B0400000000000000" pitchFamily="50" charset="-128"/>
+              </a:rPr>
+              <a:t>シーケンス図</a:t>
+            </a:r>
+            <a:r>
+              <a:rPr lang="en-US" altLang="ja-JP" sz="1250" dirty="0">
+                <a:latin typeface="BIZ UDPゴシック" panose="020B0400000000000000" pitchFamily="50" charset="-128"/>
+                <a:ea typeface="BIZ UDPゴシック" panose="020B0400000000000000" pitchFamily="50" charset="-128"/>
+              </a:rPr>
+              <a:t>)</a:t>
+            </a:r>
+            <a:endParaRPr kumimoji="1" lang="ja-JP" altLang="en-US" sz="1200" dirty="0">
+              <a:latin typeface="BIZ UDPゴシック" panose="020B0400000000000000" pitchFamily="50" charset="-128"/>
+              <a:ea typeface="BIZ UDPゴシック" panose="020B0400000000000000" pitchFamily="50" charset="-128"/>
+            </a:endParaRPr>
+          </a:p>
+        </p:txBody>
+      </p:sp>
+      <p:sp>
+        <p:nvSpPr>
+          <p:cNvPr id="4" name="テキスト ボックス 3">
+            <a:extLst>
+              <a:ext uri="{FF2B5EF4-FFF2-40B4-BE49-F238E27FC236}">
+                <a16:creationId xmlns:a16="http://schemas.microsoft.com/office/drawing/2014/main" id="{1280A86F-16E9-3C40-15E2-2BBC1758FFFC}"/>
+              </a:ext>
+            </a:extLst>
+          </p:cNvPr>
+          <p:cNvSpPr txBox="1"/>
+          <p:nvPr/>
+        </p:nvSpPr>
+        <p:spPr>
+          <a:xfrm>
+            <a:off x="11539102" y="5471038"/>
+            <a:ext cx="2907797" cy="284693"/>
+          </a:xfrm>
+          <a:prstGeom prst="rect">
+            <a:avLst/>
+          </a:prstGeom>
+          <a:noFill/>
+        </p:spPr>
+        <p:txBody>
+          <a:bodyPr wrap="square" rtlCol="0">
+            <a:spAutoFit/>
+          </a:bodyPr>
+          <a:lstStyle/>
+          <a:p>
+            <a:r>
+              <a:rPr kumimoji="1" lang="ja-JP" altLang="en-US" sz="1250" dirty="0">
+                <a:latin typeface="BIZ UDPゴシック" panose="020B0400000000000000" pitchFamily="50" charset="-128"/>
+                <a:ea typeface="BIZ UDPゴシック" panose="020B0400000000000000" pitchFamily="50" charset="-128"/>
+              </a:rPr>
+              <a:t>図</a:t>
+            </a:r>
+            <a:r>
+              <a:rPr kumimoji="1" lang="en-US" altLang="ja-JP" sz="1250" dirty="0">
+                <a:latin typeface="BIZ UDPゴシック" panose="020B0400000000000000" pitchFamily="50" charset="-128"/>
+                <a:ea typeface="BIZ UDPゴシック" panose="020B0400000000000000" pitchFamily="50" charset="-128"/>
+              </a:rPr>
+              <a:t>3.7 </a:t>
+            </a:r>
+            <a:r>
+              <a:rPr lang="ja-JP" altLang="en-US" sz="1250" dirty="0">
+                <a:latin typeface="BIZ UDPゴシック" panose="020B0400000000000000" pitchFamily="50" charset="-128"/>
+                <a:ea typeface="BIZ UDPゴシック" panose="020B0400000000000000" pitchFamily="50" charset="-128"/>
+              </a:rPr>
+              <a:t>駆動の振舞い</a:t>
+            </a:r>
+            <a:r>
+              <a:rPr lang="en-US" altLang="ja-JP" sz="1250" dirty="0">
+                <a:latin typeface="BIZ UDPゴシック" panose="020B0400000000000000" pitchFamily="50" charset="-128"/>
+                <a:ea typeface="BIZ UDPゴシック" panose="020B0400000000000000" pitchFamily="50" charset="-128"/>
+              </a:rPr>
+              <a:t>(</a:t>
+            </a:r>
+            <a:r>
+              <a:rPr lang="ja-JP" altLang="en-US" sz="1250" dirty="0">
+                <a:latin typeface="BIZ UDPゴシック" panose="020B0400000000000000" pitchFamily="50" charset="-128"/>
+                <a:ea typeface="BIZ UDPゴシック" panose="020B0400000000000000" pitchFamily="50" charset="-128"/>
+              </a:rPr>
+              <a:t>シーケンス図</a:t>
+            </a:r>
+            <a:r>
+              <a:rPr lang="en-US" altLang="ja-JP" sz="1250" dirty="0">
+                <a:latin typeface="BIZ UDPゴシック" panose="020B0400000000000000" pitchFamily="50" charset="-128"/>
+                <a:ea typeface="BIZ UDPゴシック" panose="020B0400000000000000" pitchFamily="50" charset="-128"/>
+              </a:rPr>
+              <a:t>)</a:t>
+            </a:r>
+            <a:endParaRPr kumimoji="1" lang="ja-JP" altLang="en-US" sz="1200" dirty="0">
+              <a:latin typeface="BIZ UDPゴシック" panose="020B0400000000000000" pitchFamily="50" charset="-128"/>
+              <a:ea typeface="BIZ UDPゴシック" panose="020B0400000000000000" pitchFamily="50" charset="-128"/>
+            </a:endParaRPr>
+          </a:p>
+        </p:txBody>
+      </p:sp>
+      <p:sp>
+        <p:nvSpPr>
+          <p:cNvPr id="6" name="テキスト ボックス 5">
+            <a:extLst>
+              <a:ext uri="{FF2B5EF4-FFF2-40B4-BE49-F238E27FC236}">
+                <a16:creationId xmlns:a16="http://schemas.microsoft.com/office/drawing/2014/main" id="{24794C4B-F760-51E2-4FA3-3B2E329BEC46}"/>
+              </a:ext>
+            </a:extLst>
+          </p:cNvPr>
+          <p:cNvSpPr txBox="1"/>
+          <p:nvPr/>
+        </p:nvSpPr>
+        <p:spPr>
+          <a:xfrm>
+            <a:off x="10834743" y="6777395"/>
+            <a:ext cx="4487147" cy="284693"/>
+          </a:xfrm>
+          <a:prstGeom prst="rect">
+            <a:avLst/>
+          </a:prstGeom>
+          <a:noFill/>
+        </p:spPr>
+        <p:txBody>
+          <a:bodyPr wrap="square" rtlCol="0">
+            <a:spAutoFit/>
+          </a:bodyPr>
+          <a:lstStyle/>
+          <a:p>
+            <a:r>
+              <a:rPr kumimoji="1" lang="ja-JP" altLang="en-US" sz="1250" dirty="0">
+                <a:latin typeface="BIZ UDPゴシック" panose="020B0400000000000000" pitchFamily="50" charset="-128"/>
+                <a:ea typeface="BIZ UDPゴシック" panose="020B0400000000000000" pitchFamily="50" charset="-128"/>
+              </a:rPr>
+              <a:t>図</a:t>
+            </a:r>
+            <a:r>
+              <a:rPr kumimoji="1" lang="en-US" altLang="ja-JP" sz="1250" dirty="0">
+                <a:latin typeface="BIZ UDPゴシック" panose="020B0400000000000000" pitchFamily="50" charset="-128"/>
+                <a:ea typeface="BIZ UDPゴシック" panose="020B0400000000000000" pitchFamily="50" charset="-128"/>
+              </a:rPr>
+              <a:t>3.8 </a:t>
+            </a:r>
+            <a:r>
+              <a:rPr kumimoji="1" lang="ja-JP" altLang="en-US" sz="1250" dirty="0">
+                <a:latin typeface="BIZ UDPゴシック" panose="020B0400000000000000" pitchFamily="50" charset="-128"/>
+                <a:ea typeface="BIZ UDPゴシック" panose="020B0400000000000000" pitchFamily="50" charset="-128"/>
+              </a:rPr>
+              <a:t>知覚の振舞い</a:t>
+            </a:r>
+            <a:r>
+              <a:rPr kumimoji="1" lang="en-US" altLang="ja-JP" sz="1250" dirty="0">
+                <a:latin typeface="BIZ UDPゴシック" panose="020B0400000000000000" pitchFamily="50" charset="-128"/>
+                <a:ea typeface="BIZ UDPゴシック" panose="020B0400000000000000" pitchFamily="50" charset="-128"/>
+              </a:rPr>
+              <a:t>(</a:t>
+            </a:r>
+            <a:r>
+              <a:rPr kumimoji="1" lang="ja-JP" altLang="en-US" sz="1250" dirty="0">
+                <a:latin typeface="BIZ UDPゴシック" panose="020B0400000000000000" pitchFamily="50" charset="-128"/>
+                <a:ea typeface="BIZ UDPゴシック" panose="020B0400000000000000" pitchFamily="50" charset="-128"/>
+              </a:rPr>
+              <a:t>ライン色変化検知</a:t>
+            </a:r>
+            <a:r>
+              <a:rPr kumimoji="1" lang="en-US" altLang="ja-JP" sz="1250" dirty="0">
+                <a:latin typeface="BIZ UDPゴシック" panose="020B0400000000000000" pitchFamily="50" charset="-128"/>
+                <a:ea typeface="BIZ UDPゴシック" panose="020B0400000000000000" pitchFamily="50" charset="-128"/>
+              </a:rPr>
+              <a:t>)(</a:t>
+            </a:r>
+            <a:r>
+              <a:rPr kumimoji="1" lang="ja-JP" altLang="en-US" sz="1250" dirty="0">
+                <a:latin typeface="BIZ UDPゴシック" panose="020B0400000000000000" pitchFamily="50" charset="-128"/>
+                <a:ea typeface="BIZ UDPゴシック" panose="020B0400000000000000" pitchFamily="50" charset="-128"/>
+              </a:rPr>
+              <a:t>シーケンス図</a:t>
+            </a:r>
+            <a:r>
+              <a:rPr kumimoji="1" lang="en-US" altLang="ja-JP" sz="1250" dirty="0">
+                <a:latin typeface="BIZ UDPゴシック" panose="020B0400000000000000" pitchFamily="50" charset="-128"/>
+                <a:ea typeface="BIZ UDPゴシック" panose="020B0400000000000000" pitchFamily="50" charset="-128"/>
+              </a:rPr>
+              <a:t>)</a:t>
+            </a:r>
+            <a:endParaRPr kumimoji="1" lang="ja-JP" altLang="en-US" sz="1200" dirty="0">
+              <a:latin typeface="BIZ UDPゴシック" panose="020B0400000000000000" pitchFamily="50" charset="-128"/>
+              <a:ea typeface="BIZ UDPゴシック" panose="020B0400000000000000" pitchFamily="50" charset="-128"/>
+            </a:endParaRPr>
+          </a:p>
+        </p:txBody>
+      </p:sp>
+      <p:sp>
+        <p:nvSpPr>
+          <p:cNvPr id="7" name="テキスト ボックス 6">
+            <a:extLst>
+              <a:ext uri="{FF2B5EF4-FFF2-40B4-BE49-F238E27FC236}">
+                <a16:creationId xmlns:a16="http://schemas.microsoft.com/office/drawing/2014/main" id="{3F24D065-A7CE-999B-123D-EFCB3C897B07}"/>
+              </a:ext>
+            </a:extLst>
+          </p:cNvPr>
+          <p:cNvSpPr txBox="1"/>
+          <p:nvPr/>
+        </p:nvSpPr>
+        <p:spPr>
+          <a:xfrm>
+            <a:off x="10963784" y="8151189"/>
+            <a:ext cx="4199836" cy="284693"/>
+          </a:xfrm>
+          <a:prstGeom prst="rect">
+            <a:avLst/>
+          </a:prstGeom>
+          <a:noFill/>
+        </p:spPr>
+        <p:txBody>
+          <a:bodyPr wrap="square" rtlCol="0">
+            <a:spAutoFit/>
+          </a:bodyPr>
+          <a:lstStyle/>
+          <a:p>
+            <a:r>
+              <a:rPr kumimoji="1" lang="ja-JP" altLang="en-US" sz="1250" dirty="0">
+                <a:latin typeface="BIZ UDPゴシック" panose="020B0400000000000000" pitchFamily="50" charset="-128"/>
+                <a:ea typeface="BIZ UDPゴシック" panose="020B0400000000000000" pitchFamily="50" charset="-128"/>
+              </a:rPr>
+              <a:t>図</a:t>
+            </a:r>
+            <a:r>
+              <a:rPr kumimoji="1" lang="en-US" altLang="ja-JP" sz="1250" dirty="0">
+                <a:latin typeface="BIZ UDPゴシック" panose="020B0400000000000000" pitchFamily="50" charset="-128"/>
+                <a:ea typeface="BIZ UDPゴシック" panose="020B0400000000000000" pitchFamily="50" charset="-128"/>
+              </a:rPr>
+              <a:t>3.9 </a:t>
+            </a:r>
+            <a:r>
+              <a:rPr kumimoji="1" lang="ja-JP" altLang="en-US" sz="1250" dirty="0">
+                <a:latin typeface="BIZ UDPゴシック" panose="020B0400000000000000" pitchFamily="50" charset="-128"/>
+                <a:ea typeface="BIZ UDPゴシック" panose="020B0400000000000000" pitchFamily="50" charset="-128"/>
+              </a:rPr>
+              <a:t>知覚の振舞い</a:t>
+            </a:r>
+            <a:r>
+              <a:rPr kumimoji="1" lang="en-US" altLang="ja-JP" sz="1250" dirty="0">
+                <a:latin typeface="BIZ UDPゴシック" panose="020B0400000000000000" pitchFamily="50" charset="-128"/>
+                <a:ea typeface="BIZ UDPゴシック" panose="020B0400000000000000" pitchFamily="50" charset="-128"/>
+              </a:rPr>
+              <a:t>(</a:t>
+            </a:r>
+            <a:r>
+              <a:rPr kumimoji="1" lang="ja-JP" altLang="en-US" sz="1250" dirty="0">
+                <a:latin typeface="BIZ UDPゴシック" panose="020B0400000000000000" pitchFamily="50" charset="-128"/>
+                <a:ea typeface="BIZ UDPゴシック" panose="020B0400000000000000" pitchFamily="50" charset="-128"/>
+              </a:rPr>
+              <a:t>ラインズレ計測</a:t>
+            </a:r>
+            <a:r>
+              <a:rPr kumimoji="1" lang="en-US" altLang="ja-JP" sz="1250" dirty="0">
+                <a:latin typeface="BIZ UDPゴシック" panose="020B0400000000000000" pitchFamily="50" charset="-128"/>
+                <a:ea typeface="BIZ UDPゴシック" panose="020B0400000000000000" pitchFamily="50" charset="-128"/>
+              </a:rPr>
+              <a:t>)(</a:t>
+            </a:r>
+            <a:r>
+              <a:rPr kumimoji="1" lang="ja-JP" altLang="en-US" sz="1250" dirty="0">
+                <a:latin typeface="BIZ UDPゴシック" panose="020B0400000000000000" pitchFamily="50" charset="-128"/>
+                <a:ea typeface="BIZ UDPゴシック" panose="020B0400000000000000" pitchFamily="50" charset="-128"/>
+              </a:rPr>
+              <a:t>シーケンス図</a:t>
+            </a:r>
+            <a:r>
+              <a:rPr kumimoji="1" lang="en-US" altLang="ja-JP" sz="1250" dirty="0">
+                <a:latin typeface="BIZ UDPゴシック" panose="020B0400000000000000" pitchFamily="50" charset="-128"/>
+                <a:ea typeface="BIZ UDPゴシック" panose="020B0400000000000000" pitchFamily="50" charset="-128"/>
+              </a:rPr>
+              <a:t>)</a:t>
+            </a:r>
+            <a:endParaRPr kumimoji="1" lang="ja-JP" altLang="en-US" sz="1200" dirty="0">
+              <a:latin typeface="BIZ UDPゴシック" panose="020B0400000000000000" pitchFamily="50" charset="-128"/>
+              <a:ea typeface="BIZ UDPゴシック" panose="020B0400000000000000" pitchFamily="50" charset="-128"/>
+            </a:endParaRPr>
+          </a:p>
+        </p:txBody>
+      </p:sp>
+      <p:sp>
+        <p:nvSpPr>
+          <p:cNvPr id="8" name="テキスト ボックス 7">
+            <a:extLst>
+              <a:ext uri="{FF2B5EF4-FFF2-40B4-BE49-F238E27FC236}">
+                <a16:creationId xmlns:a16="http://schemas.microsoft.com/office/drawing/2014/main" id="{76519F4A-F324-076C-975F-C3AC18B30A31}"/>
+              </a:ext>
+            </a:extLst>
+          </p:cNvPr>
+          <p:cNvSpPr txBox="1"/>
+          <p:nvPr/>
+        </p:nvSpPr>
+        <p:spPr>
+          <a:xfrm>
+            <a:off x="8558725" y="10264001"/>
+            <a:ext cx="3888432" cy="284693"/>
+          </a:xfrm>
+          <a:prstGeom prst="rect">
+            <a:avLst/>
+          </a:prstGeom>
+          <a:noFill/>
+        </p:spPr>
+        <p:txBody>
+          <a:bodyPr wrap="square" rtlCol="0">
+            <a:spAutoFit/>
+          </a:bodyPr>
+          <a:lstStyle/>
+          <a:p>
+            <a:r>
+              <a:rPr kumimoji="1" lang="ja-JP" altLang="en-US" sz="1250" dirty="0">
+                <a:latin typeface="BIZ UDPゴシック" panose="020B0400000000000000" pitchFamily="50" charset="-128"/>
+                <a:ea typeface="BIZ UDPゴシック" panose="020B0400000000000000" pitchFamily="50" charset="-128"/>
+              </a:rPr>
+              <a:t>図</a:t>
+            </a:r>
+            <a:r>
+              <a:rPr kumimoji="1" lang="en-US" altLang="ja-JP" sz="1250" dirty="0">
+                <a:latin typeface="BIZ UDPゴシック" panose="020B0400000000000000" pitchFamily="50" charset="-128"/>
+                <a:ea typeface="BIZ UDPゴシック" panose="020B0400000000000000" pitchFamily="50" charset="-128"/>
+              </a:rPr>
+              <a:t>3.10 </a:t>
+            </a:r>
+            <a:r>
+              <a:rPr lang="ja-JP" altLang="en-US" sz="1250" dirty="0">
+                <a:latin typeface="BIZ UDPゴシック" panose="020B0400000000000000" pitchFamily="50" charset="-128"/>
+                <a:ea typeface="BIZ UDPゴシック" panose="020B0400000000000000" pitchFamily="50" charset="-128"/>
+              </a:rPr>
+              <a:t>知覚の振舞い</a:t>
+            </a:r>
+            <a:r>
+              <a:rPr kumimoji="1" lang="en-US" altLang="ja-JP" sz="1250" dirty="0">
+                <a:latin typeface="BIZ UDPゴシック" panose="020B0400000000000000" pitchFamily="50" charset="-128"/>
+                <a:ea typeface="BIZ UDPゴシック" panose="020B0400000000000000" pitchFamily="50" charset="-128"/>
+              </a:rPr>
+              <a:t>(</a:t>
+            </a:r>
+            <a:r>
+              <a:rPr kumimoji="1" lang="ja-JP" altLang="en-US" sz="1250" dirty="0">
+                <a:latin typeface="BIZ UDPゴシック" panose="020B0400000000000000" pitchFamily="50" charset="-128"/>
+                <a:ea typeface="BIZ UDPゴシック" panose="020B0400000000000000" pitchFamily="50" charset="-128"/>
+              </a:rPr>
+              <a:t>カーブ検知</a:t>
+            </a:r>
+            <a:r>
+              <a:rPr kumimoji="1" lang="en-US" altLang="ja-JP" sz="1250" dirty="0">
+                <a:latin typeface="BIZ UDPゴシック" panose="020B0400000000000000" pitchFamily="50" charset="-128"/>
+                <a:ea typeface="BIZ UDPゴシック" panose="020B0400000000000000" pitchFamily="50" charset="-128"/>
+              </a:rPr>
+              <a:t>)(</a:t>
+            </a:r>
+            <a:r>
+              <a:rPr kumimoji="1" lang="ja-JP" altLang="en-US" sz="1250" dirty="0">
+                <a:latin typeface="BIZ UDPゴシック" panose="020B0400000000000000" pitchFamily="50" charset="-128"/>
+                <a:ea typeface="BIZ UDPゴシック" panose="020B0400000000000000" pitchFamily="50" charset="-128"/>
+              </a:rPr>
+              <a:t>シーケンス図</a:t>
+            </a:r>
+            <a:r>
+              <a:rPr kumimoji="1" lang="en-US" altLang="ja-JP" sz="1250" dirty="0">
+                <a:latin typeface="BIZ UDPゴシック" panose="020B0400000000000000" pitchFamily="50" charset="-128"/>
+                <a:ea typeface="BIZ UDPゴシック" panose="020B0400000000000000" pitchFamily="50" charset="-128"/>
+              </a:rPr>
+              <a:t>)</a:t>
+            </a:r>
+            <a:endParaRPr kumimoji="1" lang="ja-JP" altLang="en-US" sz="1200" dirty="0">
+              <a:latin typeface="BIZ UDPゴシック" panose="020B0400000000000000" pitchFamily="50" charset="-128"/>
+              <a:ea typeface="BIZ UDPゴシック" panose="020B0400000000000000" pitchFamily="50" charset="-128"/>
+            </a:endParaRPr>
+          </a:p>
+        </p:txBody>
+      </p:sp>
     </p:spTree>
     <p:extLst>
       <p:ext uri="{BB962C8B-B14F-4D97-AF65-F5344CB8AC3E}">
-        <p14:creationId xmlns:p14="http://schemas.microsoft.com/office/powerpoint/2010/main" val="1167203408"/>
+        <p14:creationId xmlns:p14="http://schemas.microsoft.com/office/powerpoint/2010/main" val="2431978647"/>
       </p:ext>
     </p:extLst>
   </p:cSld>

--- a/model/【モデル図】てなろぼ★ぷらいまりぃ_2025.pptx
+++ b/model/【モデル図】てなろぼ★ぷらいまりぃ_2025.pptx
@@ -16,7 +16,7 @@
     <p:sldId id="273" r:id="rId4"/>
     <p:sldId id="259" r:id="rId5"/>
     <p:sldId id="260" r:id="rId6"/>
-    <p:sldId id="274" r:id="rId7"/>
+    <p:sldId id="276" r:id="rId7"/>
     <p:sldId id="262" r:id="rId8"/>
   </p:sldIdLst>
   <p:sldSz cx="15119350" cy="10691813"/>
@@ -158,7 +158,7 @@
           <p14:sldIdLst>
             <p14:sldId id="259"/>
             <p14:sldId id="260"/>
-            <p14:sldId id="274"/>
+            <p14:sldId id="276"/>
             <p14:sldId id="262"/>
           </p14:sldIdLst>
         </p14:section>
@@ -5558,9 +5558,7 @@
           <a:noFill/>
           <a:ln w="9525">
             <a:solidFill>
-              <a:schemeClr val="accent6">
-                <a:lumMod val="75000"/>
-              </a:schemeClr>
+              <a:srgbClr val="ED7D31"/>
             </a:solidFill>
             <a:miter lim="800000"/>
             <a:headEnd/>
@@ -5713,211 +5711,128 @@
             </a:endParaRPr>
           </a:p>
           <a:p>
-            <a:pPr marL="381853" indent="-381853" defTabSz="1018276" eaLnBrk="1" hangingPunct="1">
+            <a:pPr marL="0" indent="0" defTabSz="1018276" eaLnBrk="1" hangingPunct="1">
               <a:lnSpc>
                 <a:spcPct val="80000"/>
               </a:lnSpc>
               <a:spcBef>
                 <a:spcPts val="668"/>
               </a:spcBef>
-              <a:buFont typeface="+mj-lt"/>
-              <a:buAutoNum type="arabicPeriod"/>
             </a:pPr>
             <a:r>
-              <a:rPr lang="ja-JP" altLang="en-US" sz="1782" dirty="0">
+              <a:rPr lang="en-US" altLang="ja-JP" dirty="0">
                 <a:solidFill>
                   <a:prstClr val="black"/>
                 </a:solidFill>
                 <a:latin typeface="UD デジタル 教科書体 NP" panose="02020400000000000000" pitchFamily="18" charset="-128"/>
                 <a:ea typeface="UD デジタル 教科書体 NP" panose="02020400000000000000" pitchFamily="18" charset="-128"/>
               </a:rPr>
-              <a:t>要求分析</a:t>
-            </a:r>
-            <a:endParaRPr lang="en-US" altLang="ja-JP" sz="1782" dirty="0">
-              <a:solidFill>
-                <a:prstClr val="black"/>
-              </a:solidFill>
+              <a:t>1</a:t>
+            </a:r>
+            <a:r>
+              <a:rPr lang="ja-JP" altLang="en-US" dirty="0">
+                <a:solidFill>
+                  <a:prstClr val="black"/>
+                </a:solidFill>
+                <a:latin typeface="UD デジタル 教科書体 NP" panose="02020400000000000000" pitchFamily="18" charset="-128"/>
+                <a:ea typeface="UD デジタル 教科書体 NP" panose="02020400000000000000" pitchFamily="18" charset="-128"/>
+              </a:rPr>
+              <a:t>．要求分析</a:t>
+            </a:r>
+            <a:r>
+              <a:rPr lang="ja-JP" altLang="en-US" dirty="0">
+                <a:latin typeface="UD デジタル 教科書体 NP" panose="02020400000000000000" pitchFamily="18" charset="-128"/>
+                <a:ea typeface="UD デジタル 教科書体 NP" panose="02020400000000000000" pitchFamily="18" charset="-128"/>
+              </a:rPr>
+              <a:t>　　</a:t>
+            </a:r>
+          </a:p>
+          <a:p>
+            <a:pPr marL="0" indent="0" defTabSz="1018276" eaLnBrk="1" hangingPunct="1">
+              <a:lnSpc>
+                <a:spcPct val="80000"/>
+              </a:lnSpc>
+              <a:spcBef>
+                <a:spcPts val="668"/>
+              </a:spcBef>
+            </a:pPr>
+            <a:r>
+              <a:rPr lang="en-US" altLang="ja-JP" dirty="0">
+                <a:solidFill>
+                  <a:prstClr val="black"/>
+                </a:solidFill>
+                <a:latin typeface="UD デジタル 教科書体 NP" panose="02020400000000000000" pitchFamily="18" charset="-128"/>
+                <a:ea typeface="UD デジタル 教科書体 NP" panose="02020400000000000000" pitchFamily="18" charset="-128"/>
+              </a:rPr>
+              <a:t>2</a:t>
+            </a:r>
+            <a:r>
+              <a:rPr lang="ja-JP" altLang="en-US" dirty="0">
+                <a:solidFill>
+                  <a:prstClr val="black"/>
+                </a:solidFill>
+                <a:latin typeface="UD デジタル 教科書体 NP" panose="02020400000000000000" pitchFamily="18" charset="-128"/>
+                <a:ea typeface="UD デジタル 教科書体 NP" panose="02020400000000000000" pitchFamily="18" charset="-128"/>
+              </a:rPr>
+              <a:t>．分析モデル</a:t>
+            </a:r>
+            <a:endParaRPr lang="en-US" altLang="ja-JP" dirty="0">
               <a:latin typeface="UD デジタル 教科書体 NP" panose="02020400000000000000" pitchFamily="18" charset="-128"/>
               <a:ea typeface="UD デジタル 教科書体 NP" panose="02020400000000000000" pitchFamily="18" charset="-128"/>
             </a:endParaRPr>
           </a:p>
           <a:p>
-            <a:pPr marL="219212" indent="-219212" eaLnBrk="1" hangingPunct="1">
+            <a:pPr marL="0" indent="0" eaLnBrk="1" hangingPunct="1">
               <a:lnSpc>
                 <a:spcPct val="80000"/>
               </a:lnSpc>
               <a:spcBef>
                 <a:spcPts val="668"/>
               </a:spcBef>
-              <a:buFont typeface="Arial" panose="020B0604020202020204" pitchFamily="34" charset="0"/>
-              <a:buChar char="•"/>
             </a:pPr>
             <a:r>
-              <a:rPr lang="ja-JP" altLang="en-US" sz="1782" dirty="0">
-                <a:latin typeface="UD デジタル 教科書体 NP" panose="02020400000000000000" pitchFamily="18" charset="-128"/>
-                <a:ea typeface="UD デジタル 教科書体 NP" panose="02020400000000000000" pitchFamily="18" charset="-128"/>
-              </a:rPr>
-              <a:t>基本戦略</a:t>
-            </a:r>
-          </a:p>
-          <a:p>
-            <a:pPr marL="219212" indent="-219212" eaLnBrk="1" hangingPunct="1">
+              <a:rPr lang="en-US" altLang="ja-JP" dirty="0">
+                <a:latin typeface="UD デジタル 教科書体 NP" panose="02020400000000000000" pitchFamily="18" charset="-128"/>
+                <a:ea typeface="UD デジタル 教科書体 NP" panose="02020400000000000000" pitchFamily="18" charset="-128"/>
+              </a:rPr>
+              <a:t>3</a:t>
+            </a:r>
+            <a:r>
+              <a:rPr lang="ja-JP" altLang="en-US" dirty="0">
+                <a:latin typeface="UD デジタル 教科書体 NP" panose="02020400000000000000" pitchFamily="18" charset="-128"/>
+                <a:ea typeface="UD デジタル 教科書体 NP" panose="02020400000000000000" pitchFamily="18" charset="-128"/>
+              </a:rPr>
+              <a:t>．振舞いモデル</a:t>
+            </a:r>
+            <a:endParaRPr lang="en-US" altLang="ja-JP" dirty="0">
+              <a:latin typeface="UD デジタル 教科書体 NP" panose="02020400000000000000" pitchFamily="18" charset="-128"/>
+              <a:ea typeface="UD デジタル 教科書体 NP" panose="02020400000000000000" pitchFamily="18" charset="-128"/>
+            </a:endParaRPr>
+          </a:p>
+          <a:p>
+            <a:pPr marL="0" indent="0" eaLnBrk="1" hangingPunct="1">
               <a:lnSpc>
                 <a:spcPct val="80000"/>
               </a:lnSpc>
               <a:spcBef>
                 <a:spcPts val="668"/>
               </a:spcBef>
-              <a:buFont typeface="Arial" panose="020B0604020202020204" pitchFamily="34" charset="0"/>
-              <a:buChar char="•"/>
             </a:pPr>
             <a:r>
-              <a:rPr lang="ja-JP" altLang="en-US" sz="1782" dirty="0">
-                <a:latin typeface="UD デジタル 教科書体 NP" panose="02020400000000000000" pitchFamily="18" charset="-128"/>
-                <a:ea typeface="UD デジタル 教科書体 NP" panose="02020400000000000000" pitchFamily="18" charset="-128"/>
-              </a:rPr>
-              <a:t>要件分析とリスク分析</a:t>
-            </a:r>
-          </a:p>
-          <a:p>
-            <a:pPr marL="219212" indent="-219212" eaLnBrk="1" hangingPunct="1">
-              <a:lnSpc>
-                <a:spcPct val="80000"/>
-              </a:lnSpc>
-              <a:spcBef>
-                <a:spcPts val="668"/>
-              </a:spcBef>
-              <a:buFont typeface="Arial" panose="020B0604020202020204" pitchFamily="34" charset="0"/>
-              <a:buChar char="•"/>
-            </a:pPr>
-            <a:r>
-              <a:rPr lang="ja-JP" altLang="en-US" sz="1782" dirty="0">
-                <a:latin typeface="UD デジタル 教科書体 NP" panose="02020400000000000000" pitchFamily="18" charset="-128"/>
-                <a:ea typeface="UD デジタル 教科書体 NP" panose="02020400000000000000" pitchFamily="18" charset="-128"/>
-              </a:rPr>
-              <a:t>機能の流れ</a:t>
-            </a:r>
-          </a:p>
-          <a:p>
-            <a:pPr marL="381853" indent="-381853" defTabSz="1018276" eaLnBrk="1" hangingPunct="1">
-              <a:lnSpc>
-                <a:spcPct val="80000"/>
-              </a:lnSpc>
-              <a:spcBef>
-                <a:spcPts val="668"/>
-              </a:spcBef>
-              <a:buFont typeface="+mj-lt"/>
-              <a:buAutoNum type="arabicPeriod" startAt="2"/>
-            </a:pPr>
-            <a:r>
-              <a:rPr lang="ja-JP" altLang="en-US" sz="1782" dirty="0">
-                <a:solidFill>
-                  <a:prstClr val="black"/>
-                </a:solidFill>
-                <a:latin typeface="UD デジタル 教科書体 NP" panose="02020400000000000000" pitchFamily="18" charset="-128"/>
-                <a:ea typeface="UD デジタル 教科書体 NP" panose="02020400000000000000" pitchFamily="18" charset="-128"/>
-              </a:rPr>
-              <a:t>分析モデル</a:t>
-            </a:r>
-            <a:endParaRPr lang="en-US" altLang="ja-JP" sz="1782" dirty="0">
-              <a:solidFill>
-                <a:prstClr val="black"/>
-              </a:solidFill>
-              <a:latin typeface="UD デジタル 教科書体 NP" panose="02020400000000000000" pitchFamily="18" charset="-128"/>
-              <a:ea typeface="UD デジタル 教科書体 NP" panose="02020400000000000000" pitchFamily="18" charset="-128"/>
-            </a:endParaRPr>
-          </a:p>
-          <a:p>
-            <a:pPr marL="219212" indent="-219212" eaLnBrk="1" hangingPunct="1">
-              <a:lnSpc>
-                <a:spcPct val="80000"/>
-              </a:lnSpc>
-              <a:spcBef>
-                <a:spcPts val="668"/>
-              </a:spcBef>
-              <a:buFont typeface="Arial" panose="020B0604020202020204" pitchFamily="34" charset="0"/>
-              <a:buChar char="•"/>
-            </a:pPr>
-            <a:r>
-              <a:rPr lang="ja-JP" altLang="en-US" sz="1782">
-                <a:latin typeface="UD デジタル 教科書体 NP" panose="02020400000000000000" pitchFamily="18" charset="-128"/>
-                <a:ea typeface="UD デジタル 教科書体 NP" panose="02020400000000000000" pitchFamily="18" charset="-128"/>
-              </a:rPr>
-              <a:t>パッケージ構造</a:t>
-            </a:r>
-            <a:endParaRPr lang="ja-JP" altLang="en-US" sz="1782" dirty="0">
-              <a:latin typeface="UD デジタル 教科書体 NP" panose="02020400000000000000" pitchFamily="18" charset="-128"/>
-              <a:ea typeface="UD デジタル 教科書体 NP" panose="02020400000000000000" pitchFamily="18" charset="-128"/>
-            </a:endParaRPr>
-          </a:p>
-          <a:p>
-            <a:pPr marL="219212" indent="-219212" eaLnBrk="1" hangingPunct="1">
-              <a:lnSpc>
-                <a:spcPct val="80000"/>
-              </a:lnSpc>
-              <a:spcBef>
-                <a:spcPts val="668"/>
-              </a:spcBef>
-              <a:buFont typeface="Arial" panose="020B0604020202020204" pitchFamily="34" charset="0"/>
-              <a:buChar char="•"/>
-            </a:pPr>
-            <a:r>
-              <a:rPr lang="ja-JP" altLang="en-US" sz="1782" dirty="0">
-                <a:latin typeface="UD デジタル 教科書体 NP" panose="02020400000000000000" pitchFamily="18" charset="-128"/>
-                <a:ea typeface="UD デジタル 教科書体 NP" panose="02020400000000000000" pitchFamily="18" charset="-128"/>
-              </a:rPr>
-              <a:t>ダミーテキストダミーテキスト</a:t>
-            </a:r>
-            <a:endParaRPr lang="en-US" altLang="ja-JP" sz="1782" dirty="0">
-              <a:latin typeface="UD デジタル 教科書体 NP" panose="02020400000000000000" pitchFamily="18" charset="-128"/>
-              <a:ea typeface="UD デジタル 教科書体 NP" panose="02020400000000000000" pitchFamily="18" charset="-128"/>
-            </a:endParaRPr>
-          </a:p>
-          <a:p>
-            <a:pPr marL="219212" indent="-219212" eaLnBrk="1" hangingPunct="1">
-              <a:lnSpc>
-                <a:spcPct val="80000"/>
-              </a:lnSpc>
-              <a:spcBef>
-                <a:spcPts val="668"/>
-              </a:spcBef>
-              <a:buFont typeface="Arial" panose="020B0604020202020204" pitchFamily="34" charset="0"/>
-              <a:buChar char="•"/>
-            </a:pPr>
-            <a:r>
-              <a:rPr lang="ja-JP" altLang="en-US" sz="1782" dirty="0">
-                <a:latin typeface="UD デジタル 教科書体 NP" panose="02020400000000000000" pitchFamily="18" charset="-128"/>
-                <a:ea typeface="UD デジタル 教科書体 NP" panose="02020400000000000000" pitchFamily="18" charset="-128"/>
-              </a:rPr>
-              <a:t>（文字サイズは</a:t>
-            </a:r>
-            <a:r>
-              <a:rPr lang="en-US" altLang="ja-JP" sz="1782" dirty="0">
-                <a:latin typeface="UD デジタル 教科書体 NP" panose="02020400000000000000" pitchFamily="18" charset="-128"/>
-                <a:ea typeface="UD デジタル 教科書体 NP" panose="02020400000000000000" pitchFamily="18" charset="-128"/>
-              </a:rPr>
-              <a:t>16</a:t>
-            </a:r>
-            <a:r>
-              <a:rPr lang="ja-JP" altLang="en-US" sz="1782" dirty="0">
-                <a:latin typeface="UD デジタル 教科書体 NP" panose="02020400000000000000" pitchFamily="18" charset="-128"/>
-                <a:ea typeface="UD デジタル 教科書体 NP" panose="02020400000000000000" pitchFamily="18" charset="-128"/>
-              </a:rPr>
-              <a:t>ポイント以上）</a:t>
-            </a:r>
-          </a:p>
-          <a:p>
-            <a:pPr marL="219212" indent="-219212" eaLnBrk="1" hangingPunct="1">
-              <a:lnSpc>
-                <a:spcPct val="80000"/>
-              </a:lnSpc>
-              <a:spcBef>
-                <a:spcPts val="668"/>
-              </a:spcBef>
-              <a:buFont typeface="Arial" panose="020B0604020202020204" pitchFamily="34" charset="0"/>
-              <a:buChar char="•"/>
-            </a:pPr>
-            <a:endParaRPr lang="ja-JP" altLang="en-US" sz="1782" dirty="0">
+              <a:rPr lang="en-US" altLang="ja-JP" dirty="0">
+                <a:latin typeface="UD デジタル 教科書体 NP" panose="02020400000000000000" pitchFamily="18" charset="-128"/>
+                <a:ea typeface="UD デジタル 教科書体 NP" panose="02020400000000000000" pitchFamily="18" charset="-128"/>
+              </a:rPr>
+              <a:t>4</a:t>
+            </a:r>
+            <a:r>
+              <a:rPr lang="ja-JP" altLang="en-US" dirty="0">
+                <a:latin typeface="UD デジタル 教科書体 NP" panose="02020400000000000000" pitchFamily="18" charset="-128"/>
+                <a:ea typeface="UD デジタル 教科書体 NP" panose="02020400000000000000" pitchFamily="18" charset="-128"/>
+              </a:rPr>
+              <a:t>．工夫点</a:t>
+            </a:r>
+            <a:endParaRPr lang="en-US" altLang="ja-JP" dirty="0">
               <a:latin typeface="UD デジタル 教科書体 NP" panose="02020400000000000000" pitchFamily="18" charset="-128"/>
               <a:ea typeface="UD デジタル 教科書体 NP" panose="02020400000000000000" pitchFamily="18" charset="-128"/>
             </a:endParaRPr>
@@ -5949,9 +5864,7 @@
           <a:noFill/>
           <a:ln w="9525">
             <a:solidFill>
-              <a:schemeClr val="accent6">
-                <a:lumMod val="75000"/>
-              </a:schemeClr>
+              <a:srgbClr val="ED7D31"/>
             </a:solidFill>
             <a:miter lim="800000"/>
             <a:headEnd/>
@@ -6313,9 +6226,7 @@
           <a:noFill/>
           <a:ln w="9525">
             <a:solidFill>
-              <a:schemeClr val="accent6">
-                <a:lumMod val="75000"/>
-              </a:schemeClr>
+              <a:srgbClr val="ED7D31"/>
             </a:solidFill>
             <a:miter lim="800000"/>
             <a:headEnd/>
@@ -6558,7 +6469,7 @@
                 <a:latin typeface="UD デジタル 教科書体 NP" panose="02020400000000000000" pitchFamily="18" charset="-128"/>
                 <a:ea typeface="UD デジタル 教科書体 NP" panose="02020400000000000000" pitchFamily="18" charset="-128"/>
               </a:rPr>
-              <a:t>つのシステムに分割すること。</a:t>
+              <a:t>つのサブシステムに分割すること。</a:t>
             </a:r>
             <a:endParaRPr lang="en-US" altLang="ja-JP" dirty="0">
               <a:latin typeface="UD デジタル 教科書体 NP" panose="02020400000000000000" pitchFamily="18" charset="-128"/>
@@ -6593,7 +6504,7 @@
                 <a:latin typeface="UD デジタル 教科書体 NP" panose="02020400000000000000" pitchFamily="18" charset="-128"/>
                 <a:ea typeface="UD デジタル 教科書体 NP" panose="02020400000000000000" pitchFamily="18" charset="-128"/>
               </a:rPr>
-              <a:t>つに分割し、それぞれの責務を明確に分離することで、明瞭な設計と可用性の高い構造を目指した。</a:t>
+              <a:t>つに分割し、それぞれの責務を明確に分離することで、明瞭な設計と拡張性の高い構造を目指した。</a:t>
             </a:r>
             <a:endParaRPr lang="en-US" altLang="ja-JP" dirty="0">
               <a:latin typeface="UD デジタル 教科書体 NP" panose="02020400000000000000" pitchFamily="18" charset="-128"/>
@@ -6677,22 +6588,8 @@
                 <a:latin typeface="UD デジタル 教科書体 NP" panose="02020400000000000000" pitchFamily="18" charset="-128"/>
                 <a:ea typeface="UD デジタル 教科書体 NP" panose="02020400000000000000" pitchFamily="18" charset="-128"/>
               </a:rPr>
-              <a:t>これにより、次に実行すべきアクションが変わった場合にも、次のアクションを容易に差し替えることができるようになっている。</a:t>
-            </a:r>
-            <a:endParaRPr lang="en-US" altLang="ja-JP" dirty="0">
-              <a:latin typeface="UD デジタル 教科書体 NP" panose="02020400000000000000" pitchFamily="18" charset="-128"/>
-              <a:ea typeface="UD デジタル 教科書体 NP" panose="02020400000000000000" pitchFamily="18" charset="-128"/>
-            </a:endParaRPr>
-          </a:p>
-          <a:p>
-            <a:pPr marL="0" indent="0" eaLnBrk="1" hangingPunct="1">
-              <a:lnSpc>
-                <a:spcPct val="80000"/>
-              </a:lnSpc>
-              <a:spcBef>
-                <a:spcPts val="668"/>
-              </a:spcBef>
-            </a:pPr>
+              <a:t>これにより、次に実行すべきアクションが変わった場合にも、次のアクションを容易に差し替え可能とすることを目指した。</a:t>
+            </a:r>
             <a:endParaRPr lang="en-US" altLang="ja-JP" dirty="0">
               <a:latin typeface="UD デジタル 教科書体 NP" panose="02020400000000000000" pitchFamily="18" charset="-128"/>
               <a:ea typeface="UD デジタル 教科書体 NP" panose="02020400000000000000" pitchFamily="18" charset="-128"/>
@@ -7289,7 +7186,7 @@
                 <a:latin typeface="UD デジタル 教科書体 NP" panose="02020400000000000000" pitchFamily="18" charset="-128"/>
                 <a:ea typeface="UD デジタル 教科書体 NP" panose="02020400000000000000" pitchFamily="18" charset="-128"/>
               </a:rPr>
-              <a:t>マップ情報を示した。。</a:t>
+              <a:t>マップ情報を示した。</a:t>
             </a:r>
             <a:endParaRPr lang="en-US" altLang="ja-JP" sz="1200" dirty="0">
               <a:latin typeface="UD デジタル 教科書体 NP" panose="02020400000000000000" pitchFamily="18" charset="-128"/>
@@ -9210,7 +9107,7 @@
                 <a:latin typeface="UD デジタル 教科書体 NP" panose="02020400000000000000" pitchFamily="18" charset="-128"/>
                 <a:ea typeface="UD デジタル 教科書体 NP" panose="02020400000000000000" pitchFamily="18" charset="-128"/>
               </a:rPr>
-              <a:t>基本戦略の実現に向けてサブジェクトを</a:t>
+              <a:t>基本戦略の実現に向けて</a:t>
             </a:r>
             <a:r>
               <a:rPr lang="en-US" altLang="ja-JP" sz="1200" dirty="0">
@@ -9224,7 +9121,7 @@
                 <a:latin typeface="UD デジタル 教科書体 NP" panose="02020400000000000000" pitchFamily="18" charset="-128"/>
                 <a:ea typeface="UD デジタル 教科書体 NP" panose="02020400000000000000" pitchFamily="18" charset="-128"/>
               </a:rPr>
-              <a:t>つ設けることとした。</a:t>
+              <a:t>つのサブシステムに分割して整理することとした。</a:t>
             </a:r>
             <a:endParaRPr lang="en-US" altLang="ja-JP" sz="1200" dirty="0">
               <a:latin typeface="UD デジタル 教科書体 NP" panose="02020400000000000000" pitchFamily="18" charset="-128"/>
@@ -9308,7 +9205,7 @@
                 <a:latin typeface="UD デジタル 教科書体 NP" panose="02020400000000000000" pitchFamily="18" charset="-128"/>
                 <a:ea typeface="UD デジタル 教科書体 NP" panose="02020400000000000000" pitchFamily="18" charset="-128"/>
               </a:rPr>
-              <a:t>またシステムの</a:t>
+              <a:t>各サブシステムの</a:t>
             </a:r>
             <a:r>
               <a:rPr lang="en-US" altLang="ja-JP" sz="1200" dirty="0">
@@ -9350,7 +9247,7 @@
                 <a:latin typeface="UD デジタル 教科書体 NP" panose="02020400000000000000" pitchFamily="18" charset="-128"/>
                 <a:ea typeface="UD デジタル 教科書体 NP" panose="02020400000000000000" pitchFamily="18" charset="-128"/>
               </a:rPr>
-              <a:t>」を定義する。</a:t>
+              <a:t>」を付与する。</a:t>
             </a:r>
             <a:endParaRPr lang="en-US" altLang="ja-JP" sz="1200" dirty="0">
               <a:latin typeface="UD デジタル 教科書体 NP" panose="02020400000000000000" pitchFamily="18" charset="-128"/>
@@ -9882,6 +9779,13 @@
               <a:t>1.2 </a:t>
             </a:r>
             <a:r>
+              <a:rPr kumimoji="1" lang="ja-JP" altLang="en-US" sz="1200" dirty="0">
+                <a:latin typeface="BIZ UDPゴシック" panose="020B0400000000000000" pitchFamily="50" charset="-128"/>
+                <a:ea typeface="BIZ UDPゴシック" panose="020B0400000000000000" pitchFamily="50" charset="-128"/>
+              </a:rPr>
+              <a:t>ダブルループの</a:t>
+            </a:r>
+            <a:r>
               <a:rPr lang="ja-JP" altLang="en-US" sz="1200" dirty="0">
                 <a:latin typeface="BIZ UDPゴシック" panose="020B0400000000000000" pitchFamily="50" charset="-128"/>
                 <a:ea typeface="BIZ UDPゴシック" panose="020B0400000000000000" pitchFamily="50" charset="-128"/>
@@ -9939,6 +9843,13 @@
               <a:t>1.3 </a:t>
             </a:r>
             <a:r>
+              <a:rPr kumimoji="1" lang="ja-JP" altLang="en-US" sz="1200" dirty="0">
+                <a:latin typeface="BIZ UDPゴシック" panose="020B0400000000000000" pitchFamily="50" charset="-128"/>
+                <a:ea typeface="BIZ UDPゴシック" panose="020B0400000000000000" pitchFamily="50" charset="-128"/>
+              </a:rPr>
+              <a:t>ダブルループの</a:t>
+            </a:r>
+            <a:r>
               <a:rPr lang="ja-JP" altLang="en-US" sz="1200" dirty="0">
                 <a:latin typeface="BIZ UDPゴシック" panose="020B0400000000000000" pitchFamily="50" charset="-128"/>
                 <a:ea typeface="BIZ UDPゴシック" panose="020B0400000000000000" pitchFamily="50" charset="-128"/>
@@ -9974,7 +9885,7 @@
         </p:blipFill>
         <p:spPr>
           <a:xfrm>
-            <a:off x="7832351" y="4482454"/>
+            <a:off x="7797558" y="4482454"/>
             <a:ext cx="3218501" cy="6111633"/>
           </a:xfrm>
           <a:prstGeom prst="rect">
@@ -9984,10 +9895,10 @@
       </p:pic>
       <p:pic>
         <p:nvPicPr>
-          <p:cNvPr id="27" name="図 26">
+          <p:cNvPr id="34" name="図 33">
             <a:extLst>
               <a:ext uri="{FF2B5EF4-FFF2-40B4-BE49-F238E27FC236}">
-                <a16:creationId xmlns:a16="http://schemas.microsoft.com/office/drawing/2014/main" id="{A77AF8F3-3365-6CE3-D19E-194DEE8327A8}"/>
+                <a16:creationId xmlns:a16="http://schemas.microsoft.com/office/drawing/2014/main" id="{166487EB-CDD6-70AA-FF8A-A9AE26F2AA5F}"/>
               </a:ext>
             </a:extLst>
           </p:cNvPr>
@@ -10004,8 +9915,8 @@
         </p:blipFill>
         <p:spPr>
           <a:xfrm>
-            <a:off x="142851" y="5385860"/>
-            <a:ext cx="7604765" cy="5030524"/>
+            <a:off x="11160075" y="4049762"/>
+            <a:ext cx="3808589" cy="6335079"/>
           </a:xfrm>
           <a:prstGeom prst="rect">
             <a:avLst/>
@@ -10014,10 +9925,10 @@
       </p:pic>
       <p:pic>
         <p:nvPicPr>
-          <p:cNvPr id="5" name="図 4">
+          <p:cNvPr id="36" name="図 35">
             <a:extLst>
               <a:ext uri="{FF2B5EF4-FFF2-40B4-BE49-F238E27FC236}">
-                <a16:creationId xmlns:a16="http://schemas.microsoft.com/office/drawing/2014/main" id="{DCED772C-7A95-95EB-748E-E4FDD4D67EBB}"/>
+                <a16:creationId xmlns:a16="http://schemas.microsoft.com/office/drawing/2014/main" id="{E5384C7E-B946-DCD9-98A0-381BBACD8591}"/>
               </a:ext>
             </a:extLst>
           </p:cNvPr>
@@ -10034,8 +9945,8 @@
         </p:blipFill>
         <p:spPr>
           <a:xfrm>
-            <a:off x="11161061" y="3945530"/>
-            <a:ext cx="3906576" cy="6429062"/>
+            <a:off x="350860" y="5350204"/>
+            <a:ext cx="7208815" cy="5083710"/>
           </a:xfrm>
           <a:prstGeom prst="rect">
             <a:avLst/>
@@ -10408,786 +10319,6 @@
           </a:p>
         </p:txBody>
       </p:sp>
-      <p:pic>
-        <p:nvPicPr>
-          <p:cNvPr id="30" name="図 29">
-            <a:extLst>
-              <a:ext uri="{FF2B5EF4-FFF2-40B4-BE49-F238E27FC236}">
-                <a16:creationId xmlns:a16="http://schemas.microsoft.com/office/drawing/2014/main" id="{A694C179-8367-8B8F-8280-710CCADD735F}"/>
-              </a:ext>
-            </a:extLst>
-          </p:cNvPr>
-          <p:cNvPicPr>
-            <a:picLocks noChangeAspect="1"/>
-          </p:cNvPicPr>
-          <p:nvPr/>
-        </p:nvPicPr>
-        <p:blipFill>
-          <a:blip r:embed="rId2"/>
-          <a:stretch>
-            <a:fillRect/>
-          </a:stretch>
-        </p:blipFill>
-        <p:spPr>
-          <a:xfrm>
-            <a:off x="13072338" y="0"/>
-            <a:ext cx="1782501" cy="561372"/>
-          </a:xfrm>
-          <a:prstGeom prst="rect">
-            <a:avLst/>
-          </a:prstGeom>
-        </p:spPr>
-      </p:pic>
-      <p:sp>
-        <p:nvSpPr>
-          <p:cNvPr id="32" name="Google Shape;92;p3">
-            <a:extLst>
-              <a:ext uri="{FF2B5EF4-FFF2-40B4-BE49-F238E27FC236}">
-                <a16:creationId xmlns:a16="http://schemas.microsoft.com/office/drawing/2014/main" id="{A2B30738-3509-02C3-49A8-97C0B53C896B}"/>
-              </a:ext>
-            </a:extLst>
-          </p:cNvPr>
-          <p:cNvSpPr txBox="1">
-            <a:spLocks noGrp="1"/>
-          </p:cNvSpPr>
-          <p:nvPr/>
-        </p:nvSpPr>
-        <p:spPr>
-          <a:xfrm>
-            <a:off x="0" y="23866"/>
-            <a:ext cx="7873249" cy="515650"/>
-          </a:xfrm>
-          <a:prstGeom prst="rect">
-            <a:avLst/>
-          </a:prstGeom>
-          <a:noFill/>
-          <a:ln>
-            <a:noFill/>
-          </a:ln>
-        </p:spPr>
-        <p:txBody>
-          <a:bodyPr spcFirstLastPara="1" wrap="square" lIns="91425" tIns="45700" rIns="91425" bIns="45700" anchor="ctr" anchorCtr="0">
-            <a:noAutofit/>
-          </a:bodyPr>
-          <a:lstStyle>
-            <a:defPPr marR="0" lvl="0" algn="l" rtl="0">
-              <a:lnSpc>
-                <a:spcPct val="100000"/>
-              </a:lnSpc>
-              <a:spcBef>
-                <a:spcPts val="0"/>
-              </a:spcBef>
-              <a:spcAft>
-                <a:spcPts val="0"/>
-              </a:spcAft>
-            </a:defPPr>
-            <a:lvl1pPr marR="0" lvl="0" algn="l" rtl="0">
-              <a:lnSpc>
-                <a:spcPct val="90000"/>
-              </a:lnSpc>
-              <a:spcBef>
-                <a:spcPts val="0"/>
-              </a:spcBef>
-              <a:spcAft>
-                <a:spcPts val="0"/>
-              </a:spcAft>
-              <a:buClr>
-                <a:schemeClr val="dk1"/>
-              </a:buClr>
-              <a:buSzPts val="1800"/>
-              <a:buFont typeface="Calibri"/>
-              <a:buNone/>
-              <a:defRPr sz="6860" b="0" i="0" u="none" strike="noStrike" cap="none">
-                <a:solidFill>
-                  <a:schemeClr val="dk1"/>
-                </a:solidFill>
-                <a:latin typeface="Calibri"/>
-                <a:ea typeface="Calibri"/>
-                <a:cs typeface="Calibri"/>
-                <a:sym typeface="Calibri"/>
-              </a:defRPr>
-            </a:lvl1pPr>
-            <a:lvl2pPr marR="0" lvl="1" algn="l" rtl="0">
-              <a:lnSpc>
-                <a:spcPct val="100000"/>
-              </a:lnSpc>
-              <a:spcBef>
-                <a:spcPts val="0"/>
-              </a:spcBef>
-              <a:spcAft>
-                <a:spcPts val="0"/>
-              </a:spcAft>
-              <a:buClr>
-                <a:srgbClr val="000000"/>
-              </a:buClr>
-              <a:buSzPts val="1400"/>
-              <a:buFont typeface="Arial"/>
-              <a:buNone/>
-              <a:defRPr sz="1800" b="0" i="0" u="none" strike="noStrike" cap="none">
-                <a:solidFill>
-                  <a:srgbClr val="000000"/>
-                </a:solidFill>
-                <a:latin typeface="Arial"/>
-                <a:ea typeface="Arial"/>
-                <a:cs typeface="Arial"/>
-                <a:sym typeface="Arial"/>
-              </a:defRPr>
-            </a:lvl2pPr>
-            <a:lvl3pPr marR="0" lvl="2" algn="l" rtl="0">
-              <a:lnSpc>
-                <a:spcPct val="100000"/>
-              </a:lnSpc>
-              <a:spcBef>
-                <a:spcPts val="0"/>
-              </a:spcBef>
-              <a:spcAft>
-                <a:spcPts val="0"/>
-              </a:spcAft>
-              <a:buClr>
-                <a:srgbClr val="000000"/>
-              </a:buClr>
-              <a:buSzPts val="1400"/>
-              <a:buFont typeface="Arial"/>
-              <a:buNone/>
-              <a:defRPr sz="1800" b="0" i="0" u="none" strike="noStrike" cap="none">
-                <a:solidFill>
-                  <a:srgbClr val="000000"/>
-                </a:solidFill>
-                <a:latin typeface="Arial"/>
-                <a:ea typeface="Arial"/>
-                <a:cs typeface="Arial"/>
-                <a:sym typeface="Arial"/>
-              </a:defRPr>
-            </a:lvl3pPr>
-            <a:lvl4pPr marR="0" lvl="3" algn="l" rtl="0">
-              <a:lnSpc>
-                <a:spcPct val="100000"/>
-              </a:lnSpc>
-              <a:spcBef>
-                <a:spcPts val="0"/>
-              </a:spcBef>
-              <a:spcAft>
-                <a:spcPts val="0"/>
-              </a:spcAft>
-              <a:buClr>
-                <a:srgbClr val="000000"/>
-              </a:buClr>
-              <a:buSzPts val="1400"/>
-              <a:buFont typeface="Arial"/>
-              <a:buNone/>
-              <a:defRPr sz="1800" b="0" i="0" u="none" strike="noStrike" cap="none">
-                <a:solidFill>
-                  <a:srgbClr val="000000"/>
-                </a:solidFill>
-                <a:latin typeface="Arial"/>
-                <a:ea typeface="Arial"/>
-                <a:cs typeface="Arial"/>
-                <a:sym typeface="Arial"/>
-              </a:defRPr>
-            </a:lvl4pPr>
-            <a:lvl5pPr marR="0" lvl="4" algn="l" rtl="0">
-              <a:lnSpc>
-                <a:spcPct val="100000"/>
-              </a:lnSpc>
-              <a:spcBef>
-                <a:spcPts val="0"/>
-              </a:spcBef>
-              <a:spcAft>
-                <a:spcPts val="0"/>
-              </a:spcAft>
-              <a:buClr>
-                <a:srgbClr val="000000"/>
-              </a:buClr>
-              <a:buSzPts val="1400"/>
-              <a:buFont typeface="Arial"/>
-              <a:buNone/>
-              <a:defRPr sz="1800" b="0" i="0" u="none" strike="noStrike" cap="none">
-                <a:solidFill>
-                  <a:srgbClr val="000000"/>
-                </a:solidFill>
-                <a:latin typeface="Arial"/>
-                <a:ea typeface="Arial"/>
-                <a:cs typeface="Arial"/>
-                <a:sym typeface="Arial"/>
-              </a:defRPr>
-            </a:lvl5pPr>
-            <a:lvl6pPr marR="0" lvl="5" algn="l" rtl="0">
-              <a:lnSpc>
-                <a:spcPct val="100000"/>
-              </a:lnSpc>
-              <a:spcBef>
-                <a:spcPts val="0"/>
-              </a:spcBef>
-              <a:spcAft>
-                <a:spcPts val="0"/>
-              </a:spcAft>
-              <a:buClr>
-                <a:srgbClr val="000000"/>
-              </a:buClr>
-              <a:buSzPts val="1400"/>
-              <a:buFont typeface="Arial"/>
-              <a:buNone/>
-              <a:defRPr sz="1800" b="0" i="0" u="none" strike="noStrike" cap="none">
-                <a:solidFill>
-                  <a:srgbClr val="000000"/>
-                </a:solidFill>
-                <a:latin typeface="Arial"/>
-                <a:ea typeface="Arial"/>
-                <a:cs typeface="Arial"/>
-                <a:sym typeface="Arial"/>
-              </a:defRPr>
-            </a:lvl6pPr>
-            <a:lvl7pPr marR="0" lvl="6" algn="l" rtl="0">
-              <a:lnSpc>
-                <a:spcPct val="100000"/>
-              </a:lnSpc>
-              <a:spcBef>
-                <a:spcPts val="0"/>
-              </a:spcBef>
-              <a:spcAft>
-                <a:spcPts val="0"/>
-              </a:spcAft>
-              <a:buClr>
-                <a:srgbClr val="000000"/>
-              </a:buClr>
-              <a:buSzPts val="1400"/>
-              <a:buFont typeface="Arial"/>
-              <a:buNone/>
-              <a:defRPr sz="1800" b="0" i="0" u="none" strike="noStrike" cap="none">
-                <a:solidFill>
-                  <a:srgbClr val="000000"/>
-                </a:solidFill>
-                <a:latin typeface="Arial"/>
-                <a:ea typeface="Arial"/>
-                <a:cs typeface="Arial"/>
-                <a:sym typeface="Arial"/>
-              </a:defRPr>
-            </a:lvl7pPr>
-            <a:lvl8pPr marR="0" lvl="7" algn="l" rtl="0">
-              <a:lnSpc>
-                <a:spcPct val="100000"/>
-              </a:lnSpc>
-              <a:spcBef>
-                <a:spcPts val="0"/>
-              </a:spcBef>
-              <a:spcAft>
-                <a:spcPts val="0"/>
-              </a:spcAft>
-              <a:buClr>
-                <a:srgbClr val="000000"/>
-              </a:buClr>
-              <a:buSzPts val="1400"/>
-              <a:buFont typeface="Arial"/>
-              <a:buNone/>
-              <a:defRPr sz="1800" b="0" i="0" u="none" strike="noStrike" cap="none">
-                <a:solidFill>
-                  <a:srgbClr val="000000"/>
-                </a:solidFill>
-                <a:latin typeface="Arial"/>
-                <a:ea typeface="Arial"/>
-                <a:cs typeface="Arial"/>
-                <a:sym typeface="Arial"/>
-              </a:defRPr>
-            </a:lvl8pPr>
-            <a:lvl9pPr marR="0" lvl="8" algn="l" rtl="0">
-              <a:lnSpc>
-                <a:spcPct val="100000"/>
-              </a:lnSpc>
-              <a:spcBef>
-                <a:spcPts val="0"/>
-              </a:spcBef>
-              <a:spcAft>
-                <a:spcPts val="0"/>
-              </a:spcAft>
-              <a:buClr>
-                <a:srgbClr val="000000"/>
-              </a:buClr>
-              <a:buSzPts val="1400"/>
-              <a:buFont typeface="Arial"/>
-              <a:buNone/>
-              <a:defRPr sz="1800" b="0" i="0" u="none" strike="noStrike" cap="none">
-                <a:solidFill>
-                  <a:srgbClr val="000000"/>
-                </a:solidFill>
-                <a:latin typeface="Arial"/>
-                <a:ea typeface="Arial"/>
-                <a:cs typeface="Arial"/>
-                <a:sym typeface="Arial"/>
-              </a:defRPr>
-            </a:lvl9pPr>
-          </a:lstStyle>
-          <a:p>
-            <a:pPr marL="0" lvl="0" indent="0" algn="l" rtl="0">
-              <a:lnSpc>
-                <a:spcPct val="90000"/>
-              </a:lnSpc>
-              <a:spcBef>
-                <a:spcPts val="0"/>
-              </a:spcBef>
-              <a:spcAft>
-                <a:spcPts val="0"/>
-              </a:spcAft>
-              <a:buClr>
-                <a:schemeClr val="dk1"/>
-              </a:buClr>
-              <a:buSzPts val="6120"/>
-              <a:buFont typeface="Calibri"/>
-              <a:buNone/>
-            </a:pPr>
-            <a:r>
-              <a:rPr lang="en-US" altLang="ja-JP" sz="2800" b="1" dirty="0">
-                <a:solidFill>
-                  <a:srgbClr val="ED7D31"/>
-                </a:solidFill>
-                <a:latin typeface="+mj-ea"/>
-                <a:ea typeface="+mj-ea"/>
-              </a:rPr>
-              <a:t>2</a:t>
-            </a:r>
-            <a:r>
-              <a:rPr lang="ja-JP" sz="2800" b="1" dirty="0">
-                <a:solidFill>
-                  <a:srgbClr val="ED7D31"/>
-                </a:solidFill>
-                <a:latin typeface="+mj-ea"/>
-                <a:ea typeface="+mj-ea"/>
-              </a:rPr>
-              <a:t>. </a:t>
-            </a:r>
-            <a:r>
-              <a:rPr lang="ja-JP" altLang="en-US" sz="2800" b="1" dirty="0">
-                <a:solidFill>
-                  <a:srgbClr val="ED7D31"/>
-                </a:solidFill>
-                <a:latin typeface="+mj-ea"/>
-                <a:ea typeface="+mj-ea"/>
-              </a:rPr>
-              <a:t>構造</a:t>
-            </a:r>
-            <a:r>
-              <a:rPr lang="ja-JP" sz="2800" b="1" dirty="0">
-                <a:solidFill>
-                  <a:srgbClr val="ED7D31"/>
-                </a:solidFill>
-                <a:latin typeface="+mj-ea"/>
-                <a:ea typeface="+mj-ea"/>
-              </a:rPr>
-              <a:t>モデル</a:t>
-            </a:r>
-            <a:endParaRPr sz="2800" b="1" dirty="0">
-              <a:solidFill>
-                <a:srgbClr val="ED7D31"/>
-              </a:solidFill>
-              <a:latin typeface="+mj-ea"/>
-              <a:ea typeface="+mj-ea"/>
-            </a:endParaRPr>
-          </a:p>
-        </p:txBody>
-      </p:sp>
-      <p:sp>
-        <p:nvSpPr>
-          <p:cNvPr id="33" name="Google Shape;110;p3">
-            <a:extLst>
-              <a:ext uri="{FF2B5EF4-FFF2-40B4-BE49-F238E27FC236}">
-                <a16:creationId xmlns:a16="http://schemas.microsoft.com/office/drawing/2014/main" id="{7452E432-6912-3352-2E02-527B4589D933}"/>
-              </a:ext>
-            </a:extLst>
-          </p:cNvPr>
-          <p:cNvSpPr/>
-          <p:nvPr/>
-        </p:nvSpPr>
-        <p:spPr>
-          <a:xfrm>
-            <a:off x="7649914" y="-1773"/>
-            <a:ext cx="5463600" cy="554400"/>
-          </a:xfrm>
-          <a:prstGeom prst="rect">
-            <a:avLst/>
-          </a:prstGeom>
-          <a:solidFill>
-            <a:schemeClr val="accent2"/>
-          </a:solidFill>
-          <a:ln>
-            <a:noFill/>
-          </a:ln>
-        </p:spPr>
-        <p:txBody>
-          <a:bodyPr spcFirstLastPara="1" wrap="square" lIns="91425" tIns="45700" rIns="91425" bIns="45700" anchor="ctr" anchorCtr="0">
-            <a:noAutofit/>
-          </a:bodyPr>
-          <a:lstStyle>
-            <a:defPPr marR="0" lvl="0" algn="l" rtl="0">
-              <a:lnSpc>
-                <a:spcPct val="100000"/>
-              </a:lnSpc>
-              <a:spcBef>
-                <a:spcPts val="0"/>
-              </a:spcBef>
-              <a:spcAft>
-                <a:spcPts val="0"/>
-              </a:spcAft>
-            </a:defPPr>
-            <a:lvl1pPr marR="0" lvl="0" algn="l" rtl="0">
-              <a:lnSpc>
-                <a:spcPct val="100000"/>
-              </a:lnSpc>
-              <a:spcBef>
-                <a:spcPts val="0"/>
-              </a:spcBef>
-              <a:spcAft>
-                <a:spcPts val="0"/>
-              </a:spcAft>
-              <a:buClr>
-                <a:srgbClr val="000000"/>
-              </a:buClr>
-              <a:buFont typeface="Arial"/>
-              <a:defRPr sz="1400" b="0" i="0" u="none" strike="noStrike" cap="none">
-                <a:solidFill>
-                  <a:srgbClr val="000000"/>
-                </a:solidFill>
-                <a:latin typeface="Arial"/>
-                <a:ea typeface="Arial"/>
-                <a:cs typeface="Arial"/>
-                <a:sym typeface="Arial"/>
-              </a:defRPr>
-            </a:lvl1pPr>
-            <a:lvl2pPr marR="0" lvl="1" algn="l" rtl="0">
-              <a:lnSpc>
-                <a:spcPct val="100000"/>
-              </a:lnSpc>
-              <a:spcBef>
-                <a:spcPts val="0"/>
-              </a:spcBef>
-              <a:spcAft>
-                <a:spcPts val="0"/>
-              </a:spcAft>
-              <a:buClr>
-                <a:srgbClr val="000000"/>
-              </a:buClr>
-              <a:buFont typeface="Arial"/>
-              <a:defRPr sz="1400" b="0" i="0" u="none" strike="noStrike" cap="none">
-                <a:solidFill>
-                  <a:srgbClr val="000000"/>
-                </a:solidFill>
-                <a:latin typeface="Arial"/>
-                <a:ea typeface="Arial"/>
-                <a:cs typeface="Arial"/>
-                <a:sym typeface="Arial"/>
-              </a:defRPr>
-            </a:lvl2pPr>
-            <a:lvl3pPr marR="0" lvl="2" algn="l" rtl="0">
-              <a:lnSpc>
-                <a:spcPct val="100000"/>
-              </a:lnSpc>
-              <a:spcBef>
-                <a:spcPts val="0"/>
-              </a:spcBef>
-              <a:spcAft>
-                <a:spcPts val="0"/>
-              </a:spcAft>
-              <a:buClr>
-                <a:srgbClr val="000000"/>
-              </a:buClr>
-              <a:buFont typeface="Arial"/>
-              <a:defRPr sz="1400" b="0" i="0" u="none" strike="noStrike" cap="none">
-                <a:solidFill>
-                  <a:srgbClr val="000000"/>
-                </a:solidFill>
-                <a:latin typeface="Arial"/>
-                <a:ea typeface="Arial"/>
-                <a:cs typeface="Arial"/>
-                <a:sym typeface="Arial"/>
-              </a:defRPr>
-            </a:lvl3pPr>
-            <a:lvl4pPr marR="0" lvl="3" algn="l" rtl="0">
-              <a:lnSpc>
-                <a:spcPct val="100000"/>
-              </a:lnSpc>
-              <a:spcBef>
-                <a:spcPts val="0"/>
-              </a:spcBef>
-              <a:spcAft>
-                <a:spcPts val="0"/>
-              </a:spcAft>
-              <a:buClr>
-                <a:srgbClr val="000000"/>
-              </a:buClr>
-              <a:buFont typeface="Arial"/>
-              <a:defRPr sz="1400" b="0" i="0" u="none" strike="noStrike" cap="none">
-                <a:solidFill>
-                  <a:srgbClr val="000000"/>
-                </a:solidFill>
-                <a:latin typeface="Arial"/>
-                <a:ea typeface="Arial"/>
-                <a:cs typeface="Arial"/>
-                <a:sym typeface="Arial"/>
-              </a:defRPr>
-            </a:lvl4pPr>
-            <a:lvl5pPr marR="0" lvl="4" algn="l" rtl="0">
-              <a:lnSpc>
-                <a:spcPct val="100000"/>
-              </a:lnSpc>
-              <a:spcBef>
-                <a:spcPts val="0"/>
-              </a:spcBef>
-              <a:spcAft>
-                <a:spcPts val="0"/>
-              </a:spcAft>
-              <a:buClr>
-                <a:srgbClr val="000000"/>
-              </a:buClr>
-              <a:buFont typeface="Arial"/>
-              <a:defRPr sz="1400" b="0" i="0" u="none" strike="noStrike" cap="none">
-                <a:solidFill>
-                  <a:srgbClr val="000000"/>
-                </a:solidFill>
-                <a:latin typeface="Arial"/>
-                <a:ea typeface="Arial"/>
-                <a:cs typeface="Arial"/>
-                <a:sym typeface="Arial"/>
-              </a:defRPr>
-            </a:lvl5pPr>
-            <a:lvl6pPr marR="0" lvl="5" algn="l" rtl="0">
-              <a:lnSpc>
-                <a:spcPct val="100000"/>
-              </a:lnSpc>
-              <a:spcBef>
-                <a:spcPts val="0"/>
-              </a:spcBef>
-              <a:spcAft>
-                <a:spcPts val="0"/>
-              </a:spcAft>
-              <a:buClr>
-                <a:srgbClr val="000000"/>
-              </a:buClr>
-              <a:buFont typeface="Arial"/>
-              <a:defRPr sz="1400" b="0" i="0" u="none" strike="noStrike" cap="none">
-                <a:solidFill>
-                  <a:srgbClr val="000000"/>
-                </a:solidFill>
-                <a:latin typeface="Arial"/>
-                <a:ea typeface="Arial"/>
-                <a:cs typeface="Arial"/>
-                <a:sym typeface="Arial"/>
-              </a:defRPr>
-            </a:lvl6pPr>
-            <a:lvl7pPr marR="0" lvl="6" algn="l" rtl="0">
-              <a:lnSpc>
-                <a:spcPct val="100000"/>
-              </a:lnSpc>
-              <a:spcBef>
-                <a:spcPts val="0"/>
-              </a:spcBef>
-              <a:spcAft>
-                <a:spcPts val="0"/>
-              </a:spcAft>
-              <a:buClr>
-                <a:srgbClr val="000000"/>
-              </a:buClr>
-              <a:buFont typeface="Arial"/>
-              <a:defRPr sz="1400" b="0" i="0" u="none" strike="noStrike" cap="none">
-                <a:solidFill>
-                  <a:srgbClr val="000000"/>
-                </a:solidFill>
-                <a:latin typeface="Arial"/>
-                <a:ea typeface="Arial"/>
-                <a:cs typeface="Arial"/>
-                <a:sym typeface="Arial"/>
-              </a:defRPr>
-            </a:lvl7pPr>
-            <a:lvl8pPr marR="0" lvl="7" algn="l" rtl="0">
-              <a:lnSpc>
-                <a:spcPct val="100000"/>
-              </a:lnSpc>
-              <a:spcBef>
-                <a:spcPts val="0"/>
-              </a:spcBef>
-              <a:spcAft>
-                <a:spcPts val="0"/>
-              </a:spcAft>
-              <a:buClr>
-                <a:srgbClr val="000000"/>
-              </a:buClr>
-              <a:buFont typeface="Arial"/>
-              <a:defRPr sz="1400" b="0" i="0" u="none" strike="noStrike" cap="none">
-                <a:solidFill>
-                  <a:srgbClr val="000000"/>
-                </a:solidFill>
-                <a:latin typeface="Arial"/>
-                <a:ea typeface="Arial"/>
-                <a:cs typeface="Arial"/>
-                <a:sym typeface="Arial"/>
-              </a:defRPr>
-            </a:lvl8pPr>
-            <a:lvl9pPr marR="0" lvl="8" algn="l" rtl="0">
-              <a:lnSpc>
-                <a:spcPct val="100000"/>
-              </a:lnSpc>
-              <a:spcBef>
-                <a:spcPts val="0"/>
-              </a:spcBef>
-              <a:spcAft>
-                <a:spcPts val="0"/>
-              </a:spcAft>
-              <a:buClr>
-                <a:srgbClr val="000000"/>
-              </a:buClr>
-              <a:buFont typeface="Arial"/>
-              <a:defRPr sz="1400" b="0" i="0" u="none" strike="noStrike" cap="none">
-                <a:solidFill>
-                  <a:srgbClr val="000000"/>
-                </a:solidFill>
-                <a:latin typeface="Arial"/>
-                <a:ea typeface="Arial"/>
-                <a:cs typeface="Arial"/>
-                <a:sym typeface="Arial"/>
-              </a:defRPr>
-            </a:lvl9pPr>
-          </a:lstStyle>
-          <a:p>
-            <a:pPr marL="0" marR="0" lvl="0" indent="0" algn="ctr" rtl="0">
-              <a:lnSpc>
-                <a:spcPct val="100000"/>
-              </a:lnSpc>
-              <a:spcBef>
-                <a:spcPts val="0"/>
-              </a:spcBef>
-              <a:spcAft>
-                <a:spcPts val="0"/>
-              </a:spcAft>
-              <a:buClr>
-                <a:srgbClr val="000000"/>
-              </a:buClr>
-              <a:buSzPts val="3200"/>
-              <a:buFont typeface="Arial"/>
-              <a:buNone/>
-            </a:pPr>
-            <a:r>
-              <a:rPr lang="ja-JP" sz="3200" b="0" i="0" u="none" strike="noStrike" cap="none" dirty="0">
-                <a:solidFill>
-                  <a:schemeClr val="lt1"/>
-                </a:solidFill>
-                <a:latin typeface="Arial"/>
-                <a:ea typeface="Arial"/>
-                <a:cs typeface="Arial"/>
-                <a:sym typeface="Arial"/>
-              </a:rPr>
-              <a:t>てなろぼ★ぷらいまりぃ</a:t>
-            </a:r>
-            <a:endParaRPr sz="3200" b="0" i="0" u="none" strike="noStrike" cap="none" dirty="0">
-              <a:solidFill>
-                <a:schemeClr val="lt1"/>
-              </a:solidFill>
-              <a:latin typeface="Arial"/>
-              <a:ea typeface="Arial"/>
-              <a:cs typeface="Arial"/>
-              <a:sym typeface="Arial"/>
-            </a:endParaRPr>
-          </a:p>
-        </p:txBody>
-      </p:sp>
-      <mc:AlternateContent xmlns:mc="http://schemas.openxmlformats.org/markup-compatibility/2006" xmlns:p14="http://schemas.microsoft.com/office/powerpoint/2010/main">
-        <mc:Choice Requires="p14">
-          <p:contentPart p14:bwMode="auto" r:id="rId3">
-            <p14:nvContentPartPr>
-              <p14:cNvPr id="34" name="インク 33">
-                <a:extLst>
-                  <a:ext uri="{FF2B5EF4-FFF2-40B4-BE49-F238E27FC236}">
-                    <a16:creationId xmlns:a16="http://schemas.microsoft.com/office/drawing/2014/main" id="{321A5132-5EE6-EA98-CEE4-BA5E11FBE6F5}"/>
-                  </a:ext>
-                </a:extLst>
-              </p14:cNvPr>
-              <p14:cNvContentPartPr/>
-              <p14:nvPr/>
-            </p14:nvContentPartPr>
-            <p14:xfrm>
-              <a:off x="8296793" y="121087"/>
-              <a:ext cx="360" cy="360"/>
-            </p14:xfrm>
-          </p:contentPart>
-        </mc:Choice>
-        <mc:Fallback xmlns="">
-          <p:pic>
-            <p:nvPicPr>
-              <p:cNvPr id="34" name="インク 33">
-                <a:extLst>
-                  <a:ext uri="{FF2B5EF4-FFF2-40B4-BE49-F238E27FC236}">
-                    <a16:creationId xmlns:a16="http://schemas.microsoft.com/office/drawing/2014/main" id="{321A5132-5EE6-EA98-CEE4-BA5E11FBE6F5}"/>
-                  </a:ext>
-                </a:extLst>
-              </p:cNvPr>
-              <p:cNvPicPr/>
-              <p:nvPr/>
-            </p:nvPicPr>
-            <p:blipFill>
-              <a:blip r:embed="rId6"/>
-              <a:stretch>
-                <a:fillRect/>
-              </a:stretch>
-            </p:blipFill>
-            <p:spPr>
-              <a:xfrm>
-                <a:off x="8290673" y="114967"/>
-                <a:ext cx="12600" cy="12600"/>
-              </a:xfrm>
-              <a:prstGeom prst="rect">
-                <a:avLst/>
-              </a:prstGeom>
-            </p:spPr>
-          </p:pic>
-        </mc:Fallback>
-      </mc:AlternateContent>
-      <mc:AlternateContent xmlns:mc="http://schemas.openxmlformats.org/markup-compatibility/2006" xmlns:p14="http://schemas.microsoft.com/office/powerpoint/2010/main">
-        <mc:Choice Requires="p14">
-          <p:contentPart p14:bwMode="auto" r:id="rId7">
-            <p14:nvContentPartPr>
-              <p14:cNvPr id="35" name="インク 34">
-                <a:extLst>
-                  <a:ext uri="{FF2B5EF4-FFF2-40B4-BE49-F238E27FC236}">
-                    <a16:creationId xmlns:a16="http://schemas.microsoft.com/office/drawing/2014/main" id="{553F4E8F-67A5-23F5-DDAF-47A374F2AD1B}"/>
-                  </a:ext>
-                </a:extLst>
-              </p14:cNvPr>
-              <p14:cNvContentPartPr/>
-              <p14:nvPr/>
-            </p14:nvContentPartPr>
-            <p14:xfrm>
-              <a:off x="8982593" y="1667287"/>
-              <a:ext cx="360" cy="360"/>
-            </p14:xfrm>
-          </p:contentPart>
-        </mc:Choice>
-        <mc:Fallback xmlns="">
-          <p:pic>
-            <p:nvPicPr>
-              <p:cNvPr id="35" name="インク 34">
-                <a:extLst>
-                  <a:ext uri="{FF2B5EF4-FFF2-40B4-BE49-F238E27FC236}">
-                    <a16:creationId xmlns:a16="http://schemas.microsoft.com/office/drawing/2014/main" id="{553F4E8F-67A5-23F5-DDAF-47A374F2AD1B}"/>
-                  </a:ext>
-                </a:extLst>
-              </p:cNvPr>
-              <p:cNvPicPr/>
-              <p:nvPr/>
-            </p:nvPicPr>
-            <p:blipFill>
-              <a:blip r:embed="rId6"/>
-              <a:stretch>
-                <a:fillRect/>
-              </a:stretch>
-            </p:blipFill>
-            <p:spPr>
-              <a:xfrm>
-                <a:off x="8976473" y="1661167"/>
-                <a:ext cx="12600" cy="12600"/>
-              </a:xfrm>
-              <a:prstGeom prst="rect">
-                <a:avLst/>
-              </a:prstGeom>
-            </p:spPr>
-          </p:pic>
-        </mc:Fallback>
-      </mc:AlternateContent>
       <p:cxnSp>
         <p:nvCxnSpPr>
           <p:cNvPr id="36" name="Google Shape;127;p4">
@@ -11220,169 +10351,6 @@
           </a:ln>
         </p:spPr>
       </p:cxnSp>
-      <p:sp>
-        <p:nvSpPr>
-          <p:cNvPr id="21" name="テキスト ボックス 20">
-            <a:extLst>
-              <a:ext uri="{FF2B5EF4-FFF2-40B4-BE49-F238E27FC236}">
-                <a16:creationId xmlns:a16="http://schemas.microsoft.com/office/drawing/2014/main" id="{90BAE9BB-7C52-5576-6160-6DA706F41897}"/>
-              </a:ext>
-            </a:extLst>
-          </p:cNvPr>
-          <p:cNvSpPr txBox="1"/>
-          <p:nvPr/>
-        </p:nvSpPr>
-        <p:spPr>
-          <a:xfrm>
-            <a:off x="228187" y="5203582"/>
-            <a:ext cx="2978520" cy="284693"/>
-          </a:xfrm>
-          <a:prstGeom prst="rect">
-            <a:avLst/>
-          </a:prstGeom>
-          <a:noFill/>
-        </p:spPr>
-        <p:txBody>
-          <a:bodyPr wrap="square" rtlCol="0">
-            <a:spAutoFit/>
-          </a:bodyPr>
-          <a:lstStyle/>
-          <a:p>
-            <a:r>
-              <a:rPr kumimoji="1" lang="ja-JP" altLang="en-US" sz="1250" dirty="0">
-                <a:latin typeface="BIZ UDPゴシック" panose="020B0400000000000000" pitchFamily="50" charset="-128"/>
-                <a:ea typeface="BIZ UDPゴシック" panose="020B0400000000000000" pitchFamily="50" charset="-128"/>
-              </a:rPr>
-              <a:t>図</a:t>
-            </a:r>
-            <a:r>
-              <a:rPr kumimoji="1" lang="en-US" altLang="ja-JP" sz="1250" dirty="0">
-                <a:latin typeface="BIZ UDPゴシック" panose="020B0400000000000000" pitchFamily="50" charset="-128"/>
-                <a:ea typeface="BIZ UDPゴシック" panose="020B0400000000000000" pitchFamily="50" charset="-128"/>
-              </a:rPr>
-              <a:t>2.1 </a:t>
-            </a:r>
-            <a:r>
-              <a:rPr lang="ja-JP" altLang="en-US" sz="1250" dirty="0">
-                <a:latin typeface="BIZ UDPゴシック" panose="020B0400000000000000" pitchFamily="50" charset="-128"/>
-                <a:ea typeface="BIZ UDPゴシック" panose="020B0400000000000000" pitchFamily="50" charset="-128"/>
-              </a:rPr>
-              <a:t>パッケージ構成</a:t>
-            </a:r>
-            <a:r>
-              <a:rPr kumimoji="1" lang="en-US" altLang="ja-JP" sz="1250" dirty="0">
-                <a:latin typeface="BIZ UDPゴシック" panose="020B0400000000000000" pitchFamily="50" charset="-128"/>
-                <a:ea typeface="BIZ UDPゴシック" panose="020B0400000000000000" pitchFamily="50" charset="-128"/>
-              </a:rPr>
-              <a:t>(</a:t>
-            </a:r>
-            <a:r>
-              <a:rPr kumimoji="1" lang="ja-JP" altLang="en-US" sz="1250" dirty="0">
-                <a:latin typeface="BIZ UDPゴシック" panose="020B0400000000000000" pitchFamily="50" charset="-128"/>
-                <a:ea typeface="BIZ UDPゴシック" panose="020B0400000000000000" pitchFamily="50" charset="-128"/>
-              </a:rPr>
-              <a:t>パッケージ図</a:t>
-            </a:r>
-            <a:r>
-              <a:rPr kumimoji="1" lang="en-US" altLang="ja-JP" sz="1250" dirty="0">
-                <a:latin typeface="BIZ UDPゴシック" panose="020B0400000000000000" pitchFamily="50" charset="-128"/>
-                <a:ea typeface="BIZ UDPゴシック" panose="020B0400000000000000" pitchFamily="50" charset="-128"/>
-              </a:rPr>
-              <a:t>)</a:t>
-            </a:r>
-            <a:endParaRPr kumimoji="1" lang="ja-JP" altLang="en-US" sz="1200" dirty="0">
-              <a:latin typeface="BIZ UDPゴシック" panose="020B0400000000000000" pitchFamily="50" charset="-128"/>
-              <a:ea typeface="BIZ UDPゴシック" panose="020B0400000000000000" pitchFamily="50" charset="-128"/>
-            </a:endParaRPr>
-          </a:p>
-        </p:txBody>
-      </p:sp>
-      <p:sp>
-        <p:nvSpPr>
-          <p:cNvPr id="22" name="テキスト ボックス 21">
-            <a:extLst>
-              <a:ext uri="{FF2B5EF4-FFF2-40B4-BE49-F238E27FC236}">
-                <a16:creationId xmlns:a16="http://schemas.microsoft.com/office/drawing/2014/main" id="{773B18CC-DD12-82B8-2724-DB680407DD46}"/>
-              </a:ext>
-            </a:extLst>
-          </p:cNvPr>
-          <p:cNvSpPr txBox="1"/>
-          <p:nvPr/>
-        </p:nvSpPr>
-        <p:spPr>
-          <a:xfrm>
-            <a:off x="7304497" y="1533780"/>
-            <a:ext cx="1984592" cy="284693"/>
-          </a:xfrm>
-          <a:prstGeom prst="rect">
-            <a:avLst/>
-          </a:prstGeom>
-          <a:noFill/>
-        </p:spPr>
-        <p:txBody>
-          <a:bodyPr wrap="square" rtlCol="0">
-            <a:spAutoFit/>
-          </a:bodyPr>
-          <a:lstStyle/>
-          <a:p>
-            <a:r>
-              <a:rPr lang="ja-JP" altLang="en-US" sz="1250" dirty="0">
-                <a:latin typeface="BIZ UDPゴシック" panose="020B0400000000000000" pitchFamily="50" charset="-128"/>
-                <a:ea typeface="BIZ UDPゴシック" panose="020B0400000000000000" pitchFamily="50" charset="-128"/>
-              </a:rPr>
-              <a:t>表</a:t>
-            </a:r>
-            <a:r>
-              <a:rPr kumimoji="1" lang="en-US" altLang="ja-JP" sz="1250" dirty="0">
-                <a:latin typeface="BIZ UDPゴシック" panose="020B0400000000000000" pitchFamily="50" charset="-128"/>
-                <a:ea typeface="BIZ UDPゴシック" panose="020B0400000000000000" pitchFamily="50" charset="-128"/>
-              </a:rPr>
-              <a:t>2.1 </a:t>
-            </a:r>
-            <a:r>
-              <a:rPr kumimoji="1" lang="ja-JP" altLang="en-US" sz="1250" dirty="0">
-                <a:latin typeface="BIZ UDPゴシック" panose="020B0400000000000000" pitchFamily="50" charset="-128"/>
-                <a:ea typeface="BIZ UDPゴシック" panose="020B0400000000000000" pitchFamily="50" charset="-128"/>
-              </a:rPr>
-              <a:t>パッケージの役割</a:t>
-            </a:r>
-            <a:endParaRPr kumimoji="1" lang="ja-JP" altLang="en-US" sz="1200" dirty="0">
-              <a:latin typeface="BIZ UDPゴシック" panose="020B0400000000000000" pitchFamily="50" charset="-128"/>
-              <a:ea typeface="BIZ UDPゴシック" panose="020B0400000000000000" pitchFamily="50" charset="-128"/>
-            </a:endParaRPr>
-          </a:p>
-        </p:txBody>
-      </p:sp>
-      <p:pic>
-        <p:nvPicPr>
-          <p:cNvPr id="6" name="図 5">
-            <a:extLst>
-              <a:ext uri="{FF2B5EF4-FFF2-40B4-BE49-F238E27FC236}">
-                <a16:creationId xmlns:a16="http://schemas.microsoft.com/office/drawing/2014/main" id="{90C9E322-3BD5-9820-2AE7-895A78653742}"/>
-              </a:ext>
-            </a:extLst>
-          </p:cNvPr>
-          <p:cNvPicPr>
-            <a:picLocks noChangeAspect="1"/>
-          </p:cNvPicPr>
-          <p:nvPr/>
-        </p:nvPicPr>
-        <p:blipFill>
-          <a:blip r:embed="rId8"/>
-          <a:stretch>
-            <a:fillRect/>
-          </a:stretch>
-        </p:blipFill>
-        <p:spPr>
-          <a:xfrm>
-            <a:off x="228187" y="1771969"/>
-            <a:ext cx="2765470" cy="3462325"/>
-          </a:xfrm>
-          <a:prstGeom prst="rect">
-            <a:avLst/>
-          </a:prstGeom>
-        </p:spPr>
-      </p:pic>
       <p:sp>
         <p:nvSpPr>
           <p:cNvPr id="9" name="フリーフォーム: 図形 8">
@@ -12262,402 +11230,12 @@
           </a:p>
         </p:txBody>
       </p:sp>
-      <p:sp>
-        <p:nvSpPr>
-          <p:cNvPr id="11" name="テキスト ボックス 10">
+      <p:pic>
+        <p:nvPicPr>
+          <p:cNvPr id="30" name="図 29">
             <a:extLst>
               <a:ext uri="{FF2B5EF4-FFF2-40B4-BE49-F238E27FC236}">
-                <a16:creationId xmlns:a16="http://schemas.microsoft.com/office/drawing/2014/main" id="{0B7DFC25-DA29-AF16-A43B-4ABEA3454752}"/>
-              </a:ext>
-            </a:extLst>
-          </p:cNvPr>
-          <p:cNvSpPr txBox="1"/>
-          <p:nvPr/>
-        </p:nvSpPr>
-        <p:spPr>
-          <a:xfrm>
-            <a:off x="8351763" y="10317797"/>
-            <a:ext cx="2304256" cy="284693"/>
-          </a:xfrm>
-          <a:prstGeom prst="rect">
-            <a:avLst/>
-          </a:prstGeom>
-          <a:noFill/>
-        </p:spPr>
-        <p:txBody>
-          <a:bodyPr wrap="square" rtlCol="0">
-            <a:spAutoFit/>
-          </a:bodyPr>
-          <a:lstStyle/>
-          <a:p>
-            <a:r>
-              <a:rPr kumimoji="1" lang="ja-JP" altLang="en-US" sz="1250" dirty="0">
-                <a:latin typeface="BIZ UDPゴシック" panose="020B0400000000000000" pitchFamily="50" charset="-128"/>
-                <a:ea typeface="BIZ UDPゴシック" panose="020B0400000000000000" pitchFamily="50" charset="-128"/>
-              </a:rPr>
-              <a:t>図</a:t>
-            </a:r>
-            <a:r>
-              <a:rPr kumimoji="1" lang="en-US" altLang="ja-JP" sz="1250" dirty="0">
-                <a:latin typeface="BIZ UDPゴシック" panose="020B0400000000000000" pitchFamily="50" charset="-128"/>
-                <a:ea typeface="BIZ UDPゴシック" panose="020B0400000000000000" pitchFamily="50" charset="-128"/>
-              </a:rPr>
-              <a:t>2.2 </a:t>
-            </a:r>
-            <a:r>
-              <a:rPr kumimoji="1" lang="ja-JP" altLang="en-US" sz="1250" dirty="0">
-                <a:latin typeface="BIZ UDPゴシック" panose="020B0400000000000000" pitchFamily="50" charset="-128"/>
-                <a:ea typeface="BIZ UDPゴシック" panose="020B0400000000000000" pitchFamily="50" charset="-128"/>
-              </a:rPr>
-              <a:t>クラス構造</a:t>
-            </a:r>
-            <a:r>
-              <a:rPr kumimoji="1" lang="en-US" altLang="ja-JP" sz="1250" dirty="0">
-                <a:latin typeface="BIZ UDPゴシック" panose="020B0400000000000000" pitchFamily="50" charset="-128"/>
-                <a:ea typeface="BIZ UDPゴシック" panose="020B0400000000000000" pitchFamily="50" charset="-128"/>
-              </a:rPr>
-              <a:t>(</a:t>
-            </a:r>
-            <a:r>
-              <a:rPr kumimoji="1" lang="ja-JP" altLang="en-US" sz="1250" dirty="0">
-                <a:latin typeface="BIZ UDPゴシック" panose="020B0400000000000000" pitchFamily="50" charset="-128"/>
-                <a:ea typeface="BIZ UDPゴシック" panose="020B0400000000000000" pitchFamily="50" charset="-128"/>
-              </a:rPr>
-              <a:t>クラス図</a:t>
-            </a:r>
-            <a:r>
-              <a:rPr kumimoji="1" lang="en-US" altLang="ja-JP" sz="1250" dirty="0">
-                <a:latin typeface="BIZ UDPゴシック" panose="020B0400000000000000" pitchFamily="50" charset="-128"/>
-                <a:ea typeface="BIZ UDPゴシック" panose="020B0400000000000000" pitchFamily="50" charset="-128"/>
-              </a:rPr>
-              <a:t>)</a:t>
-            </a:r>
-            <a:endParaRPr kumimoji="1" lang="ja-JP" altLang="en-US" sz="1200" dirty="0">
-              <a:latin typeface="BIZ UDPゴシック" panose="020B0400000000000000" pitchFamily="50" charset="-128"/>
-              <a:ea typeface="BIZ UDPゴシック" panose="020B0400000000000000" pitchFamily="50" charset="-128"/>
-            </a:endParaRPr>
-          </a:p>
-        </p:txBody>
-      </p:sp>
-      <p:pic>
-        <p:nvPicPr>
-          <p:cNvPr id="18" name="図 17">
-            <a:extLst>
-              <a:ext uri="{FF2B5EF4-FFF2-40B4-BE49-F238E27FC236}">
-                <a16:creationId xmlns:a16="http://schemas.microsoft.com/office/drawing/2014/main" id="{B6ADEB2C-D034-1027-B38C-316E54EEDBBD}"/>
-              </a:ext>
-            </a:extLst>
-          </p:cNvPr>
-          <p:cNvPicPr>
-            <a:picLocks noChangeAspect="1"/>
-          </p:cNvPicPr>
-          <p:nvPr/>
-        </p:nvPicPr>
-        <p:blipFill>
-          <a:blip r:embed="rId9"/>
-          <a:stretch>
-            <a:fillRect/>
-          </a:stretch>
-        </p:blipFill>
-        <p:spPr>
-          <a:xfrm>
-            <a:off x="3117686" y="1814156"/>
-            <a:ext cx="11841227" cy="2019582"/>
-          </a:xfrm>
-          <a:prstGeom prst="rect">
-            <a:avLst/>
-          </a:prstGeom>
-        </p:spPr>
-      </p:pic>
-      <p:pic>
-        <p:nvPicPr>
-          <p:cNvPr id="12" name="図 11">
-            <a:extLst>
-              <a:ext uri="{FF2B5EF4-FFF2-40B4-BE49-F238E27FC236}">
-                <a16:creationId xmlns:a16="http://schemas.microsoft.com/office/drawing/2014/main" id="{335155A7-62F5-036B-16E6-53937D275200}"/>
-              </a:ext>
-            </a:extLst>
-          </p:cNvPr>
-          <p:cNvPicPr>
-            <a:picLocks noChangeAspect="1"/>
-          </p:cNvPicPr>
-          <p:nvPr/>
-        </p:nvPicPr>
-        <p:blipFill>
-          <a:blip r:embed="rId10"/>
-          <a:stretch>
-            <a:fillRect/>
-          </a:stretch>
-        </p:blipFill>
-        <p:spPr>
-          <a:xfrm>
-            <a:off x="3527227" y="3929758"/>
-            <a:ext cx="11392364" cy="6456707"/>
-          </a:xfrm>
-          <a:prstGeom prst="rect">
-            <a:avLst/>
-          </a:prstGeom>
-        </p:spPr>
-      </p:pic>
-    </p:spTree>
-    <p:extLst>
-      <p:ext uri="{BB962C8B-B14F-4D97-AF65-F5344CB8AC3E}">
-        <p14:creationId xmlns:p14="http://schemas.microsoft.com/office/powerpoint/2010/main" val="3609020167"/>
-      </p:ext>
-    </p:extLst>
-  </p:cSld>
-  <p:clrMapOvr>
-    <a:masterClrMapping/>
-  </p:clrMapOvr>
-</p:sld>
-</file>
-
-<file path=ppt/slides/slide4.xml><?xml version="1.0" encoding="utf-8"?>
-<p:sld xmlns:a="http://schemas.openxmlformats.org/drawingml/2006/main" xmlns:r="http://schemas.openxmlformats.org/officeDocument/2006/relationships" xmlns:p="http://schemas.openxmlformats.org/presentationml/2006/main">
-  <p:cSld>
-    <p:spTree>
-      <p:nvGrpSpPr>
-        <p:cNvPr id="1" name="">
-          <a:extLst>
-            <a:ext uri="{FF2B5EF4-FFF2-40B4-BE49-F238E27FC236}">
-              <a16:creationId xmlns:a16="http://schemas.microsoft.com/office/drawing/2014/main" id="{7BE610D7-E4BE-8A1D-732D-8DD8D99F9AF8}"/>
-            </a:ext>
-          </a:extLst>
-        </p:cNvPr>
-        <p:cNvGrpSpPr/>
-        <p:nvPr/>
-      </p:nvGrpSpPr>
-      <p:grpSpPr>
-        <a:xfrm>
-          <a:off x="0" y="0"/>
-          <a:ext cx="0" cy="0"/>
-          <a:chOff x="0" y="0"/>
-          <a:chExt cx="0" cy="0"/>
-        </a:xfrm>
-      </p:grpSpPr>
-      <p:sp>
-        <p:nvSpPr>
-          <p:cNvPr id="23" name="Rectangle 3">
-            <a:extLst>
-              <a:ext uri="{FF2B5EF4-FFF2-40B4-BE49-F238E27FC236}">
-                <a16:creationId xmlns:a16="http://schemas.microsoft.com/office/drawing/2014/main" id="{036665F3-0A37-90F6-47F7-EBF21F60A91C}"/>
-              </a:ext>
-            </a:extLst>
-          </p:cNvPr>
-          <p:cNvSpPr>
-            <a:spLocks noChangeArrowheads="1"/>
-          </p:cNvSpPr>
-          <p:nvPr/>
-        </p:nvSpPr>
-        <p:spPr bwMode="auto">
-          <a:xfrm>
-            <a:off x="152498" y="649234"/>
-            <a:ext cx="4670513" cy="3399808"/>
-          </a:xfrm>
-          <a:prstGeom prst="rect">
-            <a:avLst/>
-          </a:prstGeom>
-          <a:noFill/>
-          <a:ln w="9525">
-            <a:solidFill>
-              <a:schemeClr val="accent2"/>
-            </a:solidFill>
-            <a:miter lim="800000"/>
-            <a:headEnd/>
-            <a:tailEnd/>
-          </a:ln>
-          <a:extLst>
-            <a:ext uri="{909E8E84-426E-40DD-AFC4-6F175D3DCCD1}">
-              <a14:hiddenFill xmlns:a14="http://schemas.microsoft.com/office/drawing/2010/main">
-                <a:solidFill>
-                  <a:srgbClr val="FFFFFF"/>
-                </a:solidFill>
-              </a14:hiddenFill>
-            </a:ext>
-          </a:extLst>
-        </p:spPr>
-        <p:txBody>
-          <a:bodyPr lIns="120687" tIns="60343" rIns="120687" bIns="60343"/>
-          <a:lstStyle>
-            <a:lvl1pPr marL="481013" indent="-481013" defTabSz="1279525" eaLnBrk="0" hangingPunct="0">
-              <a:defRPr kumimoji="1" sz="1600">
-                <a:solidFill>
-                  <a:schemeClr val="tx1"/>
-                </a:solidFill>
-                <a:latin typeface="Times New Roman" panose="02020603050405020304" pitchFamily="18" charset="0"/>
-                <a:ea typeface="ＭＳ Ｐゴシック" panose="020B0600070205080204" pitchFamily="34" charset="-128"/>
-              </a:defRPr>
-            </a:lvl1pPr>
-            <a:lvl2pPr marL="742950" indent="-285750" defTabSz="1279525" eaLnBrk="0" hangingPunct="0">
-              <a:defRPr kumimoji="1" sz="1600">
-                <a:solidFill>
-                  <a:schemeClr val="tx1"/>
-                </a:solidFill>
-                <a:latin typeface="Times New Roman" panose="02020603050405020304" pitchFamily="18" charset="0"/>
-                <a:ea typeface="ＭＳ Ｐゴシック" panose="020B0600070205080204" pitchFamily="34" charset="-128"/>
-              </a:defRPr>
-            </a:lvl2pPr>
-            <a:lvl3pPr marL="1143000" indent="-228600" defTabSz="1279525" eaLnBrk="0" hangingPunct="0">
-              <a:defRPr kumimoji="1" sz="1600">
-                <a:solidFill>
-                  <a:schemeClr val="tx1"/>
-                </a:solidFill>
-                <a:latin typeface="Times New Roman" panose="02020603050405020304" pitchFamily="18" charset="0"/>
-                <a:ea typeface="ＭＳ Ｐゴシック" panose="020B0600070205080204" pitchFamily="34" charset="-128"/>
-              </a:defRPr>
-            </a:lvl3pPr>
-            <a:lvl4pPr marL="1600200" indent="-228600" defTabSz="1279525" eaLnBrk="0" hangingPunct="0">
-              <a:defRPr kumimoji="1" sz="1600">
-                <a:solidFill>
-                  <a:schemeClr val="tx1"/>
-                </a:solidFill>
-                <a:latin typeface="Times New Roman" panose="02020603050405020304" pitchFamily="18" charset="0"/>
-                <a:ea typeface="ＭＳ Ｐゴシック" panose="020B0600070205080204" pitchFamily="34" charset="-128"/>
-              </a:defRPr>
-            </a:lvl4pPr>
-            <a:lvl5pPr marL="2057400" indent="-228600" defTabSz="1279525" eaLnBrk="0" hangingPunct="0">
-              <a:defRPr kumimoji="1" sz="1600">
-                <a:solidFill>
-                  <a:schemeClr val="tx1"/>
-                </a:solidFill>
-                <a:latin typeface="Times New Roman" panose="02020603050405020304" pitchFamily="18" charset="0"/>
-                <a:ea typeface="ＭＳ Ｐゴシック" panose="020B0600070205080204" pitchFamily="34" charset="-128"/>
-              </a:defRPr>
-            </a:lvl5pPr>
-            <a:lvl6pPr marL="2514600" indent="-228600" defTabSz="1279525" eaLnBrk="0" fontAlgn="base" hangingPunct="0">
-              <a:spcBef>
-                <a:spcPct val="0"/>
-              </a:spcBef>
-              <a:spcAft>
-                <a:spcPct val="0"/>
-              </a:spcAft>
-              <a:defRPr kumimoji="1" sz="1600">
-                <a:solidFill>
-                  <a:schemeClr val="tx1"/>
-                </a:solidFill>
-                <a:latin typeface="Times New Roman" panose="02020603050405020304" pitchFamily="18" charset="0"/>
-                <a:ea typeface="ＭＳ Ｐゴシック" panose="020B0600070205080204" pitchFamily="34" charset="-128"/>
-              </a:defRPr>
-            </a:lvl6pPr>
-            <a:lvl7pPr marL="2971800" indent="-228600" defTabSz="1279525" eaLnBrk="0" fontAlgn="base" hangingPunct="0">
-              <a:spcBef>
-                <a:spcPct val="0"/>
-              </a:spcBef>
-              <a:spcAft>
-                <a:spcPct val="0"/>
-              </a:spcAft>
-              <a:defRPr kumimoji="1" sz="1600">
-                <a:solidFill>
-                  <a:schemeClr val="tx1"/>
-                </a:solidFill>
-                <a:latin typeface="Times New Roman" panose="02020603050405020304" pitchFamily="18" charset="0"/>
-                <a:ea typeface="ＭＳ Ｐゴシック" panose="020B0600070205080204" pitchFamily="34" charset="-128"/>
-              </a:defRPr>
-            </a:lvl7pPr>
-            <a:lvl8pPr marL="3429000" indent="-228600" defTabSz="1279525" eaLnBrk="0" fontAlgn="base" hangingPunct="0">
-              <a:spcBef>
-                <a:spcPct val="0"/>
-              </a:spcBef>
-              <a:spcAft>
-                <a:spcPct val="0"/>
-              </a:spcAft>
-              <a:defRPr kumimoji="1" sz="1600">
-                <a:solidFill>
-                  <a:schemeClr val="tx1"/>
-                </a:solidFill>
-                <a:latin typeface="Times New Roman" panose="02020603050405020304" pitchFamily="18" charset="0"/>
-                <a:ea typeface="ＭＳ Ｐゴシック" panose="020B0600070205080204" pitchFamily="34" charset="-128"/>
-              </a:defRPr>
-            </a:lvl8pPr>
-            <a:lvl9pPr marL="3886200" indent="-228600" defTabSz="1279525" eaLnBrk="0" fontAlgn="base" hangingPunct="0">
-              <a:spcBef>
-                <a:spcPct val="0"/>
-              </a:spcBef>
-              <a:spcAft>
-                <a:spcPct val="0"/>
-              </a:spcAft>
-              <a:defRPr kumimoji="1" sz="1600">
-                <a:solidFill>
-                  <a:schemeClr val="tx1"/>
-                </a:solidFill>
-                <a:latin typeface="Times New Roman" panose="02020603050405020304" pitchFamily="18" charset="0"/>
-                <a:ea typeface="ＭＳ Ｐゴシック" panose="020B0600070205080204" pitchFamily="34" charset="-128"/>
-              </a:defRPr>
-            </a:lvl9pPr>
-          </a:lstStyle>
-          <a:p>
-            <a:pPr eaLnBrk="1" hangingPunct="1">
-              <a:lnSpc>
-                <a:spcPct val="80000"/>
-              </a:lnSpc>
-              <a:spcBef>
-                <a:spcPct val="20000"/>
-              </a:spcBef>
-            </a:pPr>
-            <a:r>
-              <a:rPr lang="en-US" altLang="ja-JP" sz="1782" dirty="0">
-                <a:solidFill>
-                  <a:srgbClr val="FF0000"/>
-                </a:solidFill>
-                <a:latin typeface="UD デジタル 教科書体 NP" panose="02020400000000000000" pitchFamily="18" charset="-128"/>
-                <a:ea typeface="UD デジタル 教科書体 NP" panose="02020400000000000000" pitchFamily="18" charset="-128"/>
-              </a:rPr>
-              <a:t>3-1. </a:t>
-            </a:r>
-            <a:r>
-              <a:rPr lang="ja-JP" altLang="en-US" sz="1782" dirty="0">
-                <a:solidFill>
-                  <a:srgbClr val="FF0000"/>
-                </a:solidFill>
-                <a:latin typeface="UD デジタル 教科書体 NP" panose="02020400000000000000" pitchFamily="18" charset="-128"/>
-                <a:ea typeface="UD デジタル 教科書体 NP" panose="02020400000000000000" pitchFamily="18" charset="-128"/>
-              </a:rPr>
-              <a:t>状態遷移</a:t>
-            </a:r>
-          </a:p>
-          <a:p>
-            <a:pPr eaLnBrk="1" hangingPunct="1">
-              <a:lnSpc>
-                <a:spcPct val="80000"/>
-              </a:lnSpc>
-              <a:spcBef>
-                <a:spcPct val="20000"/>
-              </a:spcBef>
-            </a:pPr>
-            <a:r>
-              <a:rPr lang="ja-JP" altLang="en-US" sz="1200" dirty="0">
-                <a:latin typeface="UD デジタル 教科書体 NP" panose="02020400000000000000" pitchFamily="18" charset="-128"/>
-                <a:ea typeface="UD デジタル 教科書体 NP" panose="02020400000000000000" pitchFamily="18" charset="-128"/>
-              </a:rPr>
-              <a:t>ダブルループにおける状態遷移について図</a:t>
-            </a:r>
-            <a:r>
-              <a:rPr lang="en-US" altLang="ja-JP" sz="1200" dirty="0">
-                <a:latin typeface="UD デジタル 教科書体 NP" panose="02020400000000000000" pitchFamily="18" charset="-128"/>
-                <a:ea typeface="UD デジタル 教科書体 NP" panose="02020400000000000000" pitchFamily="18" charset="-128"/>
-              </a:rPr>
-              <a:t>3.1</a:t>
-            </a:r>
-            <a:r>
-              <a:rPr lang="ja-JP" altLang="en-US" sz="1200" dirty="0">
-                <a:latin typeface="UD デジタル 教科書体 NP" panose="02020400000000000000" pitchFamily="18" charset="-128"/>
-                <a:ea typeface="UD デジタル 教科書体 NP" panose="02020400000000000000" pitchFamily="18" charset="-128"/>
-              </a:rPr>
-              <a:t>に示した。</a:t>
-            </a:r>
-            <a:endParaRPr lang="en-US" altLang="ja-JP" sz="1200" dirty="0">
-              <a:latin typeface="UD デジタル 教科書体 NP" panose="02020400000000000000" pitchFamily="18" charset="-128"/>
-              <a:ea typeface="UD デジタル 教科書体 NP" panose="02020400000000000000" pitchFamily="18" charset="-128"/>
-            </a:endParaRPr>
-          </a:p>
-        </p:txBody>
-      </p:sp>
-      <p:pic>
-        <p:nvPicPr>
-          <p:cNvPr id="24" name="図 23">
-            <a:extLst>
-              <a:ext uri="{FF2B5EF4-FFF2-40B4-BE49-F238E27FC236}">
-                <a16:creationId xmlns:a16="http://schemas.microsoft.com/office/drawing/2014/main" id="{7A335D35-D900-AF6D-68AA-9EC6DFFE1D54}"/>
+                <a16:creationId xmlns:a16="http://schemas.microsoft.com/office/drawing/2014/main" id="{A694C179-8367-8B8F-8280-710CCADD735F}"/>
               </a:ext>
             </a:extLst>
           </p:cNvPr>
@@ -12684,10 +11262,10 @@
       </p:pic>
       <p:sp>
         <p:nvSpPr>
-          <p:cNvPr id="25" name="Google Shape;92;p3">
+          <p:cNvPr id="32" name="Google Shape;92;p3">
             <a:extLst>
               <a:ext uri="{FF2B5EF4-FFF2-40B4-BE49-F238E27FC236}">
-                <a16:creationId xmlns:a16="http://schemas.microsoft.com/office/drawing/2014/main" id="{1CF113CB-622E-490E-71EC-1801124C9FD5}"/>
+                <a16:creationId xmlns:a16="http://schemas.microsoft.com/office/drawing/2014/main" id="{A2B30738-3509-02C3-49A8-97C0B53C896B}"/>
               </a:ext>
             </a:extLst>
           </p:cNvPr>
@@ -12986,7 +11564,7 @@
                 <a:latin typeface="+mj-ea"/>
                 <a:ea typeface="+mj-ea"/>
               </a:rPr>
-              <a:t>3</a:t>
+              <a:t>2</a:t>
             </a:r>
             <a:r>
               <a:rPr lang="ja-JP" sz="2800" b="1" dirty="0">
@@ -13006,7 +11584,7 @@
                 <a:latin typeface="+mj-ea"/>
                 <a:ea typeface="+mj-ea"/>
               </a:rPr>
-              <a:t>振舞い</a:t>
+              <a:t>構造</a:t>
             </a:r>
             <a:r>
               <a:rPr lang="ja-JP" sz="2800" b="1" dirty="0">
@@ -13030,10 +11608,10 @@
       </p:sp>
       <p:sp>
         <p:nvSpPr>
-          <p:cNvPr id="26" name="Google Shape;110;p3">
+          <p:cNvPr id="33" name="Google Shape;110;p3">
             <a:extLst>
               <a:ext uri="{FF2B5EF4-FFF2-40B4-BE49-F238E27FC236}">
-                <a16:creationId xmlns:a16="http://schemas.microsoft.com/office/drawing/2014/main" id="{04AC1331-23B7-79FF-97BA-7D0E19FFC16F}"/>
+                <a16:creationId xmlns:a16="http://schemas.microsoft.com/office/drawing/2014/main" id="{7452E432-6912-3352-2E02-527B4589D933}"/>
               </a:ext>
             </a:extLst>
           </p:cNvPr>
@@ -13334,10 +11912,1681 @@
         <mc:Choice Requires="p14">
           <p:contentPart p14:bwMode="auto" r:id="rId3">
             <p14:nvContentPartPr>
+              <p14:cNvPr id="34" name="インク 33">
+                <a:extLst>
+                  <a:ext uri="{FF2B5EF4-FFF2-40B4-BE49-F238E27FC236}">
+                    <a16:creationId xmlns:a16="http://schemas.microsoft.com/office/drawing/2014/main" id="{321A5132-5EE6-EA98-CEE4-BA5E11FBE6F5}"/>
+                  </a:ext>
+                </a:extLst>
+              </p14:cNvPr>
+              <p14:cNvContentPartPr/>
+              <p14:nvPr/>
+            </p14:nvContentPartPr>
+            <p14:xfrm>
+              <a:off x="8296793" y="121087"/>
+              <a:ext cx="360" cy="360"/>
+            </p14:xfrm>
+          </p:contentPart>
+        </mc:Choice>
+        <mc:Fallback xmlns="">
+          <p:pic>
+            <p:nvPicPr>
+              <p:cNvPr id="34" name="インク 33">
+                <a:extLst>
+                  <a:ext uri="{FF2B5EF4-FFF2-40B4-BE49-F238E27FC236}">
+                    <a16:creationId xmlns:a16="http://schemas.microsoft.com/office/drawing/2014/main" id="{321A5132-5EE6-EA98-CEE4-BA5E11FBE6F5}"/>
+                  </a:ext>
+                </a:extLst>
+              </p:cNvPr>
+              <p:cNvPicPr/>
+              <p:nvPr/>
+            </p:nvPicPr>
+            <p:blipFill>
+              <a:blip r:embed="rId6"/>
+              <a:stretch>
+                <a:fillRect/>
+              </a:stretch>
+            </p:blipFill>
+            <p:spPr>
+              <a:xfrm>
+                <a:off x="8290673" y="114967"/>
+                <a:ext cx="12600" cy="12600"/>
+              </a:xfrm>
+              <a:prstGeom prst="rect">
+                <a:avLst/>
+              </a:prstGeom>
+            </p:spPr>
+          </p:pic>
+        </mc:Fallback>
+      </mc:AlternateContent>
+      <mc:AlternateContent xmlns:mc="http://schemas.openxmlformats.org/markup-compatibility/2006" xmlns:p14="http://schemas.microsoft.com/office/powerpoint/2010/main">
+        <mc:Choice Requires="p14">
+          <p:contentPart p14:bwMode="auto" r:id="rId7">
+            <p14:nvContentPartPr>
+              <p14:cNvPr id="35" name="インク 34">
+                <a:extLst>
+                  <a:ext uri="{FF2B5EF4-FFF2-40B4-BE49-F238E27FC236}">
+                    <a16:creationId xmlns:a16="http://schemas.microsoft.com/office/drawing/2014/main" id="{553F4E8F-67A5-23F5-DDAF-47A374F2AD1B}"/>
+                  </a:ext>
+                </a:extLst>
+              </p14:cNvPr>
+              <p14:cNvContentPartPr/>
+              <p14:nvPr/>
+            </p14:nvContentPartPr>
+            <p14:xfrm>
+              <a:off x="8982593" y="1667287"/>
+              <a:ext cx="360" cy="360"/>
+            </p14:xfrm>
+          </p:contentPart>
+        </mc:Choice>
+        <mc:Fallback xmlns="">
+          <p:pic>
+            <p:nvPicPr>
+              <p:cNvPr id="35" name="インク 34">
+                <a:extLst>
+                  <a:ext uri="{FF2B5EF4-FFF2-40B4-BE49-F238E27FC236}">
+                    <a16:creationId xmlns:a16="http://schemas.microsoft.com/office/drawing/2014/main" id="{553F4E8F-67A5-23F5-DDAF-47A374F2AD1B}"/>
+                  </a:ext>
+                </a:extLst>
+              </p:cNvPr>
+              <p:cNvPicPr/>
+              <p:nvPr/>
+            </p:nvPicPr>
+            <p:blipFill>
+              <a:blip r:embed="rId6"/>
+              <a:stretch>
+                <a:fillRect/>
+              </a:stretch>
+            </p:blipFill>
+            <p:spPr>
+              <a:xfrm>
+                <a:off x="8976473" y="1661167"/>
+                <a:ext cx="12600" cy="12600"/>
+              </a:xfrm>
+              <a:prstGeom prst="rect">
+                <a:avLst/>
+              </a:prstGeom>
+            </p:spPr>
+          </p:pic>
+        </mc:Fallback>
+      </mc:AlternateContent>
+      <p:sp>
+        <p:nvSpPr>
+          <p:cNvPr id="21" name="テキスト ボックス 20">
+            <a:extLst>
+              <a:ext uri="{FF2B5EF4-FFF2-40B4-BE49-F238E27FC236}">
+                <a16:creationId xmlns:a16="http://schemas.microsoft.com/office/drawing/2014/main" id="{90BAE9BB-7C52-5576-6160-6DA706F41897}"/>
+              </a:ext>
+            </a:extLst>
+          </p:cNvPr>
+          <p:cNvSpPr txBox="1"/>
+          <p:nvPr/>
+        </p:nvSpPr>
+        <p:spPr>
+          <a:xfrm>
+            <a:off x="228187" y="5203582"/>
+            <a:ext cx="2978520" cy="284693"/>
+          </a:xfrm>
+          <a:prstGeom prst="rect">
+            <a:avLst/>
+          </a:prstGeom>
+          <a:noFill/>
+        </p:spPr>
+        <p:txBody>
+          <a:bodyPr wrap="square" rtlCol="0">
+            <a:spAutoFit/>
+          </a:bodyPr>
+          <a:lstStyle/>
+          <a:p>
+            <a:r>
+              <a:rPr kumimoji="1" lang="ja-JP" altLang="en-US" sz="1250" dirty="0">
+                <a:latin typeface="BIZ UDPゴシック" panose="020B0400000000000000" pitchFamily="50" charset="-128"/>
+                <a:ea typeface="BIZ UDPゴシック" panose="020B0400000000000000" pitchFamily="50" charset="-128"/>
+              </a:rPr>
+              <a:t>図</a:t>
+            </a:r>
+            <a:r>
+              <a:rPr kumimoji="1" lang="en-US" altLang="ja-JP" sz="1250" dirty="0">
+                <a:latin typeface="BIZ UDPゴシック" panose="020B0400000000000000" pitchFamily="50" charset="-128"/>
+                <a:ea typeface="BIZ UDPゴシック" panose="020B0400000000000000" pitchFamily="50" charset="-128"/>
+              </a:rPr>
+              <a:t>2.1 </a:t>
+            </a:r>
+            <a:r>
+              <a:rPr lang="ja-JP" altLang="en-US" sz="1250" dirty="0">
+                <a:latin typeface="BIZ UDPゴシック" panose="020B0400000000000000" pitchFamily="50" charset="-128"/>
+                <a:ea typeface="BIZ UDPゴシック" panose="020B0400000000000000" pitchFamily="50" charset="-128"/>
+              </a:rPr>
+              <a:t>パッケージ構造</a:t>
+            </a:r>
+            <a:r>
+              <a:rPr kumimoji="1" lang="en-US" altLang="ja-JP" sz="1250" dirty="0">
+                <a:latin typeface="BIZ UDPゴシック" panose="020B0400000000000000" pitchFamily="50" charset="-128"/>
+                <a:ea typeface="BIZ UDPゴシック" panose="020B0400000000000000" pitchFamily="50" charset="-128"/>
+              </a:rPr>
+              <a:t>(</a:t>
+            </a:r>
+            <a:r>
+              <a:rPr kumimoji="1" lang="ja-JP" altLang="en-US" sz="1250" dirty="0">
+                <a:latin typeface="BIZ UDPゴシック" panose="020B0400000000000000" pitchFamily="50" charset="-128"/>
+                <a:ea typeface="BIZ UDPゴシック" panose="020B0400000000000000" pitchFamily="50" charset="-128"/>
+              </a:rPr>
+              <a:t>パッケージ図</a:t>
+            </a:r>
+            <a:r>
+              <a:rPr kumimoji="1" lang="en-US" altLang="ja-JP" sz="1250" dirty="0">
+                <a:latin typeface="BIZ UDPゴシック" panose="020B0400000000000000" pitchFamily="50" charset="-128"/>
+                <a:ea typeface="BIZ UDPゴシック" panose="020B0400000000000000" pitchFamily="50" charset="-128"/>
+              </a:rPr>
+              <a:t>)</a:t>
+            </a:r>
+            <a:endParaRPr kumimoji="1" lang="ja-JP" altLang="en-US" sz="1200" dirty="0">
+              <a:latin typeface="BIZ UDPゴシック" panose="020B0400000000000000" pitchFamily="50" charset="-128"/>
+              <a:ea typeface="BIZ UDPゴシック" panose="020B0400000000000000" pitchFamily="50" charset="-128"/>
+            </a:endParaRPr>
+          </a:p>
+        </p:txBody>
+      </p:sp>
+      <p:sp>
+        <p:nvSpPr>
+          <p:cNvPr id="22" name="テキスト ボックス 21">
+            <a:extLst>
+              <a:ext uri="{FF2B5EF4-FFF2-40B4-BE49-F238E27FC236}">
+                <a16:creationId xmlns:a16="http://schemas.microsoft.com/office/drawing/2014/main" id="{773B18CC-DD12-82B8-2724-DB680407DD46}"/>
+              </a:ext>
+            </a:extLst>
+          </p:cNvPr>
+          <p:cNvSpPr txBox="1"/>
+          <p:nvPr/>
+        </p:nvSpPr>
+        <p:spPr>
+          <a:xfrm>
+            <a:off x="7304497" y="1533780"/>
+            <a:ext cx="1984592" cy="284693"/>
+          </a:xfrm>
+          <a:prstGeom prst="rect">
+            <a:avLst/>
+          </a:prstGeom>
+          <a:noFill/>
+        </p:spPr>
+        <p:txBody>
+          <a:bodyPr wrap="square" rtlCol="0">
+            <a:spAutoFit/>
+          </a:bodyPr>
+          <a:lstStyle/>
+          <a:p>
+            <a:r>
+              <a:rPr lang="ja-JP" altLang="en-US" sz="1250" dirty="0">
+                <a:latin typeface="BIZ UDPゴシック" panose="020B0400000000000000" pitchFamily="50" charset="-128"/>
+                <a:ea typeface="BIZ UDPゴシック" panose="020B0400000000000000" pitchFamily="50" charset="-128"/>
+              </a:rPr>
+              <a:t>表</a:t>
+            </a:r>
+            <a:r>
+              <a:rPr kumimoji="1" lang="en-US" altLang="ja-JP" sz="1250" dirty="0">
+                <a:latin typeface="BIZ UDPゴシック" panose="020B0400000000000000" pitchFamily="50" charset="-128"/>
+                <a:ea typeface="BIZ UDPゴシック" panose="020B0400000000000000" pitchFamily="50" charset="-128"/>
+              </a:rPr>
+              <a:t>2.1 </a:t>
+            </a:r>
+            <a:r>
+              <a:rPr kumimoji="1" lang="ja-JP" altLang="en-US" sz="1250" dirty="0">
+                <a:latin typeface="BIZ UDPゴシック" panose="020B0400000000000000" pitchFamily="50" charset="-128"/>
+                <a:ea typeface="BIZ UDPゴシック" panose="020B0400000000000000" pitchFamily="50" charset="-128"/>
+              </a:rPr>
+              <a:t>パッケージの役割</a:t>
+            </a:r>
+            <a:endParaRPr kumimoji="1" lang="ja-JP" altLang="en-US" sz="1200" dirty="0">
+              <a:latin typeface="BIZ UDPゴシック" panose="020B0400000000000000" pitchFamily="50" charset="-128"/>
+              <a:ea typeface="BIZ UDPゴシック" panose="020B0400000000000000" pitchFamily="50" charset="-128"/>
+            </a:endParaRPr>
+          </a:p>
+        </p:txBody>
+      </p:sp>
+      <p:sp>
+        <p:nvSpPr>
+          <p:cNvPr id="11" name="テキスト ボックス 10">
+            <a:extLst>
+              <a:ext uri="{FF2B5EF4-FFF2-40B4-BE49-F238E27FC236}">
+                <a16:creationId xmlns:a16="http://schemas.microsoft.com/office/drawing/2014/main" id="{0B7DFC25-DA29-AF16-A43B-4ABEA3454752}"/>
+              </a:ext>
+            </a:extLst>
+          </p:cNvPr>
+          <p:cNvSpPr txBox="1"/>
+          <p:nvPr/>
+        </p:nvSpPr>
+        <p:spPr>
+          <a:xfrm>
+            <a:off x="8351763" y="10317797"/>
+            <a:ext cx="2304256" cy="284693"/>
+          </a:xfrm>
+          <a:prstGeom prst="rect">
+            <a:avLst/>
+          </a:prstGeom>
+          <a:noFill/>
+        </p:spPr>
+        <p:txBody>
+          <a:bodyPr wrap="square" rtlCol="0">
+            <a:spAutoFit/>
+          </a:bodyPr>
+          <a:lstStyle/>
+          <a:p>
+            <a:r>
+              <a:rPr kumimoji="1" lang="ja-JP" altLang="en-US" sz="1250" dirty="0">
+                <a:latin typeface="BIZ UDPゴシック" panose="020B0400000000000000" pitchFamily="50" charset="-128"/>
+                <a:ea typeface="BIZ UDPゴシック" panose="020B0400000000000000" pitchFamily="50" charset="-128"/>
+              </a:rPr>
+              <a:t>図</a:t>
+            </a:r>
+            <a:r>
+              <a:rPr kumimoji="1" lang="en-US" altLang="ja-JP" sz="1250" dirty="0">
+                <a:latin typeface="BIZ UDPゴシック" panose="020B0400000000000000" pitchFamily="50" charset="-128"/>
+                <a:ea typeface="BIZ UDPゴシック" panose="020B0400000000000000" pitchFamily="50" charset="-128"/>
+              </a:rPr>
+              <a:t>2.2 </a:t>
+            </a:r>
+            <a:r>
+              <a:rPr kumimoji="1" lang="ja-JP" altLang="en-US" sz="1250" dirty="0">
+                <a:latin typeface="BIZ UDPゴシック" panose="020B0400000000000000" pitchFamily="50" charset="-128"/>
+                <a:ea typeface="BIZ UDPゴシック" panose="020B0400000000000000" pitchFamily="50" charset="-128"/>
+              </a:rPr>
+              <a:t>クラス構造</a:t>
+            </a:r>
+            <a:r>
+              <a:rPr kumimoji="1" lang="en-US" altLang="ja-JP" sz="1250" dirty="0">
+                <a:latin typeface="BIZ UDPゴシック" panose="020B0400000000000000" pitchFamily="50" charset="-128"/>
+                <a:ea typeface="BIZ UDPゴシック" panose="020B0400000000000000" pitchFamily="50" charset="-128"/>
+              </a:rPr>
+              <a:t>(</a:t>
+            </a:r>
+            <a:r>
+              <a:rPr kumimoji="1" lang="ja-JP" altLang="en-US" sz="1250" dirty="0">
+                <a:latin typeface="BIZ UDPゴシック" panose="020B0400000000000000" pitchFamily="50" charset="-128"/>
+                <a:ea typeface="BIZ UDPゴシック" panose="020B0400000000000000" pitchFamily="50" charset="-128"/>
+              </a:rPr>
+              <a:t>クラス図</a:t>
+            </a:r>
+            <a:r>
+              <a:rPr kumimoji="1" lang="en-US" altLang="ja-JP" sz="1250" dirty="0">
+                <a:latin typeface="BIZ UDPゴシック" panose="020B0400000000000000" pitchFamily="50" charset="-128"/>
+                <a:ea typeface="BIZ UDPゴシック" panose="020B0400000000000000" pitchFamily="50" charset="-128"/>
+              </a:rPr>
+              <a:t>)</a:t>
+            </a:r>
+            <a:endParaRPr kumimoji="1" lang="ja-JP" altLang="en-US" sz="1200" dirty="0">
+              <a:latin typeface="BIZ UDPゴシック" panose="020B0400000000000000" pitchFamily="50" charset="-128"/>
+              <a:ea typeface="BIZ UDPゴシック" panose="020B0400000000000000" pitchFamily="50" charset="-128"/>
+            </a:endParaRPr>
+          </a:p>
+        </p:txBody>
+      </p:sp>
+      <p:pic>
+        <p:nvPicPr>
+          <p:cNvPr id="4" name="図 3">
+            <a:extLst>
+              <a:ext uri="{FF2B5EF4-FFF2-40B4-BE49-F238E27FC236}">
+                <a16:creationId xmlns:a16="http://schemas.microsoft.com/office/drawing/2014/main" id="{C6ABCFCF-5E21-F6CF-B6B4-8878D6E1194D}"/>
+              </a:ext>
+            </a:extLst>
+          </p:cNvPr>
+          <p:cNvPicPr>
+            <a:picLocks noChangeAspect="1"/>
+          </p:cNvPicPr>
+          <p:nvPr/>
+        </p:nvPicPr>
+        <p:blipFill>
+          <a:blip r:embed="rId8"/>
+          <a:stretch>
+            <a:fillRect/>
+          </a:stretch>
+        </p:blipFill>
+        <p:spPr>
+          <a:xfrm>
+            <a:off x="3075507" y="1768668"/>
+            <a:ext cx="11878600" cy="2007866"/>
+          </a:xfrm>
+          <a:prstGeom prst="rect">
+            <a:avLst/>
+          </a:prstGeom>
+        </p:spPr>
+      </p:pic>
+      <p:pic>
+        <p:nvPicPr>
+          <p:cNvPr id="6" name="図 5">
+            <a:extLst>
+              <a:ext uri="{FF2B5EF4-FFF2-40B4-BE49-F238E27FC236}">
+                <a16:creationId xmlns:a16="http://schemas.microsoft.com/office/drawing/2014/main" id="{00D5CDA0-1413-BD5C-0E1D-62BA8EF608F9}"/>
+              </a:ext>
+            </a:extLst>
+          </p:cNvPr>
+          <p:cNvPicPr>
+            <a:picLocks noChangeAspect="1"/>
+          </p:cNvPicPr>
+          <p:nvPr/>
+        </p:nvPicPr>
+        <p:blipFill>
+          <a:blip r:embed="rId9"/>
+          <a:stretch>
+            <a:fillRect/>
+          </a:stretch>
+        </p:blipFill>
+        <p:spPr>
+          <a:xfrm>
+            <a:off x="201767" y="1676126"/>
+            <a:ext cx="2865702" cy="3586384"/>
+          </a:xfrm>
+          <a:prstGeom prst="rect">
+            <a:avLst/>
+          </a:prstGeom>
+        </p:spPr>
+      </p:pic>
+      <p:pic>
+        <p:nvPicPr>
+          <p:cNvPr id="8" name="図 7">
+            <a:extLst>
+              <a:ext uri="{FF2B5EF4-FFF2-40B4-BE49-F238E27FC236}">
+                <a16:creationId xmlns:a16="http://schemas.microsoft.com/office/drawing/2014/main" id="{E311F2C1-3D84-EAD7-3363-C4F38EED4EBB}"/>
+              </a:ext>
+            </a:extLst>
+          </p:cNvPr>
+          <p:cNvPicPr>
+            <a:picLocks noChangeAspect="1"/>
+          </p:cNvPicPr>
+          <p:nvPr/>
+        </p:nvPicPr>
+        <p:blipFill>
+          <a:blip r:embed="rId10"/>
+          <a:stretch>
+            <a:fillRect/>
+          </a:stretch>
+        </p:blipFill>
+        <p:spPr>
+          <a:xfrm>
+            <a:off x="3671243" y="3979305"/>
+            <a:ext cx="11233248" cy="6420097"/>
+          </a:xfrm>
+          <a:prstGeom prst="rect">
+            <a:avLst/>
+          </a:prstGeom>
+        </p:spPr>
+      </p:pic>
+    </p:spTree>
+    <p:extLst>
+      <p:ext uri="{BB962C8B-B14F-4D97-AF65-F5344CB8AC3E}">
+        <p14:creationId xmlns:p14="http://schemas.microsoft.com/office/powerpoint/2010/main" val="3609020167"/>
+      </p:ext>
+    </p:extLst>
+  </p:cSld>
+  <p:clrMapOvr>
+    <a:masterClrMapping/>
+  </p:clrMapOvr>
+</p:sld>
+</file>
+
+<file path=ppt/slides/slide4.xml><?xml version="1.0" encoding="utf-8"?>
+<p:sld xmlns:a="http://schemas.openxmlformats.org/drawingml/2006/main" xmlns:r="http://schemas.openxmlformats.org/officeDocument/2006/relationships" xmlns:p="http://schemas.openxmlformats.org/presentationml/2006/main">
+  <p:cSld>
+    <p:spTree>
+      <p:nvGrpSpPr>
+        <p:cNvPr id="1" name="">
+          <a:extLst>
+            <a:ext uri="{FF2B5EF4-FFF2-40B4-BE49-F238E27FC236}">
+              <a16:creationId xmlns:a16="http://schemas.microsoft.com/office/drawing/2014/main" id="{CA01F84C-7E99-FCBB-F85D-1A0254B1C7C4}"/>
+            </a:ext>
+          </a:extLst>
+        </p:cNvPr>
+        <p:cNvGrpSpPr/>
+        <p:nvPr/>
+      </p:nvGrpSpPr>
+      <p:grpSpPr>
+        <a:xfrm>
+          <a:off x="0" y="0"/>
+          <a:ext cx="0" cy="0"/>
+          <a:chOff x="0" y="0"/>
+          <a:chExt cx="0" cy="0"/>
+        </a:xfrm>
+      </p:grpSpPr>
+      <p:pic>
+        <p:nvPicPr>
+          <p:cNvPr id="16" name="図 15">
+            <a:extLst>
+              <a:ext uri="{FF2B5EF4-FFF2-40B4-BE49-F238E27FC236}">
+                <a16:creationId xmlns:a16="http://schemas.microsoft.com/office/drawing/2014/main" id="{148C87D0-0DB2-D48C-820E-EB2C7CCF7219}"/>
+              </a:ext>
+            </a:extLst>
+          </p:cNvPr>
+          <p:cNvPicPr>
+            <a:picLocks noChangeAspect="1"/>
+          </p:cNvPicPr>
+          <p:nvPr/>
+        </p:nvPicPr>
+        <p:blipFill>
+          <a:blip r:embed="rId2"/>
+          <a:stretch>
+            <a:fillRect/>
+          </a:stretch>
+        </p:blipFill>
+        <p:spPr>
+          <a:xfrm>
+            <a:off x="3041568" y="626659"/>
+            <a:ext cx="4936300" cy="5854682"/>
+          </a:xfrm>
+          <a:prstGeom prst="rect">
+            <a:avLst/>
+          </a:prstGeom>
+        </p:spPr>
+      </p:pic>
+      <p:cxnSp>
+        <p:nvCxnSpPr>
+          <p:cNvPr id="29" name="Google Shape;127;p4">
+            <a:extLst>
+              <a:ext uri="{FF2B5EF4-FFF2-40B4-BE49-F238E27FC236}">
+                <a16:creationId xmlns:a16="http://schemas.microsoft.com/office/drawing/2014/main" id="{4033D8E6-9D05-E8BD-49A4-3D4AD08162D8}"/>
+              </a:ext>
+            </a:extLst>
+          </p:cNvPr>
+          <p:cNvCxnSpPr/>
+          <p:nvPr/>
+        </p:nvCxnSpPr>
+        <p:spPr>
+          <a:xfrm>
+            <a:off x="0" y="539516"/>
+            <a:ext cx="15116399" cy="0"/>
+          </a:xfrm>
+          <a:prstGeom prst="straightConnector1">
+            <a:avLst/>
+          </a:prstGeom>
+          <a:noFill/>
+          <a:ln w="19050" cap="flat" cmpd="sng">
+            <a:solidFill>
+              <a:schemeClr val="accent2"/>
+            </a:solidFill>
+            <a:prstDash val="solid"/>
+            <a:miter lim="800000"/>
+            <a:headEnd type="none" w="sm" len="sm"/>
+            <a:tailEnd type="none" w="sm" len="sm"/>
+          </a:ln>
+        </p:spPr>
+      </p:cxnSp>
+      <p:sp>
+        <p:nvSpPr>
+          <p:cNvPr id="5" name="Rectangle 3">
+            <a:extLst>
+              <a:ext uri="{FF2B5EF4-FFF2-40B4-BE49-F238E27FC236}">
+                <a16:creationId xmlns:a16="http://schemas.microsoft.com/office/drawing/2014/main" id="{FB79A708-04BA-5F00-8A15-7D3B58A03A01}"/>
+              </a:ext>
+            </a:extLst>
+          </p:cNvPr>
+          <p:cNvSpPr>
+            <a:spLocks noChangeArrowheads="1"/>
+          </p:cNvSpPr>
+          <p:nvPr/>
+        </p:nvSpPr>
+        <p:spPr bwMode="auto">
+          <a:xfrm>
+            <a:off x="151005" y="649234"/>
+            <a:ext cx="14815847" cy="9953256"/>
+          </a:xfrm>
+          <a:prstGeom prst="rect">
+            <a:avLst/>
+          </a:prstGeom>
+          <a:noFill/>
+          <a:ln w="9525">
+            <a:solidFill>
+              <a:schemeClr val="accent2"/>
+            </a:solidFill>
+            <a:miter lim="800000"/>
+            <a:headEnd/>
+            <a:tailEnd/>
+          </a:ln>
+          <a:extLst>
+            <a:ext uri="{909E8E84-426E-40DD-AFC4-6F175D3DCCD1}">
+              <a14:hiddenFill xmlns:a14="http://schemas.microsoft.com/office/drawing/2010/main">
+                <a:solidFill>
+                  <a:srgbClr val="FFFFFF"/>
+                </a:solidFill>
+              </a14:hiddenFill>
+            </a:ext>
+          </a:extLst>
+        </p:spPr>
+        <p:txBody>
+          <a:bodyPr lIns="120687" tIns="60343" rIns="120687" bIns="60343"/>
+          <a:lstStyle>
+            <a:lvl1pPr marL="481013" indent="-481013" defTabSz="1279525" eaLnBrk="0" hangingPunct="0">
+              <a:defRPr kumimoji="1" sz="1600">
+                <a:solidFill>
+                  <a:schemeClr val="tx1"/>
+                </a:solidFill>
+                <a:latin typeface="Times New Roman" panose="02020603050405020304" pitchFamily="18" charset="0"/>
+                <a:ea typeface="ＭＳ Ｐゴシック" panose="020B0600070205080204" pitchFamily="34" charset="-128"/>
+              </a:defRPr>
+            </a:lvl1pPr>
+            <a:lvl2pPr marL="742950" indent="-285750" defTabSz="1279525" eaLnBrk="0" hangingPunct="0">
+              <a:defRPr kumimoji="1" sz="1600">
+                <a:solidFill>
+                  <a:schemeClr val="tx1"/>
+                </a:solidFill>
+                <a:latin typeface="Times New Roman" panose="02020603050405020304" pitchFamily="18" charset="0"/>
+                <a:ea typeface="ＭＳ Ｐゴシック" panose="020B0600070205080204" pitchFamily="34" charset="-128"/>
+              </a:defRPr>
+            </a:lvl2pPr>
+            <a:lvl3pPr marL="1143000" indent="-228600" defTabSz="1279525" eaLnBrk="0" hangingPunct="0">
+              <a:defRPr kumimoji="1" sz="1600">
+                <a:solidFill>
+                  <a:schemeClr val="tx1"/>
+                </a:solidFill>
+                <a:latin typeface="Times New Roman" panose="02020603050405020304" pitchFamily="18" charset="0"/>
+                <a:ea typeface="ＭＳ Ｐゴシック" panose="020B0600070205080204" pitchFamily="34" charset="-128"/>
+              </a:defRPr>
+            </a:lvl3pPr>
+            <a:lvl4pPr marL="1600200" indent="-228600" defTabSz="1279525" eaLnBrk="0" hangingPunct="0">
+              <a:defRPr kumimoji="1" sz="1600">
+                <a:solidFill>
+                  <a:schemeClr val="tx1"/>
+                </a:solidFill>
+                <a:latin typeface="Times New Roman" panose="02020603050405020304" pitchFamily="18" charset="0"/>
+                <a:ea typeface="ＭＳ Ｐゴシック" panose="020B0600070205080204" pitchFamily="34" charset="-128"/>
+              </a:defRPr>
+            </a:lvl4pPr>
+            <a:lvl5pPr marL="2057400" indent="-228600" defTabSz="1279525" eaLnBrk="0" hangingPunct="0">
+              <a:defRPr kumimoji="1" sz="1600">
+                <a:solidFill>
+                  <a:schemeClr val="tx1"/>
+                </a:solidFill>
+                <a:latin typeface="Times New Roman" panose="02020603050405020304" pitchFamily="18" charset="0"/>
+                <a:ea typeface="ＭＳ Ｐゴシック" panose="020B0600070205080204" pitchFamily="34" charset="-128"/>
+              </a:defRPr>
+            </a:lvl5pPr>
+            <a:lvl6pPr marL="2514600" indent="-228600" defTabSz="1279525" eaLnBrk="0" fontAlgn="base" hangingPunct="0">
+              <a:spcBef>
+                <a:spcPct val="0"/>
+              </a:spcBef>
+              <a:spcAft>
+                <a:spcPct val="0"/>
+              </a:spcAft>
+              <a:defRPr kumimoji="1" sz="1600">
+                <a:solidFill>
+                  <a:schemeClr val="tx1"/>
+                </a:solidFill>
+                <a:latin typeface="Times New Roman" panose="02020603050405020304" pitchFamily="18" charset="0"/>
+                <a:ea typeface="ＭＳ Ｐゴシック" panose="020B0600070205080204" pitchFamily="34" charset="-128"/>
+              </a:defRPr>
+            </a:lvl6pPr>
+            <a:lvl7pPr marL="2971800" indent="-228600" defTabSz="1279525" eaLnBrk="0" fontAlgn="base" hangingPunct="0">
+              <a:spcBef>
+                <a:spcPct val="0"/>
+              </a:spcBef>
+              <a:spcAft>
+                <a:spcPct val="0"/>
+              </a:spcAft>
+              <a:defRPr kumimoji="1" sz="1600">
+                <a:solidFill>
+                  <a:schemeClr val="tx1"/>
+                </a:solidFill>
+                <a:latin typeface="Times New Roman" panose="02020603050405020304" pitchFamily="18" charset="0"/>
+                <a:ea typeface="ＭＳ Ｐゴシック" panose="020B0600070205080204" pitchFamily="34" charset="-128"/>
+              </a:defRPr>
+            </a:lvl7pPr>
+            <a:lvl8pPr marL="3429000" indent="-228600" defTabSz="1279525" eaLnBrk="0" fontAlgn="base" hangingPunct="0">
+              <a:spcBef>
+                <a:spcPct val="0"/>
+              </a:spcBef>
+              <a:spcAft>
+                <a:spcPct val="0"/>
+              </a:spcAft>
+              <a:defRPr kumimoji="1" sz="1600">
+                <a:solidFill>
+                  <a:schemeClr val="tx1"/>
+                </a:solidFill>
+                <a:latin typeface="Times New Roman" panose="02020603050405020304" pitchFamily="18" charset="0"/>
+                <a:ea typeface="ＭＳ Ｐゴシック" panose="020B0600070205080204" pitchFamily="34" charset="-128"/>
+              </a:defRPr>
+            </a:lvl8pPr>
+            <a:lvl9pPr marL="3886200" indent="-228600" defTabSz="1279525" eaLnBrk="0" fontAlgn="base" hangingPunct="0">
+              <a:spcBef>
+                <a:spcPct val="0"/>
+              </a:spcBef>
+              <a:spcAft>
+                <a:spcPct val="0"/>
+              </a:spcAft>
+              <a:defRPr kumimoji="1" sz="1600">
+                <a:solidFill>
+                  <a:schemeClr val="tx1"/>
+                </a:solidFill>
+                <a:latin typeface="Times New Roman" panose="02020603050405020304" pitchFamily="18" charset="0"/>
+                <a:ea typeface="ＭＳ Ｐゴシック" panose="020B0600070205080204" pitchFamily="34" charset="-128"/>
+              </a:defRPr>
+            </a:lvl9pPr>
+          </a:lstStyle>
+          <a:p>
+            <a:pPr eaLnBrk="1" hangingPunct="1">
+              <a:lnSpc>
+                <a:spcPct val="80000"/>
+              </a:lnSpc>
+              <a:spcBef>
+                <a:spcPct val="20000"/>
+              </a:spcBef>
+            </a:pPr>
+            <a:r>
+              <a:rPr lang="en-US" altLang="ja-JP" sz="1780" dirty="0">
+                <a:solidFill>
+                  <a:srgbClr val="FF0000"/>
+                </a:solidFill>
+                <a:latin typeface="UD デジタル 教科書体 NP" panose="02020400000000000000" pitchFamily="18" charset="-128"/>
+                <a:ea typeface="UD デジタル 教科書体 NP" panose="02020400000000000000" pitchFamily="18" charset="-128"/>
+              </a:rPr>
+              <a:t>3-1. </a:t>
+            </a:r>
+            <a:r>
+              <a:rPr lang="ja-JP" altLang="en-US" sz="1780" dirty="0">
+                <a:solidFill>
+                  <a:srgbClr val="FF0000"/>
+                </a:solidFill>
+                <a:latin typeface="UD デジタル 教科書体 NP" panose="02020400000000000000" pitchFamily="18" charset="-128"/>
+                <a:ea typeface="UD デジタル 教科書体 NP" panose="02020400000000000000" pitchFamily="18" charset="-128"/>
+              </a:rPr>
+              <a:t>振舞い</a:t>
+            </a:r>
+          </a:p>
+          <a:p>
+            <a:pPr eaLnBrk="1" hangingPunct="1">
+              <a:lnSpc>
+                <a:spcPct val="80000"/>
+              </a:lnSpc>
+              <a:spcBef>
+                <a:spcPct val="20000"/>
+              </a:spcBef>
+            </a:pPr>
+            <a:r>
+              <a:rPr lang="ja-JP" altLang="en-US" sz="1400" dirty="0">
+                <a:latin typeface="UD デジタル 教科書体 NP" panose="02020400000000000000" pitchFamily="18" charset="-128"/>
+                <a:ea typeface="UD デジタル 教科書体 NP" panose="02020400000000000000" pitchFamily="18" charset="-128"/>
+              </a:rPr>
+              <a:t>ダブルループにおける各クラスの</a:t>
+            </a:r>
+            <a:endParaRPr lang="en-US" altLang="ja-JP" sz="1400" dirty="0">
+              <a:latin typeface="UD デジタル 教科書体 NP" panose="02020400000000000000" pitchFamily="18" charset="-128"/>
+              <a:ea typeface="UD デジタル 教科書体 NP" panose="02020400000000000000" pitchFamily="18" charset="-128"/>
+            </a:endParaRPr>
+          </a:p>
+          <a:p>
+            <a:pPr eaLnBrk="1" hangingPunct="1">
+              <a:lnSpc>
+                <a:spcPct val="80000"/>
+              </a:lnSpc>
+              <a:spcBef>
+                <a:spcPct val="20000"/>
+              </a:spcBef>
+            </a:pPr>
+            <a:r>
+              <a:rPr lang="ja-JP" altLang="en-US" sz="1400" dirty="0">
+                <a:latin typeface="UD デジタル 教科書体 NP" panose="02020400000000000000" pitchFamily="18" charset="-128"/>
+                <a:ea typeface="UD デジタル 教科書体 NP" panose="02020400000000000000" pitchFamily="18" charset="-128"/>
+              </a:rPr>
+              <a:t>振舞いについて、図</a:t>
+            </a:r>
+            <a:r>
+              <a:rPr lang="en-US" altLang="ja-JP" sz="1400" dirty="0">
+                <a:latin typeface="UD デジタル 教科書体 NP" panose="02020400000000000000" pitchFamily="18" charset="-128"/>
+                <a:ea typeface="UD デジタル 教科書体 NP" panose="02020400000000000000" pitchFamily="18" charset="-128"/>
+              </a:rPr>
+              <a:t>3.2</a:t>
+            </a:r>
+            <a:r>
+              <a:rPr lang="ja-JP" altLang="en-US" sz="1400" dirty="0">
+                <a:latin typeface="UD デジタル 教科書体 NP" panose="02020400000000000000" pitchFamily="18" charset="-128"/>
+                <a:ea typeface="UD デジタル 教科書体 NP" panose="02020400000000000000" pitchFamily="18" charset="-128"/>
+              </a:rPr>
+              <a:t>～図</a:t>
+            </a:r>
+            <a:r>
+              <a:rPr lang="en-US" altLang="ja-JP" sz="1400" dirty="0">
+                <a:latin typeface="UD デジタル 教科書体 NP" panose="02020400000000000000" pitchFamily="18" charset="-128"/>
+                <a:ea typeface="UD デジタル 教科書体 NP" panose="02020400000000000000" pitchFamily="18" charset="-128"/>
+              </a:rPr>
+              <a:t>3.10</a:t>
+            </a:r>
+          </a:p>
+          <a:p>
+            <a:pPr eaLnBrk="1" hangingPunct="1">
+              <a:lnSpc>
+                <a:spcPct val="80000"/>
+              </a:lnSpc>
+              <a:spcBef>
+                <a:spcPct val="20000"/>
+              </a:spcBef>
+            </a:pPr>
+            <a:r>
+              <a:rPr lang="ja-JP" altLang="en-US" sz="1400" dirty="0">
+                <a:latin typeface="UD デジタル 教科書体 NP" panose="02020400000000000000" pitchFamily="18" charset="-128"/>
+                <a:ea typeface="UD デジタル 教科書体 NP" panose="02020400000000000000" pitchFamily="18" charset="-128"/>
+              </a:rPr>
+              <a:t>に示した。</a:t>
+            </a:r>
+            <a:endParaRPr lang="en-US" altLang="ja-JP" sz="1400" dirty="0">
+              <a:latin typeface="UD デジタル 教科書体 NP" panose="02020400000000000000" pitchFamily="18" charset="-128"/>
+              <a:ea typeface="UD デジタル 教科書体 NP" panose="02020400000000000000" pitchFamily="18" charset="-128"/>
+            </a:endParaRPr>
+          </a:p>
+          <a:p>
+            <a:pPr eaLnBrk="1" hangingPunct="1">
+              <a:lnSpc>
+                <a:spcPct val="80000"/>
+              </a:lnSpc>
+              <a:spcBef>
+                <a:spcPct val="20000"/>
+              </a:spcBef>
+            </a:pPr>
+            <a:r>
+              <a:rPr lang="ja-JP" altLang="en-US" sz="1400" dirty="0">
+                <a:latin typeface="UD デジタル 教科書体 NP" panose="02020400000000000000" pitchFamily="18" charset="-128"/>
+                <a:ea typeface="UD デジタル 教科書体 NP" panose="02020400000000000000" pitchFamily="18" charset="-128"/>
+              </a:rPr>
+              <a:t>その際、バーチャル運転手の振舞</a:t>
+            </a:r>
+            <a:endParaRPr lang="en-US" altLang="ja-JP" sz="1400" dirty="0">
+              <a:latin typeface="UD デジタル 教科書体 NP" panose="02020400000000000000" pitchFamily="18" charset="-128"/>
+              <a:ea typeface="UD デジタル 教科書体 NP" panose="02020400000000000000" pitchFamily="18" charset="-128"/>
+            </a:endParaRPr>
+          </a:p>
+          <a:p>
+            <a:pPr eaLnBrk="1" hangingPunct="1">
+              <a:lnSpc>
+                <a:spcPct val="80000"/>
+              </a:lnSpc>
+              <a:spcBef>
+                <a:spcPct val="20000"/>
+              </a:spcBef>
+            </a:pPr>
+            <a:r>
+              <a:rPr lang="ja-JP" altLang="en-US" sz="1400" dirty="0">
+                <a:latin typeface="UD デジタル 教科書体 NP" panose="02020400000000000000" pitchFamily="18" charset="-128"/>
+                <a:ea typeface="UD デジタル 教科書体 NP" panose="02020400000000000000" pitchFamily="18" charset="-128"/>
+              </a:rPr>
+              <a:t>いを図</a:t>
+            </a:r>
+            <a:r>
+              <a:rPr lang="en-US" altLang="ja-JP" sz="1400" dirty="0">
+                <a:latin typeface="UD デジタル 教科書体 NP" panose="02020400000000000000" pitchFamily="18" charset="-128"/>
+                <a:ea typeface="UD デジタル 教科書体 NP" panose="02020400000000000000" pitchFamily="18" charset="-128"/>
+              </a:rPr>
+              <a:t>3.2</a:t>
+            </a:r>
+            <a:r>
+              <a:rPr lang="ja-JP" altLang="en-US" sz="1400" dirty="0">
+                <a:latin typeface="UD デジタル 教科書体 NP" panose="02020400000000000000" pitchFamily="18" charset="-128"/>
+                <a:ea typeface="UD デジタル 教科書体 NP" panose="02020400000000000000" pitchFamily="18" charset="-128"/>
+              </a:rPr>
+              <a:t>～図</a:t>
+            </a:r>
+            <a:r>
+              <a:rPr lang="en-US" altLang="ja-JP" sz="1400" dirty="0">
+                <a:latin typeface="UD デジタル 教科書体 NP" panose="02020400000000000000" pitchFamily="18" charset="-128"/>
+                <a:ea typeface="UD デジタル 教科書体 NP" panose="02020400000000000000" pitchFamily="18" charset="-128"/>
+              </a:rPr>
+              <a:t>3.6</a:t>
+            </a:r>
+            <a:r>
+              <a:rPr lang="ja-JP" altLang="en-US" sz="1400" dirty="0">
+                <a:latin typeface="UD デジタル 教科書体 NP" panose="02020400000000000000" pitchFamily="18" charset="-128"/>
+                <a:ea typeface="UD デジタル 教科書体 NP" panose="02020400000000000000" pitchFamily="18" charset="-128"/>
+              </a:rPr>
+              <a:t>に、走行システ</a:t>
+            </a:r>
+            <a:endParaRPr lang="en-US" altLang="ja-JP" sz="1400" dirty="0">
+              <a:latin typeface="UD デジタル 教科書体 NP" panose="02020400000000000000" pitchFamily="18" charset="-128"/>
+              <a:ea typeface="UD デジタル 教科書体 NP" panose="02020400000000000000" pitchFamily="18" charset="-128"/>
+            </a:endParaRPr>
+          </a:p>
+          <a:p>
+            <a:pPr eaLnBrk="1" hangingPunct="1">
+              <a:lnSpc>
+                <a:spcPct val="80000"/>
+              </a:lnSpc>
+              <a:spcBef>
+                <a:spcPct val="20000"/>
+              </a:spcBef>
+            </a:pPr>
+            <a:r>
+              <a:rPr lang="ja-JP" altLang="en-US" sz="1400" dirty="0">
+                <a:latin typeface="UD デジタル 教科書体 NP" panose="02020400000000000000" pitchFamily="18" charset="-128"/>
+                <a:ea typeface="UD デジタル 教科書体 NP" panose="02020400000000000000" pitchFamily="18" charset="-128"/>
+              </a:rPr>
+              <a:t>ムの振舞いを図</a:t>
+            </a:r>
+            <a:r>
+              <a:rPr lang="en-US" altLang="ja-JP" sz="1400" dirty="0">
+                <a:latin typeface="UD デジタル 教科書体 NP" panose="02020400000000000000" pitchFamily="18" charset="-128"/>
+                <a:ea typeface="UD デジタル 教科書体 NP" panose="02020400000000000000" pitchFamily="18" charset="-128"/>
+              </a:rPr>
+              <a:t>3.7</a:t>
+            </a:r>
+            <a:r>
+              <a:rPr lang="ja-JP" altLang="en-US" sz="1400" dirty="0">
+                <a:latin typeface="UD デジタル 教科書体 NP" panose="02020400000000000000" pitchFamily="18" charset="-128"/>
+                <a:ea typeface="UD デジタル 教科書体 NP" panose="02020400000000000000" pitchFamily="18" charset="-128"/>
+              </a:rPr>
+              <a:t>～図</a:t>
+            </a:r>
+            <a:r>
+              <a:rPr lang="en-US" altLang="ja-JP" sz="1400" dirty="0">
+                <a:latin typeface="UD デジタル 教科書体 NP" panose="02020400000000000000" pitchFamily="18" charset="-128"/>
+                <a:ea typeface="UD デジタル 教科書体 NP" panose="02020400000000000000" pitchFamily="18" charset="-128"/>
+              </a:rPr>
+              <a:t>3.10</a:t>
+            </a:r>
+            <a:r>
+              <a:rPr lang="ja-JP" altLang="en-US" sz="1400" dirty="0">
+                <a:latin typeface="UD デジタル 教科書体 NP" panose="02020400000000000000" pitchFamily="18" charset="-128"/>
+                <a:ea typeface="UD デジタル 教科書体 NP" panose="02020400000000000000" pitchFamily="18" charset="-128"/>
+              </a:rPr>
+              <a:t>に分</a:t>
+            </a:r>
+            <a:endParaRPr lang="en-US" altLang="ja-JP" sz="1400" dirty="0">
+              <a:latin typeface="UD デジタル 教科書体 NP" panose="02020400000000000000" pitchFamily="18" charset="-128"/>
+              <a:ea typeface="UD デジタル 教科書体 NP" panose="02020400000000000000" pitchFamily="18" charset="-128"/>
+            </a:endParaRPr>
+          </a:p>
+          <a:p>
+            <a:pPr eaLnBrk="1" hangingPunct="1">
+              <a:lnSpc>
+                <a:spcPct val="80000"/>
+              </a:lnSpc>
+              <a:spcBef>
+                <a:spcPct val="20000"/>
+              </a:spcBef>
+            </a:pPr>
+            <a:r>
+              <a:rPr lang="ja-JP" altLang="en-US" sz="1400" dirty="0">
+                <a:latin typeface="UD デジタル 教科書体 NP" panose="02020400000000000000" pitchFamily="18" charset="-128"/>
+                <a:ea typeface="UD デジタル 教科書体 NP" panose="02020400000000000000" pitchFamily="18" charset="-128"/>
+              </a:rPr>
+              <a:t>割して整理した。</a:t>
+            </a:r>
+            <a:endParaRPr lang="en-US" altLang="ja-JP" sz="1400" dirty="0">
+              <a:latin typeface="UD デジタル 教科書体 NP" panose="02020400000000000000" pitchFamily="18" charset="-128"/>
+              <a:ea typeface="UD デジタル 教科書体 NP" panose="02020400000000000000" pitchFamily="18" charset="-128"/>
+            </a:endParaRPr>
+          </a:p>
+          <a:p>
+            <a:pPr eaLnBrk="1" hangingPunct="1">
+              <a:lnSpc>
+                <a:spcPct val="80000"/>
+              </a:lnSpc>
+              <a:spcBef>
+                <a:spcPct val="20000"/>
+              </a:spcBef>
+            </a:pPr>
+            <a:r>
+              <a:rPr lang="ja-JP" altLang="en-US" sz="1400" dirty="0">
+                <a:latin typeface="UD デジタル 教科書体 NP" panose="02020400000000000000" pitchFamily="18" charset="-128"/>
+                <a:ea typeface="UD デジタル 教科書体 NP" panose="02020400000000000000" pitchFamily="18" charset="-128"/>
+              </a:rPr>
+              <a:t>また、各図には</a:t>
+            </a:r>
+            <a:r>
+              <a:rPr lang="en-US" altLang="ja-JP" sz="1400" dirty="0">
+                <a:latin typeface="UD デジタル 教科書体 NP" panose="02020400000000000000" pitchFamily="18" charset="-128"/>
+                <a:ea typeface="UD デジタル 教科書体 NP" panose="02020400000000000000" pitchFamily="18" charset="-128"/>
+              </a:rPr>
+              <a:t>ID</a:t>
+            </a:r>
+            <a:r>
+              <a:rPr lang="ja-JP" altLang="en-US" sz="1400" dirty="0">
+                <a:latin typeface="UD デジタル 教科書体 NP" panose="02020400000000000000" pitchFamily="18" charset="-128"/>
+                <a:ea typeface="UD デジタル 教科書体 NP" panose="02020400000000000000" pitchFamily="18" charset="-128"/>
+              </a:rPr>
+              <a:t>を採番しており、</a:t>
+            </a:r>
+            <a:endParaRPr lang="en-US" altLang="ja-JP" sz="1400" dirty="0">
+              <a:latin typeface="UD デジタル 教科書体 NP" panose="02020400000000000000" pitchFamily="18" charset="-128"/>
+              <a:ea typeface="UD デジタル 教科書体 NP" panose="02020400000000000000" pitchFamily="18" charset="-128"/>
+            </a:endParaRPr>
+          </a:p>
+          <a:p>
+            <a:pPr eaLnBrk="1" hangingPunct="1">
+              <a:lnSpc>
+                <a:spcPct val="80000"/>
+              </a:lnSpc>
+              <a:spcBef>
+                <a:spcPct val="20000"/>
+              </a:spcBef>
+            </a:pPr>
+            <a:r>
+              <a:rPr lang="ja-JP" altLang="en-US" sz="1400" dirty="0">
+                <a:latin typeface="UD デジタル 教科書体 NP" panose="02020400000000000000" pitchFamily="18" charset="-128"/>
+                <a:ea typeface="UD デジタル 教科書体 NP" panose="02020400000000000000" pitchFamily="18" charset="-128"/>
+              </a:rPr>
+              <a:t>参照を表現する際は</a:t>
+            </a:r>
+            <a:r>
+              <a:rPr lang="en-US" altLang="ja-JP" sz="1400" dirty="0">
+                <a:latin typeface="UD デジタル 教科書体 NP" panose="02020400000000000000" pitchFamily="18" charset="-128"/>
+                <a:ea typeface="UD デジタル 教科書体 NP" panose="02020400000000000000" pitchFamily="18" charset="-128"/>
+              </a:rPr>
+              <a:t>ID</a:t>
+            </a:r>
+            <a:r>
+              <a:rPr lang="ja-JP" altLang="en-US" sz="1400" dirty="0">
+                <a:latin typeface="UD デジタル 教科書体 NP" panose="02020400000000000000" pitchFamily="18" charset="-128"/>
+                <a:ea typeface="UD デジタル 教科書体 NP" panose="02020400000000000000" pitchFamily="18" charset="-128"/>
+              </a:rPr>
+              <a:t>を利用する</a:t>
+            </a:r>
+            <a:endParaRPr lang="en-US" altLang="ja-JP" sz="1400" dirty="0">
+              <a:latin typeface="UD デジタル 教科書体 NP" panose="02020400000000000000" pitchFamily="18" charset="-128"/>
+              <a:ea typeface="UD デジタル 教科書体 NP" panose="02020400000000000000" pitchFamily="18" charset="-128"/>
+            </a:endParaRPr>
+          </a:p>
+          <a:p>
+            <a:pPr eaLnBrk="1" hangingPunct="1">
+              <a:lnSpc>
+                <a:spcPct val="80000"/>
+              </a:lnSpc>
+              <a:spcBef>
+                <a:spcPct val="20000"/>
+              </a:spcBef>
+            </a:pPr>
+            <a:r>
+              <a:rPr lang="ja-JP" altLang="en-US" sz="1400" dirty="0">
+                <a:latin typeface="UD デジタル 教科書体 NP" panose="02020400000000000000" pitchFamily="18" charset="-128"/>
+                <a:ea typeface="UD デジタル 教科書体 NP" panose="02020400000000000000" pitchFamily="18" charset="-128"/>
+              </a:rPr>
+              <a:t>こととする。</a:t>
+            </a:r>
+            <a:endParaRPr lang="en-US" altLang="ja-JP" sz="1400" dirty="0">
+              <a:latin typeface="UD デジタル 教科書体 NP" panose="02020400000000000000" pitchFamily="18" charset="-128"/>
+              <a:ea typeface="UD デジタル 教科書体 NP" panose="02020400000000000000" pitchFamily="18" charset="-128"/>
+            </a:endParaRPr>
+          </a:p>
+        </p:txBody>
+      </p:sp>
+      <p:pic>
+        <p:nvPicPr>
+          <p:cNvPr id="24" name="図 23">
+            <a:extLst>
+              <a:ext uri="{FF2B5EF4-FFF2-40B4-BE49-F238E27FC236}">
+                <a16:creationId xmlns:a16="http://schemas.microsoft.com/office/drawing/2014/main" id="{98487556-4190-830E-C492-7814953EE261}"/>
+              </a:ext>
+            </a:extLst>
+          </p:cNvPr>
+          <p:cNvPicPr>
+            <a:picLocks noChangeAspect="1"/>
+          </p:cNvPicPr>
+          <p:nvPr/>
+        </p:nvPicPr>
+        <p:blipFill>
+          <a:blip r:embed="rId3"/>
+          <a:stretch>
+            <a:fillRect/>
+          </a:stretch>
+        </p:blipFill>
+        <p:spPr>
+          <a:xfrm>
+            <a:off x="13072338" y="0"/>
+            <a:ext cx="1782501" cy="561372"/>
+          </a:xfrm>
+          <a:prstGeom prst="rect">
+            <a:avLst/>
+          </a:prstGeom>
+        </p:spPr>
+      </p:pic>
+      <p:sp>
+        <p:nvSpPr>
+          <p:cNvPr id="25" name="Google Shape;92;p3">
+            <a:extLst>
+              <a:ext uri="{FF2B5EF4-FFF2-40B4-BE49-F238E27FC236}">
+                <a16:creationId xmlns:a16="http://schemas.microsoft.com/office/drawing/2014/main" id="{6D41A707-63CD-BD75-7654-A500BE0CFBE3}"/>
+              </a:ext>
+            </a:extLst>
+          </p:cNvPr>
+          <p:cNvSpPr txBox="1">
+            <a:spLocks noGrp="1"/>
+          </p:cNvSpPr>
+          <p:nvPr/>
+        </p:nvSpPr>
+        <p:spPr>
+          <a:xfrm>
+            <a:off x="0" y="23866"/>
+            <a:ext cx="7873249" cy="515650"/>
+          </a:xfrm>
+          <a:prstGeom prst="rect">
+            <a:avLst/>
+          </a:prstGeom>
+          <a:noFill/>
+          <a:ln>
+            <a:noFill/>
+          </a:ln>
+        </p:spPr>
+        <p:txBody>
+          <a:bodyPr spcFirstLastPara="1" wrap="square" lIns="91425" tIns="45700" rIns="91425" bIns="45700" anchor="ctr" anchorCtr="0">
+            <a:noAutofit/>
+          </a:bodyPr>
+          <a:lstStyle>
+            <a:defPPr marR="0" lvl="0" algn="l" rtl="0">
+              <a:lnSpc>
+                <a:spcPct val="100000"/>
+              </a:lnSpc>
+              <a:spcBef>
+                <a:spcPts val="0"/>
+              </a:spcBef>
+              <a:spcAft>
+                <a:spcPts val="0"/>
+              </a:spcAft>
+            </a:defPPr>
+            <a:lvl1pPr marR="0" lvl="0" algn="l" rtl="0">
+              <a:lnSpc>
+                <a:spcPct val="90000"/>
+              </a:lnSpc>
+              <a:spcBef>
+                <a:spcPts val="0"/>
+              </a:spcBef>
+              <a:spcAft>
+                <a:spcPts val="0"/>
+              </a:spcAft>
+              <a:buClr>
+                <a:schemeClr val="dk1"/>
+              </a:buClr>
+              <a:buSzPts val="1800"/>
+              <a:buFont typeface="Calibri"/>
+              <a:buNone/>
+              <a:defRPr sz="6860" b="0" i="0" u="none" strike="noStrike" cap="none">
+                <a:solidFill>
+                  <a:schemeClr val="dk1"/>
+                </a:solidFill>
+                <a:latin typeface="Calibri"/>
+                <a:ea typeface="Calibri"/>
+                <a:cs typeface="Calibri"/>
+                <a:sym typeface="Calibri"/>
+              </a:defRPr>
+            </a:lvl1pPr>
+            <a:lvl2pPr marR="0" lvl="1" algn="l" rtl="0">
+              <a:lnSpc>
+                <a:spcPct val="100000"/>
+              </a:lnSpc>
+              <a:spcBef>
+                <a:spcPts val="0"/>
+              </a:spcBef>
+              <a:spcAft>
+                <a:spcPts val="0"/>
+              </a:spcAft>
+              <a:buClr>
+                <a:srgbClr val="000000"/>
+              </a:buClr>
+              <a:buSzPts val="1400"/>
+              <a:buFont typeface="Arial"/>
+              <a:buNone/>
+              <a:defRPr sz="1800" b="0" i="0" u="none" strike="noStrike" cap="none">
+                <a:solidFill>
+                  <a:srgbClr val="000000"/>
+                </a:solidFill>
+                <a:latin typeface="Arial"/>
+                <a:ea typeface="Arial"/>
+                <a:cs typeface="Arial"/>
+                <a:sym typeface="Arial"/>
+              </a:defRPr>
+            </a:lvl2pPr>
+            <a:lvl3pPr marR="0" lvl="2" algn="l" rtl="0">
+              <a:lnSpc>
+                <a:spcPct val="100000"/>
+              </a:lnSpc>
+              <a:spcBef>
+                <a:spcPts val="0"/>
+              </a:spcBef>
+              <a:spcAft>
+                <a:spcPts val="0"/>
+              </a:spcAft>
+              <a:buClr>
+                <a:srgbClr val="000000"/>
+              </a:buClr>
+              <a:buSzPts val="1400"/>
+              <a:buFont typeface="Arial"/>
+              <a:buNone/>
+              <a:defRPr sz="1800" b="0" i="0" u="none" strike="noStrike" cap="none">
+                <a:solidFill>
+                  <a:srgbClr val="000000"/>
+                </a:solidFill>
+                <a:latin typeface="Arial"/>
+                <a:ea typeface="Arial"/>
+                <a:cs typeface="Arial"/>
+                <a:sym typeface="Arial"/>
+              </a:defRPr>
+            </a:lvl3pPr>
+            <a:lvl4pPr marR="0" lvl="3" algn="l" rtl="0">
+              <a:lnSpc>
+                <a:spcPct val="100000"/>
+              </a:lnSpc>
+              <a:spcBef>
+                <a:spcPts val="0"/>
+              </a:spcBef>
+              <a:spcAft>
+                <a:spcPts val="0"/>
+              </a:spcAft>
+              <a:buClr>
+                <a:srgbClr val="000000"/>
+              </a:buClr>
+              <a:buSzPts val="1400"/>
+              <a:buFont typeface="Arial"/>
+              <a:buNone/>
+              <a:defRPr sz="1800" b="0" i="0" u="none" strike="noStrike" cap="none">
+                <a:solidFill>
+                  <a:srgbClr val="000000"/>
+                </a:solidFill>
+                <a:latin typeface="Arial"/>
+                <a:ea typeface="Arial"/>
+                <a:cs typeface="Arial"/>
+                <a:sym typeface="Arial"/>
+              </a:defRPr>
+            </a:lvl4pPr>
+            <a:lvl5pPr marR="0" lvl="4" algn="l" rtl="0">
+              <a:lnSpc>
+                <a:spcPct val="100000"/>
+              </a:lnSpc>
+              <a:spcBef>
+                <a:spcPts val="0"/>
+              </a:spcBef>
+              <a:spcAft>
+                <a:spcPts val="0"/>
+              </a:spcAft>
+              <a:buClr>
+                <a:srgbClr val="000000"/>
+              </a:buClr>
+              <a:buSzPts val="1400"/>
+              <a:buFont typeface="Arial"/>
+              <a:buNone/>
+              <a:defRPr sz="1800" b="0" i="0" u="none" strike="noStrike" cap="none">
+                <a:solidFill>
+                  <a:srgbClr val="000000"/>
+                </a:solidFill>
+                <a:latin typeface="Arial"/>
+                <a:ea typeface="Arial"/>
+                <a:cs typeface="Arial"/>
+                <a:sym typeface="Arial"/>
+              </a:defRPr>
+            </a:lvl5pPr>
+            <a:lvl6pPr marR="0" lvl="5" algn="l" rtl="0">
+              <a:lnSpc>
+                <a:spcPct val="100000"/>
+              </a:lnSpc>
+              <a:spcBef>
+                <a:spcPts val="0"/>
+              </a:spcBef>
+              <a:spcAft>
+                <a:spcPts val="0"/>
+              </a:spcAft>
+              <a:buClr>
+                <a:srgbClr val="000000"/>
+              </a:buClr>
+              <a:buSzPts val="1400"/>
+              <a:buFont typeface="Arial"/>
+              <a:buNone/>
+              <a:defRPr sz="1800" b="0" i="0" u="none" strike="noStrike" cap="none">
+                <a:solidFill>
+                  <a:srgbClr val="000000"/>
+                </a:solidFill>
+                <a:latin typeface="Arial"/>
+                <a:ea typeface="Arial"/>
+                <a:cs typeface="Arial"/>
+                <a:sym typeface="Arial"/>
+              </a:defRPr>
+            </a:lvl6pPr>
+            <a:lvl7pPr marR="0" lvl="6" algn="l" rtl="0">
+              <a:lnSpc>
+                <a:spcPct val="100000"/>
+              </a:lnSpc>
+              <a:spcBef>
+                <a:spcPts val="0"/>
+              </a:spcBef>
+              <a:spcAft>
+                <a:spcPts val="0"/>
+              </a:spcAft>
+              <a:buClr>
+                <a:srgbClr val="000000"/>
+              </a:buClr>
+              <a:buSzPts val="1400"/>
+              <a:buFont typeface="Arial"/>
+              <a:buNone/>
+              <a:defRPr sz="1800" b="0" i="0" u="none" strike="noStrike" cap="none">
+                <a:solidFill>
+                  <a:srgbClr val="000000"/>
+                </a:solidFill>
+                <a:latin typeface="Arial"/>
+                <a:ea typeface="Arial"/>
+                <a:cs typeface="Arial"/>
+                <a:sym typeface="Arial"/>
+              </a:defRPr>
+            </a:lvl7pPr>
+            <a:lvl8pPr marR="0" lvl="7" algn="l" rtl="0">
+              <a:lnSpc>
+                <a:spcPct val="100000"/>
+              </a:lnSpc>
+              <a:spcBef>
+                <a:spcPts val="0"/>
+              </a:spcBef>
+              <a:spcAft>
+                <a:spcPts val="0"/>
+              </a:spcAft>
+              <a:buClr>
+                <a:srgbClr val="000000"/>
+              </a:buClr>
+              <a:buSzPts val="1400"/>
+              <a:buFont typeface="Arial"/>
+              <a:buNone/>
+              <a:defRPr sz="1800" b="0" i="0" u="none" strike="noStrike" cap="none">
+                <a:solidFill>
+                  <a:srgbClr val="000000"/>
+                </a:solidFill>
+                <a:latin typeface="Arial"/>
+                <a:ea typeface="Arial"/>
+                <a:cs typeface="Arial"/>
+                <a:sym typeface="Arial"/>
+              </a:defRPr>
+            </a:lvl8pPr>
+            <a:lvl9pPr marR="0" lvl="8" algn="l" rtl="0">
+              <a:lnSpc>
+                <a:spcPct val="100000"/>
+              </a:lnSpc>
+              <a:spcBef>
+                <a:spcPts val="0"/>
+              </a:spcBef>
+              <a:spcAft>
+                <a:spcPts val="0"/>
+              </a:spcAft>
+              <a:buClr>
+                <a:srgbClr val="000000"/>
+              </a:buClr>
+              <a:buSzPts val="1400"/>
+              <a:buFont typeface="Arial"/>
+              <a:buNone/>
+              <a:defRPr sz="1800" b="0" i="0" u="none" strike="noStrike" cap="none">
+                <a:solidFill>
+                  <a:srgbClr val="000000"/>
+                </a:solidFill>
+                <a:latin typeface="Arial"/>
+                <a:ea typeface="Arial"/>
+                <a:cs typeface="Arial"/>
+                <a:sym typeface="Arial"/>
+              </a:defRPr>
+            </a:lvl9pPr>
+          </a:lstStyle>
+          <a:p>
+            <a:pPr marL="0" lvl="0" indent="0" algn="l" rtl="0">
+              <a:lnSpc>
+                <a:spcPct val="90000"/>
+              </a:lnSpc>
+              <a:spcBef>
+                <a:spcPts val="0"/>
+              </a:spcBef>
+              <a:spcAft>
+                <a:spcPts val="0"/>
+              </a:spcAft>
+              <a:buClr>
+                <a:schemeClr val="dk1"/>
+              </a:buClr>
+              <a:buSzPts val="6120"/>
+              <a:buFont typeface="Calibri"/>
+              <a:buNone/>
+            </a:pPr>
+            <a:r>
+              <a:rPr lang="en-US" altLang="ja-JP" sz="2800" b="1" dirty="0">
+                <a:solidFill>
+                  <a:srgbClr val="ED7D31"/>
+                </a:solidFill>
+                <a:latin typeface="+mj-ea"/>
+                <a:ea typeface="+mj-ea"/>
+              </a:rPr>
+              <a:t>3</a:t>
+            </a:r>
+            <a:r>
+              <a:rPr lang="ja-JP" sz="2800" b="1" dirty="0">
+                <a:solidFill>
+                  <a:srgbClr val="ED7D31"/>
+                </a:solidFill>
+                <a:latin typeface="+mj-ea"/>
+                <a:ea typeface="+mj-ea"/>
+              </a:rPr>
+              <a:t>. </a:t>
+            </a:r>
+            <a:r>
+              <a:rPr lang="ja-JP" altLang="en-US" sz="2800" b="1" dirty="0">
+                <a:solidFill>
+                  <a:srgbClr val="ED7D31"/>
+                </a:solidFill>
+                <a:latin typeface="+mj-ea"/>
+                <a:ea typeface="+mj-ea"/>
+              </a:rPr>
+              <a:t>振舞い</a:t>
+            </a:r>
+            <a:r>
+              <a:rPr lang="ja-JP" sz="2800" b="1" dirty="0">
+                <a:solidFill>
+                  <a:srgbClr val="ED7D31"/>
+                </a:solidFill>
+                <a:latin typeface="+mj-ea"/>
+                <a:ea typeface="+mj-ea"/>
+              </a:rPr>
+              <a:t>モデル</a:t>
+            </a:r>
+            <a:endParaRPr sz="2800" b="1" dirty="0">
+              <a:solidFill>
+                <a:srgbClr val="ED7D31"/>
+              </a:solidFill>
+              <a:latin typeface="+mj-ea"/>
+              <a:ea typeface="+mj-ea"/>
+            </a:endParaRPr>
+          </a:p>
+        </p:txBody>
+      </p:sp>
+      <p:sp>
+        <p:nvSpPr>
+          <p:cNvPr id="26" name="Google Shape;110;p3">
+            <a:extLst>
+              <a:ext uri="{FF2B5EF4-FFF2-40B4-BE49-F238E27FC236}">
+                <a16:creationId xmlns:a16="http://schemas.microsoft.com/office/drawing/2014/main" id="{35F4DBA8-8C66-225D-0168-E243BB6B2F0B}"/>
+              </a:ext>
+            </a:extLst>
+          </p:cNvPr>
+          <p:cNvSpPr/>
+          <p:nvPr/>
+        </p:nvSpPr>
+        <p:spPr>
+          <a:xfrm>
+            <a:off x="7649914" y="-1773"/>
+            <a:ext cx="5463600" cy="554400"/>
+          </a:xfrm>
+          <a:prstGeom prst="rect">
+            <a:avLst/>
+          </a:prstGeom>
+          <a:solidFill>
+            <a:schemeClr val="accent2"/>
+          </a:solidFill>
+          <a:ln>
+            <a:noFill/>
+          </a:ln>
+        </p:spPr>
+        <p:txBody>
+          <a:bodyPr spcFirstLastPara="1" wrap="square" lIns="91425" tIns="45700" rIns="91425" bIns="45700" anchor="ctr" anchorCtr="0">
+            <a:noAutofit/>
+          </a:bodyPr>
+          <a:lstStyle>
+            <a:defPPr marR="0" lvl="0" algn="l" rtl="0">
+              <a:lnSpc>
+                <a:spcPct val="100000"/>
+              </a:lnSpc>
+              <a:spcBef>
+                <a:spcPts val="0"/>
+              </a:spcBef>
+              <a:spcAft>
+                <a:spcPts val="0"/>
+              </a:spcAft>
+            </a:defPPr>
+            <a:lvl1pPr marR="0" lvl="0" algn="l" rtl="0">
+              <a:lnSpc>
+                <a:spcPct val="100000"/>
+              </a:lnSpc>
+              <a:spcBef>
+                <a:spcPts val="0"/>
+              </a:spcBef>
+              <a:spcAft>
+                <a:spcPts val="0"/>
+              </a:spcAft>
+              <a:buClr>
+                <a:srgbClr val="000000"/>
+              </a:buClr>
+              <a:buFont typeface="Arial"/>
+              <a:defRPr sz="1400" b="0" i="0" u="none" strike="noStrike" cap="none">
+                <a:solidFill>
+                  <a:srgbClr val="000000"/>
+                </a:solidFill>
+                <a:latin typeface="Arial"/>
+                <a:ea typeface="Arial"/>
+                <a:cs typeface="Arial"/>
+                <a:sym typeface="Arial"/>
+              </a:defRPr>
+            </a:lvl1pPr>
+            <a:lvl2pPr marR="0" lvl="1" algn="l" rtl="0">
+              <a:lnSpc>
+                <a:spcPct val="100000"/>
+              </a:lnSpc>
+              <a:spcBef>
+                <a:spcPts val="0"/>
+              </a:spcBef>
+              <a:spcAft>
+                <a:spcPts val="0"/>
+              </a:spcAft>
+              <a:buClr>
+                <a:srgbClr val="000000"/>
+              </a:buClr>
+              <a:buFont typeface="Arial"/>
+              <a:defRPr sz="1400" b="0" i="0" u="none" strike="noStrike" cap="none">
+                <a:solidFill>
+                  <a:srgbClr val="000000"/>
+                </a:solidFill>
+                <a:latin typeface="Arial"/>
+                <a:ea typeface="Arial"/>
+                <a:cs typeface="Arial"/>
+                <a:sym typeface="Arial"/>
+              </a:defRPr>
+            </a:lvl2pPr>
+            <a:lvl3pPr marR="0" lvl="2" algn="l" rtl="0">
+              <a:lnSpc>
+                <a:spcPct val="100000"/>
+              </a:lnSpc>
+              <a:spcBef>
+                <a:spcPts val="0"/>
+              </a:spcBef>
+              <a:spcAft>
+                <a:spcPts val="0"/>
+              </a:spcAft>
+              <a:buClr>
+                <a:srgbClr val="000000"/>
+              </a:buClr>
+              <a:buFont typeface="Arial"/>
+              <a:defRPr sz="1400" b="0" i="0" u="none" strike="noStrike" cap="none">
+                <a:solidFill>
+                  <a:srgbClr val="000000"/>
+                </a:solidFill>
+                <a:latin typeface="Arial"/>
+                <a:ea typeface="Arial"/>
+                <a:cs typeface="Arial"/>
+                <a:sym typeface="Arial"/>
+              </a:defRPr>
+            </a:lvl3pPr>
+            <a:lvl4pPr marR="0" lvl="3" algn="l" rtl="0">
+              <a:lnSpc>
+                <a:spcPct val="100000"/>
+              </a:lnSpc>
+              <a:spcBef>
+                <a:spcPts val="0"/>
+              </a:spcBef>
+              <a:spcAft>
+                <a:spcPts val="0"/>
+              </a:spcAft>
+              <a:buClr>
+                <a:srgbClr val="000000"/>
+              </a:buClr>
+              <a:buFont typeface="Arial"/>
+              <a:defRPr sz="1400" b="0" i="0" u="none" strike="noStrike" cap="none">
+                <a:solidFill>
+                  <a:srgbClr val="000000"/>
+                </a:solidFill>
+                <a:latin typeface="Arial"/>
+                <a:ea typeface="Arial"/>
+                <a:cs typeface="Arial"/>
+                <a:sym typeface="Arial"/>
+              </a:defRPr>
+            </a:lvl4pPr>
+            <a:lvl5pPr marR="0" lvl="4" algn="l" rtl="0">
+              <a:lnSpc>
+                <a:spcPct val="100000"/>
+              </a:lnSpc>
+              <a:spcBef>
+                <a:spcPts val="0"/>
+              </a:spcBef>
+              <a:spcAft>
+                <a:spcPts val="0"/>
+              </a:spcAft>
+              <a:buClr>
+                <a:srgbClr val="000000"/>
+              </a:buClr>
+              <a:buFont typeface="Arial"/>
+              <a:defRPr sz="1400" b="0" i="0" u="none" strike="noStrike" cap="none">
+                <a:solidFill>
+                  <a:srgbClr val="000000"/>
+                </a:solidFill>
+                <a:latin typeface="Arial"/>
+                <a:ea typeface="Arial"/>
+                <a:cs typeface="Arial"/>
+                <a:sym typeface="Arial"/>
+              </a:defRPr>
+            </a:lvl5pPr>
+            <a:lvl6pPr marR="0" lvl="5" algn="l" rtl="0">
+              <a:lnSpc>
+                <a:spcPct val="100000"/>
+              </a:lnSpc>
+              <a:spcBef>
+                <a:spcPts val="0"/>
+              </a:spcBef>
+              <a:spcAft>
+                <a:spcPts val="0"/>
+              </a:spcAft>
+              <a:buClr>
+                <a:srgbClr val="000000"/>
+              </a:buClr>
+              <a:buFont typeface="Arial"/>
+              <a:defRPr sz="1400" b="0" i="0" u="none" strike="noStrike" cap="none">
+                <a:solidFill>
+                  <a:srgbClr val="000000"/>
+                </a:solidFill>
+                <a:latin typeface="Arial"/>
+                <a:ea typeface="Arial"/>
+                <a:cs typeface="Arial"/>
+                <a:sym typeface="Arial"/>
+              </a:defRPr>
+            </a:lvl6pPr>
+            <a:lvl7pPr marR="0" lvl="6" algn="l" rtl="0">
+              <a:lnSpc>
+                <a:spcPct val="100000"/>
+              </a:lnSpc>
+              <a:spcBef>
+                <a:spcPts val="0"/>
+              </a:spcBef>
+              <a:spcAft>
+                <a:spcPts val="0"/>
+              </a:spcAft>
+              <a:buClr>
+                <a:srgbClr val="000000"/>
+              </a:buClr>
+              <a:buFont typeface="Arial"/>
+              <a:defRPr sz="1400" b="0" i="0" u="none" strike="noStrike" cap="none">
+                <a:solidFill>
+                  <a:srgbClr val="000000"/>
+                </a:solidFill>
+                <a:latin typeface="Arial"/>
+                <a:ea typeface="Arial"/>
+                <a:cs typeface="Arial"/>
+                <a:sym typeface="Arial"/>
+              </a:defRPr>
+            </a:lvl7pPr>
+            <a:lvl8pPr marR="0" lvl="7" algn="l" rtl="0">
+              <a:lnSpc>
+                <a:spcPct val="100000"/>
+              </a:lnSpc>
+              <a:spcBef>
+                <a:spcPts val="0"/>
+              </a:spcBef>
+              <a:spcAft>
+                <a:spcPts val="0"/>
+              </a:spcAft>
+              <a:buClr>
+                <a:srgbClr val="000000"/>
+              </a:buClr>
+              <a:buFont typeface="Arial"/>
+              <a:defRPr sz="1400" b="0" i="0" u="none" strike="noStrike" cap="none">
+                <a:solidFill>
+                  <a:srgbClr val="000000"/>
+                </a:solidFill>
+                <a:latin typeface="Arial"/>
+                <a:ea typeface="Arial"/>
+                <a:cs typeface="Arial"/>
+                <a:sym typeface="Arial"/>
+              </a:defRPr>
+            </a:lvl8pPr>
+            <a:lvl9pPr marR="0" lvl="8" algn="l" rtl="0">
+              <a:lnSpc>
+                <a:spcPct val="100000"/>
+              </a:lnSpc>
+              <a:spcBef>
+                <a:spcPts val="0"/>
+              </a:spcBef>
+              <a:spcAft>
+                <a:spcPts val="0"/>
+              </a:spcAft>
+              <a:buClr>
+                <a:srgbClr val="000000"/>
+              </a:buClr>
+              <a:buFont typeface="Arial"/>
+              <a:defRPr sz="1400" b="0" i="0" u="none" strike="noStrike" cap="none">
+                <a:solidFill>
+                  <a:srgbClr val="000000"/>
+                </a:solidFill>
+                <a:latin typeface="Arial"/>
+                <a:ea typeface="Arial"/>
+                <a:cs typeface="Arial"/>
+                <a:sym typeface="Arial"/>
+              </a:defRPr>
+            </a:lvl9pPr>
+          </a:lstStyle>
+          <a:p>
+            <a:pPr marL="0" marR="0" lvl="0" indent="0" algn="ctr" rtl="0">
+              <a:lnSpc>
+                <a:spcPct val="100000"/>
+              </a:lnSpc>
+              <a:spcBef>
+                <a:spcPts val="0"/>
+              </a:spcBef>
+              <a:spcAft>
+                <a:spcPts val="0"/>
+              </a:spcAft>
+              <a:buClr>
+                <a:srgbClr val="000000"/>
+              </a:buClr>
+              <a:buSzPts val="3200"/>
+              <a:buFont typeface="Arial"/>
+              <a:buNone/>
+            </a:pPr>
+            <a:r>
+              <a:rPr lang="ja-JP" sz="3200" b="0" i="0" u="none" strike="noStrike" cap="none" dirty="0">
+                <a:solidFill>
+                  <a:schemeClr val="lt1"/>
+                </a:solidFill>
+                <a:latin typeface="Arial"/>
+                <a:ea typeface="Arial"/>
+                <a:cs typeface="Arial"/>
+                <a:sym typeface="Arial"/>
+              </a:rPr>
+              <a:t>てなろぼ★ぷらいまりぃ</a:t>
+            </a:r>
+            <a:endParaRPr sz="3200" b="0" i="0" u="none" strike="noStrike" cap="none" dirty="0">
+              <a:solidFill>
+                <a:schemeClr val="lt1"/>
+              </a:solidFill>
+              <a:latin typeface="Arial"/>
+              <a:ea typeface="Arial"/>
+              <a:cs typeface="Arial"/>
+              <a:sym typeface="Arial"/>
+            </a:endParaRPr>
+          </a:p>
+        </p:txBody>
+      </p:sp>
+      <mc:AlternateContent xmlns:mc="http://schemas.openxmlformats.org/markup-compatibility/2006" xmlns:p14="http://schemas.microsoft.com/office/powerpoint/2010/main">
+        <mc:Choice Requires="p14">
+          <p:contentPart p14:bwMode="auto" r:id="rId4">
+            <p14:nvContentPartPr>
               <p14:cNvPr id="27" name="インク 26">
                 <a:extLst>
                   <a:ext uri="{FF2B5EF4-FFF2-40B4-BE49-F238E27FC236}">
-                    <a16:creationId xmlns:a16="http://schemas.microsoft.com/office/drawing/2014/main" id="{D20EB1F9-BBDD-AE8B-0451-E7B84F7AC3C6}"/>
+                    <a16:creationId xmlns:a16="http://schemas.microsoft.com/office/drawing/2014/main" id="{BFD5C6E2-422E-3AAE-DFB6-65205FBEBE9B}"/>
                   </a:ext>
                 </a:extLst>
               </p14:cNvPr>
@@ -13364,7 +13613,7 @@
               <p:nvPr/>
             </p:nvPicPr>
             <p:blipFill>
-              <a:blip r:embed="rId4"/>
+              <a:blip r:embed="rId5"/>
               <a:stretch>
                 <a:fillRect/>
               </a:stretch>
@@ -13383,12 +13632,12 @@
       </mc:AlternateContent>
       <mc:AlternateContent xmlns:mc="http://schemas.openxmlformats.org/markup-compatibility/2006" xmlns:p14="http://schemas.microsoft.com/office/powerpoint/2010/main">
         <mc:Choice Requires="p14">
-          <p:contentPart p14:bwMode="auto" r:id="rId5">
+          <p:contentPart p14:bwMode="auto" r:id="rId6">
             <p14:nvContentPartPr>
               <p14:cNvPr id="28" name="インク 27">
                 <a:extLst>
                   <a:ext uri="{FF2B5EF4-FFF2-40B4-BE49-F238E27FC236}">
-                    <a16:creationId xmlns:a16="http://schemas.microsoft.com/office/drawing/2014/main" id="{A4FB9666-067A-C07E-D367-442744073DCE}"/>
+                    <a16:creationId xmlns:a16="http://schemas.microsoft.com/office/drawing/2014/main" id="{7D8B4604-BD20-1D12-2D14-227713444317}"/>
                   </a:ext>
                 </a:extLst>
               </p14:cNvPr>
@@ -13415,7 +13664,7 @@
               <p:nvPr/>
             </p:nvPicPr>
             <p:blipFill>
-              <a:blip r:embed="rId4"/>
+              <a:blip r:embed="rId5"/>
               <a:stretch>
                 <a:fillRect/>
               </a:stretch>
@@ -13432,74 +13681,12 @@
           </p:pic>
         </mc:Fallback>
       </mc:AlternateContent>
-      <p:cxnSp>
-        <p:nvCxnSpPr>
-          <p:cNvPr id="29" name="Google Shape;127;p4">
+      <p:sp>
+        <p:nvSpPr>
+          <p:cNvPr id="64" name="テキスト ボックス 63">
             <a:extLst>
               <a:ext uri="{FF2B5EF4-FFF2-40B4-BE49-F238E27FC236}">
-                <a16:creationId xmlns:a16="http://schemas.microsoft.com/office/drawing/2014/main" id="{B5A02AC8-3D31-E537-4002-78F20C713B0F}"/>
-              </a:ext>
-            </a:extLst>
-          </p:cNvPr>
-          <p:cNvCxnSpPr/>
-          <p:nvPr/>
-        </p:nvCxnSpPr>
-        <p:spPr>
-          <a:xfrm>
-            <a:off x="0" y="539516"/>
-            <a:ext cx="15116399" cy="0"/>
-          </a:xfrm>
-          <a:prstGeom prst="straightConnector1">
-            <a:avLst/>
-          </a:prstGeom>
-          <a:noFill/>
-          <a:ln w="19050" cap="flat" cmpd="sng">
-            <a:solidFill>
-              <a:schemeClr val="accent2"/>
-            </a:solidFill>
-            <a:prstDash val="solid"/>
-            <a:miter lim="800000"/>
-            <a:headEnd type="none" w="sm" len="sm"/>
-            <a:tailEnd type="none" w="sm" len="sm"/>
-          </a:ln>
-        </p:spPr>
-      </p:cxnSp>
-      <p:pic>
-        <p:nvPicPr>
-          <p:cNvPr id="32" name="図 31">
-            <a:extLst>
-              <a:ext uri="{FF2B5EF4-FFF2-40B4-BE49-F238E27FC236}">
-                <a16:creationId xmlns:a16="http://schemas.microsoft.com/office/drawing/2014/main" id="{21763069-83CB-B71A-BA0E-B689A6A47A46}"/>
-              </a:ext>
-            </a:extLst>
-          </p:cNvPr>
-          <p:cNvPicPr>
-            <a:picLocks noChangeAspect="1"/>
-          </p:cNvPicPr>
-          <p:nvPr/>
-        </p:nvPicPr>
-        <p:blipFill>
-          <a:blip r:embed="rId6"/>
-          <a:stretch>
-            <a:fillRect/>
-          </a:stretch>
-        </p:blipFill>
-        <p:spPr>
-          <a:xfrm>
-            <a:off x="196022" y="1142511"/>
-            <a:ext cx="4575661" cy="2586061"/>
-          </a:xfrm>
-          <a:prstGeom prst="rect">
-            <a:avLst/>
-          </a:prstGeom>
-        </p:spPr>
-      </p:pic>
-      <p:sp>
-        <p:nvSpPr>
-          <p:cNvPr id="33" name="テキスト ボックス 32">
-            <a:extLst>
-              <a:ext uri="{FF2B5EF4-FFF2-40B4-BE49-F238E27FC236}">
-                <a16:creationId xmlns:a16="http://schemas.microsoft.com/office/drawing/2014/main" id="{93B8DB3B-6163-E66F-537E-C6784670855A}"/>
+                <a16:creationId xmlns:a16="http://schemas.microsoft.com/office/drawing/2014/main" id="{AA39B512-C2FC-C556-2BA2-EC635C650580}"/>
               </a:ext>
             </a:extLst>
           </p:cNvPr>
@@ -13508,8 +13695,8 @@
         </p:nvSpPr>
         <p:spPr>
           <a:xfrm>
-            <a:off x="550856" y="3699692"/>
-            <a:ext cx="4292490" cy="284693"/>
+            <a:off x="96822" y="6432633"/>
+            <a:ext cx="3015274" cy="284693"/>
           </a:xfrm>
           <a:prstGeom prst="rect">
             <a:avLst/>
@@ -13534,17 +13721,17 @@
                 <a:latin typeface="BIZ UDPゴシック" panose="020B0400000000000000" pitchFamily="50" charset="-128"/>
                 <a:ea typeface="BIZ UDPゴシック" panose="020B0400000000000000" pitchFamily="50" charset="-128"/>
               </a:rPr>
-              <a:t>3.1 </a:t>
+              <a:t>3.1</a:t>
             </a:r>
             <a:r>
               <a:rPr lang="ja-JP" altLang="en-US" sz="1250" dirty="0">
                 <a:latin typeface="BIZ UDPゴシック" panose="020B0400000000000000" pitchFamily="50" charset="-128"/>
                 <a:ea typeface="BIZ UDPゴシック" panose="020B0400000000000000" pitchFamily="50" charset="-128"/>
               </a:rPr>
-              <a:t>ダブルループにおける状態遷移</a:t>
-            </a:r>
-            <a:r>
-              <a:rPr kumimoji="1" lang="en-US" altLang="ja-JP" sz="1250" dirty="0">
+              <a:t> ダブルループ攻略</a:t>
+            </a:r>
+            <a:r>
+              <a:rPr lang="en-US" altLang="ja-JP" sz="1250" dirty="0">
                 <a:latin typeface="BIZ UDPゴシック" panose="020B0400000000000000" pitchFamily="50" charset="-128"/>
                 <a:ea typeface="BIZ UDPゴシック" panose="020B0400000000000000" pitchFamily="50" charset="-128"/>
               </a:rPr>
@@ -13555,10 +13742,10 @@
                 <a:latin typeface="BIZ UDPゴシック" panose="020B0400000000000000" pitchFamily="50" charset="-128"/>
                 <a:ea typeface="BIZ UDPゴシック" panose="020B0400000000000000" pitchFamily="50" charset="-128"/>
               </a:rPr>
-              <a:t>状態マシン図</a:t>
-            </a:r>
-            <a:r>
-              <a:rPr kumimoji="1" lang="en-US" altLang="ja-JP" sz="1250" dirty="0">
+              <a:t>シーケンス図</a:t>
+            </a:r>
+            <a:r>
+              <a:rPr lang="en-US" altLang="ja-JP" sz="1250" dirty="0">
                 <a:latin typeface="BIZ UDPゴシック" panose="020B0400000000000000" pitchFamily="50" charset="-128"/>
                 <a:ea typeface="BIZ UDPゴシック" panose="020B0400000000000000" pitchFamily="50" charset="-128"/>
               </a:rPr>
@@ -13573,643 +13760,729 @@
       </p:sp>
       <p:sp>
         <p:nvSpPr>
-          <p:cNvPr id="2" name="フリーフォーム: 図形 1">
+          <p:cNvPr id="67" name="テキスト ボックス 66">
             <a:extLst>
               <a:ext uri="{FF2B5EF4-FFF2-40B4-BE49-F238E27FC236}">
-                <a16:creationId xmlns:a16="http://schemas.microsoft.com/office/drawing/2014/main" id="{9DC4E891-B563-4AD8-734F-DE3DA34EEA45}"/>
+                <a16:creationId xmlns:a16="http://schemas.microsoft.com/office/drawing/2014/main" id="{83D1FA5B-8A05-2918-F000-19C5410ECFEF}"/>
               </a:ext>
             </a:extLst>
           </p:cNvPr>
-          <p:cNvSpPr>
-            <a:spLocks noChangeArrowheads="1"/>
-          </p:cNvSpPr>
+          <p:cNvSpPr txBox="1"/>
           <p:nvPr/>
         </p:nvSpPr>
-        <p:spPr bwMode="auto">
+        <p:spPr>
           <a:xfrm>
-            <a:off x="148596" y="649235"/>
-            <a:ext cx="14816097" cy="9953254"/>
+            <a:off x="637861" y="10184153"/>
+            <a:ext cx="3753046" cy="284693"/>
           </a:xfrm>
-          <a:custGeom>
+          <a:prstGeom prst="rect">
             <a:avLst/>
-            <a:gdLst>
-              <a:gd name="connsiteX0" fmla="*/ 4666612 w 14816097"/>
-              <a:gd name="connsiteY0" fmla="*/ 0 h 9953254"/>
-              <a:gd name="connsiteX1" fmla="*/ 14816097 w 14816097"/>
-              <a:gd name="connsiteY1" fmla="*/ 0 h 9953254"/>
-              <a:gd name="connsiteX2" fmla="*/ 14816097 w 14816097"/>
-              <a:gd name="connsiteY2" fmla="*/ 9953253 h 9953254"/>
-              <a:gd name="connsiteX3" fmla="*/ 14816096 w 14816097"/>
-              <a:gd name="connsiteY3" fmla="*/ 9953253 h 9953254"/>
-              <a:gd name="connsiteX4" fmla="*/ 14816096 w 14816097"/>
-              <a:gd name="connsiteY4" fmla="*/ 9953254 h 9953254"/>
-              <a:gd name="connsiteX5" fmla="*/ 0 w 14816097"/>
-              <a:gd name="connsiteY5" fmla="*/ 9953254 h 9953254"/>
-              <a:gd name="connsiteX6" fmla="*/ 0 w 14816097"/>
-              <a:gd name="connsiteY6" fmla="*/ 3399805 h 9953254"/>
-              <a:gd name="connsiteX7" fmla="*/ 4666612 w 14816097"/>
-              <a:gd name="connsiteY7" fmla="*/ 3399805 h 9953254"/>
-            </a:gdLst>
-            <a:ahLst/>
-            <a:cxnLst>
-              <a:cxn ang="0">
-                <a:pos x="connsiteX0" y="connsiteY0"/>
-              </a:cxn>
-              <a:cxn ang="0">
-                <a:pos x="connsiteX1" y="connsiteY1"/>
-              </a:cxn>
-              <a:cxn ang="0">
-                <a:pos x="connsiteX2" y="connsiteY2"/>
-              </a:cxn>
-              <a:cxn ang="0">
-                <a:pos x="connsiteX3" y="connsiteY3"/>
-              </a:cxn>
-              <a:cxn ang="0">
-                <a:pos x="connsiteX4" y="connsiteY4"/>
-              </a:cxn>
-              <a:cxn ang="0">
-                <a:pos x="connsiteX5" y="connsiteY5"/>
-              </a:cxn>
-              <a:cxn ang="0">
-                <a:pos x="connsiteX6" y="connsiteY6"/>
-              </a:cxn>
-              <a:cxn ang="0">
-                <a:pos x="connsiteX7" y="connsiteY7"/>
-              </a:cxn>
-            </a:cxnLst>
-            <a:rect l="l" t="t" r="r" b="b"/>
-            <a:pathLst>
-              <a:path w="14816097" h="9953254">
-                <a:moveTo>
-                  <a:pt x="4666612" y="0"/>
-                </a:moveTo>
-                <a:lnTo>
-                  <a:pt x="14816097" y="0"/>
-                </a:lnTo>
-                <a:lnTo>
-                  <a:pt x="14816097" y="9953253"/>
-                </a:lnTo>
-                <a:lnTo>
-                  <a:pt x="14816096" y="9953253"/>
-                </a:lnTo>
-                <a:lnTo>
-                  <a:pt x="14816096" y="9953254"/>
-                </a:lnTo>
-                <a:lnTo>
-                  <a:pt x="0" y="9953254"/>
-                </a:lnTo>
-                <a:lnTo>
-                  <a:pt x="0" y="3399805"/>
-                </a:lnTo>
-                <a:lnTo>
-                  <a:pt x="4666612" y="3399805"/>
-                </a:lnTo>
-                <a:close/>
-              </a:path>
-            </a:pathLst>
-          </a:custGeom>
+          </a:prstGeom>
           <a:noFill/>
-          <a:ln w="9525">
-            <a:solidFill>
-              <a:schemeClr val="accent2"/>
-            </a:solidFill>
-            <a:miter lim="800000"/>
-            <a:headEnd/>
-            <a:tailEnd/>
-          </a:ln>
-          <a:extLst>
-            <a:ext uri="{909E8E84-426E-40DD-AFC4-6F175D3DCCD1}">
-              <a14:hiddenFill xmlns:a14="http://schemas.microsoft.com/office/drawing/2010/main">
-                <a:solidFill>
-                  <a:srgbClr val="FFFFFF"/>
-                </a:solidFill>
-              </a14:hiddenFill>
-            </a:ext>
-          </a:extLst>
         </p:spPr>
         <p:txBody>
-          <a:bodyPr wrap="square" lIns="120687" tIns="60343" rIns="120687" bIns="60343">
-            <a:noAutofit/>
+          <a:bodyPr wrap="square" rtlCol="0">
+            <a:spAutoFit/>
           </a:bodyPr>
-          <a:lstStyle>
-            <a:lvl1pPr marL="481013" indent="-481013" defTabSz="1279525" eaLnBrk="0" hangingPunct="0">
-              <a:defRPr kumimoji="1" sz="1600">
-                <a:solidFill>
-                  <a:schemeClr val="tx1"/>
-                </a:solidFill>
-                <a:latin typeface="Times New Roman" panose="02020603050405020304" pitchFamily="18" charset="0"/>
-                <a:ea typeface="ＭＳ Ｐゴシック" panose="020B0600070205080204" pitchFamily="34" charset="-128"/>
-              </a:defRPr>
-            </a:lvl1pPr>
-            <a:lvl2pPr marL="742950" indent="-285750" defTabSz="1279525" eaLnBrk="0" hangingPunct="0">
-              <a:defRPr kumimoji="1" sz="1600">
-                <a:solidFill>
-                  <a:schemeClr val="tx1"/>
-                </a:solidFill>
-                <a:latin typeface="Times New Roman" panose="02020603050405020304" pitchFamily="18" charset="0"/>
-                <a:ea typeface="ＭＳ Ｐゴシック" panose="020B0600070205080204" pitchFamily="34" charset="-128"/>
-              </a:defRPr>
-            </a:lvl2pPr>
-            <a:lvl3pPr marL="1143000" indent="-228600" defTabSz="1279525" eaLnBrk="0" hangingPunct="0">
-              <a:defRPr kumimoji="1" sz="1600">
-                <a:solidFill>
-                  <a:schemeClr val="tx1"/>
-                </a:solidFill>
-                <a:latin typeface="Times New Roman" panose="02020603050405020304" pitchFamily="18" charset="0"/>
-                <a:ea typeface="ＭＳ Ｐゴシック" panose="020B0600070205080204" pitchFamily="34" charset="-128"/>
-              </a:defRPr>
-            </a:lvl3pPr>
-            <a:lvl4pPr marL="1600200" indent="-228600" defTabSz="1279525" eaLnBrk="0" hangingPunct="0">
-              <a:defRPr kumimoji="1" sz="1600">
-                <a:solidFill>
-                  <a:schemeClr val="tx1"/>
-                </a:solidFill>
-                <a:latin typeface="Times New Roman" panose="02020603050405020304" pitchFamily="18" charset="0"/>
-                <a:ea typeface="ＭＳ Ｐゴシック" panose="020B0600070205080204" pitchFamily="34" charset="-128"/>
-              </a:defRPr>
-            </a:lvl4pPr>
-            <a:lvl5pPr marL="2057400" indent="-228600" defTabSz="1279525" eaLnBrk="0" hangingPunct="0">
-              <a:defRPr kumimoji="1" sz="1600">
-                <a:solidFill>
-                  <a:schemeClr val="tx1"/>
-                </a:solidFill>
-                <a:latin typeface="Times New Roman" panose="02020603050405020304" pitchFamily="18" charset="0"/>
-                <a:ea typeface="ＭＳ Ｐゴシック" panose="020B0600070205080204" pitchFamily="34" charset="-128"/>
-              </a:defRPr>
-            </a:lvl5pPr>
-            <a:lvl6pPr marL="2514600" indent="-228600" defTabSz="1279525" eaLnBrk="0" fontAlgn="base" hangingPunct="0">
-              <a:spcBef>
-                <a:spcPct val="0"/>
-              </a:spcBef>
-              <a:spcAft>
-                <a:spcPct val="0"/>
-              </a:spcAft>
-              <a:defRPr kumimoji="1" sz="1600">
-                <a:solidFill>
-                  <a:schemeClr val="tx1"/>
-                </a:solidFill>
-                <a:latin typeface="Times New Roman" panose="02020603050405020304" pitchFamily="18" charset="0"/>
-                <a:ea typeface="ＭＳ Ｐゴシック" panose="020B0600070205080204" pitchFamily="34" charset="-128"/>
-              </a:defRPr>
-            </a:lvl6pPr>
-            <a:lvl7pPr marL="2971800" indent="-228600" defTabSz="1279525" eaLnBrk="0" fontAlgn="base" hangingPunct="0">
-              <a:spcBef>
-                <a:spcPct val="0"/>
-              </a:spcBef>
-              <a:spcAft>
-                <a:spcPct val="0"/>
-              </a:spcAft>
-              <a:defRPr kumimoji="1" sz="1600">
-                <a:solidFill>
-                  <a:schemeClr val="tx1"/>
-                </a:solidFill>
-                <a:latin typeface="Times New Roman" panose="02020603050405020304" pitchFamily="18" charset="0"/>
-                <a:ea typeface="ＭＳ Ｐゴシック" panose="020B0600070205080204" pitchFamily="34" charset="-128"/>
-              </a:defRPr>
-            </a:lvl7pPr>
-            <a:lvl8pPr marL="3429000" indent="-228600" defTabSz="1279525" eaLnBrk="0" fontAlgn="base" hangingPunct="0">
-              <a:spcBef>
-                <a:spcPct val="0"/>
-              </a:spcBef>
-              <a:spcAft>
-                <a:spcPct val="0"/>
-              </a:spcAft>
-              <a:defRPr kumimoji="1" sz="1600">
-                <a:solidFill>
-                  <a:schemeClr val="tx1"/>
-                </a:solidFill>
-                <a:latin typeface="Times New Roman" panose="02020603050405020304" pitchFamily="18" charset="0"/>
-                <a:ea typeface="ＭＳ Ｐゴシック" panose="020B0600070205080204" pitchFamily="34" charset="-128"/>
-              </a:defRPr>
-            </a:lvl8pPr>
-            <a:lvl9pPr marL="3886200" indent="-228600" defTabSz="1279525" eaLnBrk="0" fontAlgn="base" hangingPunct="0">
-              <a:spcBef>
-                <a:spcPct val="0"/>
-              </a:spcBef>
-              <a:spcAft>
-                <a:spcPct val="0"/>
-              </a:spcAft>
-              <a:defRPr kumimoji="1" sz="1600">
-                <a:solidFill>
-                  <a:schemeClr val="tx1"/>
-                </a:solidFill>
-                <a:latin typeface="Times New Roman" panose="02020603050405020304" pitchFamily="18" charset="0"/>
-                <a:ea typeface="ＭＳ Ｐゴシック" panose="020B0600070205080204" pitchFamily="34" charset="-128"/>
-              </a:defRPr>
-            </a:lvl9pPr>
-          </a:lstStyle>
-          <a:p>
-            <a:pPr eaLnBrk="1" hangingPunct="1">
-              <a:lnSpc>
-                <a:spcPct val="80000"/>
-              </a:lnSpc>
-              <a:spcBef>
-                <a:spcPct val="20000"/>
-              </a:spcBef>
-            </a:pPr>
-            <a:r>
-              <a:rPr lang="ja-JP" altLang="en-US" sz="2000" dirty="0">
-                <a:solidFill>
-                  <a:srgbClr val="FF0000"/>
-                </a:solidFill>
-                <a:latin typeface="UD デジタル 教科書体 NP" panose="02020400000000000000" pitchFamily="18" charset="-128"/>
-                <a:ea typeface="UD デジタル 教科書体 NP" panose="02020400000000000000" pitchFamily="18" charset="-128"/>
-              </a:rPr>
-              <a:t>　　　　　　　　　　　　　　　　　　</a:t>
-            </a:r>
-            <a:r>
-              <a:rPr lang="en-US" altLang="ja-JP" sz="2000" dirty="0">
-                <a:solidFill>
-                  <a:srgbClr val="FF0000"/>
-                </a:solidFill>
-                <a:latin typeface="UD デジタル 教科書体 NP" panose="02020400000000000000" pitchFamily="18" charset="-128"/>
-                <a:ea typeface="UD デジタル 教科書体 NP" panose="02020400000000000000" pitchFamily="18" charset="-128"/>
-              </a:rPr>
-              <a:t>3-2. </a:t>
-            </a:r>
-            <a:r>
-              <a:rPr lang="ja-JP" altLang="en-US" sz="2000" dirty="0">
-                <a:solidFill>
-                  <a:srgbClr val="FF0000"/>
-                </a:solidFill>
-                <a:latin typeface="UD デジタル 教科書体 NP" panose="02020400000000000000" pitchFamily="18" charset="-128"/>
-                <a:ea typeface="UD デジタル 教科書体 NP" panose="02020400000000000000" pitchFamily="18" charset="-128"/>
-              </a:rPr>
-              <a:t>振舞い</a:t>
-            </a:r>
-          </a:p>
-          <a:p>
-            <a:pPr eaLnBrk="1" hangingPunct="1">
-              <a:lnSpc>
-                <a:spcPct val="80000"/>
-              </a:lnSpc>
-              <a:spcBef>
-                <a:spcPct val="20000"/>
-              </a:spcBef>
-            </a:pPr>
-            <a:r>
-              <a:rPr lang="ja-JP" altLang="en-US" sz="1400" dirty="0">
-                <a:latin typeface="UD デジタル 教科書体 NP" panose="02020400000000000000" pitchFamily="18" charset="-128"/>
-                <a:ea typeface="UD デジタル 教科書体 NP" panose="02020400000000000000" pitchFamily="18" charset="-128"/>
-              </a:rPr>
-              <a:t>　　　　　　　　　　　　　　　　　　　　　　　　　　</a:t>
-            </a:r>
-            <a:r>
-              <a:rPr lang="ja-JP" altLang="en-US" sz="1200" dirty="0">
-                <a:latin typeface="UD デジタル 教科書体 NP" panose="02020400000000000000" pitchFamily="18" charset="-128"/>
-                <a:ea typeface="UD デジタル 教科書体 NP" panose="02020400000000000000" pitchFamily="18" charset="-128"/>
-              </a:rPr>
-              <a:t>ダブルループにおける各クラスの振</a:t>
-            </a:r>
-            <a:endParaRPr lang="en-US" altLang="ja-JP" sz="1200" dirty="0">
-              <a:latin typeface="UD デジタル 教科書体 NP" panose="02020400000000000000" pitchFamily="18" charset="-128"/>
-              <a:ea typeface="UD デジタル 教科書体 NP" panose="02020400000000000000" pitchFamily="18" charset="-128"/>
+          <a:lstStyle/>
+          <a:p>
+            <a:r>
+              <a:rPr kumimoji="1" lang="ja-JP" altLang="en-US" sz="1250" dirty="0">
+                <a:latin typeface="BIZ UDPゴシック" panose="020B0400000000000000" pitchFamily="50" charset="-128"/>
+                <a:ea typeface="BIZ UDPゴシック" panose="020B0400000000000000" pitchFamily="50" charset="-128"/>
+              </a:rPr>
+              <a:t>図</a:t>
+            </a:r>
+            <a:r>
+              <a:rPr kumimoji="1" lang="en-US" altLang="ja-JP" sz="1250" dirty="0">
+                <a:latin typeface="BIZ UDPゴシック" panose="020B0400000000000000" pitchFamily="50" charset="-128"/>
+                <a:ea typeface="BIZ UDPゴシック" panose="020B0400000000000000" pitchFamily="50" charset="-128"/>
+              </a:rPr>
+              <a:t>3.3</a:t>
+            </a:r>
+            <a:r>
+              <a:rPr lang="ja-JP" altLang="en-US" sz="1250" dirty="0">
+                <a:latin typeface="BIZ UDPゴシック" panose="020B0400000000000000" pitchFamily="50" charset="-128"/>
+                <a:ea typeface="BIZ UDPゴシック" panose="020B0400000000000000" pitchFamily="50" charset="-128"/>
+              </a:rPr>
+              <a:t> 進路決定アクションの振舞い</a:t>
+            </a:r>
+            <a:r>
+              <a:rPr lang="en-US" altLang="ja-JP" sz="1250" dirty="0">
+                <a:latin typeface="BIZ UDPゴシック" panose="020B0400000000000000" pitchFamily="50" charset="-128"/>
+                <a:ea typeface="BIZ UDPゴシック" panose="020B0400000000000000" pitchFamily="50" charset="-128"/>
+              </a:rPr>
+              <a:t>(</a:t>
+            </a:r>
+            <a:r>
+              <a:rPr lang="ja-JP" altLang="en-US" sz="1250" dirty="0">
+                <a:latin typeface="BIZ UDPゴシック" panose="020B0400000000000000" pitchFamily="50" charset="-128"/>
+                <a:ea typeface="BIZ UDPゴシック" panose="020B0400000000000000" pitchFamily="50" charset="-128"/>
+              </a:rPr>
+              <a:t>シーケンス図</a:t>
+            </a:r>
+            <a:r>
+              <a:rPr lang="en-US" altLang="ja-JP" sz="1250" dirty="0">
+                <a:latin typeface="BIZ UDPゴシック" panose="020B0400000000000000" pitchFamily="50" charset="-128"/>
+                <a:ea typeface="BIZ UDPゴシック" panose="020B0400000000000000" pitchFamily="50" charset="-128"/>
+              </a:rPr>
+              <a:t>)</a:t>
+            </a:r>
+            <a:endParaRPr kumimoji="1" lang="ja-JP" altLang="en-US" sz="1200" dirty="0">
+              <a:latin typeface="BIZ UDPゴシック" panose="020B0400000000000000" pitchFamily="50" charset="-128"/>
+              <a:ea typeface="BIZ UDPゴシック" panose="020B0400000000000000" pitchFamily="50" charset="-128"/>
             </a:endParaRPr>
           </a:p>
-          <a:p>
-            <a:pPr eaLnBrk="1" hangingPunct="1">
-              <a:lnSpc>
-                <a:spcPct val="80000"/>
-              </a:lnSpc>
-              <a:spcBef>
-                <a:spcPct val="20000"/>
-              </a:spcBef>
-            </a:pPr>
-            <a:r>
-              <a:rPr lang="ja-JP" altLang="en-US" sz="1200" dirty="0">
-                <a:latin typeface="UD デジタル 教科書体 NP" panose="02020400000000000000" pitchFamily="18" charset="-128"/>
-                <a:ea typeface="UD デジタル 教科書体 NP" panose="02020400000000000000" pitchFamily="18" charset="-128"/>
-              </a:rPr>
-              <a:t>　　　　　　　　　　　　　　　　　　　　　　　　　　　　　　舞いについて、図</a:t>
-            </a:r>
-            <a:r>
-              <a:rPr lang="en-US" altLang="ja-JP" sz="1200" dirty="0">
-                <a:latin typeface="UD デジタル 教科書体 NP" panose="02020400000000000000" pitchFamily="18" charset="-128"/>
-                <a:ea typeface="UD デジタル 教科書体 NP" panose="02020400000000000000" pitchFamily="18" charset="-128"/>
+        </p:txBody>
+      </p:sp>
+      <p:sp>
+        <p:nvSpPr>
+          <p:cNvPr id="68" name="テキスト ボックス 67">
+            <a:extLst>
+              <a:ext uri="{FF2B5EF4-FFF2-40B4-BE49-F238E27FC236}">
+                <a16:creationId xmlns:a16="http://schemas.microsoft.com/office/drawing/2014/main" id="{94171E1E-E5D2-3339-AE83-2BB985D04B60}"/>
+              </a:ext>
+            </a:extLst>
+          </p:cNvPr>
+          <p:cNvSpPr txBox="1"/>
+          <p:nvPr/>
+        </p:nvSpPr>
+        <p:spPr>
+          <a:xfrm>
+            <a:off x="663206" y="8457046"/>
+            <a:ext cx="3919625" cy="284693"/>
+          </a:xfrm>
+          <a:prstGeom prst="rect">
+            <a:avLst/>
+          </a:prstGeom>
+          <a:noFill/>
+        </p:spPr>
+        <p:txBody>
+          <a:bodyPr wrap="square" rtlCol="0">
+            <a:spAutoFit/>
+          </a:bodyPr>
+          <a:lstStyle/>
+          <a:p>
+            <a:r>
+              <a:rPr kumimoji="1" lang="ja-JP" altLang="en-US" sz="1250" dirty="0">
+                <a:latin typeface="BIZ UDPゴシック" panose="020B0400000000000000" pitchFamily="50" charset="-128"/>
+                <a:ea typeface="BIZ UDPゴシック" panose="020B0400000000000000" pitchFamily="50" charset="-128"/>
+              </a:rPr>
+              <a:t>図</a:t>
+            </a:r>
+            <a:r>
+              <a:rPr kumimoji="1" lang="en-US" altLang="ja-JP" sz="1250" dirty="0">
+                <a:latin typeface="BIZ UDPゴシック" panose="020B0400000000000000" pitchFamily="50" charset="-128"/>
+                <a:ea typeface="BIZ UDPゴシック" panose="020B0400000000000000" pitchFamily="50" charset="-128"/>
               </a:rPr>
               <a:t>3.2</a:t>
             </a:r>
             <a:r>
-              <a:rPr lang="ja-JP" altLang="en-US" sz="1200" dirty="0">
-                <a:latin typeface="UD デジタル 教科書体 NP" panose="02020400000000000000" pitchFamily="18" charset="-128"/>
-                <a:ea typeface="UD デジタル 教科書体 NP" panose="02020400000000000000" pitchFamily="18" charset="-128"/>
-              </a:rPr>
-              <a:t>～図</a:t>
-            </a:r>
-            <a:r>
-              <a:rPr lang="en-US" altLang="ja-JP" sz="1200" dirty="0">
-                <a:latin typeface="UD デジタル 教科書体 NP" panose="02020400000000000000" pitchFamily="18" charset="-128"/>
-                <a:ea typeface="UD デジタル 教科書体 NP" panose="02020400000000000000" pitchFamily="18" charset="-128"/>
-              </a:rPr>
-              <a:t>3.10</a:t>
-            </a:r>
-            <a:r>
-              <a:rPr lang="ja-JP" altLang="en-US" sz="1200" dirty="0">
-                <a:latin typeface="UD デジタル 教科書体 NP" panose="02020400000000000000" pitchFamily="18" charset="-128"/>
-                <a:ea typeface="UD デジタル 教科書体 NP" panose="02020400000000000000" pitchFamily="18" charset="-128"/>
-              </a:rPr>
-              <a:t>に示</a:t>
-            </a:r>
-            <a:endParaRPr lang="en-US" altLang="ja-JP" sz="1200" dirty="0">
-              <a:latin typeface="UD デジタル 教科書体 NP" panose="02020400000000000000" pitchFamily="18" charset="-128"/>
-              <a:ea typeface="UD デジタル 教科書体 NP" panose="02020400000000000000" pitchFamily="18" charset="-128"/>
+              <a:rPr lang="ja-JP" altLang="en-US" sz="1250" dirty="0">
+                <a:latin typeface="BIZ UDPゴシック" panose="020B0400000000000000" pitchFamily="50" charset="-128"/>
+                <a:ea typeface="BIZ UDPゴシック" panose="020B0400000000000000" pitchFamily="50" charset="-128"/>
+              </a:rPr>
+              <a:t> マップ記憶アクションの振舞い</a:t>
+            </a:r>
+            <a:r>
+              <a:rPr lang="en-US" altLang="ja-JP" sz="1250" dirty="0">
+                <a:latin typeface="BIZ UDPゴシック" panose="020B0400000000000000" pitchFamily="50" charset="-128"/>
+                <a:ea typeface="BIZ UDPゴシック" panose="020B0400000000000000" pitchFamily="50" charset="-128"/>
+              </a:rPr>
+              <a:t>(</a:t>
+            </a:r>
+            <a:r>
+              <a:rPr lang="ja-JP" altLang="en-US" sz="1250" dirty="0">
+                <a:latin typeface="BIZ UDPゴシック" panose="020B0400000000000000" pitchFamily="50" charset="-128"/>
+                <a:ea typeface="BIZ UDPゴシック" panose="020B0400000000000000" pitchFamily="50" charset="-128"/>
+              </a:rPr>
+              <a:t>シーケンス図</a:t>
+            </a:r>
+            <a:r>
+              <a:rPr lang="en-US" altLang="ja-JP" sz="1250" dirty="0">
+                <a:latin typeface="BIZ UDPゴシック" panose="020B0400000000000000" pitchFamily="50" charset="-128"/>
+                <a:ea typeface="BIZ UDPゴシック" panose="020B0400000000000000" pitchFamily="50" charset="-128"/>
+              </a:rPr>
+              <a:t>)</a:t>
+            </a:r>
+            <a:endParaRPr kumimoji="1" lang="ja-JP" altLang="en-US" sz="1200" dirty="0">
+              <a:latin typeface="BIZ UDPゴシック" panose="020B0400000000000000" pitchFamily="50" charset="-128"/>
+              <a:ea typeface="BIZ UDPゴシック" panose="020B0400000000000000" pitchFamily="50" charset="-128"/>
             </a:endParaRPr>
           </a:p>
-          <a:p>
-            <a:pPr eaLnBrk="1" hangingPunct="1">
-              <a:lnSpc>
-                <a:spcPct val="80000"/>
-              </a:lnSpc>
-              <a:spcBef>
-                <a:spcPct val="20000"/>
-              </a:spcBef>
-            </a:pPr>
-            <a:r>
-              <a:rPr lang="ja-JP" altLang="en-US" sz="1200" dirty="0">
-                <a:latin typeface="UD デジタル 教科書体 NP" panose="02020400000000000000" pitchFamily="18" charset="-128"/>
-                <a:ea typeface="UD デジタル 教科書体 NP" panose="02020400000000000000" pitchFamily="18" charset="-128"/>
-              </a:rPr>
-              <a:t>　　　　　　　　　　　　　　　　　　　　　　　　　　　　　　した。</a:t>
-            </a:r>
-            <a:endParaRPr lang="en-US" altLang="ja-JP" sz="1200" dirty="0">
-              <a:latin typeface="UD デジタル 教科書体 NP" panose="02020400000000000000" pitchFamily="18" charset="-128"/>
-              <a:ea typeface="UD デジタル 教科書体 NP" panose="02020400000000000000" pitchFamily="18" charset="-128"/>
+        </p:txBody>
+      </p:sp>
+      <p:sp>
+        <p:nvSpPr>
+          <p:cNvPr id="81" name="テキスト ボックス 80">
+            <a:extLst>
+              <a:ext uri="{FF2B5EF4-FFF2-40B4-BE49-F238E27FC236}">
+                <a16:creationId xmlns:a16="http://schemas.microsoft.com/office/drawing/2014/main" id="{43007BD1-C702-7570-4F30-4E407FE25823}"/>
+              </a:ext>
+            </a:extLst>
+          </p:cNvPr>
+          <p:cNvSpPr txBox="1"/>
+          <p:nvPr/>
+        </p:nvSpPr>
+        <p:spPr>
+          <a:xfrm>
+            <a:off x="3133372" y="6441562"/>
+            <a:ext cx="5112568" cy="284693"/>
+          </a:xfrm>
+          <a:prstGeom prst="rect">
+            <a:avLst/>
+          </a:prstGeom>
+          <a:noFill/>
+        </p:spPr>
+        <p:txBody>
+          <a:bodyPr wrap="square" rtlCol="0">
+            <a:spAutoFit/>
+          </a:bodyPr>
+          <a:lstStyle/>
+          <a:p>
+            <a:r>
+              <a:rPr kumimoji="1" lang="ja-JP" altLang="en-US" sz="1250" dirty="0">
+                <a:latin typeface="BIZ UDPゴシック" panose="020B0400000000000000" pitchFamily="50" charset="-128"/>
+                <a:ea typeface="BIZ UDPゴシック" panose="020B0400000000000000" pitchFamily="50" charset="-128"/>
+              </a:rPr>
+              <a:t>図</a:t>
+            </a:r>
+            <a:r>
+              <a:rPr kumimoji="1" lang="en-US" altLang="ja-JP" sz="1250" dirty="0">
+                <a:latin typeface="BIZ UDPゴシック" panose="020B0400000000000000" pitchFamily="50" charset="-128"/>
+                <a:ea typeface="BIZ UDPゴシック" panose="020B0400000000000000" pitchFamily="50" charset="-128"/>
+              </a:rPr>
+              <a:t>3.4 </a:t>
+            </a:r>
+            <a:r>
+              <a:rPr lang="ja-JP" altLang="en-US" sz="1250" dirty="0">
+                <a:latin typeface="BIZ UDPゴシック" panose="020B0400000000000000" pitchFamily="50" charset="-128"/>
+                <a:ea typeface="BIZ UDPゴシック" panose="020B0400000000000000" pitchFamily="50" charset="-128"/>
+              </a:rPr>
+              <a:t>走行アクションの振舞い</a:t>
+            </a:r>
+            <a:r>
+              <a:rPr lang="en-US" altLang="ja-JP" sz="1250" dirty="0">
+                <a:latin typeface="BIZ UDPゴシック" panose="020B0400000000000000" pitchFamily="50" charset="-128"/>
+                <a:ea typeface="BIZ UDPゴシック" panose="020B0400000000000000" pitchFamily="50" charset="-128"/>
+              </a:rPr>
+              <a:t>(</a:t>
+            </a:r>
+            <a:r>
+              <a:rPr lang="ja-JP" altLang="en-US" sz="1250" dirty="0">
+                <a:latin typeface="BIZ UDPゴシック" panose="020B0400000000000000" pitchFamily="50" charset="-128"/>
+                <a:ea typeface="BIZ UDPゴシック" panose="020B0400000000000000" pitchFamily="50" charset="-128"/>
+              </a:rPr>
+              <a:t>ライントレース走行</a:t>
+            </a:r>
+            <a:r>
+              <a:rPr lang="en-US" altLang="ja-JP" sz="1250" dirty="0">
+                <a:latin typeface="BIZ UDPゴシック" panose="020B0400000000000000" pitchFamily="50" charset="-128"/>
+                <a:ea typeface="BIZ UDPゴシック" panose="020B0400000000000000" pitchFamily="50" charset="-128"/>
+              </a:rPr>
+              <a:t>)(</a:t>
+            </a:r>
+            <a:r>
+              <a:rPr lang="ja-JP" altLang="en-US" sz="1250" dirty="0">
+                <a:latin typeface="BIZ UDPゴシック" panose="020B0400000000000000" pitchFamily="50" charset="-128"/>
+                <a:ea typeface="BIZ UDPゴシック" panose="020B0400000000000000" pitchFamily="50" charset="-128"/>
+              </a:rPr>
+              <a:t>シーケンス図</a:t>
+            </a:r>
+            <a:r>
+              <a:rPr lang="en-US" altLang="ja-JP" sz="1250" dirty="0">
+                <a:latin typeface="BIZ UDPゴシック" panose="020B0400000000000000" pitchFamily="50" charset="-128"/>
+                <a:ea typeface="BIZ UDPゴシック" panose="020B0400000000000000" pitchFamily="50" charset="-128"/>
+              </a:rPr>
+              <a:t>)</a:t>
+            </a:r>
+            <a:endParaRPr kumimoji="1" lang="ja-JP" altLang="en-US" sz="1200" dirty="0">
+              <a:latin typeface="BIZ UDPゴシック" panose="020B0400000000000000" pitchFamily="50" charset="-128"/>
+              <a:ea typeface="BIZ UDPゴシック" panose="020B0400000000000000" pitchFamily="50" charset="-128"/>
             </a:endParaRPr>
           </a:p>
-          <a:p>
-            <a:pPr eaLnBrk="1" hangingPunct="1">
-              <a:lnSpc>
-                <a:spcPct val="80000"/>
-              </a:lnSpc>
-              <a:spcBef>
-                <a:spcPct val="20000"/>
-              </a:spcBef>
-            </a:pPr>
-            <a:r>
-              <a:rPr lang="ja-JP" altLang="en-US" sz="1200" dirty="0">
-                <a:latin typeface="UD デジタル 教科書体 NP" panose="02020400000000000000" pitchFamily="18" charset="-128"/>
-                <a:ea typeface="UD デジタル 教科書体 NP" panose="02020400000000000000" pitchFamily="18" charset="-128"/>
-              </a:rPr>
-              <a:t>　　　　　　　　　　　　　　　　　　　　　　　　　　　　　　その際、バーチャル運転手の振舞い</a:t>
-            </a:r>
-            <a:endParaRPr lang="en-US" altLang="ja-JP" sz="1200" dirty="0">
-              <a:latin typeface="UD デジタル 教科書体 NP" panose="02020400000000000000" pitchFamily="18" charset="-128"/>
-              <a:ea typeface="UD デジタル 教科書体 NP" panose="02020400000000000000" pitchFamily="18" charset="-128"/>
+        </p:txBody>
+      </p:sp>
+      <p:sp>
+        <p:nvSpPr>
+          <p:cNvPr id="3" name="テキスト ボックス 2">
+            <a:extLst>
+              <a:ext uri="{FF2B5EF4-FFF2-40B4-BE49-F238E27FC236}">
+                <a16:creationId xmlns:a16="http://schemas.microsoft.com/office/drawing/2014/main" id="{5451C51F-B9B9-CF16-A5F4-E16A97D6E2EF}"/>
+              </a:ext>
+            </a:extLst>
+          </p:cNvPr>
+          <p:cNvSpPr txBox="1"/>
+          <p:nvPr/>
+        </p:nvSpPr>
+        <p:spPr>
+          <a:xfrm>
+            <a:off x="4751363" y="10184153"/>
+            <a:ext cx="4583122" cy="284693"/>
+          </a:xfrm>
+          <a:prstGeom prst="rect">
+            <a:avLst/>
+          </a:prstGeom>
+          <a:noFill/>
+        </p:spPr>
+        <p:txBody>
+          <a:bodyPr wrap="square" rtlCol="0">
+            <a:spAutoFit/>
+          </a:bodyPr>
+          <a:lstStyle/>
+          <a:p>
+            <a:r>
+              <a:rPr kumimoji="1" lang="ja-JP" altLang="en-US" sz="1250" dirty="0">
+                <a:latin typeface="BIZ UDPゴシック" panose="020B0400000000000000" pitchFamily="50" charset="-128"/>
+                <a:ea typeface="BIZ UDPゴシック" panose="020B0400000000000000" pitchFamily="50" charset="-128"/>
+              </a:rPr>
+              <a:t>図</a:t>
+            </a:r>
+            <a:r>
+              <a:rPr kumimoji="1" lang="en-US" altLang="ja-JP" sz="1250" dirty="0">
+                <a:latin typeface="BIZ UDPゴシック" panose="020B0400000000000000" pitchFamily="50" charset="-128"/>
+                <a:ea typeface="BIZ UDPゴシック" panose="020B0400000000000000" pitchFamily="50" charset="-128"/>
+              </a:rPr>
+              <a:t>3.5 </a:t>
+            </a:r>
+            <a:r>
+              <a:rPr lang="ja-JP" altLang="en-US" sz="1250" dirty="0">
+                <a:latin typeface="BIZ UDPゴシック" panose="020B0400000000000000" pitchFamily="50" charset="-128"/>
+                <a:ea typeface="BIZ UDPゴシック" panose="020B0400000000000000" pitchFamily="50" charset="-128"/>
+              </a:rPr>
+              <a:t>走行アクションの振舞い</a:t>
+            </a:r>
+            <a:r>
+              <a:rPr lang="en-US" altLang="ja-JP" sz="1250" dirty="0">
+                <a:latin typeface="BIZ UDPゴシック" panose="020B0400000000000000" pitchFamily="50" charset="-128"/>
+                <a:ea typeface="BIZ UDPゴシック" panose="020B0400000000000000" pitchFamily="50" charset="-128"/>
+              </a:rPr>
+              <a:t>(</a:t>
+            </a:r>
+            <a:r>
+              <a:rPr lang="ja-JP" altLang="en-US" sz="1250" dirty="0">
+                <a:latin typeface="BIZ UDPゴシック" panose="020B0400000000000000" pitchFamily="50" charset="-128"/>
+                <a:ea typeface="BIZ UDPゴシック" panose="020B0400000000000000" pitchFamily="50" charset="-128"/>
+              </a:rPr>
+              <a:t>巻き戻し走行</a:t>
+            </a:r>
+            <a:r>
+              <a:rPr lang="en-US" altLang="ja-JP" sz="1250" dirty="0">
+                <a:latin typeface="BIZ UDPゴシック" panose="020B0400000000000000" pitchFamily="50" charset="-128"/>
+                <a:ea typeface="BIZ UDPゴシック" panose="020B0400000000000000" pitchFamily="50" charset="-128"/>
+              </a:rPr>
+              <a:t>)(</a:t>
+            </a:r>
+            <a:r>
+              <a:rPr lang="ja-JP" altLang="en-US" sz="1250" dirty="0">
+                <a:latin typeface="BIZ UDPゴシック" panose="020B0400000000000000" pitchFamily="50" charset="-128"/>
+                <a:ea typeface="BIZ UDPゴシック" panose="020B0400000000000000" pitchFamily="50" charset="-128"/>
+              </a:rPr>
+              <a:t>シーケンス図</a:t>
+            </a:r>
+            <a:r>
+              <a:rPr lang="en-US" altLang="ja-JP" sz="1250" dirty="0">
+                <a:latin typeface="BIZ UDPゴシック" panose="020B0400000000000000" pitchFamily="50" charset="-128"/>
+                <a:ea typeface="BIZ UDPゴシック" panose="020B0400000000000000" pitchFamily="50" charset="-128"/>
+              </a:rPr>
+              <a:t>)</a:t>
+            </a:r>
+            <a:endParaRPr kumimoji="1" lang="ja-JP" altLang="en-US" sz="1200" dirty="0">
+              <a:latin typeface="BIZ UDPゴシック" panose="020B0400000000000000" pitchFamily="50" charset="-128"/>
+              <a:ea typeface="BIZ UDPゴシック" panose="020B0400000000000000" pitchFamily="50" charset="-128"/>
             </a:endParaRPr>
           </a:p>
-          <a:p>
-            <a:pPr eaLnBrk="1" hangingPunct="1">
-              <a:lnSpc>
-                <a:spcPct val="80000"/>
-              </a:lnSpc>
-              <a:spcBef>
-                <a:spcPct val="20000"/>
-              </a:spcBef>
-            </a:pPr>
-            <a:r>
-              <a:rPr lang="ja-JP" altLang="en-US" sz="1200" dirty="0">
-                <a:latin typeface="UD デジタル 教科書体 NP" panose="02020400000000000000" pitchFamily="18" charset="-128"/>
-                <a:ea typeface="UD デジタル 教科書体 NP" panose="02020400000000000000" pitchFamily="18" charset="-128"/>
-              </a:rPr>
-              <a:t>　　　　　　　　　　　　　　　　　　　　　　　　　　　　　　を図</a:t>
-            </a:r>
-            <a:r>
-              <a:rPr lang="en-US" altLang="ja-JP" sz="1200" dirty="0">
-                <a:latin typeface="UD デジタル 教科書体 NP" panose="02020400000000000000" pitchFamily="18" charset="-128"/>
-                <a:ea typeface="UD デジタル 教科書体 NP" panose="02020400000000000000" pitchFamily="18" charset="-128"/>
-              </a:rPr>
-              <a:t>3.2</a:t>
-            </a:r>
-            <a:r>
-              <a:rPr lang="ja-JP" altLang="en-US" sz="1200" dirty="0">
-                <a:latin typeface="UD デジタル 教科書体 NP" panose="02020400000000000000" pitchFamily="18" charset="-128"/>
-                <a:ea typeface="UD デジタル 教科書体 NP" panose="02020400000000000000" pitchFamily="18" charset="-128"/>
-              </a:rPr>
-              <a:t>～図</a:t>
-            </a:r>
-            <a:r>
-              <a:rPr lang="en-US" altLang="ja-JP" sz="1200" dirty="0">
-                <a:latin typeface="UD デジタル 教科書体 NP" panose="02020400000000000000" pitchFamily="18" charset="-128"/>
-                <a:ea typeface="UD デジタル 教科書体 NP" panose="02020400000000000000" pitchFamily="18" charset="-128"/>
-              </a:rPr>
-              <a:t>3.6</a:t>
-            </a:r>
-            <a:r>
-              <a:rPr lang="ja-JP" altLang="en-US" sz="1200" dirty="0">
-                <a:latin typeface="UD デジタル 教科書体 NP" panose="02020400000000000000" pitchFamily="18" charset="-128"/>
-                <a:ea typeface="UD デジタル 教科書体 NP" panose="02020400000000000000" pitchFamily="18" charset="-128"/>
-              </a:rPr>
-              <a:t>に、走行システムの</a:t>
-            </a:r>
-            <a:endParaRPr lang="en-US" altLang="ja-JP" sz="1200" dirty="0">
-              <a:latin typeface="UD デジタル 教科書体 NP" panose="02020400000000000000" pitchFamily="18" charset="-128"/>
-              <a:ea typeface="UD デジタル 教科書体 NP" panose="02020400000000000000" pitchFamily="18" charset="-128"/>
+        </p:txBody>
+      </p:sp>
+      <p:sp>
+        <p:nvSpPr>
+          <p:cNvPr id="4" name="テキスト ボックス 3">
+            <a:extLst>
+              <a:ext uri="{FF2B5EF4-FFF2-40B4-BE49-F238E27FC236}">
+                <a16:creationId xmlns:a16="http://schemas.microsoft.com/office/drawing/2014/main" id="{EE1AC1E6-E3C4-BEC4-13AC-B12EE2EE2FBA}"/>
+              </a:ext>
+            </a:extLst>
+          </p:cNvPr>
+          <p:cNvSpPr txBox="1"/>
+          <p:nvPr/>
+        </p:nvSpPr>
+        <p:spPr>
+          <a:xfrm>
+            <a:off x="10037473" y="2701930"/>
+            <a:ext cx="2907797" cy="284693"/>
+          </a:xfrm>
+          <a:prstGeom prst="rect">
+            <a:avLst/>
+          </a:prstGeom>
+          <a:noFill/>
+        </p:spPr>
+        <p:txBody>
+          <a:bodyPr wrap="square" rtlCol="0">
+            <a:spAutoFit/>
+          </a:bodyPr>
+          <a:lstStyle/>
+          <a:p>
+            <a:r>
+              <a:rPr kumimoji="1" lang="ja-JP" altLang="en-US" sz="1250" dirty="0">
+                <a:latin typeface="BIZ UDPゴシック" panose="020B0400000000000000" pitchFamily="50" charset="-128"/>
+                <a:ea typeface="BIZ UDPゴシック" panose="020B0400000000000000" pitchFamily="50" charset="-128"/>
+              </a:rPr>
+              <a:t>図</a:t>
+            </a:r>
+            <a:r>
+              <a:rPr kumimoji="1" lang="en-US" altLang="ja-JP" sz="1250" dirty="0">
+                <a:latin typeface="BIZ UDPゴシック" panose="020B0400000000000000" pitchFamily="50" charset="-128"/>
+                <a:ea typeface="BIZ UDPゴシック" panose="020B0400000000000000" pitchFamily="50" charset="-128"/>
+              </a:rPr>
+              <a:t>3.6 </a:t>
+            </a:r>
+            <a:r>
+              <a:rPr lang="ja-JP" altLang="en-US" sz="1250" dirty="0">
+                <a:latin typeface="BIZ UDPゴシック" panose="020B0400000000000000" pitchFamily="50" charset="-128"/>
+                <a:ea typeface="BIZ UDPゴシック" panose="020B0400000000000000" pitchFamily="50" charset="-128"/>
+              </a:rPr>
+              <a:t>駆動の振舞い</a:t>
+            </a:r>
+            <a:r>
+              <a:rPr lang="en-US" altLang="ja-JP" sz="1250" dirty="0">
+                <a:latin typeface="BIZ UDPゴシック" panose="020B0400000000000000" pitchFamily="50" charset="-128"/>
+                <a:ea typeface="BIZ UDPゴシック" panose="020B0400000000000000" pitchFamily="50" charset="-128"/>
+              </a:rPr>
+              <a:t>(</a:t>
+            </a:r>
+            <a:r>
+              <a:rPr lang="ja-JP" altLang="en-US" sz="1250" dirty="0">
+                <a:latin typeface="BIZ UDPゴシック" panose="020B0400000000000000" pitchFamily="50" charset="-128"/>
+                <a:ea typeface="BIZ UDPゴシック" panose="020B0400000000000000" pitchFamily="50" charset="-128"/>
+              </a:rPr>
+              <a:t>シーケンス図</a:t>
+            </a:r>
+            <a:r>
+              <a:rPr lang="en-US" altLang="ja-JP" sz="1250" dirty="0">
+                <a:latin typeface="BIZ UDPゴシック" panose="020B0400000000000000" pitchFamily="50" charset="-128"/>
+                <a:ea typeface="BIZ UDPゴシック" panose="020B0400000000000000" pitchFamily="50" charset="-128"/>
+              </a:rPr>
+              <a:t>)</a:t>
+            </a:r>
+            <a:endParaRPr kumimoji="1" lang="ja-JP" altLang="en-US" sz="1200" dirty="0">
+              <a:latin typeface="BIZ UDPゴシック" panose="020B0400000000000000" pitchFamily="50" charset="-128"/>
+              <a:ea typeface="BIZ UDPゴシック" panose="020B0400000000000000" pitchFamily="50" charset="-128"/>
             </a:endParaRPr>
           </a:p>
-          <a:p>
-            <a:pPr eaLnBrk="1" hangingPunct="1">
-              <a:lnSpc>
-                <a:spcPct val="80000"/>
-              </a:lnSpc>
-              <a:spcBef>
-                <a:spcPct val="20000"/>
-              </a:spcBef>
-            </a:pPr>
-            <a:r>
-              <a:rPr lang="ja-JP" altLang="en-US" sz="1200" dirty="0">
-                <a:latin typeface="UD デジタル 教科書体 NP" panose="02020400000000000000" pitchFamily="18" charset="-128"/>
-                <a:ea typeface="UD デジタル 教科書体 NP" panose="02020400000000000000" pitchFamily="18" charset="-128"/>
-              </a:rPr>
-              <a:t>　　　　　　　　　　　　　　　　　　　　　　　　　　　　　　振舞いを図</a:t>
-            </a:r>
-            <a:r>
-              <a:rPr lang="en-US" altLang="ja-JP" sz="1200" dirty="0">
-                <a:latin typeface="UD デジタル 教科書体 NP" panose="02020400000000000000" pitchFamily="18" charset="-128"/>
-                <a:ea typeface="UD デジタル 教科書体 NP" panose="02020400000000000000" pitchFamily="18" charset="-128"/>
-              </a:rPr>
-              <a:t>3.7</a:t>
-            </a:r>
-            <a:r>
-              <a:rPr lang="ja-JP" altLang="en-US" sz="1200" dirty="0">
-                <a:latin typeface="UD デジタル 教科書体 NP" panose="02020400000000000000" pitchFamily="18" charset="-128"/>
-                <a:ea typeface="UD デジタル 教科書体 NP" panose="02020400000000000000" pitchFamily="18" charset="-128"/>
-              </a:rPr>
-              <a:t>～図</a:t>
-            </a:r>
-            <a:r>
-              <a:rPr lang="en-US" altLang="ja-JP" sz="1200" dirty="0">
-                <a:latin typeface="UD デジタル 教科書体 NP" panose="02020400000000000000" pitchFamily="18" charset="-128"/>
-                <a:ea typeface="UD デジタル 教科書体 NP" panose="02020400000000000000" pitchFamily="18" charset="-128"/>
-              </a:rPr>
-              <a:t>3.10</a:t>
-            </a:r>
-            <a:r>
-              <a:rPr lang="ja-JP" altLang="en-US" sz="1200" dirty="0">
-                <a:latin typeface="UD デジタル 教科書体 NP" panose="02020400000000000000" pitchFamily="18" charset="-128"/>
-                <a:ea typeface="UD デジタル 教科書体 NP" panose="02020400000000000000" pitchFamily="18" charset="-128"/>
-              </a:rPr>
-              <a:t>に分割して</a:t>
-            </a:r>
-            <a:endParaRPr lang="en-US" altLang="ja-JP" sz="1200" dirty="0">
-              <a:latin typeface="UD デジタル 教科書体 NP" panose="02020400000000000000" pitchFamily="18" charset="-128"/>
-              <a:ea typeface="UD デジタル 教科書体 NP" panose="02020400000000000000" pitchFamily="18" charset="-128"/>
+        </p:txBody>
+      </p:sp>
+      <p:sp>
+        <p:nvSpPr>
+          <p:cNvPr id="6" name="テキスト ボックス 5">
+            <a:extLst>
+              <a:ext uri="{FF2B5EF4-FFF2-40B4-BE49-F238E27FC236}">
+                <a16:creationId xmlns:a16="http://schemas.microsoft.com/office/drawing/2014/main" id="{777D624A-5BA3-097F-E531-C113D4483B9F}"/>
+              </a:ext>
+            </a:extLst>
+          </p:cNvPr>
+          <p:cNvSpPr txBox="1"/>
+          <p:nvPr/>
+        </p:nvSpPr>
+        <p:spPr>
+          <a:xfrm>
+            <a:off x="8124024" y="3971555"/>
+            <a:ext cx="3346136" cy="477054"/>
+          </a:xfrm>
+          <a:prstGeom prst="rect">
+            <a:avLst/>
+          </a:prstGeom>
+          <a:noFill/>
+        </p:spPr>
+        <p:txBody>
+          <a:bodyPr wrap="square" rtlCol="0">
+            <a:spAutoFit/>
+          </a:bodyPr>
+          <a:lstStyle/>
+          <a:p>
+            <a:pPr algn="ctr"/>
+            <a:r>
+              <a:rPr kumimoji="1" lang="ja-JP" altLang="en-US" sz="1250" dirty="0">
+                <a:latin typeface="BIZ UDPゴシック" panose="020B0400000000000000" pitchFamily="50" charset="-128"/>
+                <a:ea typeface="BIZ UDPゴシック" panose="020B0400000000000000" pitchFamily="50" charset="-128"/>
+              </a:rPr>
+              <a:t>図</a:t>
+            </a:r>
+            <a:r>
+              <a:rPr kumimoji="1" lang="en-US" altLang="ja-JP" sz="1250" dirty="0">
+                <a:latin typeface="BIZ UDPゴシック" panose="020B0400000000000000" pitchFamily="50" charset="-128"/>
+                <a:ea typeface="BIZ UDPゴシック" panose="020B0400000000000000" pitchFamily="50" charset="-128"/>
+              </a:rPr>
+              <a:t>3.7 </a:t>
+            </a:r>
+            <a:r>
+              <a:rPr kumimoji="1" lang="ja-JP" altLang="en-US" sz="1250" dirty="0">
+                <a:latin typeface="BIZ UDPゴシック" panose="020B0400000000000000" pitchFamily="50" charset="-128"/>
+                <a:ea typeface="BIZ UDPゴシック" panose="020B0400000000000000" pitchFamily="50" charset="-128"/>
+              </a:rPr>
+              <a:t>知覚の振舞い</a:t>
+            </a:r>
+            <a:r>
+              <a:rPr kumimoji="1" lang="en-US" altLang="ja-JP" sz="1250" dirty="0">
+                <a:latin typeface="BIZ UDPゴシック" panose="020B0400000000000000" pitchFamily="50" charset="-128"/>
+                <a:ea typeface="BIZ UDPゴシック" panose="020B0400000000000000" pitchFamily="50" charset="-128"/>
+              </a:rPr>
+              <a:t>(</a:t>
+            </a:r>
+            <a:r>
+              <a:rPr kumimoji="1" lang="ja-JP" altLang="en-US" sz="1250" dirty="0">
+                <a:latin typeface="BIZ UDPゴシック" panose="020B0400000000000000" pitchFamily="50" charset="-128"/>
+                <a:ea typeface="BIZ UDPゴシック" panose="020B0400000000000000" pitchFamily="50" charset="-128"/>
+              </a:rPr>
+              <a:t>ライン色変化検知</a:t>
+            </a:r>
+            <a:r>
+              <a:rPr kumimoji="1" lang="en-US" altLang="ja-JP" sz="1250" dirty="0">
+                <a:latin typeface="BIZ UDPゴシック" panose="020B0400000000000000" pitchFamily="50" charset="-128"/>
+                <a:ea typeface="BIZ UDPゴシック" panose="020B0400000000000000" pitchFamily="50" charset="-128"/>
+              </a:rPr>
+              <a:t>)</a:t>
+            </a:r>
+          </a:p>
+          <a:p>
+            <a:pPr algn="ctr"/>
+            <a:r>
+              <a:rPr kumimoji="1" lang="en-US" altLang="ja-JP" sz="1250" dirty="0">
+                <a:latin typeface="BIZ UDPゴシック" panose="020B0400000000000000" pitchFamily="50" charset="-128"/>
+                <a:ea typeface="BIZ UDPゴシック" panose="020B0400000000000000" pitchFamily="50" charset="-128"/>
+              </a:rPr>
+              <a:t>(</a:t>
+            </a:r>
+            <a:r>
+              <a:rPr kumimoji="1" lang="ja-JP" altLang="en-US" sz="1250" dirty="0">
+                <a:latin typeface="BIZ UDPゴシック" panose="020B0400000000000000" pitchFamily="50" charset="-128"/>
+                <a:ea typeface="BIZ UDPゴシック" panose="020B0400000000000000" pitchFamily="50" charset="-128"/>
+              </a:rPr>
+              <a:t>シーケンス図</a:t>
+            </a:r>
+            <a:r>
+              <a:rPr kumimoji="1" lang="en-US" altLang="ja-JP" sz="1250" dirty="0">
+                <a:latin typeface="BIZ UDPゴシック" panose="020B0400000000000000" pitchFamily="50" charset="-128"/>
+                <a:ea typeface="BIZ UDPゴシック" panose="020B0400000000000000" pitchFamily="50" charset="-128"/>
+              </a:rPr>
+              <a:t>)</a:t>
+            </a:r>
+            <a:endParaRPr kumimoji="1" lang="ja-JP" altLang="en-US" sz="1200" dirty="0">
+              <a:latin typeface="BIZ UDPゴシック" panose="020B0400000000000000" pitchFamily="50" charset="-128"/>
+              <a:ea typeface="BIZ UDPゴシック" panose="020B0400000000000000" pitchFamily="50" charset="-128"/>
             </a:endParaRPr>
           </a:p>
-          <a:p>
-            <a:pPr eaLnBrk="1" hangingPunct="1">
-              <a:lnSpc>
-                <a:spcPct val="80000"/>
-              </a:lnSpc>
-              <a:spcBef>
-                <a:spcPct val="20000"/>
-              </a:spcBef>
-            </a:pPr>
-            <a:r>
-              <a:rPr lang="ja-JP" altLang="en-US" sz="1200" dirty="0">
-                <a:latin typeface="UD デジタル 教科書体 NP" panose="02020400000000000000" pitchFamily="18" charset="-128"/>
-                <a:ea typeface="UD デジタル 教科書体 NP" panose="02020400000000000000" pitchFamily="18" charset="-128"/>
-              </a:rPr>
-              <a:t>　　　　　　　　　　　　　　　　　　　　　　　　　　　　　　整理した。</a:t>
-            </a:r>
-            <a:endParaRPr lang="en-US" altLang="ja-JP" sz="1200" dirty="0">
-              <a:latin typeface="UD デジタル 教科書体 NP" panose="02020400000000000000" pitchFamily="18" charset="-128"/>
-              <a:ea typeface="UD デジタル 教科書体 NP" panose="02020400000000000000" pitchFamily="18" charset="-128"/>
+        </p:txBody>
+      </p:sp>
+      <p:sp>
+        <p:nvSpPr>
+          <p:cNvPr id="7" name="テキスト ボックス 6">
+            <a:extLst>
+              <a:ext uri="{FF2B5EF4-FFF2-40B4-BE49-F238E27FC236}">
+                <a16:creationId xmlns:a16="http://schemas.microsoft.com/office/drawing/2014/main" id="{AF2A3D59-9F83-F533-EDB2-8916D8F30388}"/>
+              </a:ext>
+            </a:extLst>
+          </p:cNvPr>
+          <p:cNvSpPr txBox="1"/>
+          <p:nvPr/>
+        </p:nvSpPr>
+        <p:spPr>
+          <a:xfrm>
+            <a:off x="11597132" y="3964652"/>
+            <a:ext cx="3180038" cy="477054"/>
+          </a:xfrm>
+          <a:prstGeom prst="rect">
+            <a:avLst/>
+          </a:prstGeom>
+          <a:noFill/>
+        </p:spPr>
+        <p:txBody>
+          <a:bodyPr wrap="square" rtlCol="0">
+            <a:spAutoFit/>
+          </a:bodyPr>
+          <a:lstStyle/>
+          <a:p>
+            <a:pPr algn="ctr"/>
+            <a:r>
+              <a:rPr kumimoji="1" lang="ja-JP" altLang="en-US" sz="1250" dirty="0">
+                <a:latin typeface="BIZ UDPゴシック" panose="020B0400000000000000" pitchFamily="50" charset="-128"/>
+                <a:ea typeface="BIZ UDPゴシック" panose="020B0400000000000000" pitchFamily="50" charset="-128"/>
+              </a:rPr>
+              <a:t>図</a:t>
+            </a:r>
+            <a:r>
+              <a:rPr kumimoji="1" lang="en-US" altLang="ja-JP" sz="1250" dirty="0">
+                <a:latin typeface="BIZ UDPゴシック" panose="020B0400000000000000" pitchFamily="50" charset="-128"/>
+                <a:ea typeface="BIZ UDPゴシック" panose="020B0400000000000000" pitchFamily="50" charset="-128"/>
+              </a:rPr>
+              <a:t>3.8 </a:t>
+            </a:r>
+            <a:r>
+              <a:rPr kumimoji="1" lang="ja-JP" altLang="en-US" sz="1250" dirty="0">
+                <a:latin typeface="BIZ UDPゴシック" panose="020B0400000000000000" pitchFamily="50" charset="-128"/>
+                <a:ea typeface="BIZ UDPゴシック" panose="020B0400000000000000" pitchFamily="50" charset="-128"/>
+              </a:rPr>
+              <a:t>知覚の振舞い</a:t>
+            </a:r>
+            <a:r>
+              <a:rPr kumimoji="1" lang="en-US" altLang="ja-JP" sz="1250" dirty="0">
+                <a:latin typeface="BIZ UDPゴシック" panose="020B0400000000000000" pitchFamily="50" charset="-128"/>
+                <a:ea typeface="BIZ UDPゴシック" panose="020B0400000000000000" pitchFamily="50" charset="-128"/>
+              </a:rPr>
+              <a:t>(</a:t>
+            </a:r>
+            <a:r>
+              <a:rPr kumimoji="1" lang="ja-JP" altLang="en-US" sz="1250" dirty="0">
+                <a:latin typeface="BIZ UDPゴシック" panose="020B0400000000000000" pitchFamily="50" charset="-128"/>
+                <a:ea typeface="BIZ UDPゴシック" panose="020B0400000000000000" pitchFamily="50" charset="-128"/>
+              </a:rPr>
+              <a:t>ラインズレ計測</a:t>
+            </a:r>
+            <a:r>
+              <a:rPr kumimoji="1" lang="en-US" altLang="ja-JP" sz="1250" dirty="0">
+                <a:latin typeface="BIZ UDPゴシック" panose="020B0400000000000000" pitchFamily="50" charset="-128"/>
+                <a:ea typeface="BIZ UDPゴシック" panose="020B0400000000000000" pitchFamily="50" charset="-128"/>
+              </a:rPr>
+              <a:t>)</a:t>
+            </a:r>
+          </a:p>
+          <a:p>
+            <a:pPr algn="ctr"/>
+            <a:r>
+              <a:rPr kumimoji="1" lang="en-US" altLang="ja-JP" sz="1250" dirty="0">
+                <a:latin typeface="BIZ UDPゴシック" panose="020B0400000000000000" pitchFamily="50" charset="-128"/>
+                <a:ea typeface="BIZ UDPゴシック" panose="020B0400000000000000" pitchFamily="50" charset="-128"/>
+              </a:rPr>
+              <a:t>(</a:t>
+            </a:r>
+            <a:r>
+              <a:rPr kumimoji="1" lang="ja-JP" altLang="en-US" sz="1250" dirty="0">
+                <a:latin typeface="BIZ UDPゴシック" panose="020B0400000000000000" pitchFamily="50" charset="-128"/>
+                <a:ea typeface="BIZ UDPゴシック" panose="020B0400000000000000" pitchFamily="50" charset="-128"/>
+              </a:rPr>
+              <a:t>シーケンス図</a:t>
+            </a:r>
+            <a:r>
+              <a:rPr kumimoji="1" lang="en-US" altLang="ja-JP" sz="1250" dirty="0">
+                <a:latin typeface="BIZ UDPゴシック" panose="020B0400000000000000" pitchFamily="50" charset="-128"/>
+                <a:ea typeface="BIZ UDPゴシック" panose="020B0400000000000000" pitchFamily="50" charset="-128"/>
+              </a:rPr>
+              <a:t>)</a:t>
+            </a:r>
+            <a:endParaRPr kumimoji="1" lang="ja-JP" altLang="en-US" sz="1200" dirty="0">
+              <a:latin typeface="BIZ UDPゴシック" panose="020B0400000000000000" pitchFamily="50" charset="-128"/>
+              <a:ea typeface="BIZ UDPゴシック" panose="020B0400000000000000" pitchFamily="50" charset="-128"/>
             </a:endParaRPr>
           </a:p>
-          <a:p>
-            <a:pPr eaLnBrk="1" hangingPunct="1">
-              <a:lnSpc>
-                <a:spcPct val="80000"/>
-              </a:lnSpc>
-              <a:spcBef>
-                <a:spcPct val="20000"/>
-              </a:spcBef>
-            </a:pPr>
-            <a:r>
-              <a:rPr lang="ja-JP" altLang="en-US" sz="1200" dirty="0">
-                <a:latin typeface="UD デジタル 教科書体 NP" panose="02020400000000000000" pitchFamily="18" charset="-128"/>
-                <a:ea typeface="UD デジタル 教科書体 NP" panose="02020400000000000000" pitchFamily="18" charset="-128"/>
-              </a:rPr>
-              <a:t>　　　　　　　　　　　　　　　　　　　　　　　　　　　　　　また、各図には</a:t>
-            </a:r>
-            <a:r>
-              <a:rPr lang="en-US" altLang="ja-JP" sz="1200" dirty="0">
-                <a:latin typeface="UD デジタル 教科書体 NP" panose="02020400000000000000" pitchFamily="18" charset="-128"/>
-                <a:ea typeface="UD デジタル 教科書体 NP" panose="02020400000000000000" pitchFamily="18" charset="-128"/>
-              </a:rPr>
-              <a:t>ID</a:t>
-            </a:r>
-            <a:r>
-              <a:rPr lang="ja-JP" altLang="en-US" sz="1200" dirty="0">
-                <a:latin typeface="UD デジタル 教科書体 NP" panose="02020400000000000000" pitchFamily="18" charset="-128"/>
-                <a:ea typeface="UD デジタル 教科書体 NP" panose="02020400000000000000" pitchFamily="18" charset="-128"/>
-              </a:rPr>
-              <a:t>を採番しており、</a:t>
-            </a:r>
-            <a:endParaRPr lang="en-US" altLang="ja-JP" sz="1200" dirty="0">
-              <a:latin typeface="UD デジタル 教科書体 NP" panose="02020400000000000000" pitchFamily="18" charset="-128"/>
-              <a:ea typeface="UD デジタル 教科書体 NP" panose="02020400000000000000" pitchFamily="18" charset="-128"/>
-            </a:endParaRPr>
-          </a:p>
-          <a:p>
-            <a:pPr eaLnBrk="1" hangingPunct="1">
-              <a:lnSpc>
-                <a:spcPct val="80000"/>
-              </a:lnSpc>
-              <a:spcBef>
-                <a:spcPct val="20000"/>
-              </a:spcBef>
-            </a:pPr>
-            <a:r>
-              <a:rPr lang="ja-JP" altLang="en-US" sz="1200" dirty="0">
-                <a:latin typeface="UD デジタル 教科書体 NP" panose="02020400000000000000" pitchFamily="18" charset="-128"/>
-                <a:ea typeface="UD デジタル 教科書体 NP" panose="02020400000000000000" pitchFamily="18" charset="-128"/>
-              </a:rPr>
-              <a:t>　　　　　　　　　　　　　　　　　　　　　　　　　　　　　　参照を表現する際は</a:t>
-            </a:r>
-            <a:r>
-              <a:rPr lang="en-US" altLang="ja-JP" sz="1200" dirty="0">
-                <a:latin typeface="UD デジタル 教科書体 NP" panose="02020400000000000000" pitchFamily="18" charset="-128"/>
-                <a:ea typeface="UD デジタル 教科書体 NP" panose="02020400000000000000" pitchFamily="18" charset="-128"/>
-              </a:rPr>
-              <a:t>ID</a:t>
-            </a:r>
-            <a:r>
-              <a:rPr lang="ja-JP" altLang="en-US" sz="1200" dirty="0">
-                <a:latin typeface="UD デジタル 教科書体 NP" panose="02020400000000000000" pitchFamily="18" charset="-128"/>
-                <a:ea typeface="UD デジタル 教科書体 NP" panose="02020400000000000000" pitchFamily="18" charset="-128"/>
-              </a:rPr>
-              <a:t>を利用すること</a:t>
-            </a:r>
-            <a:endParaRPr lang="en-US" altLang="ja-JP" sz="1200" dirty="0">
-              <a:latin typeface="UD デジタル 教科書体 NP" panose="02020400000000000000" pitchFamily="18" charset="-128"/>
-              <a:ea typeface="UD デジタル 教科書体 NP" panose="02020400000000000000" pitchFamily="18" charset="-128"/>
-            </a:endParaRPr>
-          </a:p>
-          <a:p>
-            <a:pPr eaLnBrk="1" hangingPunct="1">
-              <a:lnSpc>
-                <a:spcPct val="80000"/>
-              </a:lnSpc>
-              <a:spcBef>
-                <a:spcPct val="20000"/>
-              </a:spcBef>
-            </a:pPr>
-            <a:r>
-              <a:rPr lang="ja-JP" altLang="en-US" sz="1200" dirty="0">
-                <a:latin typeface="UD デジタル 教科書体 NP" panose="02020400000000000000" pitchFamily="18" charset="-128"/>
-                <a:ea typeface="UD デジタル 教科書体 NP" panose="02020400000000000000" pitchFamily="18" charset="-128"/>
-              </a:rPr>
-              <a:t>　　　　　　　　　　　　　　　　　　　　　　　　　　　　　　とする。</a:t>
-            </a:r>
-            <a:endParaRPr lang="en-US" altLang="ja-JP" sz="1200" dirty="0">
-              <a:latin typeface="UD デジタル 教科書体 NP" panose="02020400000000000000" pitchFamily="18" charset="-128"/>
-              <a:ea typeface="UD デジタル 教科書体 NP" panose="02020400000000000000" pitchFamily="18" charset="-128"/>
-            </a:endParaRPr>
-          </a:p>
-          <a:p>
-            <a:pPr eaLnBrk="1" hangingPunct="1">
-              <a:lnSpc>
-                <a:spcPct val="80000"/>
-              </a:lnSpc>
-              <a:spcBef>
-                <a:spcPct val="20000"/>
-              </a:spcBef>
-            </a:pPr>
-            <a:r>
-              <a:rPr lang="ja-JP" altLang="en-US" sz="1200" dirty="0">
-                <a:latin typeface="UD デジタル 教科書体 NP" panose="02020400000000000000" pitchFamily="18" charset="-128"/>
-                <a:ea typeface="UD デジタル 教科書体 NP" panose="02020400000000000000" pitchFamily="18" charset="-128"/>
-              </a:rPr>
-              <a:t>　　　　　　　　　　　　　　　　　　　　　　　　　　　　　　</a:t>
-            </a:r>
-            <a:endParaRPr lang="en-US" altLang="ja-JP" sz="1200" dirty="0">
-              <a:latin typeface="UD デジタル 教科書体 NP" panose="02020400000000000000" pitchFamily="18" charset="-128"/>
-              <a:ea typeface="UD デジタル 教科書体 NP" panose="02020400000000000000" pitchFamily="18" charset="-128"/>
-            </a:endParaRPr>
-          </a:p>
-          <a:p>
-            <a:pPr eaLnBrk="1" hangingPunct="1">
-              <a:lnSpc>
-                <a:spcPct val="80000"/>
-              </a:lnSpc>
-              <a:spcBef>
-                <a:spcPct val="20000"/>
-              </a:spcBef>
-            </a:pPr>
-            <a:endParaRPr lang="en-US" altLang="ja-JP" sz="1200" dirty="0">
-              <a:latin typeface="UD デジタル 教科書体 NP" panose="02020400000000000000" pitchFamily="18" charset="-128"/>
-              <a:ea typeface="UD デジタル 教科書体 NP" panose="02020400000000000000" pitchFamily="18" charset="-128"/>
+        </p:txBody>
+      </p:sp>
+      <p:sp>
+        <p:nvSpPr>
+          <p:cNvPr id="8" name="テキスト ボックス 7">
+            <a:extLst>
+              <a:ext uri="{FF2B5EF4-FFF2-40B4-BE49-F238E27FC236}">
+                <a16:creationId xmlns:a16="http://schemas.microsoft.com/office/drawing/2014/main" id="{01188BA0-DD3D-2076-1C4F-A75594286580}"/>
+              </a:ext>
+            </a:extLst>
+          </p:cNvPr>
+          <p:cNvSpPr txBox="1"/>
+          <p:nvPr/>
+        </p:nvSpPr>
+        <p:spPr>
+          <a:xfrm>
+            <a:off x="7719457" y="5663299"/>
+            <a:ext cx="3888432" cy="477054"/>
+          </a:xfrm>
+          <a:prstGeom prst="rect">
+            <a:avLst/>
+          </a:prstGeom>
+          <a:noFill/>
+        </p:spPr>
+        <p:txBody>
+          <a:bodyPr wrap="square" rtlCol="0">
+            <a:spAutoFit/>
+          </a:bodyPr>
+          <a:lstStyle/>
+          <a:p>
+            <a:pPr algn="ctr"/>
+            <a:r>
+              <a:rPr kumimoji="1" lang="ja-JP" altLang="en-US" sz="1250" dirty="0">
+                <a:latin typeface="BIZ UDPゴシック" panose="020B0400000000000000" pitchFamily="50" charset="-128"/>
+                <a:ea typeface="BIZ UDPゴシック" panose="020B0400000000000000" pitchFamily="50" charset="-128"/>
+              </a:rPr>
+              <a:t>図</a:t>
+            </a:r>
+            <a:r>
+              <a:rPr kumimoji="1" lang="en-US" altLang="ja-JP" sz="1250" dirty="0">
+                <a:latin typeface="BIZ UDPゴシック" panose="020B0400000000000000" pitchFamily="50" charset="-128"/>
+                <a:ea typeface="BIZ UDPゴシック" panose="020B0400000000000000" pitchFamily="50" charset="-128"/>
+              </a:rPr>
+              <a:t>3.9 </a:t>
+            </a:r>
+            <a:r>
+              <a:rPr lang="ja-JP" altLang="en-US" sz="1250" dirty="0">
+                <a:latin typeface="BIZ UDPゴシック" panose="020B0400000000000000" pitchFamily="50" charset="-128"/>
+                <a:ea typeface="BIZ UDPゴシック" panose="020B0400000000000000" pitchFamily="50" charset="-128"/>
+              </a:rPr>
+              <a:t>知覚の振舞い</a:t>
+            </a:r>
+            <a:r>
+              <a:rPr kumimoji="1" lang="en-US" altLang="ja-JP" sz="1250" dirty="0">
+                <a:latin typeface="BIZ UDPゴシック" panose="020B0400000000000000" pitchFamily="50" charset="-128"/>
+                <a:ea typeface="BIZ UDPゴシック" panose="020B0400000000000000" pitchFamily="50" charset="-128"/>
+              </a:rPr>
+              <a:t>(</a:t>
+            </a:r>
+            <a:r>
+              <a:rPr kumimoji="1" lang="ja-JP" altLang="en-US" sz="1250" dirty="0">
+                <a:latin typeface="BIZ UDPゴシック" panose="020B0400000000000000" pitchFamily="50" charset="-128"/>
+                <a:ea typeface="BIZ UDPゴシック" panose="020B0400000000000000" pitchFamily="50" charset="-128"/>
+              </a:rPr>
+              <a:t>カーブ検知</a:t>
+            </a:r>
+            <a:r>
+              <a:rPr kumimoji="1" lang="en-US" altLang="ja-JP" sz="1250" dirty="0">
+                <a:latin typeface="BIZ UDPゴシック" panose="020B0400000000000000" pitchFamily="50" charset="-128"/>
+                <a:ea typeface="BIZ UDPゴシック" panose="020B0400000000000000" pitchFamily="50" charset="-128"/>
+              </a:rPr>
+              <a:t>)</a:t>
+            </a:r>
+          </a:p>
+          <a:p>
+            <a:pPr algn="ctr"/>
+            <a:r>
+              <a:rPr kumimoji="1" lang="en-US" altLang="ja-JP" sz="1250" dirty="0">
+                <a:latin typeface="BIZ UDPゴシック" panose="020B0400000000000000" pitchFamily="50" charset="-128"/>
+                <a:ea typeface="BIZ UDPゴシック" panose="020B0400000000000000" pitchFamily="50" charset="-128"/>
+              </a:rPr>
+              <a:t>(</a:t>
+            </a:r>
+            <a:r>
+              <a:rPr kumimoji="1" lang="ja-JP" altLang="en-US" sz="1250" dirty="0">
+                <a:latin typeface="BIZ UDPゴシック" panose="020B0400000000000000" pitchFamily="50" charset="-128"/>
+                <a:ea typeface="BIZ UDPゴシック" panose="020B0400000000000000" pitchFamily="50" charset="-128"/>
+              </a:rPr>
+              <a:t>シーケンス図</a:t>
+            </a:r>
+            <a:r>
+              <a:rPr kumimoji="1" lang="en-US" altLang="ja-JP" sz="1250" dirty="0">
+                <a:latin typeface="BIZ UDPゴシック" panose="020B0400000000000000" pitchFamily="50" charset="-128"/>
+                <a:ea typeface="BIZ UDPゴシック" panose="020B0400000000000000" pitchFamily="50" charset="-128"/>
+              </a:rPr>
+              <a:t>)</a:t>
+            </a:r>
+            <a:endParaRPr kumimoji="1" lang="ja-JP" altLang="en-US" sz="1200" dirty="0">
+              <a:latin typeface="BIZ UDPゴシック" panose="020B0400000000000000" pitchFamily="50" charset="-128"/>
+              <a:ea typeface="BIZ UDPゴシック" panose="020B0400000000000000" pitchFamily="50" charset="-128"/>
             </a:endParaRPr>
           </a:p>
         </p:txBody>
       </p:sp>
       <p:pic>
         <p:nvPicPr>
-          <p:cNvPr id="44" name="図 43">
+          <p:cNvPr id="12" name="図 11">
             <a:extLst>
               <a:ext uri="{FF2B5EF4-FFF2-40B4-BE49-F238E27FC236}">
-                <a16:creationId xmlns:a16="http://schemas.microsoft.com/office/drawing/2014/main" id="{D4310BC7-F045-163A-ACA3-3EF504D92540}"/>
+                <a16:creationId xmlns:a16="http://schemas.microsoft.com/office/drawing/2014/main" id="{040B2A2F-9E89-1F6D-ADFD-A18B6BF40FC9}"/>
               </a:ext>
             </a:extLst>
           </p:cNvPr>
@@ -14226,8 +14499,8 @@
         </p:blipFill>
         <p:spPr>
           <a:xfrm>
-            <a:off x="7487667" y="678225"/>
-            <a:ext cx="2716211" cy="3607577"/>
+            <a:off x="168922" y="6717326"/>
+            <a:ext cx="4583122" cy="1798238"/>
           </a:xfrm>
           <a:prstGeom prst="rect">
             <a:avLst/>
@@ -14236,10 +14509,10 @@
       </p:pic>
       <p:pic>
         <p:nvPicPr>
-          <p:cNvPr id="48" name="図 47">
+          <p:cNvPr id="14" name="図 13">
             <a:extLst>
               <a:ext uri="{FF2B5EF4-FFF2-40B4-BE49-F238E27FC236}">
-                <a16:creationId xmlns:a16="http://schemas.microsoft.com/office/drawing/2014/main" id="{63DA94B2-0F5C-8FED-272C-D43E82BB21EC}"/>
+                <a16:creationId xmlns:a16="http://schemas.microsoft.com/office/drawing/2014/main" id="{8FBDA9E5-C519-21C8-A00D-5A08784FB85D}"/>
               </a:ext>
             </a:extLst>
           </p:cNvPr>
@@ -14256,20 +14529,223 @@
         </p:blipFill>
         <p:spPr>
           <a:xfrm>
-            <a:off x="10305471" y="665386"/>
-            <a:ext cx="4599020" cy="1803538"/>
+            <a:off x="192096" y="8741739"/>
+            <a:ext cx="4559948" cy="1475044"/>
           </a:xfrm>
           <a:prstGeom prst="rect">
             <a:avLst/>
           </a:prstGeom>
         </p:spPr>
       </p:pic>
+      <p:sp>
+        <p:nvSpPr>
+          <p:cNvPr id="2" name="Rectangle 3">
+            <a:extLst>
+              <a:ext uri="{FF2B5EF4-FFF2-40B4-BE49-F238E27FC236}">
+                <a16:creationId xmlns:a16="http://schemas.microsoft.com/office/drawing/2014/main" id="{7F201006-96EE-7350-D749-CED8FF631D03}"/>
+              </a:ext>
+            </a:extLst>
+          </p:cNvPr>
+          <p:cNvSpPr>
+            <a:spLocks noChangeArrowheads="1"/>
+          </p:cNvSpPr>
+          <p:nvPr/>
+        </p:nvSpPr>
+        <p:spPr bwMode="auto">
+          <a:xfrm>
+            <a:off x="9081437" y="6133567"/>
+            <a:ext cx="5885415" cy="4468923"/>
+          </a:xfrm>
+          <a:prstGeom prst="rect">
+            <a:avLst/>
+          </a:prstGeom>
+          <a:noFill/>
+          <a:ln w="9525">
+            <a:solidFill>
+              <a:schemeClr val="accent2"/>
+            </a:solidFill>
+            <a:miter lim="800000"/>
+            <a:headEnd/>
+            <a:tailEnd/>
+          </a:ln>
+          <a:extLst>
+            <a:ext uri="{909E8E84-426E-40DD-AFC4-6F175D3DCCD1}">
+              <a14:hiddenFill xmlns:a14="http://schemas.microsoft.com/office/drawing/2010/main">
+                <a:solidFill>
+                  <a:srgbClr val="FFFFFF"/>
+                </a:solidFill>
+              </a14:hiddenFill>
+            </a:ext>
+          </a:extLst>
+        </p:spPr>
+        <p:txBody>
+          <a:bodyPr lIns="120687" tIns="60343" rIns="120687" bIns="60343"/>
+          <a:lstStyle>
+            <a:lvl1pPr marL="481013" indent="-481013" defTabSz="1279525" eaLnBrk="0" hangingPunct="0">
+              <a:defRPr kumimoji="1" sz="1600">
+                <a:solidFill>
+                  <a:schemeClr val="tx1"/>
+                </a:solidFill>
+                <a:latin typeface="Times New Roman" panose="02020603050405020304" pitchFamily="18" charset="0"/>
+                <a:ea typeface="ＭＳ Ｐゴシック" panose="020B0600070205080204" pitchFamily="34" charset="-128"/>
+              </a:defRPr>
+            </a:lvl1pPr>
+            <a:lvl2pPr marL="742950" indent="-285750" defTabSz="1279525" eaLnBrk="0" hangingPunct="0">
+              <a:defRPr kumimoji="1" sz="1600">
+                <a:solidFill>
+                  <a:schemeClr val="tx1"/>
+                </a:solidFill>
+                <a:latin typeface="Times New Roman" panose="02020603050405020304" pitchFamily="18" charset="0"/>
+                <a:ea typeface="ＭＳ Ｐゴシック" panose="020B0600070205080204" pitchFamily="34" charset="-128"/>
+              </a:defRPr>
+            </a:lvl2pPr>
+            <a:lvl3pPr marL="1143000" indent="-228600" defTabSz="1279525" eaLnBrk="0" hangingPunct="0">
+              <a:defRPr kumimoji="1" sz="1600">
+                <a:solidFill>
+                  <a:schemeClr val="tx1"/>
+                </a:solidFill>
+                <a:latin typeface="Times New Roman" panose="02020603050405020304" pitchFamily="18" charset="0"/>
+                <a:ea typeface="ＭＳ Ｐゴシック" panose="020B0600070205080204" pitchFamily="34" charset="-128"/>
+              </a:defRPr>
+            </a:lvl3pPr>
+            <a:lvl4pPr marL="1600200" indent="-228600" defTabSz="1279525" eaLnBrk="0" hangingPunct="0">
+              <a:defRPr kumimoji="1" sz="1600">
+                <a:solidFill>
+                  <a:schemeClr val="tx1"/>
+                </a:solidFill>
+                <a:latin typeface="Times New Roman" panose="02020603050405020304" pitchFamily="18" charset="0"/>
+                <a:ea typeface="ＭＳ Ｐゴシック" panose="020B0600070205080204" pitchFamily="34" charset="-128"/>
+              </a:defRPr>
+            </a:lvl4pPr>
+            <a:lvl5pPr marL="2057400" indent="-228600" defTabSz="1279525" eaLnBrk="0" hangingPunct="0">
+              <a:defRPr kumimoji="1" sz="1600">
+                <a:solidFill>
+                  <a:schemeClr val="tx1"/>
+                </a:solidFill>
+                <a:latin typeface="Times New Roman" panose="02020603050405020304" pitchFamily="18" charset="0"/>
+                <a:ea typeface="ＭＳ Ｐゴシック" panose="020B0600070205080204" pitchFamily="34" charset="-128"/>
+              </a:defRPr>
+            </a:lvl5pPr>
+            <a:lvl6pPr marL="2514600" indent="-228600" defTabSz="1279525" eaLnBrk="0" fontAlgn="base" hangingPunct="0">
+              <a:spcBef>
+                <a:spcPct val="0"/>
+              </a:spcBef>
+              <a:spcAft>
+                <a:spcPct val="0"/>
+              </a:spcAft>
+              <a:defRPr kumimoji="1" sz="1600">
+                <a:solidFill>
+                  <a:schemeClr val="tx1"/>
+                </a:solidFill>
+                <a:latin typeface="Times New Roman" panose="02020603050405020304" pitchFamily="18" charset="0"/>
+                <a:ea typeface="ＭＳ Ｐゴシック" panose="020B0600070205080204" pitchFamily="34" charset="-128"/>
+              </a:defRPr>
+            </a:lvl6pPr>
+            <a:lvl7pPr marL="2971800" indent="-228600" defTabSz="1279525" eaLnBrk="0" fontAlgn="base" hangingPunct="0">
+              <a:spcBef>
+                <a:spcPct val="0"/>
+              </a:spcBef>
+              <a:spcAft>
+                <a:spcPct val="0"/>
+              </a:spcAft>
+              <a:defRPr kumimoji="1" sz="1600">
+                <a:solidFill>
+                  <a:schemeClr val="tx1"/>
+                </a:solidFill>
+                <a:latin typeface="Times New Roman" panose="02020603050405020304" pitchFamily="18" charset="0"/>
+                <a:ea typeface="ＭＳ Ｐゴシック" panose="020B0600070205080204" pitchFamily="34" charset="-128"/>
+              </a:defRPr>
+            </a:lvl7pPr>
+            <a:lvl8pPr marL="3429000" indent="-228600" defTabSz="1279525" eaLnBrk="0" fontAlgn="base" hangingPunct="0">
+              <a:spcBef>
+                <a:spcPct val="0"/>
+              </a:spcBef>
+              <a:spcAft>
+                <a:spcPct val="0"/>
+              </a:spcAft>
+              <a:defRPr kumimoji="1" sz="1600">
+                <a:solidFill>
+                  <a:schemeClr val="tx1"/>
+                </a:solidFill>
+                <a:latin typeface="Times New Roman" panose="02020603050405020304" pitchFamily="18" charset="0"/>
+                <a:ea typeface="ＭＳ Ｐゴシック" panose="020B0600070205080204" pitchFamily="34" charset="-128"/>
+              </a:defRPr>
+            </a:lvl8pPr>
+            <a:lvl9pPr marL="3886200" indent="-228600" defTabSz="1279525" eaLnBrk="0" fontAlgn="base" hangingPunct="0">
+              <a:spcBef>
+                <a:spcPct val="0"/>
+              </a:spcBef>
+              <a:spcAft>
+                <a:spcPct val="0"/>
+              </a:spcAft>
+              <a:defRPr kumimoji="1" sz="1600">
+                <a:solidFill>
+                  <a:schemeClr val="tx1"/>
+                </a:solidFill>
+                <a:latin typeface="Times New Roman" panose="02020603050405020304" pitchFamily="18" charset="0"/>
+                <a:ea typeface="ＭＳ Ｐゴシック" panose="020B0600070205080204" pitchFamily="34" charset="-128"/>
+              </a:defRPr>
+            </a:lvl9pPr>
+          </a:lstStyle>
+          <a:p>
+            <a:pPr eaLnBrk="1" hangingPunct="1">
+              <a:lnSpc>
+                <a:spcPct val="80000"/>
+              </a:lnSpc>
+              <a:spcBef>
+                <a:spcPct val="20000"/>
+              </a:spcBef>
+            </a:pPr>
+            <a:r>
+              <a:rPr lang="en-US" altLang="ja-JP" sz="1780" dirty="0">
+                <a:solidFill>
+                  <a:srgbClr val="FF0000"/>
+                </a:solidFill>
+                <a:latin typeface="UD デジタル 教科書体 NP" panose="02020400000000000000" pitchFamily="18" charset="-128"/>
+                <a:ea typeface="UD デジタル 教科書体 NP" panose="02020400000000000000" pitchFamily="18" charset="-128"/>
+              </a:rPr>
+              <a:t>3-2. </a:t>
+            </a:r>
+            <a:r>
+              <a:rPr lang="ja-JP" altLang="en-US" sz="1780" dirty="0">
+                <a:solidFill>
+                  <a:srgbClr val="FF0000"/>
+                </a:solidFill>
+                <a:latin typeface="UD デジタル 教科書体 NP" panose="02020400000000000000" pitchFamily="18" charset="-128"/>
+                <a:ea typeface="UD デジタル 教科書体 NP" panose="02020400000000000000" pitchFamily="18" charset="-128"/>
+              </a:rPr>
+              <a:t>状態遷移</a:t>
+            </a:r>
+          </a:p>
+          <a:p>
+            <a:pPr eaLnBrk="1" hangingPunct="1">
+              <a:lnSpc>
+                <a:spcPct val="80000"/>
+              </a:lnSpc>
+              <a:spcBef>
+                <a:spcPct val="20000"/>
+              </a:spcBef>
+            </a:pPr>
+            <a:r>
+              <a:rPr lang="ja-JP" altLang="en-US" sz="1400" dirty="0">
+                <a:latin typeface="UD デジタル 教科書体 NP" panose="02020400000000000000" pitchFamily="18" charset="-128"/>
+                <a:ea typeface="UD デジタル 教科書体 NP" panose="02020400000000000000" pitchFamily="18" charset="-128"/>
+              </a:rPr>
+              <a:t>さ</a:t>
+            </a:r>
+            <a:endParaRPr lang="en-US" altLang="ja-JP" sz="1400" dirty="0">
+              <a:latin typeface="UD デジタル 教科書体 NP" panose="02020400000000000000" pitchFamily="18" charset="-128"/>
+              <a:ea typeface="UD デジタル 教科書体 NP" panose="02020400000000000000" pitchFamily="18" charset="-128"/>
+            </a:endParaRPr>
+          </a:p>
+        </p:txBody>
+      </p:sp>
       <p:pic>
         <p:nvPicPr>
-          <p:cNvPr id="62" name="図 61">
+          <p:cNvPr id="15" name="図 14">
             <a:extLst>
               <a:ext uri="{FF2B5EF4-FFF2-40B4-BE49-F238E27FC236}">
-                <a16:creationId xmlns:a16="http://schemas.microsoft.com/office/drawing/2014/main" id="{92061A3D-E79D-4362-4F21-3B5F8D7623A6}"/>
+                <a16:creationId xmlns:a16="http://schemas.microsoft.com/office/drawing/2014/main" id="{4CACD60B-AE06-978E-CE14-684457E54830}"/>
               </a:ext>
             </a:extLst>
           </p:cNvPr>
@@ -14286,251 +14762,20 @@
         </p:blipFill>
         <p:spPr>
           <a:xfrm>
-            <a:off x="10305470" y="2697312"/>
-            <a:ext cx="4602163" cy="1496466"/>
+            <a:off x="184899" y="3030206"/>
+            <a:ext cx="2592395" cy="3435057"/>
           </a:xfrm>
           <a:prstGeom prst="rect">
             <a:avLst/>
           </a:prstGeom>
         </p:spPr>
       </p:pic>
-      <p:sp>
-        <p:nvSpPr>
-          <p:cNvPr id="64" name="テキスト ボックス 63">
+      <p:pic>
+        <p:nvPicPr>
+          <p:cNvPr id="21" name="図 20">
             <a:extLst>
               <a:ext uri="{FF2B5EF4-FFF2-40B4-BE49-F238E27FC236}">
-                <a16:creationId xmlns:a16="http://schemas.microsoft.com/office/drawing/2014/main" id="{82FFDF18-C914-57AC-140E-35FC6F9800F6}"/>
-              </a:ext>
-            </a:extLst>
-          </p:cNvPr>
-          <p:cNvSpPr txBox="1"/>
-          <p:nvPr/>
-        </p:nvSpPr>
-        <p:spPr>
-          <a:xfrm>
-            <a:off x="7343651" y="4197117"/>
-            <a:ext cx="3015274" cy="284693"/>
-          </a:xfrm>
-          <a:prstGeom prst="rect">
-            <a:avLst/>
-          </a:prstGeom>
-          <a:noFill/>
-        </p:spPr>
-        <p:txBody>
-          <a:bodyPr wrap="square" rtlCol="0">
-            <a:spAutoFit/>
-          </a:bodyPr>
-          <a:lstStyle/>
-          <a:p>
-            <a:r>
-              <a:rPr kumimoji="1" lang="ja-JP" altLang="en-US" sz="1250" dirty="0">
-                <a:latin typeface="BIZ UDPゴシック" panose="020B0400000000000000" pitchFamily="50" charset="-128"/>
-                <a:ea typeface="BIZ UDPゴシック" panose="020B0400000000000000" pitchFamily="50" charset="-128"/>
-              </a:rPr>
-              <a:t>図</a:t>
-            </a:r>
-            <a:r>
-              <a:rPr kumimoji="1" lang="en-US" altLang="ja-JP" sz="1250" dirty="0">
-                <a:latin typeface="BIZ UDPゴシック" panose="020B0400000000000000" pitchFamily="50" charset="-128"/>
-                <a:ea typeface="BIZ UDPゴシック" panose="020B0400000000000000" pitchFamily="50" charset="-128"/>
-              </a:rPr>
-              <a:t>3.2</a:t>
-            </a:r>
-            <a:r>
-              <a:rPr lang="ja-JP" altLang="en-US" sz="1250" dirty="0">
-                <a:latin typeface="BIZ UDPゴシック" panose="020B0400000000000000" pitchFamily="50" charset="-128"/>
-                <a:ea typeface="BIZ UDPゴシック" panose="020B0400000000000000" pitchFamily="50" charset="-128"/>
-              </a:rPr>
-              <a:t> ダブルループ攻略</a:t>
-            </a:r>
-            <a:r>
-              <a:rPr lang="en-US" altLang="ja-JP" sz="1250" dirty="0">
-                <a:latin typeface="BIZ UDPゴシック" panose="020B0400000000000000" pitchFamily="50" charset="-128"/>
-                <a:ea typeface="BIZ UDPゴシック" panose="020B0400000000000000" pitchFamily="50" charset="-128"/>
-              </a:rPr>
-              <a:t>(</a:t>
-            </a:r>
-            <a:r>
-              <a:rPr lang="ja-JP" altLang="en-US" sz="1250" dirty="0">
-                <a:latin typeface="BIZ UDPゴシック" panose="020B0400000000000000" pitchFamily="50" charset="-128"/>
-                <a:ea typeface="BIZ UDPゴシック" panose="020B0400000000000000" pitchFamily="50" charset="-128"/>
-              </a:rPr>
-              <a:t>シーケンス図</a:t>
-            </a:r>
-            <a:r>
-              <a:rPr lang="en-US" altLang="ja-JP" sz="1250" dirty="0">
-                <a:latin typeface="BIZ UDPゴシック" panose="020B0400000000000000" pitchFamily="50" charset="-128"/>
-                <a:ea typeface="BIZ UDPゴシック" panose="020B0400000000000000" pitchFamily="50" charset="-128"/>
-              </a:rPr>
-              <a:t>)</a:t>
-            </a:r>
-            <a:endParaRPr kumimoji="1" lang="ja-JP" altLang="en-US" sz="1200" dirty="0">
-              <a:latin typeface="BIZ UDPゴシック" panose="020B0400000000000000" pitchFamily="50" charset="-128"/>
-              <a:ea typeface="BIZ UDPゴシック" panose="020B0400000000000000" pitchFamily="50" charset="-128"/>
-            </a:endParaRPr>
-          </a:p>
-        </p:txBody>
-      </p:sp>
-      <p:sp>
-        <p:nvSpPr>
-          <p:cNvPr id="67" name="テキスト ボックス 66">
-            <a:extLst>
-              <a:ext uri="{FF2B5EF4-FFF2-40B4-BE49-F238E27FC236}">
-                <a16:creationId xmlns:a16="http://schemas.microsoft.com/office/drawing/2014/main" id="{0B29F00F-CF7E-40B4-AAAC-F0BAED7C1500}"/>
-              </a:ext>
-            </a:extLst>
-          </p:cNvPr>
-          <p:cNvSpPr txBox="1"/>
-          <p:nvPr/>
-        </p:nvSpPr>
-        <p:spPr>
-          <a:xfrm>
-            <a:off x="10881849" y="4152884"/>
-            <a:ext cx="3753046" cy="284693"/>
-          </a:xfrm>
-          <a:prstGeom prst="rect">
-            <a:avLst/>
-          </a:prstGeom>
-          <a:noFill/>
-        </p:spPr>
-        <p:txBody>
-          <a:bodyPr wrap="square" rtlCol="0">
-            <a:spAutoFit/>
-          </a:bodyPr>
-          <a:lstStyle/>
-          <a:p>
-            <a:r>
-              <a:rPr kumimoji="1" lang="ja-JP" altLang="en-US" sz="1250" dirty="0">
-                <a:latin typeface="BIZ UDPゴシック" panose="020B0400000000000000" pitchFamily="50" charset="-128"/>
-                <a:ea typeface="BIZ UDPゴシック" panose="020B0400000000000000" pitchFamily="50" charset="-128"/>
-              </a:rPr>
-              <a:t>図</a:t>
-            </a:r>
-            <a:r>
-              <a:rPr kumimoji="1" lang="en-US" altLang="ja-JP" sz="1250" dirty="0">
-                <a:latin typeface="BIZ UDPゴシック" panose="020B0400000000000000" pitchFamily="50" charset="-128"/>
-                <a:ea typeface="BIZ UDPゴシック" panose="020B0400000000000000" pitchFamily="50" charset="-128"/>
-              </a:rPr>
-              <a:t>3.4</a:t>
-            </a:r>
-            <a:r>
-              <a:rPr lang="ja-JP" altLang="en-US" sz="1250" dirty="0">
-                <a:latin typeface="BIZ UDPゴシック" panose="020B0400000000000000" pitchFamily="50" charset="-128"/>
-                <a:ea typeface="BIZ UDPゴシック" panose="020B0400000000000000" pitchFamily="50" charset="-128"/>
-              </a:rPr>
-              <a:t> 進路決定アクションの振舞い</a:t>
-            </a:r>
-            <a:r>
-              <a:rPr lang="en-US" altLang="ja-JP" sz="1250" dirty="0">
-                <a:latin typeface="BIZ UDPゴシック" panose="020B0400000000000000" pitchFamily="50" charset="-128"/>
-                <a:ea typeface="BIZ UDPゴシック" panose="020B0400000000000000" pitchFamily="50" charset="-128"/>
-              </a:rPr>
-              <a:t>(</a:t>
-            </a:r>
-            <a:r>
-              <a:rPr lang="ja-JP" altLang="en-US" sz="1250" dirty="0">
-                <a:latin typeface="BIZ UDPゴシック" panose="020B0400000000000000" pitchFamily="50" charset="-128"/>
-                <a:ea typeface="BIZ UDPゴシック" panose="020B0400000000000000" pitchFamily="50" charset="-128"/>
-              </a:rPr>
-              <a:t>シーケンス図</a:t>
-            </a:r>
-            <a:r>
-              <a:rPr lang="en-US" altLang="ja-JP" sz="1250" dirty="0">
-                <a:latin typeface="BIZ UDPゴシック" panose="020B0400000000000000" pitchFamily="50" charset="-128"/>
-                <a:ea typeface="BIZ UDPゴシック" panose="020B0400000000000000" pitchFamily="50" charset="-128"/>
-              </a:rPr>
-              <a:t>)</a:t>
-            </a:r>
-            <a:endParaRPr kumimoji="1" lang="ja-JP" altLang="en-US" sz="1200" dirty="0">
-              <a:latin typeface="BIZ UDPゴシック" panose="020B0400000000000000" pitchFamily="50" charset="-128"/>
-              <a:ea typeface="BIZ UDPゴシック" panose="020B0400000000000000" pitchFamily="50" charset="-128"/>
-            </a:endParaRPr>
-          </a:p>
-        </p:txBody>
-      </p:sp>
-      <p:sp>
-        <p:nvSpPr>
-          <p:cNvPr id="68" name="テキスト ボックス 67">
-            <a:extLst>
-              <a:ext uri="{FF2B5EF4-FFF2-40B4-BE49-F238E27FC236}">
-                <a16:creationId xmlns:a16="http://schemas.microsoft.com/office/drawing/2014/main" id="{90B64CA5-F437-55AE-EE56-FFD9FD2A6B69}"/>
-              </a:ext>
-            </a:extLst>
-          </p:cNvPr>
-          <p:cNvSpPr txBox="1"/>
-          <p:nvPr/>
-        </p:nvSpPr>
-        <p:spPr>
-          <a:xfrm>
-            <a:off x="10798559" y="2393578"/>
-            <a:ext cx="3919625" cy="284693"/>
-          </a:xfrm>
-          <a:prstGeom prst="rect">
-            <a:avLst/>
-          </a:prstGeom>
-          <a:noFill/>
-        </p:spPr>
-        <p:txBody>
-          <a:bodyPr wrap="square" rtlCol="0">
-            <a:spAutoFit/>
-          </a:bodyPr>
-          <a:lstStyle/>
-          <a:p>
-            <a:r>
-              <a:rPr kumimoji="1" lang="ja-JP" altLang="en-US" sz="1250" dirty="0">
-                <a:latin typeface="BIZ UDPゴシック" panose="020B0400000000000000" pitchFamily="50" charset="-128"/>
-                <a:ea typeface="BIZ UDPゴシック" panose="020B0400000000000000" pitchFamily="50" charset="-128"/>
-              </a:rPr>
-              <a:t>図</a:t>
-            </a:r>
-            <a:r>
-              <a:rPr kumimoji="1" lang="en-US" altLang="ja-JP" sz="1250" dirty="0">
-                <a:latin typeface="BIZ UDPゴシック" panose="020B0400000000000000" pitchFamily="50" charset="-128"/>
-                <a:ea typeface="BIZ UDPゴシック" panose="020B0400000000000000" pitchFamily="50" charset="-128"/>
-              </a:rPr>
-              <a:t>3.3</a:t>
-            </a:r>
-            <a:r>
-              <a:rPr lang="ja-JP" altLang="en-US" sz="1250" dirty="0">
-                <a:latin typeface="BIZ UDPゴシック" panose="020B0400000000000000" pitchFamily="50" charset="-128"/>
-                <a:ea typeface="BIZ UDPゴシック" panose="020B0400000000000000" pitchFamily="50" charset="-128"/>
-              </a:rPr>
-              <a:t> マップ記憶アクションの振舞い</a:t>
-            </a:r>
-            <a:r>
-              <a:rPr lang="en-US" altLang="ja-JP" sz="1250" dirty="0">
-                <a:latin typeface="BIZ UDPゴシック" panose="020B0400000000000000" pitchFamily="50" charset="-128"/>
-                <a:ea typeface="BIZ UDPゴシック" panose="020B0400000000000000" pitchFamily="50" charset="-128"/>
-              </a:rPr>
-              <a:t>(</a:t>
-            </a:r>
-            <a:r>
-              <a:rPr lang="ja-JP" altLang="en-US" sz="1250" dirty="0">
-                <a:latin typeface="BIZ UDPゴシック" panose="020B0400000000000000" pitchFamily="50" charset="-128"/>
-                <a:ea typeface="BIZ UDPゴシック" panose="020B0400000000000000" pitchFamily="50" charset="-128"/>
-              </a:rPr>
-              <a:t>シーケンス図</a:t>
-            </a:r>
-            <a:r>
-              <a:rPr lang="en-US" altLang="ja-JP" sz="1250" dirty="0">
-                <a:latin typeface="BIZ UDPゴシック" panose="020B0400000000000000" pitchFamily="50" charset="-128"/>
-                <a:ea typeface="BIZ UDPゴシック" panose="020B0400000000000000" pitchFamily="50" charset="-128"/>
-              </a:rPr>
-              <a:t>)</a:t>
-            </a:r>
-            <a:endParaRPr kumimoji="1" lang="ja-JP" altLang="en-US" sz="1200" dirty="0">
-              <a:latin typeface="BIZ UDPゴシック" panose="020B0400000000000000" pitchFamily="50" charset="-128"/>
-              <a:ea typeface="BIZ UDPゴシック" panose="020B0400000000000000" pitchFamily="50" charset="-128"/>
-            </a:endParaRPr>
-          </a:p>
-        </p:txBody>
-      </p:sp>
-      <p:pic>
-        <p:nvPicPr>
-          <p:cNvPr id="70" name="図 69">
-            <a:extLst>
-              <a:ext uri="{FF2B5EF4-FFF2-40B4-BE49-F238E27FC236}">
-                <a16:creationId xmlns:a16="http://schemas.microsoft.com/office/drawing/2014/main" id="{DDE1E2C3-CB89-C741-8480-E6DE54462477}"/>
+                <a16:creationId xmlns:a16="http://schemas.microsoft.com/office/drawing/2014/main" id="{7926BB78-E260-5C15-7585-7254E3DF65D3}"/>
               </a:ext>
             </a:extLst>
           </p:cNvPr>
@@ -14547,8 +14792,8 @@
         </p:blipFill>
         <p:spPr>
           <a:xfrm>
-            <a:off x="324721" y="4120476"/>
-            <a:ext cx="5290738" cy="6265990"/>
+            <a:off x="4821393" y="6816408"/>
+            <a:ext cx="4190695" cy="3426042"/>
           </a:xfrm>
           <a:prstGeom prst="rect">
             <a:avLst/>
@@ -14557,10 +14802,10 @@
       </p:pic>
       <p:pic>
         <p:nvPicPr>
-          <p:cNvPr id="72" name="図 71">
+          <p:cNvPr id="37" name="図 36">
             <a:extLst>
               <a:ext uri="{FF2B5EF4-FFF2-40B4-BE49-F238E27FC236}">
-                <a16:creationId xmlns:a16="http://schemas.microsoft.com/office/drawing/2014/main" id="{75809EFC-F831-4266-7803-AD8DD2868651}"/>
+                <a16:creationId xmlns:a16="http://schemas.microsoft.com/office/drawing/2014/main" id="{03B94A87-CB33-CD3A-4C9A-09D56EC95F46}"/>
               </a:ext>
             </a:extLst>
           </p:cNvPr>
@@ -14577,8 +14822,8 @@
         </p:blipFill>
         <p:spPr>
           <a:xfrm>
-            <a:off x="5647418" y="4440916"/>
-            <a:ext cx="5080609" cy="3778083"/>
+            <a:off x="8032051" y="3008449"/>
+            <a:ext cx="3530082" cy="1025335"/>
           </a:xfrm>
           <a:prstGeom prst="rect">
             <a:avLst/>
@@ -14587,10 +14832,10 @@
       </p:pic>
       <p:pic>
         <p:nvPicPr>
-          <p:cNvPr id="74" name="図 73">
+          <p:cNvPr id="40" name="図 39">
             <a:extLst>
               <a:ext uri="{FF2B5EF4-FFF2-40B4-BE49-F238E27FC236}">
-                <a16:creationId xmlns:a16="http://schemas.microsoft.com/office/drawing/2014/main" id="{909CDABD-9479-83B5-6740-0FA8EE06E324}"/>
+                <a16:creationId xmlns:a16="http://schemas.microsoft.com/office/drawing/2014/main" id="{109A1086-0B0D-ECEB-0D55-087A84AC2E4D}"/>
               </a:ext>
             </a:extLst>
           </p:cNvPr>
@@ -14607,8 +14852,8 @@
         </p:blipFill>
         <p:spPr>
           <a:xfrm>
-            <a:off x="5705767" y="8370242"/>
-            <a:ext cx="9054708" cy="1972607"/>
+            <a:off x="11592123" y="3008449"/>
+            <a:ext cx="3346136" cy="1025335"/>
           </a:xfrm>
           <a:prstGeom prst="rect">
             <a:avLst/>
@@ -14617,10 +14862,10 @@
       </p:pic>
       <p:pic>
         <p:nvPicPr>
-          <p:cNvPr id="76" name="図 75">
+          <p:cNvPr id="42" name="図 41">
             <a:extLst>
               <a:ext uri="{FF2B5EF4-FFF2-40B4-BE49-F238E27FC236}">
-                <a16:creationId xmlns:a16="http://schemas.microsoft.com/office/drawing/2014/main" id="{BF9C91CD-26B9-3095-A87B-D69E17C1415E}"/>
+                <a16:creationId xmlns:a16="http://schemas.microsoft.com/office/drawing/2014/main" id="{5545683C-A1AF-4F56-A886-89E43BFFE917}"/>
               </a:ext>
             </a:extLst>
           </p:cNvPr>
@@ -14637,8 +14882,8 @@
         </p:blipFill>
         <p:spPr>
           <a:xfrm>
-            <a:off x="10728027" y="4481811"/>
-            <a:ext cx="4134424" cy="1070742"/>
+            <a:off x="8056346" y="4448609"/>
+            <a:ext cx="3505787" cy="1257337"/>
           </a:xfrm>
           <a:prstGeom prst="rect">
             <a:avLst/>
@@ -14647,10 +14892,10 @@
       </p:pic>
       <p:pic>
         <p:nvPicPr>
-          <p:cNvPr id="78" name="図 77">
+          <p:cNvPr id="44" name="図 43">
             <a:extLst>
               <a:ext uri="{FF2B5EF4-FFF2-40B4-BE49-F238E27FC236}">
-                <a16:creationId xmlns:a16="http://schemas.microsoft.com/office/drawing/2014/main" id="{0CB4DF8F-BD17-C4BD-13DA-D0256FBA5DCD}"/>
+                <a16:creationId xmlns:a16="http://schemas.microsoft.com/office/drawing/2014/main" id="{9EF90E28-4E8F-566B-D246-2D0776E70378}"/>
               </a:ext>
             </a:extLst>
           </p:cNvPr>
@@ -14667,8 +14912,8 @@
         </p:blipFill>
         <p:spPr>
           <a:xfrm>
-            <a:off x="10728027" y="5752246"/>
-            <a:ext cx="4128911" cy="1098574"/>
+            <a:off x="8003183" y="665386"/>
+            <a:ext cx="6906208" cy="2107945"/>
           </a:xfrm>
           <a:prstGeom prst="rect">
             <a:avLst/>
@@ -14677,10 +14922,10 @@
       </p:pic>
       <p:pic>
         <p:nvPicPr>
-          <p:cNvPr id="80" name="図 79">
+          <p:cNvPr id="46" name="図 45">
             <a:extLst>
               <a:ext uri="{FF2B5EF4-FFF2-40B4-BE49-F238E27FC236}">
-                <a16:creationId xmlns:a16="http://schemas.microsoft.com/office/drawing/2014/main" id="{FA16B7D6-6953-9BCC-531B-2917837341B3}"/>
+                <a16:creationId xmlns:a16="http://schemas.microsoft.com/office/drawing/2014/main" id="{922B741C-D096-C726-AA5B-2ECFF66BC725}"/>
               </a:ext>
             </a:extLst>
           </p:cNvPr>
@@ -14697,8 +14942,8 @@
         </p:blipFill>
         <p:spPr>
           <a:xfrm>
-            <a:off x="10800035" y="7011466"/>
-            <a:ext cx="4076143" cy="1194207"/>
+            <a:off x="11565795" y="4409802"/>
+            <a:ext cx="3359016" cy="1226817"/>
           </a:xfrm>
           <a:prstGeom prst="rect">
             <a:avLst/>
@@ -14707,10 +14952,10 @@
       </p:pic>
       <p:sp>
         <p:nvSpPr>
-          <p:cNvPr id="81" name="テキスト ボックス 80">
+          <p:cNvPr id="47" name="テキスト ボックス 46">
             <a:extLst>
               <a:ext uri="{FF2B5EF4-FFF2-40B4-BE49-F238E27FC236}">
-                <a16:creationId xmlns:a16="http://schemas.microsoft.com/office/drawing/2014/main" id="{7BE8760F-FB7E-7BA7-DEA9-CD50850D5696}"/>
+                <a16:creationId xmlns:a16="http://schemas.microsoft.com/office/drawing/2014/main" id="{4D9A6FDB-F16A-807C-0944-E416ABBC148D}"/>
               </a:ext>
             </a:extLst>
           </p:cNvPr>
@@ -14719,8 +14964,8 @@
         </p:nvSpPr>
         <p:spPr>
           <a:xfrm>
-            <a:off x="546415" y="10317797"/>
-            <a:ext cx="5112568" cy="284693"/>
+            <a:off x="11207746" y="5633938"/>
+            <a:ext cx="3888432" cy="477054"/>
           </a:xfrm>
           <a:prstGeom prst="rect">
             <a:avLst/>
@@ -14733,6 +14978,7 @@
           </a:bodyPr>
           <a:lstStyle/>
           <a:p>
+            <a:pPr algn="ctr"/>
             <a:r>
               <a:rPr kumimoji="1" lang="ja-JP" altLang="en-US" sz="1250" dirty="0">
                 <a:latin typeface="BIZ UDPゴシック" panose="020B0400000000000000" pitchFamily="50" charset="-128"/>
@@ -14745,476 +14991,52 @@
                 <a:latin typeface="BIZ UDPゴシック" panose="020B0400000000000000" pitchFamily="50" charset="-128"/>
                 <a:ea typeface="BIZ UDPゴシック" panose="020B0400000000000000" pitchFamily="50" charset="-128"/>
               </a:rPr>
-              <a:t>3.5 </a:t>
+              <a:t>3.10 </a:t>
+            </a:r>
+            <a:r>
+              <a:rPr kumimoji="1" lang="ja-JP" altLang="en-US" sz="1250" dirty="0">
+                <a:latin typeface="BIZ UDPゴシック" panose="020B0400000000000000" pitchFamily="50" charset="-128"/>
+                <a:ea typeface="BIZ UDPゴシック" panose="020B0400000000000000" pitchFamily="50" charset="-128"/>
+              </a:rPr>
+              <a:t>駆動</a:t>
             </a:r>
             <a:r>
               <a:rPr lang="ja-JP" altLang="en-US" sz="1250" dirty="0">
                 <a:latin typeface="BIZ UDPゴシック" panose="020B0400000000000000" pitchFamily="50" charset="-128"/>
                 <a:ea typeface="BIZ UDPゴシック" panose="020B0400000000000000" pitchFamily="50" charset="-128"/>
               </a:rPr>
-              <a:t>走行アクションの振舞い</a:t>
-            </a:r>
-            <a:r>
-              <a:rPr lang="en-US" altLang="ja-JP" sz="1250" dirty="0">
+              <a:t>の振舞い</a:t>
+            </a:r>
+            <a:r>
+              <a:rPr kumimoji="1" lang="en-US" altLang="ja-JP" sz="1250" dirty="0">
                 <a:latin typeface="BIZ UDPゴシック" panose="020B0400000000000000" pitchFamily="50" charset="-128"/>
                 <a:ea typeface="BIZ UDPゴシック" panose="020B0400000000000000" pitchFamily="50" charset="-128"/>
               </a:rPr>
               <a:t>(</a:t>
             </a:r>
-            <a:r>
-              <a:rPr lang="ja-JP" altLang="en-US" sz="1250" dirty="0">
-                <a:latin typeface="BIZ UDPゴシック" panose="020B0400000000000000" pitchFamily="50" charset="-128"/>
-                <a:ea typeface="BIZ UDPゴシック" panose="020B0400000000000000" pitchFamily="50" charset="-128"/>
-              </a:rPr>
-              <a:t>ライントレース走行</a:t>
-            </a:r>
-            <a:r>
-              <a:rPr lang="en-US" altLang="ja-JP" sz="1250" dirty="0">
-                <a:latin typeface="BIZ UDPゴシック" panose="020B0400000000000000" pitchFamily="50" charset="-128"/>
-                <a:ea typeface="BIZ UDPゴシック" panose="020B0400000000000000" pitchFamily="50" charset="-128"/>
-              </a:rPr>
-              <a:t>)(</a:t>
-            </a:r>
-            <a:r>
-              <a:rPr lang="ja-JP" altLang="en-US" sz="1250" dirty="0">
-                <a:latin typeface="BIZ UDPゴシック" panose="020B0400000000000000" pitchFamily="50" charset="-128"/>
-                <a:ea typeface="BIZ UDPゴシック" panose="020B0400000000000000" pitchFamily="50" charset="-128"/>
-              </a:rPr>
-              <a:t>シーケンス図</a:t>
-            </a:r>
-            <a:r>
-              <a:rPr lang="en-US" altLang="ja-JP" sz="1250" dirty="0">
-                <a:latin typeface="BIZ UDPゴシック" panose="020B0400000000000000" pitchFamily="50" charset="-128"/>
-                <a:ea typeface="BIZ UDPゴシック" panose="020B0400000000000000" pitchFamily="50" charset="-128"/>
-              </a:rPr>
-              <a:t>)</a:t>
-            </a:r>
-            <a:endParaRPr kumimoji="1" lang="ja-JP" altLang="en-US" sz="1200" dirty="0">
-              <a:latin typeface="BIZ UDPゴシック" panose="020B0400000000000000" pitchFamily="50" charset="-128"/>
-              <a:ea typeface="BIZ UDPゴシック" panose="020B0400000000000000" pitchFamily="50" charset="-128"/>
-            </a:endParaRPr>
-          </a:p>
-        </p:txBody>
-      </p:sp>
-      <p:sp>
-        <p:nvSpPr>
-          <p:cNvPr id="3" name="テキスト ボックス 2">
-            <a:extLst>
-              <a:ext uri="{FF2B5EF4-FFF2-40B4-BE49-F238E27FC236}">
-                <a16:creationId xmlns:a16="http://schemas.microsoft.com/office/drawing/2014/main" id="{60858375-8326-DA54-D979-97679464EE11}"/>
-              </a:ext>
-            </a:extLst>
-          </p:cNvPr>
-          <p:cNvSpPr txBox="1"/>
-          <p:nvPr/>
-        </p:nvSpPr>
-        <p:spPr>
-          <a:xfrm>
-            <a:off x="6054481" y="8145611"/>
-            <a:ext cx="4583122" cy="284693"/>
-          </a:xfrm>
-          <a:prstGeom prst="rect">
-            <a:avLst/>
-          </a:prstGeom>
-          <a:noFill/>
-        </p:spPr>
-        <p:txBody>
-          <a:bodyPr wrap="square" rtlCol="0">
-            <a:spAutoFit/>
-          </a:bodyPr>
-          <a:lstStyle/>
-          <a:p>
             <a:r>
               <a:rPr kumimoji="1" lang="ja-JP" altLang="en-US" sz="1250" dirty="0">
                 <a:latin typeface="BIZ UDPゴシック" panose="020B0400000000000000" pitchFamily="50" charset="-128"/>
                 <a:ea typeface="BIZ UDPゴシック" panose="020B0400000000000000" pitchFamily="50" charset="-128"/>
               </a:rPr>
-              <a:t>図</a:t>
+              <a:t>走行履歴取得</a:t>
             </a:r>
             <a:r>
               <a:rPr kumimoji="1" lang="en-US" altLang="ja-JP" sz="1250" dirty="0">
                 <a:latin typeface="BIZ UDPゴシック" panose="020B0400000000000000" pitchFamily="50" charset="-128"/>
                 <a:ea typeface="BIZ UDPゴシック" panose="020B0400000000000000" pitchFamily="50" charset="-128"/>
               </a:rPr>
-              <a:t>3.6 </a:t>
-            </a:r>
-            <a:r>
-              <a:rPr lang="ja-JP" altLang="en-US" sz="1250" dirty="0">
-                <a:latin typeface="BIZ UDPゴシック" panose="020B0400000000000000" pitchFamily="50" charset="-128"/>
-                <a:ea typeface="BIZ UDPゴシック" panose="020B0400000000000000" pitchFamily="50" charset="-128"/>
-              </a:rPr>
-              <a:t>走行アクションの振舞い</a:t>
-            </a:r>
-            <a:r>
-              <a:rPr lang="en-US" altLang="ja-JP" sz="1250" dirty="0">
-                <a:latin typeface="BIZ UDPゴシック" panose="020B0400000000000000" pitchFamily="50" charset="-128"/>
-                <a:ea typeface="BIZ UDPゴシック" panose="020B0400000000000000" pitchFamily="50" charset="-128"/>
-              </a:rPr>
-              <a:t>(</a:t>
-            </a:r>
-            <a:r>
-              <a:rPr lang="ja-JP" altLang="en-US" sz="1250" dirty="0">
-                <a:latin typeface="BIZ UDPゴシック" panose="020B0400000000000000" pitchFamily="50" charset="-128"/>
-                <a:ea typeface="BIZ UDPゴシック" panose="020B0400000000000000" pitchFamily="50" charset="-128"/>
-              </a:rPr>
-              <a:t>巻き戻し走行</a:t>
-            </a:r>
-            <a:r>
-              <a:rPr lang="en-US" altLang="ja-JP" sz="1250" dirty="0">
-                <a:latin typeface="BIZ UDPゴシック" panose="020B0400000000000000" pitchFamily="50" charset="-128"/>
-                <a:ea typeface="BIZ UDPゴシック" panose="020B0400000000000000" pitchFamily="50" charset="-128"/>
-              </a:rPr>
-              <a:t>)(</a:t>
-            </a:r>
-            <a:r>
-              <a:rPr lang="ja-JP" altLang="en-US" sz="1250" dirty="0">
-                <a:latin typeface="BIZ UDPゴシック" panose="020B0400000000000000" pitchFamily="50" charset="-128"/>
-                <a:ea typeface="BIZ UDPゴシック" panose="020B0400000000000000" pitchFamily="50" charset="-128"/>
-              </a:rPr>
-              <a:t>シーケンス図</a:t>
-            </a:r>
-            <a:r>
-              <a:rPr lang="en-US" altLang="ja-JP" sz="1250" dirty="0">
-                <a:latin typeface="BIZ UDPゴシック" panose="020B0400000000000000" pitchFamily="50" charset="-128"/>
-                <a:ea typeface="BIZ UDPゴシック" panose="020B0400000000000000" pitchFamily="50" charset="-128"/>
-              </a:rPr>
               <a:t>)</a:t>
             </a:r>
-            <a:endParaRPr kumimoji="1" lang="ja-JP" altLang="en-US" sz="1200" dirty="0">
-              <a:latin typeface="BIZ UDPゴシック" panose="020B0400000000000000" pitchFamily="50" charset="-128"/>
-              <a:ea typeface="BIZ UDPゴシック" panose="020B0400000000000000" pitchFamily="50" charset="-128"/>
-            </a:endParaRPr>
-          </a:p>
-        </p:txBody>
-      </p:sp>
-      <p:sp>
-        <p:nvSpPr>
-          <p:cNvPr id="4" name="テキスト ボックス 3">
-            <a:extLst>
-              <a:ext uri="{FF2B5EF4-FFF2-40B4-BE49-F238E27FC236}">
-                <a16:creationId xmlns:a16="http://schemas.microsoft.com/office/drawing/2014/main" id="{1280A86F-16E9-3C40-15E2-2BBC1758FFFC}"/>
-              </a:ext>
-            </a:extLst>
-          </p:cNvPr>
-          <p:cNvSpPr txBox="1"/>
-          <p:nvPr/>
-        </p:nvSpPr>
-        <p:spPr>
-          <a:xfrm>
-            <a:off x="11539102" y="5471038"/>
-            <a:ext cx="2907797" cy="284693"/>
-          </a:xfrm>
-          <a:prstGeom prst="rect">
-            <a:avLst/>
-          </a:prstGeom>
-          <a:noFill/>
-        </p:spPr>
-        <p:txBody>
-          <a:bodyPr wrap="square" rtlCol="0">
-            <a:spAutoFit/>
-          </a:bodyPr>
-          <a:lstStyle/>
-          <a:p>
-            <a:r>
-              <a:rPr kumimoji="1" lang="ja-JP" altLang="en-US" sz="1250" dirty="0">
-                <a:latin typeface="BIZ UDPゴシック" panose="020B0400000000000000" pitchFamily="50" charset="-128"/>
-                <a:ea typeface="BIZ UDPゴシック" panose="020B0400000000000000" pitchFamily="50" charset="-128"/>
-              </a:rPr>
-              <a:t>図</a:t>
-            </a:r>
+          </a:p>
+          <a:p>
+            <a:pPr algn="ctr"/>
             <a:r>
               <a:rPr kumimoji="1" lang="en-US" altLang="ja-JP" sz="1250" dirty="0">
                 <a:latin typeface="BIZ UDPゴシック" panose="020B0400000000000000" pitchFamily="50" charset="-128"/>
                 <a:ea typeface="BIZ UDPゴシック" panose="020B0400000000000000" pitchFamily="50" charset="-128"/>
               </a:rPr>
-              <a:t>3.7 </a:t>
-            </a:r>
-            <a:r>
-              <a:rPr lang="ja-JP" altLang="en-US" sz="1250" dirty="0">
-                <a:latin typeface="BIZ UDPゴシック" panose="020B0400000000000000" pitchFamily="50" charset="-128"/>
-                <a:ea typeface="BIZ UDPゴシック" panose="020B0400000000000000" pitchFamily="50" charset="-128"/>
-              </a:rPr>
-              <a:t>駆動の振舞い</a:t>
-            </a:r>
-            <a:r>
-              <a:rPr lang="en-US" altLang="ja-JP" sz="1250" dirty="0">
-                <a:latin typeface="BIZ UDPゴシック" panose="020B0400000000000000" pitchFamily="50" charset="-128"/>
-                <a:ea typeface="BIZ UDPゴシック" panose="020B0400000000000000" pitchFamily="50" charset="-128"/>
-              </a:rPr>
               <a:t>(</a:t>
-            </a:r>
-            <a:r>
-              <a:rPr lang="ja-JP" altLang="en-US" sz="1250" dirty="0">
-                <a:latin typeface="BIZ UDPゴシック" panose="020B0400000000000000" pitchFamily="50" charset="-128"/>
-                <a:ea typeface="BIZ UDPゴシック" panose="020B0400000000000000" pitchFamily="50" charset="-128"/>
-              </a:rPr>
-              <a:t>シーケンス図</a:t>
-            </a:r>
-            <a:r>
-              <a:rPr lang="en-US" altLang="ja-JP" sz="1250" dirty="0">
-                <a:latin typeface="BIZ UDPゴシック" panose="020B0400000000000000" pitchFamily="50" charset="-128"/>
-                <a:ea typeface="BIZ UDPゴシック" panose="020B0400000000000000" pitchFamily="50" charset="-128"/>
-              </a:rPr>
-              <a:t>)</a:t>
-            </a:r>
-            <a:endParaRPr kumimoji="1" lang="ja-JP" altLang="en-US" sz="1200" dirty="0">
-              <a:latin typeface="BIZ UDPゴシック" panose="020B0400000000000000" pitchFamily="50" charset="-128"/>
-              <a:ea typeface="BIZ UDPゴシック" panose="020B0400000000000000" pitchFamily="50" charset="-128"/>
-            </a:endParaRPr>
-          </a:p>
-        </p:txBody>
-      </p:sp>
-      <p:sp>
-        <p:nvSpPr>
-          <p:cNvPr id="6" name="テキスト ボックス 5">
-            <a:extLst>
-              <a:ext uri="{FF2B5EF4-FFF2-40B4-BE49-F238E27FC236}">
-                <a16:creationId xmlns:a16="http://schemas.microsoft.com/office/drawing/2014/main" id="{24794C4B-F760-51E2-4FA3-3B2E329BEC46}"/>
-              </a:ext>
-            </a:extLst>
-          </p:cNvPr>
-          <p:cNvSpPr txBox="1"/>
-          <p:nvPr/>
-        </p:nvSpPr>
-        <p:spPr>
-          <a:xfrm>
-            <a:off x="10834743" y="6777395"/>
-            <a:ext cx="4487147" cy="284693"/>
-          </a:xfrm>
-          <a:prstGeom prst="rect">
-            <a:avLst/>
-          </a:prstGeom>
-          <a:noFill/>
-        </p:spPr>
-        <p:txBody>
-          <a:bodyPr wrap="square" rtlCol="0">
-            <a:spAutoFit/>
-          </a:bodyPr>
-          <a:lstStyle/>
-          <a:p>
-            <a:r>
-              <a:rPr kumimoji="1" lang="ja-JP" altLang="en-US" sz="1250" dirty="0">
-                <a:latin typeface="BIZ UDPゴシック" panose="020B0400000000000000" pitchFamily="50" charset="-128"/>
-                <a:ea typeface="BIZ UDPゴシック" panose="020B0400000000000000" pitchFamily="50" charset="-128"/>
-              </a:rPr>
-              <a:t>図</a:t>
-            </a:r>
-            <a:r>
-              <a:rPr kumimoji="1" lang="en-US" altLang="ja-JP" sz="1250" dirty="0">
-                <a:latin typeface="BIZ UDPゴシック" panose="020B0400000000000000" pitchFamily="50" charset="-128"/>
-                <a:ea typeface="BIZ UDPゴシック" panose="020B0400000000000000" pitchFamily="50" charset="-128"/>
-              </a:rPr>
-              <a:t>3.8 </a:t>
-            </a:r>
-            <a:r>
-              <a:rPr kumimoji="1" lang="ja-JP" altLang="en-US" sz="1250" dirty="0">
-                <a:latin typeface="BIZ UDPゴシック" panose="020B0400000000000000" pitchFamily="50" charset="-128"/>
-                <a:ea typeface="BIZ UDPゴシック" panose="020B0400000000000000" pitchFamily="50" charset="-128"/>
-              </a:rPr>
-              <a:t>知覚の振舞い</a:t>
-            </a:r>
-            <a:r>
-              <a:rPr kumimoji="1" lang="en-US" altLang="ja-JP" sz="1250" dirty="0">
-                <a:latin typeface="BIZ UDPゴシック" panose="020B0400000000000000" pitchFamily="50" charset="-128"/>
-                <a:ea typeface="BIZ UDPゴシック" panose="020B0400000000000000" pitchFamily="50" charset="-128"/>
-              </a:rPr>
-              <a:t>(</a:t>
-            </a:r>
-            <a:r>
-              <a:rPr kumimoji="1" lang="ja-JP" altLang="en-US" sz="1250" dirty="0">
-                <a:latin typeface="BIZ UDPゴシック" panose="020B0400000000000000" pitchFamily="50" charset="-128"/>
-                <a:ea typeface="BIZ UDPゴシック" panose="020B0400000000000000" pitchFamily="50" charset="-128"/>
-              </a:rPr>
-              <a:t>ライン色変化検知</a:t>
-            </a:r>
-            <a:r>
-              <a:rPr kumimoji="1" lang="en-US" altLang="ja-JP" sz="1250" dirty="0">
-                <a:latin typeface="BIZ UDPゴシック" panose="020B0400000000000000" pitchFamily="50" charset="-128"/>
-                <a:ea typeface="BIZ UDPゴシック" panose="020B0400000000000000" pitchFamily="50" charset="-128"/>
-              </a:rPr>
-              <a:t>)(</a:t>
-            </a:r>
-            <a:r>
-              <a:rPr kumimoji="1" lang="ja-JP" altLang="en-US" sz="1250" dirty="0">
-                <a:latin typeface="BIZ UDPゴシック" panose="020B0400000000000000" pitchFamily="50" charset="-128"/>
-                <a:ea typeface="BIZ UDPゴシック" panose="020B0400000000000000" pitchFamily="50" charset="-128"/>
-              </a:rPr>
-              <a:t>シーケンス図</a:t>
-            </a:r>
-            <a:r>
-              <a:rPr kumimoji="1" lang="en-US" altLang="ja-JP" sz="1250" dirty="0">
-                <a:latin typeface="BIZ UDPゴシック" panose="020B0400000000000000" pitchFamily="50" charset="-128"/>
-                <a:ea typeface="BIZ UDPゴシック" panose="020B0400000000000000" pitchFamily="50" charset="-128"/>
-              </a:rPr>
-              <a:t>)</a:t>
-            </a:r>
-            <a:endParaRPr kumimoji="1" lang="ja-JP" altLang="en-US" sz="1200" dirty="0">
-              <a:latin typeface="BIZ UDPゴシック" panose="020B0400000000000000" pitchFamily="50" charset="-128"/>
-              <a:ea typeface="BIZ UDPゴシック" panose="020B0400000000000000" pitchFamily="50" charset="-128"/>
-            </a:endParaRPr>
-          </a:p>
-        </p:txBody>
-      </p:sp>
-      <p:sp>
-        <p:nvSpPr>
-          <p:cNvPr id="7" name="テキスト ボックス 6">
-            <a:extLst>
-              <a:ext uri="{FF2B5EF4-FFF2-40B4-BE49-F238E27FC236}">
-                <a16:creationId xmlns:a16="http://schemas.microsoft.com/office/drawing/2014/main" id="{3F24D065-A7CE-999B-123D-EFCB3C897B07}"/>
-              </a:ext>
-            </a:extLst>
-          </p:cNvPr>
-          <p:cNvSpPr txBox="1"/>
-          <p:nvPr/>
-        </p:nvSpPr>
-        <p:spPr>
-          <a:xfrm>
-            <a:off x="10963784" y="8151189"/>
-            <a:ext cx="4199836" cy="284693"/>
-          </a:xfrm>
-          <a:prstGeom prst="rect">
-            <a:avLst/>
-          </a:prstGeom>
-          <a:noFill/>
-        </p:spPr>
-        <p:txBody>
-          <a:bodyPr wrap="square" rtlCol="0">
-            <a:spAutoFit/>
-          </a:bodyPr>
-          <a:lstStyle/>
-          <a:p>
-            <a:r>
-              <a:rPr kumimoji="1" lang="ja-JP" altLang="en-US" sz="1250" dirty="0">
-                <a:latin typeface="BIZ UDPゴシック" panose="020B0400000000000000" pitchFamily="50" charset="-128"/>
-                <a:ea typeface="BIZ UDPゴシック" panose="020B0400000000000000" pitchFamily="50" charset="-128"/>
-              </a:rPr>
-              <a:t>図</a:t>
-            </a:r>
-            <a:r>
-              <a:rPr kumimoji="1" lang="en-US" altLang="ja-JP" sz="1250" dirty="0">
-                <a:latin typeface="BIZ UDPゴシック" panose="020B0400000000000000" pitchFamily="50" charset="-128"/>
-                <a:ea typeface="BIZ UDPゴシック" panose="020B0400000000000000" pitchFamily="50" charset="-128"/>
-              </a:rPr>
-              <a:t>3.9 </a:t>
-            </a:r>
-            <a:r>
-              <a:rPr kumimoji="1" lang="ja-JP" altLang="en-US" sz="1250" dirty="0">
-                <a:latin typeface="BIZ UDPゴシック" panose="020B0400000000000000" pitchFamily="50" charset="-128"/>
-                <a:ea typeface="BIZ UDPゴシック" panose="020B0400000000000000" pitchFamily="50" charset="-128"/>
-              </a:rPr>
-              <a:t>知覚の振舞い</a:t>
-            </a:r>
-            <a:r>
-              <a:rPr kumimoji="1" lang="en-US" altLang="ja-JP" sz="1250" dirty="0">
-                <a:latin typeface="BIZ UDPゴシック" panose="020B0400000000000000" pitchFamily="50" charset="-128"/>
-                <a:ea typeface="BIZ UDPゴシック" panose="020B0400000000000000" pitchFamily="50" charset="-128"/>
-              </a:rPr>
-              <a:t>(</a:t>
-            </a:r>
-            <a:r>
-              <a:rPr kumimoji="1" lang="ja-JP" altLang="en-US" sz="1250" dirty="0">
-                <a:latin typeface="BIZ UDPゴシック" panose="020B0400000000000000" pitchFamily="50" charset="-128"/>
-                <a:ea typeface="BIZ UDPゴシック" panose="020B0400000000000000" pitchFamily="50" charset="-128"/>
-              </a:rPr>
-              <a:t>ラインズレ計測</a:t>
-            </a:r>
-            <a:r>
-              <a:rPr kumimoji="1" lang="en-US" altLang="ja-JP" sz="1250" dirty="0">
-                <a:latin typeface="BIZ UDPゴシック" panose="020B0400000000000000" pitchFamily="50" charset="-128"/>
-                <a:ea typeface="BIZ UDPゴシック" panose="020B0400000000000000" pitchFamily="50" charset="-128"/>
-              </a:rPr>
-              <a:t>)(</a:t>
-            </a:r>
-            <a:r>
-              <a:rPr kumimoji="1" lang="ja-JP" altLang="en-US" sz="1250" dirty="0">
-                <a:latin typeface="BIZ UDPゴシック" panose="020B0400000000000000" pitchFamily="50" charset="-128"/>
-                <a:ea typeface="BIZ UDPゴシック" panose="020B0400000000000000" pitchFamily="50" charset="-128"/>
-              </a:rPr>
-              <a:t>シーケンス図</a:t>
-            </a:r>
-            <a:r>
-              <a:rPr kumimoji="1" lang="en-US" altLang="ja-JP" sz="1250" dirty="0">
-                <a:latin typeface="BIZ UDPゴシック" panose="020B0400000000000000" pitchFamily="50" charset="-128"/>
-                <a:ea typeface="BIZ UDPゴシック" panose="020B0400000000000000" pitchFamily="50" charset="-128"/>
-              </a:rPr>
-              <a:t>)</a:t>
-            </a:r>
-            <a:endParaRPr kumimoji="1" lang="ja-JP" altLang="en-US" sz="1200" dirty="0">
-              <a:latin typeface="BIZ UDPゴシック" panose="020B0400000000000000" pitchFamily="50" charset="-128"/>
-              <a:ea typeface="BIZ UDPゴシック" panose="020B0400000000000000" pitchFamily="50" charset="-128"/>
-            </a:endParaRPr>
-          </a:p>
-        </p:txBody>
-      </p:sp>
-      <p:sp>
-        <p:nvSpPr>
-          <p:cNvPr id="8" name="テキスト ボックス 7">
-            <a:extLst>
-              <a:ext uri="{FF2B5EF4-FFF2-40B4-BE49-F238E27FC236}">
-                <a16:creationId xmlns:a16="http://schemas.microsoft.com/office/drawing/2014/main" id="{76519F4A-F324-076C-975F-C3AC18B30A31}"/>
-              </a:ext>
-            </a:extLst>
-          </p:cNvPr>
-          <p:cNvSpPr txBox="1"/>
-          <p:nvPr/>
-        </p:nvSpPr>
-        <p:spPr>
-          <a:xfrm>
-            <a:off x="8558725" y="10264001"/>
-            <a:ext cx="3888432" cy="284693"/>
-          </a:xfrm>
-          <a:prstGeom prst="rect">
-            <a:avLst/>
-          </a:prstGeom>
-          <a:noFill/>
-        </p:spPr>
-        <p:txBody>
-          <a:bodyPr wrap="square" rtlCol="0">
-            <a:spAutoFit/>
-          </a:bodyPr>
-          <a:lstStyle/>
-          <a:p>
-            <a:r>
-              <a:rPr kumimoji="1" lang="ja-JP" altLang="en-US" sz="1250" dirty="0">
-                <a:latin typeface="BIZ UDPゴシック" panose="020B0400000000000000" pitchFamily="50" charset="-128"/>
-                <a:ea typeface="BIZ UDPゴシック" panose="020B0400000000000000" pitchFamily="50" charset="-128"/>
-              </a:rPr>
-              <a:t>図</a:t>
-            </a:r>
-            <a:r>
-              <a:rPr kumimoji="1" lang="en-US" altLang="ja-JP" sz="1250" dirty="0">
-                <a:latin typeface="BIZ UDPゴシック" panose="020B0400000000000000" pitchFamily="50" charset="-128"/>
-                <a:ea typeface="BIZ UDPゴシック" panose="020B0400000000000000" pitchFamily="50" charset="-128"/>
-              </a:rPr>
-              <a:t>3.10 </a:t>
-            </a:r>
-            <a:r>
-              <a:rPr lang="ja-JP" altLang="en-US" sz="1250" dirty="0">
-                <a:latin typeface="BIZ UDPゴシック" panose="020B0400000000000000" pitchFamily="50" charset="-128"/>
-                <a:ea typeface="BIZ UDPゴシック" panose="020B0400000000000000" pitchFamily="50" charset="-128"/>
-              </a:rPr>
-              <a:t>知覚の振舞い</a:t>
-            </a:r>
-            <a:r>
-              <a:rPr kumimoji="1" lang="en-US" altLang="ja-JP" sz="1250" dirty="0">
-                <a:latin typeface="BIZ UDPゴシック" panose="020B0400000000000000" pitchFamily="50" charset="-128"/>
-                <a:ea typeface="BIZ UDPゴシック" panose="020B0400000000000000" pitchFamily="50" charset="-128"/>
-              </a:rPr>
-              <a:t>(</a:t>
-            </a:r>
-            <a:r>
-              <a:rPr kumimoji="1" lang="ja-JP" altLang="en-US" sz="1250" dirty="0">
-                <a:latin typeface="BIZ UDPゴシック" panose="020B0400000000000000" pitchFamily="50" charset="-128"/>
-                <a:ea typeface="BIZ UDPゴシック" panose="020B0400000000000000" pitchFamily="50" charset="-128"/>
-              </a:rPr>
-              <a:t>カーブ検知</a:t>
-            </a:r>
-            <a:r>
-              <a:rPr kumimoji="1" lang="en-US" altLang="ja-JP" sz="1250" dirty="0">
-                <a:latin typeface="BIZ UDPゴシック" panose="020B0400000000000000" pitchFamily="50" charset="-128"/>
-                <a:ea typeface="BIZ UDPゴシック" panose="020B0400000000000000" pitchFamily="50" charset="-128"/>
-              </a:rPr>
-              <a:t>)(</a:t>
             </a:r>
             <a:r>
               <a:rPr kumimoji="1" lang="ja-JP" altLang="en-US" sz="1250" dirty="0">
@@ -15240,7 +15062,7 @@
     </p:spTree>
     <p:extLst>
       <p:ext uri="{BB962C8B-B14F-4D97-AF65-F5344CB8AC3E}">
-        <p14:creationId xmlns:p14="http://schemas.microsoft.com/office/powerpoint/2010/main" val="2431978647"/>
+        <p14:creationId xmlns:p14="http://schemas.microsoft.com/office/powerpoint/2010/main" val="3664595359"/>
       </p:ext>
     </p:extLst>
   </p:cSld>
